--- a/PowerpointTemplate_2017.pptx
+++ b/PowerpointTemplate_2017.pptx
@@ -249,7 +249,7 @@
           <a:p>
             <a:fld id="{00242664-19E2-4A2E-B871-3461401906B3}" type="datetimeFigureOut">
               <a:rPr lang="en-GB" smtClean="0"/>
-              <a:t>18/01/2018</a:t>
+              <a:t>19/01/2018</a:t>
             </a:fld>
             <a:endParaRPr lang="en-GB"/>
           </a:p>
@@ -414,7 +414,7 @@
           <a:p>
             <a:fld id="{60EF7E2D-7B8F-4F80-BF99-5B46D35C2FAD}" type="datetimeFigureOut">
               <a:rPr lang="en-ZA" smtClean="0"/>
-              <a:t>2018/01/18</a:t>
+              <a:t>2018/01/19</a:t>
             </a:fld>
             <a:endParaRPr lang="en-ZA" dirty="0"/>
           </a:p>
@@ -1350,8 +1350,60 @@
                 <a:ea typeface="+mn-ea"/>
                 <a:cs typeface="+mn-cs"/>
               </a:rPr>
-              <a:t> unique identifier across multiple fields</a:t>
-            </a:r>
+              <a:t> unique identifier across multiple </a:t>
+            </a:r>
+            <a:r>
+              <a:rPr lang="en-US" sz="1200" b="0" i="0" kern="1200" baseline="0" dirty="0" smtClean="0">
+                <a:solidFill>
+                  <a:schemeClr val="tx1"/>
+                </a:solidFill>
+                <a:effectLst/>
+                <a:latin typeface="+mn-lt"/>
+                <a:ea typeface="+mn-ea"/>
+                <a:cs typeface="+mn-cs"/>
+              </a:rPr>
+              <a:t>fields</a:t>
+            </a:r>
+          </a:p>
+          <a:p>
+            <a:pPr marL="0" marR="0" indent="0" algn="l" defTabSz="914400" rtl="0" eaLnBrk="1" fontAlgn="auto" latinLnBrk="0" hangingPunct="1">
+              <a:lnSpc>
+                <a:spcPct val="100000"/>
+              </a:lnSpc>
+              <a:spcBef>
+                <a:spcPts val="0"/>
+              </a:spcBef>
+              <a:spcAft>
+                <a:spcPts val="0"/>
+              </a:spcAft>
+              <a:buClrTx/>
+              <a:buSzTx/>
+              <a:buFontTx/>
+              <a:buNone/>
+              <a:tabLst/>
+              <a:defRPr/>
+            </a:pPr>
+            <a:r>
+              <a:rPr lang="en-US" sz="1200" b="0" i="0" kern="1200" baseline="0" dirty="0" smtClean="0">
+                <a:solidFill>
+                  <a:schemeClr val="tx1"/>
+                </a:solidFill>
+                <a:effectLst/>
+                <a:latin typeface="+mn-lt"/>
+                <a:ea typeface="+mn-ea"/>
+                <a:cs typeface="+mn-cs"/>
+              </a:rPr>
+              <a:t>(Ref integrity)</a:t>
+            </a:r>
+            <a:endParaRPr lang="en-US" sz="1200" b="0" i="0" kern="1200" baseline="0" dirty="0" smtClean="0">
+              <a:solidFill>
+                <a:schemeClr val="tx1"/>
+              </a:solidFill>
+              <a:effectLst/>
+              <a:latin typeface="+mn-lt"/>
+              <a:ea typeface="+mn-ea"/>
+              <a:cs typeface="+mn-cs"/>
+            </a:endParaRPr>
           </a:p>
           <a:p>
             <a:endParaRPr lang="en-US" sz="1200" b="0" i="0" kern="1200" baseline="0" dirty="0" smtClean="0">
@@ -2300,7 +2352,17 @@
           <a:bodyPr/>
           <a:lstStyle/>
           <a:p>
-            <a:endParaRPr lang="en-US" dirty="0"/>
+            <a:r>
+              <a:rPr lang="en-US" dirty="0" err="1" smtClean="0"/>
+              <a:t>Redis</a:t>
+            </a:r>
+            <a:r>
+              <a:rPr lang="en-US" dirty="0" smtClean="0"/>
+              <a:t>, Mongo</a:t>
+            </a:r>
+          </a:p>
+          <a:p>
+            <a:endParaRPr lang="en-US" dirty="0" smtClean="0"/>
           </a:p>
         </p:txBody>
       </p:sp>
@@ -2370,7 +2432,7 @@
           <p:cNvPr id="6" name="Picture 5">
             <a:extLst>
               <a:ext uri="{FF2B5EF4-FFF2-40B4-BE49-F238E27FC236}">
-                <a16:creationId xmlns:a16="http://schemas.microsoft.com/office/drawing/2014/main" xmlns="" id="{BC0BF381-61DD-477F-8806-859715B48B78}"/>
+                <a16:creationId xmlns="" xmlns:a16="http://schemas.microsoft.com/office/drawing/2014/main" id="{BC0BF381-61DD-477F-8806-859715B48B78}"/>
               </a:ext>
             </a:extLst>
           </p:cNvPr>
@@ -2443,7 +2505,7 @@
           <p:cNvPr id="11" name="Picture 10">
             <a:extLst>
               <a:ext uri="{FF2B5EF4-FFF2-40B4-BE49-F238E27FC236}">
-                <a16:creationId xmlns:a16="http://schemas.microsoft.com/office/drawing/2014/main" xmlns="" id="{9DE4EBFE-8256-44E1-B31F-76EEA71D7ECA}"/>
+                <a16:creationId xmlns="" xmlns:a16="http://schemas.microsoft.com/office/drawing/2014/main" id="{9DE4EBFE-8256-44E1-B31F-76EEA71D7ECA}"/>
               </a:ext>
             </a:extLst>
           </p:cNvPr>
@@ -2478,7 +2540,7 @@
           <p:cNvPr id="13" name="Group 12">
             <a:extLst>
               <a:ext uri="{FF2B5EF4-FFF2-40B4-BE49-F238E27FC236}">
-                <a16:creationId xmlns:a16="http://schemas.microsoft.com/office/drawing/2014/main" xmlns="" id="{F2F0EA39-17E9-4784-9722-4D1F96461506}"/>
+                <a16:creationId xmlns="" xmlns:a16="http://schemas.microsoft.com/office/drawing/2014/main" id="{F2F0EA39-17E9-4784-9722-4D1F96461506}"/>
               </a:ext>
             </a:extLst>
           </p:cNvPr>
@@ -2498,7 +2560,7 @@
             <p:cNvPr id="5" name="Rectangle 4">
               <a:extLst>
                 <a:ext uri="{FF2B5EF4-FFF2-40B4-BE49-F238E27FC236}">
-                  <a16:creationId xmlns:a16="http://schemas.microsoft.com/office/drawing/2014/main" xmlns="" id="{FA7C1D9C-1281-4501-899B-12B77AAE187E}"/>
+                  <a16:creationId xmlns="" xmlns:a16="http://schemas.microsoft.com/office/drawing/2014/main" id="{FA7C1D9C-1281-4501-899B-12B77AAE187E}"/>
                 </a:ext>
               </a:extLst>
             </p:cNvPr>
@@ -2550,7 +2612,7 @@
             <p:cNvPr id="22" name="Group 21">
               <a:extLst>
                 <a:ext uri="{FF2B5EF4-FFF2-40B4-BE49-F238E27FC236}">
-                  <a16:creationId xmlns:a16="http://schemas.microsoft.com/office/drawing/2014/main" xmlns="" id="{0FE86F6A-6E3C-49C1-8BB6-A05EC04A9F51}"/>
+                  <a16:creationId xmlns="" xmlns:a16="http://schemas.microsoft.com/office/drawing/2014/main" id="{0FE86F6A-6E3C-49C1-8BB6-A05EC04A9F51}"/>
                 </a:ext>
               </a:extLst>
             </p:cNvPr>
@@ -2570,7 +2632,7 @@
               <p:cNvPr id="23" name="Picture 22">
                 <a:extLst>
                   <a:ext uri="{FF2B5EF4-FFF2-40B4-BE49-F238E27FC236}">
-                    <a16:creationId xmlns:a16="http://schemas.microsoft.com/office/drawing/2014/main" xmlns="" id="{D5EF818B-FE8A-4428-9C6D-56AF87DC899C}"/>
+                    <a16:creationId xmlns="" xmlns:a16="http://schemas.microsoft.com/office/drawing/2014/main" id="{D5EF818B-FE8A-4428-9C6D-56AF87DC899C}"/>
                   </a:ext>
                 </a:extLst>
               </p:cNvPr>
@@ -2614,7 +2676,7 @@
               <p:cNvPr id="24" name="Picture 23">
                 <a:extLst>
                   <a:ext uri="{FF2B5EF4-FFF2-40B4-BE49-F238E27FC236}">
-                    <a16:creationId xmlns:a16="http://schemas.microsoft.com/office/drawing/2014/main" xmlns="" id="{91688678-AAB8-4613-84F3-8EFA5F33A660}"/>
+                    <a16:creationId xmlns="" xmlns:a16="http://schemas.microsoft.com/office/drawing/2014/main" id="{91688678-AAB8-4613-84F3-8EFA5F33A660}"/>
                   </a:ext>
                 </a:extLst>
               </p:cNvPr>
@@ -2658,7 +2720,7 @@
               <p:cNvPr id="25" name="Picture 24">
                 <a:extLst>
                   <a:ext uri="{FF2B5EF4-FFF2-40B4-BE49-F238E27FC236}">
-                    <a16:creationId xmlns:a16="http://schemas.microsoft.com/office/drawing/2014/main" xmlns="" id="{E36317BC-C443-468B-989A-38AA6AFEA9A4}"/>
+                    <a16:creationId xmlns="" xmlns:a16="http://schemas.microsoft.com/office/drawing/2014/main" id="{E36317BC-C443-468B-989A-38AA6AFEA9A4}"/>
                   </a:ext>
                 </a:extLst>
               </p:cNvPr>
@@ -2702,7 +2764,7 @@
               <p:cNvPr id="26" name="Picture 25">
                 <a:extLst>
                   <a:ext uri="{FF2B5EF4-FFF2-40B4-BE49-F238E27FC236}">
-                    <a16:creationId xmlns:a16="http://schemas.microsoft.com/office/drawing/2014/main" xmlns="" id="{A58B9DFA-A934-4ED8-A786-52AD1BF7995A}"/>
+                    <a16:creationId xmlns="" xmlns:a16="http://schemas.microsoft.com/office/drawing/2014/main" id="{A58B9DFA-A934-4ED8-A786-52AD1BF7995A}"/>
                   </a:ext>
                 </a:extLst>
               </p:cNvPr>
@@ -2746,7 +2808,7 @@
               <p:cNvPr id="27" name="Picture 26">
                 <a:extLst>
                   <a:ext uri="{FF2B5EF4-FFF2-40B4-BE49-F238E27FC236}">
-                    <a16:creationId xmlns:a16="http://schemas.microsoft.com/office/drawing/2014/main" xmlns="" id="{1C2C19FA-E643-40A1-A287-4F77B1E5D2B1}"/>
+                    <a16:creationId xmlns="" xmlns:a16="http://schemas.microsoft.com/office/drawing/2014/main" id="{1C2C19FA-E643-40A1-A287-4F77B1E5D2B1}"/>
                   </a:ext>
                 </a:extLst>
               </p:cNvPr>
@@ -2790,7 +2852,7 @@
               <p:cNvPr id="28" name="Picture 27">
                 <a:extLst>
                   <a:ext uri="{FF2B5EF4-FFF2-40B4-BE49-F238E27FC236}">
-                    <a16:creationId xmlns:a16="http://schemas.microsoft.com/office/drawing/2014/main" xmlns="" id="{A4E23BD4-4859-4898-AABE-D03FB8DA1E0C}"/>
+                    <a16:creationId xmlns="" xmlns:a16="http://schemas.microsoft.com/office/drawing/2014/main" id="{A4E23BD4-4859-4898-AABE-D03FB8DA1E0C}"/>
                   </a:ext>
                 </a:extLst>
               </p:cNvPr>
@@ -2835,7 +2897,7 @@
             <p:cNvPr id="29" name="Picture 28">
               <a:extLst>
                 <a:ext uri="{FF2B5EF4-FFF2-40B4-BE49-F238E27FC236}">
-                  <a16:creationId xmlns:a16="http://schemas.microsoft.com/office/drawing/2014/main" xmlns="" id="{9A9F2AAB-F9F3-46A1-BF26-67D943B1186B}"/>
+                  <a16:creationId xmlns="" xmlns:a16="http://schemas.microsoft.com/office/drawing/2014/main" id="{9A9F2AAB-F9F3-46A1-BF26-67D943B1186B}"/>
                 </a:ext>
               </a:extLst>
             </p:cNvPr>
@@ -2959,7 +3021,7 @@
           <p:cNvPr id="30" name="Callout: Bent Line 29">
             <a:extLst>
               <a:ext uri="{FF2B5EF4-FFF2-40B4-BE49-F238E27FC236}">
-                <a16:creationId xmlns:a16="http://schemas.microsoft.com/office/drawing/2014/main" xmlns="" id="{472992C2-B7B0-4BC3-AB01-08E07AB08685}"/>
+                <a16:creationId xmlns="" xmlns:a16="http://schemas.microsoft.com/office/drawing/2014/main" id="{472992C2-B7B0-4BC3-AB01-08E07AB08685}"/>
               </a:ext>
             </a:extLst>
           </p:cNvPr>
@@ -3127,7 +3189,7 @@
           <p:cNvPr id="8" name="Group 7">
             <a:extLst>
               <a:ext uri="{FF2B5EF4-FFF2-40B4-BE49-F238E27FC236}">
-                <a16:creationId xmlns:a16="http://schemas.microsoft.com/office/drawing/2014/main" xmlns="" id="{A9572D29-BC8A-49B2-894D-BF9C7BA220CF}"/>
+                <a16:creationId xmlns="" xmlns:a16="http://schemas.microsoft.com/office/drawing/2014/main" id="{A9572D29-BC8A-49B2-894D-BF9C7BA220CF}"/>
               </a:ext>
             </a:extLst>
           </p:cNvPr>
@@ -3147,7 +3209,7 @@
             <p:cNvPr id="5" name="Rectangle 4">
               <a:extLst>
                 <a:ext uri="{FF2B5EF4-FFF2-40B4-BE49-F238E27FC236}">
-                  <a16:creationId xmlns:a16="http://schemas.microsoft.com/office/drawing/2014/main" xmlns="" id="{FA7C1D9C-1281-4501-899B-12B77AAE187E}"/>
+                  <a16:creationId xmlns="" xmlns:a16="http://schemas.microsoft.com/office/drawing/2014/main" id="{FA7C1D9C-1281-4501-899B-12B77AAE187E}"/>
                 </a:ext>
               </a:extLst>
             </p:cNvPr>
@@ -3199,7 +3261,7 @@
             <p:cNvPr id="7" name="Group 6">
               <a:extLst>
                 <a:ext uri="{FF2B5EF4-FFF2-40B4-BE49-F238E27FC236}">
-                  <a16:creationId xmlns:a16="http://schemas.microsoft.com/office/drawing/2014/main" xmlns="" id="{82675A62-45E3-47B4-8FA7-7CEFF045EC4E}"/>
+                  <a16:creationId xmlns="" xmlns:a16="http://schemas.microsoft.com/office/drawing/2014/main" id="{82675A62-45E3-47B4-8FA7-7CEFF045EC4E}"/>
                 </a:ext>
               </a:extLst>
             </p:cNvPr>
@@ -3219,7 +3281,7 @@
               <p:cNvPr id="16" name="Picture 15">
                 <a:extLst>
                   <a:ext uri="{FF2B5EF4-FFF2-40B4-BE49-F238E27FC236}">
-                    <a16:creationId xmlns:a16="http://schemas.microsoft.com/office/drawing/2014/main" xmlns="" id="{2604C620-54F4-40D1-9F8D-916C2B03CF80}"/>
+                    <a16:creationId xmlns="" xmlns:a16="http://schemas.microsoft.com/office/drawing/2014/main" id="{2604C620-54F4-40D1-9F8D-916C2B03CF80}"/>
                   </a:ext>
                 </a:extLst>
               </p:cNvPr>
@@ -3256,7 +3318,7 @@
               <p:cNvPr id="17" name="Picture 16">
                 <a:extLst>
                   <a:ext uri="{FF2B5EF4-FFF2-40B4-BE49-F238E27FC236}">
-                    <a16:creationId xmlns:a16="http://schemas.microsoft.com/office/drawing/2014/main" xmlns="" id="{1F796C2C-EF81-4483-A8D9-6A074C9DD0AB}"/>
+                    <a16:creationId xmlns="" xmlns:a16="http://schemas.microsoft.com/office/drawing/2014/main" id="{1F796C2C-EF81-4483-A8D9-6A074C9DD0AB}"/>
                   </a:ext>
                 </a:extLst>
               </p:cNvPr>
@@ -3293,7 +3355,7 @@
               <p:cNvPr id="18" name="Picture 17">
                 <a:extLst>
                   <a:ext uri="{FF2B5EF4-FFF2-40B4-BE49-F238E27FC236}">
-                    <a16:creationId xmlns:a16="http://schemas.microsoft.com/office/drawing/2014/main" xmlns="" id="{67C5EDEF-0599-4615-9EEB-1E9C7299A6FE}"/>
+                    <a16:creationId xmlns="" xmlns:a16="http://schemas.microsoft.com/office/drawing/2014/main" id="{67C5EDEF-0599-4615-9EEB-1E9C7299A6FE}"/>
                   </a:ext>
                 </a:extLst>
               </p:cNvPr>
@@ -3330,7 +3392,7 @@
               <p:cNvPr id="19" name="Picture 18">
                 <a:extLst>
                   <a:ext uri="{FF2B5EF4-FFF2-40B4-BE49-F238E27FC236}">
-                    <a16:creationId xmlns:a16="http://schemas.microsoft.com/office/drawing/2014/main" xmlns="" id="{FBF3BA30-C6FC-4CE4-835F-63F19575D1B6}"/>
+                    <a16:creationId xmlns="" xmlns:a16="http://schemas.microsoft.com/office/drawing/2014/main" id="{FBF3BA30-C6FC-4CE4-835F-63F19575D1B6}"/>
                   </a:ext>
                 </a:extLst>
               </p:cNvPr>
@@ -3367,7 +3429,7 @@
               <p:cNvPr id="20" name="Picture 19">
                 <a:extLst>
                   <a:ext uri="{FF2B5EF4-FFF2-40B4-BE49-F238E27FC236}">
-                    <a16:creationId xmlns:a16="http://schemas.microsoft.com/office/drawing/2014/main" xmlns="" id="{7B393327-1880-43AF-B13A-F6742E1C91B4}"/>
+                    <a16:creationId xmlns="" xmlns:a16="http://schemas.microsoft.com/office/drawing/2014/main" id="{7B393327-1880-43AF-B13A-F6742E1C91B4}"/>
                   </a:ext>
                 </a:extLst>
               </p:cNvPr>
@@ -3404,7 +3466,7 @@
               <p:cNvPr id="21" name="Picture 20">
                 <a:extLst>
                   <a:ext uri="{FF2B5EF4-FFF2-40B4-BE49-F238E27FC236}">
-                    <a16:creationId xmlns:a16="http://schemas.microsoft.com/office/drawing/2014/main" xmlns="" id="{6C1C7622-D718-4C77-B53B-73A16A30959A}"/>
+                    <a16:creationId xmlns="" xmlns:a16="http://schemas.microsoft.com/office/drawing/2014/main" id="{6C1C7622-D718-4C77-B53B-73A16A30959A}"/>
                   </a:ext>
                 </a:extLst>
               </p:cNvPr>
@@ -3442,7 +3504,7 @@
             <p:cNvPr id="13" name="Picture 12">
               <a:extLst>
                 <a:ext uri="{FF2B5EF4-FFF2-40B4-BE49-F238E27FC236}">
-                  <a16:creationId xmlns:a16="http://schemas.microsoft.com/office/drawing/2014/main" xmlns="" id="{4D9F0ACE-7F0A-4D9F-92EB-E5D1B3B80CA6}"/>
+                  <a16:creationId xmlns="" xmlns:a16="http://schemas.microsoft.com/office/drawing/2014/main" id="{4D9F0ACE-7F0A-4D9F-92EB-E5D1B3B80CA6}"/>
                 </a:ext>
               </a:extLst>
             </p:cNvPr>
@@ -3480,7 +3542,7 @@
           <p:cNvPr id="3" name="Picture 2">
             <a:extLst>
               <a:ext uri="{FF2B5EF4-FFF2-40B4-BE49-F238E27FC236}">
-                <a16:creationId xmlns:a16="http://schemas.microsoft.com/office/drawing/2014/main" xmlns="" id="{56104764-BD3F-43BF-845A-87DD0F6BD537}"/>
+                <a16:creationId xmlns="" xmlns:a16="http://schemas.microsoft.com/office/drawing/2014/main" id="{56104764-BD3F-43BF-845A-87DD0F6BD537}"/>
               </a:ext>
             </a:extLst>
           </p:cNvPr>
@@ -3601,7 +3663,7 @@
           <p:cNvPr id="22" name="Callout: Bent Line 21">
             <a:extLst>
               <a:ext uri="{FF2B5EF4-FFF2-40B4-BE49-F238E27FC236}">
-                <a16:creationId xmlns:a16="http://schemas.microsoft.com/office/drawing/2014/main" xmlns="" id="{46462C26-2E27-4168-B596-D8AA19BBA89C}"/>
+                <a16:creationId xmlns="" xmlns:a16="http://schemas.microsoft.com/office/drawing/2014/main" id="{46462C26-2E27-4168-B596-D8AA19BBA89C}"/>
               </a:ext>
             </a:extLst>
           </p:cNvPr>
@@ -3769,7 +3831,7 @@
           <p:cNvPr id="7" name="Text Placeholder 2">
             <a:extLst>
               <a:ext uri="{FF2B5EF4-FFF2-40B4-BE49-F238E27FC236}">
-                <a16:creationId xmlns:a16="http://schemas.microsoft.com/office/drawing/2014/main" xmlns="" id="{4C69CA55-EDC7-4FD0-90B8-0004961E27A5}"/>
+                <a16:creationId xmlns="" xmlns:a16="http://schemas.microsoft.com/office/drawing/2014/main" id="{4C69CA55-EDC7-4FD0-90B8-0004961E27A5}"/>
               </a:ext>
             </a:extLst>
           </p:cNvPr>
@@ -3824,7 +3886,7 @@
           <p:cNvPr id="8" name="Text Placeholder 2">
             <a:extLst>
               <a:ext uri="{FF2B5EF4-FFF2-40B4-BE49-F238E27FC236}">
-                <a16:creationId xmlns:a16="http://schemas.microsoft.com/office/drawing/2014/main" xmlns="" id="{A0C452E5-B60E-40FC-81E3-D708E5ABFB31}"/>
+                <a16:creationId xmlns="" xmlns:a16="http://schemas.microsoft.com/office/drawing/2014/main" id="{A0C452E5-B60E-40FC-81E3-D708E5ABFB31}"/>
               </a:ext>
             </a:extLst>
           </p:cNvPr>
@@ -3875,7 +3937,7 @@
           <p:cNvPr id="24" name="Group 23">
             <a:extLst>
               <a:ext uri="{FF2B5EF4-FFF2-40B4-BE49-F238E27FC236}">
-                <a16:creationId xmlns:a16="http://schemas.microsoft.com/office/drawing/2014/main" xmlns="" id="{3FC71F0E-7505-466F-9779-7984AA28A460}"/>
+                <a16:creationId xmlns="" xmlns:a16="http://schemas.microsoft.com/office/drawing/2014/main" id="{3FC71F0E-7505-466F-9779-7984AA28A460}"/>
               </a:ext>
             </a:extLst>
           </p:cNvPr>
@@ -3895,7 +3957,7 @@
             <p:cNvPr id="17" name="Picture 16">
               <a:extLst>
                 <a:ext uri="{FF2B5EF4-FFF2-40B4-BE49-F238E27FC236}">
-                  <a16:creationId xmlns:a16="http://schemas.microsoft.com/office/drawing/2014/main" xmlns="" id="{94264D02-B840-4532-AA7F-AAEE0E785503}"/>
+                  <a16:creationId xmlns="" xmlns:a16="http://schemas.microsoft.com/office/drawing/2014/main" id="{94264D02-B840-4532-AA7F-AAEE0E785503}"/>
                 </a:ext>
               </a:extLst>
             </p:cNvPr>
@@ -3939,7 +4001,7 @@
             <p:cNvPr id="18" name="Picture 17">
               <a:extLst>
                 <a:ext uri="{FF2B5EF4-FFF2-40B4-BE49-F238E27FC236}">
-                  <a16:creationId xmlns:a16="http://schemas.microsoft.com/office/drawing/2014/main" xmlns="" id="{C4F7ED07-DF51-4231-AE87-493F15971235}"/>
+                  <a16:creationId xmlns="" xmlns:a16="http://schemas.microsoft.com/office/drawing/2014/main" id="{C4F7ED07-DF51-4231-AE87-493F15971235}"/>
                 </a:ext>
               </a:extLst>
             </p:cNvPr>
@@ -3983,7 +4045,7 @@
             <p:cNvPr id="19" name="Picture 18">
               <a:extLst>
                 <a:ext uri="{FF2B5EF4-FFF2-40B4-BE49-F238E27FC236}">
-                  <a16:creationId xmlns:a16="http://schemas.microsoft.com/office/drawing/2014/main" xmlns="" id="{41365CC0-EA2C-4C93-B562-9D3DEFAA8A70}"/>
+                  <a16:creationId xmlns="" xmlns:a16="http://schemas.microsoft.com/office/drawing/2014/main" id="{41365CC0-EA2C-4C93-B562-9D3DEFAA8A70}"/>
                 </a:ext>
               </a:extLst>
             </p:cNvPr>
@@ -4027,7 +4089,7 @@
             <p:cNvPr id="20" name="Picture 19">
               <a:extLst>
                 <a:ext uri="{FF2B5EF4-FFF2-40B4-BE49-F238E27FC236}">
-                  <a16:creationId xmlns:a16="http://schemas.microsoft.com/office/drawing/2014/main" xmlns="" id="{A892AF7D-349B-4086-9BE8-717E13768261}"/>
+                  <a16:creationId xmlns="" xmlns:a16="http://schemas.microsoft.com/office/drawing/2014/main" id="{A892AF7D-349B-4086-9BE8-717E13768261}"/>
                 </a:ext>
               </a:extLst>
             </p:cNvPr>
@@ -4071,7 +4133,7 @@
             <p:cNvPr id="21" name="Picture 20">
               <a:extLst>
                 <a:ext uri="{FF2B5EF4-FFF2-40B4-BE49-F238E27FC236}">
-                  <a16:creationId xmlns:a16="http://schemas.microsoft.com/office/drawing/2014/main" xmlns="" id="{B637CABD-298B-45A6-B9EC-F22CEF8A8461}"/>
+                  <a16:creationId xmlns="" xmlns:a16="http://schemas.microsoft.com/office/drawing/2014/main" id="{B637CABD-298B-45A6-B9EC-F22CEF8A8461}"/>
                 </a:ext>
               </a:extLst>
             </p:cNvPr>
@@ -4115,7 +4177,7 @@
             <p:cNvPr id="22" name="Picture 21">
               <a:extLst>
                 <a:ext uri="{FF2B5EF4-FFF2-40B4-BE49-F238E27FC236}">
-                  <a16:creationId xmlns:a16="http://schemas.microsoft.com/office/drawing/2014/main" xmlns="" id="{A53F4C4F-966A-4E1F-BEBD-C6965023C03B}"/>
+                  <a16:creationId xmlns="" xmlns:a16="http://schemas.microsoft.com/office/drawing/2014/main" id="{A53F4C4F-966A-4E1F-BEBD-C6965023C03B}"/>
                 </a:ext>
               </a:extLst>
             </p:cNvPr>
@@ -4159,7 +4221,7 @@
             <p:cNvPr id="23" name="Picture 22">
               <a:extLst>
                 <a:ext uri="{FF2B5EF4-FFF2-40B4-BE49-F238E27FC236}">
-                  <a16:creationId xmlns:a16="http://schemas.microsoft.com/office/drawing/2014/main" xmlns="" id="{AC0A2175-BA72-475E-A3C8-E90EA06315AD}"/>
+                  <a16:creationId xmlns="" xmlns:a16="http://schemas.microsoft.com/office/drawing/2014/main" id="{AC0A2175-BA72-475E-A3C8-E90EA06315AD}"/>
                 </a:ext>
               </a:extLst>
             </p:cNvPr>
@@ -4204,7 +4266,7 @@
           <p:cNvPr id="6" name="Straight Connector 5">
             <a:extLst>
               <a:ext uri="{FF2B5EF4-FFF2-40B4-BE49-F238E27FC236}">
-                <a16:creationId xmlns:a16="http://schemas.microsoft.com/office/drawing/2014/main" xmlns="" id="{F7CAFB74-112B-441B-A509-8E08822EAA09}"/>
+                <a16:creationId xmlns="" xmlns:a16="http://schemas.microsoft.com/office/drawing/2014/main" id="{F7CAFB74-112B-441B-A509-8E08822EAA09}"/>
               </a:ext>
             </a:extLst>
           </p:cNvPr>
@@ -4247,7 +4309,7 @@
           <p:cNvPr id="10" name="Picture 9">
             <a:extLst>
               <a:ext uri="{FF2B5EF4-FFF2-40B4-BE49-F238E27FC236}">
-                <a16:creationId xmlns:a16="http://schemas.microsoft.com/office/drawing/2014/main" xmlns="" id="{D0CDCCB5-1DDB-4C24-8D00-D3D1E7F56A1A}"/>
+                <a16:creationId xmlns="" xmlns:a16="http://schemas.microsoft.com/office/drawing/2014/main" id="{D0CDCCB5-1DDB-4C24-8D00-D3D1E7F56A1A}"/>
               </a:ext>
             </a:extLst>
           </p:cNvPr>
@@ -4282,7 +4344,7 @@
           <p:cNvPr id="11" name="Straight Connector 10">
             <a:extLst>
               <a:ext uri="{FF2B5EF4-FFF2-40B4-BE49-F238E27FC236}">
-                <a16:creationId xmlns:a16="http://schemas.microsoft.com/office/drawing/2014/main" xmlns="" id="{DD9882F3-07F2-4359-8D37-144670461BB1}"/>
+                <a16:creationId xmlns="" xmlns:a16="http://schemas.microsoft.com/office/drawing/2014/main" id="{DD9882F3-07F2-4359-8D37-144670461BB1}"/>
               </a:ext>
             </a:extLst>
           </p:cNvPr>
@@ -4363,7 +4425,7 @@
           <p:cNvPr id="7" name="Text Placeholder 2">
             <a:extLst>
               <a:ext uri="{FF2B5EF4-FFF2-40B4-BE49-F238E27FC236}">
-                <a16:creationId xmlns:a16="http://schemas.microsoft.com/office/drawing/2014/main" xmlns="" id="{4C69CA55-EDC7-4FD0-90B8-0004961E27A5}"/>
+                <a16:creationId xmlns="" xmlns:a16="http://schemas.microsoft.com/office/drawing/2014/main" id="{4C69CA55-EDC7-4FD0-90B8-0004961E27A5}"/>
               </a:ext>
             </a:extLst>
           </p:cNvPr>
@@ -4418,7 +4480,7 @@
           <p:cNvPr id="8" name="Text Placeholder 2">
             <a:extLst>
               <a:ext uri="{FF2B5EF4-FFF2-40B4-BE49-F238E27FC236}">
-                <a16:creationId xmlns:a16="http://schemas.microsoft.com/office/drawing/2014/main" xmlns="" id="{A0C452E5-B60E-40FC-81E3-D708E5ABFB31}"/>
+                <a16:creationId xmlns="" xmlns:a16="http://schemas.microsoft.com/office/drawing/2014/main" id="{A0C452E5-B60E-40FC-81E3-D708E5ABFB31}"/>
               </a:ext>
             </a:extLst>
           </p:cNvPr>
@@ -4469,7 +4531,7 @@
           <p:cNvPr id="6" name="Straight Connector 5">
             <a:extLst>
               <a:ext uri="{FF2B5EF4-FFF2-40B4-BE49-F238E27FC236}">
-                <a16:creationId xmlns:a16="http://schemas.microsoft.com/office/drawing/2014/main" xmlns="" id="{F7CAFB74-112B-441B-A509-8E08822EAA09}"/>
+                <a16:creationId xmlns="" xmlns:a16="http://schemas.microsoft.com/office/drawing/2014/main" id="{F7CAFB74-112B-441B-A509-8E08822EAA09}"/>
               </a:ext>
             </a:extLst>
           </p:cNvPr>
@@ -4512,7 +4574,7 @@
           <p:cNvPr id="11" name="Straight Connector 10">
             <a:extLst>
               <a:ext uri="{FF2B5EF4-FFF2-40B4-BE49-F238E27FC236}">
-                <a16:creationId xmlns:a16="http://schemas.microsoft.com/office/drawing/2014/main" xmlns="" id="{DD9882F3-07F2-4359-8D37-144670461BB1}"/>
+                <a16:creationId xmlns="" xmlns:a16="http://schemas.microsoft.com/office/drawing/2014/main" id="{DD9882F3-07F2-4359-8D37-144670461BB1}"/>
               </a:ext>
             </a:extLst>
           </p:cNvPr>
@@ -4555,7 +4617,7 @@
           <p:cNvPr id="16" name="Group 15">
             <a:extLst>
               <a:ext uri="{FF2B5EF4-FFF2-40B4-BE49-F238E27FC236}">
-                <a16:creationId xmlns:a16="http://schemas.microsoft.com/office/drawing/2014/main" xmlns="" id="{DF8450E1-0912-4192-A5BC-0CE85410DDA9}"/>
+                <a16:creationId xmlns="" xmlns:a16="http://schemas.microsoft.com/office/drawing/2014/main" id="{DF8450E1-0912-4192-A5BC-0CE85410DDA9}"/>
               </a:ext>
             </a:extLst>
           </p:cNvPr>
@@ -4575,7 +4637,7 @@
             <p:cNvPr id="28" name="Picture 27">
               <a:extLst>
                 <a:ext uri="{FF2B5EF4-FFF2-40B4-BE49-F238E27FC236}">
-                  <a16:creationId xmlns:a16="http://schemas.microsoft.com/office/drawing/2014/main" xmlns="" id="{9AC5519E-E884-4018-B193-B121581DEDA2}"/>
+                  <a16:creationId xmlns="" xmlns:a16="http://schemas.microsoft.com/office/drawing/2014/main" id="{9AC5519E-E884-4018-B193-B121581DEDA2}"/>
                 </a:ext>
               </a:extLst>
             </p:cNvPr>
@@ -4612,7 +4674,7 @@
             <p:cNvPr id="29" name="Picture 28">
               <a:extLst>
                 <a:ext uri="{FF2B5EF4-FFF2-40B4-BE49-F238E27FC236}">
-                  <a16:creationId xmlns:a16="http://schemas.microsoft.com/office/drawing/2014/main" xmlns="" id="{4B4E7475-982D-4A69-804C-7936EF46FB45}"/>
+                  <a16:creationId xmlns="" xmlns:a16="http://schemas.microsoft.com/office/drawing/2014/main" id="{4B4E7475-982D-4A69-804C-7936EF46FB45}"/>
                 </a:ext>
               </a:extLst>
             </p:cNvPr>
@@ -4649,7 +4711,7 @@
             <p:cNvPr id="30" name="Picture 29">
               <a:extLst>
                 <a:ext uri="{FF2B5EF4-FFF2-40B4-BE49-F238E27FC236}">
-                  <a16:creationId xmlns:a16="http://schemas.microsoft.com/office/drawing/2014/main" xmlns="" id="{8E822973-EE30-4796-9F57-0DFD09D35791}"/>
+                  <a16:creationId xmlns="" xmlns:a16="http://schemas.microsoft.com/office/drawing/2014/main" id="{8E822973-EE30-4796-9F57-0DFD09D35791}"/>
                 </a:ext>
               </a:extLst>
             </p:cNvPr>
@@ -4686,7 +4748,7 @@
             <p:cNvPr id="31" name="Picture 30">
               <a:extLst>
                 <a:ext uri="{FF2B5EF4-FFF2-40B4-BE49-F238E27FC236}">
-                  <a16:creationId xmlns:a16="http://schemas.microsoft.com/office/drawing/2014/main" xmlns="" id="{96FB5F7A-378E-4EF4-BB4A-F5D37DC10E31}"/>
+                  <a16:creationId xmlns="" xmlns:a16="http://schemas.microsoft.com/office/drawing/2014/main" id="{96FB5F7A-378E-4EF4-BB4A-F5D37DC10E31}"/>
                 </a:ext>
               </a:extLst>
             </p:cNvPr>
@@ -4723,7 +4785,7 @@
             <p:cNvPr id="32" name="Picture 31">
               <a:extLst>
                 <a:ext uri="{FF2B5EF4-FFF2-40B4-BE49-F238E27FC236}">
-                  <a16:creationId xmlns:a16="http://schemas.microsoft.com/office/drawing/2014/main" xmlns="" id="{F33487C8-5E64-4009-8AC7-E5794DB03DCC}"/>
+                  <a16:creationId xmlns="" xmlns:a16="http://schemas.microsoft.com/office/drawing/2014/main" id="{F33487C8-5E64-4009-8AC7-E5794DB03DCC}"/>
                 </a:ext>
               </a:extLst>
             </p:cNvPr>
@@ -4760,7 +4822,7 @@
             <p:cNvPr id="33" name="Picture 32">
               <a:extLst>
                 <a:ext uri="{FF2B5EF4-FFF2-40B4-BE49-F238E27FC236}">
-                  <a16:creationId xmlns:a16="http://schemas.microsoft.com/office/drawing/2014/main" xmlns="" id="{A2C3CE84-2332-419E-99F3-8BE8A38AEF05}"/>
+                  <a16:creationId xmlns="" xmlns:a16="http://schemas.microsoft.com/office/drawing/2014/main" id="{A2C3CE84-2332-419E-99F3-8BE8A38AEF05}"/>
                 </a:ext>
               </a:extLst>
             </p:cNvPr>
@@ -4797,7 +4859,7 @@
             <p:cNvPr id="34" name="Picture 33">
               <a:extLst>
                 <a:ext uri="{FF2B5EF4-FFF2-40B4-BE49-F238E27FC236}">
-                  <a16:creationId xmlns:a16="http://schemas.microsoft.com/office/drawing/2014/main" xmlns="" id="{1E77A329-E08A-4D0C-BDC1-9A7380CDE1B7}"/>
+                  <a16:creationId xmlns="" xmlns:a16="http://schemas.microsoft.com/office/drawing/2014/main" id="{1E77A329-E08A-4D0C-BDC1-9A7380CDE1B7}"/>
                 </a:ext>
               </a:extLst>
             </p:cNvPr>
@@ -4835,7 +4897,7 @@
           <p:cNvPr id="35" name="Picture 34">
             <a:extLst>
               <a:ext uri="{FF2B5EF4-FFF2-40B4-BE49-F238E27FC236}">
-                <a16:creationId xmlns:a16="http://schemas.microsoft.com/office/drawing/2014/main" xmlns="" id="{8E7BC13C-3001-4ABB-B095-6360B7AB05AD}"/>
+                <a16:creationId xmlns="" xmlns:a16="http://schemas.microsoft.com/office/drawing/2014/main" id="{8E7BC13C-3001-4ABB-B095-6360B7AB05AD}"/>
               </a:ext>
             </a:extLst>
           </p:cNvPr>
@@ -4910,7 +4972,7 @@
           <p:cNvPr id="5" name="Picture 4">
             <a:extLst>
               <a:ext uri="{FF2B5EF4-FFF2-40B4-BE49-F238E27FC236}">
-                <a16:creationId xmlns:a16="http://schemas.microsoft.com/office/drawing/2014/main" xmlns="" id="{5AA96587-D6C7-471E-829E-46C1203097B6}"/>
+                <a16:creationId xmlns="" xmlns:a16="http://schemas.microsoft.com/office/drawing/2014/main" id="{5AA96587-D6C7-471E-829E-46C1203097B6}"/>
               </a:ext>
             </a:extLst>
           </p:cNvPr>
@@ -4945,7 +5007,7 @@
           <p:cNvPr id="35" name="Callout: Bent Line 34">
             <a:extLst>
               <a:ext uri="{FF2B5EF4-FFF2-40B4-BE49-F238E27FC236}">
-                <a16:creationId xmlns:a16="http://schemas.microsoft.com/office/drawing/2014/main" xmlns="" id="{E03F0B30-D09B-4F39-9E18-FFAAE066DF1F}"/>
+                <a16:creationId xmlns="" xmlns:a16="http://schemas.microsoft.com/office/drawing/2014/main" id="{E03F0B30-D09B-4F39-9E18-FFAAE066DF1F}"/>
               </a:ext>
             </a:extLst>
           </p:cNvPr>
@@ -5075,7 +5137,7 @@
           <p:cNvPr id="40" name="Picture 39">
             <a:extLst>
               <a:ext uri="{FF2B5EF4-FFF2-40B4-BE49-F238E27FC236}">
-                <a16:creationId xmlns:a16="http://schemas.microsoft.com/office/drawing/2014/main" xmlns="" id="{B691DF16-8F0F-408F-B71E-B4A71C9EC478}"/>
+                <a16:creationId xmlns="" xmlns:a16="http://schemas.microsoft.com/office/drawing/2014/main" id="{B691DF16-8F0F-408F-B71E-B4A71C9EC478}"/>
               </a:ext>
             </a:extLst>
           </p:cNvPr>
@@ -5110,7 +5172,7 @@
           <p:cNvPr id="7" name="Text Placeholder 2">
             <a:extLst>
               <a:ext uri="{FF2B5EF4-FFF2-40B4-BE49-F238E27FC236}">
-                <a16:creationId xmlns:a16="http://schemas.microsoft.com/office/drawing/2014/main" xmlns="" id="{4C69CA55-EDC7-4FD0-90B8-0004961E27A5}"/>
+                <a16:creationId xmlns="" xmlns:a16="http://schemas.microsoft.com/office/drawing/2014/main" id="{4C69CA55-EDC7-4FD0-90B8-0004961E27A5}"/>
               </a:ext>
             </a:extLst>
           </p:cNvPr>
@@ -5165,7 +5227,7 @@
           <p:cNvPr id="8" name="Text Placeholder 2">
             <a:extLst>
               <a:ext uri="{FF2B5EF4-FFF2-40B4-BE49-F238E27FC236}">
-                <a16:creationId xmlns:a16="http://schemas.microsoft.com/office/drawing/2014/main" xmlns="" id="{A0C452E5-B60E-40FC-81E3-D708E5ABFB31}"/>
+                <a16:creationId xmlns="" xmlns:a16="http://schemas.microsoft.com/office/drawing/2014/main" id="{A0C452E5-B60E-40FC-81E3-D708E5ABFB31}"/>
               </a:ext>
             </a:extLst>
           </p:cNvPr>
@@ -5216,7 +5278,7 @@
           <p:cNvPr id="41" name="Group 40">
             <a:extLst>
               <a:ext uri="{FF2B5EF4-FFF2-40B4-BE49-F238E27FC236}">
-                <a16:creationId xmlns:a16="http://schemas.microsoft.com/office/drawing/2014/main" xmlns="" id="{95B4B950-EE90-4730-BB84-981697C7F17E}"/>
+                <a16:creationId xmlns="" xmlns:a16="http://schemas.microsoft.com/office/drawing/2014/main" id="{95B4B950-EE90-4730-BB84-981697C7F17E}"/>
               </a:ext>
             </a:extLst>
           </p:cNvPr>
@@ -5236,7 +5298,7 @@
             <p:cNvPr id="24" name="Group 23">
               <a:extLst>
                 <a:ext uri="{FF2B5EF4-FFF2-40B4-BE49-F238E27FC236}">
-                  <a16:creationId xmlns:a16="http://schemas.microsoft.com/office/drawing/2014/main" xmlns="" id="{3FC71F0E-7505-466F-9779-7984AA28A460}"/>
+                  <a16:creationId xmlns="" xmlns:a16="http://schemas.microsoft.com/office/drawing/2014/main" id="{3FC71F0E-7505-466F-9779-7984AA28A460}"/>
                 </a:ext>
               </a:extLst>
             </p:cNvPr>
@@ -5256,7 +5318,7 @@
               <p:cNvPr id="17" name="Picture 16">
                 <a:extLst>
                   <a:ext uri="{FF2B5EF4-FFF2-40B4-BE49-F238E27FC236}">
-                    <a16:creationId xmlns:a16="http://schemas.microsoft.com/office/drawing/2014/main" xmlns="" id="{94264D02-B840-4532-AA7F-AAEE0E785503}"/>
+                    <a16:creationId xmlns="" xmlns:a16="http://schemas.microsoft.com/office/drawing/2014/main" id="{94264D02-B840-4532-AA7F-AAEE0E785503}"/>
                   </a:ext>
                 </a:extLst>
               </p:cNvPr>
@@ -5293,7 +5355,7 @@
               <p:cNvPr id="18" name="Picture 17">
                 <a:extLst>
                   <a:ext uri="{FF2B5EF4-FFF2-40B4-BE49-F238E27FC236}">
-                    <a16:creationId xmlns:a16="http://schemas.microsoft.com/office/drawing/2014/main" xmlns="" id="{C4F7ED07-DF51-4231-AE87-493F15971235}"/>
+                    <a16:creationId xmlns="" xmlns:a16="http://schemas.microsoft.com/office/drawing/2014/main" id="{C4F7ED07-DF51-4231-AE87-493F15971235}"/>
                   </a:ext>
                 </a:extLst>
               </p:cNvPr>
@@ -5330,7 +5392,7 @@
               <p:cNvPr id="19" name="Picture 18">
                 <a:extLst>
                   <a:ext uri="{FF2B5EF4-FFF2-40B4-BE49-F238E27FC236}">
-                    <a16:creationId xmlns:a16="http://schemas.microsoft.com/office/drawing/2014/main" xmlns="" id="{41365CC0-EA2C-4C93-B562-9D3DEFAA8A70}"/>
+                    <a16:creationId xmlns="" xmlns:a16="http://schemas.microsoft.com/office/drawing/2014/main" id="{41365CC0-EA2C-4C93-B562-9D3DEFAA8A70}"/>
                   </a:ext>
                 </a:extLst>
               </p:cNvPr>
@@ -5367,7 +5429,7 @@
               <p:cNvPr id="20" name="Picture 19">
                 <a:extLst>
                   <a:ext uri="{FF2B5EF4-FFF2-40B4-BE49-F238E27FC236}">
-                    <a16:creationId xmlns:a16="http://schemas.microsoft.com/office/drawing/2014/main" xmlns="" id="{A892AF7D-349B-4086-9BE8-717E13768261}"/>
+                    <a16:creationId xmlns="" xmlns:a16="http://schemas.microsoft.com/office/drawing/2014/main" id="{A892AF7D-349B-4086-9BE8-717E13768261}"/>
                   </a:ext>
                 </a:extLst>
               </p:cNvPr>
@@ -5404,7 +5466,7 @@
               <p:cNvPr id="21" name="Picture 20">
                 <a:extLst>
                   <a:ext uri="{FF2B5EF4-FFF2-40B4-BE49-F238E27FC236}">
-                    <a16:creationId xmlns:a16="http://schemas.microsoft.com/office/drawing/2014/main" xmlns="" id="{B637CABD-298B-45A6-B9EC-F22CEF8A8461}"/>
+                    <a16:creationId xmlns="" xmlns:a16="http://schemas.microsoft.com/office/drawing/2014/main" id="{B637CABD-298B-45A6-B9EC-F22CEF8A8461}"/>
                   </a:ext>
                 </a:extLst>
               </p:cNvPr>
@@ -5441,7 +5503,7 @@
               <p:cNvPr id="22" name="Picture 21">
                 <a:extLst>
                   <a:ext uri="{FF2B5EF4-FFF2-40B4-BE49-F238E27FC236}">
-                    <a16:creationId xmlns:a16="http://schemas.microsoft.com/office/drawing/2014/main" xmlns="" id="{A53F4C4F-966A-4E1F-BEBD-C6965023C03B}"/>
+                    <a16:creationId xmlns="" xmlns:a16="http://schemas.microsoft.com/office/drawing/2014/main" id="{A53F4C4F-966A-4E1F-BEBD-C6965023C03B}"/>
                   </a:ext>
                 </a:extLst>
               </p:cNvPr>
@@ -5478,7 +5540,7 @@
               <p:cNvPr id="23" name="Picture 22">
                 <a:extLst>
                   <a:ext uri="{FF2B5EF4-FFF2-40B4-BE49-F238E27FC236}">
-                    <a16:creationId xmlns:a16="http://schemas.microsoft.com/office/drawing/2014/main" xmlns="" id="{AC0A2175-BA72-475E-A3C8-E90EA06315AD}"/>
+                    <a16:creationId xmlns="" xmlns:a16="http://schemas.microsoft.com/office/drawing/2014/main" id="{AC0A2175-BA72-475E-A3C8-E90EA06315AD}"/>
                   </a:ext>
                 </a:extLst>
               </p:cNvPr>
@@ -5516,7 +5578,7 @@
             <p:cNvPr id="6" name="Straight Connector 5">
               <a:extLst>
                 <a:ext uri="{FF2B5EF4-FFF2-40B4-BE49-F238E27FC236}">
-                  <a16:creationId xmlns:a16="http://schemas.microsoft.com/office/drawing/2014/main" xmlns="" id="{F7CAFB74-112B-441B-A509-8E08822EAA09}"/>
+                  <a16:creationId xmlns="" xmlns:a16="http://schemas.microsoft.com/office/drawing/2014/main" id="{F7CAFB74-112B-441B-A509-8E08822EAA09}"/>
                 </a:ext>
               </a:extLst>
             </p:cNvPr>
@@ -5559,7 +5621,7 @@
             <p:cNvPr id="10" name="Picture 9">
               <a:extLst>
                 <a:ext uri="{FF2B5EF4-FFF2-40B4-BE49-F238E27FC236}">
-                  <a16:creationId xmlns:a16="http://schemas.microsoft.com/office/drawing/2014/main" xmlns="" id="{D0CDCCB5-1DDB-4C24-8D00-D3D1E7F56A1A}"/>
+                  <a16:creationId xmlns="" xmlns:a16="http://schemas.microsoft.com/office/drawing/2014/main" id="{D0CDCCB5-1DDB-4C24-8D00-D3D1E7F56A1A}"/>
                 </a:ext>
               </a:extLst>
             </p:cNvPr>
@@ -5594,7 +5656,7 @@
             <p:cNvPr id="11" name="Straight Connector 10">
               <a:extLst>
                 <a:ext uri="{FF2B5EF4-FFF2-40B4-BE49-F238E27FC236}">
-                  <a16:creationId xmlns:a16="http://schemas.microsoft.com/office/drawing/2014/main" xmlns="" id="{DD9882F3-07F2-4359-8D37-144670461BB1}"/>
+                  <a16:creationId xmlns="" xmlns:a16="http://schemas.microsoft.com/office/drawing/2014/main" id="{DD9882F3-07F2-4359-8D37-144670461BB1}"/>
                 </a:ext>
               </a:extLst>
             </p:cNvPr>
@@ -5676,7 +5738,7 @@
           <p:cNvPr id="4" name="Picture 3">
             <a:extLst>
               <a:ext uri="{FF2B5EF4-FFF2-40B4-BE49-F238E27FC236}">
-                <a16:creationId xmlns:a16="http://schemas.microsoft.com/office/drawing/2014/main" xmlns="" id="{1760D233-29EB-4D48-ABCA-775366A0BDB1}"/>
+                <a16:creationId xmlns="" xmlns:a16="http://schemas.microsoft.com/office/drawing/2014/main" id="{1760D233-29EB-4D48-ABCA-775366A0BDB1}"/>
               </a:ext>
             </a:extLst>
           </p:cNvPr>
@@ -5711,7 +5773,7 @@
           <p:cNvPr id="25" name="Picture 24">
             <a:extLst>
               <a:ext uri="{FF2B5EF4-FFF2-40B4-BE49-F238E27FC236}">
-                <a16:creationId xmlns:a16="http://schemas.microsoft.com/office/drawing/2014/main" xmlns="" id="{12124EBE-308F-41B3-83E9-B67EAE371932}"/>
+                <a16:creationId xmlns="" xmlns:a16="http://schemas.microsoft.com/office/drawing/2014/main" id="{12124EBE-308F-41B3-83E9-B67EAE371932}"/>
               </a:ext>
             </a:extLst>
           </p:cNvPr>
@@ -5746,7 +5808,7 @@
           <p:cNvPr id="7" name="Text Placeholder 2">
             <a:extLst>
               <a:ext uri="{FF2B5EF4-FFF2-40B4-BE49-F238E27FC236}">
-                <a16:creationId xmlns:a16="http://schemas.microsoft.com/office/drawing/2014/main" xmlns="" id="{4C69CA55-EDC7-4FD0-90B8-0004961E27A5}"/>
+                <a16:creationId xmlns="" xmlns:a16="http://schemas.microsoft.com/office/drawing/2014/main" id="{4C69CA55-EDC7-4FD0-90B8-0004961E27A5}"/>
               </a:ext>
             </a:extLst>
           </p:cNvPr>
@@ -5801,7 +5863,7 @@
           <p:cNvPr id="9" name="Group 8">
             <a:extLst>
               <a:ext uri="{FF2B5EF4-FFF2-40B4-BE49-F238E27FC236}">
-                <a16:creationId xmlns:a16="http://schemas.microsoft.com/office/drawing/2014/main" xmlns="" id="{C65C76D7-1E82-4205-BE1D-96C3AFD3DB2E}"/>
+                <a16:creationId xmlns="" xmlns:a16="http://schemas.microsoft.com/office/drawing/2014/main" id="{C65C76D7-1E82-4205-BE1D-96C3AFD3DB2E}"/>
               </a:ext>
             </a:extLst>
           </p:cNvPr>
@@ -5821,7 +5883,7 @@
             <p:cNvPr id="11" name="Straight Connector 10">
               <a:extLst>
                 <a:ext uri="{FF2B5EF4-FFF2-40B4-BE49-F238E27FC236}">
-                  <a16:creationId xmlns:a16="http://schemas.microsoft.com/office/drawing/2014/main" xmlns="" id="{DD9882F3-07F2-4359-8D37-144670461BB1}"/>
+                  <a16:creationId xmlns="" xmlns:a16="http://schemas.microsoft.com/office/drawing/2014/main" id="{DD9882F3-07F2-4359-8D37-144670461BB1}"/>
                 </a:ext>
               </a:extLst>
             </p:cNvPr>
@@ -5864,7 +5926,7 @@
             <p:cNvPr id="24" name="Group 23">
               <a:extLst>
                 <a:ext uri="{FF2B5EF4-FFF2-40B4-BE49-F238E27FC236}">
-                  <a16:creationId xmlns:a16="http://schemas.microsoft.com/office/drawing/2014/main" xmlns="" id="{3FC71F0E-7505-466F-9779-7984AA28A460}"/>
+                  <a16:creationId xmlns="" xmlns:a16="http://schemas.microsoft.com/office/drawing/2014/main" id="{3FC71F0E-7505-466F-9779-7984AA28A460}"/>
                 </a:ext>
               </a:extLst>
             </p:cNvPr>
@@ -5884,7 +5946,7 @@
               <p:cNvPr id="17" name="Picture 16">
                 <a:extLst>
                   <a:ext uri="{FF2B5EF4-FFF2-40B4-BE49-F238E27FC236}">
-                    <a16:creationId xmlns:a16="http://schemas.microsoft.com/office/drawing/2014/main" xmlns="" id="{94264D02-B840-4532-AA7F-AAEE0E785503}"/>
+                    <a16:creationId xmlns="" xmlns:a16="http://schemas.microsoft.com/office/drawing/2014/main" id="{94264D02-B840-4532-AA7F-AAEE0E785503}"/>
                   </a:ext>
                 </a:extLst>
               </p:cNvPr>
@@ -5921,7 +5983,7 @@
               <p:cNvPr id="18" name="Picture 17">
                 <a:extLst>
                   <a:ext uri="{FF2B5EF4-FFF2-40B4-BE49-F238E27FC236}">
-                    <a16:creationId xmlns:a16="http://schemas.microsoft.com/office/drawing/2014/main" xmlns="" id="{C4F7ED07-DF51-4231-AE87-493F15971235}"/>
+                    <a16:creationId xmlns="" xmlns:a16="http://schemas.microsoft.com/office/drawing/2014/main" id="{C4F7ED07-DF51-4231-AE87-493F15971235}"/>
                   </a:ext>
                 </a:extLst>
               </p:cNvPr>
@@ -5958,7 +6020,7 @@
               <p:cNvPr id="19" name="Picture 18">
                 <a:extLst>
                   <a:ext uri="{FF2B5EF4-FFF2-40B4-BE49-F238E27FC236}">
-                    <a16:creationId xmlns:a16="http://schemas.microsoft.com/office/drawing/2014/main" xmlns="" id="{41365CC0-EA2C-4C93-B562-9D3DEFAA8A70}"/>
+                    <a16:creationId xmlns="" xmlns:a16="http://schemas.microsoft.com/office/drawing/2014/main" id="{41365CC0-EA2C-4C93-B562-9D3DEFAA8A70}"/>
                   </a:ext>
                 </a:extLst>
               </p:cNvPr>
@@ -5995,7 +6057,7 @@
               <p:cNvPr id="20" name="Picture 19">
                 <a:extLst>
                   <a:ext uri="{FF2B5EF4-FFF2-40B4-BE49-F238E27FC236}">
-                    <a16:creationId xmlns:a16="http://schemas.microsoft.com/office/drawing/2014/main" xmlns="" id="{A892AF7D-349B-4086-9BE8-717E13768261}"/>
+                    <a16:creationId xmlns="" xmlns:a16="http://schemas.microsoft.com/office/drawing/2014/main" id="{A892AF7D-349B-4086-9BE8-717E13768261}"/>
                   </a:ext>
                 </a:extLst>
               </p:cNvPr>
@@ -6032,7 +6094,7 @@
               <p:cNvPr id="22" name="Picture 21">
                 <a:extLst>
                   <a:ext uri="{FF2B5EF4-FFF2-40B4-BE49-F238E27FC236}">
-                    <a16:creationId xmlns:a16="http://schemas.microsoft.com/office/drawing/2014/main" xmlns="" id="{A53F4C4F-966A-4E1F-BEBD-C6965023C03B}"/>
+                    <a16:creationId xmlns="" xmlns:a16="http://schemas.microsoft.com/office/drawing/2014/main" id="{A53F4C4F-966A-4E1F-BEBD-C6965023C03B}"/>
                   </a:ext>
                 </a:extLst>
               </p:cNvPr>
@@ -6069,7 +6131,7 @@
               <p:cNvPr id="23" name="Picture 22">
                 <a:extLst>
                   <a:ext uri="{FF2B5EF4-FFF2-40B4-BE49-F238E27FC236}">
-                    <a16:creationId xmlns:a16="http://schemas.microsoft.com/office/drawing/2014/main" xmlns="" id="{AC0A2175-BA72-475E-A3C8-E90EA06315AD}"/>
+                    <a16:creationId xmlns="" xmlns:a16="http://schemas.microsoft.com/office/drawing/2014/main" id="{AC0A2175-BA72-475E-A3C8-E90EA06315AD}"/>
                   </a:ext>
                 </a:extLst>
               </p:cNvPr>
@@ -6107,7 +6169,7 @@
             <p:cNvPr id="10" name="Picture 9">
               <a:extLst>
                 <a:ext uri="{FF2B5EF4-FFF2-40B4-BE49-F238E27FC236}">
-                  <a16:creationId xmlns:a16="http://schemas.microsoft.com/office/drawing/2014/main" xmlns="" id="{D0CDCCB5-1DDB-4C24-8D00-D3D1E7F56A1A}"/>
+                  <a16:creationId xmlns="" xmlns:a16="http://schemas.microsoft.com/office/drawing/2014/main" id="{D0CDCCB5-1DDB-4C24-8D00-D3D1E7F56A1A}"/>
                 </a:ext>
               </a:extLst>
             </p:cNvPr>
@@ -6143,7 +6205,7 @@
           <p:cNvPr id="26" name="Callout: Bent Line 25">
             <a:extLst>
               <a:ext uri="{FF2B5EF4-FFF2-40B4-BE49-F238E27FC236}">
-                <a16:creationId xmlns:a16="http://schemas.microsoft.com/office/drawing/2014/main" xmlns="" id="{D5B570FE-5D61-40C6-9AAA-F45C4EA0AE8F}"/>
+                <a16:creationId xmlns="" xmlns:a16="http://schemas.microsoft.com/office/drawing/2014/main" id="{D5B570FE-5D61-40C6-9AAA-F45C4EA0AE8F}"/>
               </a:ext>
             </a:extLst>
           </p:cNvPr>
@@ -6311,7 +6373,7 @@
           <p:cNvPr id="5" name="Picture 4">
             <a:extLst>
               <a:ext uri="{FF2B5EF4-FFF2-40B4-BE49-F238E27FC236}">
-                <a16:creationId xmlns:a16="http://schemas.microsoft.com/office/drawing/2014/main" xmlns="" id="{404AFCFF-7D86-4569-84D1-5157148A97D4}"/>
+                <a16:creationId xmlns="" xmlns:a16="http://schemas.microsoft.com/office/drawing/2014/main" id="{404AFCFF-7D86-4569-84D1-5157148A97D4}"/>
               </a:ext>
             </a:extLst>
           </p:cNvPr>
@@ -6346,7 +6408,7 @@
           <p:cNvPr id="12" name="Picture 11">
             <a:extLst>
               <a:ext uri="{FF2B5EF4-FFF2-40B4-BE49-F238E27FC236}">
-                <a16:creationId xmlns:a16="http://schemas.microsoft.com/office/drawing/2014/main" xmlns="" id="{CB381711-8FF8-4407-AF0D-574D305494E7}"/>
+                <a16:creationId xmlns="" xmlns:a16="http://schemas.microsoft.com/office/drawing/2014/main" id="{CB381711-8FF8-4407-AF0D-574D305494E7}"/>
               </a:ext>
             </a:extLst>
           </p:cNvPr>
@@ -6375,7 +6437,7 @@
           <p:cNvPr id="7" name="Text Placeholder 2">
             <a:extLst>
               <a:ext uri="{FF2B5EF4-FFF2-40B4-BE49-F238E27FC236}">
-                <a16:creationId xmlns:a16="http://schemas.microsoft.com/office/drawing/2014/main" xmlns="" id="{4C69CA55-EDC7-4FD0-90B8-0004961E27A5}"/>
+                <a16:creationId xmlns="" xmlns:a16="http://schemas.microsoft.com/office/drawing/2014/main" id="{4C69CA55-EDC7-4FD0-90B8-0004961E27A5}"/>
               </a:ext>
             </a:extLst>
           </p:cNvPr>
@@ -6430,7 +6492,7 @@
           <p:cNvPr id="13" name="Group 12">
             <a:extLst>
               <a:ext uri="{FF2B5EF4-FFF2-40B4-BE49-F238E27FC236}">
-                <a16:creationId xmlns:a16="http://schemas.microsoft.com/office/drawing/2014/main" xmlns="" id="{EEC9182B-546A-40F2-B009-F23D44F1AD73}"/>
+                <a16:creationId xmlns="" xmlns:a16="http://schemas.microsoft.com/office/drawing/2014/main" id="{EEC9182B-546A-40F2-B009-F23D44F1AD73}"/>
               </a:ext>
             </a:extLst>
           </p:cNvPr>
@@ -6450,7 +6512,7 @@
             <p:cNvPr id="25" name="Group 24">
               <a:extLst>
                 <a:ext uri="{FF2B5EF4-FFF2-40B4-BE49-F238E27FC236}">
-                  <a16:creationId xmlns:a16="http://schemas.microsoft.com/office/drawing/2014/main" xmlns="" id="{D8362455-1E89-4B15-8B62-9A1C931F94D8}"/>
+                  <a16:creationId xmlns="" xmlns:a16="http://schemas.microsoft.com/office/drawing/2014/main" id="{D8362455-1E89-4B15-8B62-9A1C931F94D8}"/>
                 </a:ext>
               </a:extLst>
             </p:cNvPr>
@@ -6470,7 +6532,7 @@
               <p:cNvPr id="26" name="Picture 25">
                 <a:extLst>
                   <a:ext uri="{FF2B5EF4-FFF2-40B4-BE49-F238E27FC236}">
-                    <a16:creationId xmlns:a16="http://schemas.microsoft.com/office/drawing/2014/main" xmlns="" id="{EEB0949C-025F-4C54-A994-5065E15EECAD}"/>
+                    <a16:creationId xmlns="" xmlns:a16="http://schemas.microsoft.com/office/drawing/2014/main" id="{EEB0949C-025F-4C54-A994-5065E15EECAD}"/>
                   </a:ext>
                 </a:extLst>
               </p:cNvPr>
@@ -6507,7 +6569,7 @@
               <p:cNvPr id="27" name="Picture 26">
                 <a:extLst>
                   <a:ext uri="{FF2B5EF4-FFF2-40B4-BE49-F238E27FC236}">
-                    <a16:creationId xmlns:a16="http://schemas.microsoft.com/office/drawing/2014/main" xmlns="" id="{02E35DD9-17E0-4CDB-8628-4ED4C9514302}"/>
+                    <a16:creationId xmlns="" xmlns:a16="http://schemas.microsoft.com/office/drawing/2014/main" id="{02E35DD9-17E0-4CDB-8628-4ED4C9514302}"/>
                   </a:ext>
                 </a:extLst>
               </p:cNvPr>
@@ -6544,7 +6606,7 @@
               <p:cNvPr id="28" name="Picture 27">
                 <a:extLst>
                   <a:ext uri="{FF2B5EF4-FFF2-40B4-BE49-F238E27FC236}">
-                    <a16:creationId xmlns:a16="http://schemas.microsoft.com/office/drawing/2014/main" xmlns="" id="{86EF8249-D4F7-4679-856E-32220BEDC9E1}"/>
+                    <a16:creationId xmlns="" xmlns:a16="http://schemas.microsoft.com/office/drawing/2014/main" id="{86EF8249-D4F7-4679-856E-32220BEDC9E1}"/>
                   </a:ext>
                 </a:extLst>
               </p:cNvPr>
@@ -6581,7 +6643,7 @@
               <p:cNvPr id="29" name="Picture 28">
                 <a:extLst>
                   <a:ext uri="{FF2B5EF4-FFF2-40B4-BE49-F238E27FC236}">
-                    <a16:creationId xmlns:a16="http://schemas.microsoft.com/office/drawing/2014/main" xmlns="" id="{06C0EAE5-C6A3-4BC5-BE24-C8738E300F64}"/>
+                    <a16:creationId xmlns="" xmlns:a16="http://schemas.microsoft.com/office/drawing/2014/main" id="{06C0EAE5-C6A3-4BC5-BE24-C8738E300F64}"/>
                   </a:ext>
                 </a:extLst>
               </p:cNvPr>
@@ -6618,7 +6680,7 @@
               <p:cNvPr id="30" name="Picture 29">
                 <a:extLst>
                   <a:ext uri="{FF2B5EF4-FFF2-40B4-BE49-F238E27FC236}">
-                    <a16:creationId xmlns:a16="http://schemas.microsoft.com/office/drawing/2014/main" xmlns="" id="{7A53455B-7591-4352-89FE-CC3E38074529}"/>
+                    <a16:creationId xmlns="" xmlns:a16="http://schemas.microsoft.com/office/drawing/2014/main" id="{7A53455B-7591-4352-89FE-CC3E38074529}"/>
                   </a:ext>
                 </a:extLst>
               </p:cNvPr>
@@ -6655,7 +6717,7 @@
               <p:cNvPr id="31" name="Picture 30">
                 <a:extLst>
                   <a:ext uri="{FF2B5EF4-FFF2-40B4-BE49-F238E27FC236}">
-                    <a16:creationId xmlns:a16="http://schemas.microsoft.com/office/drawing/2014/main" xmlns="" id="{EF37FEAB-BA0E-41A8-8EB6-D7D4220850C8}"/>
+                    <a16:creationId xmlns="" xmlns:a16="http://schemas.microsoft.com/office/drawing/2014/main" id="{EF37FEAB-BA0E-41A8-8EB6-D7D4220850C8}"/>
                   </a:ext>
                 </a:extLst>
               </p:cNvPr>
@@ -6692,7 +6754,7 @@
               <p:cNvPr id="32" name="Picture 31">
                 <a:extLst>
                   <a:ext uri="{FF2B5EF4-FFF2-40B4-BE49-F238E27FC236}">
-                    <a16:creationId xmlns:a16="http://schemas.microsoft.com/office/drawing/2014/main" xmlns="" id="{575C2716-BF45-4A09-B391-B277EEC8EFCF}"/>
+                    <a16:creationId xmlns="" xmlns:a16="http://schemas.microsoft.com/office/drawing/2014/main" id="{575C2716-BF45-4A09-B391-B277EEC8EFCF}"/>
                   </a:ext>
                 </a:extLst>
               </p:cNvPr>
@@ -6730,7 +6792,7 @@
             <p:cNvPr id="16" name="Picture 15">
               <a:extLst>
                 <a:ext uri="{FF2B5EF4-FFF2-40B4-BE49-F238E27FC236}">
-                  <a16:creationId xmlns:a16="http://schemas.microsoft.com/office/drawing/2014/main" xmlns="" id="{1E166946-87AA-4F8B-9D19-7E95F5423E8F}"/>
+                  <a16:creationId xmlns="" xmlns:a16="http://schemas.microsoft.com/office/drawing/2014/main" id="{1E166946-87AA-4F8B-9D19-7E95F5423E8F}"/>
                 </a:ext>
               </a:extLst>
             </p:cNvPr>
@@ -6765,7 +6827,7 @@
             <p:cNvPr id="11" name="Straight Connector 10">
               <a:extLst>
                 <a:ext uri="{FF2B5EF4-FFF2-40B4-BE49-F238E27FC236}">
-                  <a16:creationId xmlns:a16="http://schemas.microsoft.com/office/drawing/2014/main" xmlns="" id="{DD9882F3-07F2-4359-8D37-144670461BB1}"/>
+                  <a16:creationId xmlns="" xmlns:a16="http://schemas.microsoft.com/office/drawing/2014/main" id="{DD9882F3-07F2-4359-8D37-144670461BB1}"/>
                 </a:ext>
               </a:extLst>
             </p:cNvPr>
@@ -6847,7 +6909,7 @@
           <p:cNvPr id="7" name="Text Placeholder 2">
             <a:extLst>
               <a:ext uri="{FF2B5EF4-FFF2-40B4-BE49-F238E27FC236}">
-                <a16:creationId xmlns:a16="http://schemas.microsoft.com/office/drawing/2014/main" xmlns="" id="{4C69CA55-EDC7-4FD0-90B8-0004961E27A5}"/>
+                <a16:creationId xmlns="" xmlns:a16="http://schemas.microsoft.com/office/drawing/2014/main" id="{4C69CA55-EDC7-4FD0-90B8-0004961E27A5}"/>
               </a:ext>
             </a:extLst>
           </p:cNvPr>
@@ -6930,7 +6992,7 @@
           <p:cNvPr id="4" name="Straight Connector 3">
             <a:extLst>
               <a:ext uri="{FF2B5EF4-FFF2-40B4-BE49-F238E27FC236}">
-                <a16:creationId xmlns:a16="http://schemas.microsoft.com/office/drawing/2014/main" xmlns="" id="{75272656-0DBE-468A-AFC5-B2A3F41E6E77}"/>
+                <a16:creationId xmlns="" xmlns:a16="http://schemas.microsoft.com/office/drawing/2014/main" id="{75272656-0DBE-468A-AFC5-B2A3F41E6E77}"/>
               </a:ext>
             </a:extLst>
           </p:cNvPr>
@@ -6973,7 +7035,7 @@
           <p:cNvPr id="5" name="Picture 4">
             <a:extLst>
               <a:ext uri="{FF2B5EF4-FFF2-40B4-BE49-F238E27FC236}">
-                <a16:creationId xmlns:a16="http://schemas.microsoft.com/office/drawing/2014/main" xmlns="" id="{1E7A6B67-EDCB-401C-88E9-9DEAC79DDC92}"/>
+                <a16:creationId xmlns="" xmlns:a16="http://schemas.microsoft.com/office/drawing/2014/main" id="{1E7A6B67-EDCB-401C-88E9-9DEAC79DDC92}"/>
               </a:ext>
             </a:extLst>
           </p:cNvPr>
@@ -7047,7 +7109,7 @@
           <p:cNvPr id="7" name="Text Placeholder 2">
             <a:extLst>
               <a:ext uri="{FF2B5EF4-FFF2-40B4-BE49-F238E27FC236}">
-                <a16:creationId xmlns:a16="http://schemas.microsoft.com/office/drawing/2014/main" xmlns="" id="{4C69CA55-EDC7-4FD0-90B8-0004961E27A5}"/>
+                <a16:creationId xmlns="" xmlns:a16="http://schemas.microsoft.com/office/drawing/2014/main" id="{4C69CA55-EDC7-4FD0-90B8-0004961E27A5}"/>
               </a:ext>
             </a:extLst>
           </p:cNvPr>
@@ -7129,7 +7191,7 @@
           <p:cNvPr id="4" name="Straight Connector 3">
             <a:extLst>
               <a:ext uri="{FF2B5EF4-FFF2-40B4-BE49-F238E27FC236}">
-                <a16:creationId xmlns:a16="http://schemas.microsoft.com/office/drawing/2014/main" xmlns="" id="{75272656-0DBE-468A-AFC5-B2A3F41E6E77}"/>
+                <a16:creationId xmlns="" xmlns:a16="http://schemas.microsoft.com/office/drawing/2014/main" id="{75272656-0DBE-468A-AFC5-B2A3F41E6E77}"/>
               </a:ext>
             </a:extLst>
           </p:cNvPr>
@@ -7172,7 +7234,7 @@
           <p:cNvPr id="6" name="Picture 5">
             <a:extLst>
               <a:ext uri="{FF2B5EF4-FFF2-40B4-BE49-F238E27FC236}">
-                <a16:creationId xmlns:a16="http://schemas.microsoft.com/office/drawing/2014/main" xmlns="" id="{B5E81BBD-FD6B-4688-AE48-C55880EC263F}"/>
+                <a16:creationId xmlns="" xmlns:a16="http://schemas.microsoft.com/office/drawing/2014/main" id="{B5E81BBD-FD6B-4688-AE48-C55880EC263F}"/>
               </a:ext>
             </a:extLst>
           </p:cNvPr>
@@ -7246,7 +7308,7 @@
           <p:cNvPr id="7" name="Text Placeholder 2">
             <a:extLst>
               <a:ext uri="{FF2B5EF4-FFF2-40B4-BE49-F238E27FC236}">
-                <a16:creationId xmlns:a16="http://schemas.microsoft.com/office/drawing/2014/main" xmlns="" id="{4C69CA55-EDC7-4FD0-90B8-0004961E27A5}"/>
+                <a16:creationId xmlns="" xmlns:a16="http://schemas.microsoft.com/office/drawing/2014/main" id="{4C69CA55-EDC7-4FD0-90B8-0004961E27A5}"/>
               </a:ext>
             </a:extLst>
           </p:cNvPr>
@@ -7328,7 +7390,7 @@
           <p:cNvPr id="4" name="Straight Connector 3">
             <a:extLst>
               <a:ext uri="{FF2B5EF4-FFF2-40B4-BE49-F238E27FC236}">
-                <a16:creationId xmlns:a16="http://schemas.microsoft.com/office/drawing/2014/main" xmlns="" id="{75272656-0DBE-468A-AFC5-B2A3F41E6E77}"/>
+                <a16:creationId xmlns="" xmlns:a16="http://schemas.microsoft.com/office/drawing/2014/main" id="{75272656-0DBE-468A-AFC5-B2A3F41E6E77}"/>
               </a:ext>
             </a:extLst>
           </p:cNvPr>
@@ -7371,7 +7433,7 @@
           <p:cNvPr id="6" name="Picture 5">
             <a:extLst>
               <a:ext uri="{FF2B5EF4-FFF2-40B4-BE49-F238E27FC236}">
-                <a16:creationId xmlns:a16="http://schemas.microsoft.com/office/drawing/2014/main" xmlns="" id="{AFDC39CD-A638-4C42-8F6D-424F406FF1BC}"/>
+                <a16:creationId xmlns="" xmlns:a16="http://schemas.microsoft.com/office/drawing/2014/main" id="{AFDC39CD-A638-4C42-8F6D-424F406FF1BC}"/>
               </a:ext>
             </a:extLst>
           </p:cNvPr>
@@ -7445,7 +7507,7 @@
           <p:cNvPr id="4" name="Picture 3">
             <a:extLst>
               <a:ext uri="{FF2B5EF4-FFF2-40B4-BE49-F238E27FC236}">
-                <a16:creationId xmlns:a16="http://schemas.microsoft.com/office/drawing/2014/main" xmlns="" id="{6D28E67D-772D-43CD-97D0-8BA5B2F7F945}"/>
+                <a16:creationId xmlns="" xmlns:a16="http://schemas.microsoft.com/office/drawing/2014/main" id="{6D28E67D-772D-43CD-97D0-8BA5B2F7F945}"/>
               </a:ext>
             </a:extLst>
           </p:cNvPr>
@@ -7628,7 +7690,7 @@
           <p:cNvPr id="7" name="Text Placeholder 2">
             <a:extLst>
               <a:ext uri="{FF2B5EF4-FFF2-40B4-BE49-F238E27FC236}">
-                <a16:creationId xmlns:a16="http://schemas.microsoft.com/office/drawing/2014/main" xmlns="" id="{4C69CA55-EDC7-4FD0-90B8-0004961E27A5}"/>
+                <a16:creationId xmlns="" xmlns:a16="http://schemas.microsoft.com/office/drawing/2014/main" id="{4C69CA55-EDC7-4FD0-90B8-0004961E27A5}"/>
               </a:ext>
             </a:extLst>
           </p:cNvPr>
@@ -7710,7 +7772,7 @@
           <p:cNvPr id="4" name="Straight Connector 3">
             <a:extLst>
               <a:ext uri="{FF2B5EF4-FFF2-40B4-BE49-F238E27FC236}">
-                <a16:creationId xmlns:a16="http://schemas.microsoft.com/office/drawing/2014/main" xmlns="" id="{75272656-0DBE-468A-AFC5-B2A3F41E6E77}"/>
+                <a16:creationId xmlns="" xmlns:a16="http://schemas.microsoft.com/office/drawing/2014/main" id="{75272656-0DBE-468A-AFC5-B2A3F41E6E77}"/>
               </a:ext>
             </a:extLst>
           </p:cNvPr>
@@ -7753,7 +7815,7 @@
           <p:cNvPr id="6" name="Picture 5">
             <a:extLst>
               <a:ext uri="{FF2B5EF4-FFF2-40B4-BE49-F238E27FC236}">
-                <a16:creationId xmlns:a16="http://schemas.microsoft.com/office/drawing/2014/main" xmlns="" id="{44EF061A-57B8-41CA-8068-EBB00428F602}"/>
+                <a16:creationId xmlns="" xmlns:a16="http://schemas.microsoft.com/office/drawing/2014/main" id="{44EF061A-57B8-41CA-8068-EBB00428F602}"/>
               </a:ext>
             </a:extLst>
           </p:cNvPr>
@@ -7827,7 +7889,7 @@
           <p:cNvPr id="7" name="Text Placeholder 2">
             <a:extLst>
               <a:ext uri="{FF2B5EF4-FFF2-40B4-BE49-F238E27FC236}">
-                <a16:creationId xmlns:a16="http://schemas.microsoft.com/office/drawing/2014/main" xmlns="" id="{4C69CA55-EDC7-4FD0-90B8-0004961E27A5}"/>
+                <a16:creationId xmlns="" xmlns:a16="http://schemas.microsoft.com/office/drawing/2014/main" id="{4C69CA55-EDC7-4FD0-90B8-0004961E27A5}"/>
               </a:ext>
             </a:extLst>
           </p:cNvPr>
@@ -7909,7 +7971,7 @@
           <p:cNvPr id="4" name="Straight Connector 3">
             <a:extLst>
               <a:ext uri="{FF2B5EF4-FFF2-40B4-BE49-F238E27FC236}">
-                <a16:creationId xmlns:a16="http://schemas.microsoft.com/office/drawing/2014/main" xmlns="" id="{75272656-0DBE-468A-AFC5-B2A3F41E6E77}"/>
+                <a16:creationId xmlns="" xmlns:a16="http://schemas.microsoft.com/office/drawing/2014/main" id="{75272656-0DBE-468A-AFC5-B2A3F41E6E77}"/>
               </a:ext>
             </a:extLst>
           </p:cNvPr>
@@ -7952,7 +8014,7 @@
           <p:cNvPr id="6" name="Picture 5">
             <a:extLst>
               <a:ext uri="{FF2B5EF4-FFF2-40B4-BE49-F238E27FC236}">
-                <a16:creationId xmlns:a16="http://schemas.microsoft.com/office/drawing/2014/main" xmlns="" id="{A0B9DA42-9FA8-4DA7-971D-0FF9BD25F676}"/>
+                <a16:creationId xmlns="" xmlns:a16="http://schemas.microsoft.com/office/drawing/2014/main" id="{A0B9DA42-9FA8-4DA7-971D-0FF9BD25F676}"/>
               </a:ext>
             </a:extLst>
           </p:cNvPr>
@@ -8026,7 +8088,7 @@
           <p:cNvPr id="7" name="Text Placeholder 2">
             <a:extLst>
               <a:ext uri="{FF2B5EF4-FFF2-40B4-BE49-F238E27FC236}">
-                <a16:creationId xmlns:a16="http://schemas.microsoft.com/office/drawing/2014/main" xmlns="" id="{4C69CA55-EDC7-4FD0-90B8-0004961E27A5}"/>
+                <a16:creationId xmlns="" xmlns:a16="http://schemas.microsoft.com/office/drawing/2014/main" id="{4C69CA55-EDC7-4FD0-90B8-0004961E27A5}"/>
               </a:ext>
             </a:extLst>
           </p:cNvPr>
@@ -8108,7 +8170,7 @@
           <p:cNvPr id="4" name="Straight Connector 3">
             <a:extLst>
               <a:ext uri="{FF2B5EF4-FFF2-40B4-BE49-F238E27FC236}">
-                <a16:creationId xmlns:a16="http://schemas.microsoft.com/office/drawing/2014/main" xmlns="" id="{75272656-0DBE-468A-AFC5-B2A3F41E6E77}"/>
+                <a16:creationId xmlns="" xmlns:a16="http://schemas.microsoft.com/office/drawing/2014/main" id="{75272656-0DBE-468A-AFC5-B2A3F41E6E77}"/>
               </a:ext>
             </a:extLst>
           </p:cNvPr>
@@ -8151,7 +8213,7 @@
           <p:cNvPr id="6" name="Picture 5">
             <a:extLst>
               <a:ext uri="{FF2B5EF4-FFF2-40B4-BE49-F238E27FC236}">
-                <a16:creationId xmlns:a16="http://schemas.microsoft.com/office/drawing/2014/main" xmlns="" id="{B149D815-A8F2-4CAC-BF98-5E7D34AFE4F2}"/>
+                <a16:creationId xmlns="" xmlns:a16="http://schemas.microsoft.com/office/drawing/2014/main" id="{B149D815-A8F2-4CAC-BF98-5E7D34AFE4F2}"/>
               </a:ext>
             </a:extLst>
           </p:cNvPr>
@@ -8225,7 +8287,7 @@
           <p:cNvPr id="4" name="Picture 3">
             <a:extLst>
               <a:ext uri="{FF2B5EF4-FFF2-40B4-BE49-F238E27FC236}">
-                <a16:creationId xmlns:a16="http://schemas.microsoft.com/office/drawing/2014/main" xmlns="" id="{8F780C30-616A-4220-A720-FD7F10147891}"/>
+                <a16:creationId xmlns="" xmlns:a16="http://schemas.microsoft.com/office/drawing/2014/main" id="{8F780C30-616A-4220-A720-FD7F10147891}"/>
               </a:ext>
             </a:extLst>
           </p:cNvPr>
@@ -8260,7 +8322,7 @@
           <p:cNvPr id="10" name="Text Placeholder 2">
             <a:extLst>
               <a:ext uri="{FF2B5EF4-FFF2-40B4-BE49-F238E27FC236}">
-                <a16:creationId xmlns:a16="http://schemas.microsoft.com/office/drawing/2014/main" xmlns="" id="{B09CA424-958C-400F-8E6E-189C42E1E999}"/>
+                <a16:creationId xmlns="" xmlns:a16="http://schemas.microsoft.com/office/drawing/2014/main" id="{B09CA424-958C-400F-8E6E-189C42E1E999}"/>
               </a:ext>
             </a:extLst>
           </p:cNvPr>
@@ -8344,7 +8406,7 @@
           <p:cNvPr id="5" name="Group 4">
             <a:extLst>
               <a:ext uri="{FF2B5EF4-FFF2-40B4-BE49-F238E27FC236}">
-                <a16:creationId xmlns:a16="http://schemas.microsoft.com/office/drawing/2014/main" xmlns="" id="{6862D5A9-6117-4172-A1E6-0A335E3FD987}"/>
+                <a16:creationId xmlns="" xmlns:a16="http://schemas.microsoft.com/office/drawing/2014/main" id="{6862D5A9-6117-4172-A1E6-0A335E3FD987}"/>
               </a:ext>
             </a:extLst>
           </p:cNvPr>
@@ -8364,7 +8426,7 @@
             <p:cNvPr id="11" name="Group 10">
               <a:extLst>
                 <a:ext uri="{FF2B5EF4-FFF2-40B4-BE49-F238E27FC236}">
-                  <a16:creationId xmlns:a16="http://schemas.microsoft.com/office/drawing/2014/main" xmlns="" id="{F863733E-5920-4F38-8840-4036FA0A8AB1}"/>
+                  <a16:creationId xmlns="" xmlns:a16="http://schemas.microsoft.com/office/drawing/2014/main" id="{F863733E-5920-4F38-8840-4036FA0A8AB1}"/>
                 </a:ext>
               </a:extLst>
             </p:cNvPr>
@@ -8384,7 +8446,7 @@
               <p:cNvPr id="16" name="Picture 15">
                 <a:extLst>
                   <a:ext uri="{FF2B5EF4-FFF2-40B4-BE49-F238E27FC236}">
-                    <a16:creationId xmlns:a16="http://schemas.microsoft.com/office/drawing/2014/main" xmlns="" id="{5531160A-B286-4250-97B2-F99F209108B4}"/>
+                    <a16:creationId xmlns="" xmlns:a16="http://schemas.microsoft.com/office/drawing/2014/main" id="{5531160A-B286-4250-97B2-F99F209108B4}"/>
                   </a:ext>
                 </a:extLst>
               </p:cNvPr>
@@ -8421,7 +8483,7 @@
               <p:cNvPr id="17" name="Picture 16">
                 <a:extLst>
                   <a:ext uri="{FF2B5EF4-FFF2-40B4-BE49-F238E27FC236}">
-                    <a16:creationId xmlns:a16="http://schemas.microsoft.com/office/drawing/2014/main" xmlns="" id="{944048F3-7A25-474A-ADD9-896BA886C89D}"/>
+                    <a16:creationId xmlns="" xmlns:a16="http://schemas.microsoft.com/office/drawing/2014/main" id="{944048F3-7A25-474A-ADD9-896BA886C89D}"/>
                   </a:ext>
                 </a:extLst>
               </p:cNvPr>
@@ -8458,7 +8520,7 @@
               <p:cNvPr id="18" name="Picture 17">
                 <a:extLst>
                   <a:ext uri="{FF2B5EF4-FFF2-40B4-BE49-F238E27FC236}">
-                    <a16:creationId xmlns:a16="http://schemas.microsoft.com/office/drawing/2014/main" xmlns="" id="{3263FAA7-CF11-402A-84D1-AE7089DD5612}"/>
+                    <a16:creationId xmlns="" xmlns:a16="http://schemas.microsoft.com/office/drawing/2014/main" id="{3263FAA7-CF11-402A-84D1-AE7089DD5612}"/>
                   </a:ext>
                 </a:extLst>
               </p:cNvPr>
@@ -8495,7 +8557,7 @@
               <p:cNvPr id="19" name="Picture 18">
                 <a:extLst>
                   <a:ext uri="{FF2B5EF4-FFF2-40B4-BE49-F238E27FC236}">
-                    <a16:creationId xmlns:a16="http://schemas.microsoft.com/office/drawing/2014/main" xmlns="" id="{B2BEB54A-12E6-415C-A614-A460D038E772}"/>
+                    <a16:creationId xmlns="" xmlns:a16="http://schemas.microsoft.com/office/drawing/2014/main" id="{B2BEB54A-12E6-415C-A614-A460D038E772}"/>
                   </a:ext>
                 </a:extLst>
               </p:cNvPr>
@@ -8532,7 +8594,7 @@
               <p:cNvPr id="20" name="Picture 19">
                 <a:extLst>
                   <a:ext uri="{FF2B5EF4-FFF2-40B4-BE49-F238E27FC236}">
-                    <a16:creationId xmlns:a16="http://schemas.microsoft.com/office/drawing/2014/main" xmlns="" id="{B70FEB7B-0EA9-4610-8C2F-E02578D16190}"/>
+                    <a16:creationId xmlns="" xmlns:a16="http://schemas.microsoft.com/office/drawing/2014/main" id="{B70FEB7B-0EA9-4610-8C2F-E02578D16190}"/>
                   </a:ext>
                 </a:extLst>
               </p:cNvPr>
@@ -8569,7 +8631,7 @@
               <p:cNvPr id="21" name="Picture 20">
                 <a:extLst>
                   <a:ext uri="{FF2B5EF4-FFF2-40B4-BE49-F238E27FC236}">
-                    <a16:creationId xmlns:a16="http://schemas.microsoft.com/office/drawing/2014/main" xmlns="" id="{51A7EAAE-996B-4A3C-A93E-51CFAD08D56B}"/>
+                    <a16:creationId xmlns="" xmlns:a16="http://schemas.microsoft.com/office/drawing/2014/main" id="{51A7EAAE-996B-4A3C-A93E-51CFAD08D56B}"/>
                   </a:ext>
                 </a:extLst>
               </p:cNvPr>
@@ -8606,7 +8668,7 @@
               <p:cNvPr id="22" name="Picture 21">
                 <a:extLst>
                   <a:ext uri="{FF2B5EF4-FFF2-40B4-BE49-F238E27FC236}">
-                    <a16:creationId xmlns:a16="http://schemas.microsoft.com/office/drawing/2014/main" xmlns="" id="{6ECE7F93-4D9F-434B-A5F0-5F15DE7ACDD5}"/>
+                    <a16:creationId xmlns="" xmlns:a16="http://schemas.microsoft.com/office/drawing/2014/main" id="{6ECE7F93-4D9F-434B-A5F0-5F15DE7ACDD5}"/>
                   </a:ext>
                 </a:extLst>
               </p:cNvPr>
@@ -8644,7 +8706,7 @@
             <p:cNvPr id="15" name="Straight Connector 14">
               <a:extLst>
                 <a:ext uri="{FF2B5EF4-FFF2-40B4-BE49-F238E27FC236}">
-                  <a16:creationId xmlns:a16="http://schemas.microsoft.com/office/drawing/2014/main" xmlns="" id="{4659902F-8906-4CF3-8C8A-BB385247ED93}"/>
+                  <a16:creationId xmlns="" xmlns:a16="http://schemas.microsoft.com/office/drawing/2014/main" id="{4659902F-8906-4CF3-8C8A-BB385247ED93}"/>
                 </a:ext>
               </a:extLst>
             </p:cNvPr>
@@ -8688,7 +8750,7 @@
           <p:cNvPr id="23" name="Callout: Bent Line 22">
             <a:extLst>
               <a:ext uri="{FF2B5EF4-FFF2-40B4-BE49-F238E27FC236}">
-                <a16:creationId xmlns:a16="http://schemas.microsoft.com/office/drawing/2014/main" xmlns="" id="{9CBB134D-1186-474D-B17E-83E7245C4E56}"/>
+                <a16:creationId xmlns="" xmlns:a16="http://schemas.microsoft.com/office/drawing/2014/main" id="{9CBB134D-1186-474D-B17E-83E7245C4E56}"/>
               </a:ext>
             </a:extLst>
           </p:cNvPr>
@@ -8818,7 +8880,7 @@
           <p:cNvPr id="24" name="Picture 23">
             <a:extLst>
               <a:ext uri="{FF2B5EF4-FFF2-40B4-BE49-F238E27FC236}">
-                <a16:creationId xmlns:a16="http://schemas.microsoft.com/office/drawing/2014/main" xmlns="" id="{5211BEF7-4125-4B9B-A55D-443780FAF5FC}"/>
+                <a16:creationId xmlns="" xmlns:a16="http://schemas.microsoft.com/office/drawing/2014/main" id="{5211BEF7-4125-4B9B-A55D-443780FAF5FC}"/>
               </a:ext>
             </a:extLst>
           </p:cNvPr>
@@ -8928,7 +8990,7 @@
           <p:cNvPr id="6" name="Picture 5">
             <a:extLst>
               <a:ext uri="{FF2B5EF4-FFF2-40B4-BE49-F238E27FC236}">
-                <a16:creationId xmlns:a16="http://schemas.microsoft.com/office/drawing/2014/main" xmlns="" id="{2D1B33CA-F578-4C0C-B459-E827C83919C0}"/>
+                <a16:creationId xmlns="" xmlns:a16="http://schemas.microsoft.com/office/drawing/2014/main" id="{2D1B33CA-F578-4C0C-B459-E827C83919C0}"/>
               </a:ext>
             </a:extLst>
           </p:cNvPr>
@@ -8963,7 +9025,7 @@
           <p:cNvPr id="10" name="Text Placeholder 2">
             <a:extLst>
               <a:ext uri="{FF2B5EF4-FFF2-40B4-BE49-F238E27FC236}">
-                <a16:creationId xmlns:a16="http://schemas.microsoft.com/office/drawing/2014/main" xmlns="" id="{B09CA424-958C-400F-8E6E-189C42E1E999}"/>
+                <a16:creationId xmlns="" xmlns:a16="http://schemas.microsoft.com/office/drawing/2014/main" id="{B09CA424-958C-400F-8E6E-189C42E1E999}"/>
               </a:ext>
             </a:extLst>
           </p:cNvPr>
@@ -9047,7 +9109,7 @@
           <p:cNvPr id="7" name="Group 6">
             <a:extLst>
               <a:ext uri="{FF2B5EF4-FFF2-40B4-BE49-F238E27FC236}">
-                <a16:creationId xmlns:a16="http://schemas.microsoft.com/office/drawing/2014/main" xmlns="" id="{49A70840-4E7D-4279-B0FB-2594D9FB78D6}"/>
+                <a16:creationId xmlns="" xmlns:a16="http://schemas.microsoft.com/office/drawing/2014/main" id="{49A70840-4E7D-4279-B0FB-2594D9FB78D6}"/>
               </a:ext>
             </a:extLst>
           </p:cNvPr>
@@ -9067,7 +9129,7 @@
             <p:cNvPr id="9" name="Group 8">
               <a:extLst>
                 <a:ext uri="{FF2B5EF4-FFF2-40B4-BE49-F238E27FC236}">
-                  <a16:creationId xmlns:a16="http://schemas.microsoft.com/office/drawing/2014/main" xmlns="" id="{33B708C2-3A7A-4385-B773-C51B9C8DAA48}"/>
+                  <a16:creationId xmlns="" xmlns:a16="http://schemas.microsoft.com/office/drawing/2014/main" id="{33B708C2-3A7A-4385-B773-C51B9C8DAA48}"/>
                 </a:ext>
               </a:extLst>
             </p:cNvPr>
@@ -9087,7 +9149,7 @@
               <p:cNvPr id="13" name="Picture 12">
                 <a:extLst>
                   <a:ext uri="{FF2B5EF4-FFF2-40B4-BE49-F238E27FC236}">
-                    <a16:creationId xmlns:a16="http://schemas.microsoft.com/office/drawing/2014/main" xmlns="" id="{37A01883-7953-4C21-B255-E8C313478C13}"/>
+                    <a16:creationId xmlns="" xmlns:a16="http://schemas.microsoft.com/office/drawing/2014/main" id="{37A01883-7953-4C21-B255-E8C313478C13}"/>
                   </a:ext>
                 </a:extLst>
               </p:cNvPr>
@@ -9124,7 +9186,7 @@
               <p:cNvPr id="14" name="Picture 13">
                 <a:extLst>
                   <a:ext uri="{FF2B5EF4-FFF2-40B4-BE49-F238E27FC236}">
-                    <a16:creationId xmlns:a16="http://schemas.microsoft.com/office/drawing/2014/main" xmlns="" id="{B91F29D2-404D-421E-B23E-B7AAEDCA87E0}"/>
+                    <a16:creationId xmlns="" xmlns:a16="http://schemas.microsoft.com/office/drawing/2014/main" id="{B91F29D2-404D-421E-B23E-B7AAEDCA87E0}"/>
                   </a:ext>
                 </a:extLst>
               </p:cNvPr>
@@ -9161,7 +9223,7 @@
               <p:cNvPr id="15" name="Picture 14">
                 <a:extLst>
                   <a:ext uri="{FF2B5EF4-FFF2-40B4-BE49-F238E27FC236}">
-                    <a16:creationId xmlns:a16="http://schemas.microsoft.com/office/drawing/2014/main" xmlns="" id="{58F73AC3-1580-4CB7-A130-C6F4395F916C}"/>
+                    <a16:creationId xmlns="" xmlns:a16="http://schemas.microsoft.com/office/drawing/2014/main" id="{58F73AC3-1580-4CB7-A130-C6F4395F916C}"/>
                   </a:ext>
                 </a:extLst>
               </p:cNvPr>
@@ -9198,7 +9260,7 @@
               <p:cNvPr id="16" name="Picture 15">
                 <a:extLst>
                   <a:ext uri="{FF2B5EF4-FFF2-40B4-BE49-F238E27FC236}">
-                    <a16:creationId xmlns:a16="http://schemas.microsoft.com/office/drawing/2014/main" xmlns="" id="{69F06EEA-5847-4393-A3F4-6663FD6F6BCD}"/>
+                    <a16:creationId xmlns="" xmlns:a16="http://schemas.microsoft.com/office/drawing/2014/main" id="{69F06EEA-5847-4393-A3F4-6663FD6F6BCD}"/>
                   </a:ext>
                 </a:extLst>
               </p:cNvPr>
@@ -9235,7 +9297,7 @@
               <p:cNvPr id="17" name="Picture 16">
                 <a:extLst>
                   <a:ext uri="{FF2B5EF4-FFF2-40B4-BE49-F238E27FC236}">
-                    <a16:creationId xmlns:a16="http://schemas.microsoft.com/office/drawing/2014/main" xmlns="" id="{35F99DFA-4E13-466A-B986-4B49DCAD0E3D}"/>
+                    <a16:creationId xmlns="" xmlns:a16="http://schemas.microsoft.com/office/drawing/2014/main" id="{35F99DFA-4E13-466A-B986-4B49DCAD0E3D}"/>
                   </a:ext>
                 </a:extLst>
               </p:cNvPr>
@@ -9272,7 +9334,7 @@
               <p:cNvPr id="18" name="Picture 17">
                 <a:extLst>
                   <a:ext uri="{FF2B5EF4-FFF2-40B4-BE49-F238E27FC236}">
-                    <a16:creationId xmlns:a16="http://schemas.microsoft.com/office/drawing/2014/main" xmlns="" id="{39A306AD-724C-4DA6-AEBF-05B2DED43B6B}"/>
+                    <a16:creationId xmlns="" xmlns:a16="http://schemas.microsoft.com/office/drawing/2014/main" id="{39A306AD-724C-4DA6-AEBF-05B2DED43B6B}"/>
                   </a:ext>
                 </a:extLst>
               </p:cNvPr>
@@ -9309,7 +9371,7 @@
               <p:cNvPr id="19" name="Picture 18">
                 <a:extLst>
                   <a:ext uri="{FF2B5EF4-FFF2-40B4-BE49-F238E27FC236}">
-                    <a16:creationId xmlns:a16="http://schemas.microsoft.com/office/drawing/2014/main" xmlns="" id="{413442EE-F206-4A53-8FD0-DC4B8C390F0F}"/>
+                    <a16:creationId xmlns="" xmlns:a16="http://schemas.microsoft.com/office/drawing/2014/main" id="{413442EE-F206-4A53-8FD0-DC4B8C390F0F}"/>
                   </a:ext>
                 </a:extLst>
               </p:cNvPr>
@@ -9347,7 +9409,7 @@
             <p:cNvPr id="11" name="Straight Connector 10">
               <a:extLst>
                 <a:ext uri="{FF2B5EF4-FFF2-40B4-BE49-F238E27FC236}">
-                  <a16:creationId xmlns:a16="http://schemas.microsoft.com/office/drawing/2014/main" xmlns="" id="{D6D53656-7C7D-4CA1-9051-0FF8B67A9788}"/>
+                  <a16:creationId xmlns="" xmlns:a16="http://schemas.microsoft.com/office/drawing/2014/main" id="{D6D53656-7C7D-4CA1-9051-0FF8B67A9788}"/>
                 </a:ext>
               </a:extLst>
             </p:cNvPr>
@@ -9391,7 +9453,7 @@
           <p:cNvPr id="20" name="Callout: Bent Line 19">
             <a:extLst>
               <a:ext uri="{FF2B5EF4-FFF2-40B4-BE49-F238E27FC236}">
-                <a16:creationId xmlns:a16="http://schemas.microsoft.com/office/drawing/2014/main" xmlns="" id="{2FE2A00C-BF55-451A-A600-9FFB4AA4E9A7}"/>
+                <a16:creationId xmlns="" xmlns:a16="http://schemas.microsoft.com/office/drawing/2014/main" id="{2FE2A00C-BF55-451A-A600-9FFB4AA4E9A7}"/>
               </a:ext>
             </a:extLst>
           </p:cNvPr>
@@ -9521,7 +9583,7 @@
           <p:cNvPr id="21" name="Picture 20">
             <a:extLst>
               <a:ext uri="{FF2B5EF4-FFF2-40B4-BE49-F238E27FC236}">
-                <a16:creationId xmlns:a16="http://schemas.microsoft.com/office/drawing/2014/main" xmlns="" id="{566E5636-FEC8-4262-93C8-4DC64686163D}"/>
+                <a16:creationId xmlns="" xmlns:a16="http://schemas.microsoft.com/office/drawing/2014/main" id="{566E5636-FEC8-4262-93C8-4DC64686163D}"/>
               </a:ext>
             </a:extLst>
           </p:cNvPr>
@@ -9631,7 +9693,7 @@
           <p:cNvPr id="4" name="Picture 3">
             <a:extLst>
               <a:ext uri="{FF2B5EF4-FFF2-40B4-BE49-F238E27FC236}">
-                <a16:creationId xmlns:a16="http://schemas.microsoft.com/office/drawing/2014/main" xmlns="" id="{83EBA447-398C-475B-A275-C4B992B4F0BC}"/>
+                <a16:creationId xmlns="" xmlns:a16="http://schemas.microsoft.com/office/drawing/2014/main" id="{83EBA447-398C-475B-A275-C4B992B4F0BC}"/>
               </a:ext>
             </a:extLst>
           </p:cNvPr>
@@ -9666,7 +9728,7 @@
           <p:cNvPr id="10" name="Text Placeholder 2">
             <a:extLst>
               <a:ext uri="{FF2B5EF4-FFF2-40B4-BE49-F238E27FC236}">
-                <a16:creationId xmlns:a16="http://schemas.microsoft.com/office/drawing/2014/main" xmlns="" id="{B09CA424-958C-400F-8E6E-189C42E1E999}"/>
+                <a16:creationId xmlns="" xmlns:a16="http://schemas.microsoft.com/office/drawing/2014/main" id="{B09CA424-958C-400F-8E6E-189C42E1E999}"/>
               </a:ext>
             </a:extLst>
           </p:cNvPr>
@@ -9750,7 +9812,7 @@
           <p:cNvPr id="7" name="Group 6">
             <a:extLst>
               <a:ext uri="{FF2B5EF4-FFF2-40B4-BE49-F238E27FC236}">
-                <a16:creationId xmlns:a16="http://schemas.microsoft.com/office/drawing/2014/main" xmlns="" id="{0A32E6A7-C544-44B9-97EC-95E279B21118}"/>
+                <a16:creationId xmlns="" xmlns:a16="http://schemas.microsoft.com/office/drawing/2014/main" id="{0A32E6A7-C544-44B9-97EC-95E279B21118}"/>
               </a:ext>
             </a:extLst>
           </p:cNvPr>
@@ -9770,7 +9832,7 @@
             <p:cNvPr id="9" name="Group 8">
               <a:extLst>
                 <a:ext uri="{FF2B5EF4-FFF2-40B4-BE49-F238E27FC236}">
-                  <a16:creationId xmlns:a16="http://schemas.microsoft.com/office/drawing/2014/main" xmlns="" id="{8DEC36E6-CB40-4600-8EE2-347E5918B175}"/>
+                  <a16:creationId xmlns="" xmlns:a16="http://schemas.microsoft.com/office/drawing/2014/main" id="{8DEC36E6-CB40-4600-8EE2-347E5918B175}"/>
                 </a:ext>
               </a:extLst>
             </p:cNvPr>
@@ -9790,7 +9852,7 @@
               <p:cNvPr id="13" name="Picture 12">
                 <a:extLst>
                   <a:ext uri="{FF2B5EF4-FFF2-40B4-BE49-F238E27FC236}">
-                    <a16:creationId xmlns:a16="http://schemas.microsoft.com/office/drawing/2014/main" xmlns="" id="{516811C6-8AA1-4D42-BDC2-83FBC0E84367}"/>
+                    <a16:creationId xmlns="" xmlns:a16="http://schemas.microsoft.com/office/drawing/2014/main" id="{516811C6-8AA1-4D42-BDC2-83FBC0E84367}"/>
                   </a:ext>
                 </a:extLst>
               </p:cNvPr>
@@ -9827,7 +9889,7 @@
               <p:cNvPr id="14" name="Picture 13">
                 <a:extLst>
                   <a:ext uri="{FF2B5EF4-FFF2-40B4-BE49-F238E27FC236}">
-                    <a16:creationId xmlns:a16="http://schemas.microsoft.com/office/drawing/2014/main" xmlns="" id="{43C63D8A-2AD9-4377-80D9-71434BF31612}"/>
+                    <a16:creationId xmlns="" xmlns:a16="http://schemas.microsoft.com/office/drawing/2014/main" id="{43C63D8A-2AD9-4377-80D9-71434BF31612}"/>
                   </a:ext>
                 </a:extLst>
               </p:cNvPr>
@@ -9864,7 +9926,7 @@
               <p:cNvPr id="15" name="Picture 14">
                 <a:extLst>
                   <a:ext uri="{FF2B5EF4-FFF2-40B4-BE49-F238E27FC236}">
-                    <a16:creationId xmlns:a16="http://schemas.microsoft.com/office/drawing/2014/main" xmlns="" id="{8C1722C1-2011-4B23-B5AB-590CF7426734}"/>
+                    <a16:creationId xmlns="" xmlns:a16="http://schemas.microsoft.com/office/drawing/2014/main" id="{8C1722C1-2011-4B23-B5AB-590CF7426734}"/>
                   </a:ext>
                 </a:extLst>
               </p:cNvPr>
@@ -9901,7 +9963,7 @@
               <p:cNvPr id="16" name="Picture 15">
                 <a:extLst>
                   <a:ext uri="{FF2B5EF4-FFF2-40B4-BE49-F238E27FC236}">
-                    <a16:creationId xmlns:a16="http://schemas.microsoft.com/office/drawing/2014/main" xmlns="" id="{ECE1E89C-C056-4249-B9C0-255CDB2F0BD0}"/>
+                    <a16:creationId xmlns="" xmlns:a16="http://schemas.microsoft.com/office/drawing/2014/main" id="{ECE1E89C-C056-4249-B9C0-255CDB2F0BD0}"/>
                   </a:ext>
                 </a:extLst>
               </p:cNvPr>
@@ -9938,7 +10000,7 @@
               <p:cNvPr id="17" name="Picture 16">
                 <a:extLst>
                   <a:ext uri="{FF2B5EF4-FFF2-40B4-BE49-F238E27FC236}">
-                    <a16:creationId xmlns:a16="http://schemas.microsoft.com/office/drawing/2014/main" xmlns="" id="{86E989B5-27F5-4864-B364-D066377EC778}"/>
+                    <a16:creationId xmlns="" xmlns:a16="http://schemas.microsoft.com/office/drawing/2014/main" id="{86E989B5-27F5-4864-B364-D066377EC778}"/>
                   </a:ext>
                 </a:extLst>
               </p:cNvPr>
@@ -9975,7 +10037,7 @@
               <p:cNvPr id="18" name="Picture 17">
                 <a:extLst>
                   <a:ext uri="{FF2B5EF4-FFF2-40B4-BE49-F238E27FC236}">
-                    <a16:creationId xmlns:a16="http://schemas.microsoft.com/office/drawing/2014/main" xmlns="" id="{7192751A-AE6C-4790-B8A6-03D39FF4103A}"/>
+                    <a16:creationId xmlns="" xmlns:a16="http://schemas.microsoft.com/office/drawing/2014/main" id="{7192751A-AE6C-4790-B8A6-03D39FF4103A}"/>
                   </a:ext>
                 </a:extLst>
               </p:cNvPr>
@@ -10012,7 +10074,7 @@
               <p:cNvPr id="19" name="Picture 18">
                 <a:extLst>
                   <a:ext uri="{FF2B5EF4-FFF2-40B4-BE49-F238E27FC236}">
-                    <a16:creationId xmlns:a16="http://schemas.microsoft.com/office/drawing/2014/main" xmlns="" id="{D814A52E-831C-42D7-A7FA-D34B2AE027B2}"/>
+                    <a16:creationId xmlns="" xmlns:a16="http://schemas.microsoft.com/office/drawing/2014/main" id="{D814A52E-831C-42D7-A7FA-D34B2AE027B2}"/>
                   </a:ext>
                 </a:extLst>
               </p:cNvPr>
@@ -10050,7 +10112,7 @@
             <p:cNvPr id="11" name="Straight Connector 10">
               <a:extLst>
                 <a:ext uri="{FF2B5EF4-FFF2-40B4-BE49-F238E27FC236}">
-                  <a16:creationId xmlns:a16="http://schemas.microsoft.com/office/drawing/2014/main" xmlns="" id="{5ED53C4B-51B6-4C94-B01E-E00CE6D84F3A}"/>
+                  <a16:creationId xmlns="" xmlns:a16="http://schemas.microsoft.com/office/drawing/2014/main" id="{5ED53C4B-51B6-4C94-B01E-E00CE6D84F3A}"/>
                 </a:ext>
               </a:extLst>
             </p:cNvPr>
@@ -10094,7 +10156,7 @@
           <p:cNvPr id="20" name="Callout: Bent Line 19">
             <a:extLst>
               <a:ext uri="{FF2B5EF4-FFF2-40B4-BE49-F238E27FC236}">
-                <a16:creationId xmlns:a16="http://schemas.microsoft.com/office/drawing/2014/main" xmlns="" id="{B38B45D6-2F53-46C0-92C0-7EE9FBDB9499}"/>
+                <a16:creationId xmlns="" xmlns:a16="http://schemas.microsoft.com/office/drawing/2014/main" id="{B38B45D6-2F53-46C0-92C0-7EE9FBDB9499}"/>
               </a:ext>
             </a:extLst>
           </p:cNvPr>
@@ -10224,7 +10286,7 @@
           <p:cNvPr id="21" name="Picture 20">
             <a:extLst>
               <a:ext uri="{FF2B5EF4-FFF2-40B4-BE49-F238E27FC236}">
-                <a16:creationId xmlns:a16="http://schemas.microsoft.com/office/drawing/2014/main" xmlns="" id="{617E4C3E-1C59-4986-B421-2CA1AA87D769}"/>
+                <a16:creationId xmlns="" xmlns:a16="http://schemas.microsoft.com/office/drawing/2014/main" id="{617E4C3E-1C59-4986-B421-2CA1AA87D769}"/>
               </a:ext>
             </a:extLst>
           </p:cNvPr>
@@ -10376,7 +10438,7 @@
           <p:cNvPr id="6" name="Straight Connector 5">
             <a:extLst>
               <a:ext uri="{FF2B5EF4-FFF2-40B4-BE49-F238E27FC236}">
-                <a16:creationId xmlns:a16="http://schemas.microsoft.com/office/drawing/2014/main" xmlns="" id="{7D3F13F0-37DB-4101-A974-E97BD97A05D4}"/>
+                <a16:creationId xmlns="" xmlns:a16="http://schemas.microsoft.com/office/drawing/2014/main" id="{7D3F13F0-37DB-4101-A974-E97BD97A05D4}"/>
               </a:ext>
             </a:extLst>
           </p:cNvPr>
@@ -10419,7 +10481,7 @@
           <p:cNvPr id="13" name="Group 12">
             <a:extLst>
               <a:ext uri="{FF2B5EF4-FFF2-40B4-BE49-F238E27FC236}">
-                <a16:creationId xmlns:a16="http://schemas.microsoft.com/office/drawing/2014/main" xmlns="" id="{9122C233-55C3-43C6-BF3E-5E47956841A2}"/>
+                <a16:creationId xmlns="" xmlns:a16="http://schemas.microsoft.com/office/drawing/2014/main" id="{9122C233-55C3-43C6-BF3E-5E47956841A2}"/>
               </a:ext>
             </a:extLst>
           </p:cNvPr>
@@ -10439,7 +10501,7 @@
             <p:cNvPr id="7" name="Picture 6">
               <a:extLst>
                 <a:ext uri="{FF2B5EF4-FFF2-40B4-BE49-F238E27FC236}">
-                  <a16:creationId xmlns:a16="http://schemas.microsoft.com/office/drawing/2014/main" xmlns="" id="{D06B119A-8AD6-4E10-A54F-F8517EE59454}"/>
+                  <a16:creationId xmlns="" xmlns:a16="http://schemas.microsoft.com/office/drawing/2014/main" id="{D06B119A-8AD6-4E10-A54F-F8517EE59454}"/>
                 </a:ext>
               </a:extLst>
             </p:cNvPr>
@@ -10476,7 +10538,7 @@
             <p:cNvPr id="8" name="Picture 7">
               <a:extLst>
                 <a:ext uri="{FF2B5EF4-FFF2-40B4-BE49-F238E27FC236}">
-                  <a16:creationId xmlns:a16="http://schemas.microsoft.com/office/drawing/2014/main" xmlns="" id="{07384CDC-C2F5-4C86-998D-3E68898F0F5A}"/>
+                  <a16:creationId xmlns="" xmlns:a16="http://schemas.microsoft.com/office/drawing/2014/main" id="{07384CDC-C2F5-4C86-998D-3E68898F0F5A}"/>
                 </a:ext>
               </a:extLst>
             </p:cNvPr>
@@ -10513,7 +10575,7 @@
             <p:cNvPr id="9" name="Picture 8">
               <a:extLst>
                 <a:ext uri="{FF2B5EF4-FFF2-40B4-BE49-F238E27FC236}">
-                  <a16:creationId xmlns:a16="http://schemas.microsoft.com/office/drawing/2014/main" xmlns="" id="{278B6EA8-B7D6-480B-BE53-0CD9B3F47F69}"/>
+                  <a16:creationId xmlns="" xmlns:a16="http://schemas.microsoft.com/office/drawing/2014/main" id="{278B6EA8-B7D6-480B-BE53-0CD9B3F47F69}"/>
                 </a:ext>
               </a:extLst>
             </p:cNvPr>
@@ -10550,7 +10612,7 @@
             <p:cNvPr id="10" name="Picture 9">
               <a:extLst>
                 <a:ext uri="{FF2B5EF4-FFF2-40B4-BE49-F238E27FC236}">
-                  <a16:creationId xmlns:a16="http://schemas.microsoft.com/office/drawing/2014/main" xmlns="" id="{C178EBA5-82E3-4493-ACA9-6C24DFD98D40}"/>
+                  <a16:creationId xmlns="" xmlns:a16="http://schemas.microsoft.com/office/drawing/2014/main" id="{C178EBA5-82E3-4493-ACA9-6C24DFD98D40}"/>
                 </a:ext>
               </a:extLst>
             </p:cNvPr>
@@ -10587,7 +10649,7 @@
             <p:cNvPr id="11" name="Picture 10">
               <a:extLst>
                 <a:ext uri="{FF2B5EF4-FFF2-40B4-BE49-F238E27FC236}">
-                  <a16:creationId xmlns:a16="http://schemas.microsoft.com/office/drawing/2014/main" xmlns="" id="{5760C62D-B999-42D2-8FAB-72632084BA55}"/>
+                  <a16:creationId xmlns="" xmlns:a16="http://schemas.microsoft.com/office/drawing/2014/main" id="{5760C62D-B999-42D2-8FAB-72632084BA55}"/>
                 </a:ext>
               </a:extLst>
             </p:cNvPr>
@@ -10624,7 +10686,7 @@
             <p:cNvPr id="12" name="Picture 11">
               <a:extLst>
                 <a:ext uri="{FF2B5EF4-FFF2-40B4-BE49-F238E27FC236}">
-                  <a16:creationId xmlns:a16="http://schemas.microsoft.com/office/drawing/2014/main" xmlns="" id="{5B9C4C79-0781-444A-B74A-FE31E279661C}"/>
+                  <a16:creationId xmlns="" xmlns:a16="http://schemas.microsoft.com/office/drawing/2014/main" id="{5B9C4C79-0781-444A-B74A-FE31E279661C}"/>
                 </a:ext>
               </a:extLst>
             </p:cNvPr>
@@ -10662,7 +10724,7 @@
           <p:cNvPr id="16" name="Text Placeholder 15">
             <a:extLst>
               <a:ext uri="{FF2B5EF4-FFF2-40B4-BE49-F238E27FC236}">
-                <a16:creationId xmlns:a16="http://schemas.microsoft.com/office/drawing/2014/main" xmlns="" id="{3FB4F1D1-3D87-4424-9522-1D07E69C87AA}"/>
+                <a16:creationId xmlns="" xmlns:a16="http://schemas.microsoft.com/office/drawing/2014/main" id="{3FB4F1D1-3D87-4424-9522-1D07E69C87AA}"/>
               </a:ext>
             </a:extLst>
           </p:cNvPr>
@@ -10713,7 +10775,7 @@
           <p:cNvPr id="17" name="Text Placeholder 15">
             <a:extLst>
               <a:ext uri="{FF2B5EF4-FFF2-40B4-BE49-F238E27FC236}">
-                <a16:creationId xmlns:a16="http://schemas.microsoft.com/office/drawing/2014/main" xmlns="" id="{84FD46B9-570E-4E5B-BFF3-5F51BB4F63AE}"/>
+                <a16:creationId xmlns="" xmlns:a16="http://schemas.microsoft.com/office/drawing/2014/main" id="{84FD46B9-570E-4E5B-BFF3-5F51BB4F63AE}"/>
               </a:ext>
             </a:extLst>
           </p:cNvPr>
@@ -10764,7 +10826,7 @@
           <p:cNvPr id="18" name="Text Placeholder 15">
             <a:extLst>
               <a:ext uri="{FF2B5EF4-FFF2-40B4-BE49-F238E27FC236}">
-                <a16:creationId xmlns:a16="http://schemas.microsoft.com/office/drawing/2014/main" xmlns="" id="{4B63B11E-D7E5-4793-8835-B1EB8FA8F616}"/>
+                <a16:creationId xmlns="" xmlns:a16="http://schemas.microsoft.com/office/drawing/2014/main" id="{4B63B11E-D7E5-4793-8835-B1EB8FA8F616}"/>
               </a:ext>
             </a:extLst>
           </p:cNvPr>
@@ -10815,7 +10877,7 @@
           <p:cNvPr id="19" name="Text Placeholder 15">
             <a:extLst>
               <a:ext uri="{FF2B5EF4-FFF2-40B4-BE49-F238E27FC236}">
-                <a16:creationId xmlns:a16="http://schemas.microsoft.com/office/drawing/2014/main" xmlns="" id="{D07B2BD6-879C-4D15-85CA-ED0B04956D6D}"/>
+                <a16:creationId xmlns="" xmlns:a16="http://schemas.microsoft.com/office/drawing/2014/main" id="{D07B2BD6-879C-4D15-85CA-ED0B04956D6D}"/>
               </a:ext>
             </a:extLst>
           </p:cNvPr>
@@ -10866,7 +10928,7 @@
           <p:cNvPr id="20" name="Text Placeholder 15">
             <a:extLst>
               <a:ext uri="{FF2B5EF4-FFF2-40B4-BE49-F238E27FC236}">
-                <a16:creationId xmlns:a16="http://schemas.microsoft.com/office/drawing/2014/main" xmlns="" id="{624A9776-F160-4341-94F8-1582A5079032}"/>
+                <a16:creationId xmlns="" xmlns:a16="http://schemas.microsoft.com/office/drawing/2014/main" id="{624A9776-F160-4341-94F8-1582A5079032}"/>
               </a:ext>
             </a:extLst>
           </p:cNvPr>
@@ -10917,7 +10979,7 @@
           <p:cNvPr id="21" name="Text Placeholder 15">
             <a:extLst>
               <a:ext uri="{FF2B5EF4-FFF2-40B4-BE49-F238E27FC236}">
-                <a16:creationId xmlns:a16="http://schemas.microsoft.com/office/drawing/2014/main" xmlns="" id="{FC1D8073-4CAE-4B86-A3AA-0D1E4A60256E}"/>
+                <a16:creationId xmlns="" xmlns:a16="http://schemas.microsoft.com/office/drawing/2014/main" id="{FC1D8073-4CAE-4B86-A3AA-0D1E4A60256E}"/>
               </a:ext>
             </a:extLst>
           </p:cNvPr>
@@ -10968,7 +11030,7 @@
           <p:cNvPr id="22" name="Text Placeholder 15">
             <a:extLst>
               <a:ext uri="{FF2B5EF4-FFF2-40B4-BE49-F238E27FC236}">
-                <a16:creationId xmlns:a16="http://schemas.microsoft.com/office/drawing/2014/main" xmlns="" id="{D27FCCB9-3253-4D3B-8A73-150744BEF745}"/>
+                <a16:creationId xmlns="" xmlns:a16="http://schemas.microsoft.com/office/drawing/2014/main" id="{D27FCCB9-3253-4D3B-8A73-150744BEF745}"/>
               </a:ext>
             </a:extLst>
           </p:cNvPr>
@@ -11019,7 +11081,7 @@
           <p:cNvPr id="23" name="Text Placeholder 15">
             <a:extLst>
               <a:ext uri="{FF2B5EF4-FFF2-40B4-BE49-F238E27FC236}">
-                <a16:creationId xmlns:a16="http://schemas.microsoft.com/office/drawing/2014/main" xmlns="" id="{9AF8B221-637B-444E-B183-D2B4D1B44436}"/>
+                <a16:creationId xmlns="" xmlns:a16="http://schemas.microsoft.com/office/drawing/2014/main" id="{9AF8B221-637B-444E-B183-D2B4D1B44436}"/>
               </a:ext>
             </a:extLst>
           </p:cNvPr>
@@ -11070,7 +11132,7 @@
           <p:cNvPr id="24" name="Text Placeholder 15">
             <a:extLst>
               <a:ext uri="{FF2B5EF4-FFF2-40B4-BE49-F238E27FC236}">
-                <a16:creationId xmlns:a16="http://schemas.microsoft.com/office/drawing/2014/main" xmlns="" id="{53853174-3215-421B-9700-A74E2A0FF6E3}"/>
+                <a16:creationId xmlns="" xmlns:a16="http://schemas.microsoft.com/office/drawing/2014/main" id="{53853174-3215-421B-9700-A74E2A0FF6E3}"/>
               </a:ext>
             </a:extLst>
           </p:cNvPr>
@@ -11121,7 +11183,7 @@
           <p:cNvPr id="25" name="Text Placeholder 15">
             <a:extLst>
               <a:ext uri="{FF2B5EF4-FFF2-40B4-BE49-F238E27FC236}">
-                <a16:creationId xmlns:a16="http://schemas.microsoft.com/office/drawing/2014/main" xmlns="" id="{CC7A392F-9BB9-4F8C-90A9-732E37B9579E}"/>
+                <a16:creationId xmlns="" xmlns:a16="http://schemas.microsoft.com/office/drawing/2014/main" id="{CC7A392F-9BB9-4F8C-90A9-732E37B9579E}"/>
               </a:ext>
             </a:extLst>
           </p:cNvPr>
@@ -11172,7 +11234,7 @@
           <p:cNvPr id="26" name="Text Placeholder 15">
             <a:extLst>
               <a:ext uri="{FF2B5EF4-FFF2-40B4-BE49-F238E27FC236}">
-                <a16:creationId xmlns:a16="http://schemas.microsoft.com/office/drawing/2014/main" xmlns="" id="{52B700B2-6B9A-402C-99CC-2DCB596C1A7F}"/>
+                <a16:creationId xmlns="" xmlns:a16="http://schemas.microsoft.com/office/drawing/2014/main" id="{52B700B2-6B9A-402C-99CC-2DCB596C1A7F}"/>
               </a:ext>
             </a:extLst>
           </p:cNvPr>
@@ -11223,7 +11285,7 @@
           <p:cNvPr id="27" name="Text Placeholder 15">
             <a:extLst>
               <a:ext uri="{FF2B5EF4-FFF2-40B4-BE49-F238E27FC236}">
-                <a16:creationId xmlns:a16="http://schemas.microsoft.com/office/drawing/2014/main" xmlns="" id="{AAC4C2D9-B47A-40A7-A474-40C4AACD1168}"/>
+                <a16:creationId xmlns="" xmlns:a16="http://schemas.microsoft.com/office/drawing/2014/main" id="{AAC4C2D9-B47A-40A7-A474-40C4AACD1168}"/>
               </a:ext>
             </a:extLst>
           </p:cNvPr>
@@ -11274,7 +11336,7 @@
           <p:cNvPr id="28" name="Text Placeholder 15">
             <a:extLst>
               <a:ext uri="{FF2B5EF4-FFF2-40B4-BE49-F238E27FC236}">
-                <a16:creationId xmlns:a16="http://schemas.microsoft.com/office/drawing/2014/main" xmlns="" id="{32D05F99-5959-4F3B-9C59-3D649A7CE467}"/>
+                <a16:creationId xmlns="" xmlns:a16="http://schemas.microsoft.com/office/drawing/2014/main" id="{32D05F99-5959-4F3B-9C59-3D649A7CE467}"/>
               </a:ext>
             </a:extLst>
           </p:cNvPr>
@@ -11325,7 +11387,7 @@
           <p:cNvPr id="29" name="Text Placeholder 15">
             <a:extLst>
               <a:ext uri="{FF2B5EF4-FFF2-40B4-BE49-F238E27FC236}">
-                <a16:creationId xmlns:a16="http://schemas.microsoft.com/office/drawing/2014/main" xmlns="" id="{58045DF1-A433-46E2-A248-4ED7BDCC8F0B}"/>
+                <a16:creationId xmlns="" xmlns:a16="http://schemas.microsoft.com/office/drawing/2014/main" id="{58045DF1-A433-46E2-A248-4ED7BDCC8F0B}"/>
               </a:ext>
             </a:extLst>
           </p:cNvPr>
@@ -11376,7 +11438,7 @@
           <p:cNvPr id="30" name="Text Placeholder 15">
             <a:extLst>
               <a:ext uri="{FF2B5EF4-FFF2-40B4-BE49-F238E27FC236}">
-                <a16:creationId xmlns:a16="http://schemas.microsoft.com/office/drawing/2014/main" xmlns="" id="{8FAA6F58-601C-431B-9440-8B467BA56072}"/>
+                <a16:creationId xmlns="" xmlns:a16="http://schemas.microsoft.com/office/drawing/2014/main" id="{8FAA6F58-601C-431B-9440-8B467BA56072}"/>
               </a:ext>
             </a:extLst>
           </p:cNvPr>
@@ -11427,7 +11489,7 @@
           <p:cNvPr id="31" name="Text Placeholder 15">
             <a:extLst>
               <a:ext uri="{FF2B5EF4-FFF2-40B4-BE49-F238E27FC236}">
-                <a16:creationId xmlns:a16="http://schemas.microsoft.com/office/drawing/2014/main" xmlns="" id="{1213F158-4B40-467B-B389-4D6714796E3F}"/>
+                <a16:creationId xmlns="" xmlns:a16="http://schemas.microsoft.com/office/drawing/2014/main" id="{1213F158-4B40-467B-B389-4D6714796E3F}"/>
               </a:ext>
             </a:extLst>
           </p:cNvPr>
@@ -11478,7 +11540,7 @@
           <p:cNvPr id="32" name="Text Placeholder 15">
             <a:extLst>
               <a:ext uri="{FF2B5EF4-FFF2-40B4-BE49-F238E27FC236}">
-                <a16:creationId xmlns:a16="http://schemas.microsoft.com/office/drawing/2014/main" xmlns="" id="{0587C3D4-50FB-4D8D-A7FF-3078F126A733}"/>
+                <a16:creationId xmlns="" xmlns:a16="http://schemas.microsoft.com/office/drawing/2014/main" id="{0587C3D4-50FB-4D8D-A7FF-3078F126A733}"/>
               </a:ext>
             </a:extLst>
           </p:cNvPr>
@@ -11529,7 +11591,7 @@
           <p:cNvPr id="33" name="Text Placeholder 15">
             <a:extLst>
               <a:ext uri="{FF2B5EF4-FFF2-40B4-BE49-F238E27FC236}">
-                <a16:creationId xmlns:a16="http://schemas.microsoft.com/office/drawing/2014/main" xmlns="" id="{3AE8DD5B-AE06-42BC-95FA-C78B068A740C}"/>
+                <a16:creationId xmlns="" xmlns:a16="http://schemas.microsoft.com/office/drawing/2014/main" id="{3AE8DD5B-AE06-42BC-95FA-C78B068A740C}"/>
               </a:ext>
             </a:extLst>
           </p:cNvPr>
@@ -11580,7 +11642,7 @@
           <p:cNvPr id="34" name="Text Placeholder 15">
             <a:extLst>
               <a:ext uri="{FF2B5EF4-FFF2-40B4-BE49-F238E27FC236}">
-                <a16:creationId xmlns:a16="http://schemas.microsoft.com/office/drawing/2014/main" xmlns="" id="{D2F473DD-FEFE-4576-95A2-DFFF7277839E}"/>
+                <a16:creationId xmlns="" xmlns:a16="http://schemas.microsoft.com/office/drawing/2014/main" id="{D2F473DD-FEFE-4576-95A2-DFFF7277839E}"/>
               </a:ext>
             </a:extLst>
           </p:cNvPr>
@@ -11631,7 +11693,7 @@
           <p:cNvPr id="35" name="Text Placeholder 15">
             <a:extLst>
               <a:ext uri="{FF2B5EF4-FFF2-40B4-BE49-F238E27FC236}">
-                <a16:creationId xmlns:a16="http://schemas.microsoft.com/office/drawing/2014/main" xmlns="" id="{185C612A-776D-4718-9931-37E3A183A4DC}"/>
+                <a16:creationId xmlns="" xmlns:a16="http://schemas.microsoft.com/office/drawing/2014/main" id="{185C612A-776D-4718-9931-37E3A183A4DC}"/>
               </a:ext>
             </a:extLst>
           </p:cNvPr>
@@ -11682,7 +11744,7 @@
           <p:cNvPr id="36" name="Text Placeholder 15">
             <a:extLst>
               <a:ext uri="{FF2B5EF4-FFF2-40B4-BE49-F238E27FC236}">
-                <a16:creationId xmlns:a16="http://schemas.microsoft.com/office/drawing/2014/main" xmlns="" id="{8D34BBE4-6BDE-49DE-A74F-2CDD932F6E52}"/>
+                <a16:creationId xmlns="" xmlns:a16="http://schemas.microsoft.com/office/drawing/2014/main" id="{8D34BBE4-6BDE-49DE-A74F-2CDD932F6E52}"/>
               </a:ext>
             </a:extLst>
           </p:cNvPr>
@@ -11733,7 +11795,7 @@
           <p:cNvPr id="37" name="Text Placeholder 15">
             <a:extLst>
               <a:ext uri="{FF2B5EF4-FFF2-40B4-BE49-F238E27FC236}">
-                <a16:creationId xmlns:a16="http://schemas.microsoft.com/office/drawing/2014/main" xmlns="" id="{F0D4C91A-8B26-4340-971A-2F29008F0FAD}"/>
+                <a16:creationId xmlns="" xmlns:a16="http://schemas.microsoft.com/office/drawing/2014/main" id="{F0D4C91A-8B26-4340-971A-2F29008F0FAD}"/>
               </a:ext>
             </a:extLst>
           </p:cNvPr>
@@ -11784,7 +11846,7 @@
           <p:cNvPr id="38" name="Text Placeholder 15">
             <a:extLst>
               <a:ext uri="{FF2B5EF4-FFF2-40B4-BE49-F238E27FC236}">
-                <a16:creationId xmlns:a16="http://schemas.microsoft.com/office/drawing/2014/main" xmlns="" id="{6A419F52-5BB3-49C9-B1B4-1B93C0B2013D}"/>
+                <a16:creationId xmlns="" xmlns:a16="http://schemas.microsoft.com/office/drawing/2014/main" id="{6A419F52-5BB3-49C9-B1B4-1B93C0B2013D}"/>
               </a:ext>
             </a:extLst>
           </p:cNvPr>
@@ -11835,7 +11897,7 @@
           <p:cNvPr id="39" name="Text Placeholder 15">
             <a:extLst>
               <a:ext uri="{FF2B5EF4-FFF2-40B4-BE49-F238E27FC236}">
-                <a16:creationId xmlns:a16="http://schemas.microsoft.com/office/drawing/2014/main" xmlns="" id="{3C11D215-E7BE-44F7-970D-37CAEF4FE7C4}"/>
+                <a16:creationId xmlns="" xmlns:a16="http://schemas.microsoft.com/office/drawing/2014/main" id="{3C11D215-E7BE-44F7-970D-37CAEF4FE7C4}"/>
               </a:ext>
             </a:extLst>
           </p:cNvPr>
@@ -11886,7 +11948,7 @@
           <p:cNvPr id="40" name="Picture 39">
             <a:extLst>
               <a:ext uri="{FF2B5EF4-FFF2-40B4-BE49-F238E27FC236}">
-                <a16:creationId xmlns:a16="http://schemas.microsoft.com/office/drawing/2014/main" xmlns="" id="{B5E81BBD-FD6B-4688-AE48-C55880EC263F}"/>
+                <a16:creationId xmlns="" xmlns:a16="http://schemas.microsoft.com/office/drawing/2014/main" id="{B5E81BBD-FD6B-4688-AE48-C55880EC263F}"/>
               </a:ext>
             </a:extLst>
           </p:cNvPr>
@@ -12002,7 +12064,7 @@
           <p:cNvPr id="6" name="Straight Connector 5">
             <a:extLst>
               <a:ext uri="{FF2B5EF4-FFF2-40B4-BE49-F238E27FC236}">
-                <a16:creationId xmlns:a16="http://schemas.microsoft.com/office/drawing/2014/main" xmlns="" id="{7D3F13F0-37DB-4101-A974-E97BD97A05D4}"/>
+                <a16:creationId xmlns="" xmlns:a16="http://schemas.microsoft.com/office/drawing/2014/main" id="{7D3F13F0-37DB-4101-A974-E97BD97A05D4}"/>
               </a:ext>
             </a:extLst>
           </p:cNvPr>
@@ -12045,7 +12107,7 @@
           <p:cNvPr id="13" name="Group 12">
             <a:extLst>
               <a:ext uri="{FF2B5EF4-FFF2-40B4-BE49-F238E27FC236}">
-                <a16:creationId xmlns:a16="http://schemas.microsoft.com/office/drawing/2014/main" xmlns="" id="{9122C233-55C3-43C6-BF3E-5E47956841A2}"/>
+                <a16:creationId xmlns="" xmlns:a16="http://schemas.microsoft.com/office/drawing/2014/main" id="{9122C233-55C3-43C6-BF3E-5E47956841A2}"/>
               </a:ext>
             </a:extLst>
           </p:cNvPr>
@@ -12065,7 +12127,7 @@
             <p:cNvPr id="7" name="Picture 6">
               <a:extLst>
                 <a:ext uri="{FF2B5EF4-FFF2-40B4-BE49-F238E27FC236}">
-                  <a16:creationId xmlns:a16="http://schemas.microsoft.com/office/drawing/2014/main" xmlns="" id="{D06B119A-8AD6-4E10-A54F-F8517EE59454}"/>
+                  <a16:creationId xmlns="" xmlns:a16="http://schemas.microsoft.com/office/drawing/2014/main" id="{D06B119A-8AD6-4E10-A54F-F8517EE59454}"/>
                 </a:ext>
               </a:extLst>
             </p:cNvPr>
@@ -12109,7 +12171,7 @@
             <p:cNvPr id="8" name="Picture 7">
               <a:extLst>
                 <a:ext uri="{FF2B5EF4-FFF2-40B4-BE49-F238E27FC236}">
-                  <a16:creationId xmlns:a16="http://schemas.microsoft.com/office/drawing/2014/main" xmlns="" id="{07384CDC-C2F5-4C86-998D-3E68898F0F5A}"/>
+                  <a16:creationId xmlns="" xmlns:a16="http://schemas.microsoft.com/office/drawing/2014/main" id="{07384CDC-C2F5-4C86-998D-3E68898F0F5A}"/>
                 </a:ext>
               </a:extLst>
             </p:cNvPr>
@@ -12153,7 +12215,7 @@
             <p:cNvPr id="9" name="Picture 8">
               <a:extLst>
                 <a:ext uri="{FF2B5EF4-FFF2-40B4-BE49-F238E27FC236}">
-                  <a16:creationId xmlns:a16="http://schemas.microsoft.com/office/drawing/2014/main" xmlns="" id="{278B6EA8-B7D6-480B-BE53-0CD9B3F47F69}"/>
+                  <a16:creationId xmlns="" xmlns:a16="http://schemas.microsoft.com/office/drawing/2014/main" id="{278B6EA8-B7D6-480B-BE53-0CD9B3F47F69}"/>
                 </a:ext>
               </a:extLst>
             </p:cNvPr>
@@ -12197,7 +12259,7 @@
             <p:cNvPr id="10" name="Picture 9">
               <a:extLst>
                 <a:ext uri="{FF2B5EF4-FFF2-40B4-BE49-F238E27FC236}">
-                  <a16:creationId xmlns:a16="http://schemas.microsoft.com/office/drawing/2014/main" xmlns="" id="{C178EBA5-82E3-4493-ACA9-6C24DFD98D40}"/>
+                  <a16:creationId xmlns="" xmlns:a16="http://schemas.microsoft.com/office/drawing/2014/main" id="{C178EBA5-82E3-4493-ACA9-6C24DFD98D40}"/>
                 </a:ext>
               </a:extLst>
             </p:cNvPr>
@@ -12241,7 +12303,7 @@
             <p:cNvPr id="11" name="Picture 10">
               <a:extLst>
                 <a:ext uri="{FF2B5EF4-FFF2-40B4-BE49-F238E27FC236}">
-                  <a16:creationId xmlns:a16="http://schemas.microsoft.com/office/drawing/2014/main" xmlns="" id="{5760C62D-B999-42D2-8FAB-72632084BA55}"/>
+                  <a16:creationId xmlns="" xmlns:a16="http://schemas.microsoft.com/office/drawing/2014/main" id="{5760C62D-B999-42D2-8FAB-72632084BA55}"/>
                 </a:ext>
               </a:extLst>
             </p:cNvPr>
@@ -12285,7 +12347,7 @@
             <p:cNvPr id="12" name="Picture 11">
               <a:extLst>
                 <a:ext uri="{FF2B5EF4-FFF2-40B4-BE49-F238E27FC236}">
-                  <a16:creationId xmlns:a16="http://schemas.microsoft.com/office/drawing/2014/main" xmlns="" id="{5B9C4C79-0781-444A-B74A-FE31E279661C}"/>
+                  <a16:creationId xmlns="" xmlns:a16="http://schemas.microsoft.com/office/drawing/2014/main" id="{5B9C4C79-0781-444A-B74A-FE31E279661C}"/>
                 </a:ext>
               </a:extLst>
             </p:cNvPr>
@@ -12330,7 +12392,7 @@
           <p:cNvPr id="15" name="Text Placeholder 15">
             <a:extLst>
               <a:ext uri="{FF2B5EF4-FFF2-40B4-BE49-F238E27FC236}">
-                <a16:creationId xmlns:a16="http://schemas.microsoft.com/office/drawing/2014/main" xmlns="" id="{399880A5-7AB5-4166-9BA5-AA60FB7321EF}"/>
+                <a16:creationId xmlns="" xmlns:a16="http://schemas.microsoft.com/office/drawing/2014/main" id="{399880A5-7AB5-4166-9BA5-AA60FB7321EF}"/>
               </a:ext>
             </a:extLst>
           </p:cNvPr>
@@ -12381,7 +12443,7 @@
           <p:cNvPr id="16" name="Text Placeholder 15">
             <a:extLst>
               <a:ext uri="{FF2B5EF4-FFF2-40B4-BE49-F238E27FC236}">
-                <a16:creationId xmlns:a16="http://schemas.microsoft.com/office/drawing/2014/main" xmlns="" id="{54F47D6A-7DF4-4E8F-A8D5-7290855F4717}"/>
+                <a16:creationId xmlns="" xmlns:a16="http://schemas.microsoft.com/office/drawing/2014/main" id="{54F47D6A-7DF4-4E8F-A8D5-7290855F4717}"/>
               </a:ext>
             </a:extLst>
           </p:cNvPr>
@@ -12432,7 +12494,7 @@
           <p:cNvPr id="17" name="Text Placeholder 15">
             <a:extLst>
               <a:ext uri="{FF2B5EF4-FFF2-40B4-BE49-F238E27FC236}">
-                <a16:creationId xmlns:a16="http://schemas.microsoft.com/office/drawing/2014/main" xmlns="" id="{5DECC5E5-4A5C-4EFD-8360-FA9C1B88E256}"/>
+                <a16:creationId xmlns="" xmlns:a16="http://schemas.microsoft.com/office/drawing/2014/main" id="{5DECC5E5-4A5C-4EFD-8360-FA9C1B88E256}"/>
               </a:ext>
             </a:extLst>
           </p:cNvPr>
@@ -12483,7 +12545,7 @@
           <p:cNvPr id="18" name="Text Placeholder 15">
             <a:extLst>
               <a:ext uri="{FF2B5EF4-FFF2-40B4-BE49-F238E27FC236}">
-                <a16:creationId xmlns:a16="http://schemas.microsoft.com/office/drawing/2014/main" xmlns="" id="{C062B741-9BAD-4C04-9D58-1EA113260169}"/>
+                <a16:creationId xmlns="" xmlns:a16="http://schemas.microsoft.com/office/drawing/2014/main" id="{C062B741-9BAD-4C04-9D58-1EA113260169}"/>
               </a:ext>
             </a:extLst>
           </p:cNvPr>
@@ -12534,7 +12596,7 @@
           <p:cNvPr id="19" name="Text Placeholder 15">
             <a:extLst>
               <a:ext uri="{FF2B5EF4-FFF2-40B4-BE49-F238E27FC236}">
-                <a16:creationId xmlns:a16="http://schemas.microsoft.com/office/drawing/2014/main" xmlns="" id="{120DE5DA-8A9C-4009-BDAF-180FE4C4DE5A}"/>
+                <a16:creationId xmlns="" xmlns:a16="http://schemas.microsoft.com/office/drawing/2014/main" id="{120DE5DA-8A9C-4009-BDAF-180FE4C4DE5A}"/>
               </a:ext>
             </a:extLst>
           </p:cNvPr>
@@ -12585,7 +12647,7 @@
           <p:cNvPr id="20" name="Text Placeholder 15">
             <a:extLst>
               <a:ext uri="{FF2B5EF4-FFF2-40B4-BE49-F238E27FC236}">
-                <a16:creationId xmlns:a16="http://schemas.microsoft.com/office/drawing/2014/main" xmlns="" id="{B3D04FB2-3FFB-4454-8881-69AEF19C9C54}"/>
+                <a16:creationId xmlns="" xmlns:a16="http://schemas.microsoft.com/office/drawing/2014/main" id="{B3D04FB2-3FFB-4454-8881-69AEF19C9C54}"/>
               </a:ext>
             </a:extLst>
           </p:cNvPr>
@@ -12636,7 +12698,7 @@
           <p:cNvPr id="21" name="Text Placeholder 15">
             <a:extLst>
               <a:ext uri="{FF2B5EF4-FFF2-40B4-BE49-F238E27FC236}">
-                <a16:creationId xmlns:a16="http://schemas.microsoft.com/office/drawing/2014/main" xmlns="" id="{71CEB0CE-1D37-4A5C-AD86-69A49AE045AB}"/>
+                <a16:creationId xmlns="" xmlns:a16="http://schemas.microsoft.com/office/drawing/2014/main" id="{71CEB0CE-1D37-4A5C-AD86-69A49AE045AB}"/>
               </a:ext>
             </a:extLst>
           </p:cNvPr>
@@ -12687,7 +12749,7 @@
           <p:cNvPr id="22" name="Text Placeholder 15">
             <a:extLst>
               <a:ext uri="{FF2B5EF4-FFF2-40B4-BE49-F238E27FC236}">
-                <a16:creationId xmlns:a16="http://schemas.microsoft.com/office/drawing/2014/main" xmlns="" id="{E3C4E68E-4D3F-431F-97E2-9962B957F706}"/>
+                <a16:creationId xmlns="" xmlns:a16="http://schemas.microsoft.com/office/drawing/2014/main" id="{E3C4E68E-4D3F-431F-97E2-9962B957F706}"/>
               </a:ext>
             </a:extLst>
           </p:cNvPr>
@@ -12738,7 +12800,7 @@
           <p:cNvPr id="23" name="Text Placeholder 15">
             <a:extLst>
               <a:ext uri="{FF2B5EF4-FFF2-40B4-BE49-F238E27FC236}">
-                <a16:creationId xmlns:a16="http://schemas.microsoft.com/office/drawing/2014/main" xmlns="" id="{48A38A71-DF1E-4233-91AF-A836A8E63F4E}"/>
+                <a16:creationId xmlns="" xmlns:a16="http://schemas.microsoft.com/office/drawing/2014/main" id="{48A38A71-DF1E-4233-91AF-A836A8E63F4E}"/>
               </a:ext>
             </a:extLst>
           </p:cNvPr>
@@ -12789,7 +12851,7 @@
           <p:cNvPr id="24" name="Text Placeholder 15">
             <a:extLst>
               <a:ext uri="{FF2B5EF4-FFF2-40B4-BE49-F238E27FC236}">
-                <a16:creationId xmlns:a16="http://schemas.microsoft.com/office/drawing/2014/main" xmlns="" id="{4A6D7878-E354-4BD4-A010-45C2B47B3652}"/>
+                <a16:creationId xmlns="" xmlns:a16="http://schemas.microsoft.com/office/drawing/2014/main" id="{4A6D7878-E354-4BD4-A010-45C2B47B3652}"/>
               </a:ext>
             </a:extLst>
           </p:cNvPr>
@@ -12840,7 +12902,7 @@
           <p:cNvPr id="25" name="Text Placeholder 15">
             <a:extLst>
               <a:ext uri="{FF2B5EF4-FFF2-40B4-BE49-F238E27FC236}">
-                <a16:creationId xmlns:a16="http://schemas.microsoft.com/office/drawing/2014/main" xmlns="" id="{3E7B9D9F-8D99-4084-9855-47EBCEE18DDE}"/>
+                <a16:creationId xmlns="" xmlns:a16="http://schemas.microsoft.com/office/drawing/2014/main" id="{3E7B9D9F-8D99-4084-9855-47EBCEE18DDE}"/>
               </a:ext>
             </a:extLst>
           </p:cNvPr>
@@ -12891,7 +12953,7 @@
           <p:cNvPr id="26" name="Text Placeholder 15">
             <a:extLst>
               <a:ext uri="{FF2B5EF4-FFF2-40B4-BE49-F238E27FC236}">
-                <a16:creationId xmlns:a16="http://schemas.microsoft.com/office/drawing/2014/main" xmlns="" id="{F1DF9B67-B91C-4EBF-9FC5-40251EC7390B}"/>
+                <a16:creationId xmlns="" xmlns:a16="http://schemas.microsoft.com/office/drawing/2014/main" id="{F1DF9B67-B91C-4EBF-9FC5-40251EC7390B}"/>
               </a:ext>
             </a:extLst>
           </p:cNvPr>
@@ -12942,7 +13004,7 @@
           <p:cNvPr id="27" name="Text Placeholder 15">
             <a:extLst>
               <a:ext uri="{FF2B5EF4-FFF2-40B4-BE49-F238E27FC236}">
-                <a16:creationId xmlns:a16="http://schemas.microsoft.com/office/drawing/2014/main" xmlns="" id="{84541B85-DA43-4150-8A94-BB856F4323B9}"/>
+                <a16:creationId xmlns="" xmlns:a16="http://schemas.microsoft.com/office/drawing/2014/main" id="{84541B85-DA43-4150-8A94-BB856F4323B9}"/>
               </a:ext>
             </a:extLst>
           </p:cNvPr>
@@ -12993,7 +13055,7 @@
           <p:cNvPr id="28" name="Text Placeholder 15">
             <a:extLst>
               <a:ext uri="{FF2B5EF4-FFF2-40B4-BE49-F238E27FC236}">
-                <a16:creationId xmlns:a16="http://schemas.microsoft.com/office/drawing/2014/main" xmlns="" id="{790426B0-24FA-4FC8-8845-5A517AA91780}"/>
+                <a16:creationId xmlns="" xmlns:a16="http://schemas.microsoft.com/office/drawing/2014/main" id="{790426B0-24FA-4FC8-8845-5A517AA91780}"/>
               </a:ext>
             </a:extLst>
           </p:cNvPr>
@@ -13044,7 +13106,7 @@
           <p:cNvPr id="29" name="Text Placeholder 15">
             <a:extLst>
               <a:ext uri="{FF2B5EF4-FFF2-40B4-BE49-F238E27FC236}">
-                <a16:creationId xmlns:a16="http://schemas.microsoft.com/office/drawing/2014/main" xmlns="" id="{0C498468-01C7-4453-B1EC-F77E99574B24}"/>
+                <a16:creationId xmlns="" xmlns:a16="http://schemas.microsoft.com/office/drawing/2014/main" id="{0C498468-01C7-4453-B1EC-F77E99574B24}"/>
               </a:ext>
             </a:extLst>
           </p:cNvPr>
@@ -13095,7 +13157,7 @@
           <p:cNvPr id="30" name="Text Placeholder 15">
             <a:extLst>
               <a:ext uri="{FF2B5EF4-FFF2-40B4-BE49-F238E27FC236}">
-                <a16:creationId xmlns:a16="http://schemas.microsoft.com/office/drawing/2014/main" xmlns="" id="{7B392B11-BA6F-4511-B99F-4329DBAA142E}"/>
+                <a16:creationId xmlns="" xmlns:a16="http://schemas.microsoft.com/office/drawing/2014/main" id="{7B392B11-BA6F-4511-B99F-4329DBAA142E}"/>
               </a:ext>
             </a:extLst>
           </p:cNvPr>
@@ -13146,7 +13208,7 @@
           <p:cNvPr id="31" name="Text Placeholder 15">
             <a:extLst>
               <a:ext uri="{FF2B5EF4-FFF2-40B4-BE49-F238E27FC236}">
-                <a16:creationId xmlns:a16="http://schemas.microsoft.com/office/drawing/2014/main" xmlns="" id="{D2BF66D9-EBCE-410C-8237-F2025729483F}"/>
+                <a16:creationId xmlns="" xmlns:a16="http://schemas.microsoft.com/office/drawing/2014/main" id="{D2BF66D9-EBCE-410C-8237-F2025729483F}"/>
               </a:ext>
             </a:extLst>
           </p:cNvPr>
@@ -13197,7 +13259,7 @@
           <p:cNvPr id="32" name="Text Placeholder 15">
             <a:extLst>
               <a:ext uri="{FF2B5EF4-FFF2-40B4-BE49-F238E27FC236}">
-                <a16:creationId xmlns:a16="http://schemas.microsoft.com/office/drawing/2014/main" xmlns="" id="{82D92416-42AD-46FA-ADC8-9299E2BBF314}"/>
+                <a16:creationId xmlns="" xmlns:a16="http://schemas.microsoft.com/office/drawing/2014/main" id="{82D92416-42AD-46FA-ADC8-9299E2BBF314}"/>
               </a:ext>
             </a:extLst>
           </p:cNvPr>
@@ -13248,7 +13310,7 @@
           <p:cNvPr id="33" name="Text Placeholder 15">
             <a:extLst>
               <a:ext uri="{FF2B5EF4-FFF2-40B4-BE49-F238E27FC236}">
-                <a16:creationId xmlns:a16="http://schemas.microsoft.com/office/drawing/2014/main" xmlns="" id="{5CA7AF62-2364-4FD5-A1D6-1A6C6ECDA56D}"/>
+                <a16:creationId xmlns="" xmlns:a16="http://schemas.microsoft.com/office/drawing/2014/main" id="{5CA7AF62-2364-4FD5-A1D6-1A6C6ECDA56D}"/>
               </a:ext>
             </a:extLst>
           </p:cNvPr>
@@ -13299,7 +13361,7 @@
           <p:cNvPr id="34" name="Text Placeholder 15">
             <a:extLst>
               <a:ext uri="{FF2B5EF4-FFF2-40B4-BE49-F238E27FC236}">
-                <a16:creationId xmlns:a16="http://schemas.microsoft.com/office/drawing/2014/main" xmlns="" id="{DEFF7E79-F418-4AE2-AE9B-2C970F3DEA00}"/>
+                <a16:creationId xmlns="" xmlns:a16="http://schemas.microsoft.com/office/drawing/2014/main" id="{DEFF7E79-F418-4AE2-AE9B-2C970F3DEA00}"/>
               </a:ext>
             </a:extLst>
           </p:cNvPr>
@@ -13350,7 +13412,7 @@
           <p:cNvPr id="35" name="Text Placeholder 15">
             <a:extLst>
               <a:ext uri="{FF2B5EF4-FFF2-40B4-BE49-F238E27FC236}">
-                <a16:creationId xmlns:a16="http://schemas.microsoft.com/office/drawing/2014/main" xmlns="" id="{703E2AFE-C957-49E9-9077-C47999371143}"/>
+                <a16:creationId xmlns="" xmlns:a16="http://schemas.microsoft.com/office/drawing/2014/main" id="{703E2AFE-C957-49E9-9077-C47999371143}"/>
               </a:ext>
             </a:extLst>
           </p:cNvPr>
@@ -13401,7 +13463,7 @@
           <p:cNvPr id="36" name="Text Placeholder 15">
             <a:extLst>
               <a:ext uri="{FF2B5EF4-FFF2-40B4-BE49-F238E27FC236}">
-                <a16:creationId xmlns:a16="http://schemas.microsoft.com/office/drawing/2014/main" xmlns="" id="{3016A238-397F-4CC8-AE70-495F34FF87DE}"/>
+                <a16:creationId xmlns="" xmlns:a16="http://schemas.microsoft.com/office/drawing/2014/main" id="{3016A238-397F-4CC8-AE70-495F34FF87DE}"/>
               </a:ext>
             </a:extLst>
           </p:cNvPr>
@@ -13452,7 +13514,7 @@
           <p:cNvPr id="37" name="Text Placeholder 15">
             <a:extLst>
               <a:ext uri="{FF2B5EF4-FFF2-40B4-BE49-F238E27FC236}">
-                <a16:creationId xmlns:a16="http://schemas.microsoft.com/office/drawing/2014/main" xmlns="" id="{C93B786F-B7A4-4685-BA8C-55313A5D9FB7}"/>
+                <a16:creationId xmlns="" xmlns:a16="http://schemas.microsoft.com/office/drawing/2014/main" id="{C93B786F-B7A4-4685-BA8C-55313A5D9FB7}"/>
               </a:ext>
             </a:extLst>
           </p:cNvPr>
@@ -13503,7 +13565,7 @@
           <p:cNvPr id="38" name="Text Placeholder 15">
             <a:extLst>
               <a:ext uri="{FF2B5EF4-FFF2-40B4-BE49-F238E27FC236}">
-                <a16:creationId xmlns:a16="http://schemas.microsoft.com/office/drawing/2014/main" xmlns="" id="{9E9D69A5-FBC7-463E-AAF0-8A8BFE3CA7CD}"/>
+                <a16:creationId xmlns="" xmlns:a16="http://schemas.microsoft.com/office/drawing/2014/main" id="{9E9D69A5-FBC7-463E-AAF0-8A8BFE3CA7CD}"/>
               </a:ext>
             </a:extLst>
           </p:cNvPr>
@@ -13554,7 +13616,7 @@
           <p:cNvPr id="39" name="Picture 38">
             <a:extLst>
               <a:ext uri="{FF2B5EF4-FFF2-40B4-BE49-F238E27FC236}">
-                <a16:creationId xmlns:a16="http://schemas.microsoft.com/office/drawing/2014/main" xmlns="" id="{03A86A2E-641E-4A35-93DF-124AC0959B54}"/>
+                <a16:creationId xmlns="" xmlns:a16="http://schemas.microsoft.com/office/drawing/2014/main" id="{03A86A2E-641E-4A35-93DF-124AC0959B54}"/>
               </a:ext>
             </a:extLst>
           </p:cNvPr>
@@ -13705,7 +13767,7 @@
           <p:cNvPr id="4" name="Group 3">
             <a:extLst>
               <a:ext uri="{FF2B5EF4-FFF2-40B4-BE49-F238E27FC236}">
-                <a16:creationId xmlns:a16="http://schemas.microsoft.com/office/drawing/2014/main" xmlns="" id="{4B3E617D-293D-4BB5-8F23-78F186F4D823}"/>
+                <a16:creationId xmlns="" xmlns:a16="http://schemas.microsoft.com/office/drawing/2014/main" id="{4B3E617D-293D-4BB5-8F23-78F186F4D823}"/>
               </a:ext>
             </a:extLst>
           </p:cNvPr>
@@ -13725,7 +13787,7 @@
             <p:cNvPr id="5" name="Picture 4">
               <a:extLst>
                 <a:ext uri="{FF2B5EF4-FFF2-40B4-BE49-F238E27FC236}">
-                  <a16:creationId xmlns:a16="http://schemas.microsoft.com/office/drawing/2014/main" xmlns="" id="{FCB9AAC0-E020-4527-A4A2-1BAF10A64345}"/>
+                  <a16:creationId xmlns="" xmlns:a16="http://schemas.microsoft.com/office/drawing/2014/main" id="{FCB9AAC0-E020-4527-A4A2-1BAF10A64345}"/>
                 </a:ext>
               </a:extLst>
             </p:cNvPr>
@@ -13769,7 +13831,7 @@
             <p:cNvPr id="6" name="Picture 5">
               <a:extLst>
                 <a:ext uri="{FF2B5EF4-FFF2-40B4-BE49-F238E27FC236}">
-                  <a16:creationId xmlns:a16="http://schemas.microsoft.com/office/drawing/2014/main" xmlns="" id="{541FA1DB-BA93-4169-9FE7-EA370854285D}"/>
+                  <a16:creationId xmlns="" xmlns:a16="http://schemas.microsoft.com/office/drawing/2014/main" id="{541FA1DB-BA93-4169-9FE7-EA370854285D}"/>
                 </a:ext>
               </a:extLst>
             </p:cNvPr>
@@ -13813,7 +13875,7 @@
             <p:cNvPr id="7" name="Picture 6">
               <a:extLst>
                 <a:ext uri="{FF2B5EF4-FFF2-40B4-BE49-F238E27FC236}">
-                  <a16:creationId xmlns:a16="http://schemas.microsoft.com/office/drawing/2014/main" xmlns="" id="{35A8DC9A-DB20-4753-89A9-B584089F9544}"/>
+                  <a16:creationId xmlns="" xmlns:a16="http://schemas.microsoft.com/office/drawing/2014/main" id="{35A8DC9A-DB20-4753-89A9-B584089F9544}"/>
                 </a:ext>
               </a:extLst>
             </p:cNvPr>
@@ -13866,7 +13928,7 @@
             <p:cNvPr id="8" name="Picture 7">
               <a:extLst>
                 <a:ext uri="{FF2B5EF4-FFF2-40B4-BE49-F238E27FC236}">
-                  <a16:creationId xmlns:a16="http://schemas.microsoft.com/office/drawing/2014/main" xmlns="" id="{D8D68EC4-C3B4-44C6-89CB-D57A81F721F2}"/>
+                  <a16:creationId xmlns="" xmlns:a16="http://schemas.microsoft.com/office/drawing/2014/main" id="{D8D68EC4-C3B4-44C6-89CB-D57A81F721F2}"/>
                 </a:ext>
               </a:extLst>
             </p:cNvPr>
@@ -13996,7 +14058,7 @@
           <p:cNvPr id="4" name="Group 3">
             <a:extLst>
               <a:ext uri="{FF2B5EF4-FFF2-40B4-BE49-F238E27FC236}">
-                <a16:creationId xmlns:a16="http://schemas.microsoft.com/office/drawing/2014/main" xmlns="" id="{4B3E617D-293D-4BB5-8F23-78F186F4D823}"/>
+                <a16:creationId xmlns="" xmlns:a16="http://schemas.microsoft.com/office/drawing/2014/main" id="{4B3E617D-293D-4BB5-8F23-78F186F4D823}"/>
               </a:ext>
             </a:extLst>
           </p:cNvPr>
@@ -14016,7 +14078,7 @@
             <p:cNvPr id="5" name="Picture 4">
               <a:extLst>
                 <a:ext uri="{FF2B5EF4-FFF2-40B4-BE49-F238E27FC236}">
-                  <a16:creationId xmlns:a16="http://schemas.microsoft.com/office/drawing/2014/main" xmlns="" id="{FCB9AAC0-E020-4527-A4A2-1BAF10A64345}"/>
+                  <a16:creationId xmlns="" xmlns:a16="http://schemas.microsoft.com/office/drawing/2014/main" id="{FCB9AAC0-E020-4527-A4A2-1BAF10A64345}"/>
                 </a:ext>
               </a:extLst>
             </p:cNvPr>
@@ -14060,7 +14122,7 @@
             <p:cNvPr id="6" name="Picture 5">
               <a:extLst>
                 <a:ext uri="{FF2B5EF4-FFF2-40B4-BE49-F238E27FC236}">
-                  <a16:creationId xmlns:a16="http://schemas.microsoft.com/office/drawing/2014/main" xmlns="" id="{541FA1DB-BA93-4169-9FE7-EA370854285D}"/>
+                  <a16:creationId xmlns="" xmlns:a16="http://schemas.microsoft.com/office/drawing/2014/main" id="{541FA1DB-BA93-4169-9FE7-EA370854285D}"/>
                 </a:ext>
               </a:extLst>
             </p:cNvPr>
@@ -14104,7 +14166,7 @@
             <p:cNvPr id="7" name="Picture 6">
               <a:extLst>
                 <a:ext uri="{FF2B5EF4-FFF2-40B4-BE49-F238E27FC236}">
-                  <a16:creationId xmlns:a16="http://schemas.microsoft.com/office/drawing/2014/main" xmlns="" id="{35A8DC9A-DB20-4753-89A9-B584089F9544}"/>
+                  <a16:creationId xmlns="" xmlns:a16="http://schemas.microsoft.com/office/drawing/2014/main" id="{35A8DC9A-DB20-4753-89A9-B584089F9544}"/>
                 </a:ext>
               </a:extLst>
             </p:cNvPr>
@@ -14157,7 +14219,7 @@
             <p:cNvPr id="8" name="Picture 7">
               <a:extLst>
                 <a:ext uri="{FF2B5EF4-FFF2-40B4-BE49-F238E27FC236}">
-                  <a16:creationId xmlns:a16="http://schemas.microsoft.com/office/drawing/2014/main" xmlns="" id="{D8D68EC4-C3B4-44C6-89CB-D57A81F721F2}"/>
+                  <a16:creationId xmlns="" xmlns:a16="http://schemas.microsoft.com/office/drawing/2014/main" id="{D8D68EC4-C3B4-44C6-89CB-D57A81F721F2}"/>
                 </a:ext>
               </a:extLst>
             </p:cNvPr>
@@ -14335,7 +14397,7 @@
           <p:cNvPr id="10" name="Straight Connector 9">
             <a:extLst>
               <a:ext uri="{FF2B5EF4-FFF2-40B4-BE49-F238E27FC236}">
-                <a16:creationId xmlns:a16="http://schemas.microsoft.com/office/drawing/2014/main" xmlns="" id="{9140F6FE-87BA-43C0-ABEF-21A3AEC23039}"/>
+                <a16:creationId xmlns="" xmlns:a16="http://schemas.microsoft.com/office/drawing/2014/main" id="{9140F6FE-87BA-43C0-ABEF-21A3AEC23039}"/>
               </a:ext>
             </a:extLst>
           </p:cNvPr>
@@ -14378,7 +14440,7 @@
           <p:cNvPr id="13" name="Group 12">
             <a:extLst>
               <a:ext uri="{FF2B5EF4-FFF2-40B4-BE49-F238E27FC236}">
-                <a16:creationId xmlns:a16="http://schemas.microsoft.com/office/drawing/2014/main" xmlns="" id="{5754AE95-74E7-475C-9849-33EBD44DDC4B}"/>
+                <a16:creationId xmlns="" xmlns:a16="http://schemas.microsoft.com/office/drawing/2014/main" id="{5754AE95-74E7-475C-9849-33EBD44DDC4B}"/>
               </a:ext>
             </a:extLst>
           </p:cNvPr>
@@ -14398,7 +14460,7 @@
             <p:cNvPr id="14" name="Picture 13">
               <a:extLst>
                 <a:ext uri="{FF2B5EF4-FFF2-40B4-BE49-F238E27FC236}">
-                  <a16:creationId xmlns:a16="http://schemas.microsoft.com/office/drawing/2014/main" xmlns="" id="{36450F7E-8E5F-4A06-934E-44928F9E159D}"/>
+                  <a16:creationId xmlns="" xmlns:a16="http://schemas.microsoft.com/office/drawing/2014/main" id="{36450F7E-8E5F-4A06-934E-44928F9E159D}"/>
                 </a:ext>
               </a:extLst>
             </p:cNvPr>
@@ -14442,7 +14504,7 @@
             <p:cNvPr id="16" name="Picture 15">
               <a:extLst>
                 <a:ext uri="{FF2B5EF4-FFF2-40B4-BE49-F238E27FC236}">
-                  <a16:creationId xmlns:a16="http://schemas.microsoft.com/office/drawing/2014/main" xmlns="" id="{93E9C61E-EECF-453F-A9A1-10AEDED67173}"/>
+                  <a16:creationId xmlns="" xmlns:a16="http://schemas.microsoft.com/office/drawing/2014/main" id="{93E9C61E-EECF-453F-A9A1-10AEDED67173}"/>
                 </a:ext>
               </a:extLst>
             </p:cNvPr>
@@ -14486,7 +14548,7 @@
             <p:cNvPr id="17" name="Picture 16">
               <a:extLst>
                 <a:ext uri="{FF2B5EF4-FFF2-40B4-BE49-F238E27FC236}">
-                  <a16:creationId xmlns:a16="http://schemas.microsoft.com/office/drawing/2014/main" xmlns="" id="{E806F4E7-08A6-4FB1-B047-255D9CA3363B}"/>
+                  <a16:creationId xmlns="" xmlns:a16="http://schemas.microsoft.com/office/drawing/2014/main" id="{E806F4E7-08A6-4FB1-B047-255D9CA3363B}"/>
                 </a:ext>
               </a:extLst>
             </p:cNvPr>
@@ -14530,7 +14592,7 @@
             <p:cNvPr id="18" name="Picture 17">
               <a:extLst>
                 <a:ext uri="{FF2B5EF4-FFF2-40B4-BE49-F238E27FC236}">
-                  <a16:creationId xmlns:a16="http://schemas.microsoft.com/office/drawing/2014/main" xmlns="" id="{7084AF1D-2556-4F4F-AAF7-4043D927C9AF}"/>
+                  <a16:creationId xmlns="" xmlns:a16="http://schemas.microsoft.com/office/drawing/2014/main" id="{7084AF1D-2556-4F4F-AAF7-4043D927C9AF}"/>
                 </a:ext>
               </a:extLst>
             </p:cNvPr>
@@ -14574,7 +14636,7 @@
             <p:cNvPr id="19" name="Picture 18">
               <a:extLst>
                 <a:ext uri="{FF2B5EF4-FFF2-40B4-BE49-F238E27FC236}">
-                  <a16:creationId xmlns:a16="http://schemas.microsoft.com/office/drawing/2014/main" xmlns="" id="{84204CB6-6B6E-4330-A9DB-B191FEF9793F}"/>
+                  <a16:creationId xmlns="" xmlns:a16="http://schemas.microsoft.com/office/drawing/2014/main" id="{84204CB6-6B6E-4330-A9DB-B191FEF9793F}"/>
                 </a:ext>
               </a:extLst>
             </p:cNvPr>
@@ -14618,7 +14680,7 @@
             <p:cNvPr id="20" name="Picture 19">
               <a:extLst>
                 <a:ext uri="{FF2B5EF4-FFF2-40B4-BE49-F238E27FC236}">
-                  <a16:creationId xmlns:a16="http://schemas.microsoft.com/office/drawing/2014/main" xmlns="" id="{674B8B85-BBB3-437A-8456-CD5EDB81837E}"/>
+                  <a16:creationId xmlns="" xmlns:a16="http://schemas.microsoft.com/office/drawing/2014/main" id="{674B8B85-BBB3-437A-8456-CD5EDB81837E}"/>
                 </a:ext>
               </a:extLst>
             </p:cNvPr>
@@ -14663,7 +14725,7 @@
           <p:cNvPr id="15" name="Picture 14">
             <a:extLst>
               <a:ext uri="{FF2B5EF4-FFF2-40B4-BE49-F238E27FC236}">
-                <a16:creationId xmlns:a16="http://schemas.microsoft.com/office/drawing/2014/main" xmlns="" id="{C99C7647-CABA-489C-85BE-C19A667F8CD1}"/>
+                <a16:creationId xmlns="" xmlns:a16="http://schemas.microsoft.com/office/drawing/2014/main" id="{C99C7647-CABA-489C-85BE-C19A667F8CD1}"/>
               </a:ext>
             </a:extLst>
           </p:cNvPr>
@@ -14763,7 +14825,7 @@
           <p:cNvPr id="4" name="Group 3">
             <a:extLst>
               <a:ext uri="{FF2B5EF4-FFF2-40B4-BE49-F238E27FC236}">
-                <a16:creationId xmlns:a16="http://schemas.microsoft.com/office/drawing/2014/main" xmlns="" id="{4B3E617D-293D-4BB5-8F23-78F186F4D823}"/>
+                <a16:creationId xmlns="" xmlns:a16="http://schemas.microsoft.com/office/drawing/2014/main" id="{4B3E617D-293D-4BB5-8F23-78F186F4D823}"/>
               </a:ext>
             </a:extLst>
           </p:cNvPr>
@@ -14783,7 +14845,7 @@
             <p:cNvPr id="5" name="Picture 4">
               <a:extLst>
                 <a:ext uri="{FF2B5EF4-FFF2-40B4-BE49-F238E27FC236}">
-                  <a16:creationId xmlns:a16="http://schemas.microsoft.com/office/drawing/2014/main" xmlns="" id="{FCB9AAC0-E020-4527-A4A2-1BAF10A64345}"/>
+                  <a16:creationId xmlns="" xmlns:a16="http://schemas.microsoft.com/office/drawing/2014/main" id="{FCB9AAC0-E020-4527-A4A2-1BAF10A64345}"/>
                 </a:ext>
               </a:extLst>
             </p:cNvPr>
@@ -14827,7 +14889,7 @@
             <p:cNvPr id="6" name="Picture 5">
               <a:extLst>
                 <a:ext uri="{FF2B5EF4-FFF2-40B4-BE49-F238E27FC236}">
-                  <a16:creationId xmlns:a16="http://schemas.microsoft.com/office/drawing/2014/main" xmlns="" id="{541FA1DB-BA93-4169-9FE7-EA370854285D}"/>
+                  <a16:creationId xmlns="" xmlns:a16="http://schemas.microsoft.com/office/drawing/2014/main" id="{541FA1DB-BA93-4169-9FE7-EA370854285D}"/>
                 </a:ext>
               </a:extLst>
             </p:cNvPr>
@@ -14871,7 +14933,7 @@
             <p:cNvPr id="7" name="Picture 6">
               <a:extLst>
                 <a:ext uri="{FF2B5EF4-FFF2-40B4-BE49-F238E27FC236}">
-                  <a16:creationId xmlns:a16="http://schemas.microsoft.com/office/drawing/2014/main" xmlns="" id="{35A8DC9A-DB20-4753-89A9-B584089F9544}"/>
+                  <a16:creationId xmlns="" xmlns:a16="http://schemas.microsoft.com/office/drawing/2014/main" id="{35A8DC9A-DB20-4753-89A9-B584089F9544}"/>
                 </a:ext>
               </a:extLst>
             </p:cNvPr>
@@ -14924,7 +14986,7 @@
             <p:cNvPr id="8" name="Picture 7">
               <a:extLst>
                 <a:ext uri="{FF2B5EF4-FFF2-40B4-BE49-F238E27FC236}">
-                  <a16:creationId xmlns:a16="http://schemas.microsoft.com/office/drawing/2014/main" xmlns="" id="{D8D68EC4-C3B4-44C6-89CB-D57A81F721F2}"/>
+                  <a16:creationId xmlns="" xmlns:a16="http://schemas.microsoft.com/office/drawing/2014/main" id="{D8D68EC4-C3B4-44C6-89CB-D57A81F721F2}"/>
                 </a:ext>
               </a:extLst>
             </p:cNvPr>
@@ -15055,7 +15117,7 @@
           <p:cNvPr id="4" name="Title 1">
             <a:extLst>
               <a:ext uri="{FF2B5EF4-FFF2-40B4-BE49-F238E27FC236}">
-                <a16:creationId xmlns:a16="http://schemas.microsoft.com/office/drawing/2014/main" xmlns="" id="{CEC573B1-19E4-43FE-9BB2-89AD54017FFF}"/>
+                <a16:creationId xmlns="" xmlns:a16="http://schemas.microsoft.com/office/drawing/2014/main" id="{CEC573B1-19E4-43FE-9BB2-89AD54017FFF}"/>
               </a:ext>
             </a:extLst>
           </p:cNvPr>
@@ -15096,7 +15158,7 @@
           <p:cNvPr id="5" name="Group 4">
             <a:extLst>
               <a:ext uri="{FF2B5EF4-FFF2-40B4-BE49-F238E27FC236}">
-                <a16:creationId xmlns:a16="http://schemas.microsoft.com/office/drawing/2014/main" xmlns="" id="{0AC14DFB-2F45-4509-A296-3FCAB0F4EF59}"/>
+                <a16:creationId xmlns="" xmlns:a16="http://schemas.microsoft.com/office/drawing/2014/main" id="{0AC14DFB-2F45-4509-A296-3FCAB0F4EF59}"/>
               </a:ext>
             </a:extLst>
           </p:cNvPr>
@@ -15116,7 +15178,7 @@
             <p:cNvPr id="6" name="Picture 5">
               <a:extLst>
                 <a:ext uri="{FF2B5EF4-FFF2-40B4-BE49-F238E27FC236}">
-                  <a16:creationId xmlns:a16="http://schemas.microsoft.com/office/drawing/2014/main" xmlns="" id="{502FA3F9-AF42-4986-A80F-3B705E9AC3FF}"/>
+                  <a16:creationId xmlns="" xmlns:a16="http://schemas.microsoft.com/office/drawing/2014/main" id="{502FA3F9-AF42-4986-A80F-3B705E9AC3FF}"/>
                 </a:ext>
               </a:extLst>
             </p:cNvPr>
@@ -15160,7 +15222,7 @@
             <p:cNvPr id="8" name="Picture 7">
               <a:extLst>
                 <a:ext uri="{FF2B5EF4-FFF2-40B4-BE49-F238E27FC236}">
-                  <a16:creationId xmlns:a16="http://schemas.microsoft.com/office/drawing/2014/main" xmlns="" id="{686A8E1B-19F9-4A7A-9820-A4B4FAAB729E}"/>
+                  <a16:creationId xmlns="" xmlns:a16="http://schemas.microsoft.com/office/drawing/2014/main" id="{686A8E1B-19F9-4A7A-9820-A4B4FAAB729E}"/>
                 </a:ext>
               </a:extLst>
             </p:cNvPr>
@@ -15204,7 +15266,7 @@
             <p:cNvPr id="9" name="Picture 8">
               <a:extLst>
                 <a:ext uri="{FF2B5EF4-FFF2-40B4-BE49-F238E27FC236}">
-                  <a16:creationId xmlns:a16="http://schemas.microsoft.com/office/drawing/2014/main" xmlns="" id="{6EEF45DF-3EB8-4175-B086-01491119D84F}"/>
+                  <a16:creationId xmlns="" xmlns:a16="http://schemas.microsoft.com/office/drawing/2014/main" id="{6EEF45DF-3EB8-4175-B086-01491119D84F}"/>
                 </a:ext>
               </a:extLst>
             </p:cNvPr>
@@ -15257,7 +15319,7 @@
             <p:cNvPr id="10" name="Picture 9">
               <a:extLst>
                 <a:ext uri="{FF2B5EF4-FFF2-40B4-BE49-F238E27FC236}">
-                  <a16:creationId xmlns:a16="http://schemas.microsoft.com/office/drawing/2014/main" xmlns="" id="{49B37305-5C09-4BD1-99AD-4F8EAADAA013}"/>
+                  <a16:creationId xmlns="" xmlns:a16="http://schemas.microsoft.com/office/drawing/2014/main" id="{49B37305-5C09-4BD1-99AD-4F8EAADAA013}"/>
                 </a:ext>
               </a:extLst>
             </p:cNvPr>
@@ -15388,7 +15450,7 @@
           <p:cNvPr id="4" name="Title 1">
             <a:extLst>
               <a:ext uri="{FF2B5EF4-FFF2-40B4-BE49-F238E27FC236}">
-                <a16:creationId xmlns:a16="http://schemas.microsoft.com/office/drawing/2014/main" xmlns="" id="{CEC573B1-19E4-43FE-9BB2-89AD54017FFF}"/>
+                <a16:creationId xmlns="" xmlns:a16="http://schemas.microsoft.com/office/drawing/2014/main" id="{CEC573B1-19E4-43FE-9BB2-89AD54017FFF}"/>
               </a:ext>
             </a:extLst>
           </p:cNvPr>
@@ -15429,7 +15491,7 @@
           <p:cNvPr id="5" name="Group 4">
             <a:extLst>
               <a:ext uri="{FF2B5EF4-FFF2-40B4-BE49-F238E27FC236}">
-                <a16:creationId xmlns:a16="http://schemas.microsoft.com/office/drawing/2014/main" xmlns="" id="{4B3E617D-293D-4BB5-8F23-78F186F4D823}"/>
+                <a16:creationId xmlns="" xmlns:a16="http://schemas.microsoft.com/office/drawing/2014/main" id="{4B3E617D-293D-4BB5-8F23-78F186F4D823}"/>
               </a:ext>
             </a:extLst>
           </p:cNvPr>
@@ -15449,7 +15511,7 @@
             <p:cNvPr id="6" name="Picture 5">
               <a:extLst>
                 <a:ext uri="{FF2B5EF4-FFF2-40B4-BE49-F238E27FC236}">
-                  <a16:creationId xmlns:a16="http://schemas.microsoft.com/office/drawing/2014/main" xmlns="" id="{FCB9AAC0-E020-4527-A4A2-1BAF10A64345}"/>
+                  <a16:creationId xmlns="" xmlns:a16="http://schemas.microsoft.com/office/drawing/2014/main" id="{FCB9AAC0-E020-4527-A4A2-1BAF10A64345}"/>
                 </a:ext>
               </a:extLst>
             </p:cNvPr>
@@ -15493,7 +15555,7 @@
             <p:cNvPr id="8" name="Picture 7">
               <a:extLst>
                 <a:ext uri="{FF2B5EF4-FFF2-40B4-BE49-F238E27FC236}">
-                  <a16:creationId xmlns:a16="http://schemas.microsoft.com/office/drawing/2014/main" xmlns="" id="{541FA1DB-BA93-4169-9FE7-EA370854285D}"/>
+                  <a16:creationId xmlns="" xmlns:a16="http://schemas.microsoft.com/office/drawing/2014/main" id="{541FA1DB-BA93-4169-9FE7-EA370854285D}"/>
                 </a:ext>
               </a:extLst>
             </p:cNvPr>
@@ -15537,7 +15599,7 @@
             <p:cNvPr id="9" name="Picture 8">
               <a:extLst>
                 <a:ext uri="{FF2B5EF4-FFF2-40B4-BE49-F238E27FC236}">
-                  <a16:creationId xmlns:a16="http://schemas.microsoft.com/office/drawing/2014/main" xmlns="" id="{35A8DC9A-DB20-4753-89A9-B584089F9544}"/>
+                  <a16:creationId xmlns="" xmlns:a16="http://schemas.microsoft.com/office/drawing/2014/main" id="{35A8DC9A-DB20-4753-89A9-B584089F9544}"/>
                 </a:ext>
               </a:extLst>
             </p:cNvPr>
@@ -15590,7 +15652,7 @@
             <p:cNvPr id="10" name="Picture 9">
               <a:extLst>
                 <a:ext uri="{FF2B5EF4-FFF2-40B4-BE49-F238E27FC236}">
-                  <a16:creationId xmlns:a16="http://schemas.microsoft.com/office/drawing/2014/main" xmlns="" id="{D8D68EC4-C3B4-44C6-89CB-D57A81F721F2}"/>
+                  <a16:creationId xmlns="" xmlns:a16="http://schemas.microsoft.com/office/drawing/2014/main" id="{D8D68EC4-C3B4-44C6-89CB-D57A81F721F2}"/>
                 </a:ext>
               </a:extLst>
             </p:cNvPr>
@@ -15727,7 +15789,7 @@
           <p:cNvPr id="7" name="Text Placeholder 6">
             <a:extLst>
               <a:ext uri="{FF2B5EF4-FFF2-40B4-BE49-F238E27FC236}">
-                <a16:creationId xmlns:a16="http://schemas.microsoft.com/office/drawing/2014/main" xmlns="" id="{C9FBEF60-0EDA-46F0-AEB7-C693788A6E97}"/>
+                <a16:creationId xmlns="" xmlns:a16="http://schemas.microsoft.com/office/drawing/2014/main" id="{C9FBEF60-0EDA-46F0-AEB7-C693788A6E97}"/>
               </a:ext>
             </a:extLst>
           </p:cNvPr>
@@ -15780,7 +15842,7 @@
           <p:cNvPr id="8" name="Title 1">
             <a:extLst>
               <a:ext uri="{FF2B5EF4-FFF2-40B4-BE49-F238E27FC236}">
-                <a16:creationId xmlns:a16="http://schemas.microsoft.com/office/drawing/2014/main" xmlns="" id="{5985FD9A-3BC0-42C4-8D53-0C108BE6454D}"/>
+                <a16:creationId xmlns="" xmlns:a16="http://schemas.microsoft.com/office/drawing/2014/main" id="{5985FD9A-3BC0-42C4-8D53-0C108BE6454D}"/>
               </a:ext>
             </a:extLst>
           </p:cNvPr>
@@ -15821,7 +15883,7 @@
           <p:cNvPr id="6" name="Group 5">
             <a:extLst>
               <a:ext uri="{FF2B5EF4-FFF2-40B4-BE49-F238E27FC236}">
-                <a16:creationId xmlns:a16="http://schemas.microsoft.com/office/drawing/2014/main" xmlns="" id="{4B3E617D-293D-4BB5-8F23-78F186F4D823}"/>
+                <a16:creationId xmlns="" xmlns:a16="http://schemas.microsoft.com/office/drawing/2014/main" id="{4B3E617D-293D-4BB5-8F23-78F186F4D823}"/>
               </a:ext>
             </a:extLst>
           </p:cNvPr>
@@ -15841,7 +15903,7 @@
             <p:cNvPr id="9" name="Picture 8">
               <a:extLst>
                 <a:ext uri="{FF2B5EF4-FFF2-40B4-BE49-F238E27FC236}">
-                  <a16:creationId xmlns:a16="http://schemas.microsoft.com/office/drawing/2014/main" xmlns="" id="{FCB9AAC0-E020-4527-A4A2-1BAF10A64345}"/>
+                  <a16:creationId xmlns="" xmlns:a16="http://schemas.microsoft.com/office/drawing/2014/main" id="{FCB9AAC0-E020-4527-A4A2-1BAF10A64345}"/>
                 </a:ext>
               </a:extLst>
             </p:cNvPr>
@@ -15885,7 +15947,7 @@
             <p:cNvPr id="10" name="Picture 9">
               <a:extLst>
                 <a:ext uri="{FF2B5EF4-FFF2-40B4-BE49-F238E27FC236}">
-                  <a16:creationId xmlns:a16="http://schemas.microsoft.com/office/drawing/2014/main" xmlns="" id="{541FA1DB-BA93-4169-9FE7-EA370854285D}"/>
+                  <a16:creationId xmlns="" xmlns:a16="http://schemas.microsoft.com/office/drawing/2014/main" id="{541FA1DB-BA93-4169-9FE7-EA370854285D}"/>
                 </a:ext>
               </a:extLst>
             </p:cNvPr>
@@ -15929,7 +15991,7 @@
             <p:cNvPr id="11" name="Picture 10">
               <a:extLst>
                 <a:ext uri="{FF2B5EF4-FFF2-40B4-BE49-F238E27FC236}">
-                  <a16:creationId xmlns:a16="http://schemas.microsoft.com/office/drawing/2014/main" xmlns="" id="{35A8DC9A-DB20-4753-89A9-B584089F9544}"/>
+                  <a16:creationId xmlns="" xmlns:a16="http://schemas.microsoft.com/office/drawing/2014/main" id="{35A8DC9A-DB20-4753-89A9-B584089F9544}"/>
                 </a:ext>
               </a:extLst>
             </p:cNvPr>
@@ -15982,7 +16044,7 @@
             <p:cNvPr id="12" name="Picture 11">
               <a:extLst>
                 <a:ext uri="{FF2B5EF4-FFF2-40B4-BE49-F238E27FC236}">
-                  <a16:creationId xmlns:a16="http://schemas.microsoft.com/office/drawing/2014/main" xmlns="" id="{D8D68EC4-C3B4-44C6-89CB-D57A81F721F2}"/>
+                  <a16:creationId xmlns="" xmlns:a16="http://schemas.microsoft.com/office/drawing/2014/main" id="{D8D68EC4-C3B4-44C6-89CB-D57A81F721F2}"/>
                 </a:ext>
               </a:extLst>
             </p:cNvPr>
@@ -16121,7 +16183,7 @@
           <p:cNvPr id="5" name="Title 1">
             <a:extLst>
               <a:ext uri="{FF2B5EF4-FFF2-40B4-BE49-F238E27FC236}">
-                <a16:creationId xmlns:a16="http://schemas.microsoft.com/office/drawing/2014/main" xmlns="" id="{BEA8C975-16F5-4DFB-9A1E-C240B3FD234C}"/>
+                <a16:creationId xmlns="" xmlns:a16="http://schemas.microsoft.com/office/drawing/2014/main" id="{BEA8C975-16F5-4DFB-9A1E-C240B3FD234C}"/>
               </a:ext>
             </a:extLst>
           </p:cNvPr>
@@ -16162,7 +16224,7 @@
           <p:cNvPr id="6" name="Group 5">
             <a:extLst>
               <a:ext uri="{FF2B5EF4-FFF2-40B4-BE49-F238E27FC236}">
-                <a16:creationId xmlns:a16="http://schemas.microsoft.com/office/drawing/2014/main" xmlns="" id="{6D9918AC-1F27-495F-803B-A23D00135ABC}"/>
+                <a16:creationId xmlns="" xmlns:a16="http://schemas.microsoft.com/office/drawing/2014/main" id="{6D9918AC-1F27-495F-803B-A23D00135ABC}"/>
               </a:ext>
             </a:extLst>
           </p:cNvPr>
@@ -16182,7 +16244,7 @@
             <p:cNvPr id="7" name="Picture 6">
               <a:extLst>
                 <a:ext uri="{FF2B5EF4-FFF2-40B4-BE49-F238E27FC236}">
-                  <a16:creationId xmlns:a16="http://schemas.microsoft.com/office/drawing/2014/main" xmlns="" id="{773371F2-77B6-4913-8914-E3A68400845E}"/>
+                  <a16:creationId xmlns="" xmlns:a16="http://schemas.microsoft.com/office/drawing/2014/main" id="{773371F2-77B6-4913-8914-E3A68400845E}"/>
                 </a:ext>
               </a:extLst>
             </p:cNvPr>
@@ -16226,7 +16288,7 @@
             <p:cNvPr id="8" name="Picture 7">
               <a:extLst>
                 <a:ext uri="{FF2B5EF4-FFF2-40B4-BE49-F238E27FC236}">
-                  <a16:creationId xmlns:a16="http://schemas.microsoft.com/office/drawing/2014/main" xmlns="" id="{629FCEC3-1E87-4597-8084-D0E92253B278}"/>
+                  <a16:creationId xmlns="" xmlns:a16="http://schemas.microsoft.com/office/drawing/2014/main" id="{629FCEC3-1E87-4597-8084-D0E92253B278}"/>
                 </a:ext>
               </a:extLst>
             </p:cNvPr>
@@ -16270,7 +16332,7 @@
             <p:cNvPr id="9" name="Picture 8">
               <a:extLst>
                 <a:ext uri="{FF2B5EF4-FFF2-40B4-BE49-F238E27FC236}">
-                  <a16:creationId xmlns:a16="http://schemas.microsoft.com/office/drawing/2014/main" xmlns="" id="{433DAE75-4D3A-447B-A8A2-1A6F9837D249}"/>
+                  <a16:creationId xmlns="" xmlns:a16="http://schemas.microsoft.com/office/drawing/2014/main" id="{433DAE75-4D3A-447B-A8A2-1A6F9837D249}"/>
                 </a:ext>
               </a:extLst>
             </p:cNvPr>
@@ -16323,7 +16385,7 @@
             <p:cNvPr id="10" name="Picture 9">
               <a:extLst>
                 <a:ext uri="{FF2B5EF4-FFF2-40B4-BE49-F238E27FC236}">
-                  <a16:creationId xmlns:a16="http://schemas.microsoft.com/office/drawing/2014/main" xmlns="" id="{B822F676-1974-472B-B240-2A7812516E95}"/>
+                  <a16:creationId xmlns="" xmlns:a16="http://schemas.microsoft.com/office/drawing/2014/main" id="{B822F676-1974-472B-B240-2A7812516E95}"/>
                 </a:ext>
               </a:extLst>
             </p:cNvPr>
@@ -16407,7 +16469,7 @@
           <p:cNvPr id="5" name="Title 1">
             <a:extLst>
               <a:ext uri="{FF2B5EF4-FFF2-40B4-BE49-F238E27FC236}">
-                <a16:creationId xmlns:a16="http://schemas.microsoft.com/office/drawing/2014/main" xmlns="" id="{BEA8C975-16F5-4DFB-9A1E-C240B3FD234C}"/>
+                <a16:creationId xmlns="" xmlns:a16="http://schemas.microsoft.com/office/drawing/2014/main" id="{BEA8C975-16F5-4DFB-9A1E-C240B3FD234C}"/>
               </a:ext>
             </a:extLst>
           </p:cNvPr>
@@ -16448,7 +16510,7 @@
           <p:cNvPr id="6" name="Group 5">
             <a:extLst>
               <a:ext uri="{FF2B5EF4-FFF2-40B4-BE49-F238E27FC236}">
-                <a16:creationId xmlns:a16="http://schemas.microsoft.com/office/drawing/2014/main" xmlns="" id="{6D9918AC-1F27-495F-803B-A23D00135ABC}"/>
+                <a16:creationId xmlns="" xmlns:a16="http://schemas.microsoft.com/office/drawing/2014/main" id="{6D9918AC-1F27-495F-803B-A23D00135ABC}"/>
               </a:ext>
             </a:extLst>
           </p:cNvPr>
@@ -16468,7 +16530,7 @@
             <p:cNvPr id="7" name="Picture 6">
               <a:extLst>
                 <a:ext uri="{FF2B5EF4-FFF2-40B4-BE49-F238E27FC236}">
-                  <a16:creationId xmlns:a16="http://schemas.microsoft.com/office/drawing/2014/main" xmlns="" id="{773371F2-77B6-4913-8914-E3A68400845E}"/>
+                  <a16:creationId xmlns="" xmlns:a16="http://schemas.microsoft.com/office/drawing/2014/main" id="{773371F2-77B6-4913-8914-E3A68400845E}"/>
                 </a:ext>
               </a:extLst>
             </p:cNvPr>
@@ -16512,7 +16574,7 @@
             <p:cNvPr id="8" name="Picture 7">
               <a:extLst>
                 <a:ext uri="{FF2B5EF4-FFF2-40B4-BE49-F238E27FC236}">
-                  <a16:creationId xmlns:a16="http://schemas.microsoft.com/office/drawing/2014/main" xmlns="" id="{629FCEC3-1E87-4597-8084-D0E92253B278}"/>
+                  <a16:creationId xmlns="" xmlns:a16="http://schemas.microsoft.com/office/drawing/2014/main" id="{629FCEC3-1E87-4597-8084-D0E92253B278}"/>
                 </a:ext>
               </a:extLst>
             </p:cNvPr>
@@ -16556,7 +16618,7 @@
             <p:cNvPr id="9" name="Picture 8">
               <a:extLst>
                 <a:ext uri="{FF2B5EF4-FFF2-40B4-BE49-F238E27FC236}">
-                  <a16:creationId xmlns:a16="http://schemas.microsoft.com/office/drawing/2014/main" xmlns="" id="{433DAE75-4D3A-447B-A8A2-1A6F9837D249}"/>
+                  <a16:creationId xmlns="" xmlns:a16="http://schemas.microsoft.com/office/drawing/2014/main" id="{433DAE75-4D3A-447B-A8A2-1A6F9837D249}"/>
                 </a:ext>
               </a:extLst>
             </p:cNvPr>
@@ -16609,7 +16671,7 @@
             <p:cNvPr id="10" name="Picture 9">
               <a:extLst>
                 <a:ext uri="{FF2B5EF4-FFF2-40B4-BE49-F238E27FC236}">
-                  <a16:creationId xmlns:a16="http://schemas.microsoft.com/office/drawing/2014/main" xmlns="" id="{B822F676-1974-472B-B240-2A7812516E95}"/>
+                  <a16:creationId xmlns="" xmlns:a16="http://schemas.microsoft.com/office/drawing/2014/main" id="{B822F676-1974-472B-B240-2A7812516E95}"/>
                 </a:ext>
               </a:extLst>
             </p:cNvPr>
@@ -16663,7 +16725,7 @@
           <p:cNvPr id="3" name="Table Placeholder 2">
             <a:extLst>
               <a:ext uri="{FF2B5EF4-FFF2-40B4-BE49-F238E27FC236}">
-                <a16:creationId xmlns:a16="http://schemas.microsoft.com/office/drawing/2014/main" xmlns="" id="{231BE7ED-763F-4003-B88A-CF48044FC2D7}"/>
+                <a16:creationId xmlns="" xmlns:a16="http://schemas.microsoft.com/office/drawing/2014/main" id="{231BE7ED-763F-4003-B88A-CF48044FC2D7}"/>
               </a:ext>
             </a:extLst>
           </p:cNvPr>
@@ -16878,7 +16940,7 @@
           <p:cNvPr id="7" name="Text Placeholder 6">
             <a:extLst>
               <a:ext uri="{FF2B5EF4-FFF2-40B4-BE49-F238E27FC236}">
-                <a16:creationId xmlns:a16="http://schemas.microsoft.com/office/drawing/2014/main" xmlns="" id="{E6F0EDA4-3B69-4CD7-9631-FDA32B78A6E6}"/>
+                <a16:creationId xmlns="" xmlns:a16="http://schemas.microsoft.com/office/drawing/2014/main" id="{E6F0EDA4-3B69-4CD7-9631-FDA32B78A6E6}"/>
               </a:ext>
             </a:extLst>
           </p:cNvPr>
@@ -16931,7 +16993,7 @@
           <p:cNvPr id="9" name="Title 1">
             <a:extLst>
               <a:ext uri="{FF2B5EF4-FFF2-40B4-BE49-F238E27FC236}">
-                <a16:creationId xmlns:a16="http://schemas.microsoft.com/office/drawing/2014/main" xmlns="" id="{5B1AFCDC-4482-4BE5-8EC1-532183E82F8B}"/>
+                <a16:creationId xmlns="" xmlns:a16="http://schemas.microsoft.com/office/drawing/2014/main" id="{5B1AFCDC-4482-4BE5-8EC1-532183E82F8B}"/>
               </a:ext>
             </a:extLst>
           </p:cNvPr>
@@ -16972,7 +17034,7 @@
           <p:cNvPr id="8" name="Group 7">
             <a:extLst>
               <a:ext uri="{FF2B5EF4-FFF2-40B4-BE49-F238E27FC236}">
-                <a16:creationId xmlns:a16="http://schemas.microsoft.com/office/drawing/2014/main" xmlns="" id="{4B3E617D-293D-4BB5-8F23-78F186F4D823}"/>
+                <a16:creationId xmlns="" xmlns:a16="http://schemas.microsoft.com/office/drawing/2014/main" id="{4B3E617D-293D-4BB5-8F23-78F186F4D823}"/>
               </a:ext>
             </a:extLst>
           </p:cNvPr>
@@ -16992,7 +17054,7 @@
             <p:cNvPr id="10" name="Picture 9">
               <a:extLst>
                 <a:ext uri="{FF2B5EF4-FFF2-40B4-BE49-F238E27FC236}">
-                  <a16:creationId xmlns:a16="http://schemas.microsoft.com/office/drawing/2014/main" xmlns="" id="{FCB9AAC0-E020-4527-A4A2-1BAF10A64345}"/>
+                  <a16:creationId xmlns="" xmlns:a16="http://schemas.microsoft.com/office/drawing/2014/main" id="{FCB9AAC0-E020-4527-A4A2-1BAF10A64345}"/>
                 </a:ext>
               </a:extLst>
             </p:cNvPr>
@@ -17036,7 +17098,7 @@
             <p:cNvPr id="11" name="Picture 10">
               <a:extLst>
                 <a:ext uri="{FF2B5EF4-FFF2-40B4-BE49-F238E27FC236}">
-                  <a16:creationId xmlns:a16="http://schemas.microsoft.com/office/drawing/2014/main" xmlns="" id="{541FA1DB-BA93-4169-9FE7-EA370854285D}"/>
+                  <a16:creationId xmlns="" xmlns:a16="http://schemas.microsoft.com/office/drawing/2014/main" id="{541FA1DB-BA93-4169-9FE7-EA370854285D}"/>
                 </a:ext>
               </a:extLst>
             </p:cNvPr>
@@ -17080,7 +17142,7 @@
             <p:cNvPr id="12" name="Picture 11">
               <a:extLst>
                 <a:ext uri="{FF2B5EF4-FFF2-40B4-BE49-F238E27FC236}">
-                  <a16:creationId xmlns:a16="http://schemas.microsoft.com/office/drawing/2014/main" xmlns="" id="{35A8DC9A-DB20-4753-89A9-B584089F9544}"/>
+                  <a16:creationId xmlns="" xmlns:a16="http://schemas.microsoft.com/office/drawing/2014/main" id="{35A8DC9A-DB20-4753-89A9-B584089F9544}"/>
                 </a:ext>
               </a:extLst>
             </p:cNvPr>
@@ -17133,7 +17195,7 @@
             <p:cNvPr id="15" name="Picture 14">
               <a:extLst>
                 <a:ext uri="{FF2B5EF4-FFF2-40B4-BE49-F238E27FC236}">
-                  <a16:creationId xmlns:a16="http://schemas.microsoft.com/office/drawing/2014/main" xmlns="" id="{D8D68EC4-C3B4-44C6-89CB-D57A81F721F2}"/>
+                  <a16:creationId xmlns="" xmlns:a16="http://schemas.microsoft.com/office/drawing/2014/main" id="{D8D68EC4-C3B4-44C6-89CB-D57A81F721F2}"/>
                 </a:ext>
               </a:extLst>
             </p:cNvPr>
@@ -17217,7 +17279,7 @@
           <p:cNvPr id="5" name="Picture Placeholder 4">
             <a:extLst>
               <a:ext uri="{FF2B5EF4-FFF2-40B4-BE49-F238E27FC236}">
-                <a16:creationId xmlns:a16="http://schemas.microsoft.com/office/drawing/2014/main" xmlns="" id="{14DADB3D-04D6-4DE9-967A-09854C892503}"/>
+                <a16:creationId xmlns="" xmlns:a16="http://schemas.microsoft.com/office/drawing/2014/main" id="{14DADB3D-04D6-4DE9-967A-09854C892503}"/>
               </a:ext>
             </a:extLst>
           </p:cNvPr>
@@ -17260,7 +17322,7 @@
           <p:cNvPr id="17" name="Picture Placeholder 4">
             <a:extLst>
               <a:ext uri="{FF2B5EF4-FFF2-40B4-BE49-F238E27FC236}">
-                <a16:creationId xmlns:a16="http://schemas.microsoft.com/office/drawing/2014/main" xmlns="" id="{79D3A65E-0510-4586-92D4-CE445368A4E2}"/>
+                <a16:creationId xmlns="" xmlns:a16="http://schemas.microsoft.com/office/drawing/2014/main" id="{79D3A65E-0510-4586-92D4-CE445368A4E2}"/>
               </a:ext>
             </a:extLst>
           </p:cNvPr>
@@ -17303,7 +17365,7 @@
           <p:cNvPr id="18" name="Picture Placeholder 4">
             <a:extLst>
               <a:ext uri="{FF2B5EF4-FFF2-40B4-BE49-F238E27FC236}">
-                <a16:creationId xmlns:a16="http://schemas.microsoft.com/office/drawing/2014/main" xmlns="" id="{DEB3903A-F4AA-4A84-A3EC-0C446A3C5DC0}"/>
+                <a16:creationId xmlns="" xmlns:a16="http://schemas.microsoft.com/office/drawing/2014/main" id="{DEB3903A-F4AA-4A84-A3EC-0C446A3C5DC0}"/>
               </a:ext>
             </a:extLst>
           </p:cNvPr>
@@ -17346,7 +17408,7 @@
           <p:cNvPr id="19" name="Picture Placeholder 4">
             <a:extLst>
               <a:ext uri="{FF2B5EF4-FFF2-40B4-BE49-F238E27FC236}">
-                <a16:creationId xmlns:a16="http://schemas.microsoft.com/office/drawing/2014/main" xmlns="" id="{F4DFD873-6F2A-4978-BE3C-A4D1439D6701}"/>
+                <a16:creationId xmlns="" xmlns:a16="http://schemas.microsoft.com/office/drawing/2014/main" id="{F4DFD873-6F2A-4978-BE3C-A4D1439D6701}"/>
               </a:ext>
             </a:extLst>
           </p:cNvPr>
@@ -17389,7 +17451,7 @@
           <p:cNvPr id="20" name="Picture Placeholder 4">
             <a:extLst>
               <a:ext uri="{FF2B5EF4-FFF2-40B4-BE49-F238E27FC236}">
-                <a16:creationId xmlns:a16="http://schemas.microsoft.com/office/drawing/2014/main" xmlns="" id="{65511273-774A-4D68-9560-76F27C76386C}"/>
+                <a16:creationId xmlns="" xmlns:a16="http://schemas.microsoft.com/office/drawing/2014/main" id="{65511273-774A-4D68-9560-76F27C76386C}"/>
               </a:ext>
             </a:extLst>
           </p:cNvPr>
@@ -17432,7 +17494,7 @@
           <p:cNvPr id="21" name="Picture Placeholder 4">
             <a:extLst>
               <a:ext uri="{FF2B5EF4-FFF2-40B4-BE49-F238E27FC236}">
-                <a16:creationId xmlns:a16="http://schemas.microsoft.com/office/drawing/2014/main" xmlns="" id="{E134A539-E63C-497F-B727-1BC0344C9519}"/>
+                <a16:creationId xmlns="" xmlns:a16="http://schemas.microsoft.com/office/drawing/2014/main" id="{E134A539-E63C-497F-B727-1BC0344C9519}"/>
               </a:ext>
             </a:extLst>
           </p:cNvPr>
@@ -17475,7 +17537,7 @@
           <p:cNvPr id="7" name="Text Placeholder 6">
             <a:extLst>
               <a:ext uri="{FF2B5EF4-FFF2-40B4-BE49-F238E27FC236}">
-                <a16:creationId xmlns:a16="http://schemas.microsoft.com/office/drawing/2014/main" xmlns="" id="{E6F0EDA4-3B69-4CD7-9631-FDA32B78A6E6}"/>
+                <a16:creationId xmlns="" xmlns:a16="http://schemas.microsoft.com/office/drawing/2014/main" id="{E6F0EDA4-3B69-4CD7-9631-FDA32B78A6E6}"/>
               </a:ext>
             </a:extLst>
           </p:cNvPr>
@@ -17528,7 +17590,7 @@
           <p:cNvPr id="9" name="Title 1">
             <a:extLst>
               <a:ext uri="{FF2B5EF4-FFF2-40B4-BE49-F238E27FC236}">
-                <a16:creationId xmlns:a16="http://schemas.microsoft.com/office/drawing/2014/main" xmlns="" id="{5B1AFCDC-4482-4BE5-8EC1-532183E82F8B}"/>
+                <a16:creationId xmlns="" xmlns:a16="http://schemas.microsoft.com/office/drawing/2014/main" id="{5B1AFCDC-4482-4BE5-8EC1-532183E82F8B}"/>
               </a:ext>
             </a:extLst>
           </p:cNvPr>
@@ -17599,7 +17661,7 @@
           <p:cNvPr id="27" name="Picture Placeholder 4">
             <a:extLst>
               <a:ext uri="{FF2B5EF4-FFF2-40B4-BE49-F238E27FC236}">
-                <a16:creationId xmlns:a16="http://schemas.microsoft.com/office/drawing/2014/main" xmlns="" id="{0752DE09-0767-4B17-A1A7-CF8D88845751}"/>
+                <a16:creationId xmlns="" xmlns:a16="http://schemas.microsoft.com/office/drawing/2014/main" id="{0752DE09-0767-4B17-A1A7-CF8D88845751}"/>
               </a:ext>
             </a:extLst>
           </p:cNvPr>
@@ -17642,7 +17704,7 @@
           <p:cNvPr id="5" name="Picture Placeholder 4">
             <a:extLst>
               <a:ext uri="{FF2B5EF4-FFF2-40B4-BE49-F238E27FC236}">
-                <a16:creationId xmlns:a16="http://schemas.microsoft.com/office/drawing/2014/main" xmlns="" id="{14DADB3D-04D6-4DE9-967A-09854C892503}"/>
+                <a16:creationId xmlns="" xmlns:a16="http://schemas.microsoft.com/office/drawing/2014/main" id="{14DADB3D-04D6-4DE9-967A-09854C892503}"/>
               </a:ext>
             </a:extLst>
           </p:cNvPr>
@@ -17685,7 +17747,7 @@
           <p:cNvPr id="7" name="Text Placeholder 6">
             <a:extLst>
               <a:ext uri="{FF2B5EF4-FFF2-40B4-BE49-F238E27FC236}">
-                <a16:creationId xmlns:a16="http://schemas.microsoft.com/office/drawing/2014/main" xmlns="" id="{E6F0EDA4-3B69-4CD7-9631-FDA32B78A6E6}"/>
+                <a16:creationId xmlns="" xmlns:a16="http://schemas.microsoft.com/office/drawing/2014/main" id="{E6F0EDA4-3B69-4CD7-9631-FDA32B78A6E6}"/>
               </a:ext>
             </a:extLst>
           </p:cNvPr>
@@ -17738,7 +17800,7 @@
           <p:cNvPr id="9" name="Title 1">
             <a:extLst>
               <a:ext uri="{FF2B5EF4-FFF2-40B4-BE49-F238E27FC236}">
-                <a16:creationId xmlns:a16="http://schemas.microsoft.com/office/drawing/2014/main" xmlns="" id="{5B1AFCDC-4482-4BE5-8EC1-532183E82F8B}"/>
+                <a16:creationId xmlns="" xmlns:a16="http://schemas.microsoft.com/office/drawing/2014/main" id="{5B1AFCDC-4482-4BE5-8EC1-532183E82F8B}"/>
               </a:ext>
             </a:extLst>
           </p:cNvPr>
@@ -17779,7 +17841,7 @@
           <p:cNvPr id="25" name="Picture Placeholder 4">
             <a:extLst>
               <a:ext uri="{FF2B5EF4-FFF2-40B4-BE49-F238E27FC236}">
-                <a16:creationId xmlns:a16="http://schemas.microsoft.com/office/drawing/2014/main" xmlns="" id="{824ADE96-C5DC-4ECC-9741-2AF62E710F5C}"/>
+                <a16:creationId xmlns="" xmlns:a16="http://schemas.microsoft.com/office/drawing/2014/main" id="{824ADE96-C5DC-4ECC-9741-2AF62E710F5C}"/>
               </a:ext>
             </a:extLst>
           </p:cNvPr>
@@ -17822,7 +17884,7 @@
           <p:cNvPr id="26" name="Picture Placeholder 4">
             <a:extLst>
               <a:ext uri="{FF2B5EF4-FFF2-40B4-BE49-F238E27FC236}">
-                <a16:creationId xmlns:a16="http://schemas.microsoft.com/office/drawing/2014/main" xmlns="" id="{11F13FB7-EAFC-4F61-904A-06E92052DA76}"/>
+                <a16:creationId xmlns="" xmlns:a16="http://schemas.microsoft.com/office/drawing/2014/main" id="{11F13FB7-EAFC-4F61-904A-06E92052DA76}"/>
               </a:ext>
             </a:extLst>
           </p:cNvPr>
@@ -17865,7 +17927,7 @@
           <p:cNvPr id="28" name="Picture Placeholder 4">
             <a:extLst>
               <a:ext uri="{FF2B5EF4-FFF2-40B4-BE49-F238E27FC236}">
-                <a16:creationId xmlns:a16="http://schemas.microsoft.com/office/drawing/2014/main" xmlns="" id="{51B653CA-2181-4414-B253-FE615375FFF9}"/>
+                <a16:creationId xmlns="" xmlns:a16="http://schemas.microsoft.com/office/drawing/2014/main" id="{51B653CA-2181-4414-B253-FE615375FFF9}"/>
               </a:ext>
             </a:extLst>
           </p:cNvPr>
@@ -17908,7 +17970,7 @@
           <p:cNvPr id="29" name="Picture Placeholder 4">
             <a:extLst>
               <a:ext uri="{FF2B5EF4-FFF2-40B4-BE49-F238E27FC236}">
-                <a16:creationId xmlns:a16="http://schemas.microsoft.com/office/drawing/2014/main" xmlns="" id="{BC25F631-0AE1-487C-AC56-836223C64257}"/>
+                <a16:creationId xmlns="" xmlns:a16="http://schemas.microsoft.com/office/drawing/2014/main" id="{BC25F631-0AE1-487C-AC56-836223C64257}"/>
               </a:ext>
             </a:extLst>
           </p:cNvPr>
@@ -17951,7 +18013,7 @@
           <p:cNvPr id="30" name="Picture Placeholder 4">
             <a:extLst>
               <a:ext uri="{FF2B5EF4-FFF2-40B4-BE49-F238E27FC236}">
-                <a16:creationId xmlns:a16="http://schemas.microsoft.com/office/drawing/2014/main" xmlns="" id="{8B1BD9B3-BEAE-4572-8A9F-3553860D0A23}"/>
+                <a16:creationId xmlns="" xmlns:a16="http://schemas.microsoft.com/office/drawing/2014/main" id="{8B1BD9B3-BEAE-4572-8A9F-3553860D0A23}"/>
               </a:ext>
             </a:extLst>
           </p:cNvPr>
@@ -17994,7 +18056,7 @@
           <p:cNvPr id="31" name="Picture Placeholder 4">
             <a:extLst>
               <a:ext uri="{FF2B5EF4-FFF2-40B4-BE49-F238E27FC236}">
-                <a16:creationId xmlns:a16="http://schemas.microsoft.com/office/drawing/2014/main" xmlns="" id="{1F43FC1C-88CF-44C6-AC4E-B9BE8D368935}"/>
+                <a16:creationId xmlns="" xmlns:a16="http://schemas.microsoft.com/office/drawing/2014/main" id="{1F43FC1C-88CF-44C6-AC4E-B9BE8D368935}"/>
               </a:ext>
             </a:extLst>
           </p:cNvPr>
@@ -18037,7 +18099,7 @@
           <p:cNvPr id="32" name="Picture Placeholder 4">
             <a:extLst>
               <a:ext uri="{FF2B5EF4-FFF2-40B4-BE49-F238E27FC236}">
-                <a16:creationId xmlns:a16="http://schemas.microsoft.com/office/drawing/2014/main" xmlns="" id="{3F203F8E-CB34-4932-8439-38A8ECD9624E}"/>
+                <a16:creationId xmlns="" xmlns:a16="http://schemas.microsoft.com/office/drawing/2014/main" id="{3F203F8E-CB34-4932-8439-38A8ECD9624E}"/>
               </a:ext>
             </a:extLst>
           </p:cNvPr>
@@ -18080,7 +18142,7 @@
           <p:cNvPr id="33" name="Picture Placeholder 4">
             <a:extLst>
               <a:ext uri="{FF2B5EF4-FFF2-40B4-BE49-F238E27FC236}">
-                <a16:creationId xmlns:a16="http://schemas.microsoft.com/office/drawing/2014/main" xmlns="" id="{6DB087BA-BE51-4439-8BA7-8AF5ECD4DFA6}"/>
+                <a16:creationId xmlns="" xmlns:a16="http://schemas.microsoft.com/office/drawing/2014/main" id="{6DB087BA-BE51-4439-8BA7-8AF5ECD4DFA6}"/>
               </a:ext>
             </a:extLst>
           </p:cNvPr>
@@ -18153,7 +18215,7 @@
           <p:cNvPr id="29" name="Picture Placeholder 4">
             <a:extLst>
               <a:ext uri="{FF2B5EF4-FFF2-40B4-BE49-F238E27FC236}">
-                <a16:creationId xmlns:a16="http://schemas.microsoft.com/office/drawing/2014/main" xmlns="" id="{BC25F631-0AE1-487C-AC56-836223C64257}"/>
+                <a16:creationId xmlns="" xmlns:a16="http://schemas.microsoft.com/office/drawing/2014/main" id="{BC25F631-0AE1-487C-AC56-836223C64257}"/>
               </a:ext>
             </a:extLst>
           </p:cNvPr>
@@ -18196,7 +18258,7 @@
           <p:cNvPr id="5" name="Picture Placeholder 4">
             <a:extLst>
               <a:ext uri="{FF2B5EF4-FFF2-40B4-BE49-F238E27FC236}">
-                <a16:creationId xmlns:a16="http://schemas.microsoft.com/office/drawing/2014/main" xmlns="" id="{14DADB3D-04D6-4DE9-967A-09854C892503}"/>
+                <a16:creationId xmlns="" xmlns:a16="http://schemas.microsoft.com/office/drawing/2014/main" id="{14DADB3D-04D6-4DE9-967A-09854C892503}"/>
               </a:ext>
             </a:extLst>
           </p:cNvPr>
@@ -18239,7 +18301,7 @@
           <p:cNvPr id="7" name="Text Placeholder 6">
             <a:extLst>
               <a:ext uri="{FF2B5EF4-FFF2-40B4-BE49-F238E27FC236}">
-                <a16:creationId xmlns:a16="http://schemas.microsoft.com/office/drawing/2014/main" xmlns="" id="{E6F0EDA4-3B69-4CD7-9631-FDA32B78A6E6}"/>
+                <a16:creationId xmlns="" xmlns:a16="http://schemas.microsoft.com/office/drawing/2014/main" id="{E6F0EDA4-3B69-4CD7-9631-FDA32B78A6E6}"/>
               </a:ext>
             </a:extLst>
           </p:cNvPr>
@@ -18292,7 +18354,7 @@
           <p:cNvPr id="9" name="Title 1">
             <a:extLst>
               <a:ext uri="{FF2B5EF4-FFF2-40B4-BE49-F238E27FC236}">
-                <a16:creationId xmlns:a16="http://schemas.microsoft.com/office/drawing/2014/main" xmlns="" id="{5B1AFCDC-4482-4BE5-8EC1-532183E82F8B}"/>
+                <a16:creationId xmlns="" xmlns:a16="http://schemas.microsoft.com/office/drawing/2014/main" id="{5B1AFCDC-4482-4BE5-8EC1-532183E82F8B}"/>
               </a:ext>
             </a:extLst>
           </p:cNvPr>
@@ -18333,7 +18395,7 @@
           <p:cNvPr id="25" name="Picture Placeholder 4">
             <a:extLst>
               <a:ext uri="{FF2B5EF4-FFF2-40B4-BE49-F238E27FC236}">
-                <a16:creationId xmlns:a16="http://schemas.microsoft.com/office/drawing/2014/main" xmlns="" id="{824ADE96-C5DC-4ECC-9741-2AF62E710F5C}"/>
+                <a16:creationId xmlns="" xmlns:a16="http://schemas.microsoft.com/office/drawing/2014/main" id="{824ADE96-C5DC-4ECC-9741-2AF62E710F5C}"/>
               </a:ext>
             </a:extLst>
           </p:cNvPr>
@@ -18376,7 +18438,7 @@
           <p:cNvPr id="26" name="Picture Placeholder 4">
             <a:extLst>
               <a:ext uri="{FF2B5EF4-FFF2-40B4-BE49-F238E27FC236}">
-                <a16:creationId xmlns:a16="http://schemas.microsoft.com/office/drawing/2014/main" xmlns="" id="{11F13FB7-EAFC-4F61-904A-06E92052DA76}"/>
+                <a16:creationId xmlns="" xmlns:a16="http://schemas.microsoft.com/office/drawing/2014/main" id="{11F13FB7-EAFC-4F61-904A-06E92052DA76}"/>
               </a:ext>
             </a:extLst>
           </p:cNvPr>
@@ -18419,7 +18481,7 @@
           <p:cNvPr id="28" name="Picture Placeholder 4">
             <a:extLst>
               <a:ext uri="{FF2B5EF4-FFF2-40B4-BE49-F238E27FC236}">
-                <a16:creationId xmlns:a16="http://schemas.microsoft.com/office/drawing/2014/main" xmlns="" id="{51B653CA-2181-4414-B253-FE615375FFF9}"/>
+                <a16:creationId xmlns="" xmlns:a16="http://schemas.microsoft.com/office/drawing/2014/main" id="{51B653CA-2181-4414-B253-FE615375FFF9}"/>
               </a:ext>
             </a:extLst>
           </p:cNvPr>
@@ -18462,7 +18524,7 @@
           <p:cNvPr id="31" name="Picture Placeholder 4">
             <a:extLst>
               <a:ext uri="{FF2B5EF4-FFF2-40B4-BE49-F238E27FC236}">
-                <a16:creationId xmlns:a16="http://schemas.microsoft.com/office/drawing/2014/main" xmlns="" id="{1F43FC1C-88CF-44C6-AC4E-B9BE8D368935}"/>
+                <a16:creationId xmlns="" xmlns:a16="http://schemas.microsoft.com/office/drawing/2014/main" id="{1F43FC1C-88CF-44C6-AC4E-B9BE8D368935}"/>
               </a:ext>
             </a:extLst>
           </p:cNvPr>
@@ -18505,7 +18567,7 @@
           <p:cNvPr id="33" name="Picture Placeholder 4">
             <a:extLst>
               <a:ext uri="{FF2B5EF4-FFF2-40B4-BE49-F238E27FC236}">
-                <a16:creationId xmlns:a16="http://schemas.microsoft.com/office/drawing/2014/main" xmlns="" id="{6DB087BA-BE51-4439-8BA7-8AF5ECD4DFA6}"/>
+                <a16:creationId xmlns="" xmlns:a16="http://schemas.microsoft.com/office/drawing/2014/main" id="{6DB087BA-BE51-4439-8BA7-8AF5ECD4DFA6}"/>
               </a:ext>
             </a:extLst>
           </p:cNvPr>
@@ -18672,7 +18734,7 @@
           <p:cNvPr id="2" name="Group 1">
             <a:extLst>
               <a:ext uri="{FF2B5EF4-FFF2-40B4-BE49-F238E27FC236}">
-                <a16:creationId xmlns:a16="http://schemas.microsoft.com/office/drawing/2014/main" xmlns="" id="{874D17E6-917E-4CEC-950D-286565587A89}"/>
+                <a16:creationId xmlns="" xmlns:a16="http://schemas.microsoft.com/office/drawing/2014/main" id="{874D17E6-917E-4CEC-950D-286565587A89}"/>
               </a:ext>
             </a:extLst>
           </p:cNvPr>
@@ -18692,7 +18754,7 @@
             <p:cNvPr id="10" name="Straight Connector 9">
               <a:extLst>
                 <a:ext uri="{FF2B5EF4-FFF2-40B4-BE49-F238E27FC236}">
-                  <a16:creationId xmlns:a16="http://schemas.microsoft.com/office/drawing/2014/main" xmlns="" id="{9140F6FE-87BA-43C0-ABEF-21A3AEC23039}"/>
+                  <a16:creationId xmlns="" xmlns:a16="http://schemas.microsoft.com/office/drawing/2014/main" id="{9140F6FE-87BA-43C0-ABEF-21A3AEC23039}"/>
                 </a:ext>
               </a:extLst>
             </p:cNvPr>
@@ -18735,7 +18797,7 @@
             <p:cNvPr id="12" name="Picture 11">
               <a:extLst>
                 <a:ext uri="{FF2B5EF4-FFF2-40B4-BE49-F238E27FC236}">
-                  <a16:creationId xmlns:a16="http://schemas.microsoft.com/office/drawing/2014/main" xmlns="" id="{F7B41BA2-520F-4160-9574-35B160DDFDCB}"/>
+                  <a16:creationId xmlns="" xmlns:a16="http://schemas.microsoft.com/office/drawing/2014/main" id="{F7B41BA2-520F-4160-9574-35B160DDFDCB}"/>
                 </a:ext>
               </a:extLst>
             </p:cNvPr>
@@ -18772,7 +18834,7 @@
             <p:cNvPr id="13" name="Group 12">
               <a:extLst>
                 <a:ext uri="{FF2B5EF4-FFF2-40B4-BE49-F238E27FC236}">
-                  <a16:creationId xmlns:a16="http://schemas.microsoft.com/office/drawing/2014/main" xmlns="" id="{5754AE95-74E7-475C-9849-33EBD44DDC4B}"/>
+                  <a16:creationId xmlns="" xmlns:a16="http://schemas.microsoft.com/office/drawing/2014/main" id="{5754AE95-74E7-475C-9849-33EBD44DDC4B}"/>
                 </a:ext>
               </a:extLst>
             </p:cNvPr>
@@ -18792,7 +18854,7 @@
               <p:cNvPr id="14" name="Picture 13">
                 <a:extLst>
                   <a:ext uri="{FF2B5EF4-FFF2-40B4-BE49-F238E27FC236}">
-                    <a16:creationId xmlns:a16="http://schemas.microsoft.com/office/drawing/2014/main" xmlns="" id="{36450F7E-8E5F-4A06-934E-44928F9E159D}"/>
+                    <a16:creationId xmlns="" xmlns:a16="http://schemas.microsoft.com/office/drawing/2014/main" id="{36450F7E-8E5F-4A06-934E-44928F9E159D}"/>
                   </a:ext>
                 </a:extLst>
               </p:cNvPr>
@@ -18829,7 +18891,7 @@
               <p:cNvPr id="16" name="Picture 15">
                 <a:extLst>
                   <a:ext uri="{FF2B5EF4-FFF2-40B4-BE49-F238E27FC236}">
-                    <a16:creationId xmlns:a16="http://schemas.microsoft.com/office/drawing/2014/main" xmlns="" id="{93E9C61E-EECF-453F-A9A1-10AEDED67173}"/>
+                    <a16:creationId xmlns="" xmlns:a16="http://schemas.microsoft.com/office/drawing/2014/main" id="{93E9C61E-EECF-453F-A9A1-10AEDED67173}"/>
                   </a:ext>
                 </a:extLst>
               </p:cNvPr>
@@ -18866,7 +18928,7 @@
               <p:cNvPr id="17" name="Picture 16">
                 <a:extLst>
                   <a:ext uri="{FF2B5EF4-FFF2-40B4-BE49-F238E27FC236}">
-                    <a16:creationId xmlns:a16="http://schemas.microsoft.com/office/drawing/2014/main" xmlns="" id="{E806F4E7-08A6-4FB1-B047-255D9CA3363B}"/>
+                    <a16:creationId xmlns="" xmlns:a16="http://schemas.microsoft.com/office/drawing/2014/main" id="{E806F4E7-08A6-4FB1-B047-255D9CA3363B}"/>
                   </a:ext>
                 </a:extLst>
               </p:cNvPr>
@@ -18903,7 +18965,7 @@
               <p:cNvPr id="18" name="Picture 17">
                 <a:extLst>
                   <a:ext uri="{FF2B5EF4-FFF2-40B4-BE49-F238E27FC236}">
-                    <a16:creationId xmlns:a16="http://schemas.microsoft.com/office/drawing/2014/main" xmlns="" id="{7084AF1D-2556-4F4F-AAF7-4043D927C9AF}"/>
+                    <a16:creationId xmlns="" xmlns:a16="http://schemas.microsoft.com/office/drawing/2014/main" id="{7084AF1D-2556-4F4F-AAF7-4043D927C9AF}"/>
                   </a:ext>
                 </a:extLst>
               </p:cNvPr>
@@ -18940,7 +19002,7 @@
               <p:cNvPr id="19" name="Picture 18">
                 <a:extLst>
                   <a:ext uri="{FF2B5EF4-FFF2-40B4-BE49-F238E27FC236}">
-                    <a16:creationId xmlns:a16="http://schemas.microsoft.com/office/drawing/2014/main" xmlns="" id="{84204CB6-6B6E-4330-A9DB-B191FEF9793F}"/>
+                    <a16:creationId xmlns="" xmlns:a16="http://schemas.microsoft.com/office/drawing/2014/main" id="{84204CB6-6B6E-4330-A9DB-B191FEF9793F}"/>
                   </a:ext>
                 </a:extLst>
               </p:cNvPr>
@@ -18977,7 +19039,7 @@
               <p:cNvPr id="20" name="Picture 19">
                 <a:extLst>
                   <a:ext uri="{FF2B5EF4-FFF2-40B4-BE49-F238E27FC236}">
-                    <a16:creationId xmlns:a16="http://schemas.microsoft.com/office/drawing/2014/main" xmlns="" id="{674B8B85-BBB3-437A-8456-CD5EDB81837E}"/>
+                    <a16:creationId xmlns="" xmlns:a16="http://schemas.microsoft.com/office/drawing/2014/main" id="{674B8B85-BBB3-437A-8456-CD5EDB81837E}"/>
                   </a:ext>
                 </a:extLst>
               </p:cNvPr>
@@ -19046,7 +19108,7 @@
           <p:cNvPr id="5" name="Picture Placeholder 4">
             <a:extLst>
               <a:ext uri="{FF2B5EF4-FFF2-40B4-BE49-F238E27FC236}">
-                <a16:creationId xmlns:a16="http://schemas.microsoft.com/office/drawing/2014/main" xmlns="" id="{14DADB3D-04D6-4DE9-967A-09854C892503}"/>
+                <a16:creationId xmlns="" xmlns:a16="http://schemas.microsoft.com/office/drawing/2014/main" id="{14DADB3D-04D6-4DE9-967A-09854C892503}"/>
               </a:ext>
             </a:extLst>
           </p:cNvPr>
@@ -19089,7 +19151,7 @@
           <p:cNvPr id="7" name="Text Placeholder 6">
             <a:extLst>
               <a:ext uri="{FF2B5EF4-FFF2-40B4-BE49-F238E27FC236}">
-                <a16:creationId xmlns:a16="http://schemas.microsoft.com/office/drawing/2014/main" xmlns="" id="{E6F0EDA4-3B69-4CD7-9631-FDA32B78A6E6}"/>
+                <a16:creationId xmlns="" xmlns:a16="http://schemas.microsoft.com/office/drawing/2014/main" id="{E6F0EDA4-3B69-4CD7-9631-FDA32B78A6E6}"/>
               </a:ext>
             </a:extLst>
           </p:cNvPr>
@@ -19142,7 +19204,7 @@
           <p:cNvPr id="9" name="Title 1">
             <a:extLst>
               <a:ext uri="{FF2B5EF4-FFF2-40B4-BE49-F238E27FC236}">
-                <a16:creationId xmlns:a16="http://schemas.microsoft.com/office/drawing/2014/main" xmlns="" id="{5B1AFCDC-4482-4BE5-8EC1-532183E82F8B}"/>
+                <a16:creationId xmlns="" xmlns:a16="http://schemas.microsoft.com/office/drawing/2014/main" id="{5B1AFCDC-4482-4BE5-8EC1-532183E82F8B}"/>
               </a:ext>
             </a:extLst>
           </p:cNvPr>
@@ -19183,7 +19245,7 @@
           <p:cNvPr id="26" name="Picture Placeholder 4">
             <a:extLst>
               <a:ext uri="{FF2B5EF4-FFF2-40B4-BE49-F238E27FC236}">
-                <a16:creationId xmlns:a16="http://schemas.microsoft.com/office/drawing/2014/main" xmlns="" id="{11F13FB7-EAFC-4F61-904A-06E92052DA76}"/>
+                <a16:creationId xmlns="" xmlns:a16="http://schemas.microsoft.com/office/drawing/2014/main" id="{11F13FB7-EAFC-4F61-904A-06E92052DA76}"/>
               </a:ext>
             </a:extLst>
           </p:cNvPr>
@@ -19226,7 +19288,7 @@
           <p:cNvPr id="28" name="Picture Placeholder 4">
             <a:extLst>
               <a:ext uri="{FF2B5EF4-FFF2-40B4-BE49-F238E27FC236}">
-                <a16:creationId xmlns:a16="http://schemas.microsoft.com/office/drawing/2014/main" xmlns="" id="{51B653CA-2181-4414-B253-FE615375FFF9}"/>
+                <a16:creationId xmlns="" xmlns:a16="http://schemas.microsoft.com/office/drawing/2014/main" id="{51B653CA-2181-4414-B253-FE615375FFF9}"/>
               </a:ext>
             </a:extLst>
           </p:cNvPr>
@@ -19269,7 +19331,7 @@
           <p:cNvPr id="30" name="Picture Placeholder 4">
             <a:extLst>
               <a:ext uri="{FF2B5EF4-FFF2-40B4-BE49-F238E27FC236}">
-                <a16:creationId xmlns:a16="http://schemas.microsoft.com/office/drawing/2014/main" xmlns="" id="{8B1BD9B3-BEAE-4572-8A9F-3553860D0A23}"/>
+                <a16:creationId xmlns="" xmlns:a16="http://schemas.microsoft.com/office/drawing/2014/main" id="{8B1BD9B3-BEAE-4572-8A9F-3553860D0A23}"/>
               </a:ext>
             </a:extLst>
           </p:cNvPr>
@@ -19312,7 +19374,7 @@
           <p:cNvPr id="32" name="Picture Placeholder 4">
             <a:extLst>
               <a:ext uri="{FF2B5EF4-FFF2-40B4-BE49-F238E27FC236}">
-                <a16:creationId xmlns:a16="http://schemas.microsoft.com/office/drawing/2014/main" xmlns="" id="{3F203F8E-CB34-4932-8439-38A8ECD9624E}"/>
+                <a16:creationId xmlns="" xmlns:a16="http://schemas.microsoft.com/office/drawing/2014/main" id="{3F203F8E-CB34-4932-8439-38A8ECD9624E}"/>
               </a:ext>
             </a:extLst>
           </p:cNvPr>
@@ -19355,7 +19417,7 @@
           <p:cNvPr id="3" name="Straight Connector 2">
             <a:extLst>
               <a:ext uri="{FF2B5EF4-FFF2-40B4-BE49-F238E27FC236}">
-                <a16:creationId xmlns:a16="http://schemas.microsoft.com/office/drawing/2014/main" xmlns="" id="{8C0A27AC-3DDA-4888-B685-8E687DB5FECB}"/>
+                <a16:creationId xmlns="" xmlns:a16="http://schemas.microsoft.com/office/drawing/2014/main" id="{8C0A27AC-3DDA-4888-B685-8E687DB5FECB}"/>
               </a:ext>
             </a:extLst>
           </p:cNvPr>
@@ -19396,7 +19458,7 @@
           <p:cNvPr id="6" name="Text Placeholder 5">
             <a:extLst>
               <a:ext uri="{FF2B5EF4-FFF2-40B4-BE49-F238E27FC236}">
-                <a16:creationId xmlns:a16="http://schemas.microsoft.com/office/drawing/2014/main" xmlns="" id="{AF3EC476-4507-4A10-BEF8-B7935B7A2393}"/>
+                <a16:creationId xmlns="" xmlns:a16="http://schemas.microsoft.com/office/drawing/2014/main" id="{AF3EC476-4507-4A10-BEF8-B7935B7A2393}"/>
               </a:ext>
             </a:extLst>
           </p:cNvPr>
@@ -19447,7 +19509,7 @@
           <p:cNvPr id="18" name="Text Placeholder 5">
             <a:extLst>
               <a:ext uri="{FF2B5EF4-FFF2-40B4-BE49-F238E27FC236}">
-                <a16:creationId xmlns:a16="http://schemas.microsoft.com/office/drawing/2014/main" xmlns="" id="{31E5ACED-7CDB-4347-A64C-D00D31F0A23D}"/>
+                <a16:creationId xmlns="" xmlns:a16="http://schemas.microsoft.com/office/drawing/2014/main" id="{31E5ACED-7CDB-4347-A64C-D00D31F0A23D}"/>
               </a:ext>
             </a:extLst>
           </p:cNvPr>
@@ -19498,7 +19560,7 @@
           <p:cNvPr id="19" name="Straight Connector 18">
             <a:extLst>
               <a:ext uri="{FF2B5EF4-FFF2-40B4-BE49-F238E27FC236}">
-                <a16:creationId xmlns:a16="http://schemas.microsoft.com/office/drawing/2014/main" xmlns="" id="{FFAF44B1-7854-4367-ACF5-6BFB046DCA0F}"/>
+                <a16:creationId xmlns="" xmlns:a16="http://schemas.microsoft.com/office/drawing/2014/main" id="{FFAF44B1-7854-4367-ACF5-6BFB046DCA0F}"/>
               </a:ext>
             </a:extLst>
           </p:cNvPr>
@@ -19539,7 +19601,7 @@
           <p:cNvPr id="20" name="Text Placeholder 5">
             <a:extLst>
               <a:ext uri="{FF2B5EF4-FFF2-40B4-BE49-F238E27FC236}">
-                <a16:creationId xmlns:a16="http://schemas.microsoft.com/office/drawing/2014/main" xmlns="" id="{2402A0DD-49E3-43AA-BA12-2C702DE21847}"/>
+                <a16:creationId xmlns="" xmlns:a16="http://schemas.microsoft.com/office/drawing/2014/main" id="{2402A0DD-49E3-43AA-BA12-2C702DE21847}"/>
               </a:ext>
             </a:extLst>
           </p:cNvPr>
@@ -19590,7 +19652,7 @@
           <p:cNvPr id="21" name="Text Placeholder 5">
             <a:extLst>
               <a:ext uri="{FF2B5EF4-FFF2-40B4-BE49-F238E27FC236}">
-                <a16:creationId xmlns:a16="http://schemas.microsoft.com/office/drawing/2014/main" xmlns="" id="{1A8791D8-F9F9-445E-BC06-89C252BF3DD8}"/>
+                <a16:creationId xmlns="" xmlns:a16="http://schemas.microsoft.com/office/drawing/2014/main" id="{1A8791D8-F9F9-445E-BC06-89C252BF3DD8}"/>
               </a:ext>
             </a:extLst>
           </p:cNvPr>
@@ -19641,7 +19703,7 @@
           <p:cNvPr id="22" name="Straight Connector 21">
             <a:extLst>
               <a:ext uri="{FF2B5EF4-FFF2-40B4-BE49-F238E27FC236}">
-                <a16:creationId xmlns:a16="http://schemas.microsoft.com/office/drawing/2014/main" xmlns="" id="{6381A253-73F7-47FC-957F-BCCE9FF6CFB2}"/>
+                <a16:creationId xmlns="" xmlns:a16="http://schemas.microsoft.com/office/drawing/2014/main" id="{6381A253-73F7-47FC-957F-BCCE9FF6CFB2}"/>
               </a:ext>
             </a:extLst>
           </p:cNvPr>
@@ -19682,7 +19744,7 @@
           <p:cNvPr id="23" name="Text Placeholder 5">
             <a:extLst>
               <a:ext uri="{FF2B5EF4-FFF2-40B4-BE49-F238E27FC236}">
-                <a16:creationId xmlns:a16="http://schemas.microsoft.com/office/drawing/2014/main" xmlns="" id="{CAF77ACC-4F86-4A40-BD14-CA2346F9BF3B}"/>
+                <a16:creationId xmlns="" xmlns:a16="http://schemas.microsoft.com/office/drawing/2014/main" id="{CAF77ACC-4F86-4A40-BD14-CA2346F9BF3B}"/>
               </a:ext>
             </a:extLst>
           </p:cNvPr>
@@ -19733,7 +19795,7 @@
           <p:cNvPr id="24" name="Text Placeholder 5">
             <a:extLst>
               <a:ext uri="{FF2B5EF4-FFF2-40B4-BE49-F238E27FC236}">
-                <a16:creationId xmlns:a16="http://schemas.microsoft.com/office/drawing/2014/main" xmlns="" id="{CCE2DE24-06E3-4EEC-87DC-E6510B5CAB66}"/>
+                <a16:creationId xmlns="" xmlns:a16="http://schemas.microsoft.com/office/drawing/2014/main" id="{CCE2DE24-06E3-4EEC-87DC-E6510B5CAB66}"/>
               </a:ext>
             </a:extLst>
           </p:cNvPr>
@@ -19784,7 +19846,7 @@
           <p:cNvPr id="34" name="Straight Connector 33">
             <a:extLst>
               <a:ext uri="{FF2B5EF4-FFF2-40B4-BE49-F238E27FC236}">
-                <a16:creationId xmlns:a16="http://schemas.microsoft.com/office/drawing/2014/main" xmlns="" id="{D5F52AC8-6688-4F1C-92A4-B981297CADA6}"/>
+                <a16:creationId xmlns="" xmlns:a16="http://schemas.microsoft.com/office/drawing/2014/main" id="{D5F52AC8-6688-4F1C-92A4-B981297CADA6}"/>
               </a:ext>
             </a:extLst>
           </p:cNvPr>
@@ -19825,7 +19887,7 @@
           <p:cNvPr id="35" name="Text Placeholder 5">
             <a:extLst>
               <a:ext uri="{FF2B5EF4-FFF2-40B4-BE49-F238E27FC236}">
-                <a16:creationId xmlns:a16="http://schemas.microsoft.com/office/drawing/2014/main" xmlns="" id="{49DF3A04-911F-44D9-8583-4DDB84A348AB}"/>
+                <a16:creationId xmlns="" xmlns:a16="http://schemas.microsoft.com/office/drawing/2014/main" id="{49DF3A04-911F-44D9-8583-4DDB84A348AB}"/>
               </a:ext>
             </a:extLst>
           </p:cNvPr>
@@ -19876,7 +19938,7 @@
           <p:cNvPr id="36" name="Text Placeholder 5">
             <a:extLst>
               <a:ext uri="{FF2B5EF4-FFF2-40B4-BE49-F238E27FC236}">
-                <a16:creationId xmlns:a16="http://schemas.microsoft.com/office/drawing/2014/main" xmlns="" id="{AD0F42BD-98A6-48A2-BF58-4675FDE5646D}"/>
+                <a16:creationId xmlns="" xmlns:a16="http://schemas.microsoft.com/office/drawing/2014/main" id="{AD0F42BD-98A6-48A2-BF58-4675FDE5646D}"/>
               </a:ext>
             </a:extLst>
           </p:cNvPr>
@@ -19927,7 +19989,7 @@
           <p:cNvPr id="37" name="Straight Connector 36">
             <a:extLst>
               <a:ext uri="{FF2B5EF4-FFF2-40B4-BE49-F238E27FC236}">
-                <a16:creationId xmlns:a16="http://schemas.microsoft.com/office/drawing/2014/main" xmlns="" id="{BAFFCC89-3FBF-49BE-86A1-6E4A0422671E}"/>
+                <a16:creationId xmlns="" xmlns:a16="http://schemas.microsoft.com/office/drawing/2014/main" id="{BAFFCC89-3FBF-49BE-86A1-6E4A0422671E}"/>
               </a:ext>
             </a:extLst>
           </p:cNvPr>
@@ -19968,7 +20030,7 @@
           <p:cNvPr id="38" name="Text Placeholder 5">
             <a:extLst>
               <a:ext uri="{FF2B5EF4-FFF2-40B4-BE49-F238E27FC236}">
-                <a16:creationId xmlns:a16="http://schemas.microsoft.com/office/drawing/2014/main" xmlns="" id="{3263C633-7B80-4D78-97B9-D0FBC45FFAB6}"/>
+                <a16:creationId xmlns="" xmlns:a16="http://schemas.microsoft.com/office/drawing/2014/main" id="{3263C633-7B80-4D78-97B9-D0FBC45FFAB6}"/>
               </a:ext>
             </a:extLst>
           </p:cNvPr>
@@ -20019,7 +20081,7 @@
           <p:cNvPr id="39" name="Text Placeholder 5">
             <a:extLst>
               <a:ext uri="{FF2B5EF4-FFF2-40B4-BE49-F238E27FC236}">
-                <a16:creationId xmlns:a16="http://schemas.microsoft.com/office/drawing/2014/main" xmlns="" id="{3991F402-9E5A-4E57-B18E-DDB6027C16E2}"/>
+                <a16:creationId xmlns="" xmlns:a16="http://schemas.microsoft.com/office/drawing/2014/main" id="{3991F402-9E5A-4E57-B18E-DDB6027C16E2}"/>
               </a:ext>
             </a:extLst>
           </p:cNvPr>
@@ -20213,7 +20275,7 @@
           <p:cNvPr id="7" name="Text Placeholder 6">
             <a:extLst>
               <a:ext uri="{FF2B5EF4-FFF2-40B4-BE49-F238E27FC236}">
-                <a16:creationId xmlns:a16="http://schemas.microsoft.com/office/drawing/2014/main" xmlns="" id="{EF3DC44F-A27C-44C5-B1EB-1C401464D90B}"/>
+                <a16:creationId xmlns="" xmlns:a16="http://schemas.microsoft.com/office/drawing/2014/main" id="{EF3DC44F-A27C-44C5-B1EB-1C401464D90B}"/>
               </a:ext>
             </a:extLst>
           </p:cNvPr>
@@ -20266,7 +20328,7 @@
           <p:cNvPr id="8" name="Title 1">
             <a:extLst>
               <a:ext uri="{FF2B5EF4-FFF2-40B4-BE49-F238E27FC236}">
-                <a16:creationId xmlns:a16="http://schemas.microsoft.com/office/drawing/2014/main" xmlns="" id="{0511C997-15AC-4410-B8D7-064B6019F802}"/>
+                <a16:creationId xmlns="" xmlns:a16="http://schemas.microsoft.com/office/drawing/2014/main" id="{0511C997-15AC-4410-B8D7-064B6019F802}"/>
               </a:ext>
             </a:extLst>
           </p:cNvPr>
@@ -20307,7 +20369,7 @@
           <p:cNvPr id="12" name="TextBox 11">
             <a:extLst>
               <a:ext uri="{FF2B5EF4-FFF2-40B4-BE49-F238E27FC236}">
-                <a16:creationId xmlns:a16="http://schemas.microsoft.com/office/drawing/2014/main" xmlns="" id="{A1F0C5EA-05ED-4515-B665-500CCFF83108}"/>
+                <a16:creationId xmlns="" xmlns:a16="http://schemas.microsoft.com/office/drawing/2014/main" id="{A1F0C5EA-05ED-4515-B665-500CCFF83108}"/>
               </a:ext>
             </a:extLst>
           </p:cNvPr>
@@ -20357,7 +20419,7 @@
           <p:cNvPr id="10" name="Picture 9">
             <a:extLst>
               <a:ext uri="{FF2B5EF4-FFF2-40B4-BE49-F238E27FC236}">
-                <a16:creationId xmlns:a16="http://schemas.microsoft.com/office/drawing/2014/main" xmlns="" id="{B5E81BBD-FD6B-4688-AE48-C55880EC263F}"/>
+                <a16:creationId xmlns="" xmlns:a16="http://schemas.microsoft.com/office/drawing/2014/main" id="{B5E81BBD-FD6B-4688-AE48-C55880EC263F}"/>
               </a:ext>
             </a:extLst>
           </p:cNvPr>
@@ -20536,7 +20598,7 @@
           <p:cNvPr id="8" name="Picture 7">
             <a:extLst>
               <a:ext uri="{FF2B5EF4-FFF2-40B4-BE49-F238E27FC236}">
-                <a16:creationId xmlns:a16="http://schemas.microsoft.com/office/drawing/2014/main" xmlns="" id="{49B19D3B-144A-42B7-88D7-5542C0FB8BDB}"/>
+                <a16:creationId xmlns="" xmlns:a16="http://schemas.microsoft.com/office/drawing/2014/main" id="{49B19D3B-144A-42B7-88D7-5542C0FB8BDB}"/>
               </a:ext>
             </a:extLst>
           </p:cNvPr>
@@ -20572,7 +20634,7 @@
           <p:cNvPr id="11" name="Text Placeholder 6">
             <a:extLst>
               <a:ext uri="{FF2B5EF4-FFF2-40B4-BE49-F238E27FC236}">
-                <a16:creationId xmlns:a16="http://schemas.microsoft.com/office/drawing/2014/main" xmlns="" id="{6246855B-B75B-4CFF-9A80-2B7EA423800D}"/>
+                <a16:creationId xmlns="" xmlns:a16="http://schemas.microsoft.com/office/drawing/2014/main" id="{6246855B-B75B-4CFF-9A80-2B7EA423800D}"/>
               </a:ext>
             </a:extLst>
           </p:cNvPr>
@@ -20625,7 +20687,7 @@
           <p:cNvPr id="12" name="Title 1">
             <a:extLst>
               <a:ext uri="{FF2B5EF4-FFF2-40B4-BE49-F238E27FC236}">
-                <a16:creationId xmlns:a16="http://schemas.microsoft.com/office/drawing/2014/main" xmlns="" id="{0E297013-4D40-4178-9800-AE717779CA1A}"/>
+                <a16:creationId xmlns="" xmlns:a16="http://schemas.microsoft.com/office/drawing/2014/main" id="{0E297013-4D40-4178-9800-AE717779CA1A}"/>
               </a:ext>
             </a:extLst>
           </p:cNvPr>
@@ -20666,7 +20728,7 @@
           <p:cNvPr id="7" name="Group 6">
             <a:extLst>
               <a:ext uri="{FF2B5EF4-FFF2-40B4-BE49-F238E27FC236}">
-                <a16:creationId xmlns:a16="http://schemas.microsoft.com/office/drawing/2014/main" xmlns="" id="{4B3E617D-293D-4BB5-8F23-78F186F4D823}"/>
+                <a16:creationId xmlns="" xmlns:a16="http://schemas.microsoft.com/office/drawing/2014/main" id="{4B3E617D-293D-4BB5-8F23-78F186F4D823}"/>
               </a:ext>
             </a:extLst>
           </p:cNvPr>
@@ -20686,7 +20748,7 @@
             <p:cNvPr id="10" name="Picture 9">
               <a:extLst>
                 <a:ext uri="{FF2B5EF4-FFF2-40B4-BE49-F238E27FC236}">
-                  <a16:creationId xmlns:a16="http://schemas.microsoft.com/office/drawing/2014/main" xmlns="" id="{FCB9AAC0-E020-4527-A4A2-1BAF10A64345}"/>
+                  <a16:creationId xmlns="" xmlns:a16="http://schemas.microsoft.com/office/drawing/2014/main" id="{FCB9AAC0-E020-4527-A4A2-1BAF10A64345}"/>
                 </a:ext>
               </a:extLst>
             </p:cNvPr>
@@ -20730,7 +20792,7 @@
             <p:cNvPr id="13" name="Picture 12">
               <a:extLst>
                 <a:ext uri="{FF2B5EF4-FFF2-40B4-BE49-F238E27FC236}">
-                  <a16:creationId xmlns:a16="http://schemas.microsoft.com/office/drawing/2014/main" xmlns="" id="{541FA1DB-BA93-4169-9FE7-EA370854285D}"/>
+                  <a16:creationId xmlns="" xmlns:a16="http://schemas.microsoft.com/office/drawing/2014/main" id="{541FA1DB-BA93-4169-9FE7-EA370854285D}"/>
                 </a:ext>
               </a:extLst>
             </p:cNvPr>
@@ -20774,7 +20836,7 @@
             <p:cNvPr id="14" name="Picture 13">
               <a:extLst>
                 <a:ext uri="{FF2B5EF4-FFF2-40B4-BE49-F238E27FC236}">
-                  <a16:creationId xmlns:a16="http://schemas.microsoft.com/office/drawing/2014/main" xmlns="" id="{35A8DC9A-DB20-4753-89A9-B584089F9544}"/>
+                  <a16:creationId xmlns="" xmlns:a16="http://schemas.microsoft.com/office/drawing/2014/main" id="{35A8DC9A-DB20-4753-89A9-B584089F9544}"/>
                 </a:ext>
               </a:extLst>
             </p:cNvPr>
@@ -20827,7 +20889,7 @@
             <p:cNvPr id="15" name="Picture 14">
               <a:extLst>
                 <a:ext uri="{FF2B5EF4-FFF2-40B4-BE49-F238E27FC236}">
-                  <a16:creationId xmlns:a16="http://schemas.microsoft.com/office/drawing/2014/main" xmlns="" id="{D8D68EC4-C3B4-44C6-89CB-D57A81F721F2}"/>
+                  <a16:creationId xmlns="" xmlns:a16="http://schemas.microsoft.com/office/drawing/2014/main" id="{D8D68EC4-C3B4-44C6-89CB-D57A81F721F2}"/>
                 </a:ext>
               </a:extLst>
             </p:cNvPr>
@@ -20965,7 +21027,7 @@
           <p:cNvPr id="10" name="Text Placeholder 2">
             <a:extLst>
               <a:ext uri="{FF2B5EF4-FFF2-40B4-BE49-F238E27FC236}">
-                <a16:creationId xmlns:a16="http://schemas.microsoft.com/office/drawing/2014/main" xmlns="" id="{B09CA424-958C-400F-8E6E-189C42E1E999}"/>
+                <a16:creationId xmlns="" xmlns:a16="http://schemas.microsoft.com/office/drawing/2014/main" id="{B09CA424-958C-400F-8E6E-189C42E1E999}"/>
               </a:ext>
             </a:extLst>
           </p:cNvPr>
@@ -21021,7 +21083,7 @@
           <p:cNvPr id="12" name="Picture 11">
             <a:extLst>
               <a:ext uri="{FF2B5EF4-FFF2-40B4-BE49-F238E27FC236}">
-                <a16:creationId xmlns:a16="http://schemas.microsoft.com/office/drawing/2014/main" xmlns="" id="{00CA1440-A84B-4AC2-AF84-55168595EE06}"/>
+                <a16:creationId xmlns="" xmlns:a16="http://schemas.microsoft.com/office/drawing/2014/main" id="{00CA1440-A84B-4AC2-AF84-55168595EE06}"/>
               </a:ext>
             </a:extLst>
           </p:cNvPr>
@@ -21057,7 +21119,7 @@
           <p:cNvPr id="6" name="Text Placeholder 2">
             <a:extLst>
               <a:ext uri="{FF2B5EF4-FFF2-40B4-BE49-F238E27FC236}">
-                <a16:creationId xmlns:a16="http://schemas.microsoft.com/office/drawing/2014/main" xmlns="" id="{39ED925B-AAB2-4A81-8884-9C64BC8134D3}"/>
+                <a16:creationId xmlns="" xmlns:a16="http://schemas.microsoft.com/office/drawing/2014/main" id="{39ED925B-AAB2-4A81-8884-9C64BC8134D3}"/>
               </a:ext>
             </a:extLst>
           </p:cNvPr>
@@ -21113,7 +21175,7 @@
           <p:cNvPr id="4" name="Text Placeholder 3">
             <a:extLst>
               <a:ext uri="{FF2B5EF4-FFF2-40B4-BE49-F238E27FC236}">
-                <a16:creationId xmlns:a16="http://schemas.microsoft.com/office/drawing/2014/main" xmlns="" id="{3CEB1006-472D-450E-A743-215EF03F540D}"/>
+                <a16:creationId xmlns="" xmlns:a16="http://schemas.microsoft.com/office/drawing/2014/main" id="{3CEB1006-472D-450E-A743-215EF03F540D}"/>
               </a:ext>
             </a:extLst>
           </p:cNvPr>
@@ -21184,7 +21246,7 @@
           <p:cNvPr id="8" name="Straight Connector 7">
             <a:extLst>
               <a:ext uri="{FF2B5EF4-FFF2-40B4-BE49-F238E27FC236}">
-                <a16:creationId xmlns:a16="http://schemas.microsoft.com/office/drawing/2014/main" xmlns="" id="{00286CCD-B0B0-4B2D-9C8E-07D945B0D9E8}"/>
+                <a16:creationId xmlns="" xmlns:a16="http://schemas.microsoft.com/office/drawing/2014/main" id="{00286CCD-B0B0-4B2D-9C8E-07D945B0D9E8}"/>
               </a:ext>
             </a:extLst>
           </p:cNvPr>
@@ -21220,7 +21282,7 @@
           <p:cNvPr id="16" name="Text Placeholder 2">
             <a:extLst>
               <a:ext uri="{FF2B5EF4-FFF2-40B4-BE49-F238E27FC236}">
-                <a16:creationId xmlns:a16="http://schemas.microsoft.com/office/drawing/2014/main" xmlns="" id="{08CB7F85-6EAD-42F4-933E-5AB013EF4003}"/>
+                <a16:creationId xmlns="" xmlns:a16="http://schemas.microsoft.com/office/drawing/2014/main" id="{08CB7F85-6EAD-42F4-933E-5AB013EF4003}"/>
               </a:ext>
             </a:extLst>
           </p:cNvPr>
@@ -21276,7 +21338,7 @@
           <p:cNvPr id="18" name="Content Placeholder 17">
             <a:extLst>
               <a:ext uri="{FF2B5EF4-FFF2-40B4-BE49-F238E27FC236}">
-                <a16:creationId xmlns:a16="http://schemas.microsoft.com/office/drawing/2014/main" xmlns="" id="{B2D76AE6-2501-4EE8-B142-20B9615FEF0B}"/>
+                <a16:creationId xmlns="" xmlns:a16="http://schemas.microsoft.com/office/drawing/2014/main" id="{B2D76AE6-2501-4EE8-B142-20B9615FEF0B}"/>
               </a:ext>
             </a:extLst>
           </p:cNvPr>
@@ -21316,7 +21378,7 @@
           <p:cNvPr id="19" name="Content Placeholder 17">
             <a:extLst>
               <a:ext uri="{FF2B5EF4-FFF2-40B4-BE49-F238E27FC236}">
-                <a16:creationId xmlns:a16="http://schemas.microsoft.com/office/drawing/2014/main" xmlns="" id="{200E80DA-0C11-4003-8976-DB451069FE16}"/>
+                <a16:creationId xmlns="" xmlns:a16="http://schemas.microsoft.com/office/drawing/2014/main" id="{200E80DA-0C11-4003-8976-DB451069FE16}"/>
               </a:ext>
             </a:extLst>
           </p:cNvPr>
@@ -21356,7 +21418,7 @@
           <p:cNvPr id="20" name="Rectangle 19">
             <a:extLst>
               <a:ext uri="{FF2B5EF4-FFF2-40B4-BE49-F238E27FC236}">
-                <a16:creationId xmlns:a16="http://schemas.microsoft.com/office/drawing/2014/main" xmlns="" id="{A0D8A977-A225-42FC-8A62-ABD00FB567CA}"/>
+                <a16:creationId xmlns="" xmlns:a16="http://schemas.microsoft.com/office/drawing/2014/main" id="{A0D8A977-A225-42FC-8A62-ABD00FB567CA}"/>
               </a:ext>
             </a:extLst>
           </p:cNvPr>
@@ -21408,7 +21470,7 @@
           <p:cNvPr id="22" name="Text Placeholder 21">
             <a:extLst>
               <a:ext uri="{FF2B5EF4-FFF2-40B4-BE49-F238E27FC236}">
-                <a16:creationId xmlns:a16="http://schemas.microsoft.com/office/drawing/2014/main" xmlns="" id="{5C668947-77FF-4D5D-91E1-9EAD4FF63DC0}"/>
+                <a16:creationId xmlns="" xmlns:a16="http://schemas.microsoft.com/office/drawing/2014/main" id="{5C668947-77FF-4D5D-91E1-9EAD4FF63DC0}"/>
               </a:ext>
             </a:extLst>
           </p:cNvPr>
@@ -21452,7 +21514,7 @@
           <p:cNvPr id="23" name="Text Placeholder 21">
             <a:extLst>
               <a:ext uri="{FF2B5EF4-FFF2-40B4-BE49-F238E27FC236}">
-                <a16:creationId xmlns:a16="http://schemas.microsoft.com/office/drawing/2014/main" xmlns="" id="{7EDC9A21-EA77-4E16-8A99-83522F38039F}"/>
+                <a16:creationId xmlns="" xmlns:a16="http://schemas.microsoft.com/office/drawing/2014/main" id="{7EDC9A21-EA77-4E16-8A99-83522F38039F}"/>
               </a:ext>
             </a:extLst>
           </p:cNvPr>
@@ -21499,7 +21561,7 @@
           <p:cNvPr id="25" name="Group 24">
             <a:extLst>
               <a:ext uri="{FF2B5EF4-FFF2-40B4-BE49-F238E27FC236}">
-                <a16:creationId xmlns:a16="http://schemas.microsoft.com/office/drawing/2014/main" xmlns="" id="{4B3E617D-293D-4BB5-8F23-78F186F4D823}"/>
+                <a16:creationId xmlns="" xmlns:a16="http://schemas.microsoft.com/office/drawing/2014/main" id="{4B3E617D-293D-4BB5-8F23-78F186F4D823}"/>
               </a:ext>
             </a:extLst>
           </p:cNvPr>
@@ -21519,7 +21581,7 @@
             <p:cNvPr id="26" name="Picture 25">
               <a:extLst>
                 <a:ext uri="{FF2B5EF4-FFF2-40B4-BE49-F238E27FC236}">
-                  <a16:creationId xmlns:a16="http://schemas.microsoft.com/office/drawing/2014/main" xmlns="" id="{FCB9AAC0-E020-4527-A4A2-1BAF10A64345}"/>
+                  <a16:creationId xmlns="" xmlns:a16="http://schemas.microsoft.com/office/drawing/2014/main" id="{FCB9AAC0-E020-4527-A4A2-1BAF10A64345}"/>
                 </a:ext>
               </a:extLst>
             </p:cNvPr>
@@ -21563,7 +21625,7 @@
             <p:cNvPr id="27" name="Picture 26">
               <a:extLst>
                 <a:ext uri="{FF2B5EF4-FFF2-40B4-BE49-F238E27FC236}">
-                  <a16:creationId xmlns:a16="http://schemas.microsoft.com/office/drawing/2014/main" xmlns="" id="{541FA1DB-BA93-4169-9FE7-EA370854285D}"/>
+                  <a16:creationId xmlns="" xmlns:a16="http://schemas.microsoft.com/office/drawing/2014/main" id="{541FA1DB-BA93-4169-9FE7-EA370854285D}"/>
                 </a:ext>
               </a:extLst>
             </p:cNvPr>
@@ -21607,7 +21669,7 @@
             <p:cNvPr id="28" name="Picture 27">
               <a:extLst>
                 <a:ext uri="{FF2B5EF4-FFF2-40B4-BE49-F238E27FC236}">
-                  <a16:creationId xmlns:a16="http://schemas.microsoft.com/office/drawing/2014/main" xmlns="" id="{35A8DC9A-DB20-4753-89A9-B584089F9544}"/>
+                  <a16:creationId xmlns="" xmlns:a16="http://schemas.microsoft.com/office/drawing/2014/main" id="{35A8DC9A-DB20-4753-89A9-B584089F9544}"/>
                 </a:ext>
               </a:extLst>
             </p:cNvPr>
@@ -21660,7 +21722,7 @@
             <p:cNvPr id="29" name="Picture 28">
               <a:extLst>
                 <a:ext uri="{FF2B5EF4-FFF2-40B4-BE49-F238E27FC236}">
-                  <a16:creationId xmlns:a16="http://schemas.microsoft.com/office/drawing/2014/main" xmlns="" id="{D8D68EC4-C3B4-44C6-89CB-D57A81F721F2}"/>
+                  <a16:creationId xmlns="" xmlns:a16="http://schemas.microsoft.com/office/drawing/2014/main" id="{D8D68EC4-C3B4-44C6-89CB-D57A81F721F2}"/>
                 </a:ext>
               </a:extLst>
             </p:cNvPr>
@@ -21853,7 +21915,7 @@
           <p:cNvPr id="10" name="Text Placeholder 2">
             <a:extLst>
               <a:ext uri="{FF2B5EF4-FFF2-40B4-BE49-F238E27FC236}">
-                <a16:creationId xmlns:a16="http://schemas.microsoft.com/office/drawing/2014/main" xmlns="" id="{B09CA424-958C-400F-8E6E-189C42E1E999}"/>
+                <a16:creationId xmlns="" xmlns:a16="http://schemas.microsoft.com/office/drawing/2014/main" id="{B09CA424-958C-400F-8E6E-189C42E1E999}"/>
               </a:ext>
             </a:extLst>
           </p:cNvPr>
@@ -21936,7 +21998,7 @@
           <p:cNvPr id="12" name="Picture 11">
             <a:extLst>
               <a:ext uri="{FF2B5EF4-FFF2-40B4-BE49-F238E27FC236}">
-                <a16:creationId xmlns:a16="http://schemas.microsoft.com/office/drawing/2014/main" xmlns="" id="{00CA1440-A84B-4AC2-AF84-55168595EE06}"/>
+                <a16:creationId xmlns="" xmlns:a16="http://schemas.microsoft.com/office/drawing/2014/main" id="{00CA1440-A84B-4AC2-AF84-55168595EE06}"/>
               </a:ext>
             </a:extLst>
           </p:cNvPr>
@@ -21972,7 +22034,7 @@
           <p:cNvPr id="6" name="Group 5">
             <a:extLst>
               <a:ext uri="{FF2B5EF4-FFF2-40B4-BE49-F238E27FC236}">
-                <a16:creationId xmlns:a16="http://schemas.microsoft.com/office/drawing/2014/main" xmlns="" id="{4B3E617D-293D-4BB5-8F23-78F186F4D823}"/>
+                <a16:creationId xmlns="" xmlns:a16="http://schemas.microsoft.com/office/drawing/2014/main" id="{4B3E617D-293D-4BB5-8F23-78F186F4D823}"/>
               </a:ext>
             </a:extLst>
           </p:cNvPr>
@@ -21992,7 +22054,7 @@
             <p:cNvPr id="7" name="Picture 6">
               <a:extLst>
                 <a:ext uri="{FF2B5EF4-FFF2-40B4-BE49-F238E27FC236}">
-                  <a16:creationId xmlns:a16="http://schemas.microsoft.com/office/drawing/2014/main" xmlns="" id="{FCB9AAC0-E020-4527-A4A2-1BAF10A64345}"/>
+                  <a16:creationId xmlns="" xmlns:a16="http://schemas.microsoft.com/office/drawing/2014/main" id="{FCB9AAC0-E020-4527-A4A2-1BAF10A64345}"/>
                 </a:ext>
               </a:extLst>
             </p:cNvPr>
@@ -22036,7 +22098,7 @@
             <p:cNvPr id="9" name="Picture 8">
               <a:extLst>
                 <a:ext uri="{FF2B5EF4-FFF2-40B4-BE49-F238E27FC236}">
-                  <a16:creationId xmlns:a16="http://schemas.microsoft.com/office/drawing/2014/main" xmlns="" id="{541FA1DB-BA93-4169-9FE7-EA370854285D}"/>
+                  <a16:creationId xmlns="" xmlns:a16="http://schemas.microsoft.com/office/drawing/2014/main" id="{541FA1DB-BA93-4169-9FE7-EA370854285D}"/>
                 </a:ext>
               </a:extLst>
             </p:cNvPr>
@@ -22080,7 +22142,7 @@
             <p:cNvPr id="11" name="Picture 10">
               <a:extLst>
                 <a:ext uri="{FF2B5EF4-FFF2-40B4-BE49-F238E27FC236}">
-                  <a16:creationId xmlns:a16="http://schemas.microsoft.com/office/drawing/2014/main" xmlns="" id="{35A8DC9A-DB20-4753-89A9-B584089F9544}"/>
+                  <a16:creationId xmlns="" xmlns:a16="http://schemas.microsoft.com/office/drawing/2014/main" id="{35A8DC9A-DB20-4753-89A9-B584089F9544}"/>
                 </a:ext>
               </a:extLst>
             </p:cNvPr>
@@ -22133,7 +22195,7 @@
             <p:cNvPr id="13" name="Picture 12">
               <a:extLst>
                 <a:ext uri="{FF2B5EF4-FFF2-40B4-BE49-F238E27FC236}">
-                  <a16:creationId xmlns:a16="http://schemas.microsoft.com/office/drawing/2014/main" xmlns="" id="{D8D68EC4-C3B4-44C6-89CB-D57A81F721F2}"/>
+                  <a16:creationId xmlns="" xmlns:a16="http://schemas.microsoft.com/office/drawing/2014/main" id="{D8D68EC4-C3B4-44C6-89CB-D57A81F721F2}"/>
                 </a:ext>
               </a:extLst>
             </p:cNvPr>
@@ -22326,7 +22388,7 @@
           <p:cNvPr id="10" name="Text Placeholder 2">
             <a:extLst>
               <a:ext uri="{FF2B5EF4-FFF2-40B4-BE49-F238E27FC236}">
-                <a16:creationId xmlns:a16="http://schemas.microsoft.com/office/drawing/2014/main" xmlns="" id="{B09CA424-958C-400F-8E6E-189C42E1E999}"/>
+                <a16:creationId xmlns="" xmlns:a16="http://schemas.microsoft.com/office/drawing/2014/main" id="{B09CA424-958C-400F-8E6E-189C42E1E999}"/>
               </a:ext>
             </a:extLst>
           </p:cNvPr>
@@ -22409,7 +22471,7 @@
           <p:cNvPr id="12" name="Picture 11">
             <a:extLst>
               <a:ext uri="{FF2B5EF4-FFF2-40B4-BE49-F238E27FC236}">
-                <a16:creationId xmlns:a16="http://schemas.microsoft.com/office/drawing/2014/main" xmlns="" id="{00CA1440-A84B-4AC2-AF84-55168595EE06}"/>
+                <a16:creationId xmlns="" xmlns:a16="http://schemas.microsoft.com/office/drawing/2014/main" id="{00CA1440-A84B-4AC2-AF84-55168595EE06}"/>
               </a:ext>
             </a:extLst>
           </p:cNvPr>
@@ -22445,7 +22507,7 @@
           <p:cNvPr id="6" name="Group 5">
             <a:extLst>
               <a:ext uri="{FF2B5EF4-FFF2-40B4-BE49-F238E27FC236}">
-                <a16:creationId xmlns:a16="http://schemas.microsoft.com/office/drawing/2014/main" xmlns="" id="{4B3E617D-293D-4BB5-8F23-78F186F4D823}"/>
+                <a16:creationId xmlns="" xmlns:a16="http://schemas.microsoft.com/office/drawing/2014/main" id="{4B3E617D-293D-4BB5-8F23-78F186F4D823}"/>
               </a:ext>
             </a:extLst>
           </p:cNvPr>
@@ -22465,7 +22527,7 @@
             <p:cNvPr id="7" name="Picture 6">
               <a:extLst>
                 <a:ext uri="{FF2B5EF4-FFF2-40B4-BE49-F238E27FC236}">
-                  <a16:creationId xmlns:a16="http://schemas.microsoft.com/office/drawing/2014/main" xmlns="" id="{FCB9AAC0-E020-4527-A4A2-1BAF10A64345}"/>
+                  <a16:creationId xmlns="" xmlns:a16="http://schemas.microsoft.com/office/drawing/2014/main" id="{FCB9AAC0-E020-4527-A4A2-1BAF10A64345}"/>
                 </a:ext>
               </a:extLst>
             </p:cNvPr>
@@ -22509,7 +22571,7 @@
             <p:cNvPr id="9" name="Picture 8">
               <a:extLst>
                 <a:ext uri="{FF2B5EF4-FFF2-40B4-BE49-F238E27FC236}">
-                  <a16:creationId xmlns:a16="http://schemas.microsoft.com/office/drawing/2014/main" xmlns="" id="{541FA1DB-BA93-4169-9FE7-EA370854285D}"/>
+                  <a16:creationId xmlns="" xmlns:a16="http://schemas.microsoft.com/office/drawing/2014/main" id="{541FA1DB-BA93-4169-9FE7-EA370854285D}"/>
                 </a:ext>
               </a:extLst>
             </p:cNvPr>
@@ -22553,7 +22615,7 @@
             <p:cNvPr id="11" name="Picture 10">
               <a:extLst>
                 <a:ext uri="{FF2B5EF4-FFF2-40B4-BE49-F238E27FC236}">
-                  <a16:creationId xmlns:a16="http://schemas.microsoft.com/office/drawing/2014/main" xmlns="" id="{35A8DC9A-DB20-4753-89A9-B584089F9544}"/>
+                  <a16:creationId xmlns="" xmlns:a16="http://schemas.microsoft.com/office/drawing/2014/main" id="{35A8DC9A-DB20-4753-89A9-B584089F9544}"/>
                 </a:ext>
               </a:extLst>
             </p:cNvPr>
@@ -22606,7 +22668,7 @@
             <p:cNvPr id="13" name="Picture 12">
               <a:extLst>
                 <a:ext uri="{FF2B5EF4-FFF2-40B4-BE49-F238E27FC236}">
-                  <a16:creationId xmlns:a16="http://schemas.microsoft.com/office/drawing/2014/main" xmlns="" id="{D8D68EC4-C3B4-44C6-89CB-D57A81F721F2}"/>
+                  <a16:creationId xmlns="" xmlns:a16="http://schemas.microsoft.com/office/drawing/2014/main" id="{D8D68EC4-C3B4-44C6-89CB-D57A81F721F2}"/>
                 </a:ext>
               </a:extLst>
             </p:cNvPr>
@@ -22799,7 +22861,7 @@
           <p:cNvPr id="10" name="Text Placeholder 2">
             <a:extLst>
               <a:ext uri="{FF2B5EF4-FFF2-40B4-BE49-F238E27FC236}">
-                <a16:creationId xmlns:a16="http://schemas.microsoft.com/office/drawing/2014/main" xmlns="" id="{B09CA424-958C-400F-8E6E-189C42E1E999}"/>
+                <a16:creationId xmlns="" xmlns:a16="http://schemas.microsoft.com/office/drawing/2014/main" id="{B09CA424-958C-400F-8E6E-189C42E1E999}"/>
               </a:ext>
             </a:extLst>
           </p:cNvPr>
@@ -22882,7 +22944,7 @@
           <p:cNvPr id="5" name="Picture 4">
             <a:extLst>
               <a:ext uri="{FF2B5EF4-FFF2-40B4-BE49-F238E27FC236}">
-                <a16:creationId xmlns:a16="http://schemas.microsoft.com/office/drawing/2014/main" xmlns="" id="{4B6D30A9-EFD8-4A13-8C65-70D7356BEF97}"/>
+                <a16:creationId xmlns="" xmlns:a16="http://schemas.microsoft.com/office/drawing/2014/main" id="{4B6D30A9-EFD8-4A13-8C65-70D7356BEF97}"/>
               </a:ext>
             </a:extLst>
           </p:cNvPr>
@@ -22918,7 +22980,7 @@
           <p:cNvPr id="6" name="Group 5">
             <a:extLst>
               <a:ext uri="{FF2B5EF4-FFF2-40B4-BE49-F238E27FC236}">
-                <a16:creationId xmlns:a16="http://schemas.microsoft.com/office/drawing/2014/main" xmlns="" id="{4B3E617D-293D-4BB5-8F23-78F186F4D823}"/>
+                <a16:creationId xmlns="" xmlns:a16="http://schemas.microsoft.com/office/drawing/2014/main" id="{4B3E617D-293D-4BB5-8F23-78F186F4D823}"/>
               </a:ext>
             </a:extLst>
           </p:cNvPr>
@@ -22938,7 +23000,7 @@
             <p:cNvPr id="7" name="Picture 6">
               <a:extLst>
                 <a:ext uri="{FF2B5EF4-FFF2-40B4-BE49-F238E27FC236}">
-                  <a16:creationId xmlns:a16="http://schemas.microsoft.com/office/drawing/2014/main" xmlns="" id="{FCB9AAC0-E020-4527-A4A2-1BAF10A64345}"/>
+                  <a16:creationId xmlns="" xmlns:a16="http://schemas.microsoft.com/office/drawing/2014/main" id="{FCB9AAC0-E020-4527-A4A2-1BAF10A64345}"/>
                 </a:ext>
               </a:extLst>
             </p:cNvPr>
@@ -22982,7 +23044,7 @@
             <p:cNvPr id="9" name="Picture 8">
               <a:extLst>
                 <a:ext uri="{FF2B5EF4-FFF2-40B4-BE49-F238E27FC236}">
-                  <a16:creationId xmlns:a16="http://schemas.microsoft.com/office/drawing/2014/main" xmlns="" id="{541FA1DB-BA93-4169-9FE7-EA370854285D}"/>
+                  <a16:creationId xmlns="" xmlns:a16="http://schemas.microsoft.com/office/drawing/2014/main" id="{541FA1DB-BA93-4169-9FE7-EA370854285D}"/>
                 </a:ext>
               </a:extLst>
             </p:cNvPr>
@@ -23026,7 +23088,7 @@
             <p:cNvPr id="11" name="Picture 10">
               <a:extLst>
                 <a:ext uri="{FF2B5EF4-FFF2-40B4-BE49-F238E27FC236}">
-                  <a16:creationId xmlns:a16="http://schemas.microsoft.com/office/drawing/2014/main" xmlns="" id="{35A8DC9A-DB20-4753-89A9-B584089F9544}"/>
+                  <a16:creationId xmlns="" xmlns:a16="http://schemas.microsoft.com/office/drawing/2014/main" id="{35A8DC9A-DB20-4753-89A9-B584089F9544}"/>
                 </a:ext>
               </a:extLst>
             </p:cNvPr>
@@ -23079,7 +23141,7 @@
             <p:cNvPr id="12" name="Picture 11">
               <a:extLst>
                 <a:ext uri="{FF2B5EF4-FFF2-40B4-BE49-F238E27FC236}">
-                  <a16:creationId xmlns:a16="http://schemas.microsoft.com/office/drawing/2014/main" xmlns="" id="{D8D68EC4-C3B4-44C6-89CB-D57A81F721F2}"/>
+                  <a16:creationId xmlns="" xmlns:a16="http://schemas.microsoft.com/office/drawing/2014/main" id="{D8D68EC4-C3B4-44C6-89CB-D57A81F721F2}"/>
                 </a:ext>
               </a:extLst>
             </p:cNvPr>
@@ -23280,7 +23342,7 @@
           <p:cNvPr id="8" name="TextBox 7">
             <a:extLst>
               <a:ext uri="{FF2B5EF4-FFF2-40B4-BE49-F238E27FC236}">
-                <a16:creationId xmlns:a16="http://schemas.microsoft.com/office/drawing/2014/main" xmlns="" id="{C05DCB82-D464-46A6-AC5E-2D96AA2421CB}"/>
+                <a16:creationId xmlns="" xmlns:a16="http://schemas.microsoft.com/office/drawing/2014/main" id="{C05DCB82-D464-46A6-AC5E-2D96AA2421CB}"/>
               </a:ext>
             </a:extLst>
           </p:cNvPr>
@@ -23347,7 +23409,7 @@
           <p:cNvPr id="10" name="Text Placeholder 2">
             <a:extLst>
               <a:ext uri="{FF2B5EF4-FFF2-40B4-BE49-F238E27FC236}">
-                <a16:creationId xmlns:a16="http://schemas.microsoft.com/office/drawing/2014/main" xmlns="" id="{2A791D53-3FD7-432C-BDEC-EE19F16A9258}"/>
+                <a16:creationId xmlns="" xmlns:a16="http://schemas.microsoft.com/office/drawing/2014/main" id="{2A791D53-3FD7-432C-BDEC-EE19F16A9258}"/>
               </a:ext>
             </a:extLst>
           </p:cNvPr>
@@ -23400,7 +23462,7 @@
           <p:cNvPr id="11" name="Group 10">
             <a:extLst>
               <a:ext uri="{FF2B5EF4-FFF2-40B4-BE49-F238E27FC236}">
-                <a16:creationId xmlns:a16="http://schemas.microsoft.com/office/drawing/2014/main" xmlns="" id="{7DCF6AA8-7D86-4F2B-8705-A436181AEF80}"/>
+                <a16:creationId xmlns="" xmlns:a16="http://schemas.microsoft.com/office/drawing/2014/main" id="{7DCF6AA8-7D86-4F2B-8705-A436181AEF80}"/>
               </a:ext>
             </a:extLst>
           </p:cNvPr>
@@ -23420,7 +23482,7 @@
             <p:cNvPr id="12" name="Picture 11">
               <a:extLst>
                 <a:ext uri="{FF2B5EF4-FFF2-40B4-BE49-F238E27FC236}">
-                  <a16:creationId xmlns:a16="http://schemas.microsoft.com/office/drawing/2014/main" xmlns="" id="{8E7A05A5-CEFD-49C0-9BC2-2E29EDE52313}"/>
+                  <a16:creationId xmlns="" xmlns:a16="http://schemas.microsoft.com/office/drawing/2014/main" id="{8E7A05A5-CEFD-49C0-9BC2-2E29EDE52313}"/>
                 </a:ext>
               </a:extLst>
             </p:cNvPr>
@@ -23464,7 +23526,7 @@
             <p:cNvPr id="13" name="Picture 12">
               <a:extLst>
                 <a:ext uri="{FF2B5EF4-FFF2-40B4-BE49-F238E27FC236}">
-                  <a16:creationId xmlns:a16="http://schemas.microsoft.com/office/drawing/2014/main" xmlns="" id="{776F3680-0F78-4849-B0D5-885CA5220D34}"/>
+                  <a16:creationId xmlns="" xmlns:a16="http://schemas.microsoft.com/office/drawing/2014/main" id="{776F3680-0F78-4849-B0D5-885CA5220D34}"/>
                 </a:ext>
               </a:extLst>
             </p:cNvPr>
@@ -23520,7 +23582,7 @@
             <p:cNvPr id="14" name="Picture 13">
               <a:extLst>
                 <a:ext uri="{FF2B5EF4-FFF2-40B4-BE49-F238E27FC236}">
-                  <a16:creationId xmlns:a16="http://schemas.microsoft.com/office/drawing/2014/main" xmlns="" id="{0232D756-4604-4324-B0E4-C79E755DB092}"/>
+                  <a16:creationId xmlns="" xmlns:a16="http://schemas.microsoft.com/office/drawing/2014/main" id="{0232D756-4604-4324-B0E4-C79E755DB092}"/>
                 </a:ext>
               </a:extLst>
             </p:cNvPr>
@@ -23564,7 +23626,7 @@
             <p:cNvPr id="15" name="Picture 14">
               <a:extLst>
                 <a:ext uri="{FF2B5EF4-FFF2-40B4-BE49-F238E27FC236}">
-                  <a16:creationId xmlns:a16="http://schemas.microsoft.com/office/drawing/2014/main" xmlns="" id="{36004A61-DEFD-4FB3-9D6B-CF296B7A55F5}"/>
+                  <a16:creationId xmlns="" xmlns:a16="http://schemas.microsoft.com/office/drawing/2014/main" id="{36004A61-DEFD-4FB3-9D6B-CF296B7A55F5}"/>
                 </a:ext>
               </a:extLst>
             </p:cNvPr>
@@ -23608,7 +23670,7 @@
             <p:cNvPr id="16" name="Picture 15">
               <a:extLst>
                 <a:ext uri="{FF2B5EF4-FFF2-40B4-BE49-F238E27FC236}">
-                  <a16:creationId xmlns:a16="http://schemas.microsoft.com/office/drawing/2014/main" xmlns="" id="{FDE9BF54-DEEA-40B0-86FE-3EB3B6363068}"/>
+                  <a16:creationId xmlns="" xmlns:a16="http://schemas.microsoft.com/office/drawing/2014/main" id="{FDE9BF54-DEEA-40B0-86FE-3EB3B6363068}"/>
                 </a:ext>
               </a:extLst>
             </p:cNvPr>
@@ -23661,7 +23723,7 @@
             <p:cNvPr id="17" name="Picture 16">
               <a:extLst>
                 <a:ext uri="{FF2B5EF4-FFF2-40B4-BE49-F238E27FC236}">
-                  <a16:creationId xmlns:a16="http://schemas.microsoft.com/office/drawing/2014/main" xmlns="" id="{00F0F55E-ED78-4966-A5A2-25B6083A5E6B}"/>
+                  <a16:creationId xmlns="" xmlns:a16="http://schemas.microsoft.com/office/drawing/2014/main" id="{00F0F55E-ED78-4966-A5A2-25B6083A5E6B}"/>
                 </a:ext>
               </a:extLst>
             </p:cNvPr>
@@ -23715,7 +23777,7 @@
           <p:cNvPr id="25" name="Text Placeholder 6">
             <a:extLst>
               <a:ext uri="{FF2B5EF4-FFF2-40B4-BE49-F238E27FC236}">
-                <a16:creationId xmlns:a16="http://schemas.microsoft.com/office/drawing/2014/main" xmlns="" id="{A2254201-FC55-4E9C-B0DD-ADB79EF9317E}"/>
+                <a16:creationId xmlns="" xmlns:a16="http://schemas.microsoft.com/office/drawing/2014/main" id="{A2254201-FC55-4E9C-B0DD-ADB79EF9317E}"/>
               </a:ext>
             </a:extLst>
           </p:cNvPr>
@@ -23795,7 +23857,7 @@
           <p:cNvPr id="26" name="Text Placeholder 6">
             <a:extLst>
               <a:ext uri="{FF2B5EF4-FFF2-40B4-BE49-F238E27FC236}">
-                <a16:creationId xmlns:a16="http://schemas.microsoft.com/office/drawing/2014/main" xmlns="" id="{361BAF7A-8DB0-4CC7-AFE4-FEDDF22F6E1F}"/>
+                <a16:creationId xmlns="" xmlns:a16="http://schemas.microsoft.com/office/drawing/2014/main" id="{361BAF7A-8DB0-4CC7-AFE4-FEDDF22F6E1F}"/>
               </a:ext>
             </a:extLst>
           </p:cNvPr>
@@ -23875,7 +23937,7 @@
           <p:cNvPr id="3" name="Picture Placeholder 2">
             <a:extLst>
               <a:ext uri="{FF2B5EF4-FFF2-40B4-BE49-F238E27FC236}">
-                <a16:creationId xmlns:a16="http://schemas.microsoft.com/office/drawing/2014/main" xmlns="" id="{3DE2F9C6-DD2E-4DCB-8676-5B4BA43AF451}"/>
+                <a16:creationId xmlns="" xmlns:a16="http://schemas.microsoft.com/office/drawing/2014/main" id="{3DE2F9C6-DD2E-4DCB-8676-5B4BA43AF451}"/>
               </a:ext>
             </a:extLst>
           </p:cNvPr>
@@ -23913,7 +23975,7 @@
           <p:cNvPr id="27" name="Picture Placeholder 2">
             <a:extLst>
               <a:ext uri="{FF2B5EF4-FFF2-40B4-BE49-F238E27FC236}">
-                <a16:creationId xmlns:a16="http://schemas.microsoft.com/office/drawing/2014/main" xmlns="" id="{8D837C4E-9C98-4D98-A2E9-F64913725513}"/>
+                <a16:creationId xmlns="" xmlns:a16="http://schemas.microsoft.com/office/drawing/2014/main" id="{8D837C4E-9C98-4D98-A2E9-F64913725513}"/>
               </a:ext>
             </a:extLst>
           </p:cNvPr>
@@ -23951,7 +24013,7 @@
           <p:cNvPr id="28" name="Picture Placeholder 2">
             <a:extLst>
               <a:ext uri="{FF2B5EF4-FFF2-40B4-BE49-F238E27FC236}">
-                <a16:creationId xmlns:a16="http://schemas.microsoft.com/office/drawing/2014/main" xmlns="" id="{D29B2521-5186-4754-9332-417A3712685B}"/>
+                <a16:creationId xmlns="" xmlns:a16="http://schemas.microsoft.com/office/drawing/2014/main" id="{D29B2521-5186-4754-9332-417A3712685B}"/>
               </a:ext>
             </a:extLst>
           </p:cNvPr>
@@ -23989,7 +24051,7 @@
           <p:cNvPr id="29" name="Text Placeholder 6">
             <a:extLst>
               <a:ext uri="{FF2B5EF4-FFF2-40B4-BE49-F238E27FC236}">
-                <a16:creationId xmlns:a16="http://schemas.microsoft.com/office/drawing/2014/main" xmlns="" id="{BF73A9FD-F435-49F9-A9CC-89F907319758}"/>
+                <a16:creationId xmlns="" xmlns:a16="http://schemas.microsoft.com/office/drawing/2014/main" id="{BF73A9FD-F435-49F9-A9CC-89F907319758}"/>
               </a:ext>
             </a:extLst>
           </p:cNvPr>
@@ -24062,7 +24124,7 @@
           <p:cNvPr id="30" name="Text Placeholder 6">
             <a:extLst>
               <a:ext uri="{FF2B5EF4-FFF2-40B4-BE49-F238E27FC236}">
-                <a16:creationId xmlns:a16="http://schemas.microsoft.com/office/drawing/2014/main" xmlns="" id="{05A6B4F1-770B-43E0-9E2F-84D5C02F809D}"/>
+                <a16:creationId xmlns="" xmlns:a16="http://schemas.microsoft.com/office/drawing/2014/main" id="{05A6B4F1-770B-43E0-9E2F-84D5C02F809D}"/>
               </a:ext>
             </a:extLst>
           </p:cNvPr>
@@ -24135,7 +24197,7 @@
           <p:cNvPr id="31" name="Text Placeholder 6">
             <a:extLst>
               <a:ext uri="{FF2B5EF4-FFF2-40B4-BE49-F238E27FC236}">
-                <a16:creationId xmlns:a16="http://schemas.microsoft.com/office/drawing/2014/main" xmlns="" id="{11FC5B88-8042-42B1-80AE-5AF0780D769B}"/>
+                <a16:creationId xmlns="" xmlns:a16="http://schemas.microsoft.com/office/drawing/2014/main" id="{11FC5B88-8042-42B1-80AE-5AF0780D769B}"/>
               </a:ext>
             </a:extLst>
           </p:cNvPr>
@@ -24208,7 +24270,7 @@
           <p:cNvPr id="38" name="Picture Placeholder 2">
             <a:extLst>
               <a:ext uri="{FF2B5EF4-FFF2-40B4-BE49-F238E27FC236}">
-                <a16:creationId xmlns:a16="http://schemas.microsoft.com/office/drawing/2014/main" xmlns="" id="{116616D8-A173-4626-B5C1-95B4A7EBB41B}"/>
+                <a16:creationId xmlns="" xmlns:a16="http://schemas.microsoft.com/office/drawing/2014/main" id="{116616D8-A173-4626-B5C1-95B4A7EBB41B}"/>
               </a:ext>
             </a:extLst>
           </p:cNvPr>
@@ -24246,7 +24308,7 @@
           <p:cNvPr id="39" name="Picture Placeholder 2">
             <a:extLst>
               <a:ext uri="{FF2B5EF4-FFF2-40B4-BE49-F238E27FC236}">
-                <a16:creationId xmlns:a16="http://schemas.microsoft.com/office/drawing/2014/main" xmlns="" id="{D05EC86C-9779-4A80-A0D3-B344A5AB3E62}"/>
+                <a16:creationId xmlns="" xmlns:a16="http://schemas.microsoft.com/office/drawing/2014/main" id="{D05EC86C-9779-4A80-A0D3-B344A5AB3E62}"/>
               </a:ext>
             </a:extLst>
           </p:cNvPr>
@@ -24284,7 +24346,7 @@
           <p:cNvPr id="40" name="Picture Placeholder 2">
             <a:extLst>
               <a:ext uri="{FF2B5EF4-FFF2-40B4-BE49-F238E27FC236}">
-                <a16:creationId xmlns:a16="http://schemas.microsoft.com/office/drawing/2014/main" xmlns="" id="{5F486189-CF73-4DA1-9DBE-7AFC78F85415}"/>
+                <a16:creationId xmlns="" xmlns:a16="http://schemas.microsoft.com/office/drawing/2014/main" id="{5F486189-CF73-4DA1-9DBE-7AFC78F85415}"/>
               </a:ext>
             </a:extLst>
           </p:cNvPr>
@@ -24322,7 +24384,7 @@
           <p:cNvPr id="41" name="Text Placeholder 6">
             <a:extLst>
               <a:ext uri="{FF2B5EF4-FFF2-40B4-BE49-F238E27FC236}">
-                <a16:creationId xmlns:a16="http://schemas.microsoft.com/office/drawing/2014/main" xmlns="" id="{ADD63519-0B63-4662-B970-0E226E1C00B2}"/>
+                <a16:creationId xmlns="" xmlns:a16="http://schemas.microsoft.com/office/drawing/2014/main" id="{ADD63519-0B63-4662-B970-0E226E1C00B2}"/>
               </a:ext>
             </a:extLst>
           </p:cNvPr>
@@ -24395,7 +24457,7 @@
           <p:cNvPr id="42" name="Text Placeholder 6">
             <a:extLst>
               <a:ext uri="{FF2B5EF4-FFF2-40B4-BE49-F238E27FC236}">
-                <a16:creationId xmlns:a16="http://schemas.microsoft.com/office/drawing/2014/main" xmlns="" id="{96F562D9-9BBF-48BB-A036-DF023826F1E6}"/>
+                <a16:creationId xmlns="" xmlns:a16="http://schemas.microsoft.com/office/drawing/2014/main" id="{96F562D9-9BBF-48BB-A036-DF023826F1E6}"/>
               </a:ext>
             </a:extLst>
           </p:cNvPr>
@@ -24468,7 +24530,7 @@
           <p:cNvPr id="43" name="Text Placeholder 6">
             <a:extLst>
               <a:ext uri="{FF2B5EF4-FFF2-40B4-BE49-F238E27FC236}">
-                <a16:creationId xmlns:a16="http://schemas.microsoft.com/office/drawing/2014/main" xmlns="" id="{13ACC06B-4058-43D6-A5C1-1414E691A788}"/>
+                <a16:creationId xmlns="" xmlns:a16="http://schemas.microsoft.com/office/drawing/2014/main" id="{13ACC06B-4058-43D6-A5C1-1414E691A788}"/>
               </a:ext>
             </a:extLst>
           </p:cNvPr>
@@ -24688,7 +24750,7 @@
           <p:cNvPr id="10" name="Text Placeholder 2">
             <a:extLst>
               <a:ext uri="{FF2B5EF4-FFF2-40B4-BE49-F238E27FC236}">
-                <a16:creationId xmlns:a16="http://schemas.microsoft.com/office/drawing/2014/main" xmlns="" id="{2A791D53-3FD7-432C-BDEC-EE19F16A9258}"/>
+                <a16:creationId xmlns="" xmlns:a16="http://schemas.microsoft.com/office/drawing/2014/main" id="{2A791D53-3FD7-432C-BDEC-EE19F16A9258}"/>
               </a:ext>
             </a:extLst>
           </p:cNvPr>
@@ -24741,7 +24803,7 @@
           <p:cNvPr id="11" name="Group 10">
             <a:extLst>
               <a:ext uri="{FF2B5EF4-FFF2-40B4-BE49-F238E27FC236}">
-                <a16:creationId xmlns:a16="http://schemas.microsoft.com/office/drawing/2014/main" xmlns="" id="{7DCF6AA8-7D86-4F2B-8705-A436181AEF80}"/>
+                <a16:creationId xmlns="" xmlns:a16="http://schemas.microsoft.com/office/drawing/2014/main" id="{7DCF6AA8-7D86-4F2B-8705-A436181AEF80}"/>
               </a:ext>
             </a:extLst>
           </p:cNvPr>
@@ -24761,7 +24823,7 @@
             <p:cNvPr id="12" name="Picture 11">
               <a:extLst>
                 <a:ext uri="{FF2B5EF4-FFF2-40B4-BE49-F238E27FC236}">
-                  <a16:creationId xmlns:a16="http://schemas.microsoft.com/office/drawing/2014/main" xmlns="" id="{8E7A05A5-CEFD-49C0-9BC2-2E29EDE52313}"/>
+                  <a16:creationId xmlns="" xmlns:a16="http://schemas.microsoft.com/office/drawing/2014/main" id="{8E7A05A5-CEFD-49C0-9BC2-2E29EDE52313}"/>
                 </a:ext>
               </a:extLst>
             </p:cNvPr>
@@ -24805,7 +24867,7 @@
             <p:cNvPr id="13" name="Picture 12">
               <a:extLst>
                 <a:ext uri="{FF2B5EF4-FFF2-40B4-BE49-F238E27FC236}">
-                  <a16:creationId xmlns:a16="http://schemas.microsoft.com/office/drawing/2014/main" xmlns="" id="{776F3680-0F78-4849-B0D5-885CA5220D34}"/>
+                  <a16:creationId xmlns="" xmlns:a16="http://schemas.microsoft.com/office/drawing/2014/main" id="{776F3680-0F78-4849-B0D5-885CA5220D34}"/>
                 </a:ext>
               </a:extLst>
             </p:cNvPr>
@@ -24861,7 +24923,7 @@
             <p:cNvPr id="14" name="Picture 13">
               <a:extLst>
                 <a:ext uri="{FF2B5EF4-FFF2-40B4-BE49-F238E27FC236}">
-                  <a16:creationId xmlns:a16="http://schemas.microsoft.com/office/drawing/2014/main" xmlns="" id="{0232D756-4604-4324-B0E4-C79E755DB092}"/>
+                  <a16:creationId xmlns="" xmlns:a16="http://schemas.microsoft.com/office/drawing/2014/main" id="{0232D756-4604-4324-B0E4-C79E755DB092}"/>
                 </a:ext>
               </a:extLst>
             </p:cNvPr>
@@ -24905,7 +24967,7 @@
             <p:cNvPr id="15" name="Picture 14">
               <a:extLst>
                 <a:ext uri="{FF2B5EF4-FFF2-40B4-BE49-F238E27FC236}">
-                  <a16:creationId xmlns:a16="http://schemas.microsoft.com/office/drawing/2014/main" xmlns="" id="{36004A61-DEFD-4FB3-9D6B-CF296B7A55F5}"/>
+                  <a16:creationId xmlns="" xmlns:a16="http://schemas.microsoft.com/office/drawing/2014/main" id="{36004A61-DEFD-4FB3-9D6B-CF296B7A55F5}"/>
                 </a:ext>
               </a:extLst>
             </p:cNvPr>
@@ -24949,7 +25011,7 @@
             <p:cNvPr id="16" name="Picture 15">
               <a:extLst>
                 <a:ext uri="{FF2B5EF4-FFF2-40B4-BE49-F238E27FC236}">
-                  <a16:creationId xmlns:a16="http://schemas.microsoft.com/office/drawing/2014/main" xmlns="" id="{FDE9BF54-DEEA-40B0-86FE-3EB3B6363068}"/>
+                  <a16:creationId xmlns="" xmlns:a16="http://schemas.microsoft.com/office/drawing/2014/main" id="{FDE9BF54-DEEA-40B0-86FE-3EB3B6363068}"/>
                 </a:ext>
               </a:extLst>
             </p:cNvPr>
@@ -25002,7 +25064,7 @@
             <p:cNvPr id="17" name="Picture 16">
               <a:extLst>
                 <a:ext uri="{FF2B5EF4-FFF2-40B4-BE49-F238E27FC236}">
-                  <a16:creationId xmlns:a16="http://schemas.microsoft.com/office/drawing/2014/main" xmlns="" id="{00F0F55E-ED78-4966-A5A2-25B6083A5E6B}"/>
+                  <a16:creationId xmlns="" xmlns:a16="http://schemas.microsoft.com/office/drawing/2014/main" id="{00F0F55E-ED78-4966-A5A2-25B6083A5E6B}"/>
                 </a:ext>
               </a:extLst>
             </p:cNvPr>
@@ -25056,7 +25118,7 @@
           <p:cNvPr id="25" name="Text Placeholder 6">
             <a:extLst>
               <a:ext uri="{FF2B5EF4-FFF2-40B4-BE49-F238E27FC236}">
-                <a16:creationId xmlns:a16="http://schemas.microsoft.com/office/drawing/2014/main" xmlns="" id="{A2254201-FC55-4E9C-B0DD-ADB79EF9317E}"/>
+                <a16:creationId xmlns="" xmlns:a16="http://schemas.microsoft.com/office/drawing/2014/main" id="{A2254201-FC55-4E9C-B0DD-ADB79EF9317E}"/>
               </a:ext>
             </a:extLst>
           </p:cNvPr>
@@ -25136,7 +25198,7 @@
           <p:cNvPr id="26" name="Text Placeholder 6">
             <a:extLst>
               <a:ext uri="{FF2B5EF4-FFF2-40B4-BE49-F238E27FC236}">
-                <a16:creationId xmlns:a16="http://schemas.microsoft.com/office/drawing/2014/main" xmlns="" id="{361BAF7A-8DB0-4CC7-AFE4-FEDDF22F6E1F}"/>
+                <a16:creationId xmlns="" xmlns:a16="http://schemas.microsoft.com/office/drawing/2014/main" id="{361BAF7A-8DB0-4CC7-AFE4-FEDDF22F6E1F}"/>
               </a:ext>
             </a:extLst>
           </p:cNvPr>
@@ -25216,7 +25278,7 @@
           <p:cNvPr id="3" name="Picture Placeholder 2">
             <a:extLst>
               <a:ext uri="{FF2B5EF4-FFF2-40B4-BE49-F238E27FC236}">
-                <a16:creationId xmlns:a16="http://schemas.microsoft.com/office/drawing/2014/main" xmlns="" id="{3DE2F9C6-DD2E-4DCB-8676-5B4BA43AF451}"/>
+                <a16:creationId xmlns="" xmlns:a16="http://schemas.microsoft.com/office/drawing/2014/main" id="{3DE2F9C6-DD2E-4DCB-8676-5B4BA43AF451}"/>
               </a:ext>
             </a:extLst>
           </p:cNvPr>
@@ -25254,7 +25316,7 @@
           <p:cNvPr id="27" name="Picture Placeholder 2">
             <a:extLst>
               <a:ext uri="{FF2B5EF4-FFF2-40B4-BE49-F238E27FC236}">
-                <a16:creationId xmlns:a16="http://schemas.microsoft.com/office/drawing/2014/main" xmlns="" id="{8D837C4E-9C98-4D98-A2E9-F64913725513}"/>
+                <a16:creationId xmlns="" xmlns:a16="http://schemas.microsoft.com/office/drawing/2014/main" id="{8D837C4E-9C98-4D98-A2E9-F64913725513}"/>
               </a:ext>
             </a:extLst>
           </p:cNvPr>
@@ -25292,7 +25354,7 @@
           <p:cNvPr id="29" name="Text Placeholder 6">
             <a:extLst>
               <a:ext uri="{FF2B5EF4-FFF2-40B4-BE49-F238E27FC236}">
-                <a16:creationId xmlns:a16="http://schemas.microsoft.com/office/drawing/2014/main" xmlns="" id="{BF73A9FD-F435-49F9-A9CC-89F907319758}"/>
+                <a16:creationId xmlns="" xmlns:a16="http://schemas.microsoft.com/office/drawing/2014/main" id="{BF73A9FD-F435-49F9-A9CC-89F907319758}"/>
               </a:ext>
             </a:extLst>
           </p:cNvPr>
@@ -25365,7 +25427,7 @@
           <p:cNvPr id="30" name="Text Placeholder 6">
             <a:extLst>
               <a:ext uri="{FF2B5EF4-FFF2-40B4-BE49-F238E27FC236}">
-                <a16:creationId xmlns:a16="http://schemas.microsoft.com/office/drawing/2014/main" xmlns="" id="{05A6B4F1-770B-43E0-9E2F-84D5C02F809D}"/>
+                <a16:creationId xmlns="" xmlns:a16="http://schemas.microsoft.com/office/drawing/2014/main" id="{05A6B4F1-770B-43E0-9E2F-84D5C02F809D}"/>
               </a:ext>
             </a:extLst>
           </p:cNvPr>
@@ -25438,7 +25500,7 @@
           <p:cNvPr id="19" name="TextBox 18">
             <a:extLst>
               <a:ext uri="{FF2B5EF4-FFF2-40B4-BE49-F238E27FC236}">
-                <a16:creationId xmlns:a16="http://schemas.microsoft.com/office/drawing/2014/main" xmlns="" id="{DFE70DE0-DC47-437F-B5FE-4F63D4C35DF1}"/>
+                <a16:creationId xmlns="" xmlns:a16="http://schemas.microsoft.com/office/drawing/2014/main" id="{DFE70DE0-DC47-437F-B5FE-4F63D4C35DF1}"/>
               </a:ext>
             </a:extLst>
           </p:cNvPr>
@@ -25620,7 +25682,7 @@
           <p:cNvPr id="4" name="Group 3">
             <a:extLst>
               <a:ext uri="{FF2B5EF4-FFF2-40B4-BE49-F238E27FC236}">
-                <a16:creationId xmlns:a16="http://schemas.microsoft.com/office/drawing/2014/main" xmlns="" id="{4B3E617D-293D-4BB5-8F23-78F186F4D823}"/>
+                <a16:creationId xmlns="" xmlns:a16="http://schemas.microsoft.com/office/drawing/2014/main" id="{4B3E617D-293D-4BB5-8F23-78F186F4D823}"/>
               </a:ext>
             </a:extLst>
           </p:cNvPr>
@@ -25640,7 +25702,7 @@
             <p:cNvPr id="5" name="Picture 4">
               <a:extLst>
                 <a:ext uri="{FF2B5EF4-FFF2-40B4-BE49-F238E27FC236}">
-                  <a16:creationId xmlns:a16="http://schemas.microsoft.com/office/drawing/2014/main" xmlns="" id="{FCB9AAC0-E020-4527-A4A2-1BAF10A64345}"/>
+                  <a16:creationId xmlns="" xmlns:a16="http://schemas.microsoft.com/office/drawing/2014/main" id="{FCB9AAC0-E020-4527-A4A2-1BAF10A64345}"/>
                 </a:ext>
               </a:extLst>
             </p:cNvPr>
@@ -25684,7 +25746,7 @@
             <p:cNvPr id="6" name="Picture 5">
               <a:extLst>
                 <a:ext uri="{FF2B5EF4-FFF2-40B4-BE49-F238E27FC236}">
-                  <a16:creationId xmlns:a16="http://schemas.microsoft.com/office/drawing/2014/main" xmlns="" id="{541FA1DB-BA93-4169-9FE7-EA370854285D}"/>
+                  <a16:creationId xmlns="" xmlns:a16="http://schemas.microsoft.com/office/drawing/2014/main" id="{541FA1DB-BA93-4169-9FE7-EA370854285D}"/>
                 </a:ext>
               </a:extLst>
             </p:cNvPr>
@@ -25728,7 +25790,7 @@
             <p:cNvPr id="7" name="Picture 6">
               <a:extLst>
                 <a:ext uri="{FF2B5EF4-FFF2-40B4-BE49-F238E27FC236}">
-                  <a16:creationId xmlns:a16="http://schemas.microsoft.com/office/drawing/2014/main" xmlns="" id="{35A8DC9A-DB20-4753-89A9-B584089F9544}"/>
+                  <a16:creationId xmlns="" xmlns:a16="http://schemas.microsoft.com/office/drawing/2014/main" id="{35A8DC9A-DB20-4753-89A9-B584089F9544}"/>
                 </a:ext>
               </a:extLst>
             </p:cNvPr>
@@ -25781,7 +25843,7 @@
             <p:cNvPr id="8" name="Picture 7">
               <a:extLst>
                 <a:ext uri="{FF2B5EF4-FFF2-40B4-BE49-F238E27FC236}">
-                  <a16:creationId xmlns:a16="http://schemas.microsoft.com/office/drawing/2014/main" xmlns="" id="{D8D68EC4-C3B4-44C6-89CB-D57A81F721F2}"/>
+                  <a16:creationId xmlns="" xmlns:a16="http://schemas.microsoft.com/office/drawing/2014/main" id="{D8D68EC4-C3B4-44C6-89CB-D57A81F721F2}"/>
                 </a:ext>
               </a:extLst>
             </p:cNvPr>
@@ -25873,7 +25935,7 @@
           <p:cNvPr id="8" name="Picture 7">
             <a:extLst>
               <a:ext uri="{FF2B5EF4-FFF2-40B4-BE49-F238E27FC236}">
-                <a16:creationId xmlns:a16="http://schemas.microsoft.com/office/drawing/2014/main" xmlns="" id="{F273CAFC-33CA-47A0-B63F-580EE8706ECC}"/>
+                <a16:creationId xmlns="" xmlns:a16="http://schemas.microsoft.com/office/drawing/2014/main" id="{F273CAFC-33CA-47A0-B63F-580EE8706ECC}"/>
               </a:ext>
             </a:extLst>
           </p:cNvPr>
@@ -25994,7 +26056,7 @@
           <p:cNvPr id="2" name="Group 1">
             <a:extLst>
               <a:ext uri="{FF2B5EF4-FFF2-40B4-BE49-F238E27FC236}">
-                <a16:creationId xmlns:a16="http://schemas.microsoft.com/office/drawing/2014/main" xmlns="" id="{874D17E6-917E-4CEC-950D-286565587A89}"/>
+                <a16:creationId xmlns="" xmlns:a16="http://schemas.microsoft.com/office/drawing/2014/main" id="{874D17E6-917E-4CEC-950D-286565587A89}"/>
               </a:ext>
             </a:extLst>
           </p:cNvPr>
@@ -26014,7 +26076,7 @@
             <p:cNvPr id="10" name="Straight Connector 9">
               <a:extLst>
                 <a:ext uri="{FF2B5EF4-FFF2-40B4-BE49-F238E27FC236}">
-                  <a16:creationId xmlns:a16="http://schemas.microsoft.com/office/drawing/2014/main" xmlns="" id="{9140F6FE-87BA-43C0-ABEF-21A3AEC23039}"/>
+                  <a16:creationId xmlns="" xmlns:a16="http://schemas.microsoft.com/office/drawing/2014/main" id="{9140F6FE-87BA-43C0-ABEF-21A3AEC23039}"/>
                 </a:ext>
               </a:extLst>
             </p:cNvPr>
@@ -26057,7 +26119,7 @@
             <p:cNvPr id="12" name="Picture 11">
               <a:extLst>
                 <a:ext uri="{FF2B5EF4-FFF2-40B4-BE49-F238E27FC236}">
-                  <a16:creationId xmlns:a16="http://schemas.microsoft.com/office/drawing/2014/main" xmlns="" id="{F7B41BA2-520F-4160-9574-35B160DDFDCB}"/>
+                  <a16:creationId xmlns="" xmlns:a16="http://schemas.microsoft.com/office/drawing/2014/main" id="{F7B41BA2-520F-4160-9574-35B160DDFDCB}"/>
                 </a:ext>
               </a:extLst>
             </p:cNvPr>
@@ -26094,7 +26156,7 @@
             <p:cNvPr id="13" name="Group 12">
               <a:extLst>
                 <a:ext uri="{FF2B5EF4-FFF2-40B4-BE49-F238E27FC236}">
-                  <a16:creationId xmlns:a16="http://schemas.microsoft.com/office/drawing/2014/main" xmlns="" id="{5754AE95-74E7-475C-9849-33EBD44DDC4B}"/>
+                  <a16:creationId xmlns="" xmlns:a16="http://schemas.microsoft.com/office/drawing/2014/main" id="{5754AE95-74E7-475C-9849-33EBD44DDC4B}"/>
                 </a:ext>
               </a:extLst>
             </p:cNvPr>
@@ -26114,7 +26176,7 @@
               <p:cNvPr id="14" name="Picture 13">
                 <a:extLst>
                   <a:ext uri="{FF2B5EF4-FFF2-40B4-BE49-F238E27FC236}">
-                    <a16:creationId xmlns:a16="http://schemas.microsoft.com/office/drawing/2014/main" xmlns="" id="{36450F7E-8E5F-4A06-934E-44928F9E159D}"/>
+                    <a16:creationId xmlns="" xmlns:a16="http://schemas.microsoft.com/office/drawing/2014/main" id="{36450F7E-8E5F-4A06-934E-44928F9E159D}"/>
                   </a:ext>
                 </a:extLst>
               </p:cNvPr>
@@ -26151,7 +26213,7 @@
               <p:cNvPr id="16" name="Picture 15">
                 <a:extLst>
                   <a:ext uri="{FF2B5EF4-FFF2-40B4-BE49-F238E27FC236}">
-                    <a16:creationId xmlns:a16="http://schemas.microsoft.com/office/drawing/2014/main" xmlns="" id="{93E9C61E-EECF-453F-A9A1-10AEDED67173}"/>
+                    <a16:creationId xmlns="" xmlns:a16="http://schemas.microsoft.com/office/drawing/2014/main" id="{93E9C61E-EECF-453F-A9A1-10AEDED67173}"/>
                   </a:ext>
                 </a:extLst>
               </p:cNvPr>
@@ -26188,7 +26250,7 @@
               <p:cNvPr id="17" name="Picture 16">
                 <a:extLst>
                   <a:ext uri="{FF2B5EF4-FFF2-40B4-BE49-F238E27FC236}">
-                    <a16:creationId xmlns:a16="http://schemas.microsoft.com/office/drawing/2014/main" xmlns="" id="{E806F4E7-08A6-4FB1-B047-255D9CA3363B}"/>
+                    <a16:creationId xmlns="" xmlns:a16="http://schemas.microsoft.com/office/drawing/2014/main" id="{E806F4E7-08A6-4FB1-B047-255D9CA3363B}"/>
                   </a:ext>
                 </a:extLst>
               </p:cNvPr>
@@ -26225,7 +26287,7 @@
               <p:cNvPr id="18" name="Picture 17">
                 <a:extLst>
                   <a:ext uri="{FF2B5EF4-FFF2-40B4-BE49-F238E27FC236}">
-                    <a16:creationId xmlns:a16="http://schemas.microsoft.com/office/drawing/2014/main" xmlns="" id="{7084AF1D-2556-4F4F-AAF7-4043D927C9AF}"/>
+                    <a16:creationId xmlns="" xmlns:a16="http://schemas.microsoft.com/office/drawing/2014/main" id="{7084AF1D-2556-4F4F-AAF7-4043D927C9AF}"/>
                   </a:ext>
                 </a:extLst>
               </p:cNvPr>
@@ -26262,7 +26324,7 @@
               <p:cNvPr id="19" name="Picture 18">
                 <a:extLst>
                   <a:ext uri="{FF2B5EF4-FFF2-40B4-BE49-F238E27FC236}">
-                    <a16:creationId xmlns:a16="http://schemas.microsoft.com/office/drawing/2014/main" xmlns="" id="{84204CB6-6B6E-4330-A9DB-B191FEF9793F}"/>
+                    <a16:creationId xmlns="" xmlns:a16="http://schemas.microsoft.com/office/drawing/2014/main" id="{84204CB6-6B6E-4330-A9DB-B191FEF9793F}"/>
                   </a:ext>
                 </a:extLst>
               </p:cNvPr>
@@ -26299,7 +26361,7 @@
               <p:cNvPr id="20" name="Picture 19">
                 <a:extLst>
                   <a:ext uri="{FF2B5EF4-FFF2-40B4-BE49-F238E27FC236}">
-                    <a16:creationId xmlns:a16="http://schemas.microsoft.com/office/drawing/2014/main" xmlns="" id="{674B8B85-BBB3-437A-8456-CD5EDB81837E}"/>
+                    <a16:creationId xmlns="" xmlns:a16="http://schemas.microsoft.com/office/drawing/2014/main" id="{674B8B85-BBB3-437A-8456-CD5EDB81837E}"/>
                   </a:ext>
                 </a:extLst>
               </p:cNvPr>
@@ -26338,7 +26400,7 @@
           <p:cNvPr id="15" name="Callout: Bent Line 14">
             <a:extLst>
               <a:ext uri="{FF2B5EF4-FFF2-40B4-BE49-F238E27FC236}">
-                <a16:creationId xmlns:a16="http://schemas.microsoft.com/office/drawing/2014/main" xmlns="" id="{EADE94FB-EE0B-4405-8F25-A4E79A154E2C}"/>
+                <a16:creationId xmlns="" xmlns:a16="http://schemas.microsoft.com/office/drawing/2014/main" id="{EADE94FB-EE0B-4405-8F25-A4E79A154E2C}"/>
               </a:ext>
             </a:extLst>
           </p:cNvPr>
@@ -26640,7 +26702,7 @@
           <p:cNvPr id="4" name="Title 1">
             <a:extLst>
               <a:ext uri="{FF2B5EF4-FFF2-40B4-BE49-F238E27FC236}">
-                <a16:creationId xmlns:a16="http://schemas.microsoft.com/office/drawing/2014/main" xmlns="" id="{CEC573B1-19E4-43FE-9BB2-89AD54017FFF}"/>
+                <a16:creationId xmlns="" xmlns:a16="http://schemas.microsoft.com/office/drawing/2014/main" id="{CEC573B1-19E4-43FE-9BB2-89AD54017FFF}"/>
               </a:ext>
             </a:extLst>
           </p:cNvPr>
@@ -26681,7 +26743,7 @@
           <p:cNvPr id="5" name="Group 4">
             <a:extLst>
               <a:ext uri="{FF2B5EF4-FFF2-40B4-BE49-F238E27FC236}">
-                <a16:creationId xmlns:a16="http://schemas.microsoft.com/office/drawing/2014/main" xmlns="" id="{0AC14DFB-2F45-4509-A296-3FCAB0F4EF59}"/>
+                <a16:creationId xmlns="" xmlns:a16="http://schemas.microsoft.com/office/drawing/2014/main" id="{0AC14DFB-2F45-4509-A296-3FCAB0F4EF59}"/>
               </a:ext>
             </a:extLst>
           </p:cNvPr>
@@ -26701,7 +26763,7 @@
             <p:cNvPr id="6" name="Picture 5">
               <a:extLst>
                 <a:ext uri="{FF2B5EF4-FFF2-40B4-BE49-F238E27FC236}">
-                  <a16:creationId xmlns:a16="http://schemas.microsoft.com/office/drawing/2014/main" xmlns="" id="{502FA3F9-AF42-4986-A80F-3B705E9AC3FF}"/>
+                  <a16:creationId xmlns="" xmlns:a16="http://schemas.microsoft.com/office/drawing/2014/main" id="{502FA3F9-AF42-4986-A80F-3B705E9AC3FF}"/>
                 </a:ext>
               </a:extLst>
             </p:cNvPr>
@@ -26745,7 +26807,7 @@
             <p:cNvPr id="8" name="Picture 7">
               <a:extLst>
                 <a:ext uri="{FF2B5EF4-FFF2-40B4-BE49-F238E27FC236}">
-                  <a16:creationId xmlns:a16="http://schemas.microsoft.com/office/drawing/2014/main" xmlns="" id="{686A8E1B-19F9-4A7A-9820-A4B4FAAB729E}"/>
+                  <a16:creationId xmlns="" xmlns:a16="http://schemas.microsoft.com/office/drawing/2014/main" id="{686A8E1B-19F9-4A7A-9820-A4B4FAAB729E}"/>
                 </a:ext>
               </a:extLst>
             </p:cNvPr>
@@ -26789,7 +26851,7 @@
             <p:cNvPr id="9" name="Picture 8">
               <a:extLst>
                 <a:ext uri="{FF2B5EF4-FFF2-40B4-BE49-F238E27FC236}">
-                  <a16:creationId xmlns:a16="http://schemas.microsoft.com/office/drawing/2014/main" xmlns="" id="{6EEF45DF-3EB8-4175-B086-01491119D84F}"/>
+                  <a16:creationId xmlns="" xmlns:a16="http://schemas.microsoft.com/office/drawing/2014/main" id="{6EEF45DF-3EB8-4175-B086-01491119D84F}"/>
                 </a:ext>
               </a:extLst>
             </p:cNvPr>
@@ -26842,7 +26904,7 @@
             <p:cNvPr id="10" name="Picture 9">
               <a:extLst>
                 <a:ext uri="{FF2B5EF4-FFF2-40B4-BE49-F238E27FC236}">
-                  <a16:creationId xmlns:a16="http://schemas.microsoft.com/office/drawing/2014/main" xmlns="" id="{49B37305-5C09-4BD1-99AD-4F8EAADAA013}"/>
+                  <a16:creationId xmlns="" xmlns:a16="http://schemas.microsoft.com/office/drawing/2014/main" id="{49B37305-5C09-4BD1-99AD-4F8EAADAA013}"/>
                 </a:ext>
               </a:extLst>
             </p:cNvPr>
@@ -26979,7 +27041,7 @@
           <p:cNvPr id="7" name="Text Placeholder 6">
             <a:extLst>
               <a:ext uri="{FF2B5EF4-FFF2-40B4-BE49-F238E27FC236}">
-                <a16:creationId xmlns:a16="http://schemas.microsoft.com/office/drawing/2014/main" xmlns="" id="{C9FBEF60-0EDA-46F0-AEB7-C693788A6E97}"/>
+                <a16:creationId xmlns="" xmlns:a16="http://schemas.microsoft.com/office/drawing/2014/main" id="{C9FBEF60-0EDA-46F0-AEB7-C693788A6E97}"/>
               </a:ext>
             </a:extLst>
           </p:cNvPr>
@@ -27032,7 +27094,7 @@
           <p:cNvPr id="8" name="Title 1">
             <a:extLst>
               <a:ext uri="{FF2B5EF4-FFF2-40B4-BE49-F238E27FC236}">
-                <a16:creationId xmlns:a16="http://schemas.microsoft.com/office/drawing/2014/main" xmlns="" id="{5985FD9A-3BC0-42C4-8D53-0C108BE6454D}"/>
+                <a16:creationId xmlns="" xmlns:a16="http://schemas.microsoft.com/office/drawing/2014/main" id="{5985FD9A-3BC0-42C4-8D53-0C108BE6454D}"/>
               </a:ext>
             </a:extLst>
           </p:cNvPr>
@@ -27158,7 +27220,7 @@
           <p:cNvPr id="5" name="Title 1">
             <a:extLst>
               <a:ext uri="{FF2B5EF4-FFF2-40B4-BE49-F238E27FC236}">
-                <a16:creationId xmlns:a16="http://schemas.microsoft.com/office/drawing/2014/main" xmlns="" id="{BEA8C975-16F5-4DFB-9A1E-C240B3FD234C}"/>
+                <a16:creationId xmlns="" xmlns:a16="http://schemas.microsoft.com/office/drawing/2014/main" id="{BEA8C975-16F5-4DFB-9A1E-C240B3FD234C}"/>
               </a:ext>
             </a:extLst>
           </p:cNvPr>
@@ -27199,7 +27261,7 @@
           <p:cNvPr id="6" name="Group 5">
             <a:extLst>
               <a:ext uri="{FF2B5EF4-FFF2-40B4-BE49-F238E27FC236}">
-                <a16:creationId xmlns:a16="http://schemas.microsoft.com/office/drawing/2014/main" xmlns="" id="{6D9918AC-1F27-495F-803B-A23D00135ABC}"/>
+                <a16:creationId xmlns="" xmlns:a16="http://schemas.microsoft.com/office/drawing/2014/main" id="{6D9918AC-1F27-495F-803B-A23D00135ABC}"/>
               </a:ext>
             </a:extLst>
           </p:cNvPr>
@@ -27219,7 +27281,7 @@
             <p:cNvPr id="7" name="Picture 6">
               <a:extLst>
                 <a:ext uri="{FF2B5EF4-FFF2-40B4-BE49-F238E27FC236}">
-                  <a16:creationId xmlns:a16="http://schemas.microsoft.com/office/drawing/2014/main" xmlns="" id="{773371F2-77B6-4913-8914-E3A68400845E}"/>
+                  <a16:creationId xmlns="" xmlns:a16="http://schemas.microsoft.com/office/drawing/2014/main" id="{773371F2-77B6-4913-8914-E3A68400845E}"/>
                 </a:ext>
               </a:extLst>
             </p:cNvPr>
@@ -27263,7 +27325,7 @@
             <p:cNvPr id="8" name="Picture 7">
               <a:extLst>
                 <a:ext uri="{FF2B5EF4-FFF2-40B4-BE49-F238E27FC236}">
-                  <a16:creationId xmlns:a16="http://schemas.microsoft.com/office/drawing/2014/main" xmlns="" id="{629FCEC3-1E87-4597-8084-D0E92253B278}"/>
+                  <a16:creationId xmlns="" xmlns:a16="http://schemas.microsoft.com/office/drawing/2014/main" id="{629FCEC3-1E87-4597-8084-D0E92253B278}"/>
                 </a:ext>
               </a:extLst>
             </p:cNvPr>
@@ -27307,7 +27369,7 @@
             <p:cNvPr id="9" name="Picture 8">
               <a:extLst>
                 <a:ext uri="{FF2B5EF4-FFF2-40B4-BE49-F238E27FC236}">
-                  <a16:creationId xmlns:a16="http://schemas.microsoft.com/office/drawing/2014/main" xmlns="" id="{433DAE75-4D3A-447B-A8A2-1A6F9837D249}"/>
+                  <a16:creationId xmlns="" xmlns:a16="http://schemas.microsoft.com/office/drawing/2014/main" id="{433DAE75-4D3A-447B-A8A2-1A6F9837D249}"/>
                 </a:ext>
               </a:extLst>
             </p:cNvPr>
@@ -27360,7 +27422,7 @@
             <p:cNvPr id="10" name="Picture 9">
               <a:extLst>
                 <a:ext uri="{FF2B5EF4-FFF2-40B4-BE49-F238E27FC236}">
-                  <a16:creationId xmlns:a16="http://schemas.microsoft.com/office/drawing/2014/main" xmlns="" id="{B822F676-1974-472B-B240-2A7812516E95}"/>
+                  <a16:creationId xmlns="" xmlns:a16="http://schemas.microsoft.com/office/drawing/2014/main" id="{B822F676-1974-472B-B240-2A7812516E95}"/>
                 </a:ext>
               </a:extLst>
             </p:cNvPr>
@@ -27591,7 +27653,7 @@
           <p:cNvPr id="7" name="Text Placeholder 6">
             <a:extLst>
               <a:ext uri="{FF2B5EF4-FFF2-40B4-BE49-F238E27FC236}">
-                <a16:creationId xmlns:a16="http://schemas.microsoft.com/office/drawing/2014/main" xmlns="" id="{E6F0EDA4-3B69-4CD7-9631-FDA32B78A6E6}"/>
+                <a16:creationId xmlns="" xmlns:a16="http://schemas.microsoft.com/office/drawing/2014/main" id="{E6F0EDA4-3B69-4CD7-9631-FDA32B78A6E6}"/>
               </a:ext>
             </a:extLst>
           </p:cNvPr>
@@ -27644,7 +27706,7 @@
           <p:cNvPr id="9" name="Title 1">
             <a:extLst>
               <a:ext uri="{FF2B5EF4-FFF2-40B4-BE49-F238E27FC236}">
-                <a16:creationId xmlns:a16="http://schemas.microsoft.com/office/drawing/2014/main" xmlns="" id="{5B1AFCDC-4482-4BE5-8EC1-532183E82F8B}"/>
+                <a16:creationId xmlns="" xmlns:a16="http://schemas.microsoft.com/office/drawing/2014/main" id="{5B1AFCDC-4482-4BE5-8EC1-532183E82F8B}"/>
               </a:ext>
             </a:extLst>
           </p:cNvPr>
@@ -27715,7 +27777,7 @@
           <p:cNvPr id="5" name="Picture Placeholder 4">
             <a:extLst>
               <a:ext uri="{FF2B5EF4-FFF2-40B4-BE49-F238E27FC236}">
-                <a16:creationId xmlns:a16="http://schemas.microsoft.com/office/drawing/2014/main" xmlns="" id="{14DADB3D-04D6-4DE9-967A-09854C892503}"/>
+                <a16:creationId xmlns="" xmlns:a16="http://schemas.microsoft.com/office/drawing/2014/main" id="{14DADB3D-04D6-4DE9-967A-09854C892503}"/>
               </a:ext>
             </a:extLst>
           </p:cNvPr>
@@ -27760,7 +27822,7 @@
           <p:cNvPr id="17" name="Picture Placeholder 4">
             <a:extLst>
               <a:ext uri="{FF2B5EF4-FFF2-40B4-BE49-F238E27FC236}">
-                <a16:creationId xmlns:a16="http://schemas.microsoft.com/office/drawing/2014/main" xmlns="" id="{79D3A65E-0510-4586-92D4-CE445368A4E2}"/>
+                <a16:creationId xmlns="" xmlns:a16="http://schemas.microsoft.com/office/drawing/2014/main" id="{79D3A65E-0510-4586-92D4-CE445368A4E2}"/>
               </a:ext>
             </a:extLst>
           </p:cNvPr>
@@ -27805,7 +27867,7 @@
           <p:cNvPr id="18" name="Picture Placeholder 4">
             <a:extLst>
               <a:ext uri="{FF2B5EF4-FFF2-40B4-BE49-F238E27FC236}">
-                <a16:creationId xmlns:a16="http://schemas.microsoft.com/office/drawing/2014/main" xmlns="" id="{DEB3903A-F4AA-4A84-A3EC-0C446A3C5DC0}"/>
+                <a16:creationId xmlns="" xmlns:a16="http://schemas.microsoft.com/office/drawing/2014/main" id="{DEB3903A-F4AA-4A84-A3EC-0C446A3C5DC0}"/>
               </a:ext>
             </a:extLst>
           </p:cNvPr>
@@ -27850,7 +27912,7 @@
           <p:cNvPr id="19" name="Picture Placeholder 4">
             <a:extLst>
               <a:ext uri="{FF2B5EF4-FFF2-40B4-BE49-F238E27FC236}">
-                <a16:creationId xmlns:a16="http://schemas.microsoft.com/office/drawing/2014/main" xmlns="" id="{F4DFD873-6F2A-4978-BE3C-A4D1439D6701}"/>
+                <a16:creationId xmlns="" xmlns:a16="http://schemas.microsoft.com/office/drawing/2014/main" id="{F4DFD873-6F2A-4978-BE3C-A4D1439D6701}"/>
               </a:ext>
             </a:extLst>
           </p:cNvPr>
@@ -27895,7 +27957,7 @@
           <p:cNvPr id="20" name="Picture Placeholder 4">
             <a:extLst>
               <a:ext uri="{FF2B5EF4-FFF2-40B4-BE49-F238E27FC236}">
-                <a16:creationId xmlns:a16="http://schemas.microsoft.com/office/drawing/2014/main" xmlns="" id="{65511273-774A-4D68-9560-76F27C76386C}"/>
+                <a16:creationId xmlns="" xmlns:a16="http://schemas.microsoft.com/office/drawing/2014/main" id="{65511273-774A-4D68-9560-76F27C76386C}"/>
               </a:ext>
             </a:extLst>
           </p:cNvPr>
@@ -27940,7 +28002,7 @@
           <p:cNvPr id="21" name="Picture Placeholder 4">
             <a:extLst>
               <a:ext uri="{FF2B5EF4-FFF2-40B4-BE49-F238E27FC236}">
-                <a16:creationId xmlns:a16="http://schemas.microsoft.com/office/drawing/2014/main" xmlns="" id="{E134A539-E63C-497F-B727-1BC0344C9519}"/>
+                <a16:creationId xmlns="" xmlns:a16="http://schemas.microsoft.com/office/drawing/2014/main" id="{E134A539-E63C-497F-B727-1BC0344C9519}"/>
               </a:ext>
             </a:extLst>
           </p:cNvPr>
@@ -27985,7 +28047,7 @@
           <p:cNvPr id="7" name="Text Placeholder 6">
             <a:extLst>
               <a:ext uri="{FF2B5EF4-FFF2-40B4-BE49-F238E27FC236}">
-                <a16:creationId xmlns:a16="http://schemas.microsoft.com/office/drawing/2014/main" xmlns="" id="{E6F0EDA4-3B69-4CD7-9631-FDA32B78A6E6}"/>
+                <a16:creationId xmlns="" xmlns:a16="http://schemas.microsoft.com/office/drawing/2014/main" id="{E6F0EDA4-3B69-4CD7-9631-FDA32B78A6E6}"/>
               </a:ext>
             </a:extLst>
           </p:cNvPr>
@@ -28038,7 +28100,7 @@
           <p:cNvPr id="9" name="Title 1">
             <a:extLst>
               <a:ext uri="{FF2B5EF4-FFF2-40B4-BE49-F238E27FC236}">
-                <a16:creationId xmlns:a16="http://schemas.microsoft.com/office/drawing/2014/main" xmlns="" id="{5B1AFCDC-4482-4BE5-8EC1-532183E82F8B}"/>
+                <a16:creationId xmlns="" xmlns:a16="http://schemas.microsoft.com/office/drawing/2014/main" id="{5B1AFCDC-4482-4BE5-8EC1-532183E82F8B}"/>
               </a:ext>
             </a:extLst>
           </p:cNvPr>
@@ -28109,7 +28171,7 @@
           <p:cNvPr id="27" name="Picture Placeholder 4">
             <a:extLst>
               <a:ext uri="{FF2B5EF4-FFF2-40B4-BE49-F238E27FC236}">
-                <a16:creationId xmlns:a16="http://schemas.microsoft.com/office/drawing/2014/main" xmlns="" id="{0752DE09-0767-4B17-A1A7-CF8D88845751}"/>
+                <a16:creationId xmlns="" xmlns:a16="http://schemas.microsoft.com/office/drawing/2014/main" id="{0752DE09-0767-4B17-A1A7-CF8D88845751}"/>
               </a:ext>
             </a:extLst>
           </p:cNvPr>
@@ -28154,7 +28216,7 @@
           <p:cNvPr id="5" name="Picture Placeholder 4">
             <a:extLst>
               <a:ext uri="{FF2B5EF4-FFF2-40B4-BE49-F238E27FC236}">
-                <a16:creationId xmlns:a16="http://schemas.microsoft.com/office/drawing/2014/main" xmlns="" id="{14DADB3D-04D6-4DE9-967A-09854C892503}"/>
+                <a16:creationId xmlns="" xmlns:a16="http://schemas.microsoft.com/office/drawing/2014/main" id="{14DADB3D-04D6-4DE9-967A-09854C892503}"/>
               </a:ext>
             </a:extLst>
           </p:cNvPr>
@@ -28199,7 +28261,7 @@
           <p:cNvPr id="7" name="Text Placeholder 6">
             <a:extLst>
               <a:ext uri="{FF2B5EF4-FFF2-40B4-BE49-F238E27FC236}">
-                <a16:creationId xmlns:a16="http://schemas.microsoft.com/office/drawing/2014/main" xmlns="" id="{E6F0EDA4-3B69-4CD7-9631-FDA32B78A6E6}"/>
+                <a16:creationId xmlns="" xmlns:a16="http://schemas.microsoft.com/office/drawing/2014/main" id="{E6F0EDA4-3B69-4CD7-9631-FDA32B78A6E6}"/>
               </a:ext>
             </a:extLst>
           </p:cNvPr>
@@ -28252,7 +28314,7 @@
           <p:cNvPr id="9" name="Title 1">
             <a:extLst>
               <a:ext uri="{FF2B5EF4-FFF2-40B4-BE49-F238E27FC236}">
-                <a16:creationId xmlns:a16="http://schemas.microsoft.com/office/drawing/2014/main" xmlns="" id="{5B1AFCDC-4482-4BE5-8EC1-532183E82F8B}"/>
+                <a16:creationId xmlns="" xmlns:a16="http://schemas.microsoft.com/office/drawing/2014/main" id="{5B1AFCDC-4482-4BE5-8EC1-532183E82F8B}"/>
               </a:ext>
             </a:extLst>
           </p:cNvPr>
@@ -28293,7 +28355,7 @@
           <p:cNvPr id="25" name="Picture Placeholder 4">
             <a:extLst>
               <a:ext uri="{FF2B5EF4-FFF2-40B4-BE49-F238E27FC236}">
-                <a16:creationId xmlns:a16="http://schemas.microsoft.com/office/drawing/2014/main" xmlns="" id="{824ADE96-C5DC-4ECC-9741-2AF62E710F5C}"/>
+                <a16:creationId xmlns="" xmlns:a16="http://schemas.microsoft.com/office/drawing/2014/main" id="{824ADE96-C5DC-4ECC-9741-2AF62E710F5C}"/>
               </a:ext>
             </a:extLst>
           </p:cNvPr>
@@ -28338,7 +28400,7 @@
           <p:cNvPr id="26" name="Picture Placeholder 4">
             <a:extLst>
               <a:ext uri="{FF2B5EF4-FFF2-40B4-BE49-F238E27FC236}">
-                <a16:creationId xmlns:a16="http://schemas.microsoft.com/office/drawing/2014/main" xmlns="" id="{11F13FB7-EAFC-4F61-904A-06E92052DA76}"/>
+                <a16:creationId xmlns="" xmlns:a16="http://schemas.microsoft.com/office/drawing/2014/main" id="{11F13FB7-EAFC-4F61-904A-06E92052DA76}"/>
               </a:ext>
             </a:extLst>
           </p:cNvPr>
@@ -28383,7 +28445,7 @@
           <p:cNvPr id="28" name="Picture Placeholder 4">
             <a:extLst>
               <a:ext uri="{FF2B5EF4-FFF2-40B4-BE49-F238E27FC236}">
-                <a16:creationId xmlns:a16="http://schemas.microsoft.com/office/drawing/2014/main" xmlns="" id="{51B653CA-2181-4414-B253-FE615375FFF9}"/>
+                <a16:creationId xmlns="" xmlns:a16="http://schemas.microsoft.com/office/drawing/2014/main" id="{51B653CA-2181-4414-B253-FE615375FFF9}"/>
               </a:ext>
             </a:extLst>
           </p:cNvPr>
@@ -28428,7 +28490,7 @@
           <p:cNvPr id="29" name="Picture Placeholder 4">
             <a:extLst>
               <a:ext uri="{FF2B5EF4-FFF2-40B4-BE49-F238E27FC236}">
-                <a16:creationId xmlns:a16="http://schemas.microsoft.com/office/drawing/2014/main" xmlns="" id="{BC25F631-0AE1-487C-AC56-836223C64257}"/>
+                <a16:creationId xmlns="" xmlns:a16="http://schemas.microsoft.com/office/drawing/2014/main" id="{BC25F631-0AE1-487C-AC56-836223C64257}"/>
               </a:ext>
             </a:extLst>
           </p:cNvPr>
@@ -28473,7 +28535,7 @@
           <p:cNvPr id="30" name="Picture Placeholder 4">
             <a:extLst>
               <a:ext uri="{FF2B5EF4-FFF2-40B4-BE49-F238E27FC236}">
-                <a16:creationId xmlns:a16="http://schemas.microsoft.com/office/drawing/2014/main" xmlns="" id="{8B1BD9B3-BEAE-4572-8A9F-3553860D0A23}"/>
+                <a16:creationId xmlns="" xmlns:a16="http://schemas.microsoft.com/office/drawing/2014/main" id="{8B1BD9B3-BEAE-4572-8A9F-3553860D0A23}"/>
               </a:ext>
             </a:extLst>
           </p:cNvPr>
@@ -28518,7 +28580,7 @@
           <p:cNvPr id="31" name="Picture Placeholder 4">
             <a:extLst>
               <a:ext uri="{FF2B5EF4-FFF2-40B4-BE49-F238E27FC236}">
-                <a16:creationId xmlns:a16="http://schemas.microsoft.com/office/drawing/2014/main" xmlns="" id="{1F43FC1C-88CF-44C6-AC4E-B9BE8D368935}"/>
+                <a16:creationId xmlns="" xmlns:a16="http://schemas.microsoft.com/office/drawing/2014/main" id="{1F43FC1C-88CF-44C6-AC4E-B9BE8D368935}"/>
               </a:ext>
             </a:extLst>
           </p:cNvPr>
@@ -28563,7 +28625,7 @@
           <p:cNvPr id="32" name="Picture Placeholder 4">
             <a:extLst>
               <a:ext uri="{FF2B5EF4-FFF2-40B4-BE49-F238E27FC236}">
-                <a16:creationId xmlns:a16="http://schemas.microsoft.com/office/drawing/2014/main" xmlns="" id="{3F203F8E-CB34-4932-8439-38A8ECD9624E}"/>
+                <a16:creationId xmlns="" xmlns:a16="http://schemas.microsoft.com/office/drawing/2014/main" id="{3F203F8E-CB34-4932-8439-38A8ECD9624E}"/>
               </a:ext>
             </a:extLst>
           </p:cNvPr>
@@ -28608,7 +28670,7 @@
           <p:cNvPr id="33" name="Picture Placeholder 4">
             <a:extLst>
               <a:ext uri="{FF2B5EF4-FFF2-40B4-BE49-F238E27FC236}">
-                <a16:creationId xmlns:a16="http://schemas.microsoft.com/office/drawing/2014/main" xmlns="" id="{6DB087BA-BE51-4439-8BA7-8AF5ECD4DFA6}"/>
+                <a16:creationId xmlns="" xmlns:a16="http://schemas.microsoft.com/office/drawing/2014/main" id="{6DB087BA-BE51-4439-8BA7-8AF5ECD4DFA6}"/>
               </a:ext>
             </a:extLst>
           </p:cNvPr>
@@ -28683,7 +28745,7 @@
           <p:cNvPr id="29" name="Picture Placeholder 4">
             <a:extLst>
               <a:ext uri="{FF2B5EF4-FFF2-40B4-BE49-F238E27FC236}">
-                <a16:creationId xmlns:a16="http://schemas.microsoft.com/office/drawing/2014/main" xmlns="" id="{BC25F631-0AE1-487C-AC56-836223C64257}"/>
+                <a16:creationId xmlns="" xmlns:a16="http://schemas.microsoft.com/office/drawing/2014/main" id="{BC25F631-0AE1-487C-AC56-836223C64257}"/>
               </a:ext>
             </a:extLst>
           </p:cNvPr>
@@ -28728,7 +28790,7 @@
           <p:cNvPr id="5" name="Picture Placeholder 4">
             <a:extLst>
               <a:ext uri="{FF2B5EF4-FFF2-40B4-BE49-F238E27FC236}">
-                <a16:creationId xmlns:a16="http://schemas.microsoft.com/office/drawing/2014/main" xmlns="" id="{14DADB3D-04D6-4DE9-967A-09854C892503}"/>
+                <a16:creationId xmlns="" xmlns:a16="http://schemas.microsoft.com/office/drawing/2014/main" id="{14DADB3D-04D6-4DE9-967A-09854C892503}"/>
               </a:ext>
             </a:extLst>
           </p:cNvPr>
@@ -28773,7 +28835,7 @@
           <p:cNvPr id="7" name="Text Placeholder 6">
             <a:extLst>
               <a:ext uri="{FF2B5EF4-FFF2-40B4-BE49-F238E27FC236}">
-                <a16:creationId xmlns:a16="http://schemas.microsoft.com/office/drawing/2014/main" xmlns="" id="{E6F0EDA4-3B69-4CD7-9631-FDA32B78A6E6}"/>
+                <a16:creationId xmlns="" xmlns:a16="http://schemas.microsoft.com/office/drawing/2014/main" id="{E6F0EDA4-3B69-4CD7-9631-FDA32B78A6E6}"/>
               </a:ext>
             </a:extLst>
           </p:cNvPr>
@@ -28826,7 +28888,7 @@
           <p:cNvPr id="9" name="Title 1">
             <a:extLst>
               <a:ext uri="{FF2B5EF4-FFF2-40B4-BE49-F238E27FC236}">
-                <a16:creationId xmlns:a16="http://schemas.microsoft.com/office/drawing/2014/main" xmlns="" id="{5B1AFCDC-4482-4BE5-8EC1-532183E82F8B}"/>
+                <a16:creationId xmlns="" xmlns:a16="http://schemas.microsoft.com/office/drawing/2014/main" id="{5B1AFCDC-4482-4BE5-8EC1-532183E82F8B}"/>
               </a:ext>
             </a:extLst>
           </p:cNvPr>
@@ -28867,7 +28929,7 @@
           <p:cNvPr id="25" name="Picture Placeholder 4">
             <a:extLst>
               <a:ext uri="{FF2B5EF4-FFF2-40B4-BE49-F238E27FC236}">
-                <a16:creationId xmlns:a16="http://schemas.microsoft.com/office/drawing/2014/main" xmlns="" id="{824ADE96-C5DC-4ECC-9741-2AF62E710F5C}"/>
+                <a16:creationId xmlns="" xmlns:a16="http://schemas.microsoft.com/office/drawing/2014/main" id="{824ADE96-C5DC-4ECC-9741-2AF62E710F5C}"/>
               </a:ext>
             </a:extLst>
           </p:cNvPr>
@@ -28912,7 +28974,7 @@
           <p:cNvPr id="26" name="Picture Placeholder 4">
             <a:extLst>
               <a:ext uri="{FF2B5EF4-FFF2-40B4-BE49-F238E27FC236}">
-                <a16:creationId xmlns:a16="http://schemas.microsoft.com/office/drawing/2014/main" xmlns="" id="{11F13FB7-EAFC-4F61-904A-06E92052DA76}"/>
+                <a16:creationId xmlns="" xmlns:a16="http://schemas.microsoft.com/office/drawing/2014/main" id="{11F13FB7-EAFC-4F61-904A-06E92052DA76}"/>
               </a:ext>
             </a:extLst>
           </p:cNvPr>
@@ -28957,7 +29019,7 @@
           <p:cNvPr id="28" name="Picture Placeholder 4">
             <a:extLst>
               <a:ext uri="{FF2B5EF4-FFF2-40B4-BE49-F238E27FC236}">
-                <a16:creationId xmlns:a16="http://schemas.microsoft.com/office/drawing/2014/main" xmlns="" id="{51B653CA-2181-4414-B253-FE615375FFF9}"/>
+                <a16:creationId xmlns="" xmlns:a16="http://schemas.microsoft.com/office/drawing/2014/main" id="{51B653CA-2181-4414-B253-FE615375FFF9}"/>
               </a:ext>
             </a:extLst>
           </p:cNvPr>
@@ -29002,7 +29064,7 @@
           <p:cNvPr id="31" name="Picture Placeholder 4">
             <a:extLst>
               <a:ext uri="{FF2B5EF4-FFF2-40B4-BE49-F238E27FC236}">
-                <a16:creationId xmlns:a16="http://schemas.microsoft.com/office/drawing/2014/main" xmlns="" id="{1F43FC1C-88CF-44C6-AC4E-B9BE8D368935}"/>
+                <a16:creationId xmlns="" xmlns:a16="http://schemas.microsoft.com/office/drawing/2014/main" id="{1F43FC1C-88CF-44C6-AC4E-B9BE8D368935}"/>
               </a:ext>
             </a:extLst>
           </p:cNvPr>
@@ -29047,7 +29109,7 @@
           <p:cNvPr id="33" name="Picture Placeholder 4">
             <a:extLst>
               <a:ext uri="{FF2B5EF4-FFF2-40B4-BE49-F238E27FC236}">
-                <a16:creationId xmlns:a16="http://schemas.microsoft.com/office/drawing/2014/main" xmlns="" id="{6DB087BA-BE51-4439-8BA7-8AF5ECD4DFA6}"/>
+                <a16:creationId xmlns="" xmlns:a16="http://schemas.microsoft.com/office/drawing/2014/main" id="{6DB087BA-BE51-4439-8BA7-8AF5ECD4DFA6}"/>
               </a:ext>
             </a:extLst>
           </p:cNvPr>
@@ -29122,7 +29184,7 @@
           <p:cNvPr id="5" name="Picture Placeholder 4">
             <a:extLst>
               <a:ext uri="{FF2B5EF4-FFF2-40B4-BE49-F238E27FC236}">
-                <a16:creationId xmlns:a16="http://schemas.microsoft.com/office/drawing/2014/main" xmlns="" id="{14DADB3D-04D6-4DE9-967A-09854C892503}"/>
+                <a16:creationId xmlns="" xmlns:a16="http://schemas.microsoft.com/office/drawing/2014/main" id="{14DADB3D-04D6-4DE9-967A-09854C892503}"/>
               </a:ext>
             </a:extLst>
           </p:cNvPr>
@@ -29167,7 +29229,7 @@
           <p:cNvPr id="7" name="Text Placeholder 6">
             <a:extLst>
               <a:ext uri="{FF2B5EF4-FFF2-40B4-BE49-F238E27FC236}">
-                <a16:creationId xmlns:a16="http://schemas.microsoft.com/office/drawing/2014/main" xmlns="" id="{E6F0EDA4-3B69-4CD7-9631-FDA32B78A6E6}"/>
+                <a16:creationId xmlns="" xmlns:a16="http://schemas.microsoft.com/office/drawing/2014/main" id="{E6F0EDA4-3B69-4CD7-9631-FDA32B78A6E6}"/>
               </a:ext>
             </a:extLst>
           </p:cNvPr>
@@ -29220,7 +29282,7 @@
           <p:cNvPr id="9" name="Title 1">
             <a:extLst>
               <a:ext uri="{FF2B5EF4-FFF2-40B4-BE49-F238E27FC236}">
-                <a16:creationId xmlns:a16="http://schemas.microsoft.com/office/drawing/2014/main" xmlns="" id="{5B1AFCDC-4482-4BE5-8EC1-532183E82F8B}"/>
+                <a16:creationId xmlns="" xmlns:a16="http://schemas.microsoft.com/office/drawing/2014/main" id="{5B1AFCDC-4482-4BE5-8EC1-532183E82F8B}"/>
               </a:ext>
             </a:extLst>
           </p:cNvPr>
@@ -29261,7 +29323,7 @@
           <p:cNvPr id="26" name="Picture Placeholder 4">
             <a:extLst>
               <a:ext uri="{FF2B5EF4-FFF2-40B4-BE49-F238E27FC236}">
-                <a16:creationId xmlns:a16="http://schemas.microsoft.com/office/drawing/2014/main" xmlns="" id="{11F13FB7-EAFC-4F61-904A-06E92052DA76}"/>
+                <a16:creationId xmlns="" xmlns:a16="http://schemas.microsoft.com/office/drawing/2014/main" id="{11F13FB7-EAFC-4F61-904A-06E92052DA76}"/>
               </a:ext>
             </a:extLst>
           </p:cNvPr>
@@ -29306,7 +29368,7 @@
           <p:cNvPr id="28" name="Picture Placeholder 4">
             <a:extLst>
               <a:ext uri="{FF2B5EF4-FFF2-40B4-BE49-F238E27FC236}">
-                <a16:creationId xmlns:a16="http://schemas.microsoft.com/office/drawing/2014/main" xmlns="" id="{51B653CA-2181-4414-B253-FE615375FFF9}"/>
+                <a16:creationId xmlns="" xmlns:a16="http://schemas.microsoft.com/office/drawing/2014/main" id="{51B653CA-2181-4414-B253-FE615375FFF9}"/>
               </a:ext>
             </a:extLst>
           </p:cNvPr>
@@ -29351,7 +29413,7 @@
           <p:cNvPr id="30" name="Picture Placeholder 4">
             <a:extLst>
               <a:ext uri="{FF2B5EF4-FFF2-40B4-BE49-F238E27FC236}">
-                <a16:creationId xmlns:a16="http://schemas.microsoft.com/office/drawing/2014/main" xmlns="" id="{8B1BD9B3-BEAE-4572-8A9F-3553860D0A23}"/>
+                <a16:creationId xmlns="" xmlns:a16="http://schemas.microsoft.com/office/drawing/2014/main" id="{8B1BD9B3-BEAE-4572-8A9F-3553860D0A23}"/>
               </a:ext>
             </a:extLst>
           </p:cNvPr>
@@ -29396,7 +29458,7 @@
           <p:cNvPr id="32" name="Picture Placeholder 4">
             <a:extLst>
               <a:ext uri="{FF2B5EF4-FFF2-40B4-BE49-F238E27FC236}">
-                <a16:creationId xmlns:a16="http://schemas.microsoft.com/office/drawing/2014/main" xmlns="" id="{3F203F8E-CB34-4932-8439-38A8ECD9624E}"/>
+                <a16:creationId xmlns="" xmlns:a16="http://schemas.microsoft.com/office/drawing/2014/main" id="{3F203F8E-CB34-4932-8439-38A8ECD9624E}"/>
               </a:ext>
             </a:extLst>
           </p:cNvPr>
@@ -29441,7 +29503,7 @@
           <p:cNvPr id="3" name="Straight Connector 2">
             <a:extLst>
               <a:ext uri="{FF2B5EF4-FFF2-40B4-BE49-F238E27FC236}">
-                <a16:creationId xmlns:a16="http://schemas.microsoft.com/office/drawing/2014/main" xmlns="" id="{8C0A27AC-3DDA-4888-B685-8E687DB5FECB}"/>
+                <a16:creationId xmlns="" xmlns:a16="http://schemas.microsoft.com/office/drawing/2014/main" id="{8C0A27AC-3DDA-4888-B685-8E687DB5FECB}"/>
               </a:ext>
             </a:extLst>
           </p:cNvPr>
@@ -29482,7 +29544,7 @@
           <p:cNvPr id="6" name="Text Placeholder 5">
             <a:extLst>
               <a:ext uri="{FF2B5EF4-FFF2-40B4-BE49-F238E27FC236}">
-                <a16:creationId xmlns:a16="http://schemas.microsoft.com/office/drawing/2014/main" xmlns="" id="{AF3EC476-4507-4A10-BEF8-B7935B7A2393}"/>
+                <a16:creationId xmlns="" xmlns:a16="http://schemas.microsoft.com/office/drawing/2014/main" id="{AF3EC476-4507-4A10-BEF8-B7935B7A2393}"/>
               </a:ext>
             </a:extLst>
           </p:cNvPr>
@@ -29533,7 +29595,7 @@
           <p:cNvPr id="18" name="Text Placeholder 5">
             <a:extLst>
               <a:ext uri="{FF2B5EF4-FFF2-40B4-BE49-F238E27FC236}">
-                <a16:creationId xmlns:a16="http://schemas.microsoft.com/office/drawing/2014/main" xmlns="" id="{31E5ACED-7CDB-4347-A64C-D00D31F0A23D}"/>
+                <a16:creationId xmlns="" xmlns:a16="http://schemas.microsoft.com/office/drawing/2014/main" id="{31E5ACED-7CDB-4347-A64C-D00D31F0A23D}"/>
               </a:ext>
             </a:extLst>
           </p:cNvPr>
@@ -29584,7 +29646,7 @@
           <p:cNvPr id="19" name="Straight Connector 18">
             <a:extLst>
               <a:ext uri="{FF2B5EF4-FFF2-40B4-BE49-F238E27FC236}">
-                <a16:creationId xmlns:a16="http://schemas.microsoft.com/office/drawing/2014/main" xmlns="" id="{FFAF44B1-7854-4367-ACF5-6BFB046DCA0F}"/>
+                <a16:creationId xmlns="" xmlns:a16="http://schemas.microsoft.com/office/drawing/2014/main" id="{FFAF44B1-7854-4367-ACF5-6BFB046DCA0F}"/>
               </a:ext>
             </a:extLst>
           </p:cNvPr>
@@ -29625,7 +29687,7 @@
           <p:cNvPr id="20" name="Text Placeholder 5">
             <a:extLst>
               <a:ext uri="{FF2B5EF4-FFF2-40B4-BE49-F238E27FC236}">
-                <a16:creationId xmlns:a16="http://schemas.microsoft.com/office/drawing/2014/main" xmlns="" id="{2402A0DD-49E3-43AA-BA12-2C702DE21847}"/>
+                <a16:creationId xmlns="" xmlns:a16="http://schemas.microsoft.com/office/drawing/2014/main" id="{2402A0DD-49E3-43AA-BA12-2C702DE21847}"/>
               </a:ext>
             </a:extLst>
           </p:cNvPr>
@@ -29676,7 +29738,7 @@
           <p:cNvPr id="21" name="Text Placeholder 5">
             <a:extLst>
               <a:ext uri="{FF2B5EF4-FFF2-40B4-BE49-F238E27FC236}">
-                <a16:creationId xmlns:a16="http://schemas.microsoft.com/office/drawing/2014/main" xmlns="" id="{1A8791D8-F9F9-445E-BC06-89C252BF3DD8}"/>
+                <a16:creationId xmlns="" xmlns:a16="http://schemas.microsoft.com/office/drawing/2014/main" id="{1A8791D8-F9F9-445E-BC06-89C252BF3DD8}"/>
               </a:ext>
             </a:extLst>
           </p:cNvPr>
@@ -29727,7 +29789,7 @@
           <p:cNvPr id="22" name="Straight Connector 21">
             <a:extLst>
               <a:ext uri="{FF2B5EF4-FFF2-40B4-BE49-F238E27FC236}">
-                <a16:creationId xmlns:a16="http://schemas.microsoft.com/office/drawing/2014/main" xmlns="" id="{6381A253-73F7-47FC-957F-BCCE9FF6CFB2}"/>
+                <a16:creationId xmlns="" xmlns:a16="http://schemas.microsoft.com/office/drawing/2014/main" id="{6381A253-73F7-47FC-957F-BCCE9FF6CFB2}"/>
               </a:ext>
             </a:extLst>
           </p:cNvPr>
@@ -29768,7 +29830,7 @@
           <p:cNvPr id="23" name="Text Placeholder 5">
             <a:extLst>
               <a:ext uri="{FF2B5EF4-FFF2-40B4-BE49-F238E27FC236}">
-                <a16:creationId xmlns:a16="http://schemas.microsoft.com/office/drawing/2014/main" xmlns="" id="{CAF77ACC-4F86-4A40-BD14-CA2346F9BF3B}"/>
+                <a16:creationId xmlns="" xmlns:a16="http://schemas.microsoft.com/office/drawing/2014/main" id="{CAF77ACC-4F86-4A40-BD14-CA2346F9BF3B}"/>
               </a:ext>
             </a:extLst>
           </p:cNvPr>
@@ -29819,7 +29881,7 @@
           <p:cNvPr id="24" name="Text Placeholder 5">
             <a:extLst>
               <a:ext uri="{FF2B5EF4-FFF2-40B4-BE49-F238E27FC236}">
-                <a16:creationId xmlns:a16="http://schemas.microsoft.com/office/drawing/2014/main" xmlns="" id="{CCE2DE24-06E3-4EEC-87DC-E6510B5CAB66}"/>
+                <a16:creationId xmlns="" xmlns:a16="http://schemas.microsoft.com/office/drawing/2014/main" id="{CCE2DE24-06E3-4EEC-87DC-E6510B5CAB66}"/>
               </a:ext>
             </a:extLst>
           </p:cNvPr>
@@ -29870,7 +29932,7 @@
           <p:cNvPr id="34" name="Straight Connector 33">
             <a:extLst>
               <a:ext uri="{FF2B5EF4-FFF2-40B4-BE49-F238E27FC236}">
-                <a16:creationId xmlns:a16="http://schemas.microsoft.com/office/drawing/2014/main" xmlns="" id="{D5F52AC8-6688-4F1C-92A4-B981297CADA6}"/>
+                <a16:creationId xmlns="" xmlns:a16="http://schemas.microsoft.com/office/drawing/2014/main" id="{D5F52AC8-6688-4F1C-92A4-B981297CADA6}"/>
               </a:ext>
             </a:extLst>
           </p:cNvPr>
@@ -29911,7 +29973,7 @@
           <p:cNvPr id="35" name="Text Placeholder 5">
             <a:extLst>
               <a:ext uri="{FF2B5EF4-FFF2-40B4-BE49-F238E27FC236}">
-                <a16:creationId xmlns:a16="http://schemas.microsoft.com/office/drawing/2014/main" xmlns="" id="{49DF3A04-911F-44D9-8583-4DDB84A348AB}"/>
+                <a16:creationId xmlns="" xmlns:a16="http://schemas.microsoft.com/office/drawing/2014/main" id="{49DF3A04-911F-44D9-8583-4DDB84A348AB}"/>
               </a:ext>
             </a:extLst>
           </p:cNvPr>
@@ -29962,7 +30024,7 @@
           <p:cNvPr id="36" name="Text Placeholder 5">
             <a:extLst>
               <a:ext uri="{FF2B5EF4-FFF2-40B4-BE49-F238E27FC236}">
-                <a16:creationId xmlns:a16="http://schemas.microsoft.com/office/drawing/2014/main" xmlns="" id="{AD0F42BD-98A6-48A2-BF58-4675FDE5646D}"/>
+                <a16:creationId xmlns="" xmlns:a16="http://schemas.microsoft.com/office/drawing/2014/main" id="{AD0F42BD-98A6-48A2-BF58-4675FDE5646D}"/>
               </a:ext>
             </a:extLst>
           </p:cNvPr>
@@ -30013,7 +30075,7 @@
           <p:cNvPr id="37" name="Straight Connector 36">
             <a:extLst>
               <a:ext uri="{FF2B5EF4-FFF2-40B4-BE49-F238E27FC236}">
-                <a16:creationId xmlns:a16="http://schemas.microsoft.com/office/drawing/2014/main" xmlns="" id="{BAFFCC89-3FBF-49BE-86A1-6E4A0422671E}"/>
+                <a16:creationId xmlns="" xmlns:a16="http://schemas.microsoft.com/office/drawing/2014/main" id="{BAFFCC89-3FBF-49BE-86A1-6E4A0422671E}"/>
               </a:ext>
             </a:extLst>
           </p:cNvPr>
@@ -30054,7 +30116,7 @@
           <p:cNvPr id="38" name="Text Placeholder 5">
             <a:extLst>
               <a:ext uri="{FF2B5EF4-FFF2-40B4-BE49-F238E27FC236}">
-                <a16:creationId xmlns:a16="http://schemas.microsoft.com/office/drawing/2014/main" xmlns="" id="{3263C633-7B80-4D78-97B9-D0FBC45FFAB6}"/>
+                <a16:creationId xmlns="" xmlns:a16="http://schemas.microsoft.com/office/drawing/2014/main" id="{3263C633-7B80-4D78-97B9-D0FBC45FFAB6}"/>
               </a:ext>
             </a:extLst>
           </p:cNvPr>
@@ -30105,7 +30167,7 @@
           <p:cNvPr id="39" name="Text Placeholder 5">
             <a:extLst>
               <a:ext uri="{FF2B5EF4-FFF2-40B4-BE49-F238E27FC236}">
-                <a16:creationId xmlns:a16="http://schemas.microsoft.com/office/drawing/2014/main" xmlns="" id="{3991F402-9E5A-4E57-B18E-DDB6027C16E2}"/>
+                <a16:creationId xmlns="" xmlns:a16="http://schemas.microsoft.com/office/drawing/2014/main" id="{3991F402-9E5A-4E57-B18E-DDB6027C16E2}"/>
               </a:ext>
             </a:extLst>
           </p:cNvPr>
@@ -30194,7 +30256,7 @@
           <p:cNvPr id="3" name="Picture 2">
             <a:extLst>
               <a:ext uri="{FF2B5EF4-FFF2-40B4-BE49-F238E27FC236}">
-                <a16:creationId xmlns:a16="http://schemas.microsoft.com/office/drawing/2014/main" xmlns="" id="{55C3DA50-22A8-437F-8880-E58D63F72BD4}"/>
+                <a16:creationId xmlns="" xmlns:a16="http://schemas.microsoft.com/office/drawing/2014/main" id="{55C3DA50-22A8-437F-8880-E58D63F72BD4}"/>
               </a:ext>
             </a:extLst>
           </p:cNvPr>
@@ -30315,7 +30377,7 @@
           <p:cNvPr id="24" name="Group 23">
             <a:extLst>
               <a:ext uri="{FF2B5EF4-FFF2-40B4-BE49-F238E27FC236}">
-                <a16:creationId xmlns:a16="http://schemas.microsoft.com/office/drawing/2014/main" xmlns="" id="{564C399B-DF87-410D-BA68-DE0620045057}"/>
+                <a16:creationId xmlns="" xmlns:a16="http://schemas.microsoft.com/office/drawing/2014/main" id="{564C399B-DF87-410D-BA68-DE0620045057}"/>
               </a:ext>
             </a:extLst>
           </p:cNvPr>
@@ -30335,7 +30397,7 @@
             <p:cNvPr id="10" name="Straight Connector 9">
               <a:extLst>
                 <a:ext uri="{FF2B5EF4-FFF2-40B4-BE49-F238E27FC236}">
-                  <a16:creationId xmlns:a16="http://schemas.microsoft.com/office/drawing/2014/main" xmlns="" id="{9140F6FE-87BA-43C0-ABEF-21A3AEC23039}"/>
+                  <a16:creationId xmlns="" xmlns:a16="http://schemas.microsoft.com/office/drawing/2014/main" id="{9140F6FE-87BA-43C0-ABEF-21A3AEC23039}"/>
                 </a:ext>
               </a:extLst>
             </p:cNvPr>
@@ -30378,7 +30440,7 @@
             <p:cNvPr id="12" name="Picture 11">
               <a:extLst>
                 <a:ext uri="{FF2B5EF4-FFF2-40B4-BE49-F238E27FC236}">
-                  <a16:creationId xmlns:a16="http://schemas.microsoft.com/office/drawing/2014/main" xmlns="" id="{F7B41BA2-520F-4160-9574-35B160DDFDCB}"/>
+                  <a16:creationId xmlns="" xmlns:a16="http://schemas.microsoft.com/office/drawing/2014/main" id="{F7B41BA2-520F-4160-9574-35B160DDFDCB}"/>
                 </a:ext>
               </a:extLst>
             </p:cNvPr>
@@ -30415,7 +30477,7 @@
             <p:cNvPr id="14" name="Picture 13">
               <a:extLst>
                 <a:ext uri="{FF2B5EF4-FFF2-40B4-BE49-F238E27FC236}">
-                  <a16:creationId xmlns:a16="http://schemas.microsoft.com/office/drawing/2014/main" xmlns="" id="{36450F7E-8E5F-4A06-934E-44928F9E159D}"/>
+                  <a16:creationId xmlns="" xmlns:a16="http://schemas.microsoft.com/office/drawing/2014/main" id="{36450F7E-8E5F-4A06-934E-44928F9E159D}"/>
                 </a:ext>
               </a:extLst>
             </p:cNvPr>
@@ -30452,7 +30514,7 @@
             <p:cNvPr id="16" name="Picture 15">
               <a:extLst>
                 <a:ext uri="{FF2B5EF4-FFF2-40B4-BE49-F238E27FC236}">
-                  <a16:creationId xmlns:a16="http://schemas.microsoft.com/office/drawing/2014/main" xmlns="" id="{93E9C61E-EECF-453F-A9A1-10AEDED67173}"/>
+                  <a16:creationId xmlns="" xmlns:a16="http://schemas.microsoft.com/office/drawing/2014/main" id="{93E9C61E-EECF-453F-A9A1-10AEDED67173}"/>
                 </a:ext>
               </a:extLst>
             </p:cNvPr>
@@ -30489,7 +30551,7 @@
             <p:cNvPr id="17" name="Picture 16">
               <a:extLst>
                 <a:ext uri="{FF2B5EF4-FFF2-40B4-BE49-F238E27FC236}">
-                  <a16:creationId xmlns:a16="http://schemas.microsoft.com/office/drawing/2014/main" xmlns="" id="{E806F4E7-08A6-4FB1-B047-255D9CA3363B}"/>
+                  <a16:creationId xmlns="" xmlns:a16="http://schemas.microsoft.com/office/drawing/2014/main" id="{E806F4E7-08A6-4FB1-B047-255D9CA3363B}"/>
                 </a:ext>
               </a:extLst>
             </p:cNvPr>
@@ -30526,7 +30588,7 @@
             <p:cNvPr id="18" name="Picture 17">
               <a:extLst>
                 <a:ext uri="{FF2B5EF4-FFF2-40B4-BE49-F238E27FC236}">
-                  <a16:creationId xmlns:a16="http://schemas.microsoft.com/office/drawing/2014/main" xmlns="" id="{7084AF1D-2556-4F4F-AAF7-4043D927C9AF}"/>
+                  <a16:creationId xmlns="" xmlns:a16="http://schemas.microsoft.com/office/drawing/2014/main" id="{7084AF1D-2556-4F4F-AAF7-4043D927C9AF}"/>
                 </a:ext>
               </a:extLst>
             </p:cNvPr>
@@ -30563,7 +30625,7 @@
             <p:cNvPr id="19" name="Picture 18">
               <a:extLst>
                 <a:ext uri="{FF2B5EF4-FFF2-40B4-BE49-F238E27FC236}">
-                  <a16:creationId xmlns:a16="http://schemas.microsoft.com/office/drawing/2014/main" xmlns="" id="{84204CB6-6B6E-4330-A9DB-B191FEF9793F}"/>
+                  <a16:creationId xmlns="" xmlns:a16="http://schemas.microsoft.com/office/drawing/2014/main" id="{84204CB6-6B6E-4330-A9DB-B191FEF9793F}"/>
                 </a:ext>
               </a:extLst>
             </p:cNvPr>
@@ -30600,7 +30662,7 @@
             <p:cNvPr id="20" name="Picture 19">
               <a:extLst>
                 <a:ext uri="{FF2B5EF4-FFF2-40B4-BE49-F238E27FC236}">
-                  <a16:creationId xmlns:a16="http://schemas.microsoft.com/office/drawing/2014/main" xmlns="" id="{674B8B85-BBB3-437A-8456-CD5EDB81837E}"/>
+                  <a16:creationId xmlns="" xmlns:a16="http://schemas.microsoft.com/office/drawing/2014/main" id="{674B8B85-BBB3-437A-8456-CD5EDB81837E}"/>
                 </a:ext>
               </a:extLst>
             </p:cNvPr>
@@ -30638,7 +30700,7 @@
           <p:cNvPr id="25" name="Callout: Bent Line 24">
             <a:extLst>
               <a:ext uri="{FF2B5EF4-FFF2-40B4-BE49-F238E27FC236}">
-                <a16:creationId xmlns:a16="http://schemas.microsoft.com/office/drawing/2014/main" xmlns="" id="{0D35C308-E229-4842-9A99-866A7307A2F7}"/>
+                <a16:creationId xmlns="" xmlns:a16="http://schemas.microsoft.com/office/drawing/2014/main" id="{0D35C308-E229-4842-9A99-866A7307A2F7}"/>
               </a:ext>
             </a:extLst>
           </p:cNvPr>
@@ -30911,7 +30973,7 @@
           <p:cNvPr id="7" name="Text Placeholder 6">
             <a:extLst>
               <a:ext uri="{FF2B5EF4-FFF2-40B4-BE49-F238E27FC236}">
-                <a16:creationId xmlns:a16="http://schemas.microsoft.com/office/drawing/2014/main" xmlns="" id="{EF3DC44F-A27C-44C5-B1EB-1C401464D90B}"/>
+                <a16:creationId xmlns="" xmlns:a16="http://schemas.microsoft.com/office/drawing/2014/main" id="{EF3DC44F-A27C-44C5-B1EB-1C401464D90B}"/>
               </a:ext>
             </a:extLst>
           </p:cNvPr>
@@ -30964,7 +31026,7 @@
           <p:cNvPr id="8" name="Title 1">
             <a:extLst>
               <a:ext uri="{FF2B5EF4-FFF2-40B4-BE49-F238E27FC236}">
-                <a16:creationId xmlns:a16="http://schemas.microsoft.com/office/drawing/2014/main" xmlns="" id="{0511C997-15AC-4410-B8D7-064B6019F802}"/>
+                <a16:creationId xmlns="" xmlns:a16="http://schemas.microsoft.com/office/drawing/2014/main" id="{0511C997-15AC-4410-B8D7-064B6019F802}"/>
               </a:ext>
             </a:extLst>
           </p:cNvPr>
@@ -31005,7 +31067,7 @@
           <p:cNvPr id="12" name="TextBox 11">
             <a:extLst>
               <a:ext uri="{FF2B5EF4-FFF2-40B4-BE49-F238E27FC236}">
-                <a16:creationId xmlns:a16="http://schemas.microsoft.com/office/drawing/2014/main" xmlns="" id="{A1F0C5EA-05ED-4515-B665-500CCFF83108}"/>
+                <a16:creationId xmlns="" xmlns:a16="http://schemas.microsoft.com/office/drawing/2014/main" id="{A1F0C5EA-05ED-4515-B665-500CCFF83108}"/>
               </a:ext>
             </a:extLst>
           </p:cNvPr>
@@ -31051,7 +31113,7 @@
           <p:cNvPr id="10" name="Picture 9">
             <a:extLst>
               <a:ext uri="{FF2B5EF4-FFF2-40B4-BE49-F238E27FC236}">
-                <a16:creationId xmlns:a16="http://schemas.microsoft.com/office/drawing/2014/main" xmlns="" id="{03A86A2E-641E-4A35-93DF-124AC0959B54}"/>
+                <a16:creationId xmlns="" xmlns:a16="http://schemas.microsoft.com/office/drawing/2014/main" id="{03A86A2E-641E-4A35-93DF-124AC0959B54}"/>
               </a:ext>
             </a:extLst>
           </p:cNvPr>
@@ -31087,7 +31149,7 @@
           <p:cNvPr id="11" name="Group 10">
             <a:extLst>
               <a:ext uri="{FF2B5EF4-FFF2-40B4-BE49-F238E27FC236}">
-                <a16:creationId xmlns:a16="http://schemas.microsoft.com/office/drawing/2014/main" xmlns="" id="{4B3E617D-293D-4BB5-8F23-78F186F4D823}"/>
+                <a16:creationId xmlns="" xmlns:a16="http://schemas.microsoft.com/office/drawing/2014/main" id="{4B3E617D-293D-4BB5-8F23-78F186F4D823}"/>
               </a:ext>
             </a:extLst>
           </p:cNvPr>
@@ -31107,7 +31169,7 @@
             <p:cNvPr id="13" name="Picture 12">
               <a:extLst>
                 <a:ext uri="{FF2B5EF4-FFF2-40B4-BE49-F238E27FC236}">
-                  <a16:creationId xmlns:a16="http://schemas.microsoft.com/office/drawing/2014/main" xmlns="" id="{FCB9AAC0-E020-4527-A4A2-1BAF10A64345}"/>
+                  <a16:creationId xmlns="" xmlns:a16="http://schemas.microsoft.com/office/drawing/2014/main" id="{FCB9AAC0-E020-4527-A4A2-1BAF10A64345}"/>
                 </a:ext>
               </a:extLst>
             </p:cNvPr>
@@ -31151,7 +31213,7 @@
             <p:cNvPr id="14" name="Picture 13">
               <a:extLst>
                 <a:ext uri="{FF2B5EF4-FFF2-40B4-BE49-F238E27FC236}">
-                  <a16:creationId xmlns:a16="http://schemas.microsoft.com/office/drawing/2014/main" xmlns="" id="{541FA1DB-BA93-4169-9FE7-EA370854285D}"/>
+                  <a16:creationId xmlns="" xmlns:a16="http://schemas.microsoft.com/office/drawing/2014/main" id="{541FA1DB-BA93-4169-9FE7-EA370854285D}"/>
                 </a:ext>
               </a:extLst>
             </p:cNvPr>
@@ -31195,7 +31257,7 @@
             <p:cNvPr id="15" name="Picture 14">
               <a:extLst>
                 <a:ext uri="{FF2B5EF4-FFF2-40B4-BE49-F238E27FC236}">
-                  <a16:creationId xmlns:a16="http://schemas.microsoft.com/office/drawing/2014/main" xmlns="" id="{35A8DC9A-DB20-4753-89A9-B584089F9544}"/>
+                  <a16:creationId xmlns="" xmlns:a16="http://schemas.microsoft.com/office/drawing/2014/main" id="{35A8DC9A-DB20-4753-89A9-B584089F9544}"/>
                 </a:ext>
               </a:extLst>
             </p:cNvPr>
@@ -31248,7 +31310,7 @@
             <p:cNvPr id="16" name="Picture 15">
               <a:extLst>
                 <a:ext uri="{FF2B5EF4-FFF2-40B4-BE49-F238E27FC236}">
-                  <a16:creationId xmlns:a16="http://schemas.microsoft.com/office/drawing/2014/main" xmlns="" id="{D8D68EC4-C3B4-44C6-89CB-D57A81F721F2}"/>
+                  <a16:creationId xmlns="" xmlns:a16="http://schemas.microsoft.com/office/drawing/2014/main" id="{D8D68EC4-C3B4-44C6-89CB-D57A81F721F2}"/>
                 </a:ext>
               </a:extLst>
             </p:cNvPr>
@@ -31445,7 +31507,7 @@
           <p:cNvPr id="11" name="Text Placeholder 6">
             <a:extLst>
               <a:ext uri="{FF2B5EF4-FFF2-40B4-BE49-F238E27FC236}">
-                <a16:creationId xmlns:a16="http://schemas.microsoft.com/office/drawing/2014/main" xmlns="" id="{6246855B-B75B-4CFF-9A80-2B7EA423800D}"/>
+                <a16:creationId xmlns="" xmlns:a16="http://schemas.microsoft.com/office/drawing/2014/main" id="{6246855B-B75B-4CFF-9A80-2B7EA423800D}"/>
               </a:ext>
             </a:extLst>
           </p:cNvPr>
@@ -31498,7 +31560,7 @@
           <p:cNvPr id="12" name="Title 1">
             <a:extLst>
               <a:ext uri="{FF2B5EF4-FFF2-40B4-BE49-F238E27FC236}">
-                <a16:creationId xmlns:a16="http://schemas.microsoft.com/office/drawing/2014/main" xmlns="" id="{0E297013-4D40-4178-9800-AE717779CA1A}"/>
+                <a16:creationId xmlns="" xmlns:a16="http://schemas.microsoft.com/office/drawing/2014/main" id="{0E297013-4D40-4178-9800-AE717779CA1A}"/>
               </a:ext>
             </a:extLst>
           </p:cNvPr>
@@ -31539,7 +31601,7 @@
           <p:cNvPr id="7" name="Picture 6">
             <a:extLst>
               <a:ext uri="{FF2B5EF4-FFF2-40B4-BE49-F238E27FC236}">
-                <a16:creationId xmlns:a16="http://schemas.microsoft.com/office/drawing/2014/main" xmlns="" id="{7079FDE8-2733-40EE-916A-642BD3E04EBE}"/>
+                <a16:creationId xmlns="" xmlns:a16="http://schemas.microsoft.com/office/drawing/2014/main" id="{7079FDE8-2733-40EE-916A-642BD3E04EBE}"/>
               </a:ext>
             </a:extLst>
           </p:cNvPr>
@@ -31613,7 +31675,7 @@
           <p:cNvPr id="3" name="Picture 2">
             <a:extLst>
               <a:ext uri="{FF2B5EF4-FFF2-40B4-BE49-F238E27FC236}">
-                <a16:creationId xmlns:a16="http://schemas.microsoft.com/office/drawing/2014/main" xmlns="" id="{478250C6-11DE-46E7-8716-A8DF187AEB98}"/>
+                <a16:creationId xmlns="" xmlns:a16="http://schemas.microsoft.com/office/drawing/2014/main" id="{478250C6-11DE-46E7-8716-A8DF187AEB98}"/>
               </a:ext>
             </a:extLst>
           </p:cNvPr>
@@ -31734,7 +31796,7 @@
           <p:cNvPr id="5" name="Group 4">
             <a:extLst>
               <a:ext uri="{FF2B5EF4-FFF2-40B4-BE49-F238E27FC236}">
-                <a16:creationId xmlns:a16="http://schemas.microsoft.com/office/drawing/2014/main" xmlns="" id="{33E1533D-5293-4A71-B67C-31A54979079D}"/>
+                <a16:creationId xmlns="" xmlns:a16="http://schemas.microsoft.com/office/drawing/2014/main" id="{33E1533D-5293-4A71-B67C-31A54979079D}"/>
               </a:ext>
             </a:extLst>
           </p:cNvPr>
@@ -31754,7 +31816,7 @@
             <p:cNvPr id="10" name="Straight Connector 9">
               <a:extLst>
                 <a:ext uri="{FF2B5EF4-FFF2-40B4-BE49-F238E27FC236}">
-                  <a16:creationId xmlns:a16="http://schemas.microsoft.com/office/drawing/2014/main" xmlns="" id="{9140F6FE-87BA-43C0-ABEF-21A3AEC23039}"/>
+                  <a16:creationId xmlns="" xmlns:a16="http://schemas.microsoft.com/office/drawing/2014/main" id="{9140F6FE-87BA-43C0-ABEF-21A3AEC23039}"/>
                 </a:ext>
               </a:extLst>
             </p:cNvPr>
@@ -31797,7 +31859,7 @@
             <p:cNvPr id="12" name="Picture 11">
               <a:extLst>
                 <a:ext uri="{FF2B5EF4-FFF2-40B4-BE49-F238E27FC236}">
-                  <a16:creationId xmlns:a16="http://schemas.microsoft.com/office/drawing/2014/main" xmlns="" id="{F7B41BA2-520F-4160-9574-35B160DDFDCB}"/>
+                  <a16:creationId xmlns="" xmlns:a16="http://schemas.microsoft.com/office/drawing/2014/main" id="{F7B41BA2-520F-4160-9574-35B160DDFDCB}"/>
                 </a:ext>
               </a:extLst>
             </p:cNvPr>
@@ -31834,7 +31896,7 @@
             <p:cNvPr id="13" name="Group 12">
               <a:extLst>
                 <a:ext uri="{FF2B5EF4-FFF2-40B4-BE49-F238E27FC236}">
-                  <a16:creationId xmlns:a16="http://schemas.microsoft.com/office/drawing/2014/main" xmlns="" id="{5754AE95-74E7-475C-9849-33EBD44DDC4B}"/>
+                  <a16:creationId xmlns="" xmlns:a16="http://schemas.microsoft.com/office/drawing/2014/main" id="{5754AE95-74E7-475C-9849-33EBD44DDC4B}"/>
                 </a:ext>
               </a:extLst>
             </p:cNvPr>
@@ -31854,7 +31916,7 @@
               <p:cNvPr id="14" name="Picture 13">
                 <a:extLst>
                   <a:ext uri="{FF2B5EF4-FFF2-40B4-BE49-F238E27FC236}">
-                    <a16:creationId xmlns:a16="http://schemas.microsoft.com/office/drawing/2014/main" xmlns="" id="{36450F7E-8E5F-4A06-934E-44928F9E159D}"/>
+                    <a16:creationId xmlns="" xmlns:a16="http://schemas.microsoft.com/office/drawing/2014/main" id="{36450F7E-8E5F-4A06-934E-44928F9E159D}"/>
                   </a:ext>
                 </a:extLst>
               </p:cNvPr>
@@ -31891,7 +31953,7 @@
               <p:cNvPr id="16" name="Picture 15">
                 <a:extLst>
                   <a:ext uri="{FF2B5EF4-FFF2-40B4-BE49-F238E27FC236}">
-                    <a16:creationId xmlns:a16="http://schemas.microsoft.com/office/drawing/2014/main" xmlns="" id="{93E9C61E-EECF-453F-A9A1-10AEDED67173}"/>
+                    <a16:creationId xmlns="" xmlns:a16="http://schemas.microsoft.com/office/drawing/2014/main" id="{93E9C61E-EECF-453F-A9A1-10AEDED67173}"/>
                   </a:ext>
                 </a:extLst>
               </p:cNvPr>
@@ -31928,7 +31990,7 @@
               <p:cNvPr id="17" name="Picture 16">
                 <a:extLst>
                   <a:ext uri="{FF2B5EF4-FFF2-40B4-BE49-F238E27FC236}">
-                    <a16:creationId xmlns:a16="http://schemas.microsoft.com/office/drawing/2014/main" xmlns="" id="{E806F4E7-08A6-4FB1-B047-255D9CA3363B}"/>
+                    <a16:creationId xmlns="" xmlns:a16="http://schemas.microsoft.com/office/drawing/2014/main" id="{E806F4E7-08A6-4FB1-B047-255D9CA3363B}"/>
                   </a:ext>
                 </a:extLst>
               </p:cNvPr>
@@ -31965,7 +32027,7 @@
               <p:cNvPr id="18" name="Picture 17">
                 <a:extLst>
                   <a:ext uri="{FF2B5EF4-FFF2-40B4-BE49-F238E27FC236}">
-                    <a16:creationId xmlns:a16="http://schemas.microsoft.com/office/drawing/2014/main" xmlns="" id="{7084AF1D-2556-4F4F-AAF7-4043D927C9AF}"/>
+                    <a16:creationId xmlns="" xmlns:a16="http://schemas.microsoft.com/office/drawing/2014/main" id="{7084AF1D-2556-4F4F-AAF7-4043D927C9AF}"/>
                   </a:ext>
                 </a:extLst>
               </p:cNvPr>
@@ -32002,7 +32064,7 @@
               <p:cNvPr id="19" name="Picture 18">
                 <a:extLst>
                   <a:ext uri="{FF2B5EF4-FFF2-40B4-BE49-F238E27FC236}">
-                    <a16:creationId xmlns:a16="http://schemas.microsoft.com/office/drawing/2014/main" xmlns="" id="{84204CB6-6B6E-4330-A9DB-B191FEF9793F}"/>
+                    <a16:creationId xmlns="" xmlns:a16="http://schemas.microsoft.com/office/drawing/2014/main" id="{84204CB6-6B6E-4330-A9DB-B191FEF9793F}"/>
                   </a:ext>
                 </a:extLst>
               </p:cNvPr>
@@ -32039,7 +32101,7 @@
               <p:cNvPr id="20" name="Picture 19">
                 <a:extLst>
                   <a:ext uri="{FF2B5EF4-FFF2-40B4-BE49-F238E27FC236}">
-                    <a16:creationId xmlns:a16="http://schemas.microsoft.com/office/drawing/2014/main" xmlns="" id="{674B8B85-BBB3-437A-8456-CD5EDB81837E}"/>
+                    <a16:creationId xmlns="" xmlns:a16="http://schemas.microsoft.com/office/drawing/2014/main" id="{674B8B85-BBB3-437A-8456-CD5EDB81837E}"/>
                   </a:ext>
                 </a:extLst>
               </p:cNvPr>
@@ -32078,7 +32140,7 @@
           <p:cNvPr id="22" name="Callout: Bent Line 21">
             <a:extLst>
               <a:ext uri="{FF2B5EF4-FFF2-40B4-BE49-F238E27FC236}">
-                <a16:creationId xmlns:a16="http://schemas.microsoft.com/office/drawing/2014/main" xmlns="" id="{30E4C76C-D073-4083-AF92-289DA5A52C72}"/>
+                <a16:creationId xmlns="" xmlns:a16="http://schemas.microsoft.com/office/drawing/2014/main" id="{30E4C76C-D073-4083-AF92-289DA5A52C72}"/>
               </a:ext>
             </a:extLst>
           </p:cNvPr>
@@ -32246,7 +32308,7 @@
           <p:cNvPr id="10" name="Picture 9">
             <a:extLst>
               <a:ext uri="{FF2B5EF4-FFF2-40B4-BE49-F238E27FC236}">
-                <a16:creationId xmlns:a16="http://schemas.microsoft.com/office/drawing/2014/main" xmlns="" id="{B85FC450-8998-489F-9938-0AF62D8D1A73}"/>
+                <a16:creationId xmlns="" xmlns:a16="http://schemas.microsoft.com/office/drawing/2014/main" id="{B85FC450-8998-489F-9938-0AF62D8D1A73}"/>
               </a:ext>
             </a:extLst>
           </p:cNvPr>
@@ -32281,7 +32343,7 @@
           <p:cNvPr id="28" name="Group 27">
             <a:extLst>
               <a:ext uri="{FF2B5EF4-FFF2-40B4-BE49-F238E27FC236}">
-                <a16:creationId xmlns:a16="http://schemas.microsoft.com/office/drawing/2014/main" xmlns="" id="{E198D0B8-3BDB-4C9D-8A8A-572518686DE5}"/>
+                <a16:creationId xmlns="" xmlns:a16="http://schemas.microsoft.com/office/drawing/2014/main" id="{E198D0B8-3BDB-4C9D-8A8A-572518686DE5}"/>
               </a:ext>
             </a:extLst>
           </p:cNvPr>
@@ -32301,7 +32363,7 @@
             <p:cNvPr id="5" name="Rectangle 4">
               <a:extLst>
                 <a:ext uri="{FF2B5EF4-FFF2-40B4-BE49-F238E27FC236}">
-                  <a16:creationId xmlns:a16="http://schemas.microsoft.com/office/drawing/2014/main" xmlns="" id="{FA7C1D9C-1281-4501-899B-12B77AAE187E}"/>
+                  <a16:creationId xmlns="" xmlns:a16="http://schemas.microsoft.com/office/drawing/2014/main" id="{FA7C1D9C-1281-4501-899B-12B77AAE187E}"/>
                 </a:ext>
               </a:extLst>
             </p:cNvPr>
@@ -32353,7 +32415,7 @@
             <p:cNvPr id="12" name="Picture 11">
               <a:extLst>
                 <a:ext uri="{FF2B5EF4-FFF2-40B4-BE49-F238E27FC236}">
-                  <a16:creationId xmlns:a16="http://schemas.microsoft.com/office/drawing/2014/main" xmlns="" id="{8AE3B66C-74CF-48A8-A637-AB6CE7924D99}"/>
+                  <a16:creationId xmlns="" xmlns:a16="http://schemas.microsoft.com/office/drawing/2014/main" id="{8AE3B66C-74CF-48A8-A637-AB6CE7924D99}"/>
                 </a:ext>
               </a:extLst>
             </p:cNvPr>
@@ -32388,7 +32450,7 @@
             <p:cNvPr id="16" name="Picture 15">
               <a:extLst>
                 <a:ext uri="{FF2B5EF4-FFF2-40B4-BE49-F238E27FC236}">
-                  <a16:creationId xmlns:a16="http://schemas.microsoft.com/office/drawing/2014/main" xmlns="" id="{2604C620-54F4-40D1-9F8D-916C2B03CF80}"/>
+                  <a16:creationId xmlns="" xmlns:a16="http://schemas.microsoft.com/office/drawing/2014/main" id="{2604C620-54F4-40D1-9F8D-916C2B03CF80}"/>
                 </a:ext>
               </a:extLst>
             </p:cNvPr>
@@ -32425,7 +32487,7 @@
             <p:cNvPr id="17" name="Picture 16">
               <a:extLst>
                 <a:ext uri="{FF2B5EF4-FFF2-40B4-BE49-F238E27FC236}">
-                  <a16:creationId xmlns:a16="http://schemas.microsoft.com/office/drawing/2014/main" xmlns="" id="{1F796C2C-EF81-4483-A8D9-6A074C9DD0AB}"/>
+                  <a16:creationId xmlns="" xmlns:a16="http://schemas.microsoft.com/office/drawing/2014/main" id="{1F796C2C-EF81-4483-A8D9-6A074C9DD0AB}"/>
                 </a:ext>
               </a:extLst>
             </p:cNvPr>
@@ -32462,7 +32524,7 @@
             <p:cNvPr id="18" name="Picture 17">
               <a:extLst>
                 <a:ext uri="{FF2B5EF4-FFF2-40B4-BE49-F238E27FC236}">
-                  <a16:creationId xmlns:a16="http://schemas.microsoft.com/office/drawing/2014/main" xmlns="" id="{67C5EDEF-0599-4615-9EEB-1E9C7299A6FE}"/>
+                  <a16:creationId xmlns="" xmlns:a16="http://schemas.microsoft.com/office/drawing/2014/main" id="{67C5EDEF-0599-4615-9EEB-1E9C7299A6FE}"/>
                 </a:ext>
               </a:extLst>
             </p:cNvPr>
@@ -32499,7 +32561,7 @@
             <p:cNvPr id="19" name="Picture 18">
               <a:extLst>
                 <a:ext uri="{FF2B5EF4-FFF2-40B4-BE49-F238E27FC236}">
-                  <a16:creationId xmlns:a16="http://schemas.microsoft.com/office/drawing/2014/main" xmlns="" id="{FBF3BA30-C6FC-4CE4-835F-63F19575D1B6}"/>
+                  <a16:creationId xmlns="" xmlns:a16="http://schemas.microsoft.com/office/drawing/2014/main" id="{FBF3BA30-C6FC-4CE4-835F-63F19575D1B6}"/>
                 </a:ext>
               </a:extLst>
             </p:cNvPr>
@@ -32536,7 +32598,7 @@
             <p:cNvPr id="20" name="Picture 19">
               <a:extLst>
                 <a:ext uri="{FF2B5EF4-FFF2-40B4-BE49-F238E27FC236}">
-                  <a16:creationId xmlns:a16="http://schemas.microsoft.com/office/drawing/2014/main" xmlns="" id="{7B393327-1880-43AF-B13A-F6742E1C91B4}"/>
+                  <a16:creationId xmlns="" xmlns:a16="http://schemas.microsoft.com/office/drawing/2014/main" id="{7B393327-1880-43AF-B13A-F6742E1C91B4}"/>
                 </a:ext>
               </a:extLst>
             </p:cNvPr>
@@ -32573,7 +32635,7 @@
             <p:cNvPr id="21" name="Picture 20">
               <a:extLst>
                 <a:ext uri="{FF2B5EF4-FFF2-40B4-BE49-F238E27FC236}">
-                  <a16:creationId xmlns:a16="http://schemas.microsoft.com/office/drawing/2014/main" xmlns="" id="{6C1C7622-D718-4C77-B53B-73A16A30959A}"/>
+                  <a16:creationId xmlns="" xmlns:a16="http://schemas.microsoft.com/office/drawing/2014/main" id="{6C1C7622-D718-4C77-B53B-73A16A30959A}"/>
                 </a:ext>
               </a:extLst>
             </p:cNvPr>
@@ -32697,7 +32759,7 @@
           <p:cNvPr id="29" name="Callout: Bent Line 28">
             <a:extLst>
               <a:ext uri="{FF2B5EF4-FFF2-40B4-BE49-F238E27FC236}">
-                <a16:creationId xmlns:a16="http://schemas.microsoft.com/office/drawing/2014/main" xmlns="" id="{4B618734-EFA3-4AB2-9BE2-EDCDA376C10E}"/>
+                <a16:creationId xmlns="" xmlns:a16="http://schemas.microsoft.com/office/drawing/2014/main" id="{4B618734-EFA3-4AB2-9BE2-EDCDA376C10E}"/>
               </a:ext>
             </a:extLst>
           </p:cNvPr>
@@ -32865,7 +32927,7 @@
           <p:cNvPr id="3" name="Picture 2">
             <a:extLst>
               <a:ext uri="{FF2B5EF4-FFF2-40B4-BE49-F238E27FC236}">
-                <a16:creationId xmlns:a16="http://schemas.microsoft.com/office/drawing/2014/main" xmlns="" id="{7F9482A4-E8F4-4F0C-AC84-E8893CA37F18}"/>
+                <a16:creationId xmlns="" xmlns:a16="http://schemas.microsoft.com/office/drawing/2014/main" id="{7F9482A4-E8F4-4F0C-AC84-E8893CA37F18}"/>
               </a:ext>
             </a:extLst>
           </p:cNvPr>
@@ -32900,7 +32962,7 @@
           <p:cNvPr id="5" name="Group 4">
             <a:extLst>
               <a:ext uri="{FF2B5EF4-FFF2-40B4-BE49-F238E27FC236}">
-                <a16:creationId xmlns:a16="http://schemas.microsoft.com/office/drawing/2014/main" xmlns="" id="{C0C21AFE-4F12-462D-B65F-3BF951AEC06F}"/>
+                <a16:creationId xmlns="" xmlns:a16="http://schemas.microsoft.com/office/drawing/2014/main" id="{C0C21AFE-4F12-462D-B65F-3BF951AEC06F}"/>
               </a:ext>
             </a:extLst>
           </p:cNvPr>
@@ -32920,7 +32982,7 @@
             <p:cNvPr id="23" name="Rectangle 22">
               <a:extLst>
                 <a:ext uri="{FF2B5EF4-FFF2-40B4-BE49-F238E27FC236}">
-                  <a16:creationId xmlns:a16="http://schemas.microsoft.com/office/drawing/2014/main" xmlns="" id="{96E33DEA-81B2-4F66-8A43-4EFF626DBA81}"/>
+                  <a16:creationId xmlns="" xmlns:a16="http://schemas.microsoft.com/office/drawing/2014/main" id="{96E33DEA-81B2-4F66-8A43-4EFF626DBA81}"/>
                 </a:ext>
               </a:extLst>
             </p:cNvPr>
@@ -32972,7 +33034,7 @@
             <p:cNvPr id="13" name="Group 12">
               <a:extLst>
                 <a:ext uri="{FF2B5EF4-FFF2-40B4-BE49-F238E27FC236}">
-                  <a16:creationId xmlns:a16="http://schemas.microsoft.com/office/drawing/2014/main" xmlns="" id="{5754AE95-74E7-475C-9849-33EBD44DDC4B}"/>
+                  <a16:creationId xmlns="" xmlns:a16="http://schemas.microsoft.com/office/drawing/2014/main" id="{5754AE95-74E7-475C-9849-33EBD44DDC4B}"/>
                 </a:ext>
               </a:extLst>
             </p:cNvPr>
@@ -32992,7 +33054,7 @@
               <p:cNvPr id="14" name="Picture 13">
                 <a:extLst>
                   <a:ext uri="{FF2B5EF4-FFF2-40B4-BE49-F238E27FC236}">
-                    <a16:creationId xmlns:a16="http://schemas.microsoft.com/office/drawing/2014/main" xmlns="" id="{36450F7E-8E5F-4A06-934E-44928F9E159D}"/>
+                    <a16:creationId xmlns="" xmlns:a16="http://schemas.microsoft.com/office/drawing/2014/main" id="{36450F7E-8E5F-4A06-934E-44928F9E159D}"/>
                   </a:ext>
                 </a:extLst>
               </p:cNvPr>
@@ -33029,7 +33091,7 @@
               <p:cNvPr id="16" name="Picture 15">
                 <a:extLst>
                   <a:ext uri="{FF2B5EF4-FFF2-40B4-BE49-F238E27FC236}">
-                    <a16:creationId xmlns:a16="http://schemas.microsoft.com/office/drawing/2014/main" xmlns="" id="{93E9C61E-EECF-453F-A9A1-10AEDED67173}"/>
+                    <a16:creationId xmlns="" xmlns:a16="http://schemas.microsoft.com/office/drawing/2014/main" id="{93E9C61E-EECF-453F-A9A1-10AEDED67173}"/>
                   </a:ext>
                 </a:extLst>
               </p:cNvPr>
@@ -33066,7 +33128,7 @@
               <p:cNvPr id="17" name="Picture 16">
                 <a:extLst>
                   <a:ext uri="{FF2B5EF4-FFF2-40B4-BE49-F238E27FC236}">
-                    <a16:creationId xmlns:a16="http://schemas.microsoft.com/office/drawing/2014/main" xmlns="" id="{E806F4E7-08A6-4FB1-B047-255D9CA3363B}"/>
+                    <a16:creationId xmlns="" xmlns:a16="http://schemas.microsoft.com/office/drawing/2014/main" id="{E806F4E7-08A6-4FB1-B047-255D9CA3363B}"/>
                   </a:ext>
                 </a:extLst>
               </p:cNvPr>
@@ -33103,7 +33165,7 @@
               <p:cNvPr id="18" name="Picture 17">
                 <a:extLst>
                   <a:ext uri="{FF2B5EF4-FFF2-40B4-BE49-F238E27FC236}">
-                    <a16:creationId xmlns:a16="http://schemas.microsoft.com/office/drawing/2014/main" xmlns="" id="{7084AF1D-2556-4F4F-AAF7-4043D927C9AF}"/>
+                    <a16:creationId xmlns="" xmlns:a16="http://schemas.microsoft.com/office/drawing/2014/main" id="{7084AF1D-2556-4F4F-AAF7-4043D927C9AF}"/>
                   </a:ext>
                 </a:extLst>
               </p:cNvPr>
@@ -33140,7 +33202,7 @@
               <p:cNvPr id="19" name="Picture 18">
                 <a:extLst>
                   <a:ext uri="{FF2B5EF4-FFF2-40B4-BE49-F238E27FC236}">
-                    <a16:creationId xmlns:a16="http://schemas.microsoft.com/office/drawing/2014/main" xmlns="" id="{84204CB6-6B6E-4330-A9DB-B191FEF9793F}"/>
+                    <a16:creationId xmlns="" xmlns:a16="http://schemas.microsoft.com/office/drawing/2014/main" id="{84204CB6-6B6E-4330-A9DB-B191FEF9793F}"/>
                   </a:ext>
                 </a:extLst>
               </p:cNvPr>
@@ -33177,7 +33239,7 @@
               <p:cNvPr id="20" name="Picture 19">
                 <a:extLst>
                   <a:ext uri="{FF2B5EF4-FFF2-40B4-BE49-F238E27FC236}">
-                    <a16:creationId xmlns:a16="http://schemas.microsoft.com/office/drawing/2014/main" xmlns="" id="{674B8B85-BBB3-437A-8456-CD5EDB81837E}"/>
+                    <a16:creationId xmlns="" xmlns:a16="http://schemas.microsoft.com/office/drawing/2014/main" id="{674B8B85-BBB3-437A-8456-CD5EDB81837E}"/>
                   </a:ext>
                 </a:extLst>
               </p:cNvPr>
@@ -33215,7 +33277,7 @@
             <p:cNvPr id="21" name="Picture 20">
               <a:extLst>
                 <a:ext uri="{FF2B5EF4-FFF2-40B4-BE49-F238E27FC236}">
-                  <a16:creationId xmlns:a16="http://schemas.microsoft.com/office/drawing/2014/main" xmlns="" id="{B284878A-8F48-4F59-BE0F-E68C9B230567}"/>
+                  <a16:creationId xmlns="" xmlns:a16="http://schemas.microsoft.com/office/drawing/2014/main" id="{B284878A-8F48-4F59-BE0F-E68C9B230567}"/>
                 </a:ext>
               </a:extLst>
             </p:cNvPr>
@@ -33251,7 +33313,7 @@
           <p:cNvPr id="24" name="Title 1">
             <a:extLst>
               <a:ext uri="{FF2B5EF4-FFF2-40B4-BE49-F238E27FC236}">
-                <a16:creationId xmlns:a16="http://schemas.microsoft.com/office/drawing/2014/main" xmlns="" id="{D5DA019F-9228-4661-A2D9-8CAE786963D8}"/>
+                <a16:creationId xmlns="" xmlns:a16="http://schemas.microsoft.com/office/drawing/2014/main" id="{D5DA019F-9228-4661-A2D9-8CAE786963D8}"/>
               </a:ext>
             </a:extLst>
           </p:cNvPr>
@@ -33296,7 +33358,7 @@
           <p:cNvPr id="25" name="Text Placeholder 6">
             <a:extLst>
               <a:ext uri="{FF2B5EF4-FFF2-40B4-BE49-F238E27FC236}">
-                <a16:creationId xmlns:a16="http://schemas.microsoft.com/office/drawing/2014/main" xmlns="" id="{355F0719-930E-4DC2-BF88-FC1ECC980F18}"/>
+                <a16:creationId xmlns="" xmlns:a16="http://schemas.microsoft.com/office/drawing/2014/main" id="{355F0719-930E-4DC2-BF88-FC1ECC980F18}"/>
               </a:ext>
             </a:extLst>
           </p:cNvPr>
@@ -33349,7 +33411,7 @@
           <p:cNvPr id="26" name="Callout: Bent Line 25">
             <a:extLst>
               <a:ext uri="{FF2B5EF4-FFF2-40B4-BE49-F238E27FC236}">
-                <a16:creationId xmlns:a16="http://schemas.microsoft.com/office/drawing/2014/main" xmlns="" id="{19D17972-0458-428C-AB9D-1BBEA73F249E}"/>
+                <a16:creationId xmlns="" xmlns:a16="http://schemas.microsoft.com/office/drawing/2014/main" id="{19D17972-0458-428C-AB9D-1BBEA73F249E}"/>
               </a:ext>
             </a:extLst>
           </p:cNvPr>
@@ -33632,7 +33694,7 @@
           <p:cNvPr id="9" name="TextBox 8">
             <a:extLst>
               <a:ext uri="{FF2B5EF4-FFF2-40B4-BE49-F238E27FC236}">
-                <a16:creationId xmlns:a16="http://schemas.microsoft.com/office/drawing/2014/main" xmlns="" id="{03E79E96-3907-4052-953D-E9C9AE6574DF}"/>
+                <a16:creationId xmlns="" xmlns:a16="http://schemas.microsoft.com/office/drawing/2014/main" id="{03E79E96-3907-4052-953D-E9C9AE6574DF}"/>
               </a:ext>
             </a:extLst>
           </p:cNvPr>
@@ -33682,7 +33744,7 @@
           <p:cNvPr id="8" name="Picture 7">
             <a:extLst>
               <a:ext uri="{FF2B5EF4-FFF2-40B4-BE49-F238E27FC236}">
-                <a16:creationId xmlns:a16="http://schemas.microsoft.com/office/drawing/2014/main" xmlns="" id="{03A86A2E-641E-4A35-93DF-124AC0959B54}"/>
+                <a16:creationId xmlns="" xmlns:a16="http://schemas.microsoft.com/office/drawing/2014/main" id="{03A86A2E-641E-4A35-93DF-124AC0959B54}"/>
               </a:ext>
             </a:extLst>
           </p:cNvPr>
@@ -34125,7 +34187,7 @@
           <p:cNvPr id="10" name="Picture 9">
             <a:extLst>
               <a:ext uri="{FF2B5EF4-FFF2-40B4-BE49-F238E27FC236}">
-                <a16:creationId xmlns:a16="http://schemas.microsoft.com/office/drawing/2014/main" xmlns="" id="{5CF37F3C-632D-4CB6-9F3B-4228AB16763C}"/>
+                <a16:creationId xmlns="" xmlns:a16="http://schemas.microsoft.com/office/drawing/2014/main" id="{5CF37F3C-632D-4CB6-9F3B-4228AB16763C}"/>
               </a:ext>
             </a:extLst>
           </p:cNvPr>
@@ -34280,7 +34342,7 @@
           <p:cNvPr id="9" name="TextBox 8">
             <a:extLst>
               <a:ext uri="{FF2B5EF4-FFF2-40B4-BE49-F238E27FC236}">
-                <a16:creationId xmlns:a16="http://schemas.microsoft.com/office/drawing/2014/main" xmlns="" id="{03E79E96-3907-4052-953D-E9C9AE6574DF}"/>
+                <a16:creationId xmlns="" xmlns:a16="http://schemas.microsoft.com/office/drawing/2014/main" id="{03E79E96-3907-4052-953D-E9C9AE6574DF}"/>
               </a:ext>
             </a:extLst>
           </p:cNvPr>
@@ -34690,7 +34752,7 @@
           <p:cNvPr id="2" name="Title 1">
             <a:extLst>
               <a:ext uri="{FF2B5EF4-FFF2-40B4-BE49-F238E27FC236}">
-                <a16:creationId xmlns:a16="http://schemas.microsoft.com/office/drawing/2014/main" xmlns="" id="{AC028084-52C2-4834-B8BD-3355BB186EC8}"/>
+                <a16:creationId xmlns="" xmlns:a16="http://schemas.microsoft.com/office/drawing/2014/main" id="{AC028084-52C2-4834-B8BD-3355BB186EC8}"/>
               </a:ext>
             </a:extLst>
           </p:cNvPr>
@@ -34710,7 +34772,6 @@
               <a:rPr lang="en-GB" dirty="0"/>
               <a:t>SQL Introduction</a:t>
             </a:r>
-            <a:endParaRPr lang="en-GB" dirty="0"/>
           </a:p>
         </p:txBody>
       </p:sp>
@@ -34719,7 +34780,7 @@
           <p:cNvPr id="3" name="Text Placeholder 2">
             <a:extLst>
               <a:ext uri="{FF2B5EF4-FFF2-40B4-BE49-F238E27FC236}">
-                <a16:creationId xmlns:a16="http://schemas.microsoft.com/office/drawing/2014/main" xmlns="" id="{045D61AF-6E9C-4EDE-AE92-E2D0F535E922}"/>
+                <a16:creationId xmlns="" xmlns:a16="http://schemas.microsoft.com/office/drawing/2014/main" id="{045D61AF-6E9C-4EDE-AE92-E2D0F535E922}"/>
               </a:ext>
             </a:extLst>
           </p:cNvPr>
@@ -34787,7 +34848,7 @@
           <p:cNvPr id="2" name="Text Placeholder 1">
             <a:extLst>
               <a:ext uri="{FF2B5EF4-FFF2-40B4-BE49-F238E27FC236}">
-                <a16:creationId xmlns:a16="http://schemas.microsoft.com/office/drawing/2014/main" xmlns="" id="{A5A5F860-056D-49B1-89CE-6ED6106D155B}"/>
+                <a16:creationId xmlns="" xmlns:a16="http://schemas.microsoft.com/office/drawing/2014/main" id="{A5A5F860-056D-49B1-89CE-6ED6106D155B}"/>
               </a:ext>
             </a:extLst>
           </p:cNvPr>
@@ -34932,7 +34993,7 @@
           <p:cNvPr id="4" name="Title 3">
             <a:extLst>
               <a:ext uri="{FF2B5EF4-FFF2-40B4-BE49-F238E27FC236}">
-                <a16:creationId xmlns:a16="http://schemas.microsoft.com/office/drawing/2014/main" xmlns="" id="{1E8DD07A-F221-43F4-9D94-8E058984DF12}"/>
+                <a16:creationId xmlns="" xmlns:a16="http://schemas.microsoft.com/office/drawing/2014/main" id="{1E8DD07A-F221-43F4-9D94-8E058984DF12}"/>
               </a:ext>
             </a:extLst>
           </p:cNvPr>
@@ -34952,7 +35013,6 @@
               <a:rPr lang="en-GB" dirty="0"/>
               <a:t>What is it?</a:t>
             </a:r>
-            <a:endParaRPr lang="en-GB" dirty="0"/>
           </a:p>
         </p:txBody>
       </p:sp>
@@ -34991,7 +35051,7 @@
           <p:cNvPr id="2" name="Content Placeholder 1">
             <a:extLst>
               <a:ext uri="{FF2B5EF4-FFF2-40B4-BE49-F238E27FC236}">
-                <a16:creationId xmlns:a16="http://schemas.microsoft.com/office/drawing/2014/main" xmlns="" id="{ED091E99-3B19-4731-AE4B-67ADA09C4D3A}"/>
+                <a16:creationId xmlns="" xmlns:a16="http://schemas.microsoft.com/office/drawing/2014/main" id="{ED091E99-3B19-4731-AE4B-67ADA09C4D3A}"/>
               </a:ext>
             </a:extLst>
           </p:cNvPr>
@@ -35044,7 +35104,6 @@
               <a:rPr lang="en-GB" dirty="0" smtClean="0"/>
               <a:t>Functions</a:t>
             </a:r>
-            <a:endParaRPr lang="en-GB" dirty="0" smtClean="0"/>
           </a:p>
           <a:p>
             <a:r>
@@ -35072,7 +35131,7 @@
           <p:cNvPr id="3" name="Title 2">
             <a:extLst>
               <a:ext uri="{FF2B5EF4-FFF2-40B4-BE49-F238E27FC236}">
-                <a16:creationId xmlns:a16="http://schemas.microsoft.com/office/drawing/2014/main" xmlns="" id="{BF0B52E2-9A6A-4F1D-9FEF-EFF140C63379}"/>
+                <a16:creationId xmlns="" xmlns:a16="http://schemas.microsoft.com/office/drawing/2014/main" id="{BF0B52E2-9A6A-4F1D-9FEF-EFF140C63379}"/>
               </a:ext>
             </a:extLst>
           </p:cNvPr>
@@ -35161,7 +35220,7 @@
           <p:cNvPr id="2" name="Content Placeholder 1">
             <a:extLst>
               <a:ext uri="{FF2B5EF4-FFF2-40B4-BE49-F238E27FC236}">
-                <a16:creationId xmlns:a16="http://schemas.microsoft.com/office/drawing/2014/main" xmlns="" id="{ED091E99-3B19-4731-AE4B-67ADA09C4D3A}"/>
+                <a16:creationId xmlns="" xmlns:a16="http://schemas.microsoft.com/office/drawing/2014/main" id="{ED091E99-3B19-4731-AE4B-67ADA09C4D3A}"/>
               </a:ext>
             </a:extLst>
           </p:cNvPr>
@@ -35195,15 +35254,7 @@
             </a:r>
             <a:r>
               <a:rPr lang="en-GB" dirty="0"/>
-              <a:t>(255), </a:t>
-            </a:r>
-            <a:r>
-              <a:rPr lang="en-GB" dirty="0"/>
-              <a:t>login_date</a:t>
-            </a:r>
-            <a:r>
-              <a:rPr lang="en-GB" dirty="0"/>
-              <a:t> DATE</a:t>
+              <a:t>(255), login_date DATE</a:t>
             </a:r>
             <a:r>
               <a:rPr lang="en-GB" dirty="0" smtClean="0"/>
@@ -35322,11 +35373,7 @@
             </a:r>
             <a:r>
               <a:rPr lang="en-GB" dirty="0"/>
-              <a:t>login_date</a:t>
-            </a:r>
-            <a:r>
-              <a:rPr lang="en-GB" dirty="0"/>
-              <a:t> </a:t>
+              <a:t>login_date </a:t>
             </a:r>
             <a:r>
               <a:rPr lang="en-GB" b="1" dirty="0"/>
@@ -35354,11 +35401,7 @@
             </a:r>
             <a:r>
               <a:rPr lang="en-GB" dirty="0"/>
-              <a:t>cur_date</a:t>
-            </a:r>
-            <a:r>
-              <a:rPr lang="en-GB" dirty="0"/>
-              <a:t> </a:t>
+              <a:t>cur_date </a:t>
             </a:r>
             <a:r>
               <a:rPr lang="en-GB" b="1" dirty="0"/>
@@ -35435,7 +35478,7 @@
           <p:cNvPr id="3" name="Title 2">
             <a:extLst>
               <a:ext uri="{FF2B5EF4-FFF2-40B4-BE49-F238E27FC236}">
-                <a16:creationId xmlns:a16="http://schemas.microsoft.com/office/drawing/2014/main" xmlns="" id="{BF0B52E2-9A6A-4F1D-9FEF-EFF140C63379}"/>
+                <a16:creationId xmlns="" xmlns:a16="http://schemas.microsoft.com/office/drawing/2014/main" id="{BF0B52E2-9A6A-4F1D-9FEF-EFF140C63379}"/>
               </a:ext>
             </a:extLst>
           </p:cNvPr>
@@ -35453,7 +35496,11 @@
           <a:p>
             <a:r>
               <a:rPr lang="en-GB" dirty="0" smtClean="0"/>
-              <a:t>Fields &amp; tables</a:t>
+              <a:t>Concepts: Fields </a:t>
+            </a:r>
+            <a:r>
+              <a:rPr lang="en-GB" dirty="0" smtClean="0"/>
+              <a:t>&amp; tables</a:t>
             </a:r>
             <a:endParaRPr lang="en-GB" dirty="0"/>
           </a:p>
@@ -35494,7 +35541,7 @@
           <p:cNvPr id="2" name="Content Placeholder 1">
             <a:extLst>
               <a:ext uri="{FF2B5EF4-FFF2-40B4-BE49-F238E27FC236}">
-                <a16:creationId xmlns:a16="http://schemas.microsoft.com/office/drawing/2014/main" xmlns="" id="{ED091E99-3B19-4731-AE4B-67ADA09C4D3A}"/>
+                <a16:creationId xmlns="" xmlns:a16="http://schemas.microsoft.com/office/drawing/2014/main" id="{ED091E99-3B19-4731-AE4B-67ADA09C4D3A}"/>
               </a:ext>
             </a:extLst>
           </p:cNvPr>
@@ -35576,7 +35623,7 @@
           <p:cNvPr id="3" name="Title 2">
             <a:extLst>
               <a:ext uri="{FF2B5EF4-FFF2-40B4-BE49-F238E27FC236}">
-                <a16:creationId xmlns:a16="http://schemas.microsoft.com/office/drawing/2014/main" xmlns="" id="{BF0B52E2-9A6A-4F1D-9FEF-EFF140C63379}"/>
+                <a16:creationId xmlns="" xmlns:a16="http://schemas.microsoft.com/office/drawing/2014/main" id="{BF0B52E2-9A6A-4F1D-9FEF-EFF140C63379}"/>
               </a:ext>
             </a:extLst>
           </p:cNvPr>
@@ -35594,7 +35641,11 @@
           <a:p>
             <a:r>
               <a:rPr lang="en-GB" dirty="0" smtClean="0"/>
-              <a:t>SQL Joins</a:t>
+              <a:t>Concept: SQL </a:t>
+            </a:r>
+            <a:r>
+              <a:rPr lang="en-GB" dirty="0" smtClean="0"/>
+              <a:t>Joins</a:t>
             </a:r>
             <a:endParaRPr lang="en-GB" dirty="0"/>
           </a:p>
@@ -35665,7 +35716,7 @@
           <p:cNvPr id="2" name="Content Placeholder 1">
             <a:extLst>
               <a:ext uri="{FF2B5EF4-FFF2-40B4-BE49-F238E27FC236}">
-                <a16:creationId xmlns:a16="http://schemas.microsoft.com/office/drawing/2014/main" xmlns="" id="{ED091E99-3B19-4731-AE4B-67ADA09C4D3A}"/>
+                <a16:creationId xmlns="" xmlns:a16="http://schemas.microsoft.com/office/drawing/2014/main" id="{ED091E99-3B19-4731-AE4B-67ADA09C4D3A}"/>
               </a:ext>
             </a:extLst>
           </p:cNvPr>
@@ -35791,11 +35842,7 @@
             </a:r>
             <a:r>
               <a:rPr lang="en-GB" b="1" dirty="0"/>
-              <a:t>LEfT</a:t>
-            </a:r>
-            <a:r>
-              <a:rPr lang="en-GB" b="1" dirty="0"/>
-              <a:t> OUTER JOIN </a:t>
+              <a:t>LEfT OUTER JOIN </a:t>
             </a:r>
             <a:r>
               <a:rPr lang="en-GB" dirty="0"/>
@@ -35844,7 +35891,7 @@
           <p:cNvPr id="3" name="Title 2">
             <a:extLst>
               <a:ext uri="{FF2B5EF4-FFF2-40B4-BE49-F238E27FC236}">
-                <a16:creationId xmlns:a16="http://schemas.microsoft.com/office/drawing/2014/main" xmlns="" id="{BF0B52E2-9A6A-4F1D-9FEF-EFF140C63379}"/>
+                <a16:creationId xmlns="" xmlns:a16="http://schemas.microsoft.com/office/drawing/2014/main" id="{BF0B52E2-9A6A-4F1D-9FEF-EFF140C63379}"/>
               </a:ext>
             </a:extLst>
           </p:cNvPr>
@@ -35903,7 +35950,7 @@
           <p:cNvPr id="2" name="Content Placeholder 1">
             <a:extLst>
               <a:ext uri="{FF2B5EF4-FFF2-40B4-BE49-F238E27FC236}">
-                <a16:creationId xmlns:a16="http://schemas.microsoft.com/office/drawing/2014/main" xmlns="" id="{ED091E99-3B19-4731-AE4B-67ADA09C4D3A}"/>
+                <a16:creationId xmlns="" xmlns:a16="http://schemas.microsoft.com/office/drawing/2014/main" id="{ED091E99-3B19-4731-AE4B-67ADA09C4D3A}"/>
               </a:ext>
             </a:extLst>
           </p:cNvPr>
@@ -36013,11 +36060,7 @@
             </a:r>
             <a:r>
               <a:rPr lang="en-GB" dirty="0"/>
-              <a:t>student_id</a:t>
-            </a:r>
-            <a:r>
-              <a:rPr lang="en-GB" dirty="0"/>
-              <a:t> </a:t>
+              <a:t>student_id </a:t>
             </a:r>
             <a:r>
               <a:rPr lang="en-GB" b="1" dirty="0"/>
@@ -36040,15 +36083,7 @@
             </a:r>
             <a:r>
               <a:rPr lang="en-GB" dirty="0"/>
-              <a:t>(</a:t>
-            </a:r>
-            <a:r>
-              <a:rPr lang="en-GB" dirty="0"/>
-              <a:t>approved_loan_amount</a:t>
-            </a:r>
-            <a:r>
-              <a:rPr lang="en-GB" dirty="0"/>
-              <a:t>) </a:t>
+              <a:t>(approved_loan_amount) </a:t>
             </a:r>
             <a:r>
               <a:rPr lang="en-GB" b="1" dirty="0"/>
@@ -36110,10 +36145,6 @@
               <a:rPr lang="en-GB" dirty="0"/>
               <a:t>student_id</a:t>
             </a:r>
-            <a:r>
-              <a:rPr lang="en-GB" dirty="0"/>
-              <a:t/>
-            </a:r>
             <a:br>
               <a:rPr lang="en-GB" dirty="0"/>
             </a:br>
@@ -36131,15 +36162,7 @@
             </a:r>
             <a:r>
               <a:rPr lang="en-GB" dirty="0"/>
-              <a:t>(</a:t>
-            </a:r>
-            <a:r>
-              <a:rPr lang="en-GB" dirty="0"/>
-              <a:t>approved_loan_amount</a:t>
-            </a:r>
-            <a:r>
-              <a:rPr lang="en-GB" dirty="0"/>
-              <a:t>) </a:t>
+              <a:t>(approved_loan_amount) </a:t>
             </a:r>
             <a:r>
               <a:rPr lang="en-GB" b="1" dirty="0"/>
@@ -36222,7 +36245,7 @@
           <p:cNvPr id="3" name="Title 2">
             <a:extLst>
               <a:ext uri="{FF2B5EF4-FFF2-40B4-BE49-F238E27FC236}">
-                <a16:creationId xmlns:a16="http://schemas.microsoft.com/office/drawing/2014/main" xmlns="" id="{BF0B52E2-9A6A-4F1D-9FEF-EFF140C63379}"/>
+                <a16:creationId xmlns="" xmlns:a16="http://schemas.microsoft.com/office/drawing/2014/main" id="{BF0B52E2-9A6A-4F1D-9FEF-EFF140C63379}"/>
               </a:ext>
             </a:extLst>
           </p:cNvPr>
@@ -36281,7 +36304,7 @@
           <p:cNvPr id="2" name="Content Placeholder 1">
             <a:extLst>
               <a:ext uri="{FF2B5EF4-FFF2-40B4-BE49-F238E27FC236}">
-                <a16:creationId xmlns:a16="http://schemas.microsoft.com/office/drawing/2014/main" xmlns="" id="{ED091E99-3B19-4731-AE4B-67ADA09C4D3A}"/>
+                <a16:creationId xmlns="" xmlns:a16="http://schemas.microsoft.com/office/drawing/2014/main" id="{ED091E99-3B19-4731-AE4B-67ADA09C4D3A}"/>
               </a:ext>
             </a:extLst>
           </p:cNvPr>
@@ -36368,7 +36391,7 @@
           <p:cNvPr id="3" name="Title 2">
             <a:extLst>
               <a:ext uri="{FF2B5EF4-FFF2-40B4-BE49-F238E27FC236}">
-                <a16:creationId xmlns:a16="http://schemas.microsoft.com/office/drawing/2014/main" xmlns="" id="{BF0B52E2-9A6A-4F1D-9FEF-EFF140C63379}"/>
+                <a16:creationId xmlns="" xmlns:a16="http://schemas.microsoft.com/office/drawing/2014/main" id="{BF0B52E2-9A6A-4F1D-9FEF-EFF140C63379}"/>
               </a:ext>
             </a:extLst>
           </p:cNvPr>
@@ -36386,7 +36409,11 @@
           <a:p>
             <a:r>
               <a:rPr lang="en-GB" dirty="0" smtClean="0"/>
-              <a:t>Indexing and constraints</a:t>
+              <a:t>Concepts: Indexing </a:t>
+            </a:r>
+            <a:r>
+              <a:rPr lang="en-GB" dirty="0" smtClean="0"/>
+              <a:t>and constraints</a:t>
             </a:r>
             <a:endParaRPr lang="en-GB" dirty="0"/>
           </a:p>
@@ -36427,7 +36454,7 @@
           <p:cNvPr id="2" name="Content Placeholder 1">
             <a:extLst>
               <a:ext uri="{FF2B5EF4-FFF2-40B4-BE49-F238E27FC236}">
-                <a16:creationId xmlns:a16="http://schemas.microsoft.com/office/drawing/2014/main" xmlns="" id="{ED091E99-3B19-4731-AE4B-67ADA09C4D3A}"/>
+                <a16:creationId xmlns="" xmlns:a16="http://schemas.microsoft.com/office/drawing/2014/main" id="{ED091E99-3B19-4731-AE4B-67ADA09C4D3A}"/>
               </a:ext>
             </a:extLst>
           </p:cNvPr>
@@ -36607,8 +36634,74 @@
             </a:pPr>
             <a:r>
               <a:rPr lang="en-GB" dirty="0" smtClean="0"/>
-              <a:t>Postgres vs MySQL</a:t>
-            </a:r>
+              <a:t>Postgres vs </a:t>
+            </a:r>
+            <a:r>
+              <a:rPr lang="en-GB" dirty="0" smtClean="0"/>
+              <a:t>MySQL</a:t>
+            </a:r>
+          </a:p>
+          <a:p>
+            <a:pPr marL="0" marR="0" lvl="0" indent="0" defTabSz="914400" eaLnBrk="1" fontAlgn="auto" latinLnBrk="0" hangingPunct="1">
+              <a:lnSpc>
+                <a:spcPct val="100000"/>
+              </a:lnSpc>
+              <a:spcBef>
+                <a:spcPts val="0"/>
+              </a:spcBef>
+              <a:spcAft>
+                <a:spcPts val="0"/>
+              </a:spcAft>
+              <a:buClrTx/>
+              <a:buSzTx/>
+              <a:buFontTx/>
+              <a:buNone/>
+              <a:tabLst/>
+              <a:defRPr/>
+            </a:pPr>
+            <a:endParaRPr lang="en-GB" dirty="0"/>
+          </a:p>
+          <a:p>
+            <a:pPr marL="0" marR="0" lvl="0" indent="0" defTabSz="914400" eaLnBrk="1" fontAlgn="auto" latinLnBrk="0" hangingPunct="1">
+              <a:lnSpc>
+                <a:spcPct val="100000"/>
+              </a:lnSpc>
+              <a:spcBef>
+                <a:spcPts val="0"/>
+              </a:spcBef>
+              <a:spcAft>
+                <a:spcPts val="0"/>
+              </a:spcAft>
+              <a:buClrTx/>
+              <a:buSzTx/>
+              <a:buFontTx/>
+              <a:buNone/>
+              <a:tabLst/>
+              <a:defRPr/>
+            </a:pPr>
+            <a:r>
+              <a:rPr lang="en-GB" dirty="0" smtClean="0"/>
+              <a:t>SQL vs NoSQL</a:t>
+            </a:r>
+          </a:p>
+          <a:p>
+            <a:pPr marL="0" marR="0" lvl="0" indent="0" defTabSz="914400" eaLnBrk="1" fontAlgn="auto" latinLnBrk="0" hangingPunct="1">
+              <a:lnSpc>
+                <a:spcPct val="100000"/>
+              </a:lnSpc>
+              <a:spcBef>
+                <a:spcPts val="0"/>
+              </a:spcBef>
+              <a:spcAft>
+                <a:spcPts val="0"/>
+              </a:spcAft>
+              <a:buClrTx/>
+              <a:buSzTx/>
+              <a:buFontTx/>
+              <a:buNone/>
+              <a:tabLst/>
+              <a:defRPr/>
+            </a:pPr>
             <a:endParaRPr lang="en-GB" dirty="0"/>
           </a:p>
         </p:txBody>
@@ -36618,7 +36711,7 @@
           <p:cNvPr id="3" name="Title 2">
             <a:extLst>
               <a:ext uri="{FF2B5EF4-FFF2-40B4-BE49-F238E27FC236}">
-                <a16:creationId xmlns:a16="http://schemas.microsoft.com/office/drawing/2014/main" xmlns="" id="{BF0B52E2-9A6A-4F1D-9FEF-EFF140C63379}"/>
+                <a16:creationId xmlns="" xmlns:a16="http://schemas.microsoft.com/office/drawing/2014/main" id="{BF0B52E2-9A6A-4F1D-9FEF-EFF140C63379}"/>
               </a:ext>
             </a:extLst>
           </p:cNvPr>

--- a/PowerpointTemplate_2017.pptx
+++ b/PowerpointTemplate_2017.pptx
@@ -1350,19 +1350,7 @@
                 <a:ea typeface="+mn-ea"/>
                 <a:cs typeface="+mn-cs"/>
               </a:rPr>
-              <a:t> unique identifier across multiple </a:t>
-            </a:r>
-            <a:r>
-              <a:rPr lang="en-US" sz="1200" b="0" i="0" kern="1200" baseline="0" dirty="0" smtClean="0">
-                <a:solidFill>
-                  <a:schemeClr val="tx1"/>
-                </a:solidFill>
-                <a:effectLst/>
-                <a:latin typeface="+mn-lt"/>
-                <a:ea typeface="+mn-ea"/>
-                <a:cs typeface="+mn-cs"/>
-              </a:rPr>
-              <a:t>fields</a:t>
+              <a:t> unique identifier across multiple fields</a:t>
             </a:r>
           </a:p>
           <a:p>
@@ -1395,15 +1383,6 @@
               </a:rPr>
               <a:t>(Ref integrity)</a:t>
             </a:r>
-            <a:endParaRPr lang="en-US" sz="1200" b="0" i="0" kern="1200" baseline="0" dirty="0" smtClean="0">
-              <a:solidFill>
-                <a:schemeClr val="tx1"/>
-              </a:solidFill>
-              <a:effectLst/>
-              <a:latin typeface="+mn-lt"/>
-              <a:ea typeface="+mn-ea"/>
-              <a:cs typeface="+mn-cs"/>
-            </a:endParaRPr>
           </a:p>
           <a:p>
             <a:endParaRPr lang="en-US" sz="1200" b="0" i="0" kern="1200" baseline="0" dirty="0" smtClean="0">
@@ -2432,7 +2411,7 @@
           <p:cNvPr id="6" name="Picture 5">
             <a:extLst>
               <a:ext uri="{FF2B5EF4-FFF2-40B4-BE49-F238E27FC236}">
-                <a16:creationId xmlns="" xmlns:a16="http://schemas.microsoft.com/office/drawing/2014/main" id="{BC0BF381-61DD-477F-8806-859715B48B78}"/>
+                <a16:creationId xmlns:a16="http://schemas.microsoft.com/office/drawing/2014/main" xmlns="" id="{BC0BF381-61DD-477F-8806-859715B48B78}"/>
               </a:ext>
             </a:extLst>
           </p:cNvPr>
@@ -2505,7 +2484,7 @@
           <p:cNvPr id="11" name="Picture 10">
             <a:extLst>
               <a:ext uri="{FF2B5EF4-FFF2-40B4-BE49-F238E27FC236}">
-                <a16:creationId xmlns="" xmlns:a16="http://schemas.microsoft.com/office/drawing/2014/main" id="{9DE4EBFE-8256-44E1-B31F-76EEA71D7ECA}"/>
+                <a16:creationId xmlns:a16="http://schemas.microsoft.com/office/drawing/2014/main" xmlns="" id="{9DE4EBFE-8256-44E1-B31F-76EEA71D7ECA}"/>
               </a:ext>
             </a:extLst>
           </p:cNvPr>
@@ -2540,7 +2519,7 @@
           <p:cNvPr id="13" name="Group 12">
             <a:extLst>
               <a:ext uri="{FF2B5EF4-FFF2-40B4-BE49-F238E27FC236}">
-                <a16:creationId xmlns="" xmlns:a16="http://schemas.microsoft.com/office/drawing/2014/main" id="{F2F0EA39-17E9-4784-9722-4D1F96461506}"/>
+                <a16:creationId xmlns:a16="http://schemas.microsoft.com/office/drawing/2014/main" xmlns="" id="{F2F0EA39-17E9-4784-9722-4D1F96461506}"/>
               </a:ext>
             </a:extLst>
           </p:cNvPr>
@@ -2560,7 +2539,7 @@
             <p:cNvPr id="5" name="Rectangle 4">
               <a:extLst>
                 <a:ext uri="{FF2B5EF4-FFF2-40B4-BE49-F238E27FC236}">
-                  <a16:creationId xmlns="" xmlns:a16="http://schemas.microsoft.com/office/drawing/2014/main" id="{FA7C1D9C-1281-4501-899B-12B77AAE187E}"/>
+                  <a16:creationId xmlns:a16="http://schemas.microsoft.com/office/drawing/2014/main" xmlns="" id="{FA7C1D9C-1281-4501-899B-12B77AAE187E}"/>
                 </a:ext>
               </a:extLst>
             </p:cNvPr>
@@ -2612,7 +2591,7 @@
             <p:cNvPr id="22" name="Group 21">
               <a:extLst>
                 <a:ext uri="{FF2B5EF4-FFF2-40B4-BE49-F238E27FC236}">
-                  <a16:creationId xmlns="" xmlns:a16="http://schemas.microsoft.com/office/drawing/2014/main" id="{0FE86F6A-6E3C-49C1-8BB6-A05EC04A9F51}"/>
+                  <a16:creationId xmlns:a16="http://schemas.microsoft.com/office/drawing/2014/main" xmlns="" id="{0FE86F6A-6E3C-49C1-8BB6-A05EC04A9F51}"/>
                 </a:ext>
               </a:extLst>
             </p:cNvPr>
@@ -2632,7 +2611,7 @@
               <p:cNvPr id="23" name="Picture 22">
                 <a:extLst>
                   <a:ext uri="{FF2B5EF4-FFF2-40B4-BE49-F238E27FC236}">
-                    <a16:creationId xmlns="" xmlns:a16="http://schemas.microsoft.com/office/drawing/2014/main" id="{D5EF818B-FE8A-4428-9C6D-56AF87DC899C}"/>
+                    <a16:creationId xmlns:a16="http://schemas.microsoft.com/office/drawing/2014/main" xmlns="" id="{D5EF818B-FE8A-4428-9C6D-56AF87DC899C}"/>
                   </a:ext>
                 </a:extLst>
               </p:cNvPr>
@@ -2676,7 +2655,7 @@
               <p:cNvPr id="24" name="Picture 23">
                 <a:extLst>
                   <a:ext uri="{FF2B5EF4-FFF2-40B4-BE49-F238E27FC236}">
-                    <a16:creationId xmlns="" xmlns:a16="http://schemas.microsoft.com/office/drawing/2014/main" id="{91688678-AAB8-4613-84F3-8EFA5F33A660}"/>
+                    <a16:creationId xmlns:a16="http://schemas.microsoft.com/office/drawing/2014/main" xmlns="" id="{91688678-AAB8-4613-84F3-8EFA5F33A660}"/>
                   </a:ext>
                 </a:extLst>
               </p:cNvPr>
@@ -2720,7 +2699,7 @@
               <p:cNvPr id="25" name="Picture 24">
                 <a:extLst>
                   <a:ext uri="{FF2B5EF4-FFF2-40B4-BE49-F238E27FC236}">
-                    <a16:creationId xmlns="" xmlns:a16="http://schemas.microsoft.com/office/drawing/2014/main" id="{E36317BC-C443-468B-989A-38AA6AFEA9A4}"/>
+                    <a16:creationId xmlns:a16="http://schemas.microsoft.com/office/drawing/2014/main" xmlns="" id="{E36317BC-C443-468B-989A-38AA6AFEA9A4}"/>
                   </a:ext>
                 </a:extLst>
               </p:cNvPr>
@@ -2764,7 +2743,7 @@
               <p:cNvPr id="26" name="Picture 25">
                 <a:extLst>
                   <a:ext uri="{FF2B5EF4-FFF2-40B4-BE49-F238E27FC236}">
-                    <a16:creationId xmlns="" xmlns:a16="http://schemas.microsoft.com/office/drawing/2014/main" id="{A58B9DFA-A934-4ED8-A786-52AD1BF7995A}"/>
+                    <a16:creationId xmlns:a16="http://schemas.microsoft.com/office/drawing/2014/main" xmlns="" id="{A58B9DFA-A934-4ED8-A786-52AD1BF7995A}"/>
                   </a:ext>
                 </a:extLst>
               </p:cNvPr>
@@ -2808,7 +2787,7 @@
               <p:cNvPr id="27" name="Picture 26">
                 <a:extLst>
                   <a:ext uri="{FF2B5EF4-FFF2-40B4-BE49-F238E27FC236}">
-                    <a16:creationId xmlns="" xmlns:a16="http://schemas.microsoft.com/office/drawing/2014/main" id="{1C2C19FA-E643-40A1-A287-4F77B1E5D2B1}"/>
+                    <a16:creationId xmlns:a16="http://schemas.microsoft.com/office/drawing/2014/main" xmlns="" id="{1C2C19FA-E643-40A1-A287-4F77B1E5D2B1}"/>
                   </a:ext>
                 </a:extLst>
               </p:cNvPr>
@@ -2852,7 +2831,7 @@
               <p:cNvPr id="28" name="Picture 27">
                 <a:extLst>
                   <a:ext uri="{FF2B5EF4-FFF2-40B4-BE49-F238E27FC236}">
-                    <a16:creationId xmlns="" xmlns:a16="http://schemas.microsoft.com/office/drawing/2014/main" id="{A4E23BD4-4859-4898-AABE-D03FB8DA1E0C}"/>
+                    <a16:creationId xmlns:a16="http://schemas.microsoft.com/office/drawing/2014/main" xmlns="" id="{A4E23BD4-4859-4898-AABE-D03FB8DA1E0C}"/>
                   </a:ext>
                 </a:extLst>
               </p:cNvPr>
@@ -2897,7 +2876,7 @@
             <p:cNvPr id="29" name="Picture 28">
               <a:extLst>
                 <a:ext uri="{FF2B5EF4-FFF2-40B4-BE49-F238E27FC236}">
-                  <a16:creationId xmlns="" xmlns:a16="http://schemas.microsoft.com/office/drawing/2014/main" id="{9A9F2AAB-F9F3-46A1-BF26-67D943B1186B}"/>
+                  <a16:creationId xmlns:a16="http://schemas.microsoft.com/office/drawing/2014/main" xmlns="" id="{9A9F2AAB-F9F3-46A1-BF26-67D943B1186B}"/>
                 </a:ext>
               </a:extLst>
             </p:cNvPr>
@@ -3021,7 +3000,7 @@
           <p:cNvPr id="30" name="Callout: Bent Line 29">
             <a:extLst>
               <a:ext uri="{FF2B5EF4-FFF2-40B4-BE49-F238E27FC236}">
-                <a16:creationId xmlns="" xmlns:a16="http://schemas.microsoft.com/office/drawing/2014/main" id="{472992C2-B7B0-4BC3-AB01-08E07AB08685}"/>
+                <a16:creationId xmlns:a16="http://schemas.microsoft.com/office/drawing/2014/main" xmlns="" id="{472992C2-B7B0-4BC3-AB01-08E07AB08685}"/>
               </a:ext>
             </a:extLst>
           </p:cNvPr>
@@ -3189,7 +3168,7 @@
           <p:cNvPr id="8" name="Group 7">
             <a:extLst>
               <a:ext uri="{FF2B5EF4-FFF2-40B4-BE49-F238E27FC236}">
-                <a16:creationId xmlns="" xmlns:a16="http://schemas.microsoft.com/office/drawing/2014/main" id="{A9572D29-BC8A-49B2-894D-BF9C7BA220CF}"/>
+                <a16:creationId xmlns:a16="http://schemas.microsoft.com/office/drawing/2014/main" xmlns="" id="{A9572D29-BC8A-49B2-894D-BF9C7BA220CF}"/>
               </a:ext>
             </a:extLst>
           </p:cNvPr>
@@ -3209,7 +3188,7 @@
             <p:cNvPr id="5" name="Rectangle 4">
               <a:extLst>
                 <a:ext uri="{FF2B5EF4-FFF2-40B4-BE49-F238E27FC236}">
-                  <a16:creationId xmlns="" xmlns:a16="http://schemas.microsoft.com/office/drawing/2014/main" id="{FA7C1D9C-1281-4501-899B-12B77AAE187E}"/>
+                  <a16:creationId xmlns:a16="http://schemas.microsoft.com/office/drawing/2014/main" xmlns="" id="{FA7C1D9C-1281-4501-899B-12B77AAE187E}"/>
                 </a:ext>
               </a:extLst>
             </p:cNvPr>
@@ -3261,7 +3240,7 @@
             <p:cNvPr id="7" name="Group 6">
               <a:extLst>
                 <a:ext uri="{FF2B5EF4-FFF2-40B4-BE49-F238E27FC236}">
-                  <a16:creationId xmlns="" xmlns:a16="http://schemas.microsoft.com/office/drawing/2014/main" id="{82675A62-45E3-47B4-8FA7-7CEFF045EC4E}"/>
+                  <a16:creationId xmlns:a16="http://schemas.microsoft.com/office/drawing/2014/main" xmlns="" id="{82675A62-45E3-47B4-8FA7-7CEFF045EC4E}"/>
                 </a:ext>
               </a:extLst>
             </p:cNvPr>
@@ -3281,7 +3260,7 @@
               <p:cNvPr id="16" name="Picture 15">
                 <a:extLst>
                   <a:ext uri="{FF2B5EF4-FFF2-40B4-BE49-F238E27FC236}">
-                    <a16:creationId xmlns="" xmlns:a16="http://schemas.microsoft.com/office/drawing/2014/main" id="{2604C620-54F4-40D1-9F8D-916C2B03CF80}"/>
+                    <a16:creationId xmlns:a16="http://schemas.microsoft.com/office/drawing/2014/main" xmlns="" id="{2604C620-54F4-40D1-9F8D-916C2B03CF80}"/>
                   </a:ext>
                 </a:extLst>
               </p:cNvPr>
@@ -3318,7 +3297,7 @@
               <p:cNvPr id="17" name="Picture 16">
                 <a:extLst>
                   <a:ext uri="{FF2B5EF4-FFF2-40B4-BE49-F238E27FC236}">
-                    <a16:creationId xmlns="" xmlns:a16="http://schemas.microsoft.com/office/drawing/2014/main" id="{1F796C2C-EF81-4483-A8D9-6A074C9DD0AB}"/>
+                    <a16:creationId xmlns:a16="http://schemas.microsoft.com/office/drawing/2014/main" xmlns="" id="{1F796C2C-EF81-4483-A8D9-6A074C9DD0AB}"/>
                   </a:ext>
                 </a:extLst>
               </p:cNvPr>
@@ -3355,7 +3334,7 @@
               <p:cNvPr id="18" name="Picture 17">
                 <a:extLst>
                   <a:ext uri="{FF2B5EF4-FFF2-40B4-BE49-F238E27FC236}">
-                    <a16:creationId xmlns="" xmlns:a16="http://schemas.microsoft.com/office/drawing/2014/main" id="{67C5EDEF-0599-4615-9EEB-1E9C7299A6FE}"/>
+                    <a16:creationId xmlns:a16="http://schemas.microsoft.com/office/drawing/2014/main" xmlns="" id="{67C5EDEF-0599-4615-9EEB-1E9C7299A6FE}"/>
                   </a:ext>
                 </a:extLst>
               </p:cNvPr>
@@ -3392,7 +3371,7 @@
               <p:cNvPr id="19" name="Picture 18">
                 <a:extLst>
                   <a:ext uri="{FF2B5EF4-FFF2-40B4-BE49-F238E27FC236}">
-                    <a16:creationId xmlns="" xmlns:a16="http://schemas.microsoft.com/office/drawing/2014/main" id="{FBF3BA30-C6FC-4CE4-835F-63F19575D1B6}"/>
+                    <a16:creationId xmlns:a16="http://schemas.microsoft.com/office/drawing/2014/main" xmlns="" id="{FBF3BA30-C6FC-4CE4-835F-63F19575D1B6}"/>
                   </a:ext>
                 </a:extLst>
               </p:cNvPr>
@@ -3429,7 +3408,7 @@
               <p:cNvPr id="20" name="Picture 19">
                 <a:extLst>
                   <a:ext uri="{FF2B5EF4-FFF2-40B4-BE49-F238E27FC236}">
-                    <a16:creationId xmlns="" xmlns:a16="http://schemas.microsoft.com/office/drawing/2014/main" id="{7B393327-1880-43AF-B13A-F6742E1C91B4}"/>
+                    <a16:creationId xmlns:a16="http://schemas.microsoft.com/office/drawing/2014/main" xmlns="" id="{7B393327-1880-43AF-B13A-F6742E1C91B4}"/>
                   </a:ext>
                 </a:extLst>
               </p:cNvPr>
@@ -3466,7 +3445,7 @@
               <p:cNvPr id="21" name="Picture 20">
                 <a:extLst>
                   <a:ext uri="{FF2B5EF4-FFF2-40B4-BE49-F238E27FC236}">
-                    <a16:creationId xmlns="" xmlns:a16="http://schemas.microsoft.com/office/drawing/2014/main" id="{6C1C7622-D718-4C77-B53B-73A16A30959A}"/>
+                    <a16:creationId xmlns:a16="http://schemas.microsoft.com/office/drawing/2014/main" xmlns="" id="{6C1C7622-D718-4C77-B53B-73A16A30959A}"/>
                   </a:ext>
                 </a:extLst>
               </p:cNvPr>
@@ -3504,7 +3483,7 @@
             <p:cNvPr id="13" name="Picture 12">
               <a:extLst>
                 <a:ext uri="{FF2B5EF4-FFF2-40B4-BE49-F238E27FC236}">
-                  <a16:creationId xmlns="" xmlns:a16="http://schemas.microsoft.com/office/drawing/2014/main" id="{4D9F0ACE-7F0A-4D9F-92EB-E5D1B3B80CA6}"/>
+                  <a16:creationId xmlns:a16="http://schemas.microsoft.com/office/drawing/2014/main" xmlns="" id="{4D9F0ACE-7F0A-4D9F-92EB-E5D1B3B80CA6}"/>
                 </a:ext>
               </a:extLst>
             </p:cNvPr>
@@ -3542,7 +3521,7 @@
           <p:cNvPr id="3" name="Picture 2">
             <a:extLst>
               <a:ext uri="{FF2B5EF4-FFF2-40B4-BE49-F238E27FC236}">
-                <a16:creationId xmlns="" xmlns:a16="http://schemas.microsoft.com/office/drawing/2014/main" id="{56104764-BD3F-43BF-845A-87DD0F6BD537}"/>
+                <a16:creationId xmlns:a16="http://schemas.microsoft.com/office/drawing/2014/main" xmlns="" id="{56104764-BD3F-43BF-845A-87DD0F6BD537}"/>
               </a:ext>
             </a:extLst>
           </p:cNvPr>
@@ -3663,7 +3642,7 @@
           <p:cNvPr id="22" name="Callout: Bent Line 21">
             <a:extLst>
               <a:ext uri="{FF2B5EF4-FFF2-40B4-BE49-F238E27FC236}">
-                <a16:creationId xmlns="" xmlns:a16="http://schemas.microsoft.com/office/drawing/2014/main" id="{46462C26-2E27-4168-B596-D8AA19BBA89C}"/>
+                <a16:creationId xmlns:a16="http://schemas.microsoft.com/office/drawing/2014/main" xmlns="" id="{46462C26-2E27-4168-B596-D8AA19BBA89C}"/>
               </a:ext>
             </a:extLst>
           </p:cNvPr>
@@ -3831,7 +3810,7 @@
           <p:cNvPr id="7" name="Text Placeholder 2">
             <a:extLst>
               <a:ext uri="{FF2B5EF4-FFF2-40B4-BE49-F238E27FC236}">
-                <a16:creationId xmlns="" xmlns:a16="http://schemas.microsoft.com/office/drawing/2014/main" id="{4C69CA55-EDC7-4FD0-90B8-0004961E27A5}"/>
+                <a16:creationId xmlns:a16="http://schemas.microsoft.com/office/drawing/2014/main" xmlns="" id="{4C69CA55-EDC7-4FD0-90B8-0004961E27A5}"/>
               </a:ext>
             </a:extLst>
           </p:cNvPr>
@@ -3886,7 +3865,7 @@
           <p:cNvPr id="8" name="Text Placeholder 2">
             <a:extLst>
               <a:ext uri="{FF2B5EF4-FFF2-40B4-BE49-F238E27FC236}">
-                <a16:creationId xmlns="" xmlns:a16="http://schemas.microsoft.com/office/drawing/2014/main" id="{A0C452E5-B60E-40FC-81E3-D708E5ABFB31}"/>
+                <a16:creationId xmlns:a16="http://schemas.microsoft.com/office/drawing/2014/main" xmlns="" id="{A0C452E5-B60E-40FC-81E3-D708E5ABFB31}"/>
               </a:ext>
             </a:extLst>
           </p:cNvPr>
@@ -3937,7 +3916,7 @@
           <p:cNvPr id="24" name="Group 23">
             <a:extLst>
               <a:ext uri="{FF2B5EF4-FFF2-40B4-BE49-F238E27FC236}">
-                <a16:creationId xmlns="" xmlns:a16="http://schemas.microsoft.com/office/drawing/2014/main" id="{3FC71F0E-7505-466F-9779-7984AA28A460}"/>
+                <a16:creationId xmlns:a16="http://schemas.microsoft.com/office/drawing/2014/main" xmlns="" id="{3FC71F0E-7505-466F-9779-7984AA28A460}"/>
               </a:ext>
             </a:extLst>
           </p:cNvPr>
@@ -3957,7 +3936,7 @@
             <p:cNvPr id="17" name="Picture 16">
               <a:extLst>
                 <a:ext uri="{FF2B5EF4-FFF2-40B4-BE49-F238E27FC236}">
-                  <a16:creationId xmlns="" xmlns:a16="http://schemas.microsoft.com/office/drawing/2014/main" id="{94264D02-B840-4532-AA7F-AAEE0E785503}"/>
+                  <a16:creationId xmlns:a16="http://schemas.microsoft.com/office/drawing/2014/main" xmlns="" id="{94264D02-B840-4532-AA7F-AAEE0E785503}"/>
                 </a:ext>
               </a:extLst>
             </p:cNvPr>
@@ -4001,7 +3980,7 @@
             <p:cNvPr id="18" name="Picture 17">
               <a:extLst>
                 <a:ext uri="{FF2B5EF4-FFF2-40B4-BE49-F238E27FC236}">
-                  <a16:creationId xmlns="" xmlns:a16="http://schemas.microsoft.com/office/drawing/2014/main" id="{C4F7ED07-DF51-4231-AE87-493F15971235}"/>
+                  <a16:creationId xmlns:a16="http://schemas.microsoft.com/office/drawing/2014/main" xmlns="" id="{C4F7ED07-DF51-4231-AE87-493F15971235}"/>
                 </a:ext>
               </a:extLst>
             </p:cNvPr>
@@ -4045,7 +4024,7 @@
             <p:cNvPr id="19" name="Picture 18">
               <a:extLst>
                 <a:ext uri="{FF2B5EF4-FFF2-40B4-BE49-F238E27FC236}">
-                  <a16:creationId xmlns="" xmlns:a16="http://schemas.microsoft.com/office/drawing/2014/main" id="{41365CC0-EA2C-4C93-B562-9D3DEFAA8A70}"/>
+                  <a16:creationId xmlns:a16="http://schemas.microsoft.com/office/drawing/2014/main" xmlns="" id="{41365CC0-EA2C-4C93-B562-9D3DEFAA8A70}"/>
                 </a:ext>
               </a:extLst>
             </p:cNvPr>
@@ -4089,7 +4068,7 @@
             <p:cNvPr id="20" name="Picture 19">
               <a:extLst>
                 <a:ext uri="{FF2B5EF4-FFF2-40B4-BE49-F238E27FC236}">
-                  <a16:creationId xmlns="" xmlns:a16="http://schemas.microsoft.com/office/drawing/2014/main" id="{A892AF7D-349B-4086-9BE8-717E13768261}"/>
+                  <a16:creationId xmlns:a16="http://schemas.microsoft.com/office/drawing/2014/main" xmlns="" id="{A892AF7D-349B-4086-9BE8-717E13768261}"/>
                 </a:ext>
               </a:extLst>
             </p:cNvPr>
@@ -4133,7 +4112,7 @@
             <p:cNvPr id="21" name="Picture 20">
               <a:extLst>
                 <a:ext uri="{FF2B5EF4-FFF2-40B4-BE49-F238E27FC236}">
-                  <a16:creationId xmlns="" xmlns:a16="http://schemas.microsoft.com/office/drawing/2014/main" id="{B637CABD-298B-45A6-B9EC-F22CEF8A8461}"/>
+                  <a16:creationId xmlns:a16="http://schemas.microsoft.com/office/drawing/2014/main" xmlns="" id="{B637CABD-298B-45A6-B9EC-F22CEF8A8461}"/>
                 </a:ext>
               </a:extLst>
             </p:cNvPr>
@@ -4177,7 +4156,7 @@
             <p:cNvPr id="22" name="Picture 21">
               <a:extLst>
                 <a:ext uri="{FF2B5EF4-FFF2-40B4-BE49-F238E27FC236}">
-                  <a16:creationId xmlns="" xmlns:a16="http://schemas.microsoft.com/office/drawing/2014/main" id="{A53F4C4F-966A-4E1F-BEBD-C6965023C03B}"/>
+                  <a16:creationId xmlns:a16="http://schemas.microsoft.com/office/drawing/2014/main" xmlns="" id="{A53F4C4F-966A-4E1F-BEBD-C6965023C03B}"/>
                 </a:ext>
               </a:extLst>
             </p:cNvPr>
@@ -4221,7 +4200,7 @@
             <p:cNvPr id="23" name="Picture 22">
               <a:extLst>
                 <a:ext uri="{FF2B5EF4-FFF2-40B4-BE49-F238E27FC236}">
-                  <a16:creationId xmlns="" xmlns:a16="http://schemas.microsoft.com/office/drawing/2014/main" id="{AC0A2175-BA72-475E-A3C8-E90EA06315AD}"/>
+                  <a16:creationId xmlns:a16="http://schemas.microsoft.com/office/drawing/2014/main" xmlns="" id="{AC0A2175-BA72-475E-A3C8-E90EA06315AD}"/>
                 </a:ext>
               </a:extLst>
             </p:cNvPr>
@@ -4266,7 +4245,7 @@
           <p:cNvPr id="6" name="Straight Connector 5">
             <a:extLst>
               <a:ext uri="{FF2B5EF4-FFF2-40B4-BE49-F238E27FC236}">
-                <a16:creationId xmlns="" xmlns:a16="http://schemas.microsoft.com/office/drawing/2014/main" id="{F7CAFB74-112B-441B-A509-8E08822EAA09}"/>
+                <a16:creationId xmlns:a16="http://schemas.microsoft.com/office/drawing/2014/main" xmlns="" id="{F7CAFB74-112B-441B-A509-8E08822EAA09}"/>
               </a:ext>
             </a:extLst>
           </p:cNvPr>
@@ -4309,7 +4288,7 @@
           <p:cNvPr id="10" name="Picture 9">
             <a:extLst>
               <a:ext uri="{FF2B5EF4-FFF2-40B4-BE49-F238E27FC236}">
-                <a16:creationId xmlns="" xmlns:a16="http://schemas.microsoft.com/office/drawing/2014/main" id="{D0CDCCB5-1DDB-4C24-8D00-D3D1E7F56A1A}"/>
+                <a16:creationId xmlns:a16="http://schemas.microsoft.com/office/drawing/2014/main" xmlns="" id="{D0CDCCB5-1DDB-4C24-8D00-D3D1E7F56A1A}"/>
               </a:ext>
             </a:extLst>
           </p:cNvPr>
@@ -4344,7 +4323,7 @@
           <p:cNvPr id="11" name="Straight Connector 10">
             <a:extLst>
               <a:ext uri="{FF2B5EF4-FFF2-40B4-BE49-F238E27FC236}">
-                <a16:creationId xmlns="" xmlns:a16="http://schemas.microsoft.com/office/drawing/2014/main" id="{DD9882F3-07F2-4359-8D37-144670461BB1}"/>
+                <a16:creationId xmlns:a16="http://schemas.microsoft.com/office/drawing/2014/main" xmlns="" id="{DD9882F3-07F2-4359-8D37-144670461BB1}"/>
               </a:ext>
             </a:extLst>
           </p:cNvPr>
@@ -4425,7 +4404,7 @@
           <p:cNvPr id="7" name="Text Placeholder 2">
             <a:extLst>
               <a:ext uri="{FF2B5EF4-FFF2-40B4-BE49-F238E27FC236}">
-                <a16:creationId xmlns="" xmlns:a16="http://schemas.microsoft.com/office/drawing/2014/main" id="{4C69CA55-EDC7-4FD0-90B8-0004961E27A5}"/>
+                <a16:creationId xmlns:a16="http://schemas.microsoft.com/office/drawing/2014/main" xmlns="" id="{4C69CA55-EDC7-4FD0-90B8-0004961E27A5}"/>
               </a:ext>
             </a:extLst>
           </p:cNvPr>
@@ -4480,7 +4459,7 @@
           <p:cNvPr id="8" name="Text Placeholder 2">
             <a:extLst>
               <a:ext uri="{FF2B5EF4-FFF2-40B4-BE49-F238E27FC236}">
-                <a16:creationId xmlns="" xmlns:a16="http://schemas.microsoft.com/office/drawing/2014/main" id="{A0C452E5-B60E-40FC-81E3-D708E5ABFB31}"/>
+                <a16:creationId xmlns:a16="http://schemas.microsoft.com/office/drawing/2014/main" xmlns="" id="{A0C452E5-B60E-40FC-81E3-D708E5ABFB31}"/>
               </a:ext>
             </a:extLst>
           </p:cNvPr>
@@ -4531,7 +4510,7 @@
           <p:cNvPr id="6" name="Straight Connector 5">
             <a:extLst>
               <a:ext uri="{FF2B5EF4-FFF2-40B4-BE49-F238E27FC236}">
-                <a16:creationId xmlns="" xmlns:a16="http://schemas.microsoft.com/office/drawing/2014/main" id="{F7CAFB74-112B-441B-A509-8E08822EAA09}"/>
+                <a16:creationId xmlns:a16="http://schemas.microsoft.com/office/drawing/2014/main" xmlns="" id="{F7CAFB74-112B-441B-A509-8E08822EAA09}"/>
               </a:ext>
             </a:extLst>
           </p:cNvPr>
@@ -4574,7 +4553,7 @@
           <p:cNvPr id="11" name="Straight Connector 10">
             <a:extLst>
               <a:ext uri="{FF2B5EF4-FFF2-40B4-BE49-F238E27FC236}">
-                <a16:creationId xmlns="" xmlns:a16="http://schemas.microsoft.com/office/drawing/2014/main" id="{DD9882F3-07F2-4359-8D37-144670461BB1}"/>
+                <a16:creationId xmlns:a16="http://schemas.microsoft.com/office/drawing/2014/main" xmlns="" id="{DD9882F3-07F2-4359-8D37-144670461BB1}"/>
               </a:ext>
             </a:extLst>
           </p:cNvPr>
@@ -4617,7 +4596,7 @@
           <p:cNvPr id="16" name="Group 15">
             <a:extLst>
               <a:ext uri="{FF2B5EF4-FFF2-40B4-BE49-F238E27FC236}">
-                <a16:creationId xmlns="" xmlns:a16="http://schemas.microsoft.com/office/drawing/2014/main" id="{DF8450E1-0912-4192-A5BC-0CE85410DDA9}"/>
+                <a16:creationId xmlns:a16="http://schemas.microsoft.com/office/drawing/2014/main" xmlns="" id="{DF8450E1-0912-4192-A5BC-0CE85410DDA9}"/>
               </a:ext>
             </a:extLst>
           </p:cNvPr>
@@ -4637,7 +4616,7 @@
             <p:cNvPr id="28" name="Picture 27">
               <a:extLst>
                 <a:ext uri="{FF2B5EF4-FFF2-40B4-BE49-F238E27FC236}">
-                  <a16:creationId xmlns="" xmlns:a16="http://schemas.microsoft.com/office/drawing/2014/main" id="{9AC5519E-E884-4018-B193-B121581DEDA2}"/>
+                  <a16:creationId xmlns:a16="http://schemas.microsoft.com/office/drawing/2014/main" xmlns="" id="{9AC5519E-E884-4018-B193-B121581DEDA2}"/>
                 </a:ext>
               </a:extLst>
             </p:cNvPr>
@@ -4674,7 +4653,7 @@
             <p:cNvPr id="29" name="Picture 28">
               <a:extLst>
                 <a:ext uri="{FF2B5EF4-FFF2-40B4-BE49-F238E27FC236}">
-                  <a16:creationId xmlns="" xmlns:a16="http://schemas.microsoft.com/office/drawing/2014/main" id="{4B4E7475-982D-4A69-804C-7936EF46FB45}"/>
+                  <a16:creationId xmlns:a16="http://schemas.microsoft.com/office/drawing/2014/main" xmlns="" id="{4B4E7475-982D-4A69-804C-7936EF46FB45}"/>
                 </a:ext>
               </a:extLst>
             </p:cNvPr>
@@ -4711,7 +4690,7 @@
             <p:cNvPr id="30" name="Picture 29">
               <a:extLst>
                 <a:ext uri="{FF2B5EF4-FFF2-40B4-BE49-F238E27FC236}">
-                  <a16:creationId xmlns="" xmlns:a16="http://schemas.microsoft.com/office/drawing/2014/main" id="{8E822973-EE30-4796-9F57-0DFD09D35791}"/>
+                  <a16:creationId xmlns:a16="http://schemas.microsoft.com/office/drawing/2014/main" xmlns="" id="{8E822973-EE30-4796-9F57-0DFD09D35791}"/>
                 </a:ext>
               </a:extLst>
             </p:cNvPr>
@@ -4748,7 +4727,7 @@
             <p:cNvPr id="31" name="Picture 30">
               <a:extLst>
                 <a:ext uri="{FF2B5EF4-FFF2-40B4-BE49-F238E27FC236}">
-                  <a16:creationId xmlns="" xmlns:a16="http://schemas.microsoft.com/office/drawing/2014/main" id="{96FB5F7A-378E-4EF4-BB4A-F5D37DC10E31}"/>
+                  <a16:creationId xmlns:a16="http://schemas.microsoft.com/office/drawing/2014/main" xmlns="" id="{96FB5F7A-378E-4EF4-BB4A-F5D37DC10E31}"/>
                 </a:ext>
               </a:extLst>
             </p:cNvPr>
@@ -4785,7 +4764,7 @@
             <p:cNvPr id="32" name="Picture 31">
               <a:extLst>
                 <a:ext uri="{FF2B5EF4-FFF2-40B4-BE49-F238E27FC236}">
-                  <a16:creationId xmlns="" xmlns:a16="http://schemas.microsoft.com/office/drawing/2014/main" id="{F33487C8-5E64-4009-8AC7-E5794DB03DCC}"/>
+                  <a16:creationId xmlns:a16="http://schemas.microsoft.com/office/drawing/2014/main" xmlns="" id="{F33487C8-5E64-4009-8AC7-E5794DB03DCC}"/>
                 </a:ext>
               </a:extLst>
             </p:cNvPr>
@@ -4822,7 +4801,7 @@
             <p:cNvPr id="33" name="Picture 32">
               <a:extLst>
                 <a:ext uri="{FF2B5EF4-FFF2-40B4-BE49-F238E27FC236}">
-                  <a16:creationId xmlns="" xmlns:a16="http://schemas.microsoft.com/office/drawing/2014/main" id="{A2C3CE84-2332-419E-99F3-8BE8A38AEF05}"/>
+                  <a16:creationId xmlns:a16="http://schemas.microsoft.com/office/drawing/2014/main" xmlns="" id="{A2C3CE84-2332-419E-99F3-8BE8A38AEF05}"/>
                 </a:ext>
               </a:extLst>
             </p:cNvPr>
@@ -4859,7 +4838,7 @@
             <p:cNvPr id="34" name="Picture 33">
               <a:extLst>
                 <a:ext uri="{FF2B5EF4-FFF2-40B4-BE49-F238E27FC236}">
-                  <a16:creationId xmlns="" xmlns:a16="http://schemas.microsoft.com/office/drawing/2014/main" id="{1E77A329-E08A-4D0C-BDC1-9A7380CDE1B7}"/>
+                  <a16:creationId xmlns:a16="http://schemas.microsoft.com/office/drawing/2014/main" xmlns="" id="{1E77A329-E08A-4D0C-BDC1-9A7380CDE1B7}"/>
                 </a:ext>
               </a:extLst>
             </p:cNvPr>
@@ -4897,7 +4876,7 @@
           <p:cNvPr id="35" name="Picture 34">
             <a:extLst>
               <a:ext uri="{FF2B5EF4-FFF2-40B4-BE49-F238E27FC236}">
-                <a16:creationId xmlns="" xmlns:a16="http://schemas.microsoft.com/office/drawing/2014/main" id="{8E7BC13C-3001-4ABB-B095-6360B7AB05AD}"/>
+                <a16:creationId xmlns:a16="http://schemas.microsoft.com/office/drawing/2014/main" xmlns="" id="{8E7BC13C-3001-4ABB-B095-6360B7AB05AD}"/>
               </a:ext>
             </a:extLst>
           </p:cNvPr>
@@ -4972,7 +4951,7 @@
           <p:cNvPr id="5" name="Picture 4">
             <a:extLst>
               <a:ext uri="{FF2B5EF4-FFF2-40B4-BE49-F238E27FC236}">
-                <a16:creationId xmlns="" xmlns:a16="http://schemas.microsoft.com/office/drawing/2014/main" id="{5AA96587-D6C7-471E-829E-46C1203097B6}"/>
+                <a16:creationId xmlns:a16="http://schemas.microsoft.com/office/drawing/2014/main" xmlns="" id="{5AA96587-D6C7-471E-829E-46C1203097B6}"/>
               </a:ext>
             </a:extLst>
           </p:cNvPr>
@@ -5007,7 +4986,7 @@
           <p:cNvPr id="35" name="Callout: Bent Line 34">
             <a:extLst>
               <a:ext uri="{FF2B5EF4-FFF2-40B4-BE49-F238E27FC236}">
-                <a16:creationId xmlns="" xmlns:a16="http://schemas.microsoft.com/office/drawing/2014/main" id="{E03F0B30-D09B-4F39-9E18-FFAAE066DF1F}"/>
+                <a16:creationId xmlns:a16="http://schemas.microsoft.com/office/drawing/2014/main" xmlns="" id="{E03F0B30-D09B-4F39-9E18-FFAAE066DF1F}"/>
               </a:ext>
             </a:extLst>
           </p:cNvPr>
@@ -5137,7 +5116,7 @@
           <p:cNvPr id="40" name="Picture 39">
             <a:extLst>
               <a:ext uri="{FF2B5EF4-FFF2-40B4-BE49-F238E27FC236}">
-                <a16:creationId xmlns="" xmlns:a16="http://schemas.microsoft.com/office/drawing/2014/main" id="{B691DF16-8F0F-408F-B71E-B4A71C9EC478}"/>
+                <a16:creationId xmlns:a16="http://schemas.microsoft.com/office/drawing/2014/main" xmlns="" id="{B691DF16-8F0F-408F-B71E-B4A71C9EC478}"/>
               </a:ext>
             </a:extLst>
           </p:cNvPr>
@@ -5172,7 +5151,7 @@
           <p:cNvPr id="7" name="Text Placeholder 2">
             <a:extLst>
               <a:ext uri="{FF2B5EF4-FFF2-40B4-BE49-F238E27FC236}">
-                <a16:creationId xmlns="" xmlns:a16="http://schemas.microsoft.com/office/drawing/2014/main" id="{4C69CA55-EDC7-4FD0-90B8-0004961E27A5}"/>
+                <a16:creationId xmlns:a16="http://schemas.microsoft.com/office/drawing/2014/main" xmlns="" id="{4C69CA55-EDC7-4FD0-90B8-0004961E27A5}"/>
               </a:ext>
             </a:extLst>
           </p:cNvPr>
@@ -5227,7 +5206,7 @@
           <p:cNvPr id="8" name="Text Placeholder 2">
             <a:extLst>
               <a:ext uri="{FF2B5EF4-FFF2-40B4-BE49-F238E27FC236}">
-                <a16:creationId xmlns="" xmlns:a16="http://schemas.microsoft.com/office/drawing/2014/main" id="{A0C452E5-B60E-40FC-81E3-D708E5ABFB31}"/>
+                <a16:creationId xmlns:a16="http://schemas.microsoft.com/office/drawing/2014/main" xmlns="" id="{A0C452E5-B60E-40FC-81E3-D708E5ABFB31}"/>
               </a:ext>
             </a:extLst>
           </p:cNvPr>
@@ -5278,7 +5257,7 @@
           <p:cNvPr id="41" name="Group 40">
             <a:extLst>
               <a:ext uri="{FF2B5EF4-FFF2-40B4-BE49-F238E27FC236}">
-                <a16:creationId xmlns="" xmlns:a16="http://schemas.microsoft.com/office/drawing/2014/main" id="{95B4B950-EE90-4730-BB84-981697C7F17E}"/>
+                <a16:creationId xmlns:a16="http://schemas.microsoft.com/office/drawing/2014/main" xmlns="" id="{95B4B950-EE90-4730-BB84-981697C7F17E}"/>
               </a:ext>
             </a:extLst>
           </p:cNvPr>
@@ -5298,7 +5277,7 @@
             <p:cNvPr id="24" name="Group 23">
               <a:extLst>
                 <a:ext uri="{FF2B5EF4-FFF2-40B4-BE49-F238E27FC236}">
-                  <a16:creationId xmlns="" xmlns:a16="http://schemas.microsoft.com/office/drawing/2014/main" id="{3FC71F0E-7505-466F-9779-7984AA28A460}"/>
+                  <a16:creationId xmlns:a16="http://schemas.microsoft.com/office/drawing/2014/main" xmlns="" id="{3FC71F0E-7505-466F-9779-7984AA28A460}"/>
                 </a:ext>
               </a:extLst>
             </p:cNvPr>
@@ -5318,7 +5297,7 @@
               <p:cNvPr id="17" name="Picture 16">
                 <a:extLst>
                   <a:ext uri="{FF2B5EF4-FFF2-40B4-BE49-F238E27FC236}">
-                    <a16:creationId xmlns="" xmlns:a16="http://schemas.microsoft.com/office/drawing/2014/main" id="{94264D02-B840-4532-AA7F-AAEE0E785503}"/>
+                    <a16:creationId xmlns:a16="http://schemas.microsoft.com/office/drawing/2014/main" xmlns="" id="{94264D02-B840-4532-AA7F-AAEE0E785503}"/>
                   </a:ext>
                 </a:extLst>
               </p:cNvPr>
@@ -5355,7 +5334,7 @@
               <p:cNvPr id="18" name="Picture 17">
                 <a:extLst>
                   <a:ext uri="{FF2B5EF4-FFF2-40B4-BE49-F238E27FC236}">
-                    <a16:creationId xmlns="" xmlns:a16="http://schemas.microsoft.com/office/drawing/2014/main" id="{C4F7ED07-DF51-4231-AE87-493F15971235}"/>
+                    <a16:creationId xmlns:a16="http://schemas.microsoft.com/office/drawing/2014/main" xmlns="" id="{C4F7ED07-DF51-4231-AE87-493F15971235}"/>
                   </a:ext>
                 </a:extLst>
               </p:cNvPr>
@@ -5392,7 +5371,7 @@
               <p:cNvPr id="19" name="Picture 18">
                 <a:extLst>
                   <a:ext uri="{FF2B5EF4-FFF2-40B4-BE49-F238E27FC236}">
-                    <a16:creationId xmlns="" xmlns:a16="http://schemas.microsoft.com/office/drawing/2014/main" id="{41365CC0-EA2C-4C93-B562-9D3DEFAA8A70}"/>
+                    <a16:creationId xmlns:a16="http://schemas.microsoft.com/office/drawing/2014/main" xmlns="" id="{41365CC0-EA2C-4C93-B562-9D3DEFAA8A70}"/>
                   </a:ext>
                 </a:extLst>
               </p:cNvPr>
@@ -5429,7 +5408,7 @@
               <p:cNvPr id="20" name="Picture 19">
                 <a:extLst>
                   <a:ext uri="{FF2B5EF4-FFF2-40B4-BE49-F238E27FC236}">
-                    <a16:creationId xmlns="" xmlns:a16="http://schemas.microsoft.com/office/drawing/2014/main" id="{A892AF7D-349B-4086-9BE8-717E13768261}"/>
+                    <a16:creationId xmlns:a16="http://schemas.microsoft.com/office/drawing/2014/main" xmlns="" id="{A892AF7D-349B-4086-9BE8-717E13768261}"/>
                   </a:ext>
                 </a:extLst>
               </p:cNvPr>
@@ -5466,7 +5445,7 @@
               <p:cNvPr id="21" name="Picture 20">
                 <a:extLst>
                   <a:ext uri="{FF2B5EF4-FFF2-40B4-BE49-F238E27FC236}">
-                    <a16:creationId xmlns="" xmlns:a16="http://schemas.microsoft.com/office/drawing/2014/main" id="{B637CABD-298B-45A6-B9EC-F22CEF8A8461}"/>
+                    <a16:creationId xmlns:a16="http://schemas.microsoft.com/office/drawing/2014/main" xmlns="" id="{B637CABD-298B-45A6-B9EC-F22CEF8A8461}"/>
                   </a:ext>
                 </a:extLst>
               </p:cNvPr>
@@ -5503,7 +5482,7 @@
               <p:cNvPr id="22" name="Picture 21">
                 <a:extLst>
                   <a:ext uri="{FF2B5EF4-FFF2-40B4-BE49-F238E27FC236}">
-                    <a16:creationId xmlns="" xmlns:a16="http://schemas.microsoft.com/office/drawing/2014/main" id="{A53F4C4F-966A-4E1F-BEBD-C6965023C03B}"/>
+                    <a16:creationId xmlns:a16="http://schemas.microsoft.com/office/drawing/2014/main" xmlns="" id="{A53F4C4F-966A-4E1F-BEBD-C6965023C03B}"/>
                   </a:ext>
                 </a:extLst>
               </p:cNvPr>
@@ -5540,7 +5519,7 @@
               <p:cNvPr id="23" name="Picture 22">
                 <a:extLst>
                   <a:ext uri="{FF2B5EF4-FFF2-40B4-BE49-F238E27FC236}">
-                    <a16:creationId xmlns="" xmlns:a16="http://schemas.microsoft.com/office/drawing/2014/main" id="{AC0A2175-BA72-475E-A3C8-E90EA06315AD}"/>
+                    <a16:creationId xmlns:a16="http://schemas.microsoft.com/office/drawing/2014/main" xmlns="" id="{AC0A2175-BA72-475E-A3C8-E90EA06315AD}"/>
                   </a:ext>
                 </a:extLst>
               </p:cNvPr>
@@ -5578,7 +5557,7 @@
             <p:cNvPr id="6" name="Straight Connector 5">
               <a:extLst>
                 <a:ext uri="{FF2B5EF4-FFF2-40B4-BE49-F238E27FC236}">
-                  <a16:creationId xmlns="" xmlns:a16="http://schemas.microsoft.com/office/drawing/2014/main" id="{F7CAFB74-112B-441B-A509-8E08822EAA09}"/>
+                  <a16:creationId xmlns:a16="http://schemas.microsoft.com/office/drawing/2014/main" xmlns="" id="{F7CAFB74-112B-441B-A509-8E08822EAA09}"/>
                 </a:ext>
               </a:extLst>
             </p:cNvPr>
@@ -5621,7 +5600,7 @@
             <p:cNvPr id="10" name="Picture 9">
               <a:extLst>
                 <a:ext uri="{FF2B5EF4-FFF2-40B4-BE49-F238E27FC236}">
-                  <a16:creationId xmlns="" xmlns:a16="http://schemas.microsoft.com/office/drawing/2014/main" id="{D0CDCCB5-1DDB-4C24-8D00-D3D1E7F56A1A}"/>
+                  <a16:creationId xmlns:a16="http://schemas.microsoft.com/office/drawing/2014/main" xmlns="" id="{D0CDCCB5-1DDB-4C24-8D00-D3D1E7F56A1A}"/>
                 </a:ext>
               </a:extLst>
             </p:cNvPr>
@@ -5656,7 +5635,7 @@
             <p:cNvPr id="11" name="Straight Connector 10">
               <a:extLst>
                 <a:ext uri="{FF2B5EF4-FFF2-40B4-BE49-F238E27FC236}">
-                  <a16:creationId xmlns="" xmlns:a16="http://schemas.microsoft.com/office/drawing/2014/main" id="{DD9882F3-07F2-4359-8D37-144670461BB1}"/>
+                  <a16:creationId xmlns:a16="http://schemas.microsoft.com/office/drawing/2014/main" xmlns="" id="{DD9882F3-07F2-4359-8D37-144670461BB1}"/>
                 </a:ext>
               </a:extLst>
             </p:cNvPr>
@@ -5738,7 +5717,7 @@
           <p:cNvPr id="4" name="Picture 3">
             <a:extLst>
               <a:ext uri="{FF2B5EF4-FFF2-40B4-BE49-F238E27FC236}">
-                <a16:creationId xmlns="" xmlns:a16="http://schemas.microsoft.com/office/drawing/2014/main" id="{1760D233-29EB-4D48-ABCA-775366A0BDB1}"/>
+                <a16:creationId xmlns:a16="http://schemas.microsoft.com/office/drawing/2014/main" xmlns="" id="{1760D233-29EB-4D48-ABCA-775366A0BDB1}"/>
               </a:ext>
             </a:extLst>
           </p:cNvPr>
@@ -5773,7 +5752,7 @@
           <p:cNvPr id="25" name="Picture 24">
             <a:extLst>
               <a:ext uri="{FF2B5EF4-FFF2-40B4-BE49-F238E27FC236}">
-                <a16:creationId xmlns="" xmlns:a16="http://schemas.microsoft.com/office/drawing/2014/main" id="{12124EBE-308F-41B3-83E9-B67EAE371932}"/>
+                <a16:creationId xmlns:a16="http://schemas.microsoft.com/office/drawing/2014/main" xmlns="" id="{12124EBE-308F-41B3-83E9-B67EAE371932}"/>
               </a:ext>
             </a:extLst>
           </p:cNvPr>
@@ -5808,7 +5787,7 @@
           <p:cNvPr id="7" name="Text Placeholder 2">
             <a:extLst>
               <a:ext uri="{FF2B5EF4-FFF2-40B4-BE49-F238E27FC236}">
-                <a16:creationId xmlns="" xmlns:a16="http://schemas.microsoft.com/office/drawing/2014/main" id="{4C69CA55-EDC7-4FD0-90B8-0004961E27A5}"/>
+                <a16:creationId xmlns:a16="http://schemas.microsoft.com/office/drawing/2014/main" xmlns="" id="{4C69CA55-EDC7-4FD0-90B8-0004961E27A5}"/>
               </a:ext>
             </a:extLst>
           </p:cNvPr>
@@ -5863,7 +5842,7 @@
           <p:cNvPr id="9" name="Group 8">
             <a:extLst>
               <a:ext uri="{FF2B5EF4-FFF2-40B4-BE49-F238E27FC236}">
-                <a16:creationId xmlns="" xmlns:a16="http://schemas.microsoft.com/office/drawing/2014/main" id="{C65C76D7-1E82-4205-BE1D-96C3AFD3DB2E}"/>
+                <a16:creationId xmlns:a16="http://schemas.microsoft.com/office/drawing/2014/main" xmlns="" id="{C65C76D7-1E82-4205-BE1D-96C3AFD3DB2E}"/>
               </a:ext>
             </a:extLst>
           </p:cNvPr>
@@ -5883,7 +5862,7 @@
             <p:cNvPr id="11" name="Straight Connector 10">
               <a:extLst>
                 <a:ext uri="{FF2B5EF4-FFF2-40B4-BE49-F238E27FC236}">
-                  <a16:creationId xmlns="" xmlns:a16="http://schemas.microsoft.com/office/drawing/2014/main" id="{DD9882F3-07F2-4359-8D37-144670461BB1}"/>
+                  <a16:creationId xmlns:a16="http://schemas.microsoft.com/office/drawing/2014/main" xmlns="" id="{DD9882F3-07F2-4359-8D37-144670461BB1}"/>
                 </a:ext>
               </a:extLst>
             </p:cNvPr>
@@ -5926,7 +5905,7 @@
             <p:cNvPr id="24" name="Group 23">
               <a:extLst>
                 <a:ext uri="{FF2B5EF4-FFF2-40B4-BE49-F238E27FC236}">
-                  <a16:creationId xmlns="" xmlns:a16="http://schemas.microsoft.com/office/drawing/2014/main" id="{3FC71F0E-7505-466F-9779-7984AA28A460}"/>
+                  <a16:creationId xmlns:a16="http://schemas.microsoft.com/office/drawing/2014/main" xmlns="" id="{3FC71F0E-7505-466F-9779-7984AA28A460}"/>
                 </a:ext>
               </a:extLst>
             </p:cNvPr>
@@ -5946,7 +5925,7 @@
               <p:cNvPr id="17" name="Picture 16">
                 <a:extLst>
                   <a:ext uri="{FF2B5EF4-FFF2-40B4-BE49-F238E27FC236}">
-                    <a16:creationId xmlns="" xmlns:a16="http://schemas.microsoft.com/office/drawing/2014/main" id="{94264D02-B840-4532-AA7F-AAEE0E785503}"/>
+                    <a16:creationId xmlns:a16="http://schemas.microsoft.com/office/drawing/2014/main" xmlns="" id="{94264D02-B840-4532-AA7F-AAEE0E785503}"/>
                   </a:ext>
                 </a:extLst>
               </p:cNvPr>
@@ -5983,7 +5962,7 @@
               <p:cNvPr id="18" name="Picture 17">
                 <a:extLst>
                   <a:ext uri="{FF2B5EF4-FFF2-40B4-BE49-F238E27FC236}">
-                    <a16:creationId xmlns="" xmlns:a16="http://schemas.microsoft.com/office/drawing/2014/main" id="{C4F7ED07-DF51-4231-AE87-493F15971235}"/>
+                    <a16:creationId xmlns:a16="http://schemas.microsoft.com/office/drawing/2014/main" xmlns="" id="{C4F7ED07-DF51-4231-AE87-493F15971235}"/>
                   </a:ext>
                 </a:extLst>
               </p:cNvPr>
@@ -6020,7 +5999,7 @@
               <p:cNvPr id="19" name="Picture 18">
                 <a:extLst>
                   <a:ext uri="{FF2B5EF4-FFF2-40B4-BE49-F238E27FC236}">
-                    <a16:creationId xmlns="" xmlns:a16="http://schemas.microsoft.com/office/drawing/2014/main" id="{41365CC0-EA2C-4C93-B562-9D3DEFAA8A70}"/>
+                    <a16:creationId xmlns:a16="http://schemas.microsoft.com/office/drawing/2014/main" xmlns="" id="{41365CC0-EA2C-4C93-B562-9D3DEFAA8A70}"/>
                   </a:ext>
                 </a:extLst>
               </p:cNvPr>
@@ -6057,7 +6036,7 @@
               <p:cNvPr id="20" name="Picture 19">
                 <a:extLst>
                   <a:ext uri="{FF2B5EF4-FFF2-40B4-BE49-F238E27FC236}">
-                    <a16:creationId xmlns="" xmlns:a16="http://schemas.microsoft.com/office/drawing/2014/main" id="{A892AF7D-349B-4086-9BE8-717E13768261}"/>
+                    <a16:creationId xmlns:a16="http://schemas.microsoft.com/office/drawing/2014/main" xmlns="" id="{A892AF7D-349B-4086-9BE8-717E13768261}"/>
                   </a:ext>
                 </a:extLst>
               </p:cNvPr>
@@ -6094,7 +6073,7 @@
               <p:cNvPr id="22" name="Picture 21">
                 <a:extLst>
                   <a:ext uri="{FF2B5EF4-FFF2-40B4-BE49-F238E27FC236}">
-                    <a16:creationId xmlns="" xmlns:a16="http://schemas.microsoft.com/office/drawing/2014/main" id="{A53F4C4F-966A-4E1F-BEBD-C6965023C03B}"/>
+                    <a16:creationId xmlns:a16="http://schemas.microsoft.com/office/drawing/2014/main" xmlns="" id="{A53F4C4F-966A-4E1F-BEBD-C6965023C03B}"/>
                   </a:ext>
                 </a:extLst>
               </p:cNvPr>
@@ -6131,7 +6110,7 @@
               <p:cNvPr id="23" name="Picture 22">
                 <a:extLst>
                   <a:ext uri="{FF2B5EF4-FFF2-40B4-BE49-F238E27FC236}">
-                    <a16:creationId xmlns="" xmlns:a16="http://schemas.microsoft.com/office/drawing/2014/main" id="{AC0A2175-BA72-475E-A3C8-E90EA06315AD}"/>
+                    <a16:creationId xmlns:a16="http://schemas.microsoft.com/office/drawing/2014/main" xmlns="" id="{AC0A2175-BA72-475E-A3C8-E90EA06315AD}"/>
                   </a:ext>
                 </a:extLst>
               </p:cNvPr>
@@ -6169,7 +6148,7 @@
             <p:cNvPr id="10" name="Picture 9">
               <a:extLst>
                 <a:ext uri="{FF2B5EF4-FFF2-40B4-BE49-F238E27FC236}">
-                  <a16:creationId xmlns="" xmlns:a16="http://schemas.microsoft.com/office/drawing/2014/main" id="{D0CDCCB5-1DDB-4C24-8D00-D3D1E7F56A1A}"/>
+                  <a16:creationId xmlns:a16="http://schemas.microsoft.com/office/drawing/2014/main" xmlns="" id="{D0CDCCB5-1DDB-4C24-8D00-D3D1E7F56A1A}"/>
                 </a:ext>
               </a:extLst>
             </p:cNvPr>
@@ -6205,7 +6184,7 @@
           <p:cNvPr id="26" name="Callout: Bent Line 25">
             <a:extLst>
               <a:ext uri="{FF2B5EF4-FFF2-40B4-BE49-F238E27FC236}">
-                <a16:creationId xmlns="" xmlns:a16="http://schemas.microsoft.com/office/drawing/2014/main" id="{D5B570FE-5D61-40C6-9AAA-F45C4EA0AE8F}"/>
+                <a16:creationId xmlns:a16="http://schemas.microsoft.com/office/drawing/2014/main" xmlns="" id="{D5B570FE-5D61-40C6-9AAA-F45C4EA0AE8F}"/>
               </a:ext>
             </a:extLst>
           </p:cNvPr>
@@ -6373,7 +6352,7 @@
           <p:cNvPr id="5" name="Picture 4">
             <a:extLst>
               <a:ext uri="{FF2B5EF4-FFF2-40B4-BE49-F238E27FC236}">
-                <a16:creationId xmlns="" xmlns:a16="http://schemas.microsoft.com/office/drawing/2014/main" id="{404AFCFF-7D86-4569-84D1-5157148A97D4}"/>
+                <a16:creationId xmlns:a16="http://schemas.microsoft.com/office/drawing/2014/main" xmlns="" id="{404AFCFF-7D86-4569-84D1-5157148A97D4}"/>
               </a:ext>
             </a:extLst>
           </p:cNvPr>
@@ -6408,7 +6387,7 @@
           <p:cNvPr id="12" name="Picture 11">
             <a:extLst>
               <a:ext uri="{FF2B5EF4-FFF2-40B4-BE49-F238E27FC236}">
-                <a16:creationId xmlns="" xmlns:a16="http://schemas.microsoft.com/office/drawing/2014/main" id="{CB381711-8FF8-4407-AF0D-574D305494E7}"/>
+                <a16:creationId xmlns:a16="http://schemas.microsoft.com/office/drawing/2014/main" xmlns="" id="{CB381711-8FF8-4407-AF0D-574D305494E7}"/>
               </a:ext>
             </a:extLst>
           </p:cNvPr>
@@ -6437,7 +6416,7 @@
           <p:cNvPr id="7" name="Text Placeholder 2">
             <a:extLst>
               <a:ext uri="{FF2B5EF4-FFF2-40B4-BE49-F238E27FC236}">
-                <a16:creationId xmlns="" xmlns:a16="http://schemas.microsoft.com/office/drawing/2014/main" id="{4C69CA55-EDC7-4FD0-90B8-0004961E27A5}"/>
+                <a16:creationId xmlns:a16="http://schemas.microsoft.com/office/drawing/2014/main" xmlns="" id="{4C69CA55-EDC7-4FD0-90B8-0004961E27A5}"/>
               </a:ext>
             </a:extLst>
           </p:cNvPr>
@@ -6492,7 +6471,7 @@
           <p:cNvPr id="13" name="Group 12">
             <a:extLst>
               <a:ext uri="{FF2B5EF4-FFF2-40B4-BE49-F238E27FC236}">
-                <a16:creationId xmlns="" xmlns:a16="http://schemas.microsoft.com/office/drawing/2014/main" id="{EEC9182B-546A-40F2-B009-F23D44F1AD73}"/>
+                <a16:creationId xmlns:a16="http://schemas.microsoft.com/office/drawing/2014/main" xmlns="" id="{EEC9182B-546A-40F2-B009-F23D44F1AD73}"/>
               </a:ext>
             </a:extLst>
           </p:cNvPr>
@@ -6512,7 +6491,7 @@
             <p:cNvPr id="25" name="Group 24">
               <a:extLst>
                 <a:ext uri="{FF2B5EF4-FFF2-40B4-BE49-F238E27FC236}">
-                  <a16:creationId xmlns="" xmlns:a16="http://schemas.microsoft.com/office/drawing/2014/main" id="{D8362455-1E89-4B15-8B62-9A1C931F94D8}"/>
+                  <a16:creationId xmlns:a16="http://schemas.microsoft.com/office/drawing/2014/main" xmlns="" id="{D8362455-1E89-4B15-8B62-9A1C931F94D8}"/>
                 </a:ext>
               </a:extLst>
             </p:cNvPr>
@@ -6532,7 +6511,7 @@
               <p:cNvPr id="26" name="Picture 25">
                 <a:extLst>
                   <a:ext uri="{FF2B5EF4-FFF2-40B4-BE49-F238E27FC236}">
-                    <a16:creationId xmlns="" xmlns:a16="http://schemas.microsoft.com/office/drawing/2014/main" id="{EEB0949C-025F-4C54-A994-5065E15EECAD}"/>
+                    <a16:creationId xmlns:a16="http://schemas.microsoft.com/office/drawing/2014/main" xmlns="" id="{EEB0949C-025F-4C54-A994-5065E15EECAD}"/>
                   </a:ext>
                 </a:extLst>
               </p:cNvPr>
@@ -6569,7 +6548,7 @@
               <p:cNvPr id="27" name="Picture 26">
                 <a:extLst>
                   <a:ext uri="{FF2B5EF4-FFF2-40B4-BE49-F238E27FC236}">
-                    <a16:creationId xmlns="" xmlns:a16="http://schemas.microsoft.com/office/drawing/2014/main" id="{02E35DD9-17E0-4CDB-8628-4ED4C9514302}"/>
+                    <a16:creationId xmlns:a16="http://schemas.microsoft.com/office/drawing/2014/main" xmlns="" id="{02E35DD9-17E0-4CDB-8628-4ED4C9514302}"/>
                   </a:ext>
                 </a:extLst>
               </p:cNvPr>
@@ -6606,7 +6585,7 @@
               <p:cNvPr id="28" name="Picture 27">
                 <a:extLst>
                   <a:ext uri="{FF2B5EF4-FFF2-40B4-BE49-F238E27FC236}">
-                    <a16:creationId xmlns="" xmlns:a16="http://schemas.microsoft.com/office/drawing/2014/main" id="{86EF8249-D4F7-4679-856E-32220BEDC9E1}"/>
+                    <a16:creationId xmlns:a16="http://schemas.microsoft.com/office/drawing/2014/main" xmlns="" id="{86EF8249-D4F7-4679-856E-32220BEDC9E1}"/>
                   </a:ext>
                 </a:extLst>
               </p:cNvPr>
@@ -6643,7 +6622,7 @@
               <p:cNvPr id="29" name="Picture 28">
                 <a:extLst>
                   <a:ext uri="{FF2B5EF4-FFF2-40B4-BE49-F238E27FC236}">
-                    <a16:creationId xmlns="" xmlns:a16="http://schemas.microsoft.com/office/drawing/2014/main" id="{06C0EAE5-C6A3-4BC5-BE24-C8738E300F64}"/>
+                    <a16:creationId xmlns:a16="http://schemas.microsoft.com/office/drawing/2014/main" xmlns="" id="{06C0EAE5-C6A3-4BC5-BE24-C8738E300F64}"/>
                   </a:ext>
                 </a:extLst>
               </p:cNvPr>
@@ -6680,7 +6659,7 @@
               <p:cNvPr id="30" name="Picture 29">
                 <a:extLst>
                   <a:ext uri="{FF2B5EF4-FFF2-40B4-BE49-F238E27FC236}">
-                    <a16:creationId xmlns="" xmlns:a16="http://schemas.microsoft.com/office/drawing/2014/main" id="{7A53455B-7591-4352-89FE-CC3E38074529}"/>
+                    <a16:creationId xmlns:a16="http://schemas.microsoft.com/office/drawing/2014/main" xmlns="" id="{7A53455B-7591-4352-89FE-CC3E38074529}"/>
                   </a:ext>
                 </a:extLst>
               </p:cNvPr>
@@ -6717,7 +6696,7 @@
               <p:cNvPr id="31" name="Picture 30">
                 <a:extLst>
                   <a:ext uri="{FF2B5EF4-FFF2-40B4-BE49-F238E27FC236}">
-                    <a16:creationId xmlns="" xmlns:a16="http://schemas.microsoft.com/office/drawing/2014/main" id="{EF37FEAB-BA0E-41A8-8EB6-D7D4220850C8}"/>
+                    <a16:creationId xmlns:a16="http://schemas.microsoft.com/office/drawing/2014/main" xmlns="" id="{EF37FEAB-BA0E-41A8-8EB6-D7D4220850C8}"/>
                   </a:ext>
                 </a:extLst>
               </p:cNvPr>
@@ -6754,7 +6733,7 @@
               <p:cNvPr id="32" name="Picture 31">
                 <a:extLst>
                   <a:ext uri="{FF2B5EF4-FFF2-40B4-BE49-F238E27FC236}">
-                    <a16:creationId xmlns="" xmlns:a16="http://schemas.microsoft.com/office/drawing/2014/main" id="{575C2716-BF45-4A09-B391-B277EEC8EFCF}"/>
+                    <a16:creationId xmlns:a16="http://schemas.microsoft.com/office/drawing/2014/main" xmlns="" id="{575C2716-BF45-4A09-B391-B277EEC8EFCF}"/>
                   </a:ext>
                 </a:extLst>
               </p:cNvPr>
@@ -6792,7 +6771,7 @@
             <p:cNvPr id="16" name="Picture 15">
               <a:extLst>
                 <a:ext uri="{FF2B5EF4-FFF2-40B4-BE49-F238E27FC236}">
-                  <a16:creationId xmlns="" xmlns:a16="http://schemas.microsoft.com/office/drawing/2014/main" id="{1E166946-87AA-4F8B-9D19-7E95F5423E8F}"/>
+                  <a16:creationId xmlns:a16="http://schemas.microsoft.com/office/drawing/2014/main" xmlns="" id="{1E166946-87AA-4F8B-9D19-7E95F5423E8F}"/>
                 </a:ext>
               </a:extLst>
             </p:cNvPr>
@@ -6827,7 +6806,7 @@
             <p:cNvPr id="11" name="Straight Connector 10">
               <a:extLst>
                 <a:ext uri="{FF2B5EF4-FFF2-40B4-BE49-F238E27FC236}">
-                  <a16:creationId xmlns="" xmlns:a16="http://schemas.microsoft.com/office/drawing/2014/main" id="{DD9882F3-07F2-4359-8D37-144670461BB1}"/>
+                  <a16:creationId xmlns:a16="http://schemas.microsoft.com/office/drawing/2014/main" xmlns="" id="{DD9882F3-07F2-4359-8D37-144670461BB1}"/>
                 </a:ext>
               </a:extLst>
             </p:cNvPr>
@@ -6909,7 +6888,7 @@
           <p:cNvPr id="7" name="Text Placeholder 2">
             <a:extLst>
               <a:ext uri="{FF2B5EF4-FFF2-40B4-BE49-F238E27FC236}">
-                <a16:creationId xmlns="" xmlns:a16="http://schemas.microsoft.com/office/drawing/2014/main" id="{4C69CA55-EDC7-4FD0-90B8-0004961E27A5}"/>
+                <a16:creationId xmlns:a16="http://schemas.microsoft.com/office/drawing/2014/main" xmlns="" id="{4C69CA55-EDC7-4FD0-90B8-0004961E27A5}"/>
               </a:ext>
             </a:extLst>
           </p:cNvPr>
@@ -6992,7 +6971,7 @@
           <p:cNvPr id="4" name="Straight Connector 3">
             <a:extLst>
               <a:ext uri="{FF2B5EF4-FFF2-40B4-BE49-F238E27FC236}">
-                <a16:creationId xmlns="" xmlns:a16="http://schemas.microsoft.com/office/drawing/2014/main" id="{75272656-0DBE-468A-AFC5-B2A3F41E6E77}"/>
+                <a16:creationId xmlns:a16="http://schemas.microsoft.com/office/drawing/2014/main" xmlns="" id="{75272656-0DBE-468A-AFC5-B2A3F41E6E77}"/>
               </a:ext>
             </a:extLst>
           </p:cNvPr>
@@ -7035,7 +7014,7 @@
           <p:cNvPr id="5" name="Picture 4">
             <a:extLst>
               <a:ext uri="{FF2B5EF4-FFF2-40B4-BE49-F238E27FC236}">
-                <a16:creationId xmlns="" xmlns:a16="http://schemas.microsoft.com/office/drawing/2014/main" id="{1E7A6B67-EDCB-401C-88E9-9DEAC79DDC92}"/>
+                <a16:creationId xmlns:a16="http://schemas.microsoft.com/office/drawing/2014/main" xmlns="" id="{1E7A6B67-EDCB-401C-88E9-9DEAC79DDC92}"/>
               </a:ext>
             </a:extLst>
           </p:cNvPr>
@@ -7109,7 +7088,7 @@
           <p:cNvPr id="7" name="Text Placeholder 2">
             <a:extLst>
               <a:ext uri="{FF2B5EF4-FFF2-40B4-BE49-F238E27FC236}">
-                <a16:creationId xmlns="" xmlns:a16="http://schemas.microsoft.com/office/drawing/2014/main" id="{4C69CA55-EDC7-4FD0-90B8-0004961E27A5}"/>
+                <a16:creationId xmlns:a16="http://schemas.microsoft.com/office/drawing/2014/main" xmlns="" id="{4C69CA55-EDC7-4FD0-90B8-0004961E27A5}"/>
               </a:ext>
             </a:extLst>
           </p:cNvPr>
@@ -7191,7 +7170,7 @@
           <p:cNvPr id="4" name="Straight Connector 3">
             <a:extLst>
               <a:ext uri="{FF2B5EF4-FFF2-40B4-BE49-F238E27FC236}">
-                <a16:creationId xmlns="" xmlns:a16="http://schemas.microsoft.com/office/drawing/2014/main" id="{75272656-0DBE-468A-AFC5-B2A3F41E6E77}"/>
+                <a16:creationId xmlns:a16="http://schemas.microsoft.com/office/drawing/2014/main" xmlns="" id="{75272656-0DBE-468A-AFC5-B2A3F41E6E77}"/>
               </a:ext>
             </a:extLst>
           </p:cNvPr>
@@ -7234,7 +7213,7 @@
           <p:cNvPr id="6" name="Picture 5">
             <a:extLst>
               <a:ext uri="{FF2B5EF4-FFF2-40B4-BE49-F238E27FC236}">
-                <a16:creationId xmlns="" xmlns:a16="http://schemas.microsoft.com/office/drawing/2014/main" id="{B5E81BBD-FD6B-4688-AE48-C55880EC263F}"/>
+                <a16:creationId xmlns:a16="http://schemas.microsoft.com/office/drawing/2014/main" xmlns="" id="{B5E81BBD-FD6B-4688-AE48-C55880EC263F}"/>
               </a:ext>
             </a:extLst>
           </p:cNvPr>
@@ -7308,7 +7287,7 @@
           <p:cNvPr id="7" name="Text Placeholder 2">
             <a:extLst>
               <a:ext uri="{FF2B5EF4-FFF2-40B4-BE49-F238E27FC236}">
-                <a16:creationId xmlns="" xmlns:a16="http://schemas.microsoft.com/office/drawing/2014/main" id="{4C69CA55-EDC7-4FD0-90B8-0004961E27A5}"/>
+                <a16:creationId xmlns:a16="http://schemas.microsoft.com/office/drawing/2014/main" xmlns="" id="{4C69CA55-EDC7-4FD0-90B8-0004961E27A5}"/>
               </a:ext>
             </a:extLst>
           </p:cNvPr>
@@ -7390,7 +7369,7 @@
           <p:cNvPr id="4" name="Straight Connector 3">
             <a:extLst>
               <a:ext uri="{FF2B5EF4-FFF2-40B4-BE49-F238E27FC236}">
-                <a16:creationId xmlns="" xmlns:a16="http://schemas.microsoft.com/office/drawing/2014/main" id="{75272656-0DBE-468A-AFC5-B2A3F41E6E77}"/>
+                <a16:creationId xmlns:a16="http://schemas.microsoft.com/office/drawing/2014/main" xmlns="" id="{75272656-0DBE-468A-AFC5-B2A3F41E6E77}"/>
               </a:ext>
             </a:extLst>
           </p:cNvPr>
@@ -7433,7 +7412,7 @@
           <p:cNvPr id="6" name="Picture 5">
             <a:extLst>
               <a:ext uri="{FF2B5EF4-FFF2-40B4-BE49-F238E27FC236}">
-                <a16:creationId xmlns="" xmlns:a16="http://schemas.microsoft.com/office/drawing/2014/main" id="{AFDC39CD-A638-4C42-8F6D-424F406FF1BC}"/>
+                <a16:creationId xmlns:a16="http://schemas.microsoft.com/office/drawing/2014/main" xmlns="" id="{AFDC39CD-A638-4C42-8F6D-424F406FF1BC}"/>
               </a:ext>
             </a:extLst>
           </p:cNvPr>
@@ -7507,7 +7486,7 @@
           <p:cNvPr id="4" name="Picture 3">
             <a:extLst>
               <a:ext uri="{FF2B5EF4-FFF2-40B4-BE49-F238E27FC236}">
-                <a16:creationId xmlns="" xmlns:a16="http://schemas.microsoft.com/office/drawing/2014/main" id="{6D28E67D-772D-43CD-97D0-8BA5B2F7F945}"/>
+                <a16:creationId xmlns:a16="http://schemas.microsoft.com/office/drawing/2014/main" xmlns="" id="{6D28E67D-772D-43CD-97D0-8BA5B2F7F945}"/>
               </a:ext>
             </a:extLst>
           </p:cNvPr>
@@ -7690,7 +7669,7 @@
           <p:cNvPr id="7" name="Text Placeholder 2">
             <a:extLst>
               <a:ext uri="{FF2B5EF4-FFF2-40B4-BE49-F238E27FC236}">
-                <a16:creationId xmlns="" xmlns:a16="http://schemas.microsoft.com/office/drawing/2014/main" id="{4C69CA55-EDC7-4FD0-90B8-0004961E27A5}"/>
+                <a16:creationId xmlns:a16="http://schemas.microsoft.com/office/drawing/2014/main" xmlns="" id="{4C69CA55-EDC7-4FD0-90B8-0004961E27A5}"/>
               </a:ext>
             </a:extLst>
           </p:cNvPr>
@@ -7772,7 +7751,7 @@
           <p:cNvPr id="4" name="Straight Connector 3">
             <a:extLst>
               <a:ext uri="{FF2B5EF4-FFF2-40B4-BE49-F238E27FC236}">
-                <a16:creationId xmlns="" xmlns:a16="http://schemas.microsoft.com/office/drawing/2014/main" id="{75272656-0DBE-468A-AFC5-B2A3F41E6E77}"/>
+                <a16:creationId xmlns:a16="http://schemas.microsoft.com/office/drawing/2014/main" xmlns="" id="{75272656-0DBE-468A-AFC5-B2A3F41E6E77}"/>
               </a:ext>
             </a:extLst>
           </p:cNvPr>
@@ -7815,7 +7794,7 @@
           <p:cNvPr id="6" name="Picture 5">
             <a:extLst>
               <a:ext uri="{FF2B5EF4-FFF2-40B4-BE49-F238E27FC236}">
-                <a16:creationId xmlns="" xmlns:a16="http://schemas.microsoft.com/office/drawing/2014/main" id="{44EF061A-57B8-41CA-8068-EBB00428F602}"/>
+                <a16:creationId xmlns:a16="http://schemas.microsoft.com/office/drawing/2014/main" xmlns="" id="{44EF061A-57B8-41CA-8068-EBB00428F602}"/>
               </a:ext>
             </a:extLst>
           </p:cNvPr>
@@ -7889,7 +7868,7 @@
           <p:cNvPr id="7" name="Text Placeholder 2">
             <a:extLst>
               <a:ext uri="{FF2B5EF4-FFF2-40B4-BE49-F238E27FC236}">
-                <a16:creationId xmlns="" xmlns:a16="http://schemas.microsoft.com/office/drawing/2014/main" id="{4C69CA55-EDC7-4FD0-90B8-0004961E27A5}"/>
+                <a16:creationId xmlns:a16="http://schemas.microsoft.com/office/drawing/2014/main" xmlns="" id="{4C69CA55-EDC7-4FD0-90B8-0004961E27A5}"/>
               </a:ext>
             </a:extLst>
           </p:cNvPr>
@@ -7971,7 +7950,7 @@
           <p:cNvPr id="4" name="Straight Connector 3">
             <a:extLst>
               <a:ext uri="{FF2B5EF4-FFF2-40B4-BE49-F238E27FC236}">
-                <a16:creationId xmlns="" xmlns:a16="http://schemas.microsoft.com/office/drawing/2014/main" id="{75272656-0DBE-468A-AFC5-B2A3F41E6E77}"/>
+                <a16:creationId xmlns:a16="http://schemas.microsoft.com/office/drawing/2014/main" xmlns="" id="{75272656-0DBE-468A-AFC5-B2A3F41E6E77}"/>
               </a:ext>
             </a:extLst>
           </p:cNvPr>
@@ -8014,7 +7993,7 @@
           <p:cNvPr id="6" name="Picture 5">
             <a:extLst>
               <a:ext uri="{FF2B5EF4-FFF2-40B4-BE49-F238E27FC236}">
-                <a16:creationId xmlns="" xmlns:a16="http://schemas.microsoft.com/office/drawing/2014/main" id="{A0B9DA42-9FA8-4DA7-971D-0FF9BD25F676}"/>
+                <a16:creationId xmlns:a16="http://schemas.microsoft.com/office/drawing/2014/main" xmlns="" id="{A0B9DA42-9FA8-4DA7-971D-0FF9BD25F676}"/>
               </a:ext>
             </a:extLst>
           </p:cNvPr>
@@ -8088,7 +8067,7 @@
           <p:cNvPr id="7" name="Text Placeholder 2">
             <a:extLst>
               <a:ext uri="{FF2B5EF4-FFF2-40B4-BE49-F238E27FC236}">
-                <a16:creationId xmlns="" xmlns:a16="http://schemas.microsoft.com/office/drawing/2014/main" id="{4C69CA55-EDC7-4FD0-90B8-0004961E27A5}"/>
+                <a16:creationId xmlns:a16="http://schemas.microsoft.com/office/drawing/2014/main" xmlns="" id="{4C69CA55-EDC7-4FD0-90B8-0004961E27A5}"/>
               </a:ext>
             </a:extLst>
           </p:cNvPr>
@@ -8170,7 +8149,7 @@
           <p:cNvPr id="4" name="Straight Connector 3">
             <a:extLst>
               <a:ext uri="{FF2B5EF4-FFF2-40B4-BE49-F238E27FC236}">
-                <a16:creationId xmlns="" xmlns:a16="http://schemas.microsoft.com/office/drawing/2014/main" id="{75272656-0DBE-468A-AFC5-B2A3F41E6E77}"/>
+                <a16:creationId xmlns:a16="http://schemas.microsoft.com/office/drawing/2014/main" xmlns="" id="{75272656-0DBE-468A-AFC5-B2A3F41E6E77}"/>
               </a:ext>
             </a:extLst>
           </p:cNvPr>
@@ -8213,7 +8192,7 @@
           <p:cNvPr id="6" name="Picture 5">
             <a:extLst>
               <a:ext uri="{FF2B5EF4-FFF2-40B4-BE49-F238E27FC236}">
-                <a16:creationId xmlns="" xmlns:a16="http://schemas.microsoft.com/office/drawing/2014/main" id="{B149D815-A8F2-4CAC-BF98-5E7D34AFE4F2}"/>
+                <a16:creationId xmlns:a16="http://schemas.microsoft.com/office/drawing/2014/main" xmlns="" id="{B149D815-A8F2-4CAC-BF98-5E7D34AFE4F2}"/>
               </a:ext>
             </a:extLst>
           </p:cNvPr>
@@ -8287,7 +8266,7 @@
           <p:cNvPr id="4" name="Picture 3">
             <a:extLst>
               <a:ext uri="{FF2B5EF4-FFF2-40B4-BE49-F238E27FC236}">
-                <a16:creationId xmlns="" xmlns:a16="http://schemas.microsoft.com/office/drawing/2014/main" id="{8F780C30-616A-4220-A720-FD7F10147891}"/>
+                <a16:creationId xmlns:a16="http://schemas.microsoft.com/office/drawing/2014/main" xmlns="" id="{8F780C30-616A-4220-A720-FD7F10147891}"/>
               </a:ext>
             </a:extLst>
           </p:cNvPr>
@@ -8322,7 +8301,7 @@
           <p:cNvPr id="10" name="Text Placeholder 2">
             <a:extLst>
               <a:ext uri="{FF2B5EF4-FFF2-40B4-BE49-F238E27FC236}">
-                <a16:creationId xmlns="" xmlns:a16="http://schemas.microsoft.com/office/drawing/2014/main" id="{B09CA424-958C-400F-8E6E-189C42E1E999}"/>
+                <a16:creationId xmlns:a16="http://schemas.microsoft.com/office/drawing/2014/main" xmlns="" id="{B09CA424-958C-400F-8E6E-189C42E1E999}"/>
               </a:ext>
             </a:extLst>
           </p:cNvPr>
@@ -8406,7 +8385,7 @@
           <p:cNvPr id="5" name="Group 4">
             <a:extLst>
               <a:ext uri="{FF2B5EF4-FFF2-40B4-BE49-F238E27FC236}">
-                <a16:creationId xmlns="" xmlns:a16="http://schemas.microsoft.com/office/drawing/2014/main" id="{6862D5A9-6117-4172-A1E6-0A335E3FD987}"/>
+                <a16:creationId xmlns:a16="http://schemas.microsoft.com/office/drawing/2014/main" xmlns="" id="{6862D5A9-6117-4172-A1E6-0A335E3FD987}"/>
               </a:ext>
             </a:extLst>
           </p:cNvPr>
@@ -8426,7 +8405,7 @@
             <p:cNvPr id="11" name="Group 10">
               <a:extLst>
                 <a:ext uri="{FF2B5EF4-FFF2-40B4-BE49-F238E27FC236}">
-                  <a16:creationId xmlns="" xmlns:a16="http://schemas.microsoft.com/office/drawing/2014/main" id="{F863733E-5920-4F38-8840-4036FA0A8AB1}"/>
+                  <a16:creationId xmlns:a16="http://schemas.microsoft.com/office/drawing/2014/main" xmlns="" id="{F863733E-5920-4F38-8840-4036FA0A8AB1}"/>
                 </a:ext>
               </a:extLst>
             </p:cNvPr>
@@ -8446,7 +8425,7 @@
               <p:cNvPr id="16" name="Picture 15">
                 <a:extLst>
                   <a:ext uri="{FF2B5EF4-FFF2-40B4-BE49-F238E27FC236}">
-                    <a16:creationId xmlns="" xmlns:a16="http://schemas.microsoft.com/office/drawing/2014/main" id="{5531160A-B286-4250-97B2-F99F209108B4}"/>
+                    <a16:creationId xmlns:a16="http://schemas.microsoft.com/office/drawing/2014/main" xmlns="" id="{5531160A-B286-4250-97B2-F99F209108B4}"/>
                   </a:ext>
                 </a:extLst>
               </p:cNvPr>
@@ -8483,7 +8462,7 @@
               <p:cNvPr id="17" name="Picture 16">
                 <a:extLst>
                   <a:ext uri="{FF2B5EF4-FFF2-40B4-BE49-F238E27FC236}">
-                    <a16:creationId xmlns="" xmlns:a16="http://schemas.microsoft.com/office/drawing/2014/main" id="{944048F3-7A25-474A-ADD9-896BA886C89D}"/>
+                    <a16:creationId xmlns:a16="http://schemas.microsoft.com/office/drawing/2014/main" xmlns="" id="{944048F3-7A25-474A-ADD9-896BA886C89D}"/>
                   </a:ext>
                 </a:extLst>
               </p:cNvPr>
@@ -8520,7 +8499,7 @@
               <p:cNvPr id="18" name="Picture 17">
                 <a:extLst>
                   <a:ext uri="{FF2B5EF4-FFF2-40B4-BE49-F238E27FC236}">
-                    <a16:creationId xmlns="" xmlns:a16="http://schemas.microsoft.com/office/drawing/2014/main" id="{3263FAA7-CF11-402A-84D1-AE7089DD5612}"/>
+                    <a16:creationId xmlns:a16="http://schemas.microsoft.com/office/drawing/2014/main" xmlns="" id="{3263FAA7-CF11-402A-84D1-AE7089DD5612}"/>
                   </a:ext>
                 </a:extLst>
               </p:cNvPr>
@@ -8557,7 +8536,7 @@
               <p:cNvPr id="19" name="Picture 18">
                 <a:extLst>
                   <a:ext uri="{FF2B5EF4-FFF2-40B4-BE49-F238E27FC236}">
-                    <a16:creationId xmlns="" xmlns:a16="http://schemas.microsoft.com/office/drawing/2014/main" id="{B2BEB54A-12E6-415C-A614-A460D038E772}"/>
+                    <a16:creationId xmlns:a16="http://schemas.microsoft.com/office/drawing/2014/main" xmlns="" id="{B2BEB54A-12E6-415C-A614-A460D038E772}"/>
                   </a:ext>
                 </a:extLst>
               </p:cNvPr>
@@ -8594,7 +8573,7 @@
               <p:cNvPr id="20" name="Picture 19">
                 <a:extLst>
                   <a:ext uri="{FF2B5EF4-FFF2-40B4-BE49-F238E27FC236}">
-                    <a16:creationId xmlns="" xmlns:a16="http://schemas.microsoft.com/office/drawing/2014/main" id="{B70FEB7B-0EA9-4610-8C2F-E02578D16190}"/>
+                    <a16:creationId xmlns:a16="http://schemas.microsoft.com/office/drawing/2014/main" xmlns="" id="{B70FEB7B-0EA9-4610-8C2F-E02578D16190}"/>
                   </a:ext>
                 </a:extLst>
               </p:cNvPr>
@@ -8631,7 +8610,7 @@
               <p:cNvPr id="21" name="Picture 20">
                 <a:extLst>
                   <a:ext uri="{FF2B5EF4-FFF2-40B4-BE49-F238E27FC236}">
-                    <a16:creationId xmlns="" xmlns:a16="http://schemas.microsoft.com/office/drawing/2014/main" id="{51A7EAAE-996B-4A3C-A93E-51CFAD08D56B}"/>
+                    <a16:creationId xmlns:a16="http://schemas.microsoft.com/office/drawing/2014/main" xmlns="" id="{51A7EAAE-996B-4A3C-A93E-51CFAD08D56B}"/>
                   </a:ext>
                 </a:extLst>
               </p:cNvPr>
@@ -8668,7 +8647,7 @@
               <p:cNvPr id="22" name="Picture 21">
                 <a:extLst>
                   <a:ext uri="{FF2B5EF4-FFF2-40B4-BE49-F238E27FC236}">
-                    <a16:creationId xmlns="" xmlns:a16="http://schemas.microsoft.com/office/drawing/2014/main" id="{6ECE7F93-4D9F-434B-A5F0-5F15DE7ACDD5}"/>
+                    <a16:creationId xmlns:a16="http://schemas.microsoft.com/office/drawing/2014/main" xmlns="" id="{6ECE7F93-4D9F-434B-A5F0-5F15DE7ACDD5}"/>
                   </a:ext>
                 </a:extLst>
               </p:cNvPr>
@@ -8706,7 +8685,7 @@
             <p:cNvPr id="15" name="Straight Connector 14">
               <a:extLst>
                 <a:ext uri="{FF2B5EF4-FFF2-40B4-BE49-F238E27FC236}">
-                  <a16:creationId xmlns="" xmlns:a16="http://schemas.microsoft.com/office/drawing/2014/main" id="{4659902F-8906-4CF3-8C8A-BB385247ED93}"/>
+                  <a16:creationId xmlns:a16="http://schemas.microsoft.com/office/drawing/2014/main" xmlns="" id="{4659902F-8906-4CF3-8C8A-BB385247ED93}"/>
                 </a:ext>
               </a:extLst>
             </p:cNvPr>
@@ -8750,7 +8729,7 @@
           <p:cNvPr id="23" name="Callout: Bent Line 22">
             <a:extLst>
               <a:ext uri="{FF2B5EF4-FFF2-40B4-BE49-F238E27FC236}">
-                <a16:creationId xmlns="" xmlns:a16="http://schemas.microsoft.com/office/drawing/2014/main" id="{9CBB134D-1186-474D-B17E-83E7245C4E56}"/>
+                <a16:creationId xmlns:a16="http://schemas.microsoft.com/office/drawing/2014/main" xmlns="" id="{9CBB134D-1186-474D-B17E-83E7245C4E56}"/>
               </a:ext>
             </a:extLst>
           </p:cNvPr>
@@ -8880,7 +8859,7 @@
           <p:cNvPr id="24" name="Picture 23">
             <a:extLst>
               <a:ext uri="{FF2B5EF4-FFF2-40B4-BE49-F238E27FC236}">
-                <a16:creationId xmlns="" xmlns:a16="http://schemas.microsoft.com/office/drawing/2014/main" id="{5211BEF7-4125-4B9B-A55D-443780FAF5FC}"/>
+                <a16:creationId xmlns:a16="http://schemas.microsoft.com/office/drawing/2014/main" xmlns="" id="{5211BEF7-4125-4B9B-A55D-443780FAF5FC}"/>
               </a:ext>
             </a:extLst>
           </p:cNvPr>
@@ -8990,7 +8969,7 @@
           <p:cNvPr id="6" name="Picture 5">
             <a:extLst>
               <a:ext uri="{FF2B5EF4-FFF2-40B4-BE49-F238E27FC236}">
-                <a16:creationId xmlns="" xmlns:a16="http://schemas.microsoft.com/office/drawing/2014/main" id="{2D1B33CA-F578-4C0C-B459-E827C83919C0}"/>
+                <a16:creationId xmlns:a16="http://schemas.microsoft.com/office/drawing/2014/main" xmlns="" id="{2D1B33CA-F578-4C0C-B459-E827C83919C0}"/>
               </a:ext>
             </a:extLst>
           </p:cNvPr>
@@ -9025,7 +9004,7 @@
           <p:cNvPr id="10" name="Text Placeholder 2">
             <a:extLst>
               <a:ext uri="{FF2B5EF4-FFF2-40B4-BE49-F238E27FC236}">
-                <a16:creationId xmlns="" xmlns:a16="http://schemas.microsoft.com/office/drawing/2014/main" id="{B09CA424-958C-400F-8E6E-189C42E1E999}"/>
+                <a16:creationId xmlns:a16="http://schemas.microsoft.com/office/drawing/2014/main" xmlns="" id="{B09CA424-958C-400F-8E6E-189C42E1E999}"/>
               </a:ext>
             </a:extLst>
           </p:cNvPr>
@@ -9109,7 +9088,7 @@
           <p:cNvPr id="7" name="Group 6">
             <a:extLst>
               <a:ext uri="{FF2B5EF4-FFF2-40B4-BE49-F238E27FC236}">
-                <a16:creationId xmlns="" xmlns:a16="http://schemas.microsoft.com/office/drawing/2014/main" id="{49A70840-4E7D-4279-B0FB-2594D9FB78D6}"/>
+                <a16:creationId xmlns:a16="http://schemas.microsoft.com/office/drawing/2014/main" xmlns="" id="{49A70840-4E7D-4279-B0FB-2594D9FB78D6}"/>
               </a:ext>
             </a:extLst>
           </p:cNvPr>
@@ -9129,7 +9108,7 @@
             <p:cNvPr id="9" name="Group 8">
               <a:extLst>
                 <a:ext uri="{FF2B5EF4-FFF2-40B4-BE49-F238E27FC236}">
-                  <a16:creationId xmlns="" xmlns:a16="http://schemas.microsoft.com/office/drawing/2014/main" id="{33B708C2-3A7A-4385-B773-C51B9C8DAA48}"/>
+                  <a16:creationId xmlns:a16="http://schemas.microsoft.com/office/drawing/2014/main" xmlns="" id="{33B708C2-3A7A-4385-B773-C51B9C8DAA48}"/>
                 </a:ext>
               </a:extLst>
             </p:cNvPr>
@@ -9149,7 +9128,7 @@
               <p:cNvPr id="13" name="Picture 12">
                 <a:extLst>
                   <a:ext uri="{FF2B5EF4-FFF2-40B4-BE49-F238E27FC236}">
-                    <a16:creationId xmlns="" xmlns:a16="http://schemas.microsoft.com/office/drawing/2014/main" id="{37A01883-7953-4C21-B255-E8C313478C13}"/>
+                    <a16:creationId xmlns:a16="http://schemas.microsoft.com/office/drawing/2014/main" xmlns="" id="{37A01883-7953-4C21-B255-E8C313478C13}"/>
                   </a:ext>
                 </a:extLst>
               </p:cNvPr>
@@ -9186,7 +9165,7 @@
               <p:cNvPr id="14" name="Picture 13">
                 <a:extLst>
                   <a:ext uri="{FF2B5EF4-FFF2-40B4-BE49-F238E27FC236}">
-                    <a16:creationId xmlns="" xmlns:a16="http://schemas.microsoft.com/office/drawing/2014/main" id="{B91F29D2-404D-421E-B23E-B7AAEDCA87E0}"/>
+                    <a16:creationId xmlns:a16="http://schemas.microsoft.com/office/drawing/2014/main" xmlns="" id="{B91F29D2-404D-421E-B23E-B7AAEDCA87E0}"/>
                   </a:ext>
                 </a:extLst>
               </p:cNvPr>
@@ -9223,7 +9202,7 @@
               <p:cNvPr id="15" name="Picture 14">
                 <a:extLst>
                   <a:ext uri="{FF2B5EF4-FFF2-40B4-BE49-F238E27FC236}">
-                    <a16:creationId xmlns="" xmlns:a16="http://schemas.microsoft.com/office/drawing/2014/main" id="{58F73AC3-1580-4CB7-A130-C6F4395F916C}"/>
+                    <a16:creationId xmlns:a16="http://schemas.microsoft.com/office/drawing/2014/main" xmlns="" id="{58F73AC3-1580-4CB7-A130-C6F4395F916C}"/>
                   </a:ext>
                 </a:extLst>
               </p:cNvPr>
@@ -9260,7 +9239,7 @@
               <p:cNvPr id="16" name="Picture 15">
                 <a:extLst>
                   <a:ext uri="{FF2B5EF4-FFF2-40B4-BE49-F238E27FC236}">
-                    <a16:creationId xmlns="" xmlns:a16="http://schemas.microsoft.com/office/drawing/2014/main" id="{69F06EEA-5847-4393-A3F4-6663FD6F6BCD}"/>
+                    <a16:creationId xmlns:a16="http://schemas.microsoft.com/office/drawing/2014/main" xmlns="" id="{69F06EEA-5847-4393-A3F4-6663FD6F6BCD}"/>
                   </a:ext>
                 </a:extLst>
               </p:cNvPr>
@@ -9297,7 +9276,7 @@
               <p:cNvPr id="17" name="Picture 16">
                 <a:extLst>
                   <a:ext uri="{FF2B5EF4-FFF2-40B4-BE49-F238E27FC236}">
-                    <a16:creationId xmlns="" xmlns:a16="http://schemas.microsoft.com/office/drawing/2014/main" id="{35F99DFA-4E13-466A-B986-4B49DCAD0E3D}"/>
+                    <a16:creationId xmlns:a16="http://schemas.microsoft.com/office/drawing/2014/main" xmlns="" id="{35F99DFA-4E13-466A-B986-4B49DCAD0E3D}"/>
                   </a:ext>
                 </a:extLst>
               </p:cNvPr>
@@ -9334,7 +9313,7 @@
               <p:cNvPr id="18" name="Picture 17">
                 <a:extLst>
                   <a:ext uri="{FF2B5EF4-FFF2-40B4-BE49-F238E27FC236}">
-                    <a16:creationId xmlns="" xmlns:a16="http://schemas.microsoft.com/office/drawing/2014/main" id="{39A306AD-724C-4DA6-AEBF-05B2DED43B6B}"/>
+                    <a16:creationId xmlns:a16="http://schemas.microsoft.com/office/drawing/2014/main" xmlns="" id="{39A306AD-724C-4DA6-AEBF-05B2DED43B6B}"/>
                   </a:ext>
                 </a:extLst>
               </p:cNvPr>
@@ -9371,7 +9350,7 @@
               <p:cNvPr id="19" name="Picture 18">
                 <a:extLst>
                   <a:ext uri="{FF2B5EF4-FFF2-40B4-BE49-F238E27FC236}">
-                    <a16:creationId xmlns="" xmlns:a16="http://schemas.microsoft.com/office/drawing/2014/main" id="{413442EE-F206-4A53-8FD0-DC4B8C390F0F}"/>
+                    <a16:creationId xmlns:a16="http://schemas.microsoft.com/office/drawing/2014/main" xmlns="" id="{413442EE-F206-4A53-8FD0-DC4B8C390F0F}"/>
                   </a:ext>
                 </a:extLst>
               </p:cNvPr>
@@ -9409,7 +9388,7 @@
             <p:cNvPr id="11" name="Straight Connector 10">
               <a:extLst>
                 <a:ext uri="{FF2B5EF4-FFF2-40B4-BE49-F238E27FC236}">
-                  <a16:creationId xmlns="" xmlns:a16="http://schemas.microsoft.com/office/drawing/2014/main" id="{D6D53656-7C7D-4CA1-9051-0FF8B67A9788}"/>
+                  <a16:creationId xmlns:a16="http://schemas.microsoft.com/office/drawing/2014/main" xmlns="" id="{D6D53656-7C7D-4CA1-9051-0FF8B67A9788}"/>
                 </a:ext>
               </a:extLst>
             </p:cNvPr>
@@ -9453,7 +9432,7 @@
           <p:cNvPr id="20" name="Callout: Bent Line 19">
             <a:extLst>
               <a:ext uri="{FF2B5EF4-FFF2-40B4-BE49-F238E27FC236}">
-                <a16:creationId xmlns="" xmlns:a16="http://schemas.microsoft.com/office/drawing/2014/main" id="{2FE2A00C-BF55-451A-A600-9FFB4AA4E9A7}"/>
+                <a16:creationId xmlns:a16="http://schemas.microsoft.com/office/drawing/2014/main" xmlns="" id="{2FE2A00C-BF55-451A-A600-9FFB4AA4E9A7}"/>
               </a:ext>
             </a:extLst>
           </p:cNvPr>
@@ -9583,7 +9562,7 @@
           <p:cNvPr id="21" name="Picture 20">
             <a:extLst>
               <a:ext uri="{FF2B5EF4-FFF2-40B4-BE49-F238E27FC236}">
-                <a16:creationId xmlns="" xmlns:a16="http://schemas.microsoft.com/office/drawing/2014/main" id="{566E5636-FEC8-4262-93C8-4DC64686163D}"/>
+                <a16:creationId xmlns:a16="http://schemas.microsoft.com/office/drawing/2014/main" xmlns="" id="{566E5636-FEC8-4262-93C8-4DC64686163D}"/>
               </a:ext>
             </a:extLst>
           </p:cNvPr>
@@ -9693,7 +9672,7 @@
           <p:cNvPr id="4" name="Picture 3">
             <a:extLst>
               <a:ext uri="{FF2B5EF4-FFF2-40B4-BE49-F238E27FC236}">
-                <a16:creationId xmlns="" xmlns:a16="http://schemas.microsoft.com/office/drawing/2014/main" id="{83EBA447-398C-475B-A275-C4B992B4F0BC}"/>
+                <a16:creationId xmlns:a16="http://schemas.microsoft.com/office/drawing/2014/main" xmlns="" id="{83EBA447-398C-475B-A275-C4B992B4F0BC}"/>
               </a:ext>
             </a:extLst>
           </p:cNvPr>
@@ -9728,7 +9707,7 @@
           <p:cNvPr id="10" name="Text Placeholder 2">
             <a:extLst>
               <a:ext uri="{FF2B5EF4-FFF2-40B4-BE49-F238E27FC236}">
-                <a16:creationId xmlns="" xmlns:a16="http://schemas.microsoft.com/office/drawing/2014/main" id="{B09CA424-958C-400F-8E6E-189C42E1E999}"/>
+                <a16:creationId xmlns:a16="http://schemas.microsoft.com/office/drawing/2014/main" xmlns="" id="{B09CA424-958C-400F-8E6E-189C42E1E999}"/>
               </a:ext>
             </a:extLst>
           </p:cNvPr>
@@ -9812,7 +9791,7 @@
           <p:cNvPr id="7" name="Group 6">
             <a:extLst>
               <a:ext uri="{FF2B5EF4-FFF2-40B4-BE49-F238E27FC236}">
-                <a16:creationId xmlns="" xmlns:a16="http://schemas.microsoft.com/office/drawing/2014/main" id="{0A32E6A7-C544-44B9-97EC-95E279B21118}"/>
+                <a16:creationId xmlns:a16="http://schemas.microsoft.com/office/drawing/2014/main" xmlns="" id="{0A32E6A7-C544-44B9-97EC-95E279B21118}"/>
               </a:ext>
             </a:extLst>
           </p:cNvPr>
@@ -9832,7 +9811,7 @@
             <p:cNvPr id="9" name="Group 8">
               <a:extLst>
                 <a:ext uri="{FF2B5EF4-FFF2-40B4-BE49-F238E27FC236}">
-                  <a16:creationId xmlns="" xmlns:a16="http://schemas.microsoft.com/office/drawing/2014/main" id="{8DEC36E6-CB40-4600-8EE2-347E5918B175}"/>
+                  <a16:creationId xmlns:a16="http://schemas.microsoft.com/office/drawing/2014/main" xmlns="" id="{8DEC36E6-CB40-4600-8EE2-347E5918B175}"/>
                 </a:ext>
               </a:extLst>
             </p:cNvPr>
@@ -9852,7 +9831,7 @@
               <p:cNvPr id="13" name="Picture 12">
                 <a:extLst>
                   <a:ext uri="{FF2B5EF4-FFF2-40B4-BE49-F238E27FC236}">
-                    <a16:creationId xmlns="" xmlns:a16="http://schemas.microsoft.com/office/drawing/2014/main" id="{516811C6-8AA1-4D42-BDC2-83FBC0E84367}"/>
+                    <a16:creationId xmlns:a16="http://schemas.microsoft.com/office/drawing/2014/main" xmlns="" id="{516811C6-8AA1-4D42-BDC2-83FBC0E84367}"/>
                   </a:ext>
                 </a:extLst>
               </p:cNvPr>
@@ -9889,7 +9868,7 @@
               <p:cNvPr id="14" name="Picture 13">
                 <a:extLst>
                   <a:ext uri="{FF2B5EF4-FFF2-40B4-BE49-F238E27FC236}">
-                    <a16:creationId xmlns="" xmlns:a16="http://schemas.microsoft.com/office/drawing/2014/main" id="{43C63D8A-2AD9-4377-80D9-71434BF31612}"/>
+                    <a16:creationId xmlns:a16="http://schemas.microsoft.com/office/drawing/2014/main" xmlns="" id="{43C63D8A-2AD9-4377-80D9-71434BF31612}"/>
                   </a:ext>
                 </a:extLst>
               </p:cNvPr>
@@ -9926,7 +9905,7 @@
               <p:cNvPr id="15" name="Picture 14">
                 <a:extLst>
                   <a:ext uri="{FF2B5EF4-FFF2-40B4-BE49-F238E27FC236}">
-                    <a16:creationId xmlns="" xmlns:a16="http://schemas.microsoft.com/office/drawing/2014/main" id="{8C1722C1-2011-4B23-B5AB-590CF7426734}"/>
+                    <a16:creationId xmlns:a16="http://schemas.microsoft.com/office/drawing/2014/main" xmlns="" id="{8C1722C1-2011-4B23-B5AB-590CF7426734}"/>
                   </a:ext>
                 </a:extLst>
               </p:cNvPr>
@@ -9963,7 +9942,7 @@
               <p:cNvPr id="16" name="Picture 15">
                 <a:extLst>
                   <a:ext uri="{FF2B5EF4-FFF2-40B4-BE49-F238E27FC236}">
-                    <a16:creationId xmlns="" xmlns:a16="http://schemas.microsoft.com/office/drawing/2014/main" id="{ECE1E89C-C056-4249-B9C0-255CDB2F0BD0}"/>
+                    <a16:creationId xmlns:a16="http://schemas.microsoft.com/office/drawing/2014/main" xmlns="" id="{ECE1E89C-C056-4249-B9C0-255CDB2F0BD0}"/>
                   </a:ext>
                 </a:extLst>
               </p:cNvPr>
@@ -10000,7 +9979,7 @@
               <p:cNvPr id="17" name="Picture 16">
                 <a:extLst>
                   <a:ext uri="{FF2B5EF4-FFF2-40B4-BE49-F238E27FC236}">
-                    <a16:creationId xmlns="" xmlns:a16="http://schemas.microsoft.com/office/drawing/2014/main" id="{86E989B5-27F5-4864-B364-D066377EC778}"/>
+                    <a16:creationId xmlns:a16="http://schemas.microsoft.com/office/drawing/2014/main" xmlns="" id="{86E989B5-27F5-4864-B364-D066377EC778}"/>
                   </a:ext>
                 </a:extLst>
               </p:cNvPr>
@@ -10037,7 +10016,7 @@
               <p:cNvPr id="18" name="Picture 17">
                 <a:extLst>
                   <a:ext uri="{FF2B5EF4-FFF2-40B4-BE49-F238E27FC236}">
-                    <a16:creationId xmlns="" xmlns:a16="http://schemas.microsoft.com/office/drawing/2014/main" id="{7192751A-AE6C-4790-B8A6-03D39FF4103A}"/>
+                    <a16:creationId xmlns:a16="http://schemas.microsoft.com/office/drawing/2014/main" xmlns="" id="{7192751A-AE6C-4790-B8A6-03D39FF4103A}"/>
                   </a:ext>
                 </a:extLst>
               </p:cNvPr>
@@ -10074,7 +10053,7 @@
               <p:cNvPr id="19" name="Picture 18">
                 <a:extLst>
                   <a:ext uri="{FF2B5EF4-FFF2-40B4-BE49-F238E27FC236}">
-                    <a16:creationId xmlns="" xmlns:a16="http://schemas.microsoft.com/office/drawing/2014/main" id="{D814A52E-831C-42D7-A7FA-D34B2AE027B2}"/>
+                    <a16:creationId xmlns:a16="http://schemas.microsoft.com/office/drawing/2014/main" xmlns="" id="{D814A52E-831C-42D7-A7FA-D34B2AE027B2}"/>
                   </a:ext>
                 </a:extLst>
               </p:cNvPr>
@@ -10112,7 +10091,7 @@
             <p:cNvPr id="11" name="Straight Connector 10">
               <a:extLst>
                 <a:ext uri="{FF2B5EF4-FFF2-40B4-BE49-F238E27FC236}">
-                  <a16:creationId xmlns="" xmlns:a16="http://schemas.microsoft.com/office/drawing/2014/main" id="{5ED53C4B-51B6-4C94-B01E-E00CE6D84F3A}"/>
+                  <a16:creationId xmlns:a16="http://schemas.microsoft.com/office/drawing/2014/main" xmlns="" id="{5ED53C4B-51B6-4C94-B01E-E00CE6D84F3A}"/>
                 </a:ext>
               </a:extLst>
             </p:cNvPr>
@@ -10156,7 +10135,7 @@
           <p:cNvPr id="20" name="Callout: Bent Line 19">
             <a:extLst>
               <a:ext uri="{FF2B5EF4-FFF2-40B4-BE49-F238E27FC236}">
-                <a16:creationId xmlns="" xmlns:a16="http://schemas.microsoft.com/office/drawing/2014/main" id="{B38B45D6-2F53-46C0-92C0-7EE9FBDB9499}"/>
+                <a16:creationId xmlns:a16="http://schemas.microsoft.com/office/drawing/2014/main" xmlns="" id="{B38B45D6-2F53-46C0-92C0-7EE9FBDB9499}"/>
               </a:ext>
             </a:extLst>
           </p:cNvPr>
@@ -10286,7 +10265,7 @@
           <p:cNvPr id="21" name="Picture 20">
             <a:extLst>
               <a:ext uri="{FF2B5EF4-FFF2-40B4-BE49-F238E27FC236}">
-                <a16:creationId xmlns="" xmlns:a16="http://schemas.microsoft.com/office/drawing/2014/main" id="{617E4C3E-1C59-4986-B421-2CA1AA87D769}"/>
+                <a16:creationId xmlns:a16="http://schemas.microsoft.com/office/drawing/2014/main" xmlns="" id="{617E4C3E-1C59-4986-B421-2CA1AA87D769}"/>
               </a:ext>
             </a:extLst>
           </p:cNvPr>
@@ -10438,7 +10417,7 @@
           <p:cNvPr id="6" name="Straight Connector 5">
             <a:extLst>
               <a:ext uri="{FF2B5EF4-FFF2-40B4-BE49-F238E27FC236}">
-                <a16:creationId xmlns="" xmlns:a16="http://schemas.microsoft.com/office/drawing/2014/main" id="{7D3F13F0-37DB-4101-A974-E97BD97A05D4}"/>
+                <a16:creationId xmlns:a16="http://schemas.microsoft.com/office/drawing/2014/main" xmlns="" id="{7D3F13F0-37DB-4101-A974-E97BD97A05D4}"/>
               </a:ext>
             </a:extLst>
           </p:cNvPr>
@@ -10481,7 +10460,7 @@
           <p:cNvPr id="13" name="Group 12">
             <a:extLst>
               <a:ext uri="{FF2B5EF4-FFF2-40B4-BE49-F238E27FC236}">
-                <a16:creationId xmlns="" xmlns:a16="http://schemas.microsoft.com/office/drawing/2014/main" id="{9122C233-55C3-43C6-BF3E-5E47956841A2}"/>
+                <a16:creationId xmlns:a16="http://schemas.microsoft.com/office/drawing/2014/main" xmlns="" id="{9122C233-55C3-43C6-BF3E-5E47956841A2}"/>
               </a:ext>
             </a:extLst>
           </p:cNvPr>
@@ -10501,7 +10480,7 @@
             <p:cNvPr id="7" name="Picture 6">
               <a:extLst>
                 <a:ext uri="{FF2B5EF4-FFF2-40B4-BE49-F238E27FC236}">
-                  <a16:creationId xmlns="" xmlns:a16="http://schemas.microsoft.com/office/drawing/2014/main" id="{D06B119A-8AD6-4E10-A54F-F8517EE59454}"/>
+                  <a16:creationId xmlns:a16="http://schemas.microsoft.com/office/drawing/2014/main" xmlns="" id="{D06B119A-8AD6-4E10-A54F-F8517EE59454}"/>
                 </a:ext>
               </a:extLst>
             </p:cNvPr>
@@ -10538,7 +10517,7 @@
             <p:cNvPr id="8" name="Picture 7">
               <a:extLst>
                 <a:ext uri="{FF2B5EF4-FFF2-40B4-BE49-F238E27FC236}">
-                  <a16:creationId xmlns="" xmlns:a16="http://schemas.microsoft.com/office/drawing/2014/main" id="{07384CDC-C2F5-4C86-998D-3E68898F0F5A}"/>
+                  <a16:creationId xmlns:a16="http://schemas.microsoft.com/office/drawing/2014/main" xmlns="" id="{07384CDC-C2F5-4C86-998D-3E68898F0F5A}"/>
                 </a:ext>
               </a:extLst>
             </p:cNvPr>
@@ -10575,7 +10554,7 @@
             <p:cNvPr id="9" name="Picture 8">
               <a:extLst>
                 <a:ext uri="{FF2B5EF4-FFF2-40B4-BE49-F238E27FC236}">
-                  <a16:creationId xmlns="" xmlns:a16="http://schemas.microsoft.com/office/drawing/2014/main" id="{278B6EA8-B7D6-480B-BE53-0CD9B3F47F69}"/>
+                  <a16:creationId xmlns:a16="http://schemas.microsoft.com/office/drawing/2014/main" xmlns="" id="{278B6EA8-B7D6-480B-BE53-0CD9B3F47F69}"/>
                 </a:ext>
               </a:extLst>
             </p:cNvPr>
@@ -10612,7 +10591,7 @@
             <p:cNvPr id="10" name="Picture 9">
               <a:extLst>
                 <a:ext uri="{FF2B5EF4-FFF2-40B4-BE49-F238E27FC236}">
-                  <a16:creationId xmlns="" xmlns:a16="http://schemas.microsoft.com/office/drawing/2014/main" id="{C178EBA5-82E3-4493-ACA9-6C24DFD98D40}"/>
+                  <a16:creationId xmlns:a16="http://schemas.microsoft.com/office/drawing/2014/main" xmlns="" id="{C178EBA5-82E3-4493-ACA9-6C24DFD98D40}"/>
                 </a:ext>
               </a:extLst>
             </p:cNvPr>
@@ -10649,7 +10628,7 @@
             <p:cNvPr id="11" name="Picture 10">
               <a:extLst>
                 <a:ext uri="{FF2B5EF4-FFF2-40B4-BE49-F238E27FC236}">
-                  <a16:creationId xmlns="" xmlns:a16="http://schemas.microsoft.com/office/drawing/2014/main" id="{5760C62D-B999-42D2-8FAB-72632084BA55}"/>
+                  <a16:creationId xmlns:a16="http://schemas.microsoft.com/office/drawing/2014/main" xmlns="" id="{5760C62D-B999-42D2-8FAB-72632084BA55}"/>
                 </a:ext>
               </a:extLst>
             </p:cNvPr>
@@ -10686,7 +10665,7 @@
             <p:cNvPr id="12" name="Picture 11">
               <a:extLst>
                 <a:ext uri="{FF2B5EF4-FFF2-40B4-BE49-F238E27FC236}">
-                  <a16:creationId xmlns="" xmlns:a16="http://schemas.microsoft.com/office/drawing/2014/main" id="{5B9C4C79-0781-444A-B74A-FE31E279661C}"/>
+                  <a16:creationId xmlns:a16="http://schemas.microsoft.com/office/drawing/2014/main" xmlns="" id="{5B9C4C79-0781-444A-B74A-FE31E279661C}"/>
                 </a:ext>
               </a:extLst>
             </p:cNvPr>
@@ -10724,7 +10703,7 @@
           <p:cNvPr id="16" name="Text Placeholder 15">
             <a:extLst>
               <a:ext uri="{FF2B5EF4-FFF2-40B4-BE49-F238E27FC236}">
-                <a16:creationId xmlns="" xmlns:a16="http://schemas.microsoft.com/office/drawing/2014/main" id="{3FB4F1D1-3D87-4424-9522-1D07E69C87AA}"/>
+                <a16:creationId xmlns:a16="http://schemas.microsoft.com/office/drawing/2014/main" xmlns="" id="{3FB4F1D1-3D87-4424-9522-1D07E69C87AA}"/>
               </a:ext>
             </a:extLst>
           </p:cNvPr>
@@ -10775,7 +10754,7 @@
           <p:cNvPr id="17" name="Text Placeholder 15">
             <a:extLst>
               <a:ext uri="{FF2B5EF4-FFF2-40B4-BE49-F238E27FC236}">
-                <a16:creationId xmlns="" xmlns:a16="http://schemas.microsoft.com/office/drawing/2014/main" id="{84FD46B9-570E-4E5B-BFF3-5F51BB4F63AE}"/>
+                <a16:creationId xmlns:a16="http://schemas.microsoft.com/office/drawing/2014/main" xmlns="" id="{84FD46B9-570E-4E5B-BFF3-5F51BB4F63AE}"/>
               </a:ext>
             </a:extLst>
           </p:cNvPr>
@@ -10826,7 +10805,7 @@
           <p:cNvPr id="18" name="Text Placeholder 15">
             <a:extLst>
               <a:ext uri="{FF2B5EF4-FFF2-40B4-BE49-F238E27FC236}">
-                <a16:creationId xmlns="" xmlns:a16="http://schemas.microsoft.com/office/drawing/2014/main" id="{4B63B11E-D7E5-4793-8835-B1EB8FA8F616}"/>
+                <a16:creationId xmlns:a16="http://schemas.microsoft.com/office/drawing/2014/main" xmlns="" id="{4B63B11E-D7E5-4793-8835-B1EB8FA8F616}"/>
               </a:ext>
             </a:extLst>
           </p:cNvPr>
@@ -10877,7 +10856,7 @@
           <p:cNvPr id="19" name="Text Placeholder 15">
             <a:extLst>
               <a:ext uri="{FF2B5EF4-FFF2-40B4-BE49-F238E27FC236}">
-                <a16:creationId xmlns="" xmlns:a16="http://schemas.microsoft.com/office/drawing/2014/main" id="{D07B2BD6-879C-4D15-85CA-ED0B04956D6D}"/>
+                <a16:creationId xmlns:a16="http://schemas.microsoft.com/office/drawing/2014/main" xmlns="" id="{D07B2BD6-879C-4D15-85CA-ED0B04956D6D}"/>
               </a:ext>
             </a:extLst>
           </p:cNvPr>
@@ -10928,7 +10907,7 @@
           <p:cNvPr id="20" name="Text Placeholder 15">
             <a:extLst>
               <a:ext uri="{FF2B5EF4-FFF2-40B4-BE49-F238E27FC236}">
-                <a16:creationId xmlns="" xmlns:a16="http://schemas.microsoft.com/office/drawing/2014/main" id="{624A9776-F160-4341-94F8-1582A5079032}"/>
+                <a16:creationId xmlns:a16="http://schemas.microsoft.com/office/drawing/2014/main" xmlns="" id="{624A9776-F160-4341-94F8-1582A5079032}"/>
               </a:ext>
             </a:extLst>
           </p:cNvPr>
@@ -10979,7 +10958,7 @@
           <p:cNvPr id="21" name="Text Placeholder 15">
             <a:extLst>
               <a:ext uri="{FF2B5EF4-FFF2-40B4-BE49-F238E27FC236}">
-                <a16:creationId xmlns="" xmlns:a16="http://schemas.microsoft.com/office/drawing/2014/main" id="{FC1D8073-4CAE-4B86-A3AA-0D1E4A60256E}"/>
+                <a16:creationId xmlns:a16="http://schemas.microsoft.com/office/drawing/2014/main" xmlns="" id="{FC1D8073-4CAE-4B86-A3AA-0D1E4A60256E}"/>
               </a:ext>
             </a:extLst>
           </p:cNvPr>
@@ -11030,7 +11009,7 @@
           <p:cNvPr id="22" name="Text Placeholder 15">
             <a:extLst>
               <a:ext uri="{FF2B5EF4-FFF2-40B4-BE49-F238E27FC236}">
-                <a16:creationId xmlns="" xmlns:a16="http://schemas.microsoft.com/office/drawing/2014/main" id="{D27FCCB9-3253-4D3B-8A73-150744BEF745}"/>
+                <a16:creationId xmlns:a16="http://schemas.microsoft.com/office/drawing/2014/main" xmlns="" id="{D27FCCB9-3253-4D3B-8A73-150744BEF745}"/>
               </a:ext>
             </a:extLst>
           </p:cNvPr>
@@ -11081,7 +11060,7 @@
           <p:cNvPr id="23" name="Text Placeholder 15">
             <a:extLst>
               <a:ext uri="{FF2B5EF4-FFF2-40B4-BE49-F238E27FC236}">
-                <a16:creationId xmlns="" xmlns:a16="http://schemas.microsoft.com/office/drawing/2014/main" id="{9AF8B221-637B-444E-B183-D2B4D1B44436}"/>
+                <a16:creationId xmlns:a16="http://schemas.microsoft.com/office/drawing/2014/main" xmlns="" id="{9AF8B221-637B-444E-B183-D2B4D1B44436}"/>
               </a:ext>
             </a:extLst>
           </p:cNvPr>
@@ -11132,7 +11111,7 @@
           <p:cNvPr id="24" name="Text Placeholder 15">
             <a:extLst>
               <a:ext uri="{FF2B5EF4-FFF2-40B4-BE49-F238E27FC236}">
-                <a16:creationId xmlns="" xmlns:a16="http://schemas.microsoft.com/office/drawing/2014/main" id="{53853174-3215-421B-9700-A74E2A0FF6E3}"/>
+                <a16:creationId xmlns:a16="http://schemas.microsoft.com/office/drawing/2014/main" xmlns="" id="{53853174-3215-421B-9700-A74E2A0FF6E3}"/>
               </a:ext>
             </a:extLst>
           </p:cNvPr>
@@ -11183,7 +11162,7 @@
           <p:cNvPr id="25" name="Text Placeholder 15">
             <a:extLst>
               <a:ext uri="{FF2B5EF4-FFF2-40B4-BE49-F238E27FC236}">
-                <a16:creationId xmlns="" xmlns:a16="http://schemas.microsoft.com/office/drawing/2014/main" id="{CC7A392F-9BB9-4F8C-90A9-732E37B9579E}"/>
+                <a16:creationId xmlns:a16="http://schemas.microsoft.com/office/drawing/2014/main" xmlns="" id="{CC7A392F-9BB9-4F8C-90A9-732E37B9579E}"/>
               </a:ext>
             </a:extLst>
           </p:cNvPr>
@@ -11234,7 +11213,7 @@
           <p:cNvPr id="26" name="Text Placeholder 15">
             <a:extLst>
               <a:ext uri="{FF2B5EF4-FFF2-40B4-BE49-F238E27FC236}">
-                <a16:creationId xmlns="" xmlns:a16="http://schemas.microsoft.com/office/drawing/2014/main" id="{52B700B2-6B9A-402C-99CC-2DCB596C1A7F}"/>
+                <a16:creationId xmlns:a16="http://schemas.microsoft.com/office/drawing/2014/main" xmlns="" id="{52B700B2-6B9A-402C-99CC-2DCB596C1A7F}"/>
               </a:ext>
             </a:extLst>
           </p:cNvPr>
@@ -11285,7 +11264,7 @@
           <p:cNvPr id="27" name="Text Placeholder 15">
             <a:extLst>
               <a:ext uri="{FF2B5EF4-FFF2-40B4-BE49-F238E27FC236}">
-                <a16:creationId xmlns="" xmlns:a16="http://schemas.microsoft.com/office/drawing/2014/main" id="{AAC4C2D9-B47A-40A7-A474-40C4AACD1168}"/>
+                <a16:creationId xmlns:a16="http://schemas.microsoft.com/office/drawing/2014/main" xmlns="" id="{AAC4C2D9-B47A-40A7-A474-40C4AACD1168}"/>
               </a:ext>
             </a:extLst>
           </p:cNvPr>
@@ -11336,7 +11315,7 @@
           <p:cNvPr id="28" name="Text Placeholder 15">
             <a:extLst>
               <a:ext uri="{FF2B5EF4-FFF2-40B4-BE49-F238E27FC236}">
-                <a16:creationId xmlns="" xmlns:a16="http://schemas.microsoft.com/office/drawing/2014/main" id="{32D05F99-5959-4F3B-9C59-3D649A7CE467}"/>
+                <a16:creationId xmlns:a16="http://schemas.microsoft.com/office/drawing/2014/main" xmlns="" id="{32D05F99-5959-4F3B-9C59-3D649A7CE467}"/>
               </a:ext>
             </a:extLst>
           </p:cNvPr>
@@ -11387,7 +11366,7 @@
           <p:cNvPr id="29" name="Text Placeholder 15">
             <a:extLst>
               <a:ext uri="{FF2B5EF4-FFF2-40B4-BE49-F238E27FC236}">
-                <a16:creationId xmlns="" xmlns:a16="http://schemas.microsoft.com/office/drawing/2014/main" id="{58045DF1-A433-46E2-A248-4ED7BDCC8F0B}"/>
+                <a16:creationId xmlns:a16="http://schemas.microsoft.com/office/drawing/2014/main" xmlns="" id="{58045DF1-A433-46E2-A248-4ED7BDCC8F0B}"/>
               </a:ext>
             </a:extLst>
           </p:cNvPr>
@@ -11438,7 +11417,7 @@
           <p:cNvPr id="30" name="Text Placeholder 15">
             <a:extLst>
               <a:ext uri="{FF2B5EF4-FFF2-40B4-BE49-F238E27FC236}">
-                <a16:creationId xmlns="" xmlns:a16="http://schemas.microsoft.com/office/drawing/2014/main" id="{8FAA6F58-601C-431B-9440-8B467BA56072}"/>
+                <a16:creationId xmlns:a16="http://schemas.microsoft.com/office/drawing/2014/main" xmlns="" id="{8FAA6F58-601C-431B-9440-8B467BA56072}"/>
               </a:ext>
             </a:extLst>
           </p:cNvPr>
@@ -11489,7 +11468,7 @@
           <p:cNvPr id="31" name="Text Placeholder 15">
             <a:extLst>
               <a:ext uri="{FF2B5EF4-FFF2-40B4-BE49-F238E27FC236}">
-                <a16:creationId xmlns="" xmlns:a16="http://schemas.microsoft.com/office/drawing/2014/main" id="{1213F158-4B40-467B-B389-4D6714796E3F}"/>
+                <a16:creationId xmlns:a16="http://schemas.microsoft.com/office/drawing/2014/main" xmlns="" id="{1213F158-4B40-467B-B389-4D6714796E3F}"/>
               </a:ext>
             </a:extLst>
           </p:cNvPr>
@@ -11540,7 +11519,7 @@
           <p:cNvPr id="32" name="Text Placeholder 15">
             <a:extLst>
               <a:ext uri="{FF2B5EF4-FFF2-40B4-BE49-F238E27FC236}">
-                <a16:creationId xmlns="" xmlns:a16="http://schemas.microsoft.com/office/drawing/2014/main" id="{0587C3D4-50FB-4D8D-A7FF-3078F126A733}"/>
+                <a16:creationId xmlns:a16="http://schemas.microsoft.com/office/drawing/2014/main" xmlns="" id="{0587C3D4-50FB-4D8D-A7FF-3078F126A733}"/>
               </a:ext>
             </a:extLst>
           </p:cNvPr>
@@ -11591,7 +11570,7 @@
           <p:cNvPr id="33" name="Text Placeholder 15">
             <a:extLst>
               <a:ext uri="{FF2B5EF4-FFF2-40B4-BE49-F238E27FC236}">
-                <a16:creationId xmlns="" xmlns:a16="http://schemas.microsoft.com/office/drawing/2014/main" id="{3AE8DD5B-AE06-42BC-95FA-C78B068A740C}"/>
+                <a16:creationId xmlns:a16="http://schemas.microsoft.com/office/drawing/2014/main" xmlns="" id="{3AE8DD5B-AE06-42BC-95FA-C78B068A740C}"/>
               </a:ext>
             </a:extLst>
           </p:cNvPr>
@@ -11642,7 +11621,7 @@
           <p:cNvPr id="34" name="Text Placeholder 15">
             <a:extLst>
               <a:ext uri="{FF2B5EF4-FFF2-40B4-BE49-F238E27FC236}">
-                <a16:creationId xmlns="" xmlns:a16="http://schemas.microsoft.com/office/drawing/2014/main" id="{D2F473DD-FEFE-4576-95A2-DFFF7277839E}"/>
+                <a16:creationId xmlns:a16="http://schemas.microsoft.com/office/drawing/2014/main" xmlns="" id="{D2F473DD-FEFE-4576-95A2-DFFF7277839E}"/>
               </a:ext>
             </a:extLst>
           </p:cNvPr>
@@ -11693,7 +11672,7 @@
           <p:cNvPr id="35" name="Text Placeholder 15">
             <a:extLst>
               <a:ext uri="{FF2B5EF4-FFF2-40B4-BE49-F238E27FC236}">
-                <a16:creationId xmlns="" xmlns:a16="http://schemas.microsoft.com/office/drawing/2014/main" id="{185C612A-776D-4718-9931-37E3A183A4DC}"/>
+                <a16:creationId xmlns:a16="http://schemas.microsoft.com/office/drawing/2014/main" xmlns="" id="{185C612A-776D-4718-9931-37E3A183A4DC}"/>
               </a:ext>
             </a:extLst>
           </p:cNvPr>
@@ -11744,7 +11723,7 @@
           <p:cNvPr id="36" name="Text Placeholder 15">
             <a:extLst>
               <a:ext uri="{FF2B5EF4-FFF2-40B4-BE49-F238E27FC236}">
-                <a16:creationId xmlns="" xmlns:a16="http://schemas.microsoft.com/office/drawing/2014/main" id="{8D34BBE4-6BDE-49DE-A74F-2CDD932F6E52}"/>
+                <a16:creationId xmlns:a16="http://schemas.microsoft.com/office/drawing/2014/main" xmlns="" id="{8D34BBE4-6BDE-49DE-A74F-2CDD932F6E52}"/>
               </a:ext>
             </a:extLst>
           </p:cNvPr>
@@ -11795,7 +11774,7 @@
           <p:cNvPr id="37" name="Text Placeholder 15">
             <a:extLst>
               <a:ext uri="{FF2B5EF4-FFF2-40B4-BE49-F238E27FC236}">
-                <a16:creationId xmlns="" xmlns:a16="http://schemas.microsoft.com/office/drawing/2014/main" id="{F0D4C91A-8B26-4340-971A-2F29008F0FAD}"/>
+                <a16:creationId xmlns:a16="http://schemas.microsoft.com/office/drawing/2014/main" xmlns="" id="{F0D4C91A-8B26-4340-971A-2F29008F0FAD}"/>
               </a:ext>
             </a:extLst>
           </p:cNvPr>
@@ -11846,7 +11825,7 @@
           <p:cNvPr id="38" name="Text Placeholder 15">
             <a:extLst>
               <a:ext uri="{FF2B5EF4-FFF2-40B4-BE49-F238E27FC236}">
-                <a16:creationId xmlns="" xmlns:a16="http://schemas.microsoft.com/office/drawing/2014/main" id="{6A419F52-5BB3-49C9-B1B4-1B93C0B2013D}"/>
+                <a16:creationId xmlns:a16="http://schemas.microsoft.com/office/drawing/2014/main" xmlns="" id="{6A419F52-5BB3-49C9-B1B4-1B93C0B2013D}"/>
               </a:ext>
             </a:extLst>
           </p:cNvPr>
@@ -11897,7 +11876,7 @@
           <p:cNvPr id="39" name="Text Placeholder 15">
             <a:extLst>
               <a:ext uri="{FF2B5EF4-FFF2-40B4-BE49-F238E27FC236}">
-                <a16:creationId xmlns="" xmlns:a16="http://schemas.microsoft.com/office/drawing/2014/main" id="{3C11D215-E7BE-44F7-970D-37CAEF4FE7C4}"/>
+                <a16:creationId xmlns:a16="http://schemas.microsoft.com/office/drawing/2014/main" xmlns="" id="{3C11D215-E7BE-44F7-970D-37CAEF4FE7C4}"/>
               </a:ext>
             </a:extLst>
           </p:cNvPr>
@@ -11948,7 +11927,7 @@
           <p:cNvPr id="40" name="Picture 39">
             <a:extLst>
               <a:ext uri="{FF2B5EF4-FFF2-40B4-BE49-F238E27FC236}">
-                <a16:creationId xmlns="" xmlns:a16="http://schemas.microsoft.com/office/drawing/2014/main" id="{B5E81BBD-FD6B-4688-AE48-C55880EC263F}"/>
+                <a16:creationId xmlns:a16="http://schemas.microsoft.com/office/drawing/2014/main" xmlns="" id="{B5E81BBD-FD6B-4688-AE48-C55880EC263F}"/>
               </a:ext>
             </a:extLst>
           </p:cNvPr>
@@ -12064,7 +12043,7 @@
           <p:cNvPr id="6" name="Straight Connector 5">
             <a:extLst>
               <a:ext uri="{FF2B5EF4-FFF2-40B4-BE49-F238E27FC236}">
-                <a16:creationId xmlns="" xmlns:a16="http://schemas.microsoft.com/office/drawing/2014/main" id="{7D3F13F0-37DB-4101-A974-E97BD97A05D4}"/>
+                <a16:creationId xmlns:a16="http://schemas.microsoft.com/office/drawing/2014/main" xmlns="" id="{7D3F13F0-37DB-4101-A974-E97BD97A05D4}"/>
               </a:ext>
             </a:extLst>
           </p:cNvPr>
@@ -12107,7 +12086,7 @@
           <p:cNvPr id="13" name="Group 12">
             <a:extLst>
               <a:ext uri="{FF2B5EF4-FFF2-40B4-BE49-F238E27FC236}">
-                <a16:creationId xmlns="" xmlns:a16="http://schemas.microsoft.com/office/drawing/2014/main" id="{9122C233-55C3-43C6-BF3E-5E47956841A2}"/>
+                <a16:creationId xmlns:a16="http://schemas.microsoft.com/office/drawing/2014/main" xmlns="" id="{9122C233-55C3-43C6-BF3E-5E47956841A2}"/>
               </a:ext>
             </a:extLst>
           </p:cNvPr>
@@ -12127,7 +12106,7 @@
             <p:cNvPr id="7" name="Picture 6">
               <a:extLst>
                 <a:ext uri="{FF2B5EF4-FFF2-40B4-BE49-F238E27FC236}">
-                  <a16:creationId xmlns="" xmlns:a16="http://schemas.microsoft.com/office/drawing/2014/main" id="{D06B119A-8AD6-4E10-A54F-F8517EE59454}"/>
+                  <a16:creationId xmlns:a16="http://schemas.microsoft.com/office/drawing/2014/main" xmlns="" id="{D06B119A-8AD6-4E10-A54F-F8517EE59454}"/>
                 </a:ext>
               </a:extLst>
             </p:cNvPr>
@@ -12171,7 +12150,7 @@
             <p:cNvPr id="8" name="Picture 7">
               <a:extLst>
                 <a:ext uri="{FF2B5EF4-FFF2-40B4-BE49-F238E27FC236}">
-                  <a16:creationId xmlns="" xmlns:a16="http://schemas.microsoft.com/office/drawing/2014/main" id="{07384CDC-C2F5-4C86-998D-3E68898F0F5A}"/>
+                  <a16:creationId xmlns:a16="http://schemas.microsoft.com/office/drawing/2014/main" xmlns="" id="{07384CDC-C2F5-4C86-998D-3E68898F0F5A}"/>
                 </a:ext>
               </a:extLst>
             </p:cNvPr>
@@ -12215,7 +12194,7 @@
             <p:cNvPr id="9" name="Picture 8">
               <a:extLst>
                 <a:ext uri="{FF2B5EF4-FFF2-40B4-BE49-F238E27FC236}">
-                  <a16:creationId xmlns="" xmlns:a16="http://schemas.microsoft.com/office/drawing/2014/main" id="{278B6EA8-B7D6-480B-BE53-0CD9B3F47F69}"/>
+                  <a16:creationId xmlns:a16="http://schemas.microsoft.com/office/drawing/2014/main" xmlns="" id="{278B6EA8-B7D6-480B-BE53-0CD9B3F47F69}"/>
                 </a:ext>
               </a:extLst>
             </p:cNvPr>
@@ -12259,7 +12238,7 @@
             <p:cNvPr id="10" name="Picture 9">
               <a:extLst>
                 <a:ext uri="{FF2B5EF4-FFF2-40B4-BE49-F238E27FC236}">
-                  <a16:creationId xmlns="" xmlns:a16="http://schemas.microsoft.com/office/drawing/2014/main" id="{C178EBA5-82E3-4493-ACA9-6C24DFD98D40}"/>
+                  <a16:creationId xmlns:a16="http://schemas.microsoft.com/office/drawing/2014/main" xmlns="" id="{C178EBA5-82E3-4493-ACA9-6C24DFD98D40}"/>
                 </a:ext>
               </a:extLst>
             </p:cNvPr>
@@ -12303,7 +12282,7 @@
             <p:cNvPr id="11" name="Picture 10">
               <a:extLst>
                 <a:ext uri="{FF2B5EF4-FFF2-40B4-BE49-F238E27FC236}">
-                  <a16:creationId xmlns="" xmlns:a16="http://schemas.microsoft.com/office/drawing/2014/main" id="{5760C62D-B999-42D2-8FAB-72632084BA55}"/>
+                  <a16:creationId xmlns:a16="http://schemas.microsoft.com/office/drawing/2014/main" xmlns="" id="{5760C62D-B999-42D2-8FAB-72632084BA55}"/>
                 </a:ext>
               </a:extLst>
             </p:cNvPr>
@@ -12347,7 +12326,7 @@
             <p:cNvPr id="12" name="Picture 11">
               <a:extLst>
                 <a:ext uri="{FF2B5EF4-FFF2-40B4-BE49-F238E27FC236}">
-                  <a16:creationId xmlns="" xmlns:a16="http://schemas.microsoft.com/office/drawing/2014/main" id="{5B9C4C79-0781-444A-B74A-FE31E279661C}"/>
+                  <a16:creationId xmlns:a16="http://schemas.microsoft.com/office/drawing/2014/main" xmlns="" id="{5B9C4C79-0781-444A-B74A-FE31E279661C}"/>
                 </a:ext>
               </a:extLst>
             </p:cNvPr>
@@ -12392,7 +12371,7 @@
           <p:cNvPr id="15" name="Text Placeholder 15">
             <a:extLst>
               <a:ext uri="{FF2B5EF4-FFF2-40B4-BE49-F238E27FC236}">
-                <a16:creationId xmlns="" xmlns:a16="http://schemas.microsoft.com/office/drawing/2014/main" id="{399880A5-7AB5-4166-9BA5-AA60FB7321EF}"/>
+                <a16:creationId xmlns:a16="http://schemas.microsoft.com/office/drawing/2014/main" xmlns="" id="{399880A5-7AB5-4166-9BA5-AA60FB7321EF}"/>
               </a:ext>
             </a:extLst>
           </p:cNvPr>
@@ -12443,7 +12422,7 @@
           <p:cNvPr id="16" name="Text Placeholder 15">
             <a:extLst>
               <a:ext uri="{FF2B5EF4-FFF2-40B4-BE49-F238E27FC236}">
-                <a16:creationId xmlns="" xmlns:a16="http://schemas.microsoft.com/office/drawing/2014/main" id="{54F47D6A-7DF4-4E8F-A8D5-7290855F4717}"/>
+                <a16:creationId xmlns:a16="http://schemas.microsoft.com/office/drawing/2014/main" xmlns="" id="{54F47D6A-7DF4-4E8F-A8D5-7290855F4717}"/>
               </a:ext>
             </a:extLst>
           </p:cNvPr>
@@ -12494,7 +12473,7 @@
           <p:cNvPr id="17" name="Text Placeholder 15">
             <a:extLst>
               <a:ext uri="{FF2B5EF4-FFF2-40B4-BE49-F238E27FC236}">
-                <a16:creationId xmlns="" xmlns:a16="http://schemas.microsoft.com/office/drawing/2014/main" id="{5DECC5E5-4A5C-4EFD-8360-FA9C1B88E256}"/>
+                <a16:creationId xmlns:a16="http://schemas.microsoft.com/office/drawing/2014/main" xmlns="" id="{5DECC5E5-4A5C-4EFD-8360-FA9C1B88E256}"/>
               </a:ext>
             </a:extLst>
           </p:cNvPr>
@@ -12545,7 +12524,7 @@
           <p:cNvPr id="18" name="Text Placeholder 15">
             <a:extLst>
               <a:ext uri="{FF2B5EF4-FFF2-40B4-BE49-F238E27FC236}">
-                <a16:creationId xmlns="" xmlns:a16="http://schemas.microsoft.com/office/drawing/2014/main" id="{C062B741-9BAD-4C04-9D58-1EA113260169}"/>
+                <a16:creationId xmlns:a16="http://schemas.microsoft.com/office/drawing/2014/main" xmlns="" id="{C062B741-9BAD-4C04-9D58-1EA113260169}"/>
               </a:ext>
             </a:extLst>
           </p:cNvPr>
@@ -12596,7 +12575,7 @@
           <p:cNvPr id="19" name="Text Placeholder 15">
             <a:extLst>
               <a:ext uri="{FF2B5EF4-FFF2-40B4-BE49-F238E27FC236}">
-                <a16:creationId xmlns="" xmlns:a16="http://schemas.microsoft.com/office/drawing/2014/main" id="{120DE5DA-8A9C-4009-BDAF-180FE4C4DE5A}"/>
+                <a16:creationId xmlns:a16="http://schemas.microsoft.com/office/drawing/2014/main" xmlns="" id="{120DE5DA-8A9C-4009-BDAF-180FE4C4DE5A}"/>
               </a:ext>
             </a:extLst>
           </p:cNvPr>
@@ -12647,7 +12626,7 @@
           <p:cNvPr id="20" name="Text Placeholder 15">
             <a:extLst>
               <a:ext uri="{FF2B5EF4-FFF2-40B4-BE49-F238E27FC236}">
-                <a16:creationId xmlns="" xmlns:a16="http://schemas.microsoft.com/office/drawing/2014/main" id="{B3D04FB2-3FFB-4454-8881-69AEF19C9C54}"/>
+                <a16:creationId xmlns:a16="http://schemas.microsoft.com/office/drawing/2014/main" xmlns="" id="{B3D04FB2-3FFB-4454-8881-69AEF19C9C54}"/>
               </a:ext>
             </a:extLst>
           </p:cNvPr>
@@ -12698,7 +12677,7 @@
           <p:cNvPr id="21" name="Text Placeholder 15">
             <a:extLst>
               <a:ext uri="{FF2B5EF4-FFF2-40B4-BE49-F238E27FC236}">
-                <a16:creationId xmlns="" xmlns:a16="http://schemas.microsoft.com/office/drawing/2014/main" id="{71CEB0CE-1D37-4A5C-AD86-69A49AE045AB}"/>
+                <a16:creationId xmlns:a16="http://schemas.microsoft.com/office/drawing/2014/main" xmlns="" id="{71CEB0CE-1D37-4A5C-AD86-69A49AE045AB}"/>
               </a:ext>
             </a:extLst>
           </p:cNvPr>
@@ -12749,7 +12728,7 @@
           <p:cNvPr id="22" name="Text Placeholder 15">
             <a:extLst>
               <a:ext uri="{FF2B5EF4-FFF2-40B4-BE49-F238E27FC236}">
-                <a16:creationId xmlns="" xmlns:a16="http://schemas.microsoft.com/office/drawing/2014/main" id="{E3C4E68E-4D3F-431F-97E2-9962B957F706}"/>
+                <a16:creationId xmlns:a16="http://schemas.microsoft.com/office/drawing/2014/main" xmlns="" id="{E3C4E68E-4D3F-431F-97E2-9962B957F706}"/>
               </a:ext>
             </a:extLst>
           </p:cNvPr>
@@ -12800,7 +12779,7 @@
           <p:cNvPr id="23" name="Text Placeholder 15">
             <a:extLst>
               <a:ext uri="{FF2B5EF4-FFF2-40B4-BE49-F238E27FC236}">
-                <a16:creationId xmlns="" xmlns:a16="http://schemas.microsoft.com/office/drawing/2014/main" id="{48A38A71-DF1E-4233-91AF-A836A8E63F4E}"/>
+                <a16:creationId xmlns:a16="http://schemas.microsoft.com/office/drawing/2014/main" xmlns="" id="{48A38A71-DF1E-4233-91AF-A836A8E63F4E}"/>
               </a:ext>
             </a:extLst>
           </p:cNvPr>
@@ -12851,7 +12830,7 @@
           <p:cNvPr id="24" name="Text Placeholder 15">
             <a:extLst>
               <a:ext uri="{FF2B5EF4-FFF2-40B4-BE49-F238E27FC236}">
-                <a16:creationId xmlns="" xmlns:a16="http://schemas.microsoft.com/office/drawing/2014/main" id="{4A6D7878-E354-4BD4-A010-45C2B47B3652}"/>
+                <a16:creationId xmlns:a16="http://schemas.microsoft.com/office/drawing/2014/main" xmlns="" id="{4A6D7878-E354-4BD4-A010-45C2B47B3652}"/>
               </a:ext>
             </a:extLst>
           </p:cNvPr>
@@ -12902,7 +12881,7 @@
           <p:cNvPr id="25" name="Text Placeholder 15">
             <a:extLst>
               <a:ext uri="{FF2B5EF4-FFF2-40B4-BE49-F238E27FC236}">
-                <a16:creationId xmlns="" xmlns:a16="http://schemas.microsoft.com/office/drawing/2014/main" id="{3E7B9D9F-8D99-4084-9855-47EBCEE18DDE}"/>
+                <a16:creationId xmlns:a16="http://schemas.microsoft.com/office/drawing/2014/main" xmlns="" id="{3E7B9D9F-8D99-4084-9855-47EBCEE18DDE}"/>
               </a:ext>
             </a:extLst>
           </p:cNvPr>
@@ -12953,7 +12932,7 @@
           <p:cNvPr id="26" name="Text Placeholder 15">
             <a:extLst>
               <a:ext uri="{FF2B5EF4-FFF2-40B4-BE49-F238E27FC236}">
-                <a16:creationId xmlns="" xmlns:a16="http://schemas.microsoft.com/office/drawing/2014/main" id="{F1DF9B67-B91C-4EBF-9FC5-40251EC7390B}"/>
+                <a16:creationId xmlns:a16="http://schemas.microsoft.com/office/drawing/2014/main" xmlns="" id="{F1DF9B67-B91C-4EBF-9FC5-40251EC7390B}"/>
               </a:ext>
             </a:extLst>
           </p:cNvPr>
@@ -13004,7 +12983,7 @@
           <p:cNvPr id="27" name="Text Placeholder 15">
             <a:extLst>
               <a:ext uri="{FF2B5EF4-FFF2-40B4-BE49-F238E27FC236}">
-                <a16:creationId xmlns="" xmlns:a16="http://schemas.microsoft.com/office/drawing/2014/main" id="{84541B85-DA43-4150-8A94-BB856F4323B9}"/>
+                <a16:creationId xmlns:a16="http://schemas.microsoft.com/office/drawing/2014/main" xmlns="" id="{84541B85-DA43-4150-8A94-BB856F4323B9}"/>
               </a:ext>
             </a:extLst>
           </p:cNvPr>
@@ -13055,7 +13034,7 @@
           <p:cNvPr id="28" name="Text Placeholder 15">
             <a:extLst>
               <a:ext uri="{FF2B5EF4-FFF2-40B4-BE49-F238E27FC236}">
-                <a16:creationId xmlns="" xmlns:a16="http://schemas.microsoft.com/office/drawing/2014/main" id="{790426B0-24FA-4FC8-8845-5A517AA91780}"/>
+                <a16:creationId xmlns:a16="http://schemas.microsoft.com/office/drawing/2014/main" xmlns="" id="{790426B0-24FA-4FC8-8845-5A517AA91780}"/>
               </a:ext>
             </a:extLst>
           </p:cNvPr>
@@ -13106,7 +13085,7 @@
           <p:cNvPr id="29" name="Text Placeholder 15">
             <a:extLst>
               <a:ext uri="{FF2B5EF4-FFF2-40B4-BE49-F238E27FC236}">
-                <a16:creationId xmlns="" xmlns:a16="http://schemas.microsoft.com/office/drawing/2014/main" id="{0C498468-01C7-4453-B1EC-F77E99574B24}"/>
+                <a16:creationId xmlns:a16="http://schemas.microsoft.com/office/drawing/2014/main" xmlns="" id="{0C498468-01C7-4453-B1EC-F77E99574B24}"/>
               </a:ext>
             </a:extLst>
           </p:cNvPr>
@@ -13157,7 +13136,7 @@
           <p:cNvPr id="30" name="Text Placeholder 15">
             <a:extLst>
               <a:ext uri="{FF2B5EF4-FFF2-40B4-BE49-F238E27FC236}">
-                <a16:creationId xmlns="" xmlns:a16="http://schemas.microsoft.com/office/drawing/2014/main" id="{7B392B11-BA6F-4511-B99F-4329DBAA142E}"/>
+                <a16:creationId xmlns:a16="http://schemas.microsoft.com/office/drawing/2014/main" xmlns="" id="{7B392B11-BA6F-4511-B99F-4329DBAA142E}"/>
               </a:ext>
             </a:extLst>
           </p:cNvPr>
@@ -13208,7 +13187,7 @@
           <p:cNvPr id="31" name="Text Placeholder 15">
             <a:extLst>
               <a:ext uri="{FF2B5EF4-FFF2-40B4-BE49-F238E27FC236}">
-                <a16:creationId xmlns="" xmlns:a16="http://schemas.microsoft.com/office/drawing/2014/main" id="{D2BF66D9-EBCE-410C-8237-F2025729483F}"/>
+                <a16:creationId xmlns:a16="http://schemas.microsoft.com/office/drawing/2014/main" xmlns="" id="{D2BF66D9-EBCE-410C-8237-F2025729483F}"/>
               </a:ext>
             </a:extLst>
           </p:cNvPr>
@@ -13259,7 +13238,7 @@
           <p:cNvPr id="32" name="Text Placeholder 15">
             <a:extLst>
               <a:ext uri="{FF2B5EF4-FFF2-40B4-BE49-F238E27FC236}">
-                <a16:creationId xmlns="" xmlns:a16="http://schemas.microsoft.com/office/drawing/2014/main" id="{82D92416-42AD-46FA-ADC8-9299E2BBF314}"/>
+                <a16:creationId xmlns:a16="http://schemas.microsoft.com/office/drawing/2014/main" xmlns="" id="{82D92416-42AD-46FA-ADC8-9299E2BBF314}"/>
               </a:ext>
             </a:extLst>
           </p:cNvPr>
@@ -13310,7 +13289,7 @@
           <p:cNvPr id="33" name="Text Placeholder 15">
             <a:extLst>
               <a:ext uri="{FF2B5EF4-FFF2-40B4-BE49-F238E27FC236}">
-                <a16:creationId xmlns="" xmlns:a16="http://schemas.microsoft.com/office/drawing/2014/main" id="{5CA7AF62-2364-4FD5-A1D6-1A6C6ECDA56D}"/>
+                <a16:creationId xmlns:a16="http://schemas.microsoft.com/office/drawing/2014/main" xmlns="" id="{5CA7AF62-2364-4FD5-A1D6-1A6C6ECDA56D}"/>
               </a:ext>
             </a:extLst>
           </p:cNvPr>
@@ -13361,7 +13340,7 @@
           <p:cNvPr id="34" name="Text Placeholder 15">
             <a:extLst>
               <a:ext uri="{FF2B5EF4-FFF2-40B4-BE49-F238E27FC236}">
-                <a16:creationId xmlns="" xmlns:a16="http://schemas.microsoft.com/office/drawing/2014/main" id="{DEFF7E79-F418-4AE2-AE9B-2C970F3DEA00}"/>
+                <a16:creationId xmlns:a16="http://schemas.microsoft.com/office/drawing/2014/main" xmlns="" id="{DEFF7E79-F418-4AE2-AE9B-2C970F3DEA00}"/>
               </a:ext>
             </a:extLst>
           </p:cNvPr>
@@ -13412,7 +13391,7 @@
           <p:cNvPr id="35" name="Text Placeholder 15">
             <a:extLst>
               <a:ext uri="{FF2B5EF4-FFF2-40B4-BE49-F238E27FC236}">
-                <a16:creationId xmlns="" xmlns:a16="http://schemas.microsoft.com/office/drawing/2014/main" id="{703E2AFE-C957-49E9-9077-C47999371143}"/>
+                <a16:creationId xmlns:a16="http://schemas.microsoft.com/office/drawing/2014/main" xmlns="" id="{703E2AFE-C957-49E9-9077-C47999371143}"/>
               </a:ext>
             </a:extLst>
           </p:cNvPr>
@@ -13463,7 +13442,7 @@
           <p:cNvPr id="36" name="Text Placeholder 15">
             <a:extLst>
               <a:ext uri="{FF2B5EF4-FFF2-40B4-BE49-F238E27FC236}">
-                <a16:creationId xmlns="" xmlns:a16="http://schemas.microsoft.com/office/drawing/2014/main" id="{3016A238-397F-4CC8-AE70-495F34FF87DE}"/>
+                <a16:creationId xmlns:a16="http://schemas.microsoft.com/office/drawing/2014/main" xmlns="" id="{3016A238-397F-4CC8-AE70-495F34FF87DE}"/>
               </a:ext>
             </a:extLst>
           </p:cNvPr>
@@ -13514,7 +13493,7 @@
           <p:cNvPr id="37" name="Text Placeholder 15">
             <a:extLst>
               <a:ext uri="{FF2B5EF4-FFF2-40B4-BE49-F238E27FC236}">
-                <a16:creationId xmlns="" xmlns:a16="http://schemas.microsoft.com/office/drawing/2014/main" id="{C93B786F-B7A4-4685-BA8C-55313A5D9FB7}"/>
+                <a16:creationId xmlns:a16="http://schemas.microsoft.com/office/drawing/2014/main" xmlns="" id="{C93B786F-B7A4-4685-BA8C-55313A5D9FB7}"/>
               </a:ext>
             </a:extLst>
           </p:cNvPr>
@@ -13565,7 +13544,7 @@
           <p:cNvPr id="38" name="Text Placeholder 15">
             <a:extLst>
               <a:ext uri="{FF2B5EF4-FFF2-40B4-BE49-F238E27FC236}">
-                <a16:creationId xmlns="" xmlns:a16="http://schemas.microsoft.com/office/drawing/2014/main" id="{9E9D69A5-FBC7-463E-AAF0-8A8BFE3CA7CD}"/>
+                <a16:creationId xmlns:a16="http://schemas.microsoft.com/office/drawing/2014/main" xmlns="" id="{9E9D69A5-FBC7-463E-AAF0-8A8BFE3CA7CD}"/>
               </a:ext>
             </a:extLst>
           </p:cNvPr>
@@ -13616,7 +13595,7 @@
           <p:cNvPr id="39" name="Picture 38">
             <a:extLst>
               <a:ext uri="{FF2B5EF4-FFF2-40B4-BE49-F238E27FC236}">
-                <a16:creationId xmlns="" xmlns:a16="http://schemas.microsoft.com/office/drawing/2014/main" id="{03A86A2E-641E-4A35-93DF-124AC0959B54}"/>
+                <a16:creationId xmlns:a16="http://schemas.microsoft.com/office/drawing/2014/main" xmlns="" id="{03A86A2E-641E-4A35-93DF-124AC0959B54}"/>
               </a:ext>
             </a:extLst>
           </p:cNvPr>
@@ -13767,7 +13746,7 @@
           <p:cNvPr id="4" name="Group 3">
             <a:extLst>
               <a:ext uri="{FF2B5EF4-FFF2-40B4-BE49-F238E27FC236}">
-                <a16:creationId xmlns="" xmlns:a16="http://schemas.microsoft.com/office/drawing/2014/main" id="{4B3E617D-293D-4BB5-8F23-78F186F4D823}"/>
+                <a16:creationId xmlns:a16="http://schemas.microsoft.com/office/drawing/2014/main" xmlns="" id="{4B3E617D-293D-4BB5-8F23-78F186F4D823}"/>
               </a:ext>
             </a:extLst>
           </p:cNvPr>
@@ -13787,7 +13766,7 @@
             <p:cNvPr id="5" name="Picture 4">
               <a:extLst>
                 <a:ext uri="{FF2B5EF4-FFF2-40B4-BE49-F238E27FC236}">
-                  <a16:creationId xmlns="" xmlns:a16="http://schemas.microsoft.com/office/drawing/2014/main" id="{FCB9AAC0-E020-4527-A4A2-1BAF10A64345}"/>
+                  <a16:creationId xmlns:a16="http://schemas.microsoft.com/office/drawing/2014/main" xmlns="" id="{FCB9AAC0-E020-4527-A4A2-1BAF10A64345}"/>
                 </a:ext>
               </a:extLst>
             </p:cNvPr>
@@ -13831,7 +13810,7 @@
             <p:cNvPr id="6" name="Picture 5">
               <a:extLst>
                 <a:ext uri="{FF2B5EF4-FFF2-40B4-BE49-F238E27FC236}">
-                  <a16:creationId xmlns="" xmlns:a16="http://schemas.microsoft.com/office/drawing/2014/main" id="{541FA1DB-BA93-4169-9FE7-EA370854285D}"/>
+                  <a16:creationId xmlns:a16="http://schemas.microsoft.com/office/drawing/2014/main" xmlns="" id="{541FA1DB-BA93-4169-9FE7-EA370854285D}"/>
                 </a:ext>
               </a:extLst>
             </p:cNvPr>
@@ -13875,7 +13854,7 @@
             <p:cNvPr id="7" name="Picture 6">
               <a:extLst>
                 <a:ext uri="{FF2B5EF4-FFF2-40B4-BE49-F238E27FC236}">
-                  <a16:creationId xmlns="" xmlns:a16="http://schemas.microsoft.com/office/drawing/2014/main" id="{35A8DC9A-DB20-4753-89A9-B584089F9544}"/>
+                  <a16:creationId xmlns:a16="http://schemas.microsoft.com/office/drawing/2014/main" xmlns="" id="{35A8DC9A-DB20-4753-89A9-B584089F9544}"/>
                 </a:ext>
               </a:extLst>
             </p:cNvPr>
@@ -13928,7 +13907,7 @@
             <p:cNvPr id="8" name="Picture 7">
               <a:extLst>
                 <a:ext uri="{FF2B5EF4-FFF2-40B4-BE49-F238E27FC236}">
-                  <a16:creationId xmlns="" xmlns:a16="http://schemas.microsoft.com/office/drawing/2014/main" id="{D8D68EC4-C3B4-44C6-89CB-D57A81F721F2}"/>
+                  <a16:creationId xmlns:a16="http://schemas.microsoft.com/office/drawing/2014/main" xmlns="" id="{D8D68EC4-C3B4-44C6-89CB-D57A81F721F2}"/>
                 </a:ext>
               </a:extLst>
             </p:cNvPr>
@@ -14058,7 +14037,7 @@
           <p:cNvPr id="4" name="Group 3">
             <a:extLst>
               <a:ext uri="{FF2B5EF4-FFF2-40B4-BE49-F238E27FC236}">
-                <a16:creationId xmlns="" xmlns:a16="http://schemas.microsoft.com/office/drawing/2014/main" id="{4B3E617D-293D-4BB5-8F23-78F186F4D823}"/>
+                <a16:creationId xmlns:a16="http://schemas.microsoft.com/office/drawing/2014/main" xmlns="" id="{4B3E617D-293D-4BB5-8F23-78F186F4D823}"/>
               </a:ext>
             </a:extLst>
           </p:cNvPr>
@@ -14078,7 +14057,7 @@
             <p:cNvPr id="5" name="Picture 4">
               <a:extLst>
                 <a:ext uri="{FF2B5EF4-FFF2-40B4-BE49-F238E27FC236}">
-                  <a16:creationId xmlns="" xmlns:a16="http://schemas.microsoft.com/office/drawing/2014/main" id="{FCB9AAC0-E020-4527-A4A2-1BAF10A64345}"/>
+                  <a16:creationId xmlns:a16="http://schemas.microsoft.com/office/drawing/2014/main" xmlns="" id="{FCB9AAC0-E020-4527-A4A2-1BAF10A64345}"/>
                 </a:ext>
               </a:extLst>
             </p:cNvPr>
@@ -14122,7 +14101,7 @@
             <p:cNvPr id="6" name="Picture 5">
               <a:extLst>
                 <a:ext uri="{FF2B5EF4-FFF2-40B4-BE49-F238E27FC236}">
-                  <a16:creationId xmlns="" xmlns:a16="http://schemas.microsoft.com/office/drawing/2014/main" id="{541FA1DB-BA93-4169-9FE7-EA370854285D}"/>
+                  <a16:creationId xmlns:a16="http://schemas.microsoft.com/office/drawing/2014/main" xmlns="" id="{541FA1DB-BA93-4169-9FE7-EA370854285D}"/>
                 </a:ext>
               </a:extLst>
             </p:cNvPr>
@@ -14166,7 +14145,7 @@
             <p:cNvPr id="7" name="Picture 6">
               <a:extLst>
                 <a:ext uri="{FF2B5EF4-FFF2-40B4-BE49-F238E27FC236}">
-                  <a16:creationId xmlns="" xmlns:a16="http://schemas.microsoft.com/office/drawing/2014/main" id="{35A8DC9A-DB20-4753-89A9-B584089F9544}"/>
+                  <a16:creationId xmlns:a16="http://schemas.microsoft.com/office/drawing/2014/main" xmlns="" id="{35A8DC9A-DB20-4753-89A9-B584089F9544}"/>
                 </a:ext>
               </a:extLst>
             </p:cNvPr>
@@ -14219,7 +14198,7 @@
             <p:cNvPr id="8" name="Picture 7">
               <a:extLst>
                 <a:ext uri="{FF2B5EF4-FFF2-40B4-BE49-F238E27FC236}">
-                  <a16:creationId xmlns="" xmlns:a16="http://schemas.microsoft.com/office/drawing/2014/main" id="{D8D68EC4-C3B4-44C6-89CB-D57A81F721F2}"/>
+                  <a16:creationId xmlns:a16="http://schemas.microsoft.com/office/drawing/2014/main" xmlns="" id="{D8D68EC4-C3B4-44C6-89CB-D57A81F721F2}"/>
                 </a:ext>
               </a:extLst>
             </p:cNvPr>
@@ -14397,7 +14376,7 @@
           <p:cNvPr id="10" name="Straight Connector 9">
             <a:extLst>
               <a:ext uri="{FF2B5EF4-FFF2-40B4-BE49-F238E27FC236}">
-                <a16:creationId xmlns="" xmlns:a16="http://schemas.microsoft.com/office/drawing/2014/main" id="{9140F6FE-87BA-43C0-ABEF-21A3AEC23039}"/>
+                <a16:creationId xmlns:a16="http://schemas.microsoft.com/office/drawing/2014/main" xmlns="" id="{9140F6FE-87BA-43C0-ABEF-21A3AEC23039}"/>
               </a:ext>
             </a:extLst>
           </p:cNvPr>
@@ -14440,7 +14419,7 @@
           <p:cNvPr id="13" name="Group 12">
             <a:extLst>
               <a:ext uri="{FF2B5EF4-FFF2-40B4-BE49-F238E27FC236}">
-                <a16:creationId xmlns="" xmlns:a16="http://schemas.microsoft.com/office/drawing/2014/main" id="{5754AE95-74E7-475C-9849-33EBD44DDC4B}"/>
+                <a16:creationId xmlns:a16="http://schemas.microsoft.com/office/drawing/2014/main" xmlns="" id="{5754AE95-74E7-475C-9849-33EBD44DDC4B}"/>
               </a:ext>
             </a:extLst>
           </p:cNvPr>
@@ -14460,7 +14439,7 @@
             <p:cNvPr id="14" name="Picture 13">
               <a:extLst>
                 <a:ext uri="{FF2B5EF4-FFF2-40B4-BE49-F238E27FC236}">
-                  <a16:creationId xmlns="" xmlns:a16="http://schemas.microsoft.com/office/drawing/2014/main" id="{36450F7E-8E5F-4A06-934E-44928F9E159D}"/>
+                  <a16:creationId xmlns:a16="http://schemas.microsoft.com/office/drawing/2014/main" xmlns="" id="{36450F7E-8E5F-4A06-934E-44928F9E159D}"/>
                 </a:ext>
               </a:extLst>
             </p:cNvPr>
@@ -14504,7 +14483,7 @@
             <p:cNvPr id="16" name="Picture 15">
               <a:extLst>
                 <a:ext uri="{FF2B5EF4-FFF2-40B4-BE49-F238E27FC236}">
-                  <a16:creationId xmlns="" xmlns:a16="http://schemas.microsoft.com/office/drawing/2014/main" id="{93E9C61E-EECF-453F-A9A1-10AEDED67173}"/>
+                  <a16:creationId xmlns:a16="http://schemas.microsoft.com/office/drawing/2014/main" xmlns="" id="{93E9C61E-EECF-453F-A9A1-10AEDED67173}"/>
                 </a:ext>
               </a:extLst>
             </p:cNvPr>
@@ -14548,7 +14527,7 @@
             <p:cNvPr id="17" name="Picture 16">
               <a:extLst>
                 <a:ext uri="{FF2B5EF4-FFF2-40B4-BE49-F238E27FC236}">
-                  <a16:creationId xmlns="" xmlns:a16="http://schemas.microsoft.com/office/drawing/2014/main" id="{E806F4E7-08A6-4FB1-B047-255D9CA3363B}"/>
+                  <a16:creationId xmlns:a16="http://schemas.microsoft.com/office/drawing/2014/main" xmlns="" id="{E806F4E7-08A6-4FB1-B047-255D9CA3363B}"/>
                 </a:ext>
               </a:extLst>
             </p:cNvPr>
@@ -14592,7 +14571,7 @@
             <p:cNvPr id="18" name="Picture 17">
               <a:extLst>
                 <a:ext uri="{FF2B5EF4-FFF2-40B4-BE49-F238E27FC236}">
-                  <a16:creationId xmlns="" xmlns:a16="http://schemas.microsoft.com/office/drawing/2014/main" id="{7084AF1D-2556-4F4F-AAF7-4043D927C9AF}"/>
+                  <a16:creationId xmlns:a16="http://schemas.microsoft.com/office/drawing/2014/main" xmlns="" id="{7084AF1D-2556-4F4F-AAF7-4043D927C9AF}"/>
                 </a:ext>
               </a:extLst>
             </p:cNvPr>
@@ -14636,7 +14615,7 @@
             <p:cNvPr id="19" name="Picture 18">
               <a:extLst>
                 <a:ext uri="{FF2B5EF4-FFF2-40B4-BE49-F238E27FC236}">
-                  <a16:creationId xmlns="" xmlns:a16="http://schemas.microsoft.com/office/drawing/2014/main" id="{84204CB6-6B6E-4330-A9DB-B191FEF9793F}"/>
+                  <a16:creationId xmlns:a16="http://schemas.microsoft.com/office/drawing/2014/main" xmlns="" id="{84204CB6-6B6E-4330-A9DB-B191FEF9793F}"/>
                 </a:ext>
               </a:extLst>
             </p:cNvPr>
@@ -14680,7 +14659,7 @@
             <p:cNvPr id="20" name="Picture 19">
               <a:extLst>
                 <a:ext uri="{FF2B5EF4-FFF2-40B4-BE49-F238E27FC236}">
-                  <a16:creationId xmlns="" xmlns:a16="http://schemas.microsoft.com/office/drawing/2014/main" id="{674B8B85-BBB3-437A-8456-CD5EDB81837E}"/>
+                  <a16:creationId xmlns:a16="http://schemas.microsoft.com/office/drawing/2014/main" xmlns="" id="{674B8B85-BBB3-437A-8456-CD5EDB81837E}"/>
                 </a:ext>
               </a:extLst>
             </p:cNvPr>
@@ -14725,7 +14704,7 @@
           <p:cNvPr id="15" name="Picture 14">
             <a:extLst>
               <a:ext uri="{FF2B5EF4-FFF2-40B4-BE49-F238E27FC236}">
-                <a16:creationId xmlns="" xmlns:a16="http://schemas.microsoft.com/office/drawing/2014/main" id="{C99C7647-CABA-489C-85BE-C19A667F8CD1}"/>
+                <a16:creationId xmlns:a16="http://schemas.microsoft.com/office/drawing/2014/main" xmlns="" id="{C99C7647-CABA-489C-85BE-C19A667F8CD1}"/>
               </a:ext>
             </a:extLst>
           </p:cNvPr>
@@ -14825,7 +14804,7 @@
           <p:cNvPr id="4" name="Group 3">
             <a:extLst>
               <a:ext uri="{FF2B5EF4-FFF2-40B4-BE49-F238E27FC236}">
-                <a16:creationId xmlns="" xmlns:a16="http://schemas.microsoft.com/office/drawing/2014/main" id="{4B3E617D-293D-4BB5-8F23-78F186F4D823}"/>
+                <a16:creationId xmlns:a16="http://schemas.microsoft.com/office/drawing/2014/main" xmlns="" id="{4B3E617D-293D-4BB5-8F23-78F186F4D823}"/>
               </a:ext>
             </a:extLst>
           </p:cNvPr>
@@ -14845,7 +14824,7 @@
             <p:cNvPr id="5" name="Picture 4">
               <a:extLst>
                 <a:ext uri="{FF2B5EF4-FFF2-40B4-BE49-F238E27FC236}">
-                  <a16:creationId xmlns="" xmlns:a16="http://schemas.microsoft.com/office/drawing/2014/main" id="{FCB9AAC0-E020-4527-A4A2-1BAF10A64345}"/>
+                  <a16:creationId xmlns:a16="http://schemas.microsoft.com/office/drawing/2014/main" xmlns="" id="{FCB9AAC0-E020-4527-A4A2-1BAF10A64345}"/>
                 </a:ext>
               </a:extLst>
             </p:cNvPr>
@@ -14889,7 +14868,7 @@
             <p:cNvPr id="6" name="Picture 5">
               <a:extLst>
                 <a:ext uri="{FF2B5EF4-FFF2-40B4-BE49-F238E27FC236}">
-                  <a16:creationId xmlns="" xmlns:a16="http://schemas.microsoft.com/office/drawing/2014/main" id="{541FA1DB-BA93-4169-9FE7-EA370854285D}"/>
+                  <a16:creationId xmlns:a16="http://schemas.microsoft.com/office/drawing/2014/main" xmlns="" id="{541FA1DB-BA93-4169-9FE7-EA370854285D}"/>
                 </a:ext>
               </a:extLst>
             </p:cNvPr>
@@ -14933,7 +14912,7 @@
             <p:cNvPr id="7" name="Picture 6">
               <a:extLst>
                 <a:ext uri="{FF2B5EF4-FFF2-40B4-BE49-F238E27FC236}">
-                  <a16:creationId xmlns="" xmlns:a16="http://schemas.microsoft.com/office/drawing/2014/main" id="{35A8DC9A-DB20-4753-89A9-B584089F9544}"/>
+                  <a16:creationId xmlns:a16="http://schemas.microsoft.com/office/drawing/2014/main" xmlns="" id="{35A8DC9A-DB20-4753-89A9-B584089F9544}"/>
                 </a:ext>
               </a:extLst>
             </p:cNvPr>
@@ -14986,7 +14965,7 @@
             <p:cNvPr id="8" name="Picture 7">
               <a:extLst>
                 <a:ext uri="{FF2B5EF4-FFF2-40B4-BE49-F238E27FC236}">
-                  <a16:creationId xmlns="" xmlns:a16="http://schemas.microsoft.com/office/drawing/2014/main" id="{D8D68EC4-C3B4-44C6-89CB-D57A81F721F2}"/>
+                  <a16:creationId xmlns:a16="http://schemas.microsoft.com/office/drawing/2014/main" xmlns="" id="{D8D68EC4-C3B4-44C6-89CB-D57A81F721F2}"/>
                 </a:ext>
               </a:extLst>
             </p:cNvPr>
@@ -15117,7 +15096,7 @@
           <p:cNvPr id="4" name="Title 1">
             <a:extLst>
               <a:ext uri="{FF2B5EF4-FFF2-40B4-BE49-F238E27FC236}">
-                <a16:creationId xmlns="" xmlns:a16="http://schemas.microsoft.com/office/drawing/2014/main" id="{CEC573B1-19E4-43FE-9BB2-89AD54017FFF}"/>
+                <a16:creationId xmlns:a16="http://schemas.microsoft.com/office/drawing/2014/main" xmlns="" id="{CEC573B1-19E4-43FE-9BB2-89AD54017FFF}"/>
               </a:ext>
             </a:extLst>
           </p:cNvPr>
@@ -15158,7 +15137,7 @@
           <p:cNvPr id="5" name="Group 4">
             <a:extLst>
               <a:ext uri="{FF2B5EF4-FFF2-40B4-BE49-F238E27FC236}">
-                <a16:creationId xmlns="" xmlns:a16="http://schemas.microsoft.com/office/drawing/2014/main" id="{0AC14DFB-2F45-4509-A296-3FCAB0F4EF59}"/>
+                <a16:creationId xmlns:a16="http://schemas.microsoft.com/office/drawing/2014/main" xmlns="" id="{0AC14DFB-2F45-4509-A296-3FCAB0F4EF59}"/>
               </a:ext>
             </a:extLst>
           </p:cNvPr>
@@ -15178,7 +15157,7 @@
             <p:cNvPr id="6" name="Picture 5">
               <a:extLst>
                 <a:ext uri="{FF2B5EF4-FFF2-40B4-BE49-F238E27FC236}">
-                  <a16:creationId xmlns="" xmlns:a16="http://schemas.microsoft.com/office/drawing/2014/main" id="{502FA3F9-AF42-4986-A80F-3B705E9AC3FF}"/>
+                  <a16:creationId xmlns:a16="http://schemas.microsoft.com/office/drawing/2014/main" xmlns="" id="{502FA3F9-AF42-4986-A80F-3B705E9AC3FF}"/>
                 </a:ext>
               </a:extLst>
             </p:cNvPr>
@@ -15222,7 +15201,7 @@
             <p:cNvPr id="8" name="Picture 7">
               <a:extLst>
                 <a:ext uri="{FF2B5EF4-FFF2-40B4-BE49-F238E27FC236}">
-                  <a16:creationId xmlns="" xmlns:a16="http://schemas.microsoft.com/office/drawing/2014/main" id="{686A8E1B-19F9-4A7A-9820-A4B4FAAB729E}"/>
+                  <a16:creationId xmlns:a16="http://schemas.microsoft.com/office/drawing/2014/main" xmlns="" id="{686A8E1B-19F9-4A7A-9820-A4B4FAAB729E}"/>
                 </a:ext>
               </a:extLst>
             </p:cNvPr>
@@ -15266,7 +15245,7 @@
             <p:cNvPr id="9" name="Picture 8">
               <a:extLst>
                 <a:ext uri="{FF2B5EF4-FFF2-40B4-BE49-F238E27FC236}">
-                  <a16:creationId xmlns="" xmlns:a16="http://schemas.microsoft.com/office/drawing/2014/main" id="{6EEF45DF-3EB8-4175-B086-01491119D84F}"/>
+                  <a16:creationId xmlns:a16="http://schemas.microsoft.com/office/drawing/2014/main" xmlns="" id="{6EEF45DF-3EB8-4175-B086-01491119D84F}"/>
                 </a:ext>
               </a:extLst>
             </p:cNvPr>
@@ -15319,7 +15298,7 @@
             <p:cNvPr id="10" name="Picture 9">
               <a:extLst>
                 <a:ext uri="{FF2B5EF4-FFF2-40B4-BE49-F238E27FC236}">
-                  <a16:creationId xmlns="" xmlns:a16="http://schemas.microsoft.com/office/drawing/2014/main" id="{49B37305-5C09-4BD1-99AD-4F8EAADAA013}"/>
+                  <a16:creationId xmlns:a16="http://schemas.microsoft.com/office/drawing/2014/main" xmlns="" id="{49B37305-5C09-4BD1-99AD-4F8EAADAA013}"/>
                 </a:ext>
               </a:extLst>
             </p:cNvPr>
@@ -15450,7 +15429,7 @@
           <p:cNvPr id="4" name="Title 1">
             <a:extLst>
               <a:ext uri="{FF2B5EF4-FFF2-40B4-BE49-F238E27FC236}">
-                <a16:creationId xmlns="" xmlns:a16="http://schemas.microsoft.com/office/drawing/2014/main" id="{CEC573B1-19E4-43FE-9BB2-89AD54017FFF}"/>
+                <a16:creationId xmlns:a16="http://schemas.microsoft.com/office/drawing/2014/main" xmlns="" id="{CEC573B1-19E4-43FE-9BB2-89AD54017FFF}"/>
               </a:ext>
             </a:extLst>
           </p:cNvPr>
@@ -15491,7 +15470,7 @@
           <p:cNvPr id="5" name="Group 4">
             <a:extLst>
               <a:ext uri="{FF2B5EF4-FFF2-40B4-BE49-F238E27FC236}">
-                <a16:creationId xmlns="" xmlns:a16="http://schemas.microsoft.com/office/drawing/2014/main" id="{4B3E617D-293D-4BB5-8F23-78F186F4D823}"/>
+                <a16:creationId xmlns:a16="http://schemas.microsoft.com/office/drawing/2014/main" xmlns="" id="{4B3E617D-293D-4BB5-8F23-78F186F4D823}"/>
               </a:ext>
             </a:extLst>
           </p:cNvPr>
@@ -15511,7 +15490,7 @@
             <p:cNvPr id="6" name="Picture 5">
               <a:extLst>
                 <a:ext uri="{FF2B5EF4-FFF2-40B4-BE49-F238E27FC236}">
-                  <a16:creationId xmlns="" xmlns:a16="http://schemas.microsoft.com/office/drawing/2014/main" id="{FCB9AAC0-E020-4527-A4A2-1BAF10A64345}"/>
+                  <a16:creationId xmlns:a16="http://schemas.microsoft.com/office/drawing/2014/main" xmlns="" id="{FCB9AAC0-E020-4527-A4A2-1BAF10A64345}"/>
                 </a:ext>
               </a:extLst>
             </p:cNvPr>
@@ -15555,7 +15534,7 @@
             <p:cNvPr id="8" name="Picture 7">
               <a:extLst>
                 <a:ext uri="{FF2B5EF4-FFF2-40B4-BE49-F238E27FC236}">
-                  <a16:creationId xmlns="" xmlns:a16="http://schemas.microsoft.com/office/drawing/2014/main" id="{541FA1DB-BA93-4169-9FE7-EA370854285D}"/>
+                  <a16:creationId xmlns:a16="http://schemas.microsoft.com/office/drawing/2014/main" xmlns="" id="{541FA1DB-BA93-4169-9FE7-EA370854285D}"/>
                 </a:ext>
               </a:extLst>
             </p:cNvPr>
@@ -15599,7 +15578,7 @@
             <p:cNvPr id="9" name="Picture 8">
               <a:extLst>
                 <a:ext uri="{FF2B5EF4-FFF2-40B4-BE49-F238E27FC236}">
-                  <a16:creationId xmlns="" xmlns:a16="http://schemas.microsoft.com/office/drawing/2014/main" id="{35A8DC9A-DB20-4753-89A9-B584089F9544}"/>
+                  <a16:creationId xmlns:a16="http://schemas.microsoft.com/office/drawing/2014/main" xmlns="" id="{35A8DC9A-DB20-4753-89A9-B584089F9544}"/>
                 </a:ext>
               </a:extLst>
             </p:cNvPr>
@@ -15652,7 +15631,7 @@
             <p:cNvPr id="10" name="Picture 9">
               <a:extLst>
                 <a:ext uri="{FF2B5EF4-FFF2-40B4-BE49-F238E27FC236}">
-                  <a16:creationId xmlns="" xmlns:a16="http://schemas.microsoft.com/office/drawing/2014/main" id="{D8D68EC4-C3B4-44C6-89CB-D57A81F721F2}"/>
+                  <a16:creationId xmlns:a16="http://schemas.microsoft.com/office/drawing/2014/main" xmlns="" id="{D8D68EC4-C3B4-44C6-89CB-D57A81F721F2}"/>
                 </a:ext>
               </a:extLst>
             </p:cNvPr>
@@ -15789,7 +15768,7 @@
           <p:cNvPr id="7" name="Text Placeholder 6">
             <a:extLst>
               <a:ext uri="{FF2B5EF4-FFF2-40B4-BE49-F238E27FC236}">
-                <a16:creationId xmlns="" xmlns:a16="http://schemas.microsoft.com/office/drawing/2014/main" id="{C9FBEF60-0EDA-46F0-AEB7-C693788A6E97}"/>
+                <a16:creationId xmlns:a16="http://schemas.microsoft.com/office/drawing/2014/main" xmlns="" id="{C9FBEF60-0EDA-46F0-AEB7-C693788A6E97}"/>
               </a:ext>
             </a:extLst>
           </p:cNvPr>
@@ -15842,7 +15821,7 @@
           <p:cNvPr id="8" name="Title 1">
             <a:extLst>
               <a:ext uri="{FF2B5EF4-FFF2-40B4-BE49-F238E27FC236}">
-                <a16:creationId xmlns="" xmlns:a16="http://schemas.microsoft.com/office/drawing/2014/main" id="{5985FD9A-3BC0-42C4-8D53-0C108BE6454D}"/>
+                <a16:creationId xmlns:a16="http://schemas.microsoft.com/office/drawing/2014/main" xmlns="" id="{5985FD9A-3BC0-42C4-8D53-0C108BE6454D}"/>
               </a:ext>
             </a:extLst>
           </p:cNvPr>
@@ -15883,7 +15862,7 @@
           <p:cNvPr id="6" name="Group 5">
             <a:extLst>
               <a:ext uri="{FF2B5EF4-FFF2-40B4-BE49-F238E27FC236}">
-                <a16:creationId xmlns="" xmlns:a16="http://schemas.microsoft.com/office/drawing/2014/main" id="{4B3E617D-293D-4BB5-8F23-78F186F4D823}"/>
+                <a16:creationId xmlns:a16="http://schemas.microsoft.com/office/drawing/2014/main" xmlns="" id="{4B3E617D-293D-4BB5-8F23-78F186F4D823}"/>
               </a:ext>
             </a:extLst>
           </p:cNvPr>
@@ -15903,7 +15882,7 @@
             <p:cNvPr id="9" name="Picture 8">
               <a:extLst>
                 <a:ext uri="{FF2B5EF4-FFF2-40B4-BE49-F238E27FC236}">
-                  <a16:creationId xmlns="" xmlns:a16="http://schemas.microsoft.com/office/drawing/2014/main" id="{FCB9AAC0-E020-4527-A4A2-1BAF10A64345}"/>
+                  <a16:creationId xmlns:a16="http://schemas.microsoft.com/office/drawing/2014/main" xmlns="" id="{FCB9AAC0-E020-4527-A4A2-1BAF10A64345}"/>
                 </a:ext>
               </a:extLst>
             </p:cNvPr>
@@ -15947,7 +15926,7 @@
             <p:cNvPr id="10" name="Picture 9">
               <a:extLst>
                 <a:ext uri="{FF2B5EF4-FFF2-40B4-BE49-F238E27FC236}">
-                  <a16:creationId xmlns="" xmlns:a16="http://schemas.microsoft.com/office/drawing/2014/main" id="{541FA1DB-BA93-4169-9FE7-EA370854285D}"/>
+                  <a16:creationId xmlns:a16="http://schemas.microsoft.com/office/drawing/2014/main" xmlns="" id="{541FA1DB-BA93-4169-9FE7-EA370854285D}"/>
                 </a:ext>
               </a:extLst>
             </p:cNvPr>
@@ -15991,7 +15970,7 @@
             <p:cNvPr id="11" name="Picture 10">
               <a:extLst>
                 <a:ext uri="{FF2B5EF4-FFF2-40B4-BE49-F238E27FC236}">
-                  <a16:creationId xmlns="" xmlns:a16="http://schemas.microsoft.com/office/drawing/2014/main" id="{35A8DC9A-DB20-4753-89A9-B584089F9544}"/>
+                  <a16:creationId xmlns:a16="http://schemas.microsoft.com/office/drawing/2014/main" xmlns="" id="{35A8DC9A-DB20-4753-89A9-B584089F9544}"/>
                 </a:ext>
               </a:extLst>
             </p:cNvPr>
@@ -16044,7 +16023,7 @@
             <p:cNvPr id="12" name="Picture 11">
               <a:extLst>
                 <a:ext uri="{FF2B5EF4-FFF2-40B4-BE49-F238E27FC236}">
-                  <a16:creationId xmlns="" xmlns:a16="http://schemas.microsoft.com/office/drawing/2014/main" id="{D8D68EC4-C3B4-44C6-89CB-D57A81F721F2}"/>
+                  <a16:creationId xmlns:a16="http://schemas.microsoft.com/office/drawing/2014/main" xmlns="" id="{D8D68EC4-C3B4-44C6-89CB-D57A81F721F2}"/>
                 </a:ext>
               </a:extLst>
             </p:cNvPr>
@@ -16183,7 +16162,7 @@
           <p:cNvPr id="5" name="Title 1">
             <a:extLst>
               <a:ext uri="{FF2B5EF4-FFF2-40B4-BE49-F238E27FC236}">
-                <a16:creationId xmlns="" xmlns:a16="http://schemas.microsoft.com/office/drawing/2014/main" id="{BEA8C975-16F5-4DFB-9A1E-C240B3FD234C}"/>
+                <a16:creationId xmlns:a16="http://schemas.microsoft.com/office/drawing/2014/main" xmlns="" id="{BEA8C975-16F5-4DFB-9A1E-C240B3FD234C}"/>
               </a:ext>
             </a:extLst>
           </p:cNvPr>
@@ -16224,7 +16203,7 @@
           <p:cNvPr id="6" name="Group 5">
             <a:extLst>
               <a:ext uri="{FF2B5EF4-FFF2-40B4-BE49-F238E27FC236}">
-                <a16:creationId xmlns="" xmlns:a16="http://schemas.microsoft.com/office/drawing/2014/main" id="{6D9918AC-1F27-495F-803B-A23D00135ABC}"/>
+                <a16:creationId xmlns:a16="http://schemas.microsoft.com/office/drawing/2014/main" xmlns="" id="{6D9918AC-1F27-495F-803B-A23D00135ABC}"/>
               </a:ext>
             </a:extLst>
           </p:cNvPr>
@@ -16244,7 +16223,7 @@
             <p:cNvPr id="7" name="Picture 6">
               <a:extLst>
                 <a:ext uri="{FF2B5EF4-FFF2-40B4-BE49-F238E27FC236}">
-                  <a16:creationId xmlns="" xmlns:a16="http://schemas.microsoft.com/office/drawing/2014/main" id="{773371F2-77B6-4913-8914-E3A68400845E}"/>
+                  <a16:creationId xmlns:a16="http://schemas.microsoft.com/office/drawing/2014/main" xmlns="" id="{773371F2-77B6-4913-8914-E3A68400845E}"/>
                 </a:ext>
               </a:extLst>
             </p:cNvPr>
@@ -16288,7 +16267,7 @@
             <p:cNvPr id="8" name="Picture 7">
               <a:extLst>
                 <a:ext uri="{FF2B5EF4-FFF2-40B4-BE49-F238E27FC236}">
-                  <a16:creationId xmlns="" xmlns:a16="http://schemas.microsoft.com/office/drawing/2014/main" id="{629FCEC3-1E87-4597-8084-D0E92253B278}"/>
+                  <a16:creationId xmlns:a16="http://schemas.microsoft.com/office/drawing/2014/main" xmlns="" id="{629FCEC3-1E87-4597-8084-D0E92253B278}"/>
                 </a:ext>
               </a:extLst>
             </p:cNvPr>
@@ -16332,7 +16311,7 @@
             <p:cNvPr id="9" name="Picture 8">
               <a:extLst>
                 <a:ext uri="{FF2B5EF4-FFF2-40B4-BE49-F238E27FC236}">
-                  <a16:creationId xmlns="" xmlns:a16="http://schemas.microsoft.com/office/drawing/2014/main" id="{433DAE75-4D3A-447B-A8A2-1A6F9837D249}"/>
+                  <a16:creationId xmlns:a16="http://schemas.microsoft.com/office/drawing/2014/main" xmlns="" id="{433DAE75-4D3A-447B-A8A2-1A6F9837D249}"/>
                 </a:ext>
               </a:extLst>
             </p:cNvPr>
@@ -16385,7 +16364,7 @@
             <p:cNvPr id="10" name="Picture 9">
               <a:extLst>
                 <a:ext uri="{FF2B5EF4-FFF2-40B4-BE49-F238E27FC236}">
-                  <a16:creationId xmlns="" xmlns:a16="http://schemas.microsoft.com/office/drawing/2014/main" id="{B822F676-1974-472B-B240-2A7812516E95}"/>
+                  <a16:creationId xmlns:a16="http://schemas.microsoft.com/office/drawing/2014/main" xmlns="" id="{B822F676-1974-472B-B240-2A7812516E95}"/>
                 </a:ext>
               </a:extLst>
             </p:cNvPr>
@@ -16469,7 +16448,7 @@
           <p:cNvPr id="5" name="Title 1">
             <a:extLst>
               <a:ext uri="{FF2B5EF4-FFF2-40B4-BE49-F238E27FC236}">
-                <a16:creationId xmlns="" xmlns:a16="http://schemas.microsoft.com/office/drawing/2014/main" id="{BEA8C975-16F5-4DFB-9A1E-C240B3FD234C}"/>
+                <a16:creationId xmlns:a16="http://schemas.microsoft.com/office/drawing/2014/main" xmlns="" id="{BEA8C975-16F5-4DFB-9A1E-C240B3FD234C}"/>
               </a:ext>
             </a:extLst>
           </p:cNvPr>
@@ -16510,7 +16489,7 @@
           <p:cNvPr id="6" name="Group 5">
             <a:extLst>
               <a:ext uri="{FF2B5EF4-FFF2-40B4-BE49-F238E27FC236}">
-                <a16:creationId xmlns="" xmlns:a16="http://schemas.microsoft.com/office/drawing/2014/main" id="{6D9918AC-1F27-495F-803B-A23D00135ABC}"/>
+                <a16:creationId xmlns:a16="http://schemas.microsoft.com/office/drawing/2014/main" xmlns="" id="{6D9918AC-1F27-495F-803B-A23D00135ABC}"/>
               </a:ext>
             </a:extLst>
           </p:cNvPr>
@@ -16530,7 +16509,7 @@
             <p:cNvPr id="7" name="Picture 6">
               <a:extLst>
                 <a:ext uri="{FF2B5EF4-FFF2-40B4-BE49-F238E27FC236}">
-                  <a16:creationId xmlns="" xmlns:a16="http://schemas.microsoft.com/office/drawing/2014/main" id="{773371F2-77B6-4913-8914-E3A68400845E}"/>
+                  <a16:creationId xmlns:a16="http://schemas.microsoft.com/office/drawing/2014/main" xmlns="" id="{773371F2-77B6-4913-8914-E3A68400845E}"/>
                 </a:ext>
               </a:extLst>
             </p:cNvPr>
@@ -16574,7 +16553,7 @@
             <p:cNvPr id="8" name="Picture 7">
               <a:extLst>
                 <a:ext uri="{FF2B5EF4-FFF2-40B4-BE49-F238E27FC236}">
-                  <a16:creationId xmlns="" xmlns:a16="http://schemas.microsoft.com/office/drawing/2014/main" id="{629FCEC3-1E87-4597-8084-D0E92253B278}"/>
+                  <a16:creationId xmlns:a16="http://schemas.microsoft.com/office/drawing/2014/main" xmlns="" id="{629FCEC3-1E87-4597-8084-D0E92253B278}"/>
                 </a:ext>
               </a:extLst>
             </p:cNvPr>
@@ -16618,7 +16597,7 @@
             <p:cNvPr id="9" name="Picture 8">
               <a:extLst>
                 <a:ext uri="{FF2B5EF4-FFF2-40B4-BE49-F238E27FC236}">
-                  <a16:creationId xmlns="" xmlns:a16="http://schemas.microsoft.com/office/drawing/2014/main" id="{433DAE75-4D3A-447B-A8A2-1A6F9837D249}"/>
+                  <a16:creationId xmlns:a16="http://schemas.microsoft.com/office/drawing/2014/main" xmlns="" id="{433DAE75-4D3A-447B-A8A2-1A6F9837D249}"/>
                 </a:ext>
               </a:extLst>
             </p:cNvPr>
@@ -16671,7 +16650,7 @@
             <p:cNvPr id="10" name="Picture 9">
               <a:extLst>
                 <a:ext uri="{FF2B5EF4-FFF2-40B4-BE49-F238E27FC236}">
-                  <a16:creationId xmlns="" xmlns:a16="http://schemas.microsoft.com/office/drawing/2014/main" id="{B822F676-1974-472B-B240-2A7812516E95}"/>
+                  <a16:creationId xmlns:a16="http://schemas.microsoft.com/office/drawing/2014/main" xmlns="" id="{B822F676-1974-472B-B240-2A7812516E95}"/>
                 </a:ext>
               </a:extLst>
             </p:cNvPr>
@@ -16725,7 +16704,7 @@
           <p:cNvPr id="3" name="Table Placeholder 2">
             <a:extLst>
               <a:ext uri="{FF2B5EF4-FFF2-40B4-BE49-F238E27FC236}">
-                <a16:creationId xmlns="" xmlns:a16="http://schemas.microsoft.com/office/drawing/2014/main" id="{231BE7ED-763F-4003-B88A-CF48044FC2D7}"/>
+                <a16:creationId xmlns:a16="http://schemas.microsoft.com/office/drawing/2014/main" xmlns="" id="{231BE7ED-763F-4003-B88A-CF48044FC2D7}"/>
               </a:ext>
             </a:extLst>
           </p:cNvPr>
@@ -16940,7 +16919,7 @@
           <p:cNvPr id="7" name="Text Placeholder 6">
             <a:extLst>
               <a:ext uri="{FF2B5EF4-FFF2-40B4-BE49-F238E27FC236}">
-                <a16:creationId xmlns="" xmlns:a16="http://schemas.microsoft.com/office/drawing/2014/main" id="{E6F0EDA4-3B69-4CD7-9631-FDA32B78A6E6}"/>
+                <a16:creationId xmlns:a16="http://schemas.microsoft.com/office/drawing/2014/main" xmlns="" id="{E6F0EDA4-3B69-4CD7-9631-FDA32B78A6E6}"/>
               </a:ext>
             </a:extLst>
           </p:cNvPr>
@@ -16993,7 +16972,7 @@
           <p:cNvPr id="9" name="Title 1">
             <a:extLst>
               <a:ext uri="{FF2B5EF4-FFF2-40B4-BE49-F238E27FC236}">
-                <a16:creationId xmlns="" xmlns:a16="http://schemas.microsoft.com/office/drawing/2014/main" id="{5B1AFCDC-4482-4BE5-8EC1-532183E82F8B}"/>
+                <a16:creationId xmlns:a16="http://schemas.microsoft.com/office/drawing/2014/main" xmlns="" id="{5B1AFCDC-4482-4BE5-8EC1-532183E82F8B}"/>
               </a:ext>
             </a:extLst>
           </p:cNvPr>
@@ -17034,7 +17013,7 @@
           <p:cNvPr id="8" name="Group 7">
             <a:extLst>
               <a:ext uri="{FF2B5EF4-FFF2-40B4-BE49-F238E27FC236}">
-                <a16:creationId xmlns="" xmlns:a16="http://schemas.microsoft.com/office/drawing/2014/main" id="{4B3E617D-293D-4BB5-8F23-78F186F4D823}"/>
+                <a16:creationId xmlns:a16="http://schemas.microsoft.com/office/drawing/2014/main" xmlns="" id="{4B3E617D-293D-4BB5-8F23-78F186F4D823}"/>
               </a:ext>
             </a:extLst>
           </p:cNvPr>
@@ -17054,7 +17033,7 @@
             <p:cNvPr id="10" name="Picture 9">
               <a:extLst>
                 <a:ext uri="{FF2B5EF4-FFF2-40B4-BE49-F238E27FC236}">
-                  <a16:creationId xmlns="" xmlns:a16="http://schemas.microsoft.com/office/drawing/2014/main" id="{FCB9AAC0-E020-4527-A4A2-1BAF10A64345}"/>
+                  <a16:creationId xmlns:a16="http://schemas.microsoft.com/office/drawing/2014/main" xmlns="" id="{FCB9AAC0-E020-4527-A4A2-1BAF10A64345}"/>
                 </a:ext>
               </a:extLst>
             </p:cNvPr>
@@ -17098,7 +17077,7 @@
             <p:cNvPr id="11" name="Picture 10">
               <a:extLst>
                 <a:ext uri="{FF2B5EF4-FFF2-40B4-BE49-F238E27FC236}">
-                  <a16:creationId xmlns="" xmlns:a16="http://schemas.microsoft.com/office/drawing/2014/main" id="{541FA1DB-BA93-4169-9FE7-EA370854285D}"/>
+                  <a16:creationId xmlns:a16="http://schemas.microsoft.com/office/drawing/2014/main" xmlns="" id="{541FA1DB-BA93-4169-9FE7-EA370854285D}"/>
                 </a:ext>
               </a:extLst>
             </p:cNvPr>
@@ -17142,7 +17121,7 @@
             <p:cNvPr id="12" name="Picture 11">
               <a:extLst>
                 <a:ext uri="{FF2B5EF4-FFF2-40B4-BE49-F238E27FC236}">
-                  <a16:creationId xmlns="" xmlns:a16="http://schemas.microsoft.com/office/drawing/2014/main" id="{35A8DC9A-DB20-4753-89A9-B584089F9544}"/>
+                  <a16:creationId xmlns:a16="http://schemas.microsoft.com/office/drawing/2014/main" xmlns="" id="{35A8DC9A-DB20-4753-89A9-B584089F9544}"/>
                 </a:ext>
               </a:extLst>
             </p:cNvPr>
@@ -17195,7 +17174,7 @@
             <p:cNvPr id="15" name="Picture 14">
               <a:extLst>
                 <a:ext uri="{FF2B5EF4-FFF2-40B4-BE49-F238E27FC236}">
-                  <a16:creationId xmlns="" xmlns:a16="http://schemas.microsoft.com/office/drawing/2014/main" id="{D8D68EC4-C3B4-44C6-89CB-D57A81F721F2}"/>
+                  <a16:creationId xmlns:a16="http://schemas.microsoft.com/office/drawing/2014/main" xmlns="" id="{D8D68EC4-C3B4-44C6-89CB-D57A81F721F2}"/>
                 </a:ext>
               </a:extLst>
             </p:cNvPr>
@@ -17279,7 +17258,7 @@
           <p:cNvPr id="5" name="Picture Placeholder 4">
             <a:extLst>
               <a:ext uri="{FF2B5EF4-FFF2-40B4-BE49-F238E27FC236}">
-                <a16:creationId xmlns="" xmlns:a16="http://schemas.microsoft.com/office/drawing/2014/main" id="{14DADB3D-04D6-4DE9-967A-09854C892503}"/>
+                <a16:creationId xmlns:a16="http://schemas.microsoft.com/office/drawing/2014/main" xmlns="" id="{14DADB3D-04D6-4DE9-967A-09854C892503}"/>
               </a:ext>
             </a:extLst>
           </p:cNvPr>
@@ -17322,7 +17301,7 @@
           <p:cNvPr id="17" name="Picture Placeholder 4">
             <a:extLst>
               <a:ext uri="{FF2B5EF4-FFF2-40B4-BE49-F238E27FC236}">
-                <a16:creationId xmlns="" xmlns:a16="http://schemas.microsoft.com/office/drawing/2014/main" id="{79D3A65E-0510-4586-92D4-CE445368A4E2}"/>
+                <a16:creationId xmlns:a16="http://schemas.microsoft.com/office/drawing/2014/main" xmlns="" id="{79D3A65E-0510-4586-92D4-CE445368A4E2}"/>
               </a:ext>
             </a:extLst>
           </p:cNvPr>
@@ -17365,7 +17344,7 @@
           <p:cNvPr id="18" name="Picture Placeholder 4">
             <a:extLst>
               <a:ext uri="{FF2B5EF4-FFF2-40B4-BE49-F238E27FC236}">
-                <a16:creationId xmlns="" xmlns:a16="http://schemas.microsoft.com/office/drawing/2014/main" id="{DEB3903A-F4AA-4A84-A3EC-0C446A3C5DC0}"/>
+                <a16:creationId xmlns:a16="http://schemas.microsoft.com/office/drawing/2014/main" xmlns="" id="{DEB3903A-F4AA-4A84-A3EC-0C446A3C5DC0}"/>
               </a:ext>
             </a:extLst>
           </p:cNvPr>
@@ -17408,7 +17387,7 @@
           <p:cNvPr id="19" name="Picture Placeholder 4">
             <a:extLst>
               <a:ext uri="{FF2B5EF4-FFF2-40B4-BE49-F238E27FC236}">
-                <a16:creationId xmlns="" xmlns:a16="http://schemas.microsoft.com/office/drawing/2014/main" id="{F4DFD873-6F2A-4978-BE3C-A4D1439D6701}"/>
+                <a16:creationId xmlns:a16="http://schemas.microsoft.com/office/drawing/2014/main" xmlns="" id="{F4DFD873-6F2A-4978-BE3C-A4D1439D6701}"/>
               </a:ext>
             </a:extLst>
           </p:cNvPr>
@@ -17451,7 +17430,7 @@
           <p:cNvPr id="20" name="Picture Placeholder 4">
             <a:extLst>
               <a:ext uri="{FF2B5EF4-FFF2-40B4-BE49-F238E27FC236}">
-                <a16:creationId xmlns="" xmlns:a16="http://schemas.microsoft.com/office/drawing/2014/main" id="{65511273-774A-4D68-9560-76F27C76386C}"/>
+                <a16:creationId xmlns:a16="http://schemas.microsoft.com/office/drawing/2014/main" xmlns="" id="{65511273-774A-4D68-9560-76F27C76386C}"/>
               </a:ext>
             </a:extLst>
           </p:cNvPr>
@@ -17494,7 +17473,7 @@
           <p:cNvPr id="21" name="Picture Placeholder 4">
             <a:extLst>
               <a:ext uri="{FF2B5EF4-FFF2-40B4-BE49-F238E27FC236}">
-                <a16:creationId xmlns="" xmlns:a16="http://schemas.microsoft.com/office/drawing/2014/main" id="{E134A539-E63C-497F-B727-1BC0344C9519}"/>
+                <a16:creationId xmlns:a16="http://schemas.microsoft.com/office/drawing/2014/main" xmlns="" id="{E134A539-E63C-497F-B727-1BC0344C9519}"/>
               </a:ext>
             </a:extLst>
           </p:cNvPr>
@@ -17537,7 +17516,7 @@
           <p:cNvPr id="7" name="Text Placeholder 6">
             <a:extLst>
               <a:ext uri="{FF2B5EF4-FFF2-40B4-BE49-F238E27FC236}">
-                <a16:creationId xmlns="" xmlns:a16="http://schemas.microsoft.com/office/drawing/2014/main" id="{E6F0EDA4-3B69-4CD7-9631-FDA32B78A6E6}"/>
+                <a16:creationId xmlns:a16="http://schemas.microsoft.com/office/drawing/2014/main" xmlns="" id="{E6F0EDA4-3B69-4CD7-9631-FDA32B78A6E6}"/>
               </a:ext>
             </a:extLst>
           </p:cNvPr>
@@ -17590,7 +17569,7 @@
           <p:cNvPr id="9" name="Title 1">
             <a:extLst>
               <a:ext uri="{FF2B5EF4-FFF2-40B4-BE49-F238E27FC236}">
-                <a16:creationId xmlns="" xmlns:a16="http://schemas.microsoft.com/office/drawing/2014/main" id="{5B1AFCDC-4482-4BE5-8EC1-532183E82F8B}"/>
+                <a16:creationId xmlns:a16="http://schemas.microsoft.com/office/drawing/2014/main" xmlns="" id="{5B1AFCDC-4482-4BE5-8EC1-532183E82F8B}"/>
               </a:ext>
             </a:extLst>
           </p:cNvPr>
@@ -17661,7 +17640,7 @@
           <p:cNvPr id="27" name="Picture Placeholder 4">
             <a:extLst>
               <a:ext uri="{FF2B5EF4-FFF2-40B4-BE49-F238E27FC236}">
-                <a16:creationId xmlns="" xmlns:a16="http://schemas.microsoft.com/office/drawing/2014/main" id="{0752DE09-0767-4B17-A1A7-CF8D88845751}"/>
+                <a16:creationId xmlns:a16="http://schemas.microsoft.com/office/drawing/2014/main" xmlns="" id="{0752DE09-0767-4B17-A1A7-CF8D88845751}"/>
               </a:ext>
             </a:extLst>
           </p:cNvPr>
@@ -17704,7 +17683,7 @@
           <p:cNvPr id="5" name="Picture Placeholder 4">
             <a:extLst>
               <a:ext uri="{FF2B5EF4-FFF2-40B4-BE49-F238E27FC236}">
-                <a16:creationId xmlns="" xmlns:a16="http://schemas.microsoft.com/office/drawing/2014/main" id="{14DADB3D-04D6-4DE9-967A-09854C892503}"/>
+                <a16:creationId xmlns:a16="http://schemas.microsoft.com/office/drawing/2014/main" xmlns="" id="{14DADB3D-04D6-4DE9-967A-09854C892503}"/>
               </a:ext>
             </a:extLst>
           </p:cNvPr>
@@ -17747,7 +17726,7 @@
           <p:cNvPr id="7" name="Text Placeholder 6">
             <a:extLst>
               <a:ext uri="{FF2B5EF4-FFF2-40B4-BE49-F238E27FC236}">
-                <a16:creationId xmlns="" xmlns:a16="http://schemas.microsoft.com/office/drawing/2014/main" id="{E6F0EDA4-3B69-4CD7-9631-FDA32B78A6E6}"/>
+                <a16:creationId xmlns:a16="http://schemas.microsoft.com/office/drawing/2014/main" xmlns="" id="{E6F0EDA4-3B69-4CD7-9631-FDA32B78A6E6}"/>
               </a:ext>
             </a:extLst>
           </p:cNvPr>
@@ -17800,7 +17779,7 @@
           <p:cNvPr id="9" name="Title 1">
             <a:extLst>
               <a:ext uri="{FF2B5EF4-FFF2-40B4-BE49-F238E27FC236}">
-                <a16:creationId xmlns="" xmlns:a16="http://schemas.microsoft.com/office/drawing/2014/main" id="{5B1AFCDC-4482-4BE5-8EC1-532183E82F8B}"/>
+                <a16:creationId xmlns:a16="http://schemas.microsoft.com/office/drawing/2014/main" xmlns="" id="{5B1AFCDC-4482-4BE5-8EC1-532183E82F8B}"/>
               </a:ext>
             </a:extLst>
           </p:cNvPr>
@@ -17841,7 +17820,7 @@
           <p:cNvPr id="25" name="Picture Placeholder 4">
             <a:extLst>
               <a:ext uri="{FF2B5EF4-FFF2-40B4-BE49-F238E27FC236}">
-                <a16:creationId xmlns="" xmlns:a16="http://schemas.microsoft.com/office/drawing/2014/main" id="{824ADE96-C5DC-4ECC-9741-2AF62E710F5C}"/>
+                <a16:creationId xmlns:a16="http://schemas.microsoft.com/office/drawing/2014/main" xmlns="" id="{824ADE96-C5DC-4ECC-9741-2AF62E710F5C}"/>
               </a:ext>
             </a:extLst>
           </p:cNvPr>
@@ -17884,7 +17863,7 @@
           <p:cNvPr id="26" name="Picture Placeholder 4">
             <a:extLst>
               <a:ext uri="{FF2B5EF4-FFF2-40B4-BE49-F238E27FC236}">
-                <a16:creationId xmlns="" xmlns:a16="http://schemas.microsoft.com/office/drawing/2014/main" id="{11F13FB7-EAFC-4F61-904A-06E92052DA76}"/>
+                <a16:creationId xmlns:a16="http://schemas.microsoft.com/office/drawing/2014/main" xmlns="" id="{11F13FB7-EAFC-4F61-904A-06E92052DA76}"/>
               </a:ext>
             </a:extLst>
           </p:cNvPr>
@@ -17927,7 +17906,7 @@
           <p:cNvPr id="28" name="Picture Placeholder 4">
             <a:extLst>
               <a:ext uri="{FF2B5EF4-FFF2-40B4-BE49-F238E27FC236}">
-                <a16:creationId xmlns="" xmlns:a16="http://schemas.microsoft.com/office/drawing/2014/main" id="{51B653CA-2181-4414-B253-FE615375FFF9}"/>
+                <a16:creationId xmlns:a16="http://schemas.microsoft.com/office/drawing/2014/main" xmlns="" id="{51B653CA-2181-4414-B253-FE615375FFF9}"/>
               </a:ext>
             </a:extLst>
           </p:cNvPr>
@@ -17970,7 +17949,7 @@
           <p:cNvPr id="29" name="Picture Placeholder 4">
             <a:extLst>
               <a:ext uri="{FF2B5EF4-FFF2-40B4-BE49-F238E27FC236}">
-                <a16:creationId xmlns="" xmlns:a16="http://schemas.microsoft.com/office/drawing/2014/main" id="{BC25F631-0AE1-487C-AC56-836223C64257}"/>
+                <a16:creationId xmlns:a16="http://schemas.microsoft.com/office/drawing/2014/main" xmlns="" id="{BC25F631-0AE1-487C-AC56-836223C64257}"/>
               </a:ext>
             </a:extLst>
           </p:cNvPr>
@@ -18013,7 +17992,7 @@
           <p:cNvPr id="30" name="Picture Placeholder 4">
             <a:extLst>
               <a:ext uri="{FF2B5EF4-FFF2-40B4-BE49-F238E27FC236}">
-                <a16:creationId xmlns="" xmlns:a16="http://schemas.microsoft.com/office/drawing/2014/main" id="{8B1BD9B3-BEAE-4572-8A9F-3553860D0A23}"/>
+                <a16:creationId xmlns:a16="http://schemas.microsoft.com/office/drawing/2014/main" xmlns="" id="{8B1BD9B3-BEAE-4572-8A9F-3553860D0A23}"/>
               </a:ext>
             </a:extLst>
           </p:cNvPr>
@@ -18056,7 +18035,7 @@
           <p:cNvPr id="31" name="Picture Placeholder 4">
             <a:extLst>
               <a:ext uri="{FF2B5EF4-FFF2-40B4-BE49-F238E27FC236}">
-                <a16:creationId xmlns="" xmlns:a16="http://schemas.microsoft.com/office/drawing/2014/main" id="{1F43FC1C-88CF-44C6-AC4E-B9BE8D368935}"/>
+                <a16:creationId xmlns:a16="http://schemas.microsoft.com/office/drawing/2014/main" xmlns="" id="{1F43FC1C-88CF-44C6-AC4E-B9BE8D368935}"/>
               </a:ext>
             </a:extLst>
           </p:cNvPr>
@@ -18099,7 +18078,7 @@
           <p:cNvPr id="32" name="Picture Placeholder 4">
             <a:extLst>
               <a:ext uri="{FF2B5EF4-FFF2-40B4-BE49-F238E27FC236}">
-                <a16:creationId xmlns="" xmlns:a16="http://schemas.microsoft.com/office/drawing/2014/main" id="{3F203F8E-CB34-4932-8439-38A8ECD9624E}"/>
+                <a16:creationId xmlns:a16="http://schemas.microsoft.com/office/drawing/2014/main" xmlns="" id="{3F203F8E-CB34-4932-8439-38A8ECD9624E}"/>
               </a:ext>
             </a:extLst>
           </p:cNvPr>
@@ -18142,7 +18121,7 @@
           <p:cNvPr id="33" name="Picture Placeholder 4">
             <a:extLst>
               <a:ext uri="{FF2B5EF4-FFF2-40B4-BE49-F238E27FC236}">
-                <a16:creationId xmlns="" xmlns:a16="http://schemas.microsoft.com/office/drawing/2014/main" id="{6DB087BA-BE51-4439-8BA7-8AF5ECD4DFA6}"/>
+                <a16:creationId xmlns:a16="http://schemas.microsoft.com/office/drawing/2014/main" xmlns="" id="{6DB087BA-BE51-4439-8BA7-8AF5ECD4DFA6}"/>
               </a:ext>
             </a:extLst>
           </p:cNvPr>
@@ -18215,7 +18194,7 @@
           <p:cNvPr id="29" name="Picture Placeholder 4">
             <a:extLst>
               <a:ext uri="{FF2B5EF4-FFF2-40B4-BE49-F238E27FC236}">
-                <a16:creationId xmlns="" xmlns:a16="http://schemas.microsoft.com/office/drawing/2014/main" id="{BC25F631-0AE1-487C-AC56-836223C64257}"/>
+                <a16:creationId xmlns:a16="http://schemas.microsoft.com/office/drawing/2014/main" xmlns="" id="{BC25F631-0AE1-487C-AC56-836223C64257}"/>
               </a:ext>
             </a:extLst>
           </p:cNvPr>
@@ -18258,7 +18237,7 @@
           <p:cNvPr id="5" name="Picture Placeholder 4">
             <a:extLst>
               <a:ext uri="{FF2B5EF4-FFF2-40B4-BE49-F238E27FC236}">
-                <a16:creationId xmlns="" xmlns:a16="http://schemas.microsoft.com/office/drawing/2014/main" id="{14DADB3D-04D6-4DE9-967A-09854C892503}"/>
+                <a16:creationId xmlns:a16="http://schemas.microsoft.com/office/drawing/2014/main" xmlns="" id="{14DADB3D-04D6-4DE9-967A-09854C892503}"/>
               </a:ext>
             </a:extLst>
           </p:cNvPr>
@@ -18301,7 +18280,7 @@
           <p:cNvPr id="7" name="Text Placeholder 6">
             <a:extLst>
               <a:ext uri="{FF2B5EF4-FFF2-40B4-BE49-F238E27FC236}">
-                <a16:creationId xmlns="" xmlns:a16="http://schemas.microsoft.com/office/drawing/2014/main" id="{E6F0EDA4-3B69-4CD7-9631-FDA32B78A6E6}"/>
+                <a16:creationId xmlns:a16="http://schemas.microsoft.com/office/drawing/2014/main" xmlns="" id="{E6F0EDA4-3B69-4CD7-9631-FDA32B78A6E6}"/>
               </a:ext>
             </a:extLst>
           </p:cNvPr>
@@ -18354,7 +18333,7 @@
           <p:cNvPr id="9" name="Title 1">
             <a:extLst>
               <a:ext uri="{FF2B5EF4-FFF2-40B4-BE49-F238E27FC236}">
-                <a16:creationId xmlns="" xmlns:a16="http://schemas.microsoft.com/office/drawing/2014/main" id="{5B1AFCDC-4482-4BE5-8EC1-532183E82F8B}"/>
+                <a16:creationId xmlns:a16="http://schemas.microsoft.com/office/drawing/2014/main" xmlns="" id="{5B1AFCDC-4482-4BE5-8EC1-532183E82F8B}"/>
               </a:ext>
             </a:extLst>
           </p:cNvPr>
@@ -18395,7 +18374,7 @@
           <p:cNvPr id="25" name="Picture Placeholder 4">
             <a:extLst>
               <a:ext uri="{FF2B5EF4-FFF2-40B4-BE49-F238E27FC236}">
-                <a16:creationId xmlns="" xmlns:a16="http://schemas.microsoft.com/office/drawing/2014/main" id="{824ADE96-C5DC-4ECC-9741-2AF62E710F5C}"/>
+                <a16:creationId xmlns:a16="http://schemas.microsoft.com/office/drawing/2014/main" xmlns="" id="{824ADE96-C5DC-4ECC-9741-2AF62E710F5C}"/>
               </a:ext>
             </a:extLst>
           </p:cNvPr>
@@ -18438,7 +18417,7 @@
           <p:cNvPr id="26" name="Picture Placeholder 4">
             <a:extLst>
               <a:ext uri="{FF2B5EF4-FFF2-40B4-BE49-F238E27FC236}">
-                <a16:creationId xmlns="" xmlns:a16="http://schemas.microsoft.com/office/drawing/2014/main" id="{11F13FB7-EAFC-4F61-904A-06E92052DA76}"/>
+                <a16:creationId xmlns:a16="http://schemas.microsoft.com/office/drawing/2014/main" xmlns="" id="{11F13FB7-EAFC-4F61-904A-06E92052DA76}"/>
               </a:ext>
             </a:extLst>
           </p:cNvPr>
@@ -18481,7 +18460,7 @@
           <p:cNvPr id="28" name="Picture Placeholder 4">
             <a:extLst>
               <a:ext uri="{FF2B5EF4-FFF2-40B4-BE49-F238E27FC236}">
-                <a16:creationId xmlns="" xmlns:a16="http://schemas.microsoft.com/office/drawing/2014/main" id="{51B653CA-2181-4414-B253-FE615375FFF9}"/>
+                <a16:creationId xmlns:a16="http://schemas.microsoft.com/office/drawing/2014/main" xmlns="" id="{51B653CA-2181-4414-B253-FE615375FFF9}"/>
               </a:ext>
             </a:extLst>
           </p:cNvPr>
@@ -18524,7 +18503,7 @@
           <p:cNvPr id="31" name="Picture Placeholder 4">
             <a:extLst>
               <a:ext uri="{FF2B5EF4-FFF2-40B4-BE49-F238E27FC236}">
-                <a16:creationId xmlns="" xmlns:a16="http://schemas.microsoft.com/office/drawing/2014/main" id="{1F43FC1C-88CF-44C6-AC4E-B9BE8D368935}"/>
+                <a16:creationId xmlns:a16="http://schemas.microsoft.com/office/drawing/2014/main" xmlns="" id="{1F43FC1C-88CF-44C6-AC4E-B9BE8D368935}"/>
               </a:ext>
             </a:extLst>
           </p:cNvPr>
@@ -18567,7 +18546,7 @@
           <p:cNvPr id="33" name="Picture Placeholder 4">
             <a:extLst>
               <a:ext uri="{FF2B5EF4-FFF2-40B4-BE49-F238E27FC236}">
-                <a16:creationId xmlns="" xmlns:a16="http://schemas.microsoft.com/office/drawing/2014/main" id="{6DB087BA-BE51-4439-8BA7-8AF5ECD4DFA6}"/>
+                <a16:creationId xmlns:a16="http://schemas.microsoft.com/office/drawing/2014/main" xmlns="" id="{6DB087BA-BE51-4439-8BA7-8AF5ECD4DFA6}"/>
               </a:ext>
             </a:extLst>
           </p:cNvPr>
@@ -18734,7 +18713,7 @@
           <p:cNvPr id="2" name="Group 1">
             <a:extLst>
               <a:ext uri="{FF2B5EF4-FFF2-40B4-BE49-F238E27FC236}">
-                <a16:creationId xmlns="" xmlns:a16="http://schemas.microsoft.com/office/drawing/2014/main" id="{874D17E6-917E-4CEC-950D-286565587A89}"/>
+                <a16:creationId xmlns:a16="http://schemas.microsoft.com/office/drawing/2014/main" xmlns="" id="{874D17E6-917E-4CEC-950D-286565587A89}"/>
               </a:ext>
             </a:extLst>
           </p:cNvPr>
@@ -18754,7 +18733,7 @@
             <p:cNvPr id="10" name="Straight Connector 9">
               <a:extLst>
                 <a:ext uri="{FF2B5EF4-FFF2-40B4-BE49-F238E27FC236}">
-                  <a16:creationId xmlns="" xmlns:a16="http://schemas.microsoft.com/office/drawing/2014/main" id="{9140F6FE-87BA-43C0-ABEF-21A3AEC23039}"/>
+                  <a16:creationId xmlns:a16="http://schemas.microsoft.com/office/drawing/2014/main" xmlns="" id="{9140F6FE-87BA-43C0-ABEF-21A3AEC23039}"/>
                 </a:ext>
               </a:extLst>
             </p:cNvPr>
@@ -18797,7 +18776,7 @@
             <p:cNvPr id="12" name="Picture 11">
               <a:extLst>
                 <a:ext uri="{FF2B5EF4-FFF2-40B4-BE49-F238E27FC236}">
-                  <a16:creationId xmlns="" xmlns:a16="http://schemas.microsoft.com/office/drawing/2014/main" id="{F7B41BA2-520F-4160-9574-35B160DDFDCB}"/>
+                  <a16:creationId xmlns:a16="http://schemas.microsoft.com/office/drawing/2014/main" xmlns="" id="{F7B41BA2-520F-4160-9574-35B160DDFDCB}"/>
                 </a:ext>
               </a:extLst>
             </p:cNvPr>
@@ -18834,7 +18813,7 @@
             <p:cNvPr id="13" name="Group 12">
               <a:extLst>
                 <a:ext uri="{FF2B5EF4-FFF2-40B4-BE49-F238E27FC236}">
-                  <a16:creationId xmlns="" xmlns:a16="http://schemas.microsoft.com/office/drawing/2014/main" id="{5754AE95-74E7-475C-9849-33EBD44DDC4B}"/>
+                  <a16:creationId xmlns:a16="http://schemas.microsoft.com/office/drawing/2014/main" xmlns="" id="{5754AE95-74E7-475C-9849-33EBD44DDC4B}"/>
                 </a:ext>
               </a:extLst>
             </p:cNvPr>
@@ -18854,7 +18833,7 @@
               <p:cNvPr id="14" name="Picture 13">
                 <a:extLst>
                   <a:ext uri="{FF2B5EF4-FFF2-40B4-BE49-F238E27FC236}">
-                    <a16:creationId xmlns="" xmlns:a16="http://schemas.microsoft.com/office/drawing/2014/main" id="{36450F7E-8E5F-4A06-934E-44928F9E159D}"/>
+                    <a16:creationId xmlns:a16="http://schemas.microsoft.com/office/drawing/2014/main" xmlns="" id="{36450F7E-8E5F-4A06-934E-44928F9E159D}"/>
                   </a:ext>
                 </a:extLst>
               </p:cNvPr>
@@ -18891,7 +18870,7 @@
               <p:cNvPr id="16" name="Picture 15">
                 <a:extLst>
                   <a:ext uri="{FF2B5EF4-FFF2-40B4-BE49-F238E27FC236}">
-                    <a16:creationId xmlns="" xmlns:a16="http://schemas.microsoft.com/office/drawing/2014/main" id="{93E9C61E-EECF-453F-A9A1-10AEDED67173}"/>
+                    <a16:creationId xmlns:a16="http://schemas.microsoft.com/office/drawing/2014/main" xmlns="" id="{93E9C61E-EECF-453F-A9A1-10AEDED67173}"/>
                   </a:ext>
                 </a:extLst>
               </p:cNvPr>
@@ -18928,7 +18907,7 @@
               <p:cNvPr id="17" name="Picture 16">
                 <a:extLst>
                   <a:ext uri="{FF2B5EF4-FFF2-40B4-BE49-F238E27FC236}">
-                    <a16:creationId xmlns="" xmlns:a16="http://schemas.microsoft.com/office/drawing/2014/main" id="{E806F4E7-08A6-4FB1-B047-255D9CA3363B}"/>
+                    <a16:creationId xmlns:a16="http://schemas.microsoft.com/office/drawing/2014/main" xmlns="" id="{E806F4E7-08A6-4FB1-B047-255D9CA3363B}"/>
                   </a:ext>
                 </a:extLst>
               </p:cNvPr>
@@ -18965,7 +18944,7 @@
               <p:cNvPr id="18" name="Picture 17">
                 <a:extLst>
                   <a:ext uri="{FF2B5EF4-FFF2-40B4-BE49-F238E27FC236}">
-                    <a16:creationId xmlns="" xmlns:a16="http://schemas.microsoft.com/office/drawing/2014/main" id="{7084AF1D-2556-4F4F-AAF7-4043D927C9AF}"/>
+                    <a16:creationId xmlns:a16="http://schemas.microsoft.com/office/drawing/2014/main" xmlns="" id="{7084AF1D-2556-4F4F-AAF7-4043D927C9AF}"/>
                   </a:ext>
                 </a:extLst>
               </p:cNvPr>
@@ -19002,7 +18981,7 @@
               <p:cNvPr id="19" name="Picture 18">
                 <a:extLst>
                   <a:ext uri="{FF2B5EF4-FFF2-40B4-BE49-F238E27FC236}">
-                    <a16:creationId xmlns="" xmlns:a16="http://schemas.microsoft.com/office/drawing/2014/main" id="{84204CB6-6B6E-4330-A9DB-B191FEF9793F}"/>
+                    <a16:creationId xmlns:a16="http://schemas.microsoft.com/office/drawing/2014/main" xmlns="" id="{84204CB6-6B6E-4330-A9DB-B191FEF9793F}"/>
                   </a:ext>
                 </a:extLst>
               </p:cNvPr>
@@ -19039,7 +19018,7 @@
               <p:cNvPr id="20" name="Picture 19">
                 <a:extLst>
                   <a:ext uri="{FF2B5EF4-FFF2-40B4-BE49-F238E27FC236}">
-                    <a16:creationId xmlns="" xmlns:a16="http://schemas.microsoft.com/office/drawing/2014/main" id="{674B8B85-BBB3-437A-8456-CD5EDB81837E}"/>
+                    <a16:creationId xmlns:a16="http://schemas.microsoft.com/office/drawing/2014/main" xmlns="" id="{674B8B85-BBB3-437A-8456-CD5EDB81837E}"/>
                   </a:ext>
                 </a:extLst>
               </p:cNvPr>
@@ -19108,7 +19087,7 @@
           <p:cNvPr id="5" name="Picture Placeholder 4">
             <a:extLst>
               <a:ext uri="{FF2B5EF4-FFF2-40B4-BE49-F238E27FC236}">
-                <a16:creationId xmlns="" xmlns:a16="http://schemas.microsoft.com/office/drawing/2014/main" id="{14DADB3D-04D6-4DE9-967A-09854C892503}"/>
+                <a16:creationId xmlns:a16="http://schemas.microsoft.com/office/drawing/2014/main" xmlns="" id="{14DADB3D-04D6-4DE9-967A-09854C892503}"/>
               </a:ext>
             </a:extLst>
           </p:cNvPr>
@@ -19151,7 +19130,7 @@
           <p:cNvPr id="7" name="Text Placeholder 6">
             <a:extLst>
               <a:ext uri="{FF2B5EF4-FFF2-40B4-BE49-F238E27FC236}">
-                <a16:creationId xmlns="" xmlns:a16="http://schemas.microsoft.com/office/drawing/2014/main" id="{E6F0EDA4-3B69-4CD7-9631-FDA32B78A6E6}"/>
+                <a16:creationId xmlns:a16="http://schemas.microsoft.com/office/drawing/2014/main" xmlns="" id="{E6F0EDA4-3B69-4CD7-9631-FDA32B78A6E6}"/>
               </a:ext>
             </a:extLst>
           </p:cNvPr>
@@ -19204,7 +19183,7 @@
           <p:cNvPr id="9" name="Title 1">
             <a:extLst>
               <a:ext uri="{FF2B5EF4-FFF2-40B4-BE49-F238E27FC236}">
-                <a16:creationId xmlns="" xmlns:a16="http://schemas.microsoft.com/office/drawing/2014/main" id="{5B1AFCDC-4482-4BE5-8EC1-532183E82F8B}"/>
+                <a16:creationId xmlns:a16="http://schemas.microsoft.com/office/drawing/2014/main" xmlns="" id="{5B1AFCDC-4482-4BE5-8EC1-532183E82F8B}"/>
               </a:ext>
             </a:extLst>
           </p:cNvPr>
@@ -19245,7 +19224,7 @@
           <p:cNvPr id="26" name="Picture Placeholder 4">
             <a:extLst>
               <a:ext uri="{FF2B5EF4-FFF2-40B4-BE49-F238E27FC236}">
-                <a16:creationId xmlns="" xmlns:a16="http://schemas.microsoft.com/office/drawing/2014/main" id="{11F13FB7-EAFC-4F61-904A-06E92052DA76}"/>
+                <a16:creationId xmlns:a16="http://schemas.microsoft.com/office/drawing/2014/main" xmlns="" id="{11F13FB7-EAFC-4F61-904A-06E92052DA76}"/>
               </a:ext>
             </a:extLst>
           </p:cNvPr>
@@ -19288,7 +19267,7 @@
           <p:cNvPr id="28" name="Picture Placeholder 4">
             <a:extLst>
               <a:ext uri="{FF2B5EF4-FFF2-40B4-BE49-F238E27FC236}">
-                <a16:creationId xmlns="" xmlns:a16="http://schemas.microsoft.com/office/drawing/2014/main" id="{51B653CA-2181-4414-B253-FE615375FFF9}"/>
+                <a16:creationId xmlns:a16="http://schemas.microsoft.com/office/drawing/2014/main" xmlns="" id="{51B653CA-2181-4414-B253-FE615375FFF9}"/>
               </a:ext>
             </a:extLst>
           </p:cNvPr>
@@ -19331,7 +19310,7 @@
           <p:cNvPr id="30" name="Picture Placeholder 4">
             <a:extLst>
               <a:ext uri="{FF2B5EF4-FFF2-40B4-BE49-F238E27FC236}">
-                <a16:creationId xmlns="" xmlns:a16="http://schemas.microsoft.com/office/drawing/2014/main" id="{8B1BD9B3-BEAE-4572-8A9F-3553860D0A23}"/>
+                <a16:creationId xmlns:a16="http://schemas.microsoft.com/office/drawing/2014/main" xmlns="" id="{8B1BD9B3-BEAE-4572-8A9F-3553860D0A23}"/>
               </a:ext>
             </a:extLst>
           </p:cNvPr>
@@ -19374,7 +19353,7 @@
           <p:cNvPr id="32" name="Picture Placeholder 4">
             <a:extLst>
               <a:ext uri="{FF2B5EF4-FFF2-40B4-BE49-F238E27FC236}">
-                <a16:creationId xmlns="" xmlns:a16="http://schemas.microsoft.com/office/drawing/2014/main" id="{3F203F8E-CB34-4932-8439-38A8ECD9624E}"/>
+                <a16:creationId xmlns:a16="http://schemas.microsoft.com/office/drawing/2014/main" xmlns="" id="{3F203F8E-CB34-4932-8439-38A8ECD9624E}"/>
               </a:ext>
             </a:extLst>
           </p:cNvPr>
@@ -19417,7 +19396,7 @@
           <p:cNvPr id="3" name="Straight Connector 2">
             <a:extLst>
               <a:ext uri="{FF2B5EF4-FFF2-40B4-BE49-F238E27FC236}">
-                <a16:creationId xmlns="" xmlns:a16="http://schemas.microsoft.com/office/drawing/2014/main" id="{8C0A27AC-3DDA-4888-B685-8E687DB5FECB}"/>
+                <a16:creationId xmlns:a16="http://schemas.microsoft.com/office/drawing/2014/main" xmlns="" id="{8C0A27AC-3DDA-4888-B685-8E687DB5FECB}"/>
               </a:ext>
             </a:extLst>
           </p:cNvPr>
@@ -19458,7 +19437,7 @@
           <p:cNvPr id="6" name="Text Placeholder 5">
             <a:extLst>
               <a:ext uri="{FF2B5EF4-FFF2-40B4-BE49-F238E27FC236}">
-                <a16:creationId xmlns="" xmlns:a16="http://schemas.microsoft.com/office/drawing/2014/main" id="{AF3EC476-4507-4A10-BEF8-B7935B7A2393}"/>
+                <a16:creationId xmlns:a16="http://schemas.microsoft.com/office/drawing/2014/main" xmlns="" id="{AF3EC476-4507-4A10-BEF8-B7935B7A2393}"/>
               </a:ext>
             </a:extLst>
           </p:cNvPr>
@@ -19509,7 +19488,7 @@
           <p:cNvPr id="18" name="Text Placeholder 5">
             <a:extLst>
               <a:ext uri="{FF2B5EF4-FFF2-40B4-BE49-F238E27FC236}">
-                <a16:creationId xmlns="" xmlns:a16="http://schemas.microsoft.com/office/drawing/2014/main" id="{31E5ACED-7CDB-4347-A64C-D00D31F0A23D}"/>
+                <a16:creationId xmlns:a16="http://schemas.microsoft.com/office/drawing/2014/main" xmlns="" id="{31E5ACED-7CDB-4347-A64C-D00D31F0A23D}"/>
               </a:ext>
             </a:extLst>
           </p:cNvPr>
@@ -19560,7 +19539,7 @@
           <p:cNvPr id="19" name="Straight Connector 18">
             <a:extLst>
               <a:ext uri="{FF2B5EF4-FFF2-40B4-BE49-F238E27FC236}">
-                <a16:creationId xmlns="" xmlns:a16="http://schemas.microsoft.com/office/drawing/2014/main" id="{FFAF44B1-7854-4367-ACF5-6BFB046DCA0F}"/>
+                <a16:creationId xmlns:a16="http://schemas.microsoft.com/office/drawing/2014/main" xmlns="" id="{FFAF44B1-7854-4367-ACF5-6BFB046DCA0F}"/>
               </a:ext>
             </a:extLst>
           </p:cNvPr>
@@ -19601,7 +19580,7 @@
           <p:cNvPr id="20" name="Text Placeholder 5">
             <a:extLst>
               <a:ext uri="{FF2B5EF4-FFF2-40B4-BE49-F238E27FC236}">
-                <a16:creationId xmlns="" xmlns:a16="http://schemas.microsoft.com/office/drawing/2014/main" id="{2402A0DD-49E3-43AA-BA12-2C702DE21847}"/>
+                <a16:creationId xmlns:a16="http://schemas.microsoft.com/office/drawing/2014/main" xmlns="" id="{2402A0DD-49E3-43AA-BA12-2C702DE21847}"/>
               </a:ext>
             </a:extLst>
           </p:cNvPr>
@@ -19652,7 +19631,7 @@
           <p:cNvPr id="21" name="Text Placeholder 5">
             <a:extLst>
               <a:ext uri="{FF2B5EF4-FFF2-40B4-BE49-F238E27FC236}">
-                <a16:creationId xmlns="" xmlns:a16="http://schemas.microsoft.com/office/drawing/2014/main" id="{1A8791D8-F9F9-445E-BC06-89C252BF3DD8}"/>
+                <a16:creationId xmlns:a16="http://schemas.microsoft.com/office/drawing/2014/main" xmlns="" id="{1A8791D8-F9F9-445E-BC06-89C252BF3DD8}"/>
               </a:ext>
             </a:extLst>
           </p:cNvPr>
@@ -19703,7 +19682,7 @@
           <p:cNvPr id="22" name="Straight Connector 21">
             <a:extLst>
               <a:ext uri="{FF2B5EF4-FFF2-40B4-BE49-F238E27FC236}">
-                <a16:creationId xmlns="" xmlns:a16="http://schemas.microsoft.com/office/drawing/2014/main" id="{6381A253-73F7-47FC-957F-BCCE9FF6CFB2}"/>
+                <a16:creationId xmlns:a16="http://schemas.microsoft.com/office/drawing/2014/main" xmlns="" id="{6381A253-73F7-47FC-957F-BCCE9FF6CFB2}"/>
               </a:ext>
             </a:extLst>
           </p:cNvPr>
@@ -19744,7 +19723,7 @@
           <p:cNvPr id="23" name="Text Placeholder 5">
             <a:extLst>
               <a:ext uri="{FF2B5EF4-FFF2-40B4-BE49-F238E27FC236}">
-                <a16:creationId xmlns="" xmlns:a16="http://schemas.microsoft.com/office/drawing/2014/main" id="{CAF77ACC-4F86-4A40-BD14-CA2346F9BF3B}"/>
+                <a16:creationId xmlns:a16="http://schemas.microsoft.com/office/drawing/2014/main" xmlns="" id="{CAF77ACC-4F86-4A40-BD14-CA2346F9BF3B}"/>
               </a:ext>
             </a:extLst>
           </p:cNvPr>
@@ -19795,7 +19774,7 @@
           <p:cNvPr id="24" name="Text Placeholder 5">
             <a:extLst>
               <a:ext uri="{FF2B5EF4-FFF2-40B4-BE49-F238E27FC236}">
-                <a16:creationId xmlns="" xmlns:a16="http://schemas.microsoft.com/office/drawing/2014/main" id="{CCE2DE24-06E3-4EEC-87DC-E6510B5CAB66}"/>
+                <a16:creationId xmlns:a16="http://schemas.microsoft.com/office/drawing/2014/main" xmlns="" id="{CCE2DE24-06E3-4EEC-87DC-E6510B5CAB66}"/>
               </a:ext>
             </a:extLst>
           </p:cNvPr>
@@ -19846,7 +19825,7 @@
           <p:cNvPr id="34" name="Straight Connector 33">
             <a:extLst>
               <a:ext uri="{FF2B5EF4-FFF2-40B4-BE49-F238E27FC236}">
-                <a16:creationId xmlns="" xmlns:a16="http://schemas.microsoft.com/office/drawing/2014/main" id="{D5F52AC8-6688-4F1C-92A4-B981297CADA6}"/>
+                <a16:creationId xmlns:a16="http://schemas.microsoft.com/office/drawing/2014/main" xmlns="" id="{D5F52AC8-6688-4F1C-92A4-B981297CADA6}"/>
               </a:ext>
             </a:extLst>
           </p:cNvPr>
@@ -19887,7 +19866,7 @@
           <p:cNvPr id="35" name="Text Placeholder 5">
             <a:extLst>
               <a:ext uri="{FF2B5EF4-FFF2-40B4-BE49-F238E27FC236}">
-                <a16:creationId xmlns="" xmlns:a16="http://schemas.microsoft.com/office/drawing/2014/main" id="{49DF3A04-911F-44D9-8583-4DDB84A348AB}"/>
+                <a16:creationId xmlns:a16="http://schemas.microsoft.com/office/drawing/2014/main" xmlns="" id="{49DF3A04-911F-44D9-8583-4DDB84A348AB}"/>
               </a:ext>
             </a:extLst>
           </p:cNvPr>
@@ -19938,7 +19917,7 @@
           <p:cNvPr id="36" name="Text Placeholder 5">
             <a:extLst>
               <a:ext uri="{FF2B5EF4-FFF2-40B4-BE49-F238E27FC236}">
-                <a16:creationId xmlns="" xmlns:a16="http://schemas.microsoft.com/office/drawing/2014/main" id="{AD0F42BD-98A6-48A2-BF58-4675FDE5646D}"/>
+                <a16:creationId xmlns:a16="http://schemas.microsoft.com/office/drawing/2014/main" xmlns="" id="{AD0F42BD-98A6-48A2-BF58-4675FDE5646D}"/>
               </a:ext>
             </a:extLst>
           </p:cNvPr>
@@ -19989,7 +19968,7 @@
           <p:cNvPr id="37" name="Straight Connector 36">
             <a:extLst>
               <a:ext uri="{FF2B5EF4-FFF2-40B4-BE49-F238E27FC236}">
-                <a16:creationId xmlns="" xmlns:a16="http://schemas.microsoft.com/office/drawing/2014/main" id="{BAFFCC89-3FBF-49BE-86A1-6E4A0422671E}"/>
+                <a16:creationId xmlns:a16="http://schemas.microsoft.com/office/drawing/2014/main" xmlns="" id="{BAFFCC89-3FBF-49BE-86A1-6E4A0422671E}"/>
               </a:ext>
             </a:extLst>
           </p:cNvPr>
@@ -20030,7 +20009,7 @@
           <p:cNvPr id="38" name="Text Placeholder 5">
             <a:extLst>
               <a:ext uri="{FF2B5EF4-FFF2-40B4-BE49-F238E27FC236}">
-                <a16:creationId xmlns="" xmlns:a16="http://schemas.microsoft.com/office/drawing/2014/main" id="{3263C633-7B80-4D78-97B9-D0FBC45FFAB6}"/>
+                <a16:creationId xmlns:a16="http://schemas.microsoft.com/office/drawing/2014/main" xmlns="" id="{3263C633-7B80-4D78-97B9-D0FBC45FFAB6}"/>
               </a:ext>
             </a:extLst>
           </p:cNvPr>
@@ -20081,7 +20060,7 @@
           <p:cNvPr id="39" name="Text Placeholder 5">
             <a:extLst>
               <a:ext uri="{FF2B5EF4-FFF2-40B4-BE49-F238E27FC236}">
-                <a16:creationId xmlns="" xmlns:a16="http://schemas.microsoft.com/office/drawing/2014/main" id="{3991F402-9E5A-4E57-B18E-DDB6027C16E2}"/>
+                <a16:creationId xmlns:a16="http://schemas.microsoft.com/office/drawing/2014/main" xmlns="" id="{3991F402-9E5A-4E57-B18E-DDB6027C16E2}"/>
               </a:ext>
             </a:extLst>
           </p:cNvPr>
@@ -20275,7 +20254,7 @@
           <p:cNvPr id="7" name="Text Placeholder 6">
             <a:extLst>
               <a:ext uri="{FF2B5EF4-FFF2-40B4-BE49-F238E27FC236}">
-                <a16:creationId xmlns="" xmlns:a16="http://schemas.microsoft.com/office/drawing/2014/main" id="{EF3DC44F-A27C-44C5-B1EB-1C401464D90B}"/>
+                <a16:creationId xmlns:a16="http://schemas.microsoft.com/office/drawing/2014/main" xmlns="" id="{EF3DC44F-A27C-44C5-B1EB-1C401464D90B}"/>
               </a:ext>
             </a:extLst>
           </p:cNvPr>
@@ -20328,7 +20307,7 @@
           <p:cNvPr id="8" name="Title 1">
             <a:extLst>
               <a:ext uri="{FF2B5EF4-FFF2-40B4-BE49-F238E27FC236}">
-                <a16:creationId xmlns="" xmlns:a16="http://schemas.microsoft.com/office/drawing/2014/main" id="{0511C997-15AC-4410-B8D7-064B6019F802}"/>
+                <a16:creationId xmlns:a16="http://schemas.microsoft.com/office/drawing/2014/main" xmlns="" id="{0511C997-15AC-4410-B8D7-064B6019F802}"/>
               </a:ext>
             </a:extLst>
           </p:cNvPr>
@@ -20369,7 +20348,7 @@
           <p:cNvPr id="12" name="TextBox 11">
             <a:extLst>
               <a:ext uri="{FF2B5EF4-FFF2-40B4-BE49-F238E27FC236}">
-                <a16:creationId xmlns="" xmlns:a16="http://schemas.microsoft.com/office/drawing/2014/main" id="{A1F0C5EA-05ED-4515-B665-500CCFF83108}"/>
+                <a16:creationId xmlns:a16="http://schemas.microsoft.com/office/drawing/2014/main" xmlns="" id="{A1F0C5EA-05ED-4515-B665-500CCFF83108}"/>
               </a:ext>
             </a:extLst>
           </p:cNvPr>
@@ -20419,7 +20398,7 @@
           <p:cNvPr id="10" name="Picture 9">
             <a:extLst>
               <a:ext uri="{FF2B5EF4-FFF2-40B4-BE49-F238E27FC236}">
-                <a16:creationId xmlns="" xmlns:a16="http://schemas.microsoft.com/office/drawing/2014/main" id="{B5E81BBD-FD6B-4688-AE48-C55880EC263F}"/>
+                <a16:creationId xmlns:a16="http://schemas.microsoft.com/office/drawing/2014/main" xmlns="" id="{B5E81BBD-FD6B-4688-AE48-C55880EC263F}"/>
               </a:ext>
             </a:extLst>
           </p:cNvPr>
@@ -20598,7 +20577,7 @@
           <p:cNvPr id="8" name="Picture 7">
             <a:extLst>
               <a:ext uri="{FF2B5EF4-FFF2-40B4-BE49-F238E27FC236}">
-                <a16:creationId xmlns="" xmlns:a16="http://schemas.microsoft.com/office/drawing/2014/main" id="{49B19D3B-144A-42B7-88D7-5542C0FB8BDB}"/>
+                <a16:creationId xmlns:a16="http://schemas.microsoft.com/office/drawing/2014/main" xmlns="" id="{49B19D3B-144A-42B7-88D7-5542C0FB8BDB}"/>
               </a:ext>
             </a:extLst>
           </p:cNvPr>
@@ -20634,7 +20613,7 @@
           <p:cNvPr id="11" name="Text Placeholder 6">
             <a:extLst>
               <a:ext uri="{FF2B5EF4-FFF2-40B4-BE49-F238E27FC236}">
-                <a16:creationId xmlns="" xmlns:a16="http://schemas.microsoft.com/office/drawing/2014/main" id="{6246855B-B75B-4CFF-9A80-2B7EA423800D}"/>
+                <a16:creationId xmlns:a16="http://schemas.microsoft.com/office/drawing/2014/main" xmlns="" id="{6246855B-B75B-4CFF-9A80-2B7EA423800D}"/>
               </a:ext>
             </a:extLst>
           </p:cNvPr>
@@ -20687,7 +20666,7 @@
           <p:cNvPr id="12" name="Title 1">
             <a:extLst>
               <a:ext uri="{FF2B5EF4-FFF2-40B4-BE49-F238E27FC236}">
-                <a16:creationId xmlns="" xmlns:a16="http://schemas.microsoft.com/office/drawing/2014/main" id="{0E297013-4D40-4178-9800-AE717779CA1A}"/>
+                <a16:creationId xmlns:a16="http://schemas.microsoft.com/office/drawing/2014/main" xmlns="" id="{0E297013-4D40-4178-9800-AE717779CA1A}"/>
               </a:ext>
             </a:extLst>
           </p:cNvPr>
@@ -20728,7 +20707,7 @@
           <p:cNvPr id="7" name="Group 6">
             <a:extLst>
               <a:ext uri="{FF2B5EF4-FFF2-40B4-BE49-F238E27FC236}">
-                <a16:creationId xmlns="" xmlns:a16="http://schemas.microsoft.com/office/drawing/2014/main" id="{4B3E617D-293D-4BB5-8F23-78F186F4D823}"/>
+                <a16:creationId xmlns:a16="http://schemas.microsoft.com/office/drawing/2014/main" xmlns="" id="{4B3E617D-293D-4BB5-8F23-78F186F4D823}"/>
               </a:ext>
             </a:extLst>
           </p:cNvPr>
@@ -20748,7 +20727,7 @@
             <p:cNvPr id="10" name="Picture 9">
               <a:extLst>
                 <a:ext uri="{FF2B5EF4-FFF2-40B4-BE49-F238E27FC236}">
-                  <a16:creationId xmlns="" xmlns:a16="http://schemas.microsoft.com/office/drawing/2014/main" id="{FCB9AAC0-E020-4527-A4A2-1BAF10A64345}"/>
+                  <a16:creationId xmlns:a16="http://schemas.microsoft.com/office/drawing/2014/main" xmlns="" id="{FCB9AAC0-E020-4527-A4A2-1BAF10A64345}"/>
                 </a:ext>
               </a:extLst>
             </p:cNvPr>
@@ -20792,7 +20771,7 @@
             <p:cNvPr id="13" name="Picture 12">
               <a:extLst>
                 <a:ext uri="{FF2B5EF4-FFF2-40B4-BE49-F238E27FC236}">
-                  <a16:creationId xmlns="" xmlns:a16="http://schemas.microsoft.com/office/drawing/2014/main" id="{541FA1DB-BA93-4169-9FE7-EA370854285D}"/>
+                  <a16:creationId xmlns:a16="http://schemas.microsoft.com/office/drawing/2014/main" xmlns="" id="{541FA1DB-BA93-4169-9FE7-EA370854285D}"/>
                 </a:ext>
               </a:extLst>
             </p:cNvPr>
@@ -20836,7 +20815,7 @@
             <p:cNvPr id="14" name="Picture 13">
               <a:extLst>
                 <a:ext uri="{FF2B5EF4-FFF2-40B4-BE49-F238E27FC236}">
-                  <a16:creationId xmlns="" xmlns:a16="http://schemas.microsoft.com/office/drawing/2014/main" id="{35A8DC9A-DB20-4753-89A9-B584089F9544}"/>
+                  <a16:creationId xmlns:a16="http://schemas.microsoft.com/office/drawing/2014/main" xmlns="" id="{35A8DC9A-DB20-4753-89A9-B584089F9544}"/>
                 </a:ext>
               </a:extLst>
             </p:cNvPr>
@@ -20889,7 +20868,7 @@
             <p:cNvPr id="15" name="Picture 14">
               <a:extLst>
                 <a:ext uri="{FF2B5EF4-FFF2-40B4-BE49-F238E27FC236}">
-                  <a16:creationId xmlns="" xmlns:a16="http://schemas.microsoft.com/office/drawing/2014/main" id="{D8D68EC4-C3B4-44C6-89CB-D57A81F721F2}"/>
+                  <a16:creationId xmlns:a16="http://schemas.microsoft.com/office/drawing/2014/main" xmlns="" id="{D8D68EC4-C3B4-44C6-89CB-D57A81F721F2}"/>
                 </a:ext>
               </a:extLst>
             </p:cNvPr>
@@ -21027,7 +21006,7 @@
           <p:cNvPr id="10" name="Text Placeholder 2">
             <a:extLst>
               <a:ext uri="{FF2B5EF4-FFF2-40B4-BE49-F238E27FC236}">
-                <a16:creationId xmlns="" xmlns:a16="http://schemas.microsoft.com/office/drawing/2014/main" id="{B09CA424-958C-400F-8E6E-189C42E1E999}"/>
+                <a16:creationId xmlns:a16="http://schemas.microsoft.com/office/drawing/2014/main" xmlns="" id="{B09CA424-958C-400F-8E6E-189C42E1E999}"/>
               </a:ext>
             </a:extLst>
           </p:cNvPr>
@@ -21083,7 +21062,7 @@
           <p:cNvPr id="12" name="Picture 11">
             <a:extLst>
               <a:ext uri="{FF2B5EF4-FFF2-40B4-BE49-F238E27FC236}">
-                <a16:creationId xmlns="" xmlns:a16="http://schemas.microsoft.com/office/drawing/2014/main" id="{00CA1440-A84B-4AC2-AF84-55168595EE06}"/>
+                <a16:creationId xmlns:a16="http://schemas.microsoft.com/office/drawing/2014/main" xmlns="" id="{00CA1440-A84B-4AC2-AF84-55168595EE06}"/>
               </a:ext>
             </a:extLst>
           </p:cNvPr>
@@ -21119,7 +21098,7 @@
           <p:cNvPr id="6" name="Text Placeholder 2">
             <a:extLst>
               <a:ext uri="{FF2B5EF4-FFF2-40B4-BE49-F238E27FC236}">
-                <a16:creationId xmlns="" xmlns:a16="http://schemas.microsoft.com/office/drawing/2014/main" id="{39ED925B-AAB2-4A81-8884-9C64BC8134D3}"/>
+                <a16:creationId xmlns:a16="http://schemas.microsoft.com/office/drawing/2014/main" xmlns="" id="{39ED925B-AAB2-4A81-8884-9C64BC8134D3}"/>
               </a:ext>
             </a:extLst>
           </p:cNvPr>
@@ -21175,7 +21154,7 @@
           <p:cNvPr id="4" name="Text Placeholder 3">
             <a:extLst>
               <a:ext uri="{FF2B5EF4-FFF2-40B4-BE49-F238E27FC236}">
-                <a16:creationId xmlns="" xmlns:a16="http://schemas.microsoft.com/office/drawing/2014/main" id="{3CEB1006-472D-450E-A743-215EF03F540D}"/>
+                <a16:creationId xmlns:a16="http://schemas.microsoft.com/office/drawing/2014/main" xmlns="" id="{3CEB1006-472D-450E-A743-215EF03F540D}"/>
               </a:ext>
             </a:extLst>
           </p:cNvPr>
@@ -21246,7 +21225,7 @@
           <p:cNvPr id="8" name="Straight Connector 7">
             <a:extLst>
               <a:ext uri="{FF2B5EF4-FFF2-40B4-BE49-F238E27FC236}">
-                <a16:creationId xmlns="" xmlns:a16="http://schemas.microsoft.com/office/drawing/2014/main" id="{00286CCD-B0B0-4B2D-9C8E-07D945B0D9E8}"/>
+                <a16:creationId xmlns:a16="http://schemas.microsoft.com/office/drawing/2014/main" xmlns="" id="{00286CCD-B0B0-4B2D-9C8E-07D945B0D9E8}"/>
               </a:ext>
             </a:extLst>
           </p:cNvPr>
@@ -21282,7 +21261,7 @@
           <p:cNvPr id="16" name="Text Placeholder 2">
             <a:extLst>
               <a:ext uri="{FF2B5EF4-FFF2-40B4-BE49-F238E27FC236}">
-                <a16:creationId xmlns="" xmlns:a16="http://schemas.microsoft.com/office/drawing/2014/main" id="{08CB7F85-6EAD-42F4-933E-5AB013EF4003}"/>
+                <a16:creationId xmlns:a16="http://schemas.microsoft.com/office/drawing/2014/main" xmlns="" id="{08CB7F85-6EAD-42F4-933E-5AB013EF4003}"/>
               </a:ext>
             </a:extLst>
           </p:cNvPr>
@@ -21338,7 +21317,7 @@
           <p:cNvPr id="18" name="Content Placeholder 17">
             <a:extLst>
               <a:ext uri="{FF2B5EF4-FFF2-40B4-BE49-F238E27FC236}">
-                <a16:creationId xmlns="" xmlns:a16="http://schemas.microsoft.com/office/drawing/2014/main" id="{B2D76AE6-2501-4EE8-B142-20B9615FEF0B}"/>
+                <a16:creationId xmlns:a16="http://schemas.microsoft.com/office/drawing/2014/main" xmlns="" id="{B2D76AE6-2501-4EE8-B142-20B9615FEF0B}"/>
               </a:ext>
             </a:extLst>
           </p:cNvPr>
@@ -21378,7 +21357,7 @@
           <p:cNvPr id="19" name="Content Placeholder 17">
             <a:extLst>
               <a:ext uri="{FF2B5EF4-FFF2-40B4-BE49-F238E27FC236}">
-                <a16:creationId xmlns="" xmlns:a16="http://schemas.microsoft.com/office/drawing/2014/main" id="{200E80DA-0C11-4003-8976-DB451069FE16}"/>
+                <a16:creationId xmlns:a16="http://schemas.microsoft.com/office/drawing/2014/main" xmlns="" id="{200E80DA-0C11-4003-8976-DB451069FE16}"/>
               </a:ext>
             </a:extLst>
           </p:cNvPr>
@@ -21418,7 +21397,7 @@
           <p:cNvPr id="20" name="Rectangle 19">
             <a:extLst>
               <a:ext uri="{FF2B5EF4-FFF2-40B4-BE49-F238E27FC236}">
-                <a16:creationId xmlns="" xmlns:a16="http://schemas.microsoft.com/office/drawing/2014/main" id="{A0D8A977-A225-42FC-8A62-ABD00FB567CA}"/>
+                <a16:creationId xmlns:a16="http://schemas.microsoft.com/office/drawing/2014/main" xmlns="" id="{A0D8A977-A225-42FC-8A62-ABD00FB567CA}"/>
               </a:ext>
             </a:extLst>
           </p:cNvPr>
@@ -21470,7 +21449,7 @@
           <p:cNvPr id="22" name="Text Placeholder 21">
             <a:extLst>
               <a:ext uri="{FF2B5EF4-FFF2-40B4-BE49-F238E27FC236}">
-                <a16:creationId xmlns="" xmlns:a16="http://schemas.microsoft.com/office/drawing/2014/main" id="{5C668947-77FF-4D5D-91E1-9EAD4FF63DC0}"/>
+                <a16:creationId xmlns:a16="http://schemas.microsoft.com/office/drawing/2014/main" xmlns="" id="{5C668947-77FF-4D5D-91E1-9EAD4FF63DC0}"/>
               </a:ext>
             </a:extLst>
           </p:cNvPr>
@@ -21514,7 +21493,7 @@
           <p:cNvPr id="23" name="Text Placeholder 21">
             <a:extLst>
               <a:ext uri="{FF2B5EF4-FFF2-40B4-BE49-F238E27FC236}">
-                <a16:creationId xmlns="" xmlns:a16="http://schemas.microsoft.com/office/drawing/2014/main" id="{7EDC9A21-EA77-4E16-8A99-83522F38039F}"/>
+                <a16:creationId xmlns:a16="http://schemas.microsoft.com/office/drawing/2014/main" xmlns="" id="{7EDC9A21-EA77-4E16-8A99-83522F38039F}"/>
               </a:ext>
             </a:extLst>
           </p:cNvPr>
@@ -21561,7 +21540,7 @@
           <p:cNvPr id="25" name="Group 24">
             <a:extLst>
               <a:ext uri="{FF2B5EF4-FFF2-40B4-BE49-F238E27FC236}">
-                <a16:creationId xmlns="" xmlns:a16="http://schemas.microsoft.com/office/drawing/2014/main" id="{4B3E617D-293D-4BB5-8F23-78F186F4D823}"/>
+                <a16:creationId xmlns:a16="http://schemas.microsoft.com/office/drawing/2014/main" xmlns="" id="{4B3E617D-293D-4BB5-8F23-78F186F4D823}"/>
               </a:ext>
             </a:extLst>
           </p:cNvPr>
@@ -21581,7 +21560,7 @@
             <p:cNvPr id="26" name="Picture 25">
               <a:extLst>
                 <a:ext uri="{FF2B5EF4-FFF2-40B4-BE49-F238E27FC236}">
-                  <a16:creationId xmlns="" xmlns:a16="http://schemas.microsoft.com/office/drawing/2014/main" id="{FCB9AAC0-E020-4527-A4A2-1BAF10A64345}"/>
+                  <a16:creationId xmlns:a16="http://schemas.microsoft.com/office/drawing/2014/main" xmlns="" id="{FCB9AAC0-E020-4527-A4A2-1BAF10A64345}"/>
                 </a:ext>
               </a:extLst>
             </p:cNvPr>
@@ -21625,7 +21604,7 @@
             <p:cNvPr id="27" name="Picture 26">
               <a:extLst>
                 <a:ext uri="{FF2B5EF4-FFF2-40B4-BE49-F238E27FC236}">
-                  <a16:creationId xmlns="" xmlns:a16="http://schemas.microsoft.com/office/drawing/2014/main" id="{541FA1DB-BA93-4169-9FE7-EA370854285D}"/>
+                  <a16:creationId xmlns:a16="http://schemas.microsoft.com/office/drawing/2014/main" xmlns="" id="{541FA1DB-BA93-4169-9FE7-EA370854285D}"/>
                 </a:ext>
               </a:extLst>
             </p:cNvPr>
@@ -21669,7 +21648,7 @@
             <p:cNvPr id="28" name="Picture 27">
               <a:extLst>
                 <a:ext uri="{FF2B5EF4-FFF2-40B4-BE49-F238E27FC236}">
-                  <a16:creationId xmlns="" xmlns:a16="http://schemas.microsoft.com/office/drawing/2014/main" id="{35A8DC9A-DB20-4753-89A9-B584089F9544}"/>
+                  <a16:creationId xmlns:a16="http://schemas.microsoft.com/office/drawing/2014/main" xmlns="" id="{35A8DC9A-DB20-4753-89A9-B584089F9544}"/>
                 </a:ext>
               </a:extLst>
             </p:cNvPr>
@@ -21722,7 +21701,7 @@
             <p:cNvPr id="29" name="Picture 28">
               <a:extLst>
                 <a:ext uri="{FF2B5EF4-FFF2-40B4-BE49-F238E27FC236}">
-                  <a16:creationId xmlns="" xmlns:a16="http://schemas.microsoft.com/office/drawing/2014/main" id="{D8D68EC4-C3B4-44C6-89CB-D57A81F721F2}"/>
+                  <a16:creationId xmlns:a16="http://schemas.microsoft.com/office/drawing/2014/main" xmlns="" id="{D8D68EC4-C3B4-44C6-89CB-D57A81F721F2}"/>
                 </a:ext>
               </a:extLst>
             </p:cNvPr>
@@ -21915,7 +21894,7 @@
           <p:cNvPr id="10" name="Text Placeholder 2">
             <a:extLst>
               <a:ext uri="{FF2B5EF4-FFF2-40B4-BE49-F238E27FC236}">
-                <a16:creationId xmlns="" xmlns:a16="http://schemas.microsoft.com/office/drawing/2014/main" id="{B09CA424-958C-400F-8E6E-189C42E1E999}"/>
+                <a16:creationId xmlns:a16="http://schemas.microsoft.com/office/drawing/2014/main" xmlns="" id="{B09CA424-958C-400F-8E6E-189C42E1E999}"/>
               </a:ext>
             </a:extLst>
           </p:cNvPr>
@@ -21998,7 +21977,7 @@
           <p:cNvPr id="12" name="Picture 11">
             <a:extLst>
               <a:ext uri="{FF2B5EF4-FFF2-40B4-BE49-F238E27FC236}">
-                <a16:creationId xmlns="" xmlns:a16="http://schemas.microsoft.com/office/drawing/2014/main" id="{00CA1440-A84B-4AC2-AF84-55168595EE06}"/>
+                <a16:creationId xmlns:a16="http://schemas.microsoft.com/office/drawing/2014/main" xmlns="" id="{00CA1440-A84B-4AC2-AF84-55168595EE06}"/>
               </a:ext>
             </a:extLst>
           </p:cNvPr>
@@ -22034,7 +22013,7 @@
           <p:cNvPr id="6" name="Group 5">
             <a:extLst>
               <a:ext uri="{FF2B5EF4-FFF2-40B4-BE49-F238E27FC236}">
-                <a16:creationId xmlns="" xmlns:a16="http://schemas.microsoft.com/office/drawing/2014/main" id="{4B3E617D-293D-4BB5-8F23-78F186F4D823}"/>
+                <a16:creationId xmlns:a16="http://schemas.microsoft.com/office/drawing/2014/main" xmlns="" id="{4B3E617D-293D-4BB5-8F23-78F186F4D823}"/>
               </a:ext>
             </a:extLst>
           </p:cNvPr>
@@ -22054,7 +22033,7 @@
             <p:cNvPr id="7" name="Picture 6">
               <a:extLst>
                 <a:ext uri="{FF2B5EF4-FFF2-40B4-BE49-F238E27FC236}">
-                  <a16:creationId xmlns="" xmlns:a16="http://schemas.microsoft.com/office/drawing/2014/main" id="{FCB9AAC0-E020-4527-A4A2-1BAF10A64345}"/>
+                  <a16:creationId xmlns:a16="http://schemas.microsoft.com/office/drawing/2014/main" xmlns="" id="{FCB9AAC0-E020-4527-A4A2-1BAF10A64345}"/>
                 </a:ext>
               </a:extLst>
             </p:cNvPr>
@@ -22098,7 +22077,7 @@
             <p:cNvPr id="9" name="Picture 8">
               <a:extLst>
                 <a:ext uri="{FF2B5EF4-FFF2-40B4-BE49-F238E27FC236}">
-                  <a16:creationId xmlns="" xmlns:a16="http://schemas.microsoft.com/office/drawing/2014/main" id="{541FA1DB-BA93-4169-9FE7-EA370854285D}"/>
+                  <a16:creationId xmlns:a16="http://schemas.microsoft.com/office/drawing/2014/main" xmlns="" id="{541FA1DB-BA93-4169-9FE7-EA370854285D}"/>
                 </a:ext>
               </a:extLst>
             </p:cNvPr>
@@ -22142,7 +22121,7 @@
             <p:cNvPr id="11" name="Picture 10">
               <a:extLst>
                 <a:ext uri="{FF2B5EF4-FFF2-40B4-BE49-F238E27FC236}">
-                  <a16:creationId xmlns="" xmlns:a16="http://schemas.microsoft.com/office/drawing/2014/main" id="{35A8DC9A-DB20-4753-89A9-B584089F9544}"/>
+                  <a16:creationId xmlns:a16="http://schemas.microsoft.com/office/drawing/2014/main" xmlns="" id="{35A8DC9A-DB20-4753-89A9-B584089F9544}"/>
                 </a:ext>
               </a:extLst>
             </p:cNvPr>
@@ -22195,7 +22174,7 @@
             <p:cNvPr id="13" name="Picture 12">
               <a:extLst>
                 <a:ext uri="{FF2B5EF4-FFF2-40B4-BE49-F238E27FC236}">
-                  <a16:creationId xmlns="" xmlns:a16="http://schemas.microsoft.com/office/drawing/2014/main" id="{D8D68EC4-C3B4-44C6-89CB-D57A81F721F2}"/>
+                  <a16:creationId xmlns:a16="http://schemas.microsoft.com/office/drawing/2014/main" xmlns="" id="{D8D68EC4-C3B4-44C6-89CB-D57A81F721F2}"/>
                 </a:ext>
               </a:extLst>
             </p:cNvPr>
@@ -22388,7 +22367,7 @@
           <p:cNvPr id="10" name="Text Placeholder 2">
             <a:extLst>
               <a:ext uri="{FF2B5EF4-FFF2-40B4-BE49-F238E27FC236}">
-                <a16:creationId xmlns="" xmlns:a16="http://schemas.microsoft.com/office/drawing/2014/main" id="{B09CA424-958C-400F-8E6E-189C42E1E999}"/>
+                <a16:creationId xmlns:a16="http://schemas.microsoft.com/office/drawing/2014/main" xmlns="" id="{B09CA424-958C-400F-8E6E-189C42E1E999}"/>
               </a:ext>
             </a:extLst>
           </p:cNvPr>
@@ -22471,7 +22450,7 @@
           <p:cNvPr id="12" name="Picture 11">
             <a:extLst>
               <a:ext uri="{FF2B5EF4-FFF2-40B4-BE49-F238E27FC236}">
-                <a16:creationId xmlns="" xmlns:a16="http://schemas.microsoft.com/office/drawing/2014/main" id="{00CA1440-A84B-4AC2-AF84-55168595EE06}"/>
+                <a16:creationId xmlns:a16="http://schemas.microsoft.com/office/drawing/2014/main" xmlns="" id="{00CA1440-A84B-4AC2-AF84-55168595EE06}"/>
               </a:ext>
             </a:extLst>
           </p:cNvPr>
@@ -22507,7 +22486,7 @@
           <p:cNvPr id="6" name="Group 5">
             <a:extLst>
               <a:ext uri="{FF2B5EF4-FFF2-40B4-BE49-F238E27FC236}">
-                <a16:creationId xmlns="" xmlns:a16="http://schemas.microsoft.com/office/drawing/2014/main" id="{4B3E617D-293D-4BB5-8F23-78F186F4D823}"/>
+                <a16:creationId xmlns:a16="http://schemas.microsoft.com/office/drawing/2014/main" xmlns="" id="{4B3E617D-293D-4BB5-8F23-78F186F4D823}"/>
               </a:ext>
             </a:extLst>
           </p:cNvPr>
@@ -22527,7 +22506,7 @@
             <p:cNvPr id="7" name="Picture 6">
               <a:extLst>
                 <a:ext uri="{FF2B5EF4-FFF2-40B4-BE49-F238E27FC236}">
-                  <a16:creationId xmlns="" xmlns:a16="http://schemas.microsoft.com/office/drawing/2014/main" id="{FCB9AAC0-E020-4527-A4A2-1BAF10A64345}"/>
+                  <a16:creationId xmlns:a16="http://schemas.microsoft.com/office/drawing/2014/main" xmlns="" id="{FCB9AAC0-E020-4527-A4A2-1BAF10A64345}"/>
                 </a:ext>
               </a:extLst>
             </p:cNvPr>
@@ -22571,7 +22550,7 @@
             <p:cNvPr id="9" name="Picture 8">
               <a:extLst>
                 <a:ext uri="{FF2B5EF4-FFF2-40B4-BE49-F238E27FC236}">
-                  <a16:creationId xmlns="" xmlns:a16="http://schemas.microsoft.com/office/drawing/2014/main" id="{541FA1DB-BA93-4169-9FE7-EA370854285D}"/>
+                  <a16:creationId xmlns:a16="http://schemas.microsoft.com/office/drawing/2014/main" xmlns="" id="{541FA1DB-BA93-4169-9FE7-EA370854285D}"/>
                 </a:ext>
               </a:extLst>
             </p:cNvPr>
@@ -22615,7 +22594,7 @@
             <p:cNvPr id="11" name="Picture 10">
               <a:extLst>
                 <a:ext uri="{FF2B5EF4-FFF2-40B4-BE49-F238E27FC236}">
-                  <a16:creationId xmlns="" xmlns:a16="http://schemas.microsoft.com/office/drawing/2014/main" id="{35A8DC9A-DB20-4753-89A9-B584089F9544}"/>
+                  <a16:creationId xmlns:a16="http://schemas.microsoft.com/office/drawing/2014/main" xmlns="" id="{35A8DC9A-DB20-4753-89A9-B584089F9544}"/>
                 </a:ext>
               </a:extLst>
             </p:cNvPr>
@@ -22668,7 +22647,7 @@
             <p:cNvPr id="13" name="Picture 12">
               <a:extLst>
                 <a:ext uri="{FF2B5EF4-FFF2-40B4-BE49-F238E27FC236}">
-                  <a16:creationId xmlns="" xmlns:a16="http://schemas.microsoft.com/office/drawing/2014/main" id="{D8D68EC4-C3B4-44C6-89CB-D57A81F721F2}"/>
+                  <a16:creationId xmlns:a16="http://schemas.microsoft.com/office/drawing/2014/main" xmlns="" id="{D8D68EC4-C3B4-44C6-89CB-D57A81F721F2}"/>
                 </a:ext>
               </a:extLst>
             </p:cNvPr>
@@ -22861,7 +22840,7 @@
           <p:cNvPr id="10" name="Text Placeholder 2">
             <a:extLst>
               <a:ext uri="{FF2B5EF4-FFF2-40B4-BE49-F238E27FC236}">
-                <a16:creationId xmlns="" xmlns:a16="http://schemas.microsoft.com/office/drawing/2014/main" id="{B09CA424-958C-400F-8E6E-189C42E1E999}"/>
+                <a16:creationId xmlns:a16="http://schemas.microsoft.com/office/drawing/2014/main" xmlns="" id="{B09CA424-958C-400F-8E6E-189C42E1E999}"/>
               </a:ext>
             </a:extLst>
           </p:cNvPr>
@@ -22944,7 +22923,7 @@
           <p:cNvPr id="5" name="Picture 4">
             <a:extLst>
               <a:ext uri="{FF2B5EF4-FFF2-40B4-BE49-F238E27FC236}">
-                <a16:creationId xmlns="" xmlns:a16="http://schemas.microsoft.com/office/drawing/2014/main" id="{4B6D30A9-EFD8-4A13-8C65-70D7356BEF97}"/>
+                <a16:creationId xmlns:a16="http://schemas.microsoft.com/office/drawing/2014/main" xmlns="" id="{4B6D30A9-EFD8-4A13-8C65-70D7356BEF97}"/>
               </a:ext>
             </a:extLst>
           </p:cNvPr>
@@ -22980,7 +22959,7 @@
           <p:cNvPr id="6" name="Group 5">
             <a:extLst>
               <a:ext uri="{FF2B5EF4-FFF2-40B4-BE49-F238E27FC236}">
-                <a16:creationId xmlns="" xmlns:a16="http://schemas.microsoft.com/office/drawing/2014/main" id="{4B3E617D-293D-4BB5-8F23-78F186F4D823}"/>
+                <a16:creationId xmlns:a16="http://schemas.microsoft.com/office/drawing/2014/main" xmlns="" id="{4B3E617D-293D-4BB5-8F23-78F186F4D823}"/>
               </a:ext>
             </a:extLst>
           </p:cNvPr>
@@ -23000,7 +22979,7 @@
             <p:cNvPr id="7" name="Picture 6">
               <a:extLst>
                 <a:ext uri="{FF2B5EF4-FFF2-40B4-BE49-F238E27FC236}">
-                  <a16:creationId xmlns="" xmlns:a16="http://schemas.microsoft.com/office/drawing/2014/main" id="{FCB9AAC0-E020-4527-A4A2-1BAF10A64345}"/>
+                  <a16:creationId xmlns:a16="http://schemas.microsoft.com/office/drawing/2014/main" xmlns="" id="{FCB9AAC0-E020-4527-A4A2-1BAF10A64345}"/>
                 </a:ext>
               </a:extLst>
             </p:cNvPr>
@@ -23044,7 +23023,7 @@
             <p:cNvPr id="9" name="Picture 8">
               <a:extLst>
                 <a:ext uri="{FF2B5EF4-FFF2-40B4-BE49-F238E27FC236}">
-                  <a16:creationId xmlns="" xmlns:a16="http://schemas.microsoft.com/office/drawing/2014/main" id="{541FA1DB-BA93-4169-9FE7-EA370854285D}"/>
+                  <a16:creationId xmlns:a16="http://schemas.microsoft.com/office/drawing/2014/main" xmlns="" id="{541FA1DB-BA93-4169-9FE7-EA370854285D}"/>
                 </a:ext>
               </a:extLst>
             </p:cNvPr>
@@ -23088,7 +23067,7 @@
             <p:cNvPr id="11" name="Picture 10">
               <a:extLst>
                 <a:ext uri="{FF2B5EF4-FFF2-40B4-BE49-F238E27FC236}">
-                  <a16:creationId xmlns="" xmlns:a16="http://schemas.microsoft.com/office/drawing/2014/main" id="{35A8DC9A-DB20-4753-89A9-B584089F9544}"/>
+                  <a16:creationId xmlns:a16="http://schemas.microsoft.com/office/drawing/2014/main" xmlns="" id="{35A8DC9A-DB20-4753-89A9-B584089F9544}"/>
                 </a:ext>
               </a:extLst>
             </p:cNvPr>
@@ -23141,7 +23120,7 @@
             <p:cNvPr id="12" name="Picture 11">
               <a:extLst>
                 <a:ext uri="{FF2B5EF4-FFF2-40B4-BE49-F238E27FC236}">
-                  <a16:creationId xmlns="" xmlns:a16="http://schemas.microsoft.com/office/drawing/2014/main" id="{D8D68EC4-C3B4-44C6-89CB-D57A81F721F2}"/>
+                  <a16:creationId xmlns:a16="http://schemas.microsoft.com/office/drawing/2014/main" xmlns="" id="{D8D68EC4-C3B4-44C6-89CB-D57A81F721F2}"/>
                 </a:ext>
               </a:extLst>
             </p:cNvPr>
@@ -23342,7 +23321,7 @@
           <p:cNvPr id="8" name="TextBox 7">
             <a:extLst>
               <a:ext uri="{FF2B5EF4-FFF2-40B4-BE49-F238E27FC236}">
-                <a16:creationId xmlns="" xmlns:a16="http://schemas.microsoft.com/office/drawing/2014/main" id="{C05DCB82-D464-46A6-AC5E-2D96AA2421CB}"/>
+                <a16:creationId xmlns:a16="http://schemas.microsoft.com/office/drawing/2014/main" xmlns="" id="{C05DCB82-D464-46A6-AC5E-2D96AA2421CB}"/>
               </a:ext>
             </a:extLst>
           </p:cNvPr>
@@ -23409,7 +23388,7 @@
           <p:cNvPr id="10" name="Text Placeholder 2">
             <a:extLst>
               <a:ext uri="{FF2B5EF4-FFF2-40B4-BE49-F238E27FC236}">
-                <a16:creationId xmlns="" xmlns:a16="http://schemas.microsoft.com/office/drawing/2014/main" id="{2A791D53-3FD7-432C-BDEC-EE19F16A9258}"/>
+                <a16:creationId xmlns:a16="http://schemas.microsoft.com/office/drawing/2014/main" xmlns="" id="{2A791D53-3FD7-432C-BDEC-EE19F16A9258}"/>
               </a:ext>
             </a:extLst>
           </p:cNvPr>
@@ -23462,7 +23441,7 @@
           <p:cNvPr id="11" name="Group 10">
             <a:extLst>
               <a:ext uri="{FF2B5EF4-FFF2-40B4-BE49-F238E27FC236}">
-                <a16:creationId xmlns="" xmlns:a16="http://schemas.microsoft.com/office/drawing/2014/main" id="{7DCF6AA8-7D86-4F2B-8705-A436181AEF80}"/>
+                <a16:creationId xmlns:a16="http://schemas.microsoft.com/office/drawing/2014/main" xmlns="" id="{7DCF6AA8-7D86-4F2B-8705-A436181AEF80}"/>
               </a:ext>
             </a:extLst>
           </p:cNvPr>
@@ -23482,7 +23461,7 @@
             <p:cNvPr id="12" name="Picture 11">
               <a:extLst>
                 <a:ext uri="{FF2B5EF4-FFF2-40B4-BE49-F238E27FC236}">
-                  <a16:creationId xmlns="" xmlns:a16="http://schemas.microsoft.com/office/drawing/2014/main" id="{8E7A05A5-CEFD-49C0-9BC2-2E29EDE52313}"/>
+                  <a16:creationId xmlns:a16="http://schemas.microsoft.com/office/drawing/2014/main" xmlns="" id="{8E7A05A5-CEFD-49C0-9BC2-2E29EDE52313}"/>
                 </a:ext>
               </a:extLst>
             </p:cNvPr>
@@ -23526,7 +23505,7 @@
             <p:cNvPr id="13" name="Picture 12">
               <a:extLst>
                 <a:ext uri="{FF2B5EF4-FFF2-40B4-BE49-F238E27FC236}">
-                  <a16:creationId xmlns="" xmlns:a16="http://schemas.microsoft.com/office/drawing/2014/main" id="{776F3680-0F78-4849-B0D5-885CA5220D34}"/>
+                  <a16:creationId xmlns:a16="http://schemas.microsoft.com/office/drawing/2014/main" xmlns="" id="{776F3680-0F78-4849-B0D5-885CA5220D34}"/>
                 </a:ext>
               </a:extLst>
             </p:cNvPr>
@@ -23582,7 +23561,7 @@
             <p:cNvPr id="14" name="Picture 13">
               <a:extLst>
                 <a:ext uri="{FF2B5EF4-FFF2-40B4-BE49-F238E27FC236}">
-                  <a16:creationId xmlns="" xmlns:a16="http://schemas.microsoft.com/office/drawing/2014/main" id="{0232D756-4604-4324-B0E4-C79E755DB092}"/>
+                  <a16:creationId xmlns:a16="http://schemas.microsoft.com/office/drawing/2014/main" xmlns="" id="{0232D756-4604-4324-B0E4-C79E755DB092}"/>
                 </a:ext>
               </a:extLst>
             </p:cNvPr>
@@ -23626,7 +23605,7 @@
             <p:cNvPr id="15" name="Picture 14">
               <a:extLst>
                 <a:ext uri="{FF2B5EF4-FFF2-40B4-BE49-F238E27FC236}">
-                  <a16:creationId xmlns="" xmlns:a16="http://schemas.microsoft.com/office/drawing/2014/main" id="{36004A61-DEFD-4FB3-9D6B-CF296B7A55F5}"/>
+                  <a16:creationId xmlns:a16="http://schemas.microsoft.com/office/drawing/2014/main" xmlns="" id="{36004A61-DEFD-4FB3-9D6B-CF296B7A55F5}"/>
                 </a:ext>
               </a:extLst>
             </p:cNvPr>
@@ -23670,7 +23649,7 @@
             <p:cNvPr id="16" name="Picture 15">
               <a:extLst>
                 <a:ext uri="{FF2B5EF4-FFF2-40B4-BE49-F238E27FC236}">
-                  <a16:creationId xmlns="" xmlns:a16="http://schemas.microsoft.com/office/drawing/2014/main" id="{FDE9BF54-DEEA-40B0-86FE-3EB3B6363068}"/>
+                  <a16:creationId xmlns:a16="http://schemas.microsoft.com/office/drawing/2014/main" xmlns="" id="{FDE9BF54-DEEA-40B0-86FE-3EB3B6363068}"/>
                 </a:ext>
               </a:extLst>
             </p:cNvPr>
@@ -23723,7 +23702,7 @@
             <p:cNvPr id="17" name="Picture 16">
               <a:extLst>
                 <a:ext uri="{FF2B5EF4-FFF2-40B4-BE49-F238E27FC236}">
-                  <a16:creationId xmlns="" xmlns:a16="http://schemas.microsoft.com/office/drawing/2014/main" id="{00F0F55E-ED78-4966-A5A2-25B6083A5E6B}"/>
+                  <a16:creationId xmlns:a16="http://schemas.microsoft.com/office/drawing/2014/main" xmlns="" id="{00F0F55E-ED78-4966-A5A2-25B6083A5E6B}"/>
                 </a:ext>
               </a:extLst>
             </p:cNvPr>
@@ -23777,7 +23756,7 @@
           <p:cNvPr id="25" name="Text Placeholder 6">
             <a:extLst>
               <a:ext uri="{FF2B5EF4-FFF2-40B4-BE49-F238E27FC236}">
-                <a16:creationId xmlns="" xmlns:a16="http://schemas.microsoft.com/office/drawing/2014/main" id="{A2254201-FC55-4E9C-B0DD-ADB79EF9317E}"/>
+                <a16:creationId xmlns:a16="http://schemas.microsoft.com/office/drawing/2014/main" xmlns="" id="{A2254201-FC55-4E9C-B0DD-ADB79EF9317E}"/>
               </a:ext>
             </a:extLst>
           </p:cNvPr>
@@ -23857,7 +23836,7 @@
           <p:cNvPr id="26" name="Text Placeholder 6">
             <a:extLst>
               <a:ext uri="{FF2B5EF4-FFF2-40B4-BE49-F238E27FC236}">
-                <a16:creationId xmlns="" xmlns:a16="http://schemas.microsoft.com/office/drawing/2014/main" id="{361BAF7A-8DB0-4CC7-AFE4-FEDDF22F6E1F}"/>
+                <a16:creationId xmlns:a16="http://schemas.microsoft.com/office/drawing/2014/main" xmlns="" id="{361BAF7A-8DB0-4CC7-AFE4-FEDDF22F6E1F}"/>
               </a:ext>
             </a:extLst>
           </p:cNvPr>
@@ -23937,7 +23916,7 @@
           <p:cNvPr id="3" name="Picture Placeholder 2">
             <a:extLst>
               <a:ext uri="{FF2B5EF4-FFF2-40B4-BE49-F238E27FC236}">
-                <a16:creationId xmlns="" xmlns:a16="http://schemas.microsoft.com/office/drawing/2014/main" id="{3DE2F9C6-DD2E-4DCB-8676-5B4BA43AF451}"/>
+                <a16:creationId xmlns:a16="http://schemas.microsoft.com/office/drawing/2014/main" xmlns="" id="{3DE2F9C6-DD2E-4DCB-8676-5B4BA43AF451}"/>
               </a:ext>
             </a:extLst>
           </p:cNvPr>
@@ -23975,7 +23954,7 @@
           <p:cNvPr id="27" name="Picture Placeholder 2">
             <a:extLst>
               <a:ext uri="{FF2B5EF4-FFF2-40B4-BE49-F238E27FC236}">
-                <a16:creationId xmlns="" xmlns:a16="http://schemas.microsoft.com/office/drawing/2014/main" id="{8D837C4E-9C98-4D98-A2E9-F64913725513}"/>
+                <a16:creationId xmlns:a16="http://schemas.microsoft.com/office/drawing/2014/main" xmlns="" id="{8D837C4E-9C98-4D98-A2E9-F64913725513}"/>
               </a:ext>
             </a:extLst>
           </p:cNvPr>
@@ -24013,7 +23992,7 @@
           <p:cNvPr id="28" name="Picture Placeholder 2">
             <a:extLst>
               <a:ext uri="{FF2B5EF4-FFF2-40B4-BE49-F238E27FC236}">
-                <a16:creationId xmlns="" xmlns:a16="http://schemas.microsoft.com/office/drawing/2014/main" id="{D29B2521-5186-4754-9332-417A3712685B}"/>
+                <a16:creationId xmlns:a16="http://schemas.microsoft.com/office/drawing/2014/main" xmlns="" id="{D29B2521-5186-4754-9332-417A3712685B}"/>
               </a:ext>
             </a:extLst>
           </p:cNvPr>
@@ -24051,7 +24030,7 @@
           <p:cNvPr id="29" name="Text Placeholder 6">
             <a:extLst>
               <a:ext uri="{FF2B5EF4-FFF2-40B4-BE49-F238E27FC236}">
-                <a16:creationId xmlns="" xmlns:a16="http://schemas.microsoft.com/office/drawing/2014/main" id="{BF73A9FD-F435-49F9-A9CC-89F907319758}"/>
+                <a16:creationId xmlns:a16="http://schemas.microsoft.com/office/drawing/2014/main" xmlns="" id="{BF73A9FD-F435-49F9-A9CC-89F907319758}"/>
               </a:ext>
             </a:extLst>
           </p:cNvPr>
@@ -24124,7 +24103,7 @@
           <p:cNvPr id="30" name="Text Placeholder 6">
             <a:extLst>
               <a:ext uri="{FF2B5EF4-FFF2-40B4-BE49-F238E27FC236}">
-                <a16:creationId xmlns="" xmlns:a16="http://schemas.microsoft.com/office/drawing/2014/main" id="{05A6B4F1-770B-43E0-9E2F-84D5C02F809D}"/>
+                <a16:creationId xmlns:a16="http://schemas.microsoft.com/office/drawing/2014/main" xmlns="" id="{05A6B4F1-770B-43E0-9E2F-84D5C02F809D}"/>
               </a:ext>
             </a:extLst>
           </p:cNvPr>
@@ -24197,7 +24176,7 @@
           <p:cNvPr id="31" name="Text Placeholder 6">
             <a:extLst>
               <a:ext uri="{FF2B5EF4-FFF2-40B4-BE49-F238E27FC236}">
-                <a16:creationId xmlns="" xmlns:a16="http://schemas.microsoft.com/office/drawing/2014/main" id="{11FC5B88-8042-42B1-80AE-5AF0780D769B}"/>
+                <a16:creationId xmlns:a16="http://schemas.microsoft.com/office/drawing/2014/main" xmlns="" id="{11FC5B88-8042-42B1-80AE-5AF0780D769B}"/>
               </a:ext>
             </a:extLst>
           </p:cNvPr>
@@ -24270,7 +24249,7 @@
           <p:cNvPr id="38" name="Picture Placeholder 2">
             <a:extLst>
               <a:ext uri="{FF2B5EF4-FFF2-40B4-BE49-F238E27FC236}">
-                <a16:creationId xmlns="" xmlns:a16="http://schemas.microsoft.com/office/drawing/2014/main" id="{116616D8-A173-4626-B5C1-95B4A7EBB41B}"/>
+                <a16:creationId xmlns:a16="http://schemas.microsoft.com/office/drawing/2014/main" xmlns="" id="{116616D8-A173-4626-B5C1-95B4A7EBB41B}"/>
               </a:ext>
             </a:extLst>
           </p:cNvPr>
@@ -24308,7 +24287,7 @@
           <p:cNvPr id="39" name="Picture Placeholder 2">
             <a:extLst>
               <a:ext uri="{FF2B5EF4-FFF2-40B4-BE49-F238E27FC236}">
-                <a16:creationId xmlns="" xmlns:a16="http://schemas.microsoft.com/office/drawing/2014/main" id="{D05EC86C-9779-4A80-A0D3-B344A5AB3E62}"/>
+                <a16:creationId xmlns:a16="http://schemas.microsoft.com/office/drawing/2014/main" xmlns="" id="{D05EC86C-9779-4A80-A0D3-B344A5AB3E62}"/>
               </a:ext>
             </a:extLst>
           </p:cNvPr>
@@ -24346,7 +24325,7 @@
           <p:cNvPr id="40" name="Picture Placeholder 2">
             <a:extLst>
               <a:ext uri="{FF2B5EF4-FFF2-40B4-BE49-F238E27FC236}">
-                <a16:creationId xmlns="" xmlns:a16="http://schemas.microsoft.com/office/drawing/2014/main" id="{5F486189-CF73-4DA1-9DBE-7AFC78F85415}"/>
+                <a16:creationId xmlns:a16="http://schemas.microsoft.com/office/drawing/2014/main" xmlns="" id="{5F486189-CF73-4DA1-9DBE-7AFC78F85415}"/>
               </a:ext>
             </a:extLst>
           </p:cNvPr>
@@ -24384,7 +24363,7 @@
           <p:cNvPr id="41" name="Text Placeholder 6">
             <a:extLst>
               <a:ext uri="{FF2B5EF4-FFF2-40B4-BE49-F238E27FC236}">
-                <a16:creationId xmlns="" xmlns:a16="http://schemas.microsoft.com/office/drawing/2014/main" id="{ADD63519-0B63-4662-B970-0E226E1C00B2}"/>
+                <a16:creationId xmlns:a16="http://schemas.microsoft.com/office/drawing/2014/main" xmlns="" id="{ADD63519-0B63-4662-B970-0E226E1C00B2}"/>
               </a:ext>
             </a:extLst>
           </p:cNvPr>
@@ -24457,7 +24436,7 @@
           <p:cNvPr id="42" name="Text Placeholder 6">
             <a:extLst>
               <a:ext uri="{FF2B5EF4-FFF2-40B4-BE49-F238E27FC236}">
-                <a16:creationId xmlns="" xmlns:a16="http://schemas.microsoft.com/office/drawing/2014/main" id="{96F562D9-9BBF-48BB-A036-DF023826F1E6}"/>
+                <a16:creationId xmlns:a16="http://schemas.microsoft.com/office/drawing/2014/main" xmlns="" id="{96F562D9-9BBF-48BB-A036-DF023826F1E6}"/>
               </a:ext>
             </a:extLst>
           </p:cNvPr>
@@ -24530,7 +24509,7 @@
           <p:cNvPr id="43" name="Text Placeholder 6">
             <a:extLst>
               <a:ext uri="{FF2B5EF4-FFF2-40B4-BE49-F238E27FC236}">
-                <a16:creationId xmlns="" xmlns:a16="http://schemas.microsoft.com/office/drawing/2014/main" id="{13ACC06B-4058-43D6-A5C1-1414E691A788}"/>
+                <a16:creationId xmlns:a16="http://schemas.microsoft.com/office/drawing/2014/main" xmlns="" id="{13ACC06B-4058-43D6-A5C1-1414E691A788}"/>
               </a:ext>
             </a:extLst>
           </p:cNvPr>
@@ -24750,7 +24729,7 @@
           <p:cNvPr id="10" name="Text Placeholder 2">
             <a:extLst>
               <a:ext uri="{FF2B5EF4-FFF2-40B4-BE49-F238E27FC236}">
-                <a16:creationId xmlns="" xmlns:a16="http://schemas.microsoft.com/office/drawing/2014/main" id="{2A791D53-3FD7-432C-BDEC-EE19F16A9258}"/>
+                <a16:creationId xmlns:a16="http://schemas.microsoft.com/office/drawing/2014/main" xmlns="" id="{2A791D53-3FD7-432C-BDEC-EE19F16A9258}"/>
               </a:ext>
             </a:extLst>
           </p:cNvPr>
@@ -24803,7 +24782,7 @@
           <p:cNvPr id="11" name="Group 10">
             <a:extLst>
               <a:ext uri="{FF2B5EF4-FFF2-40B4-BE49-F238E27FC236}">
-                <a16:creationId xmlns="" xmlns:a16="http://schemas.microsoft.com/office/drawing/2014/main" id="{7DCF6AA8-7D86-4F2B-8705-A436181AEF80}"/>
+                <a16:creationId xmlns:a16="http://schemas.microsoft.com/office/drawing/2014/main" xmlns="" id="{7DCF6AA8-7D86-4F2B-8705-A436181AEF80}"/>
               </a:ext>
             </a:extLst>
           </p:cNvPr>
@@ -24823,7 +24802,7 @@
             <p:cNvPr id="12" name="Picture 11">
               <a:extLst>
                 <a:ext uri="{FF2B5EF4-FFF2-40B4-BE49-F238E27FC236}">
-                  <a16:creationId xmlns="" xmlns:a16="http://schemas.microsoft.com/office/drawing/2014/main" id="{8E7A05A5-CEFD-49C0-9BC2-2E29EDE52313}"/>
+                  <a16:creationId xmlns:a16="http://schemas.microsoft.com/office/drawing/2014/main" xmlns="" id="{8E7A05A5-CEFD-49C0-9BC2-2E29EDE52313}"/>
                 </a:ext>
               </a:extLst>
             </p:cNvPr>
@@ -24867,7 +24846,7 @@
             <p:cNvPr id="13" name="Picture 12">
               <a:extLst>
                 <a:ext uri="{FF2B5EF4-FFF2-40B4-BE49-F238E27FC236}">
-                  <a16:creationId xmlns="" xmlns:a16="http://schemas.microsoft.com/office/drawing/2014/main" id="{776F3680-0F78-4849-B0D5-885CA5220D34}"/>
+                  <a16:creationId xmlns:a16="http://schemas.microsoft.com/office/drawing/2014/main" xmlns="" id="{776F3680-0F78-4849-B0D5-885CA5220D34}"/>
                 </a:ext>
               </a:extLst>
             </p:cNvPr>
@@ -24923,7 +24902,7 @@
             <p:cNvPr id="14" name="Picture 13">
               <a:extLst>
                 <a:ext uri="{FF2B5EF4-FFF2-40B4-BE49-F238E27FC236}">
-                  <a16:creationId xmlns="" xmlns:a16="http://schemas.microsoft.com/office/drawing/2014/main" id="{0232D756-4604-4324-B0E4-C79E755DB092}"/>
+                  <a16:creationId xmlns:a16="http://schemas.microsoft.com/office/drawing/2014/main" xmlns="" id="{0232D756-4604-4324-B0E4-C79E755DB092}"/>
                 </a:ext>
               </a:extLst>
             </p:cNvPr>
@@ -24967,7 +24946,7 @@
             <p:cNvPr id="15" name="Picture 14">
               <a:extLst>
                 <a:ext uri="{FF2B5EF4-FFF2-40B4-BE49-F238E27FC236}">
-                  <a16:creationId xmlns="" xmlns:a16="http://schemas.microsoft.com/office/drawing/2014/main" id="{36004A61-DEFD-4FB3-9D6B-CF296B7A55F5}"/>
+                  <a16:creationId xmlns:a16="http://schemas.microsoft.com/office/drawing/2014/main" xmlns="" id="{36004A61-DEFD-4FB3-9D6B-CF296B7A55F5}"/>
                 </a:ext>
               </a:extLst>
             </p:cNvPr>
@@ -25011,7 +24990,7 @@
             <p:cNvPr id="16" name="Picture 15">
               <a:extLst>
                 <a:ext uri="{FF2B5EF4-FFF2-40B4-BE49-F238E27FC236}">
-                  <a16:creationId xmlns="" xmlns:a16="http://schemas.microsoft.com/office/drawing/2014/main" id="{FDE9BF54-DEEA-40B0-86FE-3EB3B6363068}"/>
+                  <a16:creationId xmlns:a16="http://schemas.microsoft.com/office/drawing/2014/main" xmlns="" id="{FDE9BF54-DEEA-40B0-86FE-3EB3B6363068}"/>
                 </a:ext>
               </a:extLst>
             </p:cNvPr>
@@ -25064,7 +25043,7 @@
             <p:cNvPr id="17" name="Picture 16">
               <a:extLst>
                 <a:ext uri="{FF2B5EF4-FFF2-40B4-BE49-F238E27FC236}">
-                  <a16:creationId xmlns="" xmlns:a16="http://schemas.microsoft.com/office/drawing/2014/main" id="{00F0F55E-ED78-4966-A5A2-25B6083A5E6B}"/>
+                  <a16:creationId xmlns:a16="http://schemas.microsoft.com/office/drawing/2014/main" xmlns="" id="{00F0F55E-ED78-4966-A5A2-25B6083A5E6B}"/>
                 </a:ext>
               </a:extLst>
             </p:cNvPr>
@@ -25118,7 +25097,7 @@
           <p:cNvPr id="25" name="Text Placeholder 6">
             <a:extLst>
               <a:ext uri="{FF2B5EF4-FFF2-40B4-BE49-F238E27FC236}">
-                <a16:creationId xmlns="" xmlns:a16="http://schemas.microsoft.com/office/drawing/2014/main" id="{A2254201-FC55-4E9C-B0DD-ADB79EF9317E}"/>
+                <a16:creationId xmlns:a16="http://schemas.microsoft.com/office/drawing/2014/main" xmlns="" id="{A2254201-FC55-4E9C-B0DD-ADB79EF9317E}"/>
               </a:ext>
             </a:extLst>
           </p:cNvPr>
@@ -25198,7 +25177,7 @@
           <p:cNvPr id="26" name="Text Placeholder 6">
             <a:extLst>
               <a:ext uri="{FF2B5EF4-FFF2-40B4-BE49-F238E27FC236}">
-                <a16:creationId xmlns="" xmlns:a16="http://schemas.microsoft.com/office/drawing/2014/main" id="{361BAF7A-8DB0-4CC7-AFE4-FEDDF22F6E1F}"/>
+                <a16:creationId xmlns:a16="http://schemas.microsoft.com/office/drawing/2014/main" xmlns="" id="{361BAF7A-8DB0-4CC7-AFE4-FEDDF22F6E1F}"/>
               </a:ext>
             </a:extLst>
           </p:cNvPr>
@@ -25278,7 +25257,7 @@
           <p:cNvPr id="3" name="Picture Placeholder 2">
             <a:extLst>
               <a:ext uri="{FF2B5EF4-FFF2-40B4-BE49-F238E27FC236}">
-                <a16:creationId xmlns="" xmlns:a16="http://schemas.microsoft.com/office/drawing/2014/main" id="{3DE2F9C6-DD2E-4DCB-8676-5B4BA43AF451}"/>
+                <a16:creationId xmlns:a16="http://schemas.microsoft.com/office/drawing/2014/main" xmlns="" id="{3DE2F9C6-DD2E-4DCB-8676-5B4BA43AF451}"/>
               </a:ext>
             </a:extLst>
           </p:cNvPr>
@@ -25316,7 +25295,7 @@
           <p:cNvPr id="27" name="Picture Placeholder 2">
             <a:extLst>
               <a:ext uri="{FF2B5EF4-FFF2-40B4-BE49-F238E27FC236}">
-                <a16:creationId xmlns="" xmlns:a16="http://schemas.microsoft.com/office/drawing/2014/main" id="{8D837C4E-9C98-4D98-A2E9-F64913725513}"/>
+                <a16:creationId xmlns:a16="http://schemas.microsoft.com/office/drawing/2014/main" xmlns="" id="{8D837C4E-9C98-4D98-A2E9-F64913725513}"/>
               </a:ext>
             </a:extLst>
           </p:cNvPr>
@@ -25354,7 +25333,7 @@
           <p:cNvPr id="29" name="Text Placeholder 6">
             <a:extLst>
               <a:ext uri="{FF2B5EF4-FFF2-40B4-BE49-F238E27FC236}">
-                <a16:creationId xmlns="" xmlns:a16="http://schemas.microsoft.com/office/drawing/2014/main" id="{BF73A9FD-F435-49F9-A9CC-89F907319758}"/>
+                <a16:creationId xmlns:a16="http://schemas.microsoft.com/office/drawing/2014/main" xmlns="" id="{BF73A9FD-F435-49F9-A9CC-89F907319758}"/>
               </a:ext>
             </a:extLst>
           </p:cNvPr>
@@ -25427,7 +25406,7 @@
           <p:cNvPr id="30" name="Text Placeholder 6">
             <a:extLst>
               <a:ext uri="{FF2B5EF4-FFF2-40B4-BE49-F238E27FC236}">
-                <a16:creationId xmlns="" xmlns:a16="http://schemas.microsoft.com/office/drawing/2014/main" id="{05A6B4F1-770B-43E0-9E2F-84D5C02F809D}"/>
+                <a16:creationId xmlns:a16="http://schemas.microsoft.com/office/drawing/2014/main" xmlns="" id="{05A6B4F1-770B-43E0-9E2F-84D5C02F809D}"/>
               </a:ext>
             </a:extLst>
           </p:cNvPr>
@@ -25500,7 +25479,7 @@
           <p:cNvPr id="19" name="TextBox 18">
             <a:extLst>
               <a:ext uri="{FF2B5EF4-FFF2-40B4-BE49-F238E27FC236}">
-                <a16:creationId xmlns="" xmlns:a16="http://schemas.microsoft.com/office/drawing/2014/main" id="{DFE70DE0-DC47-437F-B5FE-4F63D4C35DF1}"/>
+                <a16:creationId xmlns:a16="http://schemas.microsoft.com/office/drawing/2014/main" xmlns="" id="{DFE70DE0-DC47-437F-B5FE-4F63D4C35DF1}"/>
               </a:ext>
             </a:extLst>
           </p:cNvPr>
@@ -25682,7 +25661,7 @@
           <p:cNvPr id="4" name="Group 3">
             <a:extLst>
               <a:ext uri="{FF2B5EF4-FFF2-40B4-BE49-F238E27FC236}">
-                <a16:creationId xmlns="" xmlns:a16="http://schemas.microsoft.com/office/drawing/2014/main" id="{4B3E617D-293D-4BB5-8F23-78F186F4D823}"/>
+                <a16:creationId xmlns:a16="http://schemas.microsoft.com/office/drawing/2014/main" xmlns="" id="{4B3E617D-293D-4BB5-8F23-78F186F4D823}"/>
               </a:ext>
             </a:extLst>
           </p:cNvPr>
@@ -25702,7 +25681,7 @@
             <p:cNvPr id="5" name="Picture 4">
               <a:extLst>
                 <a:ext uri="{FF2B5EF4-FFF2-40B4-BE49-F238E27FC236}">
-                  <a16:creationId xmlns="" xmlns:a16="http://schemas.microsoft.com/office/drawing/2014/main" id="{FCB9AAC0-E020-4527-A4A2-1BAF10A64345}"/>
+                  <a16:creationId xmlns:a16="http://schemas.microsoft.com/office/drawing/2014/main" xmlns="" id="{FCB9AAC0-E020-4527-A4A2-1BAF10A64345}"/>
                 </a:ext>
               </a:extLst>
             </p:cNvPr>
@@ -25746,7 +25725,7 @@
             <p:cNvPr id="6" name="Picture 5">
               <a:extLst>
                 <a:ext uri="{FF2B5EF4-FFF2-40B4-BE49-F238E27FC236}">
-                  <a16:creationId xmlns="" xmlns:a16="http://schemas.microsoft.com/office/drawing/2014/main" id="{541FA1DB-BA93-4169-9FE7-EA370854285D}"/>
+                  <a16:creationId xmlns:a16="http://schemas.microsoft.com/office/drawing/2014/main" xmlns="" id="{541FA1DB-BA93-4169-9FE7-EA370854285D}"/>
                 </a:ext>
               </a:extLst>
             </p:cNvPr>
@@ -25790,7 +25769,7 @@
             <p:cNvPr id="7" name="Picture 6">
               <a:extLst>
                 <a:ext uri="{FF2B5EF4-FFF2-40B4-BE49-F238E27FC236}">
-                  <a16:creationId xmlns="" xmlns:a16="http://schemas.microsoft.com/office/drawing/2014/main" id="{35A8DC9A-DB20-4753-89A9-B584089F9544}"/>
+                  <a16:creationId xmlns:a16="http://schemas.microsoft.com/office/drawing/2014/main" xmlns="" id="{35A8DC9A-DB20-4753-89A9-B584089F9544}"/>
                 </a:ext>
               </a:extLst>
             </p:cNvPr>
@@ -25843,7 +25822,7 @@
             <p:cNvPr id="8" name="Picture 7">
               <a:extLst>
                 <a:ext uri="{FF2B5EF4-FFF2-40B4-BE49-F238E27FC236}">
-                  <a16:creationId xmlns="" xmlns:a16="http://schemas.microsoft.com/office/drawing/2014/main" id="{D8D68EC4-C3B4-44C6-89CB-D57A81F721F2}"/>
+                  <a16:creationId xmlns:a16="http://schemas.microsoft.com/office/drawing/2014/main" xmlns="" id="{D8D68EC4-C3B4-44C6-89CB-D57A81F721F2}"/>
                 </a:ext>
               </a:extLst>
             </p:cNvPr>
@@ -25935,7 +25914,7 @@
           <p:cNvPr id="8" name="Picture 7">
             <a:extLst>
               <a:ext uri="{FF2B5EF4-FFF2-40B4-BE49-F238E27FC236}">
-                <a16:creationId xmlns="" xmlns:a16="http://schemas.microsoft.com/office/drawing/2014/main" id="{F273CAFC-33CA-47A0-B63F-580EE8706ECC}"/>
+                <a16:creationId xmlns:a16="http://schemas.microsoft.com/office/drawing/2014/main" xmlns="" id="{F273CAFC-33CA-47A0-B63F-580EE8706ECC}"/>
               </a:ext>
             </a:extLst>
           </p:cNvPr>
@@ -26056,7 +26035,7 @@
           <p:cNvPr id="2" name="Group 1">
             <a:extLst>
               <a:ext uri="{FF2B5EF4-FFF2-40B4-BE49-F238E27FC236}">
-                <a16:creationId xmlns="" xmlns:a16="http://schemas.microsoft.com/office/drawing/2014/main" id="{874D17E6-917E-4CEC-950D-286565587A89}"/>
+                <a16:creationId xmlns:a16="http://schemas.microsoft.com/office/drawing/2014/main" xmlns="" id="{874D17E6-917E-4CEC-950D-286565587A89}"/>
               </a:ext>
             </a:extLst>
           </p:cNvPr>
@@ -26076,7 +26055,7 @@
             <p:cNvPr id="10" name="Straight Connector 9">
               <a:extLst>
                 <a:ext uri="{FF2B5EF4-FFF2-40B4-BE49-F238E27FC236}">
-                  <a16:creationId xmlns="" xmlns:a16="http://schemas.microsoft.com/office/drawing/2014/main" id="{9140F6FE-87BA-43C0-ABEF-21A3AEC23039}"/>
+                  <a16:creationId xmlns:a16="http://schemas.microsoft.com/office/drawing/2014/main" xmlns="" id="{9140F6FE-87BA-43C0-ABEF-21A3AEC23039}"/>
                 </a:ext>
               </a:extLst>
             </p:cNvPr>
@@ -26119,7 +26098,7 @@
             <p:cNvPr id="12" name="Picture 11">
               <a:extLst>
                 <a:ext uri="{FF2B5EF4-FFF2-40B4-BE49-F238E27FC236}">
-                  <a16:creationId xmlns="" xmlns:a16="http://schemas.microsoft.com/office/drawing/2014/main" id="{F7B41BA2-520F-4160-9574-35B160DDFDCB}"/>
+                  <a16:creationId xmlns:a16="http://schemas.microsoft.com/office/drawing/2014/main" xmlns="" id="{F7B41BA2-520F-4160-9574-35B160DDFDCB}"/>
                 </a:ext>
               </a:extLst>
             </p:cNvPr>
@@ -26156,7 +26135,7 @@
             <p:cNvPr id="13" name="Group 12">
               <a:extLst>
                 <a:ext uri="{FF2B5EF4-FFF2-40B4-BE49-F238E27FC236}">
-                  <a16:creationId xmlns="" xmlns:a16="http://schemas.microsoft.com/office/drawing/2014/main" id="{5754AE95-74E7-475C-9849-33EBD44DDC4B}"/>
+                  <a16:creationId xmlns:a16="http://schemas.microsoft.com/office/drawing/2014/main" xmlns="" id="{5754AE95-74E7-475C-9849-33EBD44DDC4B}"/>
                 </a:ext>
               </a:extLst>
             </p:cNvPr>
@@ -26176,7 +26155,7 @@
               <p:cNvPr id="14" name="Picture 13">
                 <a:extLst>
                   <a:ext uri="{FF2B5EF4-FFF2-40B4-BE49-F238E27FC236}">
-                    <a16:creationId xmlns="" xmlns:a16="http://schemas.microsoft.com/office/drawing/2014/main" id="{36450F7E-8E5F-4A06-934E-44928F9E159D}"/>
+                    <a16:creationId xmlns:a16="http://schemas.microsoft.com/office/drawing/2014/main" xmlns="" id="{36450F7E-8E5F-4A06-934E-44928F9E159D}"/>
                   </a:ext>
                 </a:extLst>
               </p:cNvPr>
@@ -26213,7 +26192,7 @@
               <p:cNvPr id="16" name="Picture 15">
                 <a:extLst>
                   <a:ext uri="{FF2B5EF4-FFF2-40B4-BE49-F238E27FC236}">
-                    <a16:creationId xmlns="" xmlns:a16="http://schemas.microsoft.com/office/drawing/2014/main" id="{93E9C61E-EECF-453F-A9A1-10AEDED67173}"/>
+                    <a16:creationId xmlns:a16="http://schemas.microsoft.com/office/drawing/2014/main" xmlns="" id="{93E9C61E-EECF-453F-A9A1-10AEDED67173}"/>
                   </a:ext>
                 </a:extLst>
               </p:cNvPr>
@@ -26250,7 +26229,7 @@
               <p:cNvPr id="17" name="Picture 16">
                 <a:extLst>
                   <a:ext uri="{FF2B5EF4-FFF2-40B4-BE49-F238E27FC236}">
-                    <a16:creationId xmlns="" xmlns:a16="http://schemas.microsoft.com/office/drawing/2014/main" id="{E806F4E7-08A6-4FB1-B047-255D9CA3363B}"/>
+                    <a16:creationId xmlns:a16="http://schemas.microsoft.com/office/drawing/2014/main" xmlns="" id="{E806F4E7-08A6-4FB1-B047-255D9CA3363B}"/>
                   </a:ext>
                 </a:extLst>
               </p:cNvPr>
@@ -26287,7 +26266,7 @@
               <p:cNvPr id="18" name="Picture 17">
                 <a:extLst>
                   <a:ext uri="{FF2B5EF4-FFF2-40B4-BE49-F238E27FC236}">
-                    <a16:creationId xmlns="" xmlns:a16="http://schemas.microsoft.com/office/drawing/2014/main" id="{7084AF1D-2556-4F4F-AAF7-4043D927C9AF}"/>
+                    <a16:creationId xmlns:a16="http://schemas.microsoft.com/office/drawing/2014/main" xmlns="" id="{7084AF1D-2556-4F4F-AAF7-4043D927C9AF}"/>
                   </a:ext>
                 </a:extLst>
               </p:cNvPr>
@@ -26324,7 +26303,7 @@
               <p:cNvPr id="19" name="Picture 18">
                 <a:extLst>
                   <a:ext uri="{FF2B5EF4-FFF2-40B4-BE49-F238E27FC236}">
-                    <a16:creationId xmlns="" xmlns:a16="http://schemas.microsoft.com/office/drawing/2014/main" id="{84204CB6-6B6E-4330-A9DB-B191FEF9793F}"/>
+                    <a16:creationId xmlns:a16="http://schemas.microsoft.com/office/drawing/2014/main" xmlns="" id="{84204CB6-6B6E-4330-A9DB-B191FEF9793F}"/>
                   </a:ext>
                 </a:extLst>
               </p:cNvPr>
@@ -26361,7 +26340,7 @@
               <p:cNvPr id="20" name="Picture 19">
                 <a:extLst>
                   <a:ext uri="{FF2B5EF4-FFF2-40B4-BE49-F238E27FC236}">
-                    <a16:creationId xmlns="" xmlns:a16="http://schemas.microsoft.com/office/drawing/2014/main" id="{674B8B85-BBB3-437A-8456-CD5EDB81837E}"/>
+                    <a16:creationId xmlns:a16="http://schemas.microsoft.com/office/drawing/2014/main" xmlns="" id="{674B8B85-BBB3-437A-8456-CD5EDB81837E}"/>
                   </a:ext>
                 </a:extLst>
               </p:cNvPr>
@@ -26400,7 +26379,7 @@
           <p:cNvPr id="15" name="Callout: Bent Line 14">
             <a:extLst>
               <a:ext uri="{FF2B5EF4-FFF2-40B4-BE49-F238E27FC236}">
-                <a16:creationId xmlns="" xmlns:a16="http://schemas.microsoft.com/office/drawing/2014/main" id="{EADE94FB-EE0B-4405-8F25-A4E79A154E2C}"/>
+                <a16:creationId xmlns:a16="http://schemas.microsoft.com/office/drawing/2014/main" xmlns="" id="{EADE94FB-EE0B-4405-8F25-A4E79A154E2C}"/>
               </a:ext>
             </a:extLst>
           </p:cNvPr>
@@ -26702,7 +26681,7 @@
           <p:cNvPr id="4" name="Title 1">
             <a:extLst>
               <a:ext uri="{FF2B5EF4-FFF2-40B4-BE49-F238E27FC236}">
-                <a16:creationId xmlns="" xmlns:a16="http://schemas.microsoft.com/office/drawing/2014/main" id="{CEC573B1-19E4-43FE-9BB2-89AD54017FFF}"/>
+                <a16:creationId xmlns:a16="http://schemas.microsoft.com/office/drawing/2014/main" xmlns="" id="{CEC573B1-19E4-43FE-9BB2-89AD54017FFF}"/>
               </a:ext>
             </a:extLst>
           </p:cNvPr>
@@ -26743,7 +26722,7 @@
           <p:cNvPr id="5" name="Group 4">
             <a:extLst>
               <a:ext uri="{FF2B5EF4-FFF2-40B4-BE49-F238E27FC236}">
-                <a16:creationId xmlns="" xmlns:a16="http://schemas.microsoft.com/office/drawing/2014/main" id="{0AC14DFB-2F45-4509-A296-3FCAB0F4EF59}"/>
+                <a16:creationId xmlns:a16="http://schemas.microsoft.com/office/drawing/2014/main" xmlns="" id="{0AC14DFB-2F45-4509-A296-3FCAB0F4EF59}"/>
               </a:ext>
             </a:extLst>
           </p:cNvPr>
@@ -26763,7 +26742,7 @@
             <p:cNvPr id="6" name="Picture 5">
               <a:extLst>
                 <a:ext uri="{FF2B5EF4-FFF2-40B4-BE49-F238E27FC236}">
-                  <a16:creationId xmlns="" xmlns:a16="http://schemas.microsoft.com/office/drawing/2014/main" id="{502FA3F9-AF42-4986-A80F-3B705E9AC3FF}"/>
+                  <a16:creationId xmlns:a16="http://schemas.microsoft.com/office/drawing/2014/main" xmlns="" id="{502FA3F9-AF42-4986-A80F-3B705E9AC3FF}"/>
                 </a:ext>
               </a:extLst>
             </p:cNvPr>
@@ -26807,7 +26786,7 @@
             <p:cNvPr id="8" name="Picture 7">
               <a:extLst>
                 <a:ext uri="{FF2B5EF4-FFF2-40B4-BE49-F238E27FC236}">
-                  <a16:creationId xmlns="" xmlns:a16="http://schemas.microsoft.com/office/drawing/2014/main" id="{686A8E1B-19F9-4A7A-9820-A4B4FAAB729E}"/>
+                  <a16:creationId xmlns:a16="http://schemas.microsoft.com/office/drawing/2014/main" xmlns="" id="{686A8E1B-19F9-4A7A-9820-A4B4FAAB729E}"/>
                 </a:ext>
               </a:extLst>
             </p:cNvPr>
@@ -26851,7 +26830,7 @@
             <p:cNvPr id="9" name="Picture 8">
               <a:extLst>
                 <a:ext uri="{FF2B5EF4-FFF2-40B4-BE49-F238E27FC236}">
-                  <a16:creationId xmlns="" xmlns:a16="http://schemas.microsoft.com/office/drawing/2014/main" id="{6EEF45DF-3EB8-4175-B086-01491119D84F}"/>
+                  <a16:creationId xmlns:a16="http://schemas.microsoft.com/office/drawing/2014/main" xmlns="" id="{6EEF45DF-3EB8-4175-B086-01491119D84F}"/>
                 </a:ext>
               </a:extLst>
             </p:cNvPr>
@@ -26904,7 +26883,7 @@
             <p:cNvPr id="10" name="Picture 9">
               <a:extLst>
                 <a:ext uri="{FF2B5EF4-FFF2-40B4-BE49-F238E27FC236}">
-                  <a16:creationId xmlns="" xmlns:a16="http://schemas.microsoft.com/office/drawing/2014/main" id="{49B37305-5C09-4BD1-99AD-4F8EAADAA013}"/>
+                  <a16:creationId xmlns:a16="http://schemas.microsoft.com/office/drawing/2014/main" xmlns="" id="{49B37305-5C09-4BD1-99AD-4F8EAADAA013}"/>
                 </a:ext>
               </a:extLst>
             </p:cNvPr>
@@ -27041,7 +27020,7 @@
           <p:cNvPr id="7" name="Text Placeholder 6">
             <a:extLst>
               <a:ext uri="{FF2B5EF4-FFF2-40B4-BE49-F238E27FC236}">
-                <a16:creationId xmlns="" xmlns:a16="http://schemas.microsoft.com/office/drawing/2014/main" id="{C9FBEF60-0EDA-46F0-AEB7-C693788A6E97}"/>
+                <a16:creationId xmlns:a16="http://schemas.microsoft.com/office/drawing/2014/main" xmlns="" id="{C9FBEF60-0EDA-46F0-AEB7-C693788A6E97}"/>
               </a:ext>
             </a:extLst>
           </p:cNvPr>
@@ -27094,7 +27073,7 @@
           <p:cNvPr id="8" name="Title 1">
             <a:extLst>
               <a:ext uri="{FF2B5EF4-FFF2-40B4-BE49-F238E27FC236}">
-                <a16:creationId xmlns="" xmlns:a16="http://schemas.microsoft.com/office/drawing/2014/main" id="{5985FD9A-3BC0-42C4-8D53-0C108BE6454D}"/>
+                <a16:creationId xmlns:a16="http://schemas.microsoft.com/office/drawing/2014/main" xmlns="" id="{5985FD9A-3BC0-42C4-8D53-0C108BE6454D}"/>
               </a:ext>
             </a:extLst>
           </p:cNvPr>
@@ -27220,7 +27199,7 @@
           <p:cNvPr id="5" name="Title 1">
             <a:extLst>
               <a:ext uri="{FF2B5EF4-FFF2-40B4-BE49-F238E27FC236}">
-                <a16:creationId xmlns="" xmlns:a16="http://schemas.microsoft.com/office/drawing/2014/main" id="{BEA8C975-16F5-4DFB-9A1E-C240B3FD234C}"/>
+                <a16:creationId xmlns:a16="http://schemas.microsoft.com/office/drawing/2014/main" xmlns="" id="{BEA8C975-16F5-4DFB-9A1E-C240B3FD234C}"/>
               </a:ext>
             </a:extLst>
           </p:cNvPr>
@@ -27261,7 +27240,7 @@
           <p:cNvPr id="6" name="Group 5">
             <a:extLst>
               <a:ext uri="{FF2B5EF4-FFF2-40B4-BE49-F238E27FC236}">
-                <a16:creationId xmlns="" xmlns:a16="http://schemas.microsoft.com/office/drawing/2014/main" id="{6D9918AC-1F27-495F-803B-A23D00135ABC}"/>
+                <a16:creationId xmlns:a16="http://schemas.microsoft.com/office/drawing/2014/main" xmlns="" id="{6D9918AC-1F27-495F-803B-A23D00135ABC}"/>
               </a:ext>
             </a:extLst>
           </p:cNvPr>
@@ -27281,7 +27260,7 @@
             <p:cNvPr id="7" name="Picture 6">
               <a:extLst>
                 <a:ext uri="{FF2B5EF4-FFF2-40B4-BE49-F238E27FC236}">
-                  <a16:creationId xmlns="" xmlns:a16="http://schemas.microsoft.com/office/drawing/2014/main" id="{773371F2-77B6-4913-8914-E3A68400845E}"/>
+                  <a16:creationId xmlns:a16="http://schemas.microsoft.com/office/drawing/2014/main" xmlns="" id="{773371F2-77B6-4913-8914-E3A68400845E}"/>
                 </a:ext>
               </a:extLst>
             </p:cNvPr>
@@ -27325,7 +27304,7 @@
             <p:cNvPr id="8" name="Picture 7">
               <a:extLst>
                 <a:ext uri="{FF2B5EF4-FFF2-40B4-BE49-F238E27FC236}">
-                  <a16:creationId xmlns="" xmlns:a16="http://schemas.microsoft.com/office/drawing/2014/main" id="{629FCEC3-1E87-4597-8084-D0E92253B278}"/>
+                  <a16:creationId xmlns:a16="http://schemas.microsoft.com/office/drawing/2014/main" xmlns="" id="{629FCEC3-1E87-4597-8084-D0E92253B278}"/>
                 </a:ext>
               </a:extLst>
             </p:cNvPr>
@@ -27369,7 +27348,7 @@
             <p:cNvPr id="9" name="Picture 8">
               <a:extLst>
                 <a:ext uri="{FF2B5EF4-FFF2-40B4-BE49-F238E27FC236}">
-                  <a16:creationId xmlns="" xmlns:a16="http://schemas.microsoft.com/office/drawing/2014/main" id="{433DAE75-4D3A-447B-A8A2-1A6F9837D249}"/>
+                  <a16:creationId xmlns:a16="http://schemas.microsoft.com/office/drawing/2014/main" xmlns="" id="{433DAE75-4D3A-447B-A8A2-1A6F9837D249}"/>
                 </a:ext>
               </a:extLst>
             </p:cNvPr>
@@ -27422,7 +27401,7 @@
             <p:cNvPr id="10" name="Picture 9">
               <a:extLst>
                 <a:ext uri="{FF2B5EF4-FFF2-40B4-BE49-F238E27FC236}">
-                  <a16:creationId xmlns="" xmlns:a16="http://schemas.microsoft.com/office/drawing/2014/main" id="{B822F676-1974-472B-B240-2A7812516E95}"/>
+                  <a16:creationId xmlns:a16="http://schemas.microsoft.com/office/drawing/2014/main" xmlns="" id="{B822F676-1974-472B-B240-2A7812516E95}"/>
                 </a:ext>
               </a:extLst>
             </p:cNvPr>
@@ -27653,7 +27632,7 @@
           <p:cNvPr id="7" name="Text Placeholder 6">
             <a:extLst>
               <a:ext uri="{FF2B5EF4-FFF2-40B4-BE49-F238E27FC236}">
-                <a16:creationId xmlns="" xmlns:a16="http://schemas.microsoft.com/office/drawing/2014/main" id="{E6F0EDA4-3B69-4CD7-9631-FDA32B78A6E6}"/>
+                <a16:creationId xmlns:a16="http://schemas.microsoft.com/office/drawing/2014/main" xmlns="" id="{E6F0EDA4-3B69-4CD7-9631-FDA32B78A6E6}"/>
               </a:ext>
             </a:extLst>
           </p:cNvPr>
@@ -27706,7 +27685,7 @@
           <p:cNvPr id="9" name="Title 1">
             <a:extLst>
               <a:ext uri="{FF2B5EF4-FFF2-40B4-BE49-F238E27FC236}">
-                <a16:creationId xmlns="" xmlns:a16="http://schemas.microsoft.com/office/drawing/2014/main" id="{5B1AFCDC-4482-4BE5-8EC1-532183E82F8B}"/>
+                <a16:creationId xmlns:a16="http://schemas.microsoft.com/office/drawing/2014/main" xmlns="" id="{5B1AFCDC-4482-4BE5-8EC1-532183E82F8B}"/>
               </a:ext>
             </a:extLst>
           </p:cNvPr>
@@ -27777,7 +27756,7 @@
           <p:cNvPr id="5" name="Picture Placeholder 4">
             <a:extLst>
               <a:ext uri="{FF2B5EF4-FFF2-40B4-BE49-F238E27FC236}">
-                <a16:creationId xmlns="" xmlns:a16="http://schemas.microsoft.com/office/drawing/2014/main" id="{14DADB3D-04D6-4DE9-967A-09854C892503}"/>
+                <a16:creationId xmlns:a16="http://schemas.microsoft.com/office/drawing/2014/main" xmlns="" id="{14DADB3D-04D6-4DE9-967A-09854C892503}"/>
               </a:ext>
             </a:extLst>
           </p:cNvPr>
@@ -27822,7 +27801,7 @@
           <p:cNvPr id="17" name="Picture Placeholder 4">
             <a:extLst>
               <a:ext uri="{FF2B5EF4-FFF2-40B4-BE49-F238E27FC236}">
-                <a16:creationId xmlns="" xmlns:a16="http://schemas.microsoft.com/office/drawing/2014/main" id="{79D3A65E-0510-4586-92D4-CE445368A4E2}"/>
+                <a16:creationId xmlns:a16="http://schemas.microsoft.com/office/drawing/2014/main" xmlns="" id="{79D3A65E-0510-4586-92D4-CE445368A4E2}"/>
               </a:ext>
             </a:extLst>
           </p:cNvPr>
@@ -27867,7 +27846,7 @@
           <p:cNvPr id="18" name="Picture Placeholder 4">
             <a:extLst>
               <a:ext uri="{FF2B5EF4-FFF2-40B4-BE49-F238E27FC236}">
-                <a16:creationId xmlns="" xmlns:a16="http://schemas.microsoft.com/office/drawing/2014/main" id="{DEB3903A-F4AA-4A84-A3EC-0C446A3C5DC0}"/>
+                <a16:creationId xmlns:a16="http://schemas.microsoft.com/office/drawing/2014/main" xmlns="" id="{DEB3903A-F4AA-4A84-A3EC-0C446A3C5DC0}"/>
               </a:ext>
             </a:extLst>
           </p:cNvPr>
@@ -27912,7 +27891,7 @@
           <p:cNvPr id="19" name="Picture Placeholder 4">
             <a:extLst>
               <a:ext uri="{FF2B5EF4-FFF2-40B4-BE49-F238E27FC236}">
-                <a16:creationId xmlns="" xmlns:a16="http://schemas.microsoft.com/office/drawing/2014/main" id="{F4DFD873-6F2A-4978-BE3C-A4D1439D6701}"/>
+                <a16:creationId xmlns:a16="http://schemas.microsoft.com/office/drawing/2014/main" xmlns="" id="{F4DFD873-6F2A-4978-BE3C-A4D1439D6701}"/>
               </a:ext>
             </a:extLst>
           </p:cNvPr>
@@ -27957,7 +27936,7 @@
           <p:cNvPr id="20" name="Picture Placeholder 4">
             <a:extLst>
               <a:ext uri="{FF2B5EF4-FFF2-40B4-BE49-F238E27FC236}">
-                <a16:creationId xmlns="" xmlns:a16="http://schemas.microsoft.com/office/drawing/2014/main" id="{65511273-774A-4D68-9560-76F27C76386C}"/>
+                <a16:creationId xmlns:a16="http://schemas.microsoft.com/office/drawing/2014/main" xmlns="" id="{65511273-774A-4D68-9560-76F27C76386C}"/>
               </a:ext>
             </a:extLst>
           </p:cNvPr>
@@ -28002,7 +27981,7 @@
           <p:cNvPr id="21" name="Picture Placeholder 4">
             <a:extLst>
               <a:ext uri="{FF2B5EF4-FFF2-40B4-BE49-F238E27FC236}">
-                <a16:creationId xmlns="" xmlns:a16="http://schemas.microsoft.com/office/drawing/2014/main" id="{E134A539-E63C-497F-B727-1BC0344C9519}"/>
+                <a16:creationId xmlns:a16="http://schemas.microsoft.com/office/drawing/2014/main" xmlns="" id="{E134A539-E63C-497F-B727-1BC0344C9519}"/>
               </a:ext>
             </a:extLst>
           </p:cNvPr>
@@ -28047,7 +28026,7 @@
           <p:cNvPr id="7" name="Text Placeholder 6">
             <a:extLst>
               <a:ext uri="{FF2B5EF4-FFF2-40B4-BE49-F238E27FC236}">
-                <a16:creationId xmlns="" xmlns:a16="http://schemas.microsoft.com/office/drawing/2014/main" id="{E6F0EDA4-3B69-4CD7-9631-FDA32B78A6E6}"/>
+                <a16:creationId xmlns:a16="http://schemas.microsoft.com/office/drawing/2014/main" xmlns="" id="{E6F0EDA4-3B69-4CD7-9631-FDA32B78A6E6}"/>
               </a:ext>
             </a:extLst>
           </p:cNvPr>
@@ -28100,7 +28079,7 @@
           <p:cNvPr id="9" name="Title 1">
             <a:extLst>
               <a:ext uri="{FF2B5EF4-FFF2-40B4-BE49-F238E27FC236}">
-                <a16:creationId xmlns="" xmlns:a16="http://schemas.microsoft.com/office/drawing/2014/main" id="{5B1AFCDC-4482-4BE5-8EC1-532183E82F8B}"/>
+                <a16:creationId xmlns:a16="http://schemas.microsoft.com/office/drawing/2014/main" xmlns="" id="{5B1AFCDC-4482-4BE5-8EC1-532183E82F8B}"/>
               </a:ext>
             </a:extLst>
           </p:cNvPr>
@@ -28171,7 +28150,7 @@
           <p:cNvPr id="27" name="Picture Placeholder 4">
             <a:extLst>
               <a:ext uri="{FF2B5EF4-FFF2-40B4-BE49-F238E27FC236}">
-                <a16:creationId xmlns="" xmlns:a16="http://schemas.microsoft.com/office/drawing/2014/main" id="{0752DE09-0767-4B17-A1A7-CF8D88845751}"/>
+                <a16:creationId xmlns:a16="http://schemas.microsoft.com/office/drawing/2014/main" xmlns="" id="{0752DE09-0767-4B17-A1A7-CF8D88845751}"/>
               </a:ext>
             </a:extLst>
           </p:cNvPr>
@@ -28216,7 +28195,7 @@
           <p:cNvPr id="5" name="Picture Placeholder 4">
             <a:extLst>
               <a:ext uri="{FF2B5EF4-FFF2-40B4-BE49-F238E27FC236}">
-                <a16:creationId xmlns="" xmlns:a16="http://schemas.microsoft.com/office/drawing/2014/main" id="{14DADB3D-04D6-4DE9-967A-09854C892503}"/>
+                <a16:creationId xmlns:a16="http://schemas.microsoft.com/office/drawing/2014/main" xmlns="" id="{14DADB3D-04D6-4DE9-967A-09854C892503}"/>
               </a:ext>
             </a:extLst>
           </p:cNvPr>
@@ -28261,7 +28240,7 @@
           <p:cNvPr id="7" name="Text Placeholder 6">
             <a:extLst>
               <a:ext uri="{FF2B5EF4-FFF2-40B4-BE49-F238E27FC236}">
-                <a16:creationId xmlns="" xmlns:a16="http://schemas.microsoft.com/office/drawing/2014/main" id="{E6F0EDA4-3B69-4CD7-9631-FDA32B78A6E6}"/>
+                <a16:creationId xmlns:a16="http://schemas.microsoft.com/office/drawing/2014/main" xmlns="" id="{E6F0EDA4-3B69-4CD7-9631-FDA32B78A6E6}"/>
               </a:ext>
             </a:extLst>
           </p:cNvPr>
@@ -28314,7 +28293,7 @@
           <p:cNvPr id="9" name="Title 1">
             <a:extLst>
               <a:ext uri="{FF2B5EF4-FFF2-40B4-BE49-F238E27FC236}">
-                <a16:creationId xmlns="" xmlns:a16="http://schemas.microsoft.com/office/drawing/2014/main" id="{5B1AFCDC-4482-4BE5-8EC1-532183E82F8B}"/>
+                <a16:creationId xmlns:a16="http://schemas.microsoft.com/office/drawing/2014/main" xmlns="" id="{5B1AFCDC-4482-4BE5-8EC1-532183E82F8B}"/>
               </a:ext>
             </a:extLst>
           </p:cNvPr>
@@ -28355,7 +28334,7 @@
           <p:cNvPr id="25" name="Picture Placeholder 4">
             <a:extLst>
               <a:ext uri="{FF2B5EF4-FFF2-40B4-BE49-F238E27FC236}">
-                <a16:creationId xmlns="" xmlns:a16="http://schemas.microsoft.com/office/drawing/2014/main" id="{824ADE96-C5DC-4ECC-9741-2AF62E710F5C}"/>
+                <a16:creationId xmlns:a16="http://schemas.microsoft.com/office/drawing/2014/main" xmlns="" id="{824ADE96-C5DC-4ECC-9741-2AF62E710F5C}"/>
               </a:ext>
             </a:extLst>
           </p:cNvPr>
@@ -28400,7 +28379,7 @@
           <p:cNvPr id="26" name="Picture Placeholder 4">
             <a:extLst>
               <a:ext uri="{FF2B5EF4-FFF2-40B4-BE49-F238E27FC236}">
-                <a16:creationId xmlns="" xmlns:a16="http://schemas.microsoft.com/office/drawing/2014/main" id="{11F13FB7-EAFC-4F61-904A-06E92052DA76}"/>
+                <a16:creationId xmlns:a16="http://schemas.microsoft.com/office/drawing/2014/main" xmlns="" id="{11F13FB7-EAFC-4F61-904A-06E92052DA76}"/>
               </a:ext>
             </a:extLst>
           </p:cNvPr>
@@ -28445,7 +28424,7 @@
           <p:cNvPr id="28" name="Picture Placeholder 4">
             <a:extLst>
               <a:ext uri="{FF2B5EF4-FFF2-40B4-BE49-F238E27FC236}">
-                <a16:creationId xmlns="" xmlns:a16="http://schemas.microsoft.com/office/drawing/2014/main" id="{51B653CA-2181-4414-B253-FE615375FFF9}"/>
+                <a16:creationId xmlns:a16="http://schemas.microsoft.com/office/drawing/2014/main" xmlns="" id="{51B653CA-2181-4414-B253-FE615375FFF9}"/>
               </a:ext>
             </a:extLst>
           </p:cNvPr>
@@ -28490,7 +28469,7 @@
           <p:cNvPr id="29" name="Picture Placeholder 4">
             <a:extLst>
               <a:ext uri="{FF2B5EF4-FFF2-40B4-BE49-F238E27FC236}">
-                <a16:creationId xmlns="" xmlns:a16="http://schemas.microsoft.com/office/drawing/2014/main" id="{BC25F631-0AE1-487C-AC56-836223C64257}"/>
+                <a16:creationId xmlns:a16="http://schemas.microsoft.com/office/drawing/2014/main" xmlns="" id="{BC25F631-0AE1-487C-AC56-836223C64257}"/>
               </a:ext>
             </a:extLst>
           </p:cNvPr>
@@ -28535,7 +28514,7 @@
           <p:cNvPr id="30" name="Picture Placeholder 4">
             <a:extLst>
               <a:ext uri="{FF2B5EF4-FFF2-40B4-BE49-F238E27FC236}">
-                <a16:creationId xmlns="" xmlns:a16="http://schemas.microsoft.com/office/drawing/2014/main" id="{8B1BD9B3-BEAE-4572-8A9F-3553860D0A23}"/>
+                <a16:creationId xmlns:a16="http://schemas.microsoft.com/office/drawing/2014/main" xmlns="" id="{8B1BD9B3-BEAE-4572-8A9F-3553860D0A23}"/>
               </a:ext>
             </a:extLst>
           </p:cNvPr>
@@ -28580,7 +28559,7 @@
           <p:cNvPr id="31" name="Picture Placeholder 4">
             <a:extLst>
               <a:ext uri="{FF2B5EF4-FFF2-40B4-BE49-F238E27FC236}">
-                <a16:creationId xmlns="" xmlns:a16="http://schemas.microsoft.com/office/drawing/2014/main" id="{1F43FC1C-88CF-44C6-AC4E-B9BE8D368935}"/>
+                <a16:creationId xmlns:a16="http://schemas.microsoft.com/office/drawing/2014/main" xmlns="" id="{1F43FC1C-88CF-44C6-AC4E-B9BE8D368935}"/>
               </a:ext>
             </a:extLst>
           </p:cNvPr>
@@ -28625,7 +28604,7 @@
           <p:cNvPr id="32" name="Picture Placeholder 4">
             <a:extLst>
               <a:ext uri="{FF2B5EF4-FFF2-40B4-BE49-F238E27FC236}">
-                <a16:creationId xmlns="" xmlns:a16="http://schemas.microsoft.com/office/drawing/2014/main" id="{3F203F8E-CB34-4932-8439-38A8ECD9624E}"/>
+                <a16:creationId xmlns:a16="http://schemas.microsoft.com/office/drawing/2014/main" xmlns="" id="{3F203F8E-CB34-4932-8439-38A8ECD9624E}"/>
               </a:ext>
             </a:extLst>
           </p:cNvPr>
@@ -28670,7 +28649,7 @@
           <p:cNvPr id="33" name="Picture Placeholder 4">
             <a:extLst>
               <a:ext uri="{FF2B5EF4-FFF2-40B4-BE49-F238E27FC236}">
-                <a16:creationId xmlns="" xmlns:a16="http://schemas.microsoft.com/office/drawing/2014/main" id="{6DB087BA-BE51-4439-8BA7-8AF5ECD4DFA6}"/>
+                <a16:creationId xmlns:a16="http://schemas.microsoft.com/office/drawing/2014/main" xmlns="" id="{6DB087BA-BE51-4439-8BA7-8AF5ECD4DFA6}"/>
               </a:ext>
             </a:extLst>
           </p:cNvPr>
@@ -28745,7 +28724,7 @@
           <p:cNvPr id="29" name="Picture Placeholder 4">
             <a:extLst>
               <a:ext uri="{FF2B5EF4-FFF2-40B4-BE49-F238E27FC236}">
-                <a16:creationId xmlns="" xmlns:a16="http://schemas.microsoft.com/office/drawing/2014/main" id="{BC25F631-0AE1-487C-AC56-836223C64257}"/>
+                <a16:creationId xmlns:a16="http://schemas.microsoft.com/office/drawing/2014/main" xmlns="" id="{BC25F631-0AE1-487C-AC56-836223C64257}"/>
               </a:ext>
             </a:extLst>
           </p:cNvPr>
@@ -28790,7 +28769,7 @@
           <p:cNvPr id="5" name="Picture Placeholder 4">
             <a:extLst>
               <a:ext uri="{FF2B5EF4-FFF2-40B4-BE49-F238E27FC236}">
-                <a16:creationId xmlns="" xmlns:a16="http://schemas.microsoft.com/office/drawing/2014/main" id="{14DADB3D-04D6-4DE9-967A-09854C892503}"/>
+                <a16:creationId xmlns:a16="http://schemas.microsoft.com/office/drawing/2014/main" xmlns="" id="{14DADB3D-04D6-4DE9-967A-09854C892503}"/>
               </a:ext>
             </a:extLst>
           </p:cNvPr>
@@ -28835,7 +28814,7 @@
           <p:cNvPr id="7" name="Text Placeholder 6">
             <a:extLst>
               <a:ext uri="{FF2B5EF4-FFF2-40B4-BE49-F238E27FC236}">
-                <a16:creationId xmlns="" xmlns:a16="http://schemas.microsoft.com/office/drawing/2014/main" id="{E6F0EDA4-3B69-4CD7-9631-FDA32B78A6E6}"/>
+                <a16:creationId xmlns:a16="http://schemas.microsoft.com/office/drawing/2014/main" xmlns="" id="{E6F0EDA4-3B69-4CD7-9631-FDA32B78A6E6}"/>
               </a:ext>
             </a:extLst>
           </p:cNvPr>
@@ -28888,7 +28867,7 @@
           <p:cNvPr id="9" name="Title 1">
             <a:extLst>
               <a:ext uri="{FF2B5EF4-FFF2-40B4-BE49-F238E27FC236}">
-                <a16:creationId xmlns="" xmlns:a16="http://schemas.microsoft.com/office/drawing/2014/main" id="{5B1AFCDC-4482-4BE5-8EC1-532183E82F8B}"/>
+                <a16:creationId xmlns:a16="http://schemas.microsoft.com/office/drawing/2014/main" xmlns="" id="{5B1AFCDC-4482-4BE5-8EC1-532183E82F8B}"/>
               </a:ext>
             </a:extLst>
           </p:cNvPr>
@@ -28929,7 +28908,7 @@
           <p:cNvPr id="25" name="Picture Placeholder 4">
             <a:extLst>
               <a:ext uri="{FF2B5EF4-FFF2-40B4-BE49-F238E27FC236}">
-                <a16:creationId xmlns="" xmlns:a16="http://schemas.microsoft.com/office/drawing/2014/main" id="{824ADE96-C5DC-4ECC-9741-2AF62E710F5C}"/>
+                <a16:creationId xmlns:a16="http://schemas.microsoft.com/office/drawing/2014/main" xmlns="" id="{824ADE96-C5DC-4ECC-9741-2AF62E710F5C}"/>
               </a:ext>
             </a:extLst>
           </p:cNvPr>
@@ -28974,7 +28953,7 @@
           <p:cNvPr id="26" name="Picture Placeholder 4">
             <a:extLst>
               <a:ext uri="{FF2B5EF4-FFF2-40B4-BE49-F238E27FC236}">
-                <a16:creationId xmlns="" xmlns:a16="http://schemas.microsoft.com/office/drawing/2014/main" id="{11F13FB7-EAFC-4F61-904A-06E92052DA76}"/>
+                <a16:creationId xmlns:a16="http://schemas.microsoft.com/office/drawing/2014/main" xmlns="" id="{11F13FB7-EAFC-4F61-904A-06E92052DA76}"/>
               </a:ext>
             </a:extLst>
           </p:cNvPr>
@@ -29019,7 +28998,7 @@
           <p:cNvPr id="28" name="Picture Placeholder 4">
             <a:extLst>
               <a:ext uri="{FF2B5EF4-FFF2-40B4-BE49-F238E27FC236}">
-                <a16:creationId xmlns="" xmlns:a16="http://schemas.microsoft.com/office/drawing/2014/main" id="{51B653CA-2181-4414-B253-FE615375FFF9}"/>
+                <a16:creationId xmlns:a16="http://schemas.microsoft.com/office/drawing/2014/main" xmlns="" id="{51B653CA-2181-4414-B253-FE615375FFF9}"/>
               </a:ext>
             </a:extLst>
           </p:cNvPr>
@@ -29064,7 +29043,7 @@
           <p:cNvPr id="31" name="Picture Placeholder 4">
             <a:extLst>
               <a:ext uri="{FF2B5EF4-FFF2-40B4-BE49-F238E27FC236}">
-                <a16:creationId xmlns="" xmlns:a16="http://schemas.microsoft.com/office/drawing/2014/main" id="{1F43FC1C-88CF-44C6-AC4E-B9BE8D368935}"/>
+                <a16:creationId xmlns:a16="http://schemas.microsoft.com/office/drawing/2014/main" xmlns="" id="{1F43FC1C-88CF-44C6-AC4E-B9BE8D368935}"/>
               </a:ext>
             </a:extLst>
           </p:cNvPr>
@@ -29109,7 +29088,7 @@
           <p:cNvPr id="33" name="Picture Placeholder 4">
             <a:extLst>
               <a:ext uri="{FF2B5EF4-FFF2-40B4-BE49-F238E27FC236}">
-                <a16:creationId xmlns="" xmlns:a16="http://schemas.microsoft.com/office/drawing/2014/main" id="{6DB087BA-BE51-4439-8BA7-8AF5ECD4DFA6}"/>
+                <a16:creationId xmlns:a16="http://schemas.microsoft.com/office/drawing/2014/main" xmlns="" id="{6DB087BA-BE51-4439-8BA7-8AF5ECD4DFA6}"/>
               </a:ext>
             </a:extLst>
           </p:cNvPr>
@@ -29184,7 +29163,7 @@
           <p:cNvPr id="5" name="Picture Placeholder 4">
             <a:extLst>
               <a:ext uri="{FF2B5EF4-FFF2-40B4-BE49-F238E27FC236}">
-                <a16:creationId xmlns="" xmlns:a16="http://schemas.microsoft.com/office/drawing/2014/main" id="{14DADB3D-04D6-4DE9-967A-09854C892503}"/>
+                <a16:creationId xmlns:a16="http://schemas.microsoft.com/office/drawing/2014/main" xmlns="" id="{14DADB3D-04D6-4DE9-967A-09854C892503}"/>
               </a:ext>
             </a:extLst>
           </p:cNvPr>
@@ -29229,7 +29208,7 @@
           <p:cNvPr id="7" name="Text Placeholder 6">
             <a:extLst>
               <a:ext uri="{FF2B5EF4-FFF2-40B4-BE49-F238E27FC236}">
-                <a16:creationId xmlns="" xmlns:a16="http://schemas.microsoft.com/office/drawing/2014/main" id="{E6F0EDA4-3B69-4CD7-9631-FDA32B78A6E6}"/>
+                <a16:creationId xmlns:a16="http://schemas.microsoft.com/office/drawing/2014/main" xmlns="" id="{E6F0EDA4-3B69-4CD7-9631-FDA32B78A6E6}"/>
               </a:ext>
             </a:extLst>
           </p:cNvPr>
@@ -29282,7 +29261,7 @@
           <p:cNvPr id="9" name="Title 1">
             <a:extLst>
               <a:ext uri="{FF2B5EF4-FFF2-40B4-BE49-F238E27FC236}">
-                <a16:creationId xmlns="" xmlns:a16="http://schemas.microsoft.com/office/drawing/2014/main" id="{5B1AFCDC-4482-4BE5-8EC1-532183E82F8B}"/>
+                <a16:creationId xmlns:a16="http://schemas.microsoft.com/office/drawing/2014/main" xmlns="" id="{5B1AFCDC-4482-4BE5-8EC1-532183E82F8B}"/>
               </a:ext>
             </a:extLst>
           </p:cNvPr>
@@ -29323,7 +29302,7 @@
           <p:cNvPr id="26" name="Picture Placeholder 4">
             <a:extLst>
               <a:ext uri="{FF2B5EF4-FFF2-40B4-BE49-F238E27FC236}">
-                <a16:creationId xmlns="" xmlns:a16="http://schemas.microsoft.com/office/drawing/2014/main" id="{11F13FB7-EAFC-4F61-904A-06E92052DA76}"/>
+                <a16:creationId xmlns:a16="http://schemas.microsoft.com/office/drawing/2014/main" xmlns="" id="{11F13FB7-EAFC-4F61-904A-06E92052DA76}"/>
               </a:ext>
             </a:extLst>
           </p:cNvPr>
@@ -29368,7 +29347,7 @@
           <p:cNvPr id="28" name="Picture Placeholder 4">
             <a:extLst>
               <a:ext uri="{FF2B5EF4-FFF2-40B4-BE49-F238E27FC236}">
-                <a16:creationId xmlns="" xmlns:a16="http://schemas.microsoft.com/office/drawing/2014/main" id="{51B653CA-2181-4414-B253-FE615375FFF9}"/>
+                <a16:creationId xmlns:a16="http://schemas.microsoft.com/office/drawing/2014/main" xmlns="" id="{51B653CA-2181-4414-B253-FE615375FFF9}"/>
               </a:ext>
             </a:extLst>
           </p:cNvPr>
@@ -29413,7 +29392,7 @@
           <p:cNvPr id="30" name="Picture Placeholder 4">
             <a:extLst>
               <a:ext uri="{FF2B5EF4-FFF2-40B4-BE49-F238E27FC236}">
-                <a16:creationId xmlns="" xmlns:a16="http://schemas.microsoft.com/office/drawing/2014/main" id="{8B1BD9B3-BEAE-4572-8A9F-3553860D0A23}"/>
+                <a16:creationId xmlns:a16="http://schemas.microsoft.com/office/drawing/2014/main" xmlns="" id="{8B1BD9B3-BEAE-4572-8A9F-3553860D0A23}"/>
               </a:ext>
             </a:extLst>
           </p:cNvPr>
@@ -29458,7 +29437,7 @@
           <p:cNvPr id="32" name="Picture Placeholder 4">
             <a:extLst>
               <a:ext uri="{FF2B5EF4-FFF2-40B4-BE49-F238E27FC236}">
-                <a16:creationId xmlns="" xmlns:a16="http://schemas.microsoft.com/office/drawing/2014/main" id="{3F203F8E-CB34-4932-8439-38A8ECD9624E}"/>
+                <a16:creationId xmlns:a16="http://schemas.microsoft.com/office/drawing/2014/main" xmlns="" id="{3F203F8E-CB34-4932-8439-38A8ECD9624E}"/>
               </a:ext>
             </a:extLst>
           </p:cNvPr>
@@ -29503,7 +29482,7 @@
           <p:cNvPr id="3" name="Straight Connector 2">
             <a:extLst>
               <a:ext uri="{FF2B5EF4-FFF2-40B4-BE49-F238E27FC236}">
-                <a16:creationId xmlns="" xmlns:a16="http://schemas.microsoft.com/office/drawing/2014/main" id="{8C0A27AC-3DDA-4888-B685-8E687DB5FECB}"/>
+                <a16:creationId xmlns:a16="http://schemas.microsoft.com/office/drawing/2014/main" xmlns="" id="{8C0A27AC-3DDA-4888-B685-8E687DB5FECB}"/>
               </a:ext>
             </a:extLst>
           </p:cNvPr>
@@ -29544,7 +29523,7 @@
           <p:cNvPr id="6" name="Text Placeholder 5">
             <a:extLst>
               <a:ext uri="{FF2B5EF4-FFF2-40B4-BE49-F238E27FC236}">
-                <a16:creationId xmlns="" xmlns:a16="http://schemas.microsoft.com/office/drawing/2014/main" id="{AF3EC476-4507-4A10-BEF8-B7935B7A2393}"/>
+                <a16:creationId xmlns:a16="http://schemas.microsoft.com/office/drawing/2014/main" xmlns="" id="{AF3EC476-4507-4A10-BEF8-B7935B7A2393}"/>
               </a:ext>
             </a:extLst>
           </p:cNvPr>
@@ -29595,7 +29574,7 @@
           <p:cNvPr id="18" name="Text Placeholder 5">
             <a:extLst>
               <a:ext uri="{FF2B5EF4-FFF2-40B4-BE49-F238E27FC236}">
-                <a16:creationId xmlns="" xmlns:a16="http://schemas.microsoft.com/office/drawing/2014/main" id="{31E5ACED-7CDB-4347-A64C-D00D31F0A23D}"/>
+                <a16:creationId xmlns:a16="http://schemas.microsoft.com/office/drawing/2014/main" xmlns="" id="{31E5ACED-7CDB-4347-A64C-D00D31F0A23D}"/>
               </a:ext>
             </a:extLst>
           </p:cNvPr>
@@ -29646,7 +29625,7 @@
           <p:cNvPr id="19" name="Straight Connector 18">
             <a:extLst>
               <a:ext uri="{FF2B5EF4-FFF2-40B4-BE49-F238E27FC236}">
-                <a16:creationId xmlns="" xmlns:a16="http://schemas.microsoft.com/office/drawing/2014/main" id="{FFAF44B1-7854-4367-ACF5-6BFB046DCA0F}"/>
+                <a16:creationId xmlns:a16="http://schemas.microsoft.com/office/drawing/2014/main" xmlns="" id="{FFAF44B1-7854-4367-ACF5-6BFB046DCA0F}"/>
               </a:ext>
             </a:extLst>
           </p:cNvPr>
@@ -29687,7 +29666,7 @@
           <p:cNvPr id="20" name="Text Placeholder 5">
             <a:extLst>
               <a:ext uri="{FF2B5EF4-FFF2-40B4-BE49-F238E27FC236}">
-                <a16:creationId xmlns="" xmlns:a16="http://schemas.microsoft.com/office/drawing/2014/main" id="{2402A0DD-49E3-43AA-BA12-2C702DE21847}"/>
+                <a16:creationId xmlns:a16="http://schemas.microsoft.com/office/drawing/2014/main" xmlns="" id="{2402A0DD-49E3-43AA-BA12-2C702DE21847}"/>
               </a:ext>
             </a:extLst>
           </p:cNvPr>
@@ -29738,7 +29717,7 @@
           <p:cNvPr id="21" name="Text Placeholder 5">
             <a:extLst>
               <a:ext uri="{FF2B5EF4-FFF2-40B4-BE49-F238E27FC236}">
-                <a16:creationId xmlns="" xmlns:a16="http://schemas.microsoft.com/office/drawing/2014/main" id="{1A8791D8-F9F9-445E-BC06-89C252BF3DD8}"/>
+                <a16:creationId xmlns:a16="http://schemas.microsoft.com/office/drawing/2014/main" xmlns="" id="{1A8791D8-F9F9-445E-BC06-89C252BF3DD8}"/>
               </a:ext>
             </a:extLst>
           </p:cNvPr>
@@ -29789,7 +29768,7 @@
           <p:cNvPr id="22" name="Straight Connector 21">
             <a:extLst>
               <a:ext uri="{FF2B5EF4-FFF2-40B4-BE49-F238E27FC236}">
-                <a16:creationId xmlns="" xmlns:a16="http://schemas.microsoft.com/office/drawing/2014/main" id="{6381A253-73F7-47FC-957F-BCCE9FF6CFB2}"/>
+                <a16:creationId xmlns:a16="http://schemas.microsoft.com/office/drawing/2014/main" xmlns="" id="{6381A253-73F7-47FC-957F-BCCE9FF6CFB2}"/>
               </a:ext>
             </a:extLst>
           </p:cNvPr>
@@ -29830,7 +29809,7 @@
           <p:cNvPr id="23" name="Text Placeholder 5">
             <a:extLst>
               <a:ext uri="{FF2B5EF4-FFF2-40B4-BE49-F238E27FC236}">
-                <a16:creationId xmlns="" xmlns:a16="http://schemas.microsoft.com/office/drawing/2014/main" id="{CAF77ACC-4F86-4A40-BD14-CA2346F9BF3B}"/>
+                <a16:creationId xmlns:a16="http://schemas.microsoft.com/office/drawing/2014/main" xmlns="" id="{CAF77ACC-4F86-4A40-BD14-CA2346F9BF3B}"/>
               </a:ext>
             </a:extLst>
           </p:cNvPr>
@@ -29881,7 +29860,7 @@
           <p:cNvPr id="24" name="Text Placeholder 5">
             <a:extLst>
               <a:ext uri="{FF2B5EF4-FFF2-40B4-BE49-F238E27FC236}">
-                <a16:creationId xmlns="" xmlns:a16="http://schemas.microsoft.com/office/drawing/2014/main" id="{CCE2DE24-06E3-4EEC-87DC-E6510B5CAB66}"/>
+                <a16:creationId xmlns:a16="http://schemas.microsoft.com/office/drawing/2014/main" xmlns="" id="{CCE2DE24-06E3-4EEC-87DC-E6510B5CAB66}"/>
               </a:ext>
             </a:extLst>
           </p:cNvPr>
@@ -29932,7 +29911,7 @@
           <p:cNvPr id="34" name="Straight Connector 33">
             <a:extLst>
               <a:ext uri="{FF2B5EF4-FFF2-40B4-BE49-F238E27FC236}">
-                <a16:creationId xmlns="" xmlns:a16="http://schemas.microsoft.com/office/drawing/2014/main" id="{D5F52AC8-6688-4F1C-92A4-B981297CADA6}"/>
+                <a16:creationId xmlns:a16="http://schemas.microsoft.com/office/drawing/2014/main" xmlns="" id="{D5F52AC8-6688-4F1C-92A4-B981297CADA6}"/>
               </a:ext>
             </a:extLst>
           </p:cNvPr>
@@ -29973,7 +29952,7 @@
           <p:cNvPr id="35" name="Text Placeholder 5">
             <a:extLst>
               <a:ext uri="{FF2B5EF4-FFF2-40B4-BE49-F238E27FC236}">
-                <a16:creationId xmlns="" xmlns:a16="http://schemas.microsoft.com/office/drawing/2014/main" id="{49DF3A04-911F-44D9-8583-4DDB84A348AB}"/>
+                <a16:creationId xmlns:a16="http://schemas.microsoft.com/office/drawing/2014/main" xmlns="" id="{49DF3A04-911F-44D9-8583-4DDB84A348AB}"/>
               </a:ext>
             </a:extLst>
           </p:cNvPr>
@@ -30024,7 +30003,7 @@
           <p:cNvPr id="36" name="Text Placeholder 5">
             <a:extLst>
               <a:ext uri="{FF2B5EF4-FFF2-40B4-BE49-F238E27FC236}">
-                <a16:creationId xmlns="" xmlns:a16="http://schemas.microsoft.com/office/drawing/2014/main" id="{AD0F42BD-98A6-48A2-BF58-4675FDE5646D}"/>
+                <a16:creationId xmlns:a16="http://schemas.microsoft.com/office/drawing/2014/main" xmlns="" id="{AD0F42BD-98A6-48A2-BF58-4675FDE5646D}"/>
               </a:ext>
             </a:extLst>
           </p:cNvPr>
@@ -30075,7 +30054,7 @@
           <p:cNvPr id="37" name="Straight Connector 36">
             <a:extLst>
               <a:ext uri="{FF2B5EF4-FFF2-40B4-BE49-F238E27FC236}">
-                <a16:creationId xmlns="" xmlns:a16="http://schemas.microsoft.com/office/drawing/2014/main" id="{BAFFCC89-3FBF-49BE-86A1-6E4A0422671E}"/>
+                <a16:creationId xmlns:a16="http://schemas.microsoft.com/office/drawing/2014/main" xmlns="" id="{BAFFCC89-3FBF-49BE-86A1-6E4A0422671E}"/>
               </a:ext>
             </a:extLst>
           </p:cNvPr>
@@ -30116,7 +30095,7 @@
           <p:cNvPr id="38" name="Text Placeholder 5">
             <a:extLst>
               <a:ext uri="{FF2B5EF4-FFF2-40B4-BE49-F238E27FC236}">
-                <a16:creationId xmlns="" xmlns:a16="http://schemas.microsoft.com/office/drawing/2014/main" id="{3263C633-7B80-4D78-97B9-D0FBC45FFAB6}"/>
+                <a16:creationId xmlns:a16="http://schemas.microsoft.com/office/drawing/2014/main" xmlns="" id="{3263C633-7B80-4D78-97B9-D0FBC45FFAB6}"/>
               </a:ext>
             </a:extLst>
           </p:cNvPr>
@@ -30167,7 +30146,7 @@
           <p:cNvPr id="39" name="Text Placeholder 5">
             <a:extLst>
               <a:ext uri="{FF2B5EF4-FFF2-40B4-BE49-F238E27FC236}">
-                <a16:creationId xmlns="" xmlns:a16="http://schemas.microsoft.com/office/drawing/2014/main" id="{3991F402-9E5A-4E57-B18E-DDB6027C16E2}"/>
+                <a16:creationId xmlns:a16="http://schemas.microsoft.com/office/drawing/2014/main" xmlns="" id="{3991F402-9E5A-4E57-B18E-DDB6027C16E2}"/>
               </a:ext>
             </a:extLst>
           </p:cNvPr>
@@ -30256,7 +30235,7 @@
           <p:cNvPr id="3" name="Picture 2">
             <a:extLst>
               <a:ext uri="{FF2B5EF4-FFF2-40B4-BE49-F238E27FC236}">
-                <a16:creationId xmlns="" xmlns:a16="http://schemas.microsoft.com/office/drawing/2014/main" id="{55C3DA50-22A8-437F-8880-E58D63F72BD4}"/>
+                <a16:creationId xmlns:a16="http://schemas.microsoft.com/office/drawing/2014/main" xmlns="" id="{55C3DA50-22A8-437F-8880-E58D63F72BD4}"/>
               </a:ext>
             </a:extLst>
           </p:cNvPr>
@@ -30377,7 +30356,7 @@
           <p:cNvPr id="24" name="Group 23">
             <a:extLst>
               <a:ext uri="{FF2B5EF4-FFF2-40B4-BE49-F238E27FC236}">
-                <a16:creationId xmlns="" xmlns:a16="http://schemas.microsoft.com/office/drawing/2014/main" id="{564C399B-DF87-410D-BA68-DE0620045057}"/>
+                <a16:creationId xmlns:a16="http://schemas.microsoft.com/office/drawing/2014/main" xmlns="" id="{564C399B-DF87-410D-BA68-DE0620045057}"/>
               </a:ext>
             </a:extLst>
           </p:cNvPr>
@@ -30397,7 +30376,7 @@
             <p:cNvPr id="10" name="Straight Connector 9">
               <a:extLst>
                 <a:ext uri="{FF2B5EF4-FFF2-40B4-BE49-F238E27FC236}">
-                  <a16:creationId xmlns="" xmlns:a16="http://schemas.microsoft.com/office/drawing/2014/main" id="{9140F6FE-87BA-43C0-ABEF-21A3AEC23039}"/>
+                  <a16:creationId xmlns:a16="http://schemas.microsoft.com/office/drawing/2014/main" xmlns="" id="{9140F6FE-87BA-43C0-ABEF-21A3AEC23039}"/>
                 </a:ext>
               </a:extLst>
             </p:cNvPr>
@@ -30440,7 +30419,7 @@
             <p:cNvPr id="12" name="Picture 11">
               <a:extLst>
                 <a:ext uri="{FF2B5EF4-FFF2-40B4-BE49-F238E27FC236}">
-                  <a16:creationId xmlns="" xmlns:a16="http://schemas.microsoft.com/office/drawing/2014/main" id="{F7B41BA2-520F-4160-9574-35B160DDFDCB}"/>
+                  <a16:creationId xmlns:a16="http://schemas.microsoft.com/office/drawing/2014/main" xmlns="" id="{F7B41BA2-520F-4160-9574-35B160DDFDCB}"/>
                 </a:ext>
               </a:extLst>
             </p:cNvPr>
@@ -30477,7 +30456,7 @@
             <p:cNvPr id="14" name="Picture 13">
               <a:extLst>
                 <a:ext uri="{FF2B5EF4-FFF2-40B4-BE49-F238E27FC236}">
-                  <a16:creationId xmlns="" xmlns:a16="http://schemas.microsoft.com/office/drawing/2014/main" id="{36450F7E-8E5F-4A06-934E-44928F9E159D}"/>
+                  <a16:creationId xmlns:a16="http://schemas.microsoft.com/office/drawing/2014/main" xmlns="" id="{36450F7E-8E5F-4A06-934E-44928F9E159D}"/>
                 </a:ext>
               </a:extLst>
             </p:cNvPr>
@@ -30514,7 +30493,7 @@
             <p:cNvPr id="16" name="Picture 15">
               <a:extLst>
                 <a:ext uri="{FF2B5EF4-FFF2-40B4-BE49-F238E27FC236}">
-                  <a16:creationId xmlns="" xmlns:a16="http://schemas.microsoft.com/office/drawing/2014/main" id="{93E9C61E-EECF-453F-A9A1-10AEDED67173}"/>
+                  <a16:creationId xmlns:a16="http://schemas.microsoft.com/office/drawing/2014/main" xmlns="" id="{93E9C61E-EECF-453F-A9A1-10AEDED67173}"/>
                 </a:ext>
               </a:extLst>
             </p:cNvPr>
@@ -30551,7 +30530,7 @@
             <p:cNvPr id="17" name="Picture 16">
               <a:extLst>
                 <a:ext uri="{FF2B5EF4-FFF2-40B4-BE49-F238E27FC236}">
-                  <a16:creationId xmlns="" xmlns:a16="http://schemas.microsoft.com/office/drawing/2014/main" id="{E806F4E7-08A6-4FB1-B047-255D9CA3363B}"/>
+                  <a16:creationId xmlns:a16="http://schemas.microsoft.com/office/drawing/2014/main" xmlns="" id="{E806F4E7-08A6-4FB1-B047-255D9CA3363B}"/>
                 </a:ext>
               </a:extLst>
             </p:cNvPr>
@@ -30588,7 +30567,7 @@
             <p:cNvPr id="18" name="Picture 17">
               <a:extLst>
                 <a:ext uri="{FF2B5EF4-FFF2-40B4-BE49-F238E27FC236}">
-                  <a16:creationId xmlns="" xmlns:a16="http://schemas.microsoft.com/office/drawing/2014/main" id="{7084AF1D-2556-4F4F-AAF7-4043D927C9AF}"/>
+                  <a16:creationId xmlns:a16="http://schemas.microsoft.com/office/drawing/2014/main" xmlns="" id="{7084AF1D-2556-4F4F-AAF7-4043D927C9AF}"/>
                 </a:ext>
               </a:extLst>
             </p:cNvPr>
@@ -30625,7 +30604,7 @@
             <p:cNvPr id="19" name="Picture 18">
               <a:extLst>
                 <a:ext uri="{FF2B5EF4-FFF2-40B4-BE49-F238E27FC236}">
-                  <a16:creationId xmlns="" xmlns:a16="http://schemas.microsoft.com/office/drawing/2014/main" id="{84204CB6-6B6E-4330-A9DB-B191FEF9793F}"/>
+                  <a16:creationId xmlns:a16="http://schemas.microsoft.com/office/drawing/2014/main" xmlns="" id="{84204CB6-6B6E-4330-A9DB-B191FEF9793F}"/>
                 </a:ext>
               </a:extLst>
             </p:cNvPr>
@@ -30662,7 +30641,7 @@
             <p:cNvPr id="20" name="Picture 19">
               <a:extLst>
                 <a:ext uri="{FF2B5EF4-FFF2-40B4-BE49-F238E27FC236}">
-                  <a16:creationId xmlns="" xmlns:a16="http://schemas.microsoft.com/office/drawing/2014/main" id="{674B8B85-BBB3-437A-8456-CD5EDB81837E}"/>
+                  <a16:creationId xmlns:a16="http://schemas.microsoft.com/office/drawing/2014/main" xmlns="" id="{674B8B85-BBB3-437A-8456-CD5EDB81837E}"/>
                 </a:ext>
               </a:extLst>
             </p:cNvPr>
@@ -30700,7 +30679,7 @@
           <p:cNvPr id="25" name="Callout: Bent Line 24">
             <a:extLst>
               <a:ext uri="{FF2B5EF4-FFF2-40B4-BE49-F238E27FC236}">
-                <a16:creationId xmlns="" xmlns:a16="http://schemas.microsoft.com/office/drawing/2014/main" id="{0D35C308-E229-4842-9A99-866A7307A2F7}"/>
+                <a16:creationId xmlns:a16="http://schemas.microsoft.com/office/drawing/2014/main" xmlns="" id="{0D35C308-E229-4842-9A99-866A7307A2F7}"/>
               </a:ext>
             </a:extLst>
           </p:cNvPr>
@@ -30973,7 +30952,7 @@
           <p:cNvPr id="7" name="Text Placeholder 6">
             <a:extLst>
               <a:ext uri="{FF2B5EF4-FFF2-40B4-BE49-F238E27FC236}">
-                <a16:creationId xmlns="" xmlns:a16="http://schemas.microsoft.com/office/drawing/2014/main" id="{EF3DC44F-A27C-44C5-B1EB-1C401464D90B}"/>
+                <a16:creationId xmlns:a16="http://schemas.microsoft.com/office/drawing/2014/main" xmlns="" id="{EF3DC44F-A27C-44C5-B1EB-1C401464D90B}"/>
               </a:ext>
             </a:extLst>
           </p:cNvPr>
@@ -31026,7 +31005,7 @@
           <p:cNvPr id="8" name="Title 1">
             <a:extLst>
               <a:ext uri="{FF2B5EF4-FFF2-40B4-BE49-F238E27FC236}">
-                <a16:creationId xmlns="" xmlns:a16="http://schemas.microsoft.com/office/drawing/2014/main" id="{0511C997-15AC-4410-B8D7-064B6019F802}"/>
+                <a16:creationId xmlns:a16="http://schemas.microsoft.com/office/drawing/2014/main" xmlns="" id="{0511C997-15AC-4410-B8D7-064B6019F802}"/>
               </a:ext>
             </a:extLst>
           </p:cNvPr>
@@ -31067,7 +31046,7 @@
           <p:cNvPr id="12" name="TextBox 11">
             <a:extLst>
               <a:ext uri="{FF2B5EF4-FFF2-40B4-BE49-F238E27FC236}">
-                <a16:creationId xmlns="" xmlns:a16="http://schemas.microsoft.com/office/drawing/2014/main" id="{A1F0C5EA-05ED-4515-B665-500CCFF83108}"/>
+                <a16:creationId xmlns:a16="http://schemas.microsoft.com/office/drawing/2014/main" xmlns="" id="{A1F0C5EA-05ED-4515-B665-500CCFF83108}"/>
               </a:ext>
             </a:extLst>
           </p:cNvPr>
@@ -31113,7 +31092,7 @@
           <p:cNvPr id="10" name="Picture 9">
             <a:extLst>
               <a:ext uri="{FF2B5EF4-FFF2-40B4-BE49-F238E27FC236}">
-                <a16:creationId xmlns="" xmlns:a16="http://schemas.microsoft.com/office/drawing/2014/main" id="{03A86A2E-641E-4A35-93DF-124AC0959B54}"/>
+                <a16:creationId xmlns:a16="http://schemas.microsoft.com/office/drawing/2014/main" xmlns="" id="{03A86A2E-641E-4A35-93DF-124AC0959B54}"/>
               </a:ext>
             </a:extLst>
           </p:cNvPr>
@@ -31149,7 +31128,7 @@
           <p:cNvPr id="11" name="Group 10">
             <a:extLst>
               <a:ext uri="{FF2B5EF4-FFF2-40B4-BE49-F238E27FC236}">
-                <a16:creationId xmlns="" xmlns:a16="http://schemas.microsoft.com/office/drawing/2014/main" id="{4B3E617D-293D-4BB5-8F23-78F186F4D823}"/>
+                <a16:creationId xmlns:a16="http://schemas.microsoft.com/office/drawing/2014/main" xmlns="" id="{4B3E617D-293D-4BB5-8F23-78F186F4D823}"/>
               </a:ext>
             </a:extLst>
           </p:cNvPr>
@@ -31169,7 +31148,7 @@
             <p:cNvPr id="13" name="Picture 12">
               <a:extLst>
                 <a:ext uri="{FF2B5EF4-FFF2-40B4-BE49-F238E27FC236}">
-                  <a16:creationId xmlns="" xmlns:a16="http://schemas.microsoft.com/office/drawing/2014/main" id="{FCB9AAC0-E020-4527-A4A2-1BAF10A64345}"/>
+                  <a16:creationId xmlns:a16="http://schemas.microsoft.com/office/drawing/2014/main" xmlns="" id="{FCB9AAC0-E020-4527-A4A2-1BAF10A64345}"/>
                 </a:ext>
               </a:extLst>
             </p:cNvPr>
@@ -31213,7 +31192,7 @@
             <p:cNvPr id="14" name="Picture 13">
               <a:extLst>
                 <a:ext uri="{FF2B5EF4-FFF2-40B4-BE49-F238E27FC236}">
-                  <a16:creationId xmlns="" xmlns:a16="http://schemas.microsoft.com/office/drawing/2014/main" id="{541FA1DB-BA93-4169-9FE7-EA370854285D}"/>
+                  <a16:creationId xmlns:a16="http://schemas.microsoft.com/office/drawing/2014/main" xmlns="" id="{541FA1DB-BA93-4169-9FE7-EA370854285D}"/>
                 </a:ext>
               </a:extLst>
             </p:cNvPr>
@@ -31257,7 +31236,7 @@
             <p:cNvPr id="15" name="Picture 14">
               <a:extLst>
                 <a:ext uri="{FF2B5EF4-FFF2-40B4-BE49-F238E27FC236}">
-                  <a16:creationId xmlns="" xmlns:a16="http://schemas.microsoft.com/office/drawing/2014/main" id="{35A8DC9A-DB20-4753-89A9-B584089F9544}"/>
+                  <a16:creationId xmlns:a16="http://schemas.microsoft.com/office/drawing/2014/main" xmlns="" id="{35A8DC9A-DB20-4753-89A9-B584089F9544}"/>
                 </a:ext>
               </a:extLst>
             </p:cNvPr>
@@ -31310,7 +31289,7 @@
             <p:cNvPr id="16" name="Picture 15">
               <a:extLst>
                 <a:ext uri="{FF2B5EF4-FFF2-40B4-BE49-F238E27FC236}">
-                  <a16:creationId xmlns="" xmlns:a16="http://schemas.microsoft.com/office/drawing/2014/main" id="{D8D68EC4-C3B4-44C6-89CB-D57A81F721F2}"/>
+                  <a16:creationId xmlns:a16="http://schemas.microsoft.com/office/drawing/2014/main" xmlns="" id="{D8D68EC4-C3B4-44C6-89CB-D57A81F721F2}"/>
                 </a:ext>
               </a:extLst>
             </p:cNvPr>
@@ -31507,7 +31486,7 @@
           <p:cNvPr id="11" name="Text Placeholder 6">
             <a:extLst>
               <a:ext uri="{FF2B5EF4-FFF2-40B4-BE49-F238E27FC236}">
-                <a16:creationId xmlns="" xmlns:a16="http://schemas.microsoft.com/office/drawing/2014/main" id="{6246855B-B75B-4CFF-9A80-2B7EA423800D}"/>
+                <a16:creationId xmlns:a16="http://schemas.microsoft.com/office/drawing/2014/main" xmlns="" id="{6246855B-B75B-4CFF-9A80-2B7EA423800D}"/>
               </a:ext>
             </a:extLst>
           </p:cNvPr>
@@ -31560,7 +31539,7 @@
           <p:cNvPr id="12" name="Title 1">
             <a:extLst>
               <a:ext uri="{FF2B5EF4-FFF2-40B4-BE49-F238E27FC236}">
-                <a16:creationId xmlns="" xmlns:a16="http://schemas.microsoft.com/office/drawing/2014/main" id="{0E297013-4D40-4178-9800-AE717779CA1A}"/>
+                <a16:creationId xmlns:a16="http://schemas.microsoft.com/office/drawing/2014/main" xmlns="" id="{0E297013-4D40-4178-9800-AE717779CA1A}"/>
               </a:ext>
             </a:extLst>
           </p:cNvPr>
@@ -31601,7 +31580,7 @@
           <p:cNvPr id="7" name="Picture 6">
             <a:extLst>
               <a:ext uri="{FF2B5EF4-FFF2-40B4-BE49-F238E27FC236}">
-                <a16:creationId xmlns="" xmlns:a16="http://schemas.microsoft.com/office/drawing/2014/main" id="{7079FDE8-2733-40EE-916A-642BD3E04EBE}"/>
+                <a16:creationId xmlns:a16="http://schemas.microsoft.com/office/drawing/2014/main" xmlns="" id="{7079FDE8-2733-40EE-916A-642BD3E04EBE}"/>
               </a:ext>
             </a:extLst>
           </p:cNvPr>
@@ -31675,7 +31654,7 @@
           <p:cNvPr id="3" name="Picture 2">
             <a:extLst>
               <a:ext uri="{FF2B5EF4-FFF2-40B4-BE49-F238E27FC236}">
-                <a16:creationId xmlns="" xmlns:a16="http://schemas.microsoft.com/office/drawing/2014/main" id="{478250C6-11DE-46E7-8716-A8DF187AEB98}"/>
+                <a16:creationId xmlns:a16="http://schemas.microsoft.com/office/drawing/2014/main" xmlns="" id="{478250C6-11DE-46E7-8716-A8DF187AEB98}"/>
               </a:ext>
             </a:extLst>
           </p:cNvPr>
@@ -31796,7 +31775,7 @@
           <p:cNvPr id="5" name="Group 4">
             <a:extLst>
               <a:ext uri="{FF2B5EF4-FFF2-40B4-BE49-F238E27FC236}">
-                <a16:creationId xmlns="" xmlns:a16="http://schemas.microsoft.com/office/drawing/2014/main" id="{33E1533D-5293-4A71-B67C-31A54979079D}"/>
+                <a16:creationId xmlns:a16="http://schemas.microsoft.com/office/drawing/2014/main" xmlns="" id="{33E1533D-5293-4A71-B67C-31A54979079D}"/>
               </a:ext>
             </a:extLst>
           </p:cNvPr>
@@ -31816,7 +31795,7 @@
             <p:cNvPr id="10" name="Straight Connector 9">
               <a:extLst>
                 <a:ext uri="{FF2B5EF4-FFF2-40B4-BE49-F238E27FC236}">
-                  <a16:creationId xmlns="" xmlns:a16="http://schemas.microsoft.com/office/drawing/2014/main" id="{9140F6FE-87BA-43C0-ABEF-21A3AEC23039}"/>
+                  <a16:creationId xmlns:a16="http://schemas.microsoft.com/office/drawing/2014/main" xmlns="" id="{9140F6FE-87BA-43C0-ABEF-21A3AEC23039}"/>
                 </a:ext>
               </a:extLst>
             </p:cNvPr>
@@ -31859,7 +31838,7 @@
             <p:cNvPr id="12" name="Picture 11">
               <a:extLst>
                 <a:ext uri="{FF2B5EF4-FFF2-40B4-BE49-F238E27FC236}">
-                  <a16:creationId xmlns="" xmlns:a16="http://schemas.microsoft.com/office/drawing/2014/main" id="{F7B41BA2-520F-4160-9574-35B160DDFDCB}"/>
+                  <a16:creationId xmlns:a16="http://schemas.microsoft.com/office/drawing/2014/main" xmlns="" id="{F7B41BA2-520F-4160-9574-35B160DDFDCB}"/>
                 </a:ext>
               </a:extLst>
             </p:cNvPr>
@@ -31896,7 +31875,7 @@
             <p:cNvPr id="13" name="Group 12">
               <a:extLst>
                 <a:ext uri="{FF2B5EF4-FFF2-40B4-BE49-F238E27FC236}">
-                  <a16:creationId xmlns="" xmlns:a16="http://schemas.microsoft.com/office/drawing/2014/main" id="{5754AE95-74E7-475C-9849-33EBD44DDC4B}"/>
+                  <a16:creationId xmlns:a16="http://schemas.microsoft.com/office/drawing/2014/main" xmlns="" id="{5754AE95-74E7-475C-9849-33EBD44DDC4B}"/>
                 </a:ext>
               </a:extLst>
             </p:cNvPr>
@@ -31916,7 +31895,7 @@
               <p:cNvPr id="14" name="Picture 13">
                 <a:extLst>
                   <a:ext uri="{FF2B5EF4-FFF2-40B4-BE49-F238E27FC236}">
-                    <a16:creationId xmlns="" xmlns:a16="http://schemas.microsoft.com/office/drawing/2014/main" id="{36450F7E-8E5F-4A06-934E-44928F9E159D}"/>
+                    <a16:creationId xmlns:a16="http://schemas.microsoft.com/office/drawing/2014/main" xmlns="" id="{36450F7E-8E5F-4A06-934E-44928F9E159D}"/>
                   </a:ext>
                 </a:extLst>
               </p:cNvPr>
@@ -31953,7 +31932,7 @@
               <p:cNvPr id="16" name="Picture 15">
                 <a:extLst>
                   <a:ext uri="{FF2B5EF4-FFF2-40B4-BE49-F238E27FC236}">
-                    <a16:creationId xmlns="" xmlns:a16="http://schemas.microsoft.com/office/drawing/2014/main" id="{93E9C61E-EECF-453F-A9A1-10AEDED67173}"/>
+                    <a16:creationId xmlns:a16="http://schemas.microsoft.com/office/drawing/2014/main" xmlns="" id="{93E9C61E-EECF-453F-A9A1-10AEDED67173}"/>
                   </a:ext>
                 </a:extLst>
               </p:cNvPr>
@@ -31990,7 +31969,7 @@
               <p:cNvPr id="17" name="Picture 16">
                 <a:extLst>
                   <a:ext uri="{FF2B5EF4-FFF2-40B4-BE49-F238E27FC236}">
-                    <a16:creationId xmlns="" xmlns:a16="http://schemas.microsoft.com/office/drawing/2014/main" id="{E806F4E7-08A6-4FB1-B047-255D9CA3363B}"/>
+                    <a16:creationId xmlns:a16="http://schemas.microsoft.com/office/drawing/2014/main" xmlns="" id="{E806F4E7-08A6-4FB1-B047-255D9CA3363B}"/>
                   </a:ext>
                 </a:extLst>
               </p:cNvPr>
@@ -32027,7 +32006,7 @@
               <p:cNvPr id="18" name="Picture 17">
                 <a:extLst>
                   <a:ext uri="{FF2B5EF4-FFF2-40B4-BE49-F238E27FC236}">
-                    <a16:creationId xmlns="" xmlns:a16="http://schemas.microsoft.com/office/drawing/2014/main" id="{7084AF1D-2556-4F4F-AAF7-4043D927C9AF}"/>
+                    <a16:creationId xmlns:a16="http://schemas.microsoft.com/office/drawing/2014/main" xmlns="" id="{7084AF1D-2556-4F4F-AAF7-4043D927C9AF}"/>
                   </a:ext>
                 </a:extLst>
               </p:cNvPr>
@@ -32064,7 +32043,7 @@
               <p:cNvPr id="19" name="Picture 18">
                 <a:extLst>
                   <a:ext uri="{FF2B5EF4-FFF2-40B4-BE49-F238E27FC236}">
-                    <a16:creationId xmlns="" xmlns:a16="http://schemas.microsoft.com/office/drawing/2014/main" id="{84204CB6-6B6E-4330-A9DB-B191FEF9793F}"/>
+                    <a16:creationId xmlns:a16="http://schemas.microsoft.com/office/drawing/2014/main" xmlns="" id="{84204CB6-6B6E-4330-A9DB-B191FEF9793F}"/>
                   </a:ext>
                 </a:extLst>
               </p:cNvPr>
@@ -32101,7 +32080,7 @@
               <p:cNvPr id="20" name="Picture 19">
                 <a:extLst>
                   <a:ext uri="{FF2B5EF4-FFF2-40B4-BE49-F238E27FC236}">
-                    <a16:creationId xmlns="" xmlns:a16="http://schemas.microsoft.com/office/drawing/2014/main" id="{674B8B85-BBB3-437A-8456-CD5EDB81837E}"/>
+                    <a16:creationId xmlns:a16="http://schemas.microsoft.com/office/drawing/2014/main" xmlns="" id="{674B8B85-BBB3-437A-8456-CD5EDB81837E}"/>
                   </a:ext>
                 </a:extLst>
               </p:cNvPr>
@@ -32140,7 +32119,7 @@
           <p:cNvPr id="22" name="Callout: Bent Line 21">
             <a:extLst>
               <a:ext uri="{FF2B5EF4-FFF2-40B4-BE49-F238E27FC236}">
-                <a16:creationId xmlns="" xmlns:a16="http://schemas.microsoft.com/office/drawing/2014/main" id="{30E4C76C-D073-4083-AF92-289DA5A52C72}"/>
+                <a16:creationId xmlns:a16="http://schemas.microsoft.com/office/drawing/2014/main" xmlns="" id="{30E4C76C-D073-4083-AF92-289DA5A52C72}"/>
               </a:ext>
             </a:extLst>
           </p:cNvPr>
@@ -32308,7 +32287,7 @@
           <p:cNvPr id="10" name="Picture 9">
             <a:extLst>
               <a:ext uri="{FF2B5EF4-FFF2-40B4-BE49-F238E27FC236}">
-                <a16:creationId xmlns="" xmlns:a16="http://schemas.microsoft.com/office/drawing/2014/main" id="{B85FC450-8998-489F-9938-0AF62D8D1A73}"/>
+                <a16:creationId xmlns:a16="http://schemas.microsoft.com/office/drawing/2014/main" xmlns="" id="{B85FC450-8998-489F-9938-0AF62D8D1A73}"/>
               </a:ext>
             </a:extLst>
           </p:cNvPr>
@@ -32343,7 +32322,7 @@
           <p:cNvPr id="28" name="Group 27">
             <a:extLst>
               <a:ext uri="{FF2B5EF4-FFF2-40B4-BE49-F238E27FC236}">
-                <a16:creationId xmlns="" xmlns:a16="http://schemas.microsoft.com/office/drawing/2014/main" id="{E198D0B8-3BDB-4C9D-8A8A-572518686DE5}"/>
+                <a16:creationId xmlns:a16="http://schemas.microsoft.com/office/drawing/2014/main" xmlns="" id="{E198D0B8-3BDB-4C9D-8A8A-572518686DE5}"/>
               </a:ext>
             </a:extLst>
           </p:cNvPr>
@@ -32363,7 +32342,7 @@
             <p:cNvPr id="5" name="Rectangle 4">
               <a:extLst>
                 <a:ext uri="{FF2B5EF4-FFF2-40B4-BE49-F238E27FC236}">
-                  <a16:creationId xmlns="" xmlns:a16="http://schemas.microsoft.com/office/drawing/2014/main" id="{FA7C1D9C-1281-4501-899B-12B77AAE187E}"/>
+                  <a16:creationId xmlns:a16="http://schemas.microsoft.com/office/drawing/2014/main" xmlns="" id="{FA7C1D9C-1281-4501-899B-12B77AAE187E}"/>
                 </a:ext>
               </a:extLst>
             </p:cNvPr>
@@ -32415,7 +32394,7 @@
             <p:cNvPr id="12" name="Picture 11">
               <a:extLst>
                 <a:ext uri="{FF2B5EF4-FFF2-40B4-BE49-F238E27FC236}">
-                  <a16:creationId xmlns="" xmlns:a16="http://schemas.microsoft.com/office/drawing/2014/main" id="{8AE3B66C-74CF-48A8-A637-AB6CE7924D99}"/>
+                  <a16:creationId xmlns:a16="http://schemas.microsoft.com/office/drawing/2014/main" xmlns="" id="{8AE3B66C-74CF-48A8-A637-AB6CE7924D99}"/>
                 </a:ext>
               </a:extLst>
             </p:cNvPr>
@@ -32450,7 +32429,7 @@
             <p:cNvPr id="16" name="Picture 15">
               <a:extLst>
                 <a:ext uri="{FF2B5EF4-FFF2-40B4-BE49-F238E27FC236}">
-                  <a16:creationId xmlns="" xmlns:a16="http://schemas.microsoft.com/office/drawing/2014/main" id="{2604C620-54F4-40D1-9F8D-916C2B03CF80}"/>
+                  <a16:creationId xmlns:a16="http://schemas.microsoft.com/office/drawing/2014/main" xmlns="" id="{2604C620-54F4-40D1-9F8D-916C2B03CF80}"/>
                 </a:ext>
               </a:extLst>
             </p:cNvPr>
@@ -32487,7 +32466,7 @@
             <p:cNvPr id="17" name="Picture 16">
               <a:extLst>
                 <a:ext uri="{FF2B5EF4-FFF2-40B4-BE49-F238E27FC236}">
-                  <a16:creationId xmlns="" xmlns:a16="http://schemas.microsoft.com/office/drawing/2014/main" id="{1F796C2C-EF81-4483-A8D9-6A074C9DD0AB}"/>
+                  <a16:creationId xmlns:a16="http://schemas.microsoft.com/office/drawing/2014/main" xmlns="" id="{1F796C2C-EF81-4483-A8D9-6A074C9DD0AB}"/>
                 </a:ext>
               </a:extLst>
             </p:cNvPr>
@@ -32524,7 +32503,7 @@
             <p:cNvPr id="18" name="Picture 17">
               <a:extLst>
                 <a:ext uri="{FF2B5EF4-FFF2-40B4-BE49-F238E27FC236}">
-                  <a16:creationId xmlns="" xmlns:a16="http://schemas.microsoft.com/office/drawing/2014/main" id="{67C5EDEF-0599-4615-9EEB-1E9C7299A6FE}"/>
+                  <a16:creationId xmlns:a16="http://schemas.microsoft.com/office/drawing/2014/main" xmlns="" id="{67C5EDEF-0599-4615-9EEB-1E9C7299A6FE}"/>
                 </a:ext>
               </a:extLst>
             </p:cNvPr>
@@ -32561,7 +32540,7 @@
             <p:cNvPr id="19" name="Picture 18">
               <a:extLst>
                 <a:ext uri="{FF2B5EF4-FFF2-40B4-BE49-F238E27FC236}">
-                  <a16:creationId xmlns="" xmlns:a16="http://schemas.microsoft.com/office/drawing/2014/main" id="{FBF3BA30-C6FC-4CE4-835F-63F19575D1B6}"/>
+                  <a16:creationId xmlns:a16="http://schemas.microsoft.com/office/drawing/2014/main" xmlns="" id="{FBF3BA30-C6FC-4CE4-835F-63F19575D1B6}"/>
                 </a:ext>
               </a:extLst>
             </p:cNvPr>
@@ -32598,7 +32577,7 @@
             <p:cNvPr id="20" name="Picture 19">
               <a:extLst>
                 <a:ext uri="{FF2B5EF4-FFF2-40B4-BE49-F238E27FC236}">
-                  <a16:creationId xmlns="" xmlns:a16="http://schemas.microsoft.com/office/drawing/2014/main" id="{7B393327-1880-43AF-B13A-F6742E1C91B4}"/>
+                  <a16:creationId xmlns:a16="http://schemas.microsoft.com/office/drawing/2014/main" xmlns="" id="{7B393327-1880-43AF-B13A-F6742E1C91B4}"/>
                 </a:ext>
               </a:extLst>
             </p:cNvPr>
@@ -32635,7 +32614,7 @@
             <p:cNvPr id="21" name="Picture 20">
               <a:extLst>
                 <a:ext uri="{FF2B5EF4-FFF2-40B4-BE49-F238E27FC236}">
-                  <a16:creationId xmlns="" xmlns:a16="http://schemas.microsoft.com/office/drawing/2014/main" id="{6C1C7622-D718-4C77-B53B-73A16A30959A}"/>
+                  <a16:creationId xmlns:a16="http://schemas.microsoft.com/office/drawing/2014/main" xmlns="" id="{6C1C7622-D718-4C77-B53B-73A16A30959A}"/>
                 </a:ext>
               </a:extLst>
             </p:cNvPr>
@@ -32759,7 +32738,7 @@
           <p:cNvPr id="29" name="Callout: Bent Line 28">
             <a:extLst>
               <a:ext uri="{FF2B5EF4-FFF2-40B4-BE49-F238E27FC236}">
-                <a16:creationId xmlns="" xmlns:a16="http://schemas.microsoft.com/office/drawing/2014/main" id="{4B618734-EFA3-4AB2-9BE2-EDCDA376C10E}"/>
+                <a16:creationId xmlns:a16="http://schemas.microsoft.com/office/drawing/2014/main" xmlns="" id="{4B618734-EFA3-4AB2-9BE2-EDCDA376C10E}"/>
               </a:ext>
             </a:extLst>
           </p:cNvPr>
@@ -32927,7 +32906,7 @@
           <p:cNvPr id="3" name="Picture 2">
             <a:extLst>
               <a:ext uri="{FF2B5EF4-FFF2-40B4-BE49-F238E27FC236}">
-                <a16:creationId xmlns="" xmlns:a16="http://schemas.microsoft.com/office/drawing/2014/main" id="{7F9482A4-E8F4-4F0C-AC84-E8893CA37F18}"/>
+                <a16:creationId xmlns:a16="http://schemas.microsoft.com/office/drawing/2014/main" xmlns="" id="{7F9482A4-E8F4-4F0C-AC84-E8893CA37F18}"/>
               </a:ext>
             </a:extLst>
           </p:cNvPr>
@@ -32962,7 +32941,7 @@
           <p:cNvPr id="5" name="Group 4">
             <a:extLst>
               <a:ext uri="{FF2B5EF4-FFF2-40B4-BE49-F238E27FC236}">
-                <a16:creationId xmlns="" xmlns:a16="http://schemas.microsoft.com/office/drawing/2014/main" id="{C0C21AFE-4F12-462D-B65F-3BF951AEC06F}"/>
+                <a16:creationId xmlns:a16="http://schemas.microsoft.com/office/drawing/2014/main" xmlns="" id="{C0C21AFE-4F12-462D-B65F-3BF951AEC06F}"/>
               </a:ext>
             </a:extLst>
           </p:cNvPr>
@@ -32982,7 +32961,7 @@
             <p:cNvPr id="23" name="Rectangle 22">
               <a:extLst>
                 <a:ext uri="{FF2B5EF4-FFF2-40B4-BE49-F238E27FC236}">
-                  <a16:creationId xmlns="" xmlns:a16="http://schemas.microsoft.com/office/drawing/2014/main" id="{96E33DEA-81B2-4F66-8A43-4EFF626DBA81}"/>
+                  <a16:creationId xmlns:a16="http://schemas.microsoft.com/office/drawing/2014/main" xmlns="" id="{96E33DEA-81B2-4F66-8A43-4EFF626DBA81}"/>
                 </a:ext>
               </a:extLst>
             </p:cNvPr>
@@ -33034,7 +33013,7 @@
             <p:cNvPr id="13" name="Group 12">
               <a:extLst>
                 <a:ext uri="{FF2B5EF4-FFF2-40B4-BE49-F238E27FC236}">
-                  <a16:creationId xmlns="" xmlns:a16="http://schemas.microsoft.com/office/drawing/2014/main" id="{5754AE95-74E7-475C-9849-33EBD44DDC4B}"/>
+                  <a16:creationId xmlns:a16="http://schemas.microsoft.com/office/drawing/2014/main" xmlns="" id="{5754AE95-74E7-475C-9849-33EBD44DDC4B}"/>
                 </a:ext>
               </a:extLst>
             </p:cNvPr>
@@ -33054,7 +33033,7 @@
               <p:cNvPr id="14" name="Picture 13">
                 <a:extLst>
                   <a:ext uri="{FF2B5EF4-FFF2-40B4-BE49-F238E27FC236}">
-                    <a16:creationId xmlns="" xmlns:a16="http://schemas.microsoft.com/office/drawing/2014/main" id="{36450F7E-8E5F-4A06-934E-44928F9E159D}"/>
+                    <a16:creationId xmlns:a16="http://schemas.microsoft.com/office/drawing/2014/main" xmlns="" id="{36450F7E-8E5F-4A06-934E-44928F9E159D}"/>
                   </a:ext>
                 </a:extLst>
               </p:cNvPr>
@@ -33091,7 +33070,7 @@
               <p:cNvPr id="16" name="Picture 15">
                 <a:extLst>
                   <a:ext uri="{FF2B5EF4-FFF2-40B4-BE49-F238E27FC236}">
-                    <a16:creationId xmlns="" xmlns:a16="http://schemas.microsoft.com/office/drawing/2014/main" id="{93E9C61E-EECF-453F-A9A1-10AEDED67173}"/>
+                    <a16:creationId xmlns:a16="http://schemas.microsoft.com/office/drawing/2014/main" xmlns="" id="{93E9C61E-EECF-453F-A9A1-10AEDED67173}"/>
                   </a:ext>
                 </a:extLst>
               </p:cNvPr>
@@ -33128,7 +33107,7 @@
               <p:cNvPr id="17" name="Picture 16">
                 <a:extLst>
                   <a:ext uri="{FF2B5EF4-FFF2-40B4-BE49-F238E27FC236}">
-                    <a16:creationId xmlns="" xmlns:a16="http://schemas.microsoft.com/office/drawing/2014/main" id="{E806F4E7-08A6-4FB1-B047-255D9CA3363B}"/>
+                    <a16:creationId xmlns:a16="http://schemas.microsoft.com/office/drawing/2014/main" xmlns="" id="{E806F4E7-08A6-4FB1-B047-255D9CA3363B}"/>
                   </a:ext>
                 </a:extLst>
               </p:cNvPr>
@@ -33165,7 +33144,7 @@
               <p:cNvPr id="18" name="Picture 17">
                 <a:extLst>
                   <a:ext uri="{FF2B5EF4-FFF2-40B4-BE49-F238E27FC236}">
-                    <a16:creationId xmlns="" xmlns:a16="http://schemas.microsoft.com/office/drawing/2014/main" id="{7084AF1D-2556-4F4F-AAF7-4043D927C9AF}"/>
+                    <a16:creationId xmlns:a16="http://schemas.microsoft.com/office/drawing/2014/main" xmlns="" id="{7084AF1D-2556-4F4F-AAF7-4043D927C9AF}"/>
                   </a:ext>
                 </a:extLst>
               </p:cNvPr>
@@ -33202,7 +33181,7 @@
               <p:cNvPr id="19" name="Picture 18">
                 <a:extLst>
                   <a:ext uri="{FF2B5EF4-FFF2-40B4-BE49-F238E27FC236}">
-                    <a16:creationId xmlns="" xmlns:a16="http://schemas.microsoft.com/office/drawing/2014/main" id="{84204CB6-6B6E-4330-A9DB-B191FEF9793F}"/>
+                    <a16:creationId xmlns:a16="http://schemas.microsoft.com/office/drawing/2014/main" xmlns="" id="{84204CB6-6B6E-4330-A9DB-B191FEF9793F}"/>
                   </a:ext>
                 </a:extLst>
               </p:cNvPr>
@@ -33239,7 +33218,7 @@
               <p:cNvPr id="20" name="Picture 19">
                 <a:extLst>
                   <a:ext uri="{FF2B5EF4-FFF2-40B4-BE49-F238E27FC236}">
-                    <a16:creationId xmlns="" xmlns:a16="http://schemas.microsoft.com/office/drawing/2014/main" id="{674B8B85-BBB3-437A-8456-CD5EDB81837E}"/>
+                    <a16:creationId xmlns:a16="http://schemas.microsoft.com/office/drawing/2014/main" xmlns="" id="{674B8B85-BBB3-437A-8456-CD5EDB81837E}"/>
                   </a:ext>
                 </a:extLst>
               </p:cNvPr>
@@ -33277,7 +33256,7 @@
             <p:cNvPr id="21" name="Picture 20">
               <a:extLst>
                 <a:ext uri="{FF2B5EF4-FFF2-40B4-BE49-F238E27FC236}">
-                  <a16:creationId xmlns="" xmlns:a16="http://schemas.microsoft.com/office/drawing/2014/main" id="{B284878A-8F48-4F59-BE0F-E68C9B230567}"/>
+                  <a16:creationId xmlns:a16="http://schemas.microsoft.com/office/drawing/2014/main" xmlns="" id="{B284878A-8F48-4F59-BE0F-E68C9B230567}"/>
                 </a:ext>
               </a:extLst>
             </p:cNvPr>
@@ -33313,7 +33292,7 @@
           <p:cNvPr id="24" name="Title 1">
             <a:extLst>
               <a:ext uri="{FF2B5EF4-FFF2-40B4-BE49-F238E27FC236}">
-                <a16:creationId xmlns="" xmlns:a16="http://schemas.microsoft.com/office/drawing/2014/main" id="{D5DA019F-9228-4661-A2D9-8CAE786963D8}"/>
+                <a16:creationId xmlns:a16="http://schemas.microsoft.com/office/drawing/2014/main" xmlns="" id="{D5DA019F-9228-4661-A2D9-8CAE786963D8}"/>
               </a:ext>
             </a:extLst>
           </p:cNvPr>
@@ -33358,7 +33337,7 @@
           <p:cNvPr id="25" name="Text Placeholder 6">
             <a:extLst>
               <a:ext uri="{FF2B5EF4-FFF2-40B4-BE49-F238E27FC236}">
-                <a16:creationId xmlns="" xmlns:a16="http://schemas.microsoft.com/office/drawing/2014/main" id="{355F0719-930E-4DC2-BF88-FC1ECC980F18}"/>
+                <a16:creationId xmlns:a16="http://schemas.microsoft.com/office/drawing/2014/main" xmlns="" id="{355F0719-930E-4DC2-BF88-FC1ECC980F18}"/>
               </a:ext>
             </a:extLst>
           </p:cNvPr>
@@ -33411,7 +33390,7 @@
           <p:cNvPr id="26" name="Callout: Bent Line 25">
             <a:extLst>
               <a:ext uri="{FF2B5EF4-FFF2-40B4-BE49-F238E27FC236}">
-                <a16:creationId xmlns="" xmlns:a16="http://schemas.microsoft.com/office/drawing/2014/main" id="{19D17972-0458-428C-AB9D-1BBEA73F249E}"/>
+                <a16:creationId xmlns:a16="http://schemas.microsoft.com/office/drawing/2014/main" xmlns="" id="{19D17972-0458-428C-AB9D-1BBEA73F249E}"/>
               </a:ext>
             </a:extLst>
           </p:cNvPr>
@@ -33694,7 +33673,7 @@
           <p:cNvPr id="9" name="TextBox 8">
             <a:extLst>
               <a:ext uri="{FF2B5EF4-FFF2-40B4-BE49-F238E27FC236}">
-                <a16:creationId xmlns="" xmlns:a16="http://schemas.microsoft.com/office/drawing/2014/main" id="{03E79E96-3907-4052-953D-E9C9AE6574DF}"/>
+                <a16:creationId xmlns:a16="http://schemas.microsoft.com/office/drawing/2014/main" xmlns="" id="{03E79E96-3907-4052-953D-E9C9AE6574DF}"/>
               </a:ext>
             </a:extLst>
           </p:cNvPr>
@@ -33744,7 +33723,7 @@
           <p:cNvPr id="8" name="Picture 7">
             <a:extLst>
               <a:ext uri="{FF2B5EF4-FFF2-40B4-BE49-F238E27FC236}">
-                <a16:creationId xmlns="" xmlns:a16="http://schemas.microsoft.com/office/drawing/2014/main" id="{03A86A2E-641E-4A35-93DF-124AC0959B54}"/>
+                <a16:creationId xmlns:a16="http://schemas.microsoft.com/office/drawing/2014/main" xmlns="" id="{03A86A2E-641E-4A35-93DF-124AC0959B54}"/>
               </a:ext>
             </a:extLst>
           </p:cNvPr>
@@ -34187,7 +34166,7 @@
           <p:cNvPr id="10" name="Picture 9">
             <a:extLst>
               <a:ext uri="{FF2B5EF4-FFF2-40B4-BE49-F238E27FC236}">
-                <a16:creationId xmlns="" xmlns:a16="http://schemas.microsoft.com/office/drawing/2014/main" id="{5CF37F3C-632D-4CB6-9F3B-4228AB16763C}"/>
+                <a16:creationId xmlns:a16="http://schemas.microsoft.com/office/drawing/2014/main" xmlns="" id="{5CF37F3C-632D-4CB6-9F3B-4228AB16763C}"/>
               </a:ext>
             </a:extLst>
           </p:cNvPr>
@@ -34342,7 +34321,7 @@
           <p:cNvPr id="9" name="TextBox 8">
             <a:extLst>
               <a:ext uri="{FF2B5EF4-FFF2-40B4-BE49-F238E27FC236}">
-                <a16:creationId xmlns="" xmlns:a16="http://schemas.microsoft.com/office/drawing/2014/main" id="{03E79E96-3907-4052-953D-E9C9AE6574DF}"/>
+                <a16:creationId xmlns:a16="http://schemas.microsoft.com/office/drawing/2014/main" xmlns="" id="{03E79E96-3907-4052-953D-E9C9AE6574DF}"/>
               </a:ext>
             </a:extLst>
           </p:cNvPr>
@@ -34752,7 +34731,7 @@
           <p:cNvPr id="2" name="Title 1">
             <a:extLst>
               <a:ext uri="{FF2B5EF4-FFF2-40B4-BE49-F238E27FC236}">
-                <a16:creationId xmlns="" xmlns:a16="http://schemas.microsoft.com/office/drawing/2014/main" id="{AC028084-52C2-4834-B8BD-3355BB186EC8}"/>
+                <a16:creationId xmlns:a16="http://schemas.microsoft.com/office/drawing/2014/main" xmlns="" id="{AC028084-52C2-4834-B8BD-3355BB186EC8}"/>
               </a:ext>
             </a:extLst>
           </p:cNvPr>
@@ -34780,7 +34759,7 @@
           <p:cNvPr id="3" name="Text Placeholder 2">
             <a:extLst>
               <a:ext uri="{FF2B5EF4-FFF2-40B4-BE49-F238E27FC236}">
-                <a16:creationId xmlns="" xmlns:a16="http://schemas.microsoft.com/office/drawing/2014/main" id="{045D61AF-6E9C-4EDE-AE92-E2D0F535E922}"/>
+                <a16:creationId xmlns:a16="http://schemas.microsoft.com/office/drawing/2014/main" xmlns="" id="{045D61AF-6E9C-4EDE-AE92-E2D0F535E922}"/>
               </a:ext>
             </a:extLst>
           </p:cNvPr>
@@ -34848,7 +34827,7 @@
           <p:cNvPr id="2" name="Text Placeholder 1">
             <a:extLst>
               <a:ext uri="{FF2B5EF4-FFF2-40B4-BE49-F238E27FC236}">
-                <a16:creationId xmlns="" xmlns:a16="http://schemas.microsoft.com/office/drawing/2014/main" id="{A5A5F860-056D-49B1-89CE-6ED6106D155B}"/>
+                <a16:creationId xmlns:a16="http://schemas.microsoft.com/office/drawing/2014/main" xmlns="" id="{A5A5F860-056D-49B1-89CE-6ED6106D155B}"/>
               </a:ext>
             </a:extLst>
           </p:cNvPr>
@@ -34993,7 +34972,7 @@
           <p:cNvPr id="4" name="Title 3">
             <a:extLst>
               <a:ext uri="{FF2B5EF4-FFF2-40B4-BE49-F238E27FC236}">
-                <a16:creationId xmlns="" xmlns:a16="http://schemas.microsoft.com/office/drawing/2014/main" id="{1E8DD07A-F221-43F4-9D94-8E058984DF12}"/>
+                <a16:creationId xmlns:a16="http://schemas.microsoft.com/office/drawing/2014/main" xmlns="" id="{1E8DD07A-F221-43F4-9D94-8E058984DF12}"/>
               </a:ext>
             </a:extLst>
           </p:cNvPr>
@@ -35051,7 +35030,7 @@
           <p:cNvPr id="2" name="Content Placeholder 1">
             <a:extLst>
               <a:ext uri="{FF2B5EF4-FFF2-40B4-BE49-F238E27FC236}">
-                <a16:creationId xmlns="" xmlns:a16="http://schemas.microsoft.com/office/drawing/2014/main" id="{ED091E99-3B19-4731-AE4B-67ADA09C4D3A}"/>
+                <a16:creationId xmlns:a16="http://schemas.microsoft.com/office/drawing/2014/main" xmlns="" id="{ED091E99-3B19-4731-AE4B-67ADA09C4D3A}"/>
               </a:ext>
             </a:extLst>
           </p:cNvPr>
@@ -35131,7 +35110,7 @@
           <p:cNvPr id="3" name="Title 2">
             <a:extLst>
               <a:ext uri="{FF2B5EF4-FFF2-40B4-BE49-F238E27FC236}">
-                <a16:creationId xmlns="" xmlns:a16="http://schemas.microsoft.com/office/drawing/2014/main" id="{BF0B52E2-9A6A-4F1D-9FEF-EFF140C63379}"/>
+                <a16:creationId xmlns:a16="http://schemas.microsoft.com/office/drawing/2014/main" xmlns="" id="{BF0B52E2-9A6A-4F1D-9FEF-EFF140C63379}"/>
               </a:ext>
             </a:extLst>
           </p:cNvPr>
@@ -35220,7 +35199,7 @@
           <p:cNvPr id="2" name="Content Placeholder 1">
             <a:extLst>
               <a:ext uri="{FF2B5EF4-FFF2-40B4-BE49-F238E27FC236}">
-                <a16:creationId xmlns="" xmlns:a16="http://schemas.microsoft.com/office/drawing/2014/main" id="{ED091E99-3B19-4731-AE4B-67ADA09C4D3A}"/>
+                <a16:creationId xmlns:a16="http://schemas.microsoft.com/office/drawing/2014/main" xmlns="" id="{ED091E99-3B19-4731-AE4B-67ADA09C4D3A}"/>
               </a:ext>
             </a:extLst>
           </p:cNvPr>
@@ -35478,7 +35457,7 @@
           <p:cNvPr id="3" name="Title 2">
             <a:extLst>
               <a:ext uri="{FF2B5EF4-FFF2-40B4-BE49-F238E27FC236}">
-                <a16:creationId xmlns="" xmlns:a16="http://schemas.microsoft.com/office/drawing/2014/main" id="{BF0B52E2-9A6A-4F1D-9FEF-EFF140C63379}"/>
+                <a16:creationId xmlns:a16="http://schemas.microsoft.com/office/drawing/2014/main" xmlns="" id="{BF0B52E2-9A6A-4F1D-9FEF-EFF140C63379}"/>
               </a:ext>
             </a:extLst>
           </p:cNvPr>
@@ -35496,11 +35475,7 @@
           <a:p>
             <a:r>
               <a:rPr lang="en-GB" dirty="0" smtClean="0"/>
-              <a:t>Concepts: Fields </a:t>
-            </a:r>
-            <a:r>
-              <a:rPr lang="en-GB" dirty="0" smtClean="0"/>
-              <a:t>&amp; tables</a:t>
+              <a:t>Concepts: Fields &amp; tables</a:t>
             </a:r>
             <a:endParaRPr lang="en-GB" dirty="0"/>
           </a:p>
@@ -35541,7 +35516,7 @@
           <p:cNvPr id="2" name="Content Placeholder 1">
             <a:extLst>
               <a:ext uri="{FF2B5EF4-FFF2-40B4-BE49-F238E27FC236}">
-                <a16:creationId xmlns="" xmlns:a16="http://schemas.microsoft.com/office/drawing/2014/main" id="{ED091E99-3B19-4731-AE4B-67ADA09C4D3A}"/>
+                <a16:creationId xmlns:a16="http://schemas.microsoft.com/office/drawing/2014/main" xmlns="" id="{ED091E99-3B19-4731-AE4B-67ADA09C4D3A}"/>
               </a:ext>
             </a:extLst>
           </p:cNvPr>
@@ -35623,7 +35598,7 @@
           <p:cNvPr id="3" name="Title 2">
             <a:extLst>
               <a:ext uri="{FF2B5EF4-FFF2-40B4-BE49-F238E27FC236}">
-                <a16:creationId xmlns="" xmlns:a16="http://schemas.microsoft.com/office/drawing/2014/main" id="{BF0B52E2-9A6A-4F1D-9FEF-EFF140C63379}"/>
+                <a16:creationId xmlns:a16="http://schemas.microsoft.com/office/drawing/2014/main" xmlns="" id="{BF0B52E2-9A6A-4F1D-9FEF-EFF140C63379}"/>
               </a:ext>
             </a:extLst>
           </p:cNvPr>
@@ -35641,11 +35616,7 @@
           <a:p>
             <a:r>
               <a:rPr lang="en-GB" dirty="0" smtClean="0"/>
-              <a:t>Concept: SQL </a:t>
-            </a:r>
-            <a:r>
-              <a:rPr lang="en-GB" dirty="0" smtClean="0"/>
-              <a:t>Joins</a:t>
+              <a:t>Concept: SQL Joins</a:t>
             </a:r>
             <a:endParaRPr lang="en-GB" dirty="0"/>
           </a:p>
@@ -35716,7 +35687,7 @@
           <p:cNvPr id="2" name="Content Placeholder 1">
             <a:extLst>
               <a:ext uri="{FF2B5EF4-FFF2-40B4-BE49-F238E27FC236}">
-                <a16:creationId xmlns="" xmlns:a16="http://schemas.microsoft.com/office/drawing/2014/main" id="{ED091E99-3B19-4731-AE4B-67ADA09C4D3A}"/>
+                <a16:creationId xmlns:a16="http://schemas.microsoft.com/office/drawing/2014/main" xmlns="" id="{ED091E99-3B19-4731-AE4B-67ADA09C4D3A}"/>
               </a:ext>
             </a:extLst>
           </p:cNvPr>
@@ -35891,7 +35862,7 @@
           <p:cNvPr id="3" name="Title 2">
             <a:extLst>
               <a:ext uri="{FF2B5EF4-FFF2-40B4-BE49-F238E27FC236}">
-                <a16:creationId xmlns="" xmlns:a16="http://schemas.microsoft.com/office/drawing/2014/main" id="{BF0B52E2-9A6A-4F1D-9FEF-EFF140C63379}"/>
+                <a16:creationId xmlns:a16="http://schemas.microsoft.com/office/drawing/2014/main" xmlns="" id="{BF0B52E2-9A6A-4F1D-9FEF-EFF140C63379}"/>
               </a:ext>
             </a:extLst>
           </p:cNvPr>
@@ -35950,7 +35921,7 @@
           <p:cNvPr id="2" name="Content Placeholder 1">
             <a:extLst>
               <a:ext uri="{FF2B5EF4-FFF2-40B4-BE49-F238E27FC236}">
-                <a16:creationId xmlns="" xmlns:a16="http://schemas.microsoft.com/office/drawing/2014/main" id="{ED091E99-3B19-4731-AE4B-67ADA09C4D3A}"/>
+                <a16:creationId xmlns:a16="http://schemas.microsoft.com/office/drawing/2014/main" xmlns="" id="{ED091E99-3B19-4731-AE4B-67ADA09C4D3A}"/>
               </a:ext>
             </a:extLst>
           </p:cNvPr>
@@ -36245,7 +36216,7 @@
           <p:cNvPr id="3" name="Title 2">
             <a:extLst>
               <a:ext uri="{FF2B5EF4-FFF2-40B4-BE49-F238E27FC236}">
-                <a16:creationId xmlns="" xmlns:a16="http://schemas.microsoft.com/office/drawing/2014/main" id="{BF0B52E2-9A6A-4F1D-9FEF-EFF140C63379}"/>
+                <a16:creationId xmlns:a16="http://schemas.microsoft.com/office/drawing/2014/main" xmlns="" id="{BF0B52E2-9A6A-4F1D-9FEF-EFF140C63379}"/>
               </a:ext>
             </a:extLst>
           </p:cNvPr>
@@ -36304,7 +36275,7 @@
           <p:cNvPr id="2" name="Content Placeholder 1">
             <a:extLst>
               <a:ext uri="{FF2B5EF4-FFF2-40B4-BE49-F238E27FC236}">
-                <a16:creationId xmlns="" xmlns:a16="http://schemas.microsoft.com/office/drawing/2014/main" id="{ED091E99-3B19-4731-AE4B-67ADA09C4D3A}"/>
+                <a16:creationId xmlns:a16="http://schemas.microsoft.com/office/drawing/2014/main" xmlns="" id="{ED091E99-3B19-4731-AE4B-67ADA09C4D3A}"/>
               </a:ext>
             </a:extLst>
           </p:cNvPr>
@@ -36391,7 +36362,7 @@
           <p:cNvPr id="3" name="Title 2">
             <a:extLst>
               <a:ext uri="{FF2B5EF4-FFF2-40B4-BE49-F238E27FC236}">
-                <a16:creationId xmlns="" xmlns:a16="http://schemas.microsoft.com/office/drawing/2014/main" id="{BF0B52E2-9A6A-4F1D-9FEF-EFF140C63379}"/>
+                <a16:creationId xmlns:a16="http://schemas.microsoft.com/office/drawing/2014/main" xmlns="" id="{BF0B52E2-9A6A-4F1D-9FEF-EFF140C63379}"/>
               </a:ext>
             </a:extLst>
           </p:cNvPr>
@@ -36409,11 +36380,7 @@
           <a:p>
             <a:r>
               <a:rPr lang="en-GB" dirty="0" smtClean="0"/>
-              <a:t>Concepts: Indexing </a:t>
-            </a:r>
-            <a:r>
-              <a:rPr lang="en-GB" dirty="0" smtClean="0"/>
-              <a:t>and constraints</a:t>
+              <a:t>Concepts: Indexing and constraints</a:t>
             </a:r>
             <a:endParaRPr lang="en-GB" dirty="0"/>
           </a:p>
@@ -36454,7 +36421,7 @@
           <p:cNvPr id="2" name="Content Placeholder 1">
             <a:extLst>
               <a:ext uri="{FF2B5EF4-FFF2-40B4-BE49-F238E27FC236}">
-                <a16:creationId xmlns="" xmlns:a16="http://schemas.microsoft.com/office/drawing/2014/main" id="{ED091E99-3B19-4731-AE4B-67ADA09C4D3A}"/>
+                <a16:creationId xmlns:a16="http://schemas.microsoft.com/office/drawing/2014/main" xmlns="" id="{ED091E99-3B19-4731-AE4B-67ADA09C4D3A}"/>
               </a:ext>
             </a:extLst>
           </p:cNvPr>
@@ -36634,11 +36601,7 @@
             </a:pPr>
             <a:r>
               <a:rPr lang="en-GB" dirty="0" smtClean="0"/>
-              <a:t>Postgres vs </a:t>
-            </a:r>
-            <a:r>
-              <a:rPr lang="en-GB" dirty="0" smtClean="0"/>
-              <a:t>MySQL</a:t>
+              <a:t>Postgres vs MySQL</a:t>
             </a:r>
           </a:p>
           <a:p>
@@ -36681,7 +36644,11 @@
             </a:pPr>
             <a:r>
               <a:rPr lang="en-GB" dirty="0" smtClean="0"/>
-              <a:t>SQL vs NoSQL</a:t>
+              <a:t>SQL vs </a:t>
+            </a:r>
+            <a:r>
+              <a:rPr lang="en-GB" dirty="0" smtClean="0"/>
+              <a:t>NoSQL</a:t>
             </a:r>
           </a:p>
           <a:p>
@@ -36704,6 +36671,117 @@
             </a:pPr>
             <a:endParaRPr lang="en-GB" dirty="0"/>
           </a:p>
+          <a:p>
+            <a:pPr marL="0" lvl="0" indent="0">
+              <a:lnSpc>
+                <a:spcPct val="100000"/>
+              </a:lnSpc>
+              <a:spcBef>
+                <a:spcPts val="0"/>
+              </a:spcBef>
+              <a:buNone/>
+              <a:defRPr/>
+            </a:pPr>
+            <a:r>
+              <a:rPr lang="en-GB" dirty="0"/>
+              <a:t>https://</a:t>
+            </a:r>
+            <a:r>
+              <a:rPr lang="en-GB" dirty="0" err="1"/>
+              <a:t>prodigyfinance.atlassian.net</a:t>
+            </a:r>
+            <a:r>
+              <a:rPr lang="en-GB" dirty="0"/>
+              <a:t>/wiki/spaces/WIKAP/pages/20119590/SQL</a:t>
+            </a:r>
+          </a:p>
+          <a:p>
+            <a:pPr marL="0" lvl="0" indent="0">
+              <a:lnSpc>
+                <a:spcPct val="100000"/>
+              </a:lnSpc>
+              <a:spcBef>
+                <a:spcPts val="0"/>
+              </a:spcBef>
+              <a:buNone/>
+              <a:defRPr/>
+            </a:pPr>
+            <a:endParaRPr lang="en-GB" dirty="0" smtClean="0"/>
+          </a:p>
+          <a:p>
+            <a:pPr marL="0" lvl="0" indent="0">
+              <a:lnSpc>
+                <a:spcPct val="100000"/>
+              </a:lnSpc>
+              <a:spcBef>
+                <a:spcPts val="0"/>
+              </a:spcBef>
+              <a:buNone/>
+              <a:defRPr/>
+            </a:pPr>
+            <a:r>
+              <a:rPr lang="en-GB" dirty="0" smtClean="0"/>
+              <a:t>http</a:t>
+            </a:r>
+            <a:r>
+              <a:rPr lang="en-GB" dirty="0"/>
+              <a:t>://</a:t>
+            </a:r>
+            <a:r>
+              <a:rPr lang="en-GB" dirty="0" err="1"/>
+              <a:t>www.postgresqltutorial.com</a:t>
+            </a:r>
+            <a:r>
+              <a:rPr lang="en-GB" dirty="0"/>
+              <a:t>/</a:t>
+            </a:r>
+            <a:endParaRPr lang="en-GB" dirty="0" smtClean="0"/>
+          </a:p>
+          <a:p>
+            <a:pPr marL="0" marR="0" lvl="0" indent="0" defTabSz="914400" eaLnBrk="1" fontAlgn="auto" latinLnBrk="0" hangingPunct="1">
+              <a:lnSpc>
+                <a:spcPct val="100000"/>
+              </a:lnSpc>
+              <a:spcBef>
+                <a:spcPts val="0"/>
+              </a:spcBef>
+              <a:spcAft>
+                <a:spcPts val="0"/>
+              </a:spcAft>
+              <a:buClrTx/>
+              <a:buSzTx/>
+              <a:buFontTx/>
+              <a:buNone/>
+              <a:tabLst/>
+              <a:defRPr/>
+            </a:pPr>
+            <a:endParaRPr lang="en-GB" dirty="0" smtClean="0"/>
+          </a:p>
+          <a:p>
+            <a:pPr marL="0" lvl="0" indent="0">
+              <a:lnSpc>
+                <a:spcPct val="100000"/>
+              </a:lnSpc>
+              <a:spcBef>
+                <a:spcPts val="0"/>
+              </a:spcBef>
+              <a:buNone/>
+              <a:defRPr/>
+            </a:pPr>
+            <a:r>
+              <a:rPr lang="en-GB" dirty="0"/>
+              <a:t>https://</a:t>
+            </a:r>
+            <a:r>
+              <a:rPr lang="en-GB" dirty="0" err="1"/>
+              <a:t>pgexercises.com</a:t>
+            </a:r>
+            <a:r>
+              <a:rPr lang="en-GB"/>
+              <a:t>/</a:t>
+            </a:r>
+            <a:endParaRPr lang="en-GB" dirty="0"/>
+          </a:p>
         </p:txBody>
       </p:sp>
       <p:sp>
@@ -36711,7 +36789,7 @@
           <p:cNvPr id="3" name="Title 2">
             <a:extLst>
               <a:ext uri="{FF2B5EF4-FFF2-40B4-BE49-F238E27FC236}">
-                <a16:creationId xmlns="" xmlns:a16="http://schemas.microsoft.com/office/drawing/2014/main" id="{BF0B52E2-9A6A-4F1D-9FEF-EFF140C63379}"/>
+                <a16:creationId xmlns:a16="http://schemas.microsoft.com/office/drawing/2014/main" xmlns="" id="{BF0B52E2-9A6A-4F1D-9FEF-EFF140C63379}"/>
               </a:ext>
             </a:extLst>
           </p:cNvPr>
